--- a/report/OptimalFinalPresentation.pptx
+++ b/report/OptimalFinalPresentation.pptx
@@ -5,10 +5,10 @@
     <p:sldMasterId id="2147483648" r:id="rId1"/>
   </p:sldMasterIdLst>
   <p:notesMasterIdLst>
-    <p:notesMasterId r:id="rId22"/>
+    <p:notesMasterId r:id="rId24"/>
   </p:notesMasterIdLst>
   <p:handoutMasterIdLst>
-    <p:handoutMasterId r:id="rId23"/>
+    <p:handoutMasterId r:id="rId25"/>
   </p:handoutMasterIdLst>
   <p:sldIdLst>
     <p:sldId id="256" r:id="rId2"/>
@@ -26,11 +26,13 @@
     <p:sldId id="267" r:id="rId14"/>
     <p:sldId id="268" r:id="rId15"/>
     <p:sldId id="269" r:id="rId16"/>
-    <p:sldId id="270" r:id="rId17"/>
-    <p:sldId id="271" r:id="rId18"/>
-    <p:sldId id="272" r:id="rId19"/>
-    <p:sldId id="280" r:id="rId20"/>
-    <p:sldId id="281" r:id="rId21"/>
+    <p:sldId id="284" r:id="rId17"/>
+    <p:sldId id="285" r:id="rId18"/>
+    <p:sldId id="270" r:id="rId19"/>
+    <p:sldId id="271" r:id="rId20"/>
+    <p:sldId id="272" r:id="rId21"/>
+    <p:sldId id="280" r:id="rId22"/>
+    <p:sldId id="281" r:id="rId23"/>
   </p:sldIdLst>
   <p:sldSz cx="12192000" cy="6858000"/>
   <p:notesSz cx="9144000" cy="6858000"/>
@@ -15963,6 +15965,306 @@
           </p:sp>
         </mc:Fallback>
       </mc:AlternateContent>
+      <mc:AlternateContent xmlns:mc="http://schemas.openxmlformats.org/markup-compatibility/2006">
+        <mc:Choice xmlns:a14="http://schemas.microsoft.com/office/drawing/2010/main" Requires="a14">
+          <p:sp>
+            <p:nvSpPr>
+              <p:cNvPr id="15" name="Text Placeholder 3">
+                <a:extLst>
+                  <a:ext uri="{FF2B5EF4-FFF2-40B4-BE49-F238E27FC236}">
+                    <a16:creationId xmlns:a16="http://schemas.microsoft.com/office/drawing/2014/main" id="{D807B94B-5929-DF9D-68CE-1D72FD140E30}"/>
+                  </a:ext>
+                </a:extLst>
+              </p:cNvPr>
+              <p:cNvSpPr txBox="1">
+                <a:spLocks/>
+              </p:cNvSpPr>
+              <p:nvPr/>
+            </p:nvSpPr>
+            <p:spPr>
+              <a:xfrm>
+                <a:off x="4071207" y="5000626"/>
+                <a:ext cx="3931920" cy="1238250"/>
+              </a:xfrm>
+              <a:prstGeom prst="rect">
+                <a:avLst/>
+              </a:prstGeom>
+            </p:spPr>
+            <p:txBody>
+              <a:bodyPr vert="horz" lIns="91440" tIns="45720" rIns="91440" bIns="45720" rtlCol="0">
+                <a:normAutofit/>
+              </a:bodyPr>
+              <a:lstStyle>
+                <a:lvl1pPr marL="342900" indent="-342900" defTabSz="457200">
+                  <a:spcBef>
+                    <a:spcPts val="700"/>
+                  </a:spcBef>
+                  <a:buClr>
+                    <a:srgbClr val="000000"/>
+                  </a:buClr>
+                  <a:buSzPct val="100000"/>
+                  <a:buFont typeface="Arial"/>
+                  <a:buChar char="•"/>
+                  <a:defRPr sz="2800">
+                    <a:solidFill>
+                      <a:srgbClr val="03244D"/>
+                    </a:solidFill>
+                    <a:uFill>
+                      <a:solidFill/>
+                    </a:uFill>
+                    <a:latin typeface="+mn-lt"/>
+                    <a:ea typeface="+mn-ea"/>
+                    <a:cs typeface="Arial" panose="020B0604020202020204" pitchFamily="34" charset="0"/>
+                    <a:sym typeface="Calibri"/>
+                  </a:defRPr>
+                </a:lvl1pPr>
+                <a:lvl2pPr marL="783771" indent="-326571" defTabSz="457200">
+                  <a:spcBef>
+                    <a:spcPts val="700"/>
+                  </a:spcBef>
+                  <a:buClr>
+                    <a:srgbClr val="000000"/>
+                  </a:buClr>
+                  <a:buSzPct val="100000"/>
+                  <a:buFont typeface="Arial"/>
+                  <a:buChar char="•"/>
+                  <a:defRPr sz="2400">
+                    <a:solidFill>
+                      <a:srgbClr val="03244D"/>
+                    </a:solidFill>
+                    <a:uFill>
+                      <a:solidFill/>
+                    </a:uFill>
+                    <a:latin typeface="+mn-lt"/>
+                    <a:ea typeface="+mn-ea"/>
+                    <a:cs typeface="Arial" panose="020B0604020202020204" pitchFamily="34" charset="0"/>
+                    <a:sym typeface="Calibri"/>
+                  </a:defRPr>
+                </a:lvl2pPr>
+                <a:lvl3pPr marL="1219200" indent="-304800" defTabSz="457200">
+                  <a:spcBef>
+                    <a:spcPts val="700"/>
+                  </a:spcBef>
+                  <a:buClr>
+                    <a:srgbClr val="000000"/>
+                  </a:buClr>
+                  <a:buSzPct val="100000"/>
+                  <a:buFont typeface="Arial"/>
+                  <a:buChar char="•"/>
+                  <a:defRPr sz="2000">
+                    <a:solidFill>
+                      <a:srgbClr val="03244D"/>
+                    </a:solidFill>
+                    <a:uFill>
+                      <a:solidFill/>
+                    </a:uFill>
+                    <a:latin typeface="+mn-lt"/>
+                    <a:ea typeface="+mn-ea"/>
+                    <a:cs typeface="Arial" panose="020B0604020202020204" pitchFamily="34" charset="0"/>
+                    <a:sym typeface="Calibri"/>
+                  </a:defRPr>
+                </a:lvl3pPr>
+                <a:lvl4pPr marL="1737360" indent="-365760" defTabSz="457200">
+                  <a:spcBef>
+                    <a:spcPts val="700"/>
+                  </a:spcBef>
+                  <a:buClr>
+                    <a:srgbClr val="000000"/>
+                  </a:buClr>
+                  <a:buSzPct val="100000"/>
+                  <a:buFont typeface="Arial"/>
+                  <a:buChar char="•"/>
+                  <a:defRPr sz="2000">
+                    <a:solidFill>
+                      <a:srgbClr val="03244D"/>
+                    </a:solidFill>
+                    <a:uFill>
+                      <a:solidFill/>
+                    </a:uFill>
+                    <a:latin typeface="+mn-lt"/>
+                    <a:ea typeface="+mn-ea"/>
+                    <a:cs typeface="Arial" panose="020B0604020202020204" pitchFamily="34" charset="0"/>
+                    <a:sym typeface="Calibri"/>
+                  </a:defRPr>
+                </a:lvl4pPr>
+                <a:lvl5pPr marL="2194560" indent="-365760" defTabSz="457200">
+                  <a:spcBef>
+                    <a:spcPts val="700"/>
+                  </a:spcBef>
+                  <a:buClr>
+                    <a:srgbClr val="000000"/>
+                  </a:buClr>
+                  <a:buSzPct val="100000"/>
+                  <a:buFont typeface="Arial"/>
+                  <a:buChar char="•"/>
+                  <a:defRPr sz="2000">
+                    <a:solidFill>
+                      <a:srgbClr val="03244D"/>
+                    </a:solidFill>
+                    <a:uFill>
+                      <a:solidFill/>
+                    </a:uFill>
+                    <a:latin typeface="+mn-lt"/>
+                    <a:ea typeface="+mn-ea"/>
+                    <a:cs typeface="Arial" panose="020B0604020202020204" pitchFamily="34" charset="0"/>
+                    <a:sym typeface="Calibri"/>
+                  </a:defRPr>
+                </a:lvl5pPr>
+                <a:lvl6pPr marL="2451100" indent="0" defTabSz="457200">
+                  <a:spcBef>
+                    <a:spcPts val="700"/>
+                  </a:spcBef>
+                  <a:buClr>
+                    <a:srgbClr val="000000"/>
+                  </a:buClr>
+                  <a:buSzPct val="171000"/>
+                  <a:buFont typeface="Arial"/>
+                  <a:buNone/>
+                  <a:defRPr sz="1800">
+                    <a:solidFill>
+                      <a:srgbClr val="03244D"/>
+                    </a:solidFill>
+                    <a:uFill>
+                      <a:solidFill/>
+                    </a:uFill>
+                    <a:latin typeface="Arial" panose="020B0604020202020204" pitchFamily="34" charset="0"/>
+                    <a:ea typeface="+mn-ea"/>
+                    <a:cs typeface="Arial" panose="020B0604020202020204" pitchFamily="34" charset="0"/>
+                    <a:sym typeface="Calibri"/>
+                  </a:defRPr>
+                </a:lvl6pPr>
+                <a:lvl7pPr marL="3721100" indent="-914400" defTabSz="457200">
+                  <a:spcBef>
+                    <a:spcPts val="700"/>
+                  </a:spcBef>
+                  <a:buClr>
+                    <a:srgbClr val="000000"/>
+                  </a:buClr>
+                  <a:buSzPct val="171000"/>
+                  <a:buFont typeface="Arial"/>
+                  <a:buChar char="•"/>
+                  <a:defRPr sz="3200">
+                    <a:uFill>
+                      <a:solidFill/>
+                    </a:uFill>
+                    <a:latin typeface="+mn-lt"/>
+                    <a:ea typeface="+mn-ea"/>
+                    <a:cs typeface="+mn-cs"/>
+                    <a:sym typeface="Calibri"/>
+                  </a:defRPr>
+                </a:lvl7pPr>
+                <a:lvl8pPr marL="4076700" indent="-914400" defTabSz="457200">
+                  <a:spcBef>
+                    <a:spcPts val="700"/>
+                  </a:spcBef>
+                  <a:buClr>
+                    <a:srgbClr val="000000"/>
+                  </a:buClr>
+                  <a:buSzPct val="171000"/>
+                  <a:buFont typeface="Arial"/>
+                  <a:buChar char="•"/>
+                  <a:defRPr sz="3200">
+                    <a:uFill>
+                      <a:solidFill/>
+                    </a:uFill>
+                    <a:latin typeface="+mn-lt"/>
+                    <a:ea typeface="+mn-ea"/>
+                    <a:cs typeface="+mn-cs"/>
+                    <a:sym typeface="Calibri"/>
+                  </a:defRPr>
+                </a:lvl8pPr>
+                <a:lvl9pPr marL="4432300" indent="-914400" defTabSz="457200">
+                  <a:spcBef>
+                    <a:spcPts val="700"/>
+                  </a:spcBef>
+                  <a:buClr>
+                    <a:srgbClr val="000000"/>
+                  </a:buClr>
+                  <a:buSzPct val="171000"/>
+                  <a:buFont typeface="Arial"/>
+                  <a:buChar char="•"/>
+                  <a:defRPr sz="3200">
+                    <a:uFill>
+                      <a:solidFill/>
+                    </a:uFill>
+                    <a:latin typeface="+mn-lt"/>
+                    <a:ea typeface="+mn-ea"/>
+                    <a:cs typeface="+mn-cs"/>
+                    <a:sym typeface="Calibri"/>
+                  </a:defRPr>
+                </a:lvl9pPr>
+              </a:lstStyle>
+              <a:p>
+                <a:pPr marL="0" indent="0" algn="ctr">
+                  <a:buNone/>
+                </a:pPr>
+                <a:r>
+                  <a:rPr lang="en-US" sz="2000" dirty="0"/>
+                  <a:t>*NOTE: This model assumes </a:t>
+                </a:r>
+                <a14:m>
+                  <m:oMath xmlns:m="http://schemas.openxmlformats.org/officeDocument/2006/math">
+                    <m:r>
+                      <a:rPr lang="en-US" sz="2000" b="0" i="1" smtClean="0">
+                        <a:latin typeface="Cambria Math" panose="02040503050406030204" pitchFamily="18" charset="0"/>
+                      </a:rPr>
+                      <m:t>𝜔</m:t>
+                    </m:r>
+                  </m:oMath>
+                </a14:m>
+                <a:r>
+                  <a:rPr lang="en-US" sz="2000" dirty="0"/>
+                  <a:t> (turn rate) is known or estimated*</a:t>
+                </a:r>
+              </a:p>
+            </p:txBody>
+          </p:sp>
+        </mc:Choice>
+        <mc:Fallback>
+          <p:sp>
+            <p:nvSpPr>
+              <p:cNvPr id="15" name="Text Placeholder 3">
+                <a:extLst>
+                  <a:ext uri="{FF2B5EF4-FFF2-40B4-BE49-F238E27FC236}">
+                    <a16:creationId xmlns:a16="http://schemas.microsoft.com/office/drawing/2014/main" id="{D807B94B-5929-DF9D-68CE-1D72FD140E30}"/>
+                  </a:ext>
+                </a:extLst>
+              </p:cNvPr>
+              <p:cNvSpPr txBox="1">
+                <a:spLocks noRot="1" noChangeAspect="1" noMove="1" noResize="1" noEditPoints="1" noAdjustHandles="1" noChangeArrowheads="1" noChangeShapeType="1" noTextEdit="1"/>
+              </p:cNvSpPr>
+              <p:nvPr/>
+            </p:nvSpPr>
+            <p:spPr>
+              <a:xfrm>
+                <a:off x="4071207" y="5000626"/>
+                <a:ext cx="3931920" cy="1238250"/>
+              </a:xfrm>
+              <a:prstGeom prst="rect">
+                <a:avLst/>
+              </a:prstGeom>
+              <a:blipFill>
+                <a:blip r:embed="rId6"/>
+                <a:stretch>
+                  <a:fillRect l="-1705" t="-1970" r="-1395"/>
+                </a:stretch>
+              </a:blipFill>
+            </p:spPr>
+            <p:txBody>
+              <a:bodyPr/>
+              <a:lstStyle/>
+              <a:p>
+                <a:r>
+                  <a:rPr lang="en-US">
+                    <a:noFill/>
+                  </a:rPr>
+                  <a:t> </a:t>
+                </a:r>
+              </a:p>
+            </p:txBody>
+          </p:sp>
+        </mc:Fallback>
+      </mc:AlternateContent>
     </p:spTree>
     <p:extLst>
       <p:ext uri="{BB962C8B-B14F-4D97-AF65-F5344CB8AC3E}">
@@ -16058,6 +16360,338 @@
           </a:p>
         </p:txBody>
       </p:sp>
+      <p:sp>
+        <p:nvSpPr>
+          <p:cNvPr id="4" name="Text Placeholder 3">
+            <a:extLst>
+              <a:ext uri="{FF2B5EF4-FFF2-40B4-BE49-F238E27FC236}">
+                <a16:creationId xmlns:a16="http://schemas.microsoft.com/office/drawing/2014/main" id="{CABE8559-FEE4-E913-9A8E-9B45975E4B81}"/>
+              </a:ext>
+            </a:extLst>
+          </p:cNvPr>
+          <p:cNvSpPr>
+            <a:spLocks noGrp="1"/>
+          </p:cNvSpPr>
+          <p:nvPr>
+            <p:ph type="body" sz="quarter" idx="11"/>
+          </p:nvPr>
+        </p:nvSpPr>
+        <p:spPr>
+          <a:xfrm>
+            <a:off x="1507140" y="1424734"/>
+            <a:ext cx="4007835" cy="4911725"/>
+          </a:xfrm>
+        </p:spPr>
+        <p:txBody>
+          <a:bodyPr/>
+          <a:lstStyle/>
+          <a:p>
+            <a:pPr marL="0" indent="0" algn="ctr">
+              <a:buNone/>
+            </a:pPr>
+            <a:r>
+              <a:rPr lang="en-US" u="sng" dirty="0"/>
+              <a:t>CV-CT</a:t>
+            </a:r>
+          </a:p>
+          <a:p>
+            <a:pPr algn="l"/>
+            <a:r>
+              <a:rPr lang="en-US" sz="2000" dirty="0"/>
+              <a:t>10m/s East for 10sec</a:t>
+            </a:r>
+          </a:p>
+          <a:p>
+            <a:pPr algn="l"/>
+            <a:r>
+              <a:rPr lang="en-US" sz="2000" dirty="0"/>
+              <a:t>30°/s for 10sec</a:t>
+            </a:r>
+          </a:p>
+          <a:p>
+            <a:pPr algn="l"/>
+            <a:r>
+              <a:rPr lang="en-US" sz="2000" dirty="0"/>
+              <a:t>10m/s at resultant heading for 10sec</a:t>
+            </a:r>
+          </a:p>
+        </p:txBody>
+      </p:sp>
+      <p:sp>
+        <p:nvSpPr>
+          <p:cNvPr id="6" name="Text Placeholder 3">
+            <a:extLst>
+              <a:ext uri="{FF2B5EF4-FFF2-40B4-BE49-F238E27FC236}">
+                <a16:creationId xmlns:a16="http://schemas.microsoft.com/office/drawing/2014/main" id="{841072AC-754B-8D36-7F78-10560E608CF1}"/>
+              </a:ext>
+            </a:extLst>
+          </p:cNvPr>
+          <p:cNvSpPr txBox="1">
+            <a:spLocks/>
+          </p:cNvSpPr>
+          <p:nvPr/>
+        </p:nvSpPr>
+        <p:spPr>
+          <a:xfrm>
+            <a:off x="6677027" y="1424733"/>
+            <a:ext cx="4122135" cy="4911725"/>
+          </a:xfrm>
+          <a:prstGeom prst="rect">
+            <a:avLst/>
+          </a:prstGeom>
+        </p:spPr>
+        <p:txBody>
+          <a:bodyPr vert="horz" lIns="91440" tIns="45720" rIns="91440" bIns="45720" rtlCol="0">
+            <a:normAutofit/>
+          </a:bodyPr>
+          <a:lstStyle>
+            <a:lvl1pPr marL="342900" indent="-342900" defTabSz="457200">
+              <a:spcBef>
+                <a:spcPts val="700"/>
+              </a:spcBef>
+              <a:buClr>
+                <a:srgbClr val="000000"/>
+              </a:buClr>
+              <a:buSzPct val="100000"/>
+              <a:buFont typeface="Arial"/>
+              <a:buChar char="•"/>
+              <a:defRPr sz="2800">
+                <a:solidFill>
+                  <a:srgbClr val="03244D"/>
+                </a:solidFill>
+                <a:uFill>
+                  <a:solidFill/>
+                </a:uFill>
+                <a:latin typeface="+mn-lt"/>
+                <a:ea typeface="+mn-ea"/>
+                <a:cs typeface="Arial" panose="020B0604020202020204" pitchFamily="34" charset="0"/>
+                <a:sym typeface="Calibri"/>
+              </a:defRPr>
+            </a:lvl1pPr>
+            <a:lvl2pPr marL="783771" indent="-326571" defTabSz="457200">
+              <a:spcBef>
+                <a:spcPts val="700"/>
+              </a:spcBef>
+              <a:buClr>
+                <a:srgbClr val="000000"/>
+              </a:buClr>
+              <a:buSzPct val="100000"/>
+              <a:buFont typeface="Arial"/>
+              <a:buChar char="•"/>
+              <a:defRPr sz="2400">
+                <a:solidFill>
+                  <a:srgbClr val="03244D"/>
+                </a:solidFill>
+                <a:uFill>
+                  <a:solidFill/>
+                </a:uFill>
+                <a:latin typeface="+mn-lt"/>
+                <a:ea typeface="+mn-ea"/>
+                <a:cs typeface="Arial" panose="020B0604020202020204" pitchFamily="34" charset="0"/>
+                <a:sym typeface="Calibri"/>
+              </a:defRPr>
+            </a:lvl2pPr>
+            <a:lvl3pPr marL="1219200" indent="-304800" defTabSz="457200">
+              <a:spcBef>
+                <a:spcPts val="700"/>
+              </a:spcBef>
+              <a:buClr>
+                <a:srgbClr val="000000"/>
+              </a:buClr>
+              <a:buSzPct val="100000"/>
+              <a:buFont typeface="Arial"/>
+              <a:buChar char="•"/>
+              <a:defRPr sz="2000">
+                <a:solidFill>
+                  <a:srgbClr val="03244D"/>
+                </a:solidFill>
+                <a:uFill>
+                  <a:solidFill/>
+                </a:uFill>
+                <a:latin typeface="+mn-lt"/>
+                <a:ea typeface="+mn-ea"/>
+                <a:cs typeface="Arial" panose="020B0604020202020204" pitchFamily="34" charset="0"/>
+                <a:sym typeface="Calibri"/>
+              </a:defRPr>
+            </a:lvl3pPr>
+            <a:lvl4pPr marL="1737360" indent="-365760" defTabSz="457200">
+              <a:spcBef>
+                <a:spcPts val="700"/>
+              </a:spcBef>
+              <a:buClr>
+                <a:srgbClr val="000000"/>
+              </a:buClr>
+              <a:buSzPct val="100000"/>
+              <a:buFont typeface="Arial"/>
+              <a:buChar char="•"/>
+              <a:defRPr sz="2000">
+                <a:solidFill>
+                  <a:srgbClr val="03244D"/>
+                </a:solidFill>
+                <a:uFill>
+                  <a:solidFill/>
+                </a:uFill>
+                <a:latin typeface="+mn-lt"/>
+                <a:ea typeface="+mn-ea"/>
+                <a:cs typeface="Arial" panose="020B0604020202020204" pitchFamily="34" charset="0"/>
+                <a:sym typeface="Calibri"/>
+              </a:defRPr>
+            </a:lvl4pPr>
+            <a:lvl5pPr marL="2194560" indent="-365760" defTabSz="457200">
+              <a:spcBef>
+                <a:spcPts val="700"/>
+              </a:spcBef>
+              <a:buClr>
+                <a:srgbClr val="000000"/>
+              </a:buClr>
+              <a:buSzPct val="100000"/>
+              <a:buFont typeface="Arial"/>
+              <a:buChar char="•"/>
+              <a:defRPr sz="2000">
+                <a:solidFill>
+                  <a:srgbClr val="03244D"/>
+                </a:solidFill>
+                <a:uFill>
+                  <a:solidFill/>
+                </a:uFill>
+                <a:latin typeface="+mn-lt"/>
+                <a:ea typeface="+mn-ea"/>
+                <a:cs typeface="Arial" panose="020B0604020202020204" pitchFamily="34" charset="0"/>
+                <a:sym typeface="Calibri"/>
+              </a:defRPr>
+            </a:lvl5pPr>
+            <a:lvl6pPr marL="2451100" indent="0" defTabSz="457200">
+              <a:spcBef>
+                <a:spcPts val="700"/>
+              </a:spcBef>
+              <a:buClr>
+                <a:srgbClr val="000000"/>
+              </a:buClr>
+              <a:buSzPct val="171000"/>
+              <a:buFont typeface="Arial"/>
+              <a:buNone/>
+              <a:defRPr sz="1800">
+                <a:solidFill>
+                  <a:srgbClr val="03244D"/>
+                </a:solidFill>
+                <a:uFill>
+                  <a:solidFill/>
+                </a:uFill>
+                <a:latin typeface="Arial" panose="020B0604020202020204" pitchFamily="34" charset="0"/>
+                <a:ea typeface="+mn-ea"/>
+                <a:cs typeface="Arial" panose="020B0604020202020204" pitchFamily="34" charset="0"/>
+                <a:sym typeface="Calibri"/>
+              </a:defRPr>
+            </a:lvl6pPr>
+            <a:lvl7pPr marL="3721100" indent="-914400" defTabSz="457200">
+              <a:spcBef>
+                <a:spcPts val="700"/>
+              </a:spcBef>
+              <a:buClr>
+                <a:srgbClr val="000000"/>
+              </a:buClr>
+              <a:buSzPct val="171000"/>
+              <a:buFont typeface="Arial"/>
+              <a:buChar char="•"/>
+              <a:defRPr sz="3200">
+                <a:uFill>
+                  <a:solidFill/>
+                </a:uFill>
+                <a:latin typeface="+mn-lt"/>
+                <a:ea typeface="+mn-ea"/>
+                <a:cs typeface="+mn-cs"/>
+                <a:sym typeface="Calibri"/>
+              </a:defRPr>
+            </a:lvl7pPr>
+            <a:lvl8pPr marL="4076700" indent="-914400" defTabSz="457200">
+              <a:spcBef>
+                <a:spcPts val="700"/>
+              </a:spcBef>
+              <a:buClr>
+                <a:srgbClr val="000000"/>
+              </a:buClr>
+              <a:buSzPct val="171000"/>
+              <a:buFont typeface="Arial"/>
+              <a:buChar char="•"/>
+              <a:defRPr sz="3200">
+                <a:uFill>
+                  <a:solidFill/>
+                </a:uFill>
+                <a:latin typeface="+mn-lt"/>
+                <a:ea typeface="+mn-ea"/>
+                <a:cs typeface="+mn-cs"/>
+                <a:sym typeface="Calibri"/>
+              </a:defRPr>
+            </a:lvl8pPr>
+            <a:lvl9pPr marL="4432300" indent="-914400" defTabSz="457200">
+              <a:spcBef>
+                <a:spcPts val="700"/>
+              </a:spcBef>
+              <a:buClr>
+                <a:srgbClr val="000000"/>
+              </a:buClr>
+              <a:buSzPct val="171000"/>
+              <a:buFont typeface="Arial"/>
+              <a:buChar char="•"/>
+              <a:defRPr sz="3200">
+                <a:uFill>
+                  <a:solidFill/>
+                </a:uFill>
+                <a:latin typeface="+mn-lt"/>
+                <a:ea typeface="+mn-ea"/>
+                <a:cs typeface="+mn-cs"/>
+                <a:sym typeface="Calibri"/>
+              </a:defRPr>
+            </a:lvl9pPr>
+          </a:lstStyle>
+          <a:p>
+            <a:pPr marL="0" indent="0" algn="ctr">
+              <a:buFont typeface="Arial"/>
+              <a:buNone/>
+            </a:pPr>
+            <a:r>
+              <a:rPr lang="en-US" u="sng" dirty="0"/>
+              <a:t>CV-CT-CA </a:t>
+            </a:r>
+          </a:p>
+        </p:txBody>
+      </p:sp>
+      <p:pic>
+        <p:nvPicPr>
+          <p:cNvPr id="10" name="Picture 9" descr="A graph with a red line and a blue circle&#10;&#10;AI-generated content may be incorrect.">
+            <a:extLst>
+              <a:ext uri="{FF2B5EF4-FFF2-40B4-BE49-F238E27FC236}">
+                <a16:creationId xmlns:a16="http://schemas.microsoft.com/office/drawing/2014/main" id="{63ACE15D-7791-821B-7414-AF79BB7E4B95}"/>
+              </a:ext>
+            </a:extLst>
+          </p:cNvPr>
+          <p:cNvPicPr>
+            <a:picLocks noChangeAspect="1"/>
+          </p:cNvPicPr>
+          <p:nvPr/>
+        </p:nvPicPr>
+        <p:blipFill>
+          <a:blip r:embed="rId2">
+            <a:extLst>
+              <a:ext uri="{28A0092B-C50C-407E-A947-70E740481C1C}">
+                <a14:useLocalDpi xmlns:a14="http://schemas.microsoft.com/office/drawing/2010/main" val="0"/>
+              </a:ext>
+            </a:extLst>
+          </a:blip>
+          <a:stretch>
+            <a:fillRect/>
+          </a:stretch>
+        </p:blipFill>
+        <p:spPr>
+          <a:xfrm>
+            <a:off x="1507140" y="3429000"/>
+            <a:ext cx="4007835" cy="3005877"/>
+          </a:xfrm>
+          <a:prstGeom prst="rect">
+            <a:avLst/>
+          </a:prstGeom>
+        </p:spPr>
+      </p:pic>
     </p:spTree>
     <p:extLst>
       <p:ext uri="{BB962C8B-B14F-4D97-AF65-F5344CB8AC3E}">
@@ -16118,7 +16752,7 @@
           <a:p>
             <a:r>
               <a:rPr lang="en-US" dirty="0"/>
-              <a:t>Results</a:t>
+              <a:t>Results (CV-CT) - Errors</a:t>
             </a:r>
           </a:p>
         </p:txBody>
@@ -16153,6 +16787,106 @@
           </a:p>
         </p:txBody>
       </p:sp>
+      <p:sp>
+        <p:nvSpPr>
+          <p:cNvPr id="14" name="Text Placeholder 13">
+            <a:extLst>
+              <a:ext uri="{FF2B5EF4-FFF2-40B4-BE49-F238E27FC236}">
+                <a16:creationId xmlns:a16="http://schemas.microsoft.com/office/drawing/2014/main" id="{A888786F-9874-B96C-F21C-09E338BD3355}"/>
+              </a:ext>
+            </a:extLst>
+          </p:cNvPr>
+          <p:cNvSpPr>
+            <a:spLocks noGrp="1"/>
+          </p:cNvSpPr>
+          <p:nvPr>
+            <p:ph type="body" sz="quarter" idx="11"/>
+          </p:nvPr>
+        </p:nvSpPr>
+        <p:spPr/>
+        <p:txBody>
+          <a:bodyPr/>
+          <a:lstStyle/>
+          <a:p>
+            <a:r>
+              <a:rPr lang="en-US" dirty="0"/>
+              <a:t>Error Plots of Filters Shown Below:</a:t>
+            </a:r>
+          </a:p>
+        </p:txBody>
+      </p:sp>
+      <p:pic>
+        <p:nvPicPr>
+          <p:cNvPr id="11" name="Picture 10" descr="A graph of different colored lines&#10;&#10;AI-generated content may be incorrect.">
+            <a:extLst>
+              <a:ext uri="{FF2B5EF4-FFF2-40B4-BE49-F238E27FC236}">
+                <a16:creationId xmlns:a16="http://schemas.microsoft.com/office/drawing/2014/main" id="{55F58FFB-9354-3D6B-CFDF-53C4ACBC112E}"/>
+              </a:ext>
+            </a:extLst>
+          </p:cNvPr>
+          <p:cNvPicPr>
+            <a:picLocks noChangeAspect="1"/>
+          </p:cNvPicPr>
+          <p:nvPr/>
+        </p:nvPicPr>
+        <p:blipFill>
+          <a:blip r:embed="rId2">
+            <a:extLst>
+              <a:ext uri="{28A0092B-C50C-407E-A947-70E740481C1C}">
+                <a14:useLocalDpi xmlns:a14="http://schemas.microsoft.com/office/drawing/2010/main" val="0"/>
+              </a:ext>
+            </a:extLst>
+          </a:blip>
+          <a:stretch>
+            <a:fillRect/>
+          </a:stretch>
+        </p:blipFill>
+        <p:spPr>
+          <a:xfrm>
+            <a:off x="326040" y="1988297"/>
+            <a:ext cx="5486399" cy="4114800"/>
+          </a:xfrm>
+          <a:prstGeom prst="rect">
+            <a:avLst/>
+          </a:prstGeom>
+        </p:spPr>
+      </p:pic>
+      <p:pic>
+        <p:nvPicPr>
+          <p:cNvPr id="13" name="Picture 12" descr="A graph of a graph of a function&#10;&#10;AI-generated content may be incorrect.">
+            <a:extLst>
+              <a:ext uri="{FF2B5EF4-FFF2-40B4-BE49-F238E27FC236}">
+                <a16:creationId xmlns:a16="http://schemas.microsoft.com/office/drawing/2014/main" id="{AAF22D0B-1B56-75D9-3CA4-4A63C9B3EF5E}"/>
+              </a:ext>
+            </a:extLst>
+          </p:cNvPr>
+          <p:cNvPicPr>
+            <a:picLocks noChangeAspect="1"/>
+          </p:cNvPicPr>
+          <p:nvPr/>
+        </p:nvPicPr>
+        <p:blipFill>
+          <a:blip r:embed="rId3">
+            <a:extLst>
+              <a:ext uri="{28A0092B-C50C-407E-A947-70E740481C1C}">
+                <a14:useLocalDpi xmlns:a14="http://schemas.microsoft.com/office/drawing/2010/main" val="0"/>
+              </a:ext>
+            </a:extLst>
+          </a:blip>
+          <a:stretch>
+            <a:fillRect/>
+          </a:stretch>
+        </p:blipFill>
+        <p:spPr>
+          <a:xfrm>
+            <a:off x="6379563" y="1988297"/>
+            <a:ext cx="5633955" cy="4114800"/>
+          </a:xfrm>
+          <a:prstGeom prst="rect">
+            <a:avLst/>
+          </a:prstGeom>
+        </p:spPr>
+      </p:pic>
     </p:spTree>
     <p:extLst>
       <p:ext uri="{BB962C8B-B14F-4D97-AF65-F5344CB8AC3E}">
@@ -16163,11 +16897,1878 @@
   <p:clrMapOvr>
     <a:masterClrMapping/>
   </p:clrMapOvr>
-  <p:transition spd="med"/>
+  <mc:AlternateContent xmlns:mc="http://schemas.openxmlformats.org/markup-compatibility/2006">
+    <mc:Choice xmlns:p14="http://schemas.microsoft.com/office/powerpoint/2010/main" Requires="p14">
+      <p:transition p14:dur="0"/>
+    </mc:Choice>
+    <mc:Fallback>
+      <p:transition/>
+    </mc:Fallback>
+  </mc:AlternateContent>
 </p:sld>
 </file>
 
 <file path=ppt/slides/slide16.xml><?xml version="1.0" encoding="utf-8"?>
+<p:sld xmlns:a="http://schemas.openxmlformats.org/drawingml/2006/main" xmlns:r="http://schemas.openxmlformats.org/officeDocument/2006/relationships" xmlns:p="http://schemas.openxmlformats.org/presentationml/2006/main">
+  <p:cSld>
+    <p:spTree>
+      <p:nvGrpSpPr>
+        <p:cNvPr id="1" name="">
+          <a:extLst>
+            <a:ext uri="{FF2B5EF4-FFF2-40B4-BE49-F238E27FC236}">
+              <a16:creationId xmlns:a16="http://schemas.microsoft.com/office/drawing/2014/main" id="{1B82AD41-615A-814B-A17A-76E6411B39C2}"/>
+            </a:ext>
+          </a:extLst>
+        </p:cNvPr>
+        <p:cNvGrpSpPr/>
+        <p:nvPr/>
+      </p:nvGrpSpPr>
+      <p:grpSpPr>
+        <a:xfrm>
+          <a:off x="0" y="0"/>
+          <a:ext cx="0" cy="0"/>
+          <a:chOff x="0" y="0"/>
+          <a:chExt cx="0" cy="0"/>
+        </a:xfrm>
+      </p:grpSpPr>
+      <p:sp>
+        <p:nvSpPr>
+          <p:cNvPr id="2" name="Title 1">
+            <a:extLst>
+              <a:ext uri="{FF2B5EF4-FFF2-40B4-BE49-F238E27FC236}">
+                <a16:creationId xmlns:a16="http://schemas.microsoft.com/office/drawing/2014/main" id="{3336D4F2-0098-10DB-27F4-6F08FAFB4F45}"/>
+              </a:ext>
+            </a:extLst>
+          </p:cNvPr>
+          <p:cNvSpPr>
+            <a:spLocks noGrp="1"/>
+          </p:cNvSpPr>
+          <p:nvPr>
+            <p:ph type="title"/>
+          </p:nvPr>
+        </p:nvSpPr>
+        <p:spPr/>
+        <p:txBody>
+          <a:bodyPr/>
+          <a:lstStyle/>
+          <a:p>
+            <a:r>
+              <a:rPr lang="en-US" dirty="0"/>
+              <a:t>Results (CV-CT) – Mode Probability</a:t>
+            </a:r>
+          </a:p>
+        </p:txBody>
+      </p:sp>
+      <p:sp>
+        <p:nvSpPr>
+          <p:cNvPr id="3" name="Slide Number Placeholder 2">
+            <a:extLst>
+              <a:ext uri="{FF2B5EF4-FFF2-40B4-BE49-F238E27FC236}">
+                <a16:creationId xmlns:a16="http://schemas.microsoft.com/office/drawing/2014/main" id="{11FF3B3E-E3AB-792C-C430-048973A6BDE5}"/>
+              </a:ext>
+            </a:extLst>
+          </p:cNvPr>
+          <p:cNvSpPr>
+            <a:spLocks noGrp="1"/>
+          </p:cNvSpPr>
+          <p:nvPr>
+            <p:ph type="sldNum" sz="quarter" idx="10"/>
+          </p:nvPr>
+        </p:nvSpPr>
+        <p:spPr/>
+        <p:txBody>
+          <a:bodyPr/>
+          <a:lstStyle/>
+          <a:p>
+            <a:fld id="{CAC3FE34-2808-40E6-BEA2-B7CA77D47CA5}" type="slidenum">
+              <a:rPr lang="en-US" smtClean="0"/>
+              <a:pPr/>
+              <a:t>16</a:t>
+            </a:fld>
+            <a:endParaRPr lang="en-US" dirty="0"/>
+          </a:p>
+        </p:txBody>
+      </p:sp>
+      <p:sp>
+        <p:nvSpPr>
+          <p:cNvPr id="14" name="Text Placeholder 13">
+            <a:extLst>
+              <a:ext uri="{FF2B5EF4-FFF2-40B4-BE49-F238E27FC236}">
+                <a16:creationId xmlns:a16="http://schemas.microsoft.com/office/drawing/2014/main" id="{1AC2E480-8D00-85EB-B8DC-5E0792785A6B}"/>
+              </a:ext>
+            </a:extLst>
+          </p:cNvPr>
+          <p:cNvSpPr>
+            <a:spLocks noGrp="1"/>
+          </p:cNvSpPr>
+          <p:nvPr>
+            <p:ph type="body" sz="quarter" idx="11"/>
+          </p:nvPr>
+        </p:nvSpPr>
+        <p:spPr>
+          <a:xfrm>
+            <a:off x="135540" y="1341438"/>
+            <a:ext cx="3893535" cy="4911725"/>
+          </a:xfrm>
+        </p:spPr>
+        <p:txBody>
+          <a:bodyPr/>
+          <a:lstStyle/>
+          <a:p>
+            <a:r>
+              <a:rPr lang="en-US" dirty="0"/>
+              <a:t>The IMM model was able to accurately predict the changing modes</a:t>
+            </a:r>
+          </a:p>
+          <a:p>
+            <a:r>
+              <a:rPr lang="en-US" dirty="0"/>
+              <a:t>The CT model assumes that the turn rate is known</a:t>
+            </a:r>
+          </a:p>
+          <a:p>
+            <a:endParaRPr lang="en-US" dirty="0"/>
+          </a:p>
+        </p:txBody>
+      </p:sp>
+      <p:pic>
+        <p:nvPicPr>
+          <p:cNvPr id="11" name="Picture 10" descr="A graph of different colored lines&#10;&#10;AI-generated content may be incorrect.">
+            <a:extLst>
+              <a:ext uri="{FF2B5EF4-FFF2-40B4-BE49-F238E27FC236}">
+                <a16:creationId xmlns:a16="http://schemas.microsoft.com/office/drawing/2014/main" id="{A125C56F-4C37-036C-80E0-4B06E7E8CAF8}"/>
+              </a:ext>
+            </a:extLst>
+          </p:cNvPr>
+          <p:cNvPicPr>
+            <a:picLocks noChangeAspect="1"/>
+          </p:cNvPicPr>
+          <p:nvPr/>
+        </p:nvPicPr>
+        <p:blipFill>
+          <a:blip r:embed="rId2">
+            <a:extLst>
+              <a:ext uri="{28A0092B-C50C-407E-A947-70E740481C1C}">
+                <a14:useLocalDpi xmlns:a14="http://schemas.microsoft.com/office/drawing/2010/main" val="0"/>
+              </a:ext>
+            </a:extLst>
+          </a:blip>
+          <a:stretch>
+            <a:fillRect/>
+          </a:stretch>
+        </p:blipFill>
+        <p:spPr>
+          <a:xfrm>
+            <a:off x="9127139" y="1306550"/>
+            <a:ext cx="3048000" cy="2286000"/>
+          </a:xfrm>
+          <a:prstGeom prst="rect">
+            <a:avLst/>
+          </a:prstGeom>
+        </p:spPr>
+      </p:pic>
+      <p:pic>
+        <p:nvPicPr>
+          <p:cNvPr id="13" name="Picture 12" descr="A graph of a graph of a function&#10;&#10;AI-generated content may be incorrect.">
+            <a:extLst>
+              <a:ext uri="{FF2B5EF4-FFF2-40B4-BE49-F238E27FC236}">
+                <a16:creationId xmlns:a16="http://schemas.microsoft.com/office/drawing/2014/main" id="{5EBE1751-87F7-73E4-225E-54CD1E37DBD0}"/>
+              </a:ext>
+            </a:extLst>
+          </p:cNvPr>
+          <p:cNvPicPr>
+            <a:picLocks noChangeAspect="1"/>
+          </p:cNvPicPr>
+          <p:nvPr/>
+        </p:nvPicPr>
+        <p:blipFill>
+          <a:blip r:embed="rId3">
+            <a:extLst>
+              <a:ext uri="{28A0092B-C50C-407E-A947-70E740481C1C}">
+                <a14:useLocalDpi xmlns:a14="http://schemas.microsoft.com/office/drawing/2010/main" val="0"/>
+              </a:ext>
+            </a:extLst>
+          </a:blip>
+          <a:stretch>
+            <a:fillRect/>
+          </a:stretch>
+        </p:blipFill>
+        <p:spPr>
+          <a:xfrm>
+            <a:off x="9045164" y="3797300"/>
+            <a:ext cx="3129975" cy="2286000"/>
+          </a:xfrm>
+          <a:prstGeom prst="rect">
+            <a:avLst/>
+          </a:prstGeom>
+        </p:spPr>
+      </p:pic>
+      <p:pic>
+        <p:nvPicPr>
+          <p:cNvPr id="5" name="Picture 4" descr="A graph of a number of lines&#10;&#10;AI-generated content may be incorrect.">
+            <a:extLst>
+              <a:ext uri="{FF2B5EF4-FFF2-40B4-BE49-F238E27FC236}">
+                <a16:creationId xmlns:a16="http://schemas.microsoft.com/office/drawing/2014/main" id="{BDDA3355-CAC0-0FB8-2274-90F5DA9F6BCF}"/>
+              </a:ext>
+            </a:extLst>
+          </p:cNvPr>
+          <p:cNvPicPr>
+            <a:picLocks noChangeAspect="1"/>
+          </p:cNvPicPr>
+          <p:nvPr/>
+        </p:nvPicPr>
+        <p:blipFill>
+          <a:blip r:embed="rId4">
+            <a:extLst>
+              <a:ext uri="{28A0092B-C50C-407E-A947-70E740481C1C}">
+                <a14:useLocalDpi xmlns:a14="http://schemas.microsoft.com/office/drawing/2010/main" val="0"/>
+              </a:ext>
+            </a:extLst>
+          </a:blip>
+          <a:stretch>
+            <a:fillRect/>
+          </a:stretch>
+        </p:blipFill>
+        <p:spPr>
+          <a:xfrm>
+            <a:off x="4086406" y="3060477"/>
+            <a:ext cx="4901427" cy="3676070"/>
+          </a:xfrm>
+          <a:prstGeom prst="rect">
+            <a:avLst/>
+          </a:prstGeom>
+        </p:spPr>
+      </p:pic>
+      <p:pic>
+        <p:nvPicPr>
+          <p:cNvPr id="6" name="Picture 5" descr="A graph with a red line and a blue circle&#10;&#10;AI-generated content may be incorrect.">
+            <a:extLst>
+              <a:ext uri="{FF2B5EF4-FFF2-40B4-BE49-F238E27FC236}">
+                <a16:creationId xmlns:a16="http://schemas.microsoft.com/office/drawing/2014/main" id="{AFCCE26B-66F7-C394-A923-F563A22D0E4D}"/>
+              </a:ext>
+            </a:extLst>
+          </p:cNvPr>
+          <p:cNvPicPr>
+            <a:picLocks noChangeAspect="1"/>
+          </p:cNvPicPr>
+          <p:nvPr/>
+        </p:nvPicPr>
+        <p:blipFill>
+          <a:blip r:embed="rId5">
+            <a:extLst>
+              <a:ext uri="{28A0092B-C50C-407E-A947-70E740481C1C}">
+                <a14:useLocalDpi xmlns:a14="http://schemas.microsoft.com/office/drawing/2010/main" val="0"/>
+              </a:ext>
+            </a:extLst>
+          </a:blip>
+          <a:stretch>
+            <a:fillRect/>
+          </a:stretch>
+        </p:blipFill>
+        <p:spPr>
+          <a:xfrm>
+            <a:off x="5236741" y="1341438"/>
+            <a:ext cx="2450627" cy="1837971"/>
+          </a:xfrm>
+          <a:prstGeom prst="rect">
+            <a:avLst/>
+          </a:prstGeom>
+        </p:spPr>
+      </p:pic>
+    </p:spTree>
+    <p:extLst>
+      <p:ext uri="{BB962C8B-B14F-4D97-AF65-F5344CB8AC3E}">
+        <p14:creationId xmlns:p14="http://schemas.microsoft.com/office/powerpoint/2010/main" val="3384715479"/>
+      </p:ext>
+    </p:extLst>
+  </p:cSld>
+  <p:clrMapOvr>
+    <a:masterClrMapping/>
+  </p:clrMapOvr>
+  <mc:AlternateContent xmlns:mc="http://schemas.openxmlformats.org/markup-compatibility/2006">
+    <mc:Choice xmlns:p159="http://schemas.microsoft.com/office/powerpoint/2015/09/main" Requires="p159">
+      <p:transition xmlns:p14="http://schemas.microsoft.com/office/powerpoint/2010/main" spd="slow" p14:dur="2000">
+        <p159:morph option="byObject"/>
+      </p:transition>
+    </mc:Choice>
+    <mc:Fallback>
+      <p:transition spd="slow">
+        <p:fade/>
+      </p:transition>
+    </mc:Fallback>
+  </mc:AlternateContent>
+</p:sld>
+</file>
+
+<file path=ppt/slides/slide17.xml><?xml version="1.0" encoding="utf-8"?>
+<p:sld xmlns:a="http://schemas.openxmlformats.org/drawingml/2006/main" xmlns:r="http://schemas.openxmlformats.org/officeDocument/2006/relationships" xmlns:p="http://schemas.openxmlformats.org/presentationml/2006/main">
+  <p:cSld>
+    <p:spTree>
+      <p:nvGrpSpPr>
+        <p:cNvPr id="1" name="">
+          <a:extLst>
+            <a:ext uri="{FF2B5EF4-FFF2-40B4-BE49-F238E27FC236}">
+              <a16:creationId xmlns:a16="http://schemas.microsoft.com/office/drawing/2014/main" id="{FB05962D-E0E5-0C32-CD48-69385D762A8A}"/>
+            </a:ext>
+          </a:extLst>
+        </p:cNvPr>
+        <p:cNvGrpSpPr/>
+        <p:nvPr/>
+      </p:nvGrpSpPr>
+      <p:grpSpPr>
+        <a:xfrm>
+          <a:off x="0" y="0"/>
+          <a:ext cx="0" cy="0"/>
+          <a:chOff x="0" y="0"/>
+          <a:chExt cx="0" cy="0"/>
+        </a:xfrm>
+      </p:grpSpPr>
+      <p:sp>
+        <p:nvSpPr>
+          <p:cNvPr id="46" name="Text Placeholder 39">
+            <a:extLst>
+              <a:ext uri="{FF2B5EF4-FFF2-40B4-BE49-F238E27FC236}">
+                <a16:creationId xmlns:a16="http://schemas.microsoft.com/office/drawing/2014/main" id="{0A0EC95C-A14B-0FC4-1821-FEA115D87B73}"/>
+              </a:ext>
+            </a:extLst>
+          </p:cNvPr>
+          <p:cNvSpPr txBox="1">
+            <a:spLocks/>
+          </p:cNvSpPr>
+          <p:nvPr/>
+        </p:nvSpPr>
+        <p:spPr>
+          <a:xfrm>
+            <a:off x="1315072" y="3736852"/>
+            <a:ext cx="571886" cy="623248"/>
+          </a:xfrm>
+          <a:prstGeom prst="rect">
+            <a:avLst/>
+          </a:prstGeom>
+          <a:solidFill>
+            <a:schemeClr val="bg1"/>
+          </a:solidFill>
+          <a:ln w="12700" cap="flat">
+            <a:noFill/>
+            <a:miter lim="400000"/>
+          </a:ln>
+        </p:spPr>
+        <p:style>
+          <a:lnRef idx="0">
+            <a:scrgbClr r="0" g="0" b="0"/>
+          </a:lnRef>
+          <a:fillRef idx="0">
+            <a:scrgbClr r="0" g="0" b="0"/>
+          </a:fillRef>
+          <a:effectRef idx="0">
+            <a:scrgbClr r="0" g="0" b="0"/>
+          </a:effectRef>
+          <a:fontRef idx="none"/>
+        </p:style>
+        <p:txBody>
+          <a:bodyPr rot="0" spcFirstLastPara="1" vertOverflow="overflow" horzOverflow="overflow" vert="horz" wrap="square" lIns="50800" tIns="50800" rIns="50800" bIns="50800" numCol="1" spcCol="38100" rtlCol="0" anchor="ctr">
+            <a:spAutoFit/>
+          </a:bodyPr>
+          <a:lstStyle>
+            <a:lvl1pPr marL="342900" indent="-342900" defTabSz="457200">
+              <a:spcBef>
+                <a:spcPts val="700"/>
+              </a:spcBef>
+              <a:buClr>
+                <a:srgbClr val="000000"/>
+              </a:buClr>
+              <a:buSzPct val="100000"/>
+              <a:buFont typeface="Arial"/>
+              <a:buChar char="•"/>
+              <a:defRPr sz="2800">
+                <a:solidFill>
+                  <a:srgbClr val="03244D"/>
+                </a:solidFill>
+                <a:uFill>
+                  <a:solidFill/>
+                </a:uFill>
+                <a:latin typeface="+mn-lt"/>
+                <a:ea typeface="+mn-ea"/>
+                <a:cs typeface="Arial" panose="020B0604020202020204" pitchFamily="34" charset="0"/>
+                <a:sym typeface="Calibri"/>
+              </a:defRPr>
+            </a:lvl1pPr>
+            <a:lvl2pPr marL="783771" indent="-326571" defTabSz="457200">
+              <a:spcBef>
+                <a:spcPts val="700"/>
+              </a:spcBef>
+              <a:buClr>
+                <a:srgbClr val="000000"/>
+              </a:buClr>
+              <a:buSzPct val="100000"/>
+              <a:buFont typeface="Arial"/>
+              <a:buChar char="•"/>
+              <a:defRPr sz="2400">
+                <a:solidFill>
+                  <a:srgbClr val="03244D"/>
+                </a:solidFill>
+                <a:uFill>
+                  <a:solidFill/>
+                </a:uFill>
+                <a:latin typeface="+mn-lt"/>
+                <a:ea typeface="+mn-ea"/>
+                <a:cs typeface="Arial" panose="020B0604020202020204" pitchFamily="34" charset="0"/>
+                <a:sym typeface="Calibri"/>
+              </a:defRPr>
+            </a:lvl2pPr>
+            <a:lvl3pPr marL="1219200" indent="-304800" defTabSz="457200">
+              <a:spcBef>
+                <a:spcPts val="700"/>
+              </a:spcBef>
+              <a:buClr>
+                <a:srgbClr val="000000"/>
+              </a:buClr>
+              <a:buSzPct val="100000"/>
+              <a:buFont typeface="Arial"/>
+              <a:buChar char="•"/>
+              <a:defRPr sz="2000">
+                <a:solidFill>
+                  <a:srgbClr val="03244D"/>
+                </a:solidFill>
+                <a:uFill>
+                  <a:solidFill/>
+                </a:uFill>
+                <a:latin typeface="+mn-lt"/>
+                <a:ea typeface="+mn-ea"/>
+                <a:cs typeface="Arial" panose="020B0604020202020204" pitchFamily="34" charset="0"/>
+                <a:sym typeface="Calibri"/>
+              </a:defRPr>
+            </a:lvl3pPr>
+            <a:lvl4pPr marL="1737360" indent="-365760" defTabSz="457200">
+              <a:spcBef>
+                <a:spcPts val="700"/>
+              </a:spcBef>
+              <a:buClr>
+                <a:srgbClr val="000000"/>
+              </a:buClr>
+              <a:buSzPct val="100000"/>
+              <a:buFont typeface="Arial"/>
+              <a:buChar char="•"/>
+              <a:defRPr sz="2000">
+                <a:solidFill>
+                  <a:srgbClr val="03244D"/>
+                </a:solidFill>
+                <a:uFill>
+                  <a:solidFill/>
+                </a:uFill>
+                <a:latin typeface="+mn-lt"/>
+                <a:ea typeface="+mn-ea"/>
+                <a:cs typeface="Arial" panose="020B0604020202020204" pitchFamily="34" charset="0"/>
+                <a:sym typeface="Calibri"/>
+              </a:defRPr>
+            </a:lvl4pPr>
+            <a:lvl5pPr marL="2194560" indent="-365760" defTabSz="457200">
+              <a:spcBef>
+                <a:spcPts val="700"/>
+              </a:spcBef>
+              <a:buClr>
+                <a:srgbClr val="000000"/>
+              </a:buClr>
+              <a:buSzPct val="100000"/>
+              <a:buFont typeface="Arial"/>
+              <a:buChar char="•"/>
+              <a:defRPr sz="2000">
+                <a:solidFill>
+                  <a:srgbClr val="03244D"/>
+                </a:solidFill>
+                <a:uFill>
+                  <a:solidFill/>
+                </a:uFill>
+                <a:latin typeface="+mn-lt"/>
+                <a:ea typeface="+mn-ea"/>
+                <a:cs typeface="Arial" panose="020B0604020202020204" pitchFamily="34" charset="0"/>
+                <a:sym typeface="Calibri"/>
+              </a:defRPr>
+            </a:lvl5pPr>
+            <a:lvl6pPr marL="2451100" indent="0" defTabSz="457200">
+              <a:spcBef>
+                <a:spcPts val="700"/>
+              </a:spcBef>
+              <a:buClr>
+                <a:srgbClr val="000000"/>
+              </a:buClr>
+              <a:buSzPct val="171000"/>
+              <a:buFont typeface="Arial"/>
+              <a:buNone/>
+              <a:defRPr sz="1800">
+                <a:solidFill>
+                  <a:srgbClr val="03244D"/>
+                </a:solidFill>
+                <a:uFill>
+                  <a:solidFill/>
+                </a:uFill>
+                <a:latin typeface="Arial" panose="020B0604020202020204" pitchFamily="34" charset="0"/>
+                <a:ea typeface="+mn-ea"/>
+                <a:cs typeface="Arial" panose="020B0604020202020204" pitchFamily="34" charset="0"/>
+                <a:sym typeface="Calibri"/>
+              </a:defRPr>
+            </a:lvl6pPr>
+            <a:lvl7pPr marL="3721100" indent="-914400" defTabSz="457200">
+              <a:spcBef>
+                <a:spcPts val="700"/>
+              </a:spcBef>
+              <a:buClr>
+                <a:srgbClr val="000000"/>
+              </a:buClr>
+              <a:buSzPct val="171000"/>
+              <a:buFont typeface="Arial"/>
+              <a:buChar char="•"/>
+              <a:defRPr sz="3200">
+                <a:uFill>
+                  <a:solidFill/>
+                </a:uFill>
+                <a:latin typeface="+mn-lt"/>
+                <a:ea typeface="+mn-ea"/>
+                <a:cs typeface="+mn-cs"/>
+                <a:sym typeface="Calibri"/>
+              </a:defRPr>
+            </a:lvl7pPr>
+            <a:lvl8pPr marL="4076700" indent="-914400" defTabSz="457200">
+              <a:spcBef>
+                <a:spcPts val="700"/>
+              </a:spcBef>
+              <a:buClr>
+                <a:srgbClr val="000000"/>
+              </a:buClr>
+              <a:buSzPct val="171000"/>
+              <a:buFont typeface="Arial"/>
+              <a:buChar char="•"/>
+              <a:defRPr sz="3200">
+                <a:uFill>
+                  <a:solidFill/>
+                </a:uFill>
+                <a:latin typeface="+mn-lt"/>
+                <a:ea typeface="+mn-ea"/>
+                <a:cs typeface="+mn-cs"/>
+                <a:sym typeface="Calibri"/>
+              </a:defRPr>
+            </a:lvl8pPr>
+            <a:lvl9pPr marL="4432300" indent="-914400" defTabSz="457200">
+              <a:spcBef>
+                <a:spcPts val="700"/>
+              </a:spcBef>
+              <a:buClr>
+                <a:srgbClr val="000000"/>
+              </a:buClr>
+              <a:buSzPct val="171000"/>
+              <a:buFont typeface="Arial"/>
+              <a:buChar char="•"/>
+              <a:defRPr sz="3200">
+                <a:uFill>
+                  <a:solidFill/>
+                </a:uFill>
+                <a:latin typeface="+mn-lt"/>
+                <a:ea typeface="+mn-ea"/>
+                <a:cs typeface="+mn-cs"/>
+                <a:sym typeface="Calibri"/>
+              </a:defRPr>
+            </a:lvl9pPr>
+          </a:lstStyle>
+          <a:p>
+            <a:pPr marL="0" indent="0" algn="ctr">
+              <a:buFont typeface="Arial"/>
+              <a:buNone/>
+            </a:pPr>
+            <a:r>
+              <a:rPr lang="en-US" dirty="0"/>
+              <a:t>0</a:t>
+            </a:r>
+          </a:p>
+        </p:txBody>
+      </p:sp>
+      <p:sp>
+        <p:nvSpPr>
+          <p:cNvPr id="2" name="Title 1">
+            <a:extLst>
+              <a:ext uri="{FF2B5EF4-FFF2-40B4-BE49-F238E27FC236}">
+                <a16:creationId xmlns:a16="http://schemas.microsoft.com/office/drawing/2014/main" id="{0BCB9C2A-F2E7-D64C-66D7-E4DBA0D138BE}"/>
+              </a:ext>
+            </a:extLst>
+          </p:cNvPr>
+          <p:cNvSpPr>
+            <a:spLocks noGrp="1"/>
+          </p:cNvSpPr>
+          <p:nvPr>
+            <p:ph type="title"/>
+          </p:nvPr>
+        </p:nvSpPr>
+        <p:spPr/>
+        <p:txBody>
+          <a:bodyPr/>
+          <a:lstStyle/>
+          <a:p>
+            <a:r>
+              <a:rPr lang="en-US" dirty="0"/>
+              <a:t>Results (CV-CT) – Effect of Incorrect Turn Rate</a:t>
+            </a:r>
+          </a:p>
+        </p:txBody>
+      </p:sp>
+      <p:sp>
+        <p:nvSpPr>
+          <p:cNvPr id="3" name="Slide Number Placeholder 2">
+            <a:extLst>
+              <a:ext uri="{FF2B5EF4-FFF2-40B4-BE49-F238E27FC236}">
+                <a16:creationId xmlns:a16="http://schemas.microsoft.com/office/drawing/2014/main" id="{0DCE4850-69A8-E916-AD8E-C9CA882B9FE8}"/>
+              </a:ext>
+            </a:extLst>
+          </p:cNvPr>
+          <p:cNvSpPr>
+            <a:spLocks noGrp="1"/>
+          </p:cNvSpPr>
+          <p:nvPr>
+            <p:ph type="sldNum" sz="quarter" idx="10"/>
+          </p:nvPr>
+        </p:nvSpPr>
+        <p:spPr/>
+        <p:txBody>
+          <a:bodyPr/>
+          <a:lstStyle/>
+          <a:p>
+            <a:fld id="{CAC3FE34-2808-40E6-BEA2-B7CA77D47CA5}" type="slidenum">
+              <a:rPr lang="en-US" smtClean="0"/>
+              <a:pPr/>
+              <a:t>17</a:t>
+            </a:fld>
+            <a:endParaRPr lang="en-US" dirty="0"/>
+          </a:p>
+        </p:txBody>
+      </p:sp>
+      <p:pic>
+        <p:nvPicPr>
+          <p:cNvPr id="7" name="Picture 6" descr="A graph of a graph&#10;&#10;AI-generated content may be incorrect.">
+            <a:extLst>
+              <a:ext uri="{FF2B5EF4-FFF2-40B4-BE49-F238E27FC236}">
+                <a16:creationId xmlns:a16="http://schemas.microsoft.com/office/drawing/2014/main" id="{302E86EB-3E5A-7712-1846-0047AA0C01E6}"/>
+              </a:ext>
+            </a:extLst>
+          </p:cNvPr>
+          <p:cNvPicPr>
+            <a:picLocks noChangeAspect="1"/>
+          </p:cNvPicPr>
+          <p:nvPr/>
+        </p:nvPicPr>
+        <p:blipFill>
+          <a:blip r:embed="rId2">
+            <a:extLst>
+              <a:ext uri="{28A0092B-C50C-407E-A947-70E740481C1C}">
+                <a14:useLocalDpi xmlns:a14="http://schemas.microsoft.com/office/drawing/2010/main" val="0"/>
+              </a:ext>
+            </a:extLst>
+          </a:blip>
+          <a:stretch>
+            <a:fillRect/>
+          </a:stretch>
+        </p:blipFill>
+        <p:spPr>
+          <a:xfrm>
+            <a:off x="2465678" y="1259308"/>
+            <a:ext cx="2438400" cy="1828800"/>
+          </a:xfrm>
+          <a:prstGeom prst="rect">
+            <a:avLst/>
+          </a:prstGeom>
+        </p:spPr>
+      </p:pic>
+      <p:pic>
+        <p:nvPicPr>
+          <p:cNvPr id="9" name="Picture 8" descr="A graph of a number of lines&#10;&#10;AI-generated content may be incorrect.">
+            <a:extLst>
+              <a:ext uri="{FF2B5EF4-FFF2-40B4-BE49-F238E27FC236}">
+                <a16:creationId xmlns:a16="http://schemas.microsoft.com/office/drawing/2014/main" id="{E46AB1AC-705D-6AA7-BC4A-5A6697830374}"/>
+              </a:ext>
+            </a:extLst>
+          </p:cNvPr>
+          <p:cNvPicPr>
+            <a:picLocks noChangeAspect="1"/>
+          </p:cNvPicPr>
+          <p:nvPr/>
+        </p:nvPicPr>
+        <p:blipFill>
+          <a:blip r:embed="rId3">
+            <a:extLst>
+              <a:ext uri="{28A0092B-C50C-407E-A947-70E740481C1C}">
+                <a14:useLocalDpi xmlns:a14="http://schemas.microsoft.com/office/drawing/2010/main" val="0"/>
+              </a:ext>
+            </a:extLst>
+          </a:blip>
+          <a:stretch>
+            <a:fillRect/>
+          </a:stretch>
+        </p:blipFill>
+        <p:spPr>
+          <a:xfrm>
+            <a:off x="2447175" y="3170238"/>
+            <a:ext cx="2438400" cy="1828800"/>
+          </a:xfrm>
+          <a:prstGeom prst="rect">
+            <a:avLst/>
+          </a:prstGeom>
+        </p:spPr>
+      </p:pic>
+      <p:sp>
+        <p:nvSpPr>
+          <p:cNvPr id="15" name="Rectangle 14">
+            <a:extLst>
+              <a:ext uri="{FF2B5EF4-FFF2-40B4-BE49-F238E27FC236}">
+                <a16:creationId xmlns:a16="http://schemas.microsoft.com/office/drawing/2014/main" id="{AB124624-D8A3-4428-8377-F8FB8E64F025}"/>
+              </a:ext>
+            </a:extLst>
+          </p:cNvPr>
+          <p:cNvSpPr/>
+          <p:nvPr/>
+        </p:nvSpPr>
+        <p:spPr>
+          <a:xfrm>
+            <a:off x="10076480" y="5676900"/>
+            <a:ext cx="2115519" cy="1173004"/>
+          </a:xfrm>
+          <a:prstGeom prst="rect">
+            <a:avLst/>
+          </a:prstGeom>
+          <a:solidFill>
+            <a:schemeClr val="bg1"/>
+          </a:solidFill>
+          <a:ln w="12700" cap="flat">
+            <a:noFill/>
+            <a:miter lim="400000"/>
+          </a:ln>
+          <a:effectLst/>
+        </p:spPr>
+        <p:style>
+          <a:lnRef idx="0">
+            <a:scrgbClr r="0" g="0" b="0"/>
+          </a:lnRef>
+          <a:fillRef idx="0">
+            <a:scrgbClr r="0" g="0" b="0"/>
+          </a:fillRef>
+          <a:effectRef idx="0">
+            <a:scrgbClr r="0" g="0" b="0"/>
+          </a:effectRef>
+          <a:fontRef idx="none"/>
+        </p:style>
+        <p:txBody>
+          <a:bodyPr rot="0" spcFirstLastPara="1" vertOverflow="overflow" horzOverflow="overflow" vert="horz" wrap="square" lIns="50800" tIns="50800" rIns="50800" bIns="50800" numCol="1" spcCol="38100" rtlCol="0" anchor="ctr">
+            <a:spAutoFit/>
+          </a:bodyPr>
+          <a:lstStyle/>
+          <a:p>
+            <a:pPr marL="0" marR="0" indent="0" algn="ctr" defTabSz="584200" rtl="0" fontAlgn="auto" latinLnBrk="1" hangingPunct="0">
+              <a:lnSpc>
+                <a:spcPct val="100000"/>
+              </a:lnSpc>
+              <a:spcBef>
+                <a:spcPts val="0"/>
+              </a:spcBef>
+              <a:spcAft>
+                <a:spcPts val="0"/>
+              </a:spcAft>
+              <a:buClr>
+                <a:srgbClr val="000000"/>
+              </a:buClr>
+              <a:buSzTx/>
+              <a:buFont typeface="Calibri"/>
+              <a:buNone/>
+              <a:tabLst/>
+            </a:pPr>
+            <a:endParaRPr kumimoji="0" lang="en-US" sz="4000" b="0" i="0" u="none" strike="noStrike" cap="none" spc="0" normalizeH="0" baseline="0">
+              <a:ln>
+                <a:noFill/>
+              </a:ln>
+              <a:solidFill>
+                <a:srgbClr val="FFFFFF"/>
+              </a:solidFill>
+              <a:effectLst>
+                <a:outerShdw blurRad="38100" dist="12700" dir="5400000" rotWithShape="0">
+                  <a:srgbClr val="000000">
+                    <a:alpha val="50000"/>
+                  </a:srgbClr>
+                </a:outerShdw>
+              </a:effectLst>
+              <a:uFillTx/>
+              <a:latin typeface="+mn-lt"/>
+              <a:ea typeface="+mn-ea"/>
+              <a:cs typeface="+mn-cs"/>
+              <a:sym typeface="Calibri"/>
+            </a:endParaRPr>
+          </a:p>
+        </p:txBody>
+      </p:sp>
+      <p:pic>
+        <p:nvPicPr>
+          <p:cNvPr id="12" name="Picture 11" descr="A graph of a graph&#10;&#10;AI-generated content may be incorrect.">
+            <a:extLst>
+              <a:ext uri="{FF2B5EF4-FFF2-40B4-BE49-F238E27FC236}">
+                <a16:creationId xmlns:a16="http://schemas.microsoft.com/office/drawing/2014/main" id="{49500027-C676-A465-4DB1-86AF3194DF9C}"/>
+              </a:ext>
+            </a:extLst>
+          </p:cNvPr>
+          <p:cNvPicPr>
+            <a:picLocks noChangeAspect="1"/>
+          </p:cNvPicPr>
+          <p:nvPr/>
+        </p:nvPicPr>
+        <p:blipFill>
+          <a:blip r:embed="rId4">
+            <a:extLst>
+              <a:ext uri="{28A0092B-C50C-407E-A947-70E740481C1C}">
+                <a14:useLocalDpi xmlns:a14="http://schemas.microsoft.com/office/drawing/2010/main" val="0"/>
+              </a:ext>
+            </a:extLst>
+          </a:blip>
+          <a:stretch>
+            <a:fillRect/>
+          </a:stretch>
+        </p:blipFill>
+        <p:spPr>
+          <a:xfrm>
+            <a:off x="2535007" y="4974415"/>
+            <a:ext cx="2438400" cy="1828800"/>
+          </a:xfrm>
+          <a:prstGeom prst="rect">
+            <a:avLst/>
+          </a:prstGeom>
+        </p:spPr>
+      </p:pic>
+      <p:pic>
+        <p:nvPicPr>
+          <p:cNvPr id="29" name="Picture 28" descr="A graph of a graph of a graph of a graph of a graph of a graph of a graph of a graph of a graph of a graph of a graph of a graph of a graph of&#10;&#10;AI-generated content may be incorrect.">
+            <a:extLst>
+              <a:ext uri="{FF2B5EF4-FFF2-40B4-BE49-F238E27FC236}">
+                <a16:creationId xmlns:a16="http://schemas.microsoft.com/office/drawing/2014/main" id="{81042255-3F9F-557F-8B26-1769125056D5}"/>
+              </a:ext>
+            </a:extLst>
+          </p:cNvPr>
+          <p:cNvPicPr>
+            <a:picLocks noChangeAspect="1"/>
+          </p:cNvPicPr>
+          <p:nvPr/>
+        </p:nvPicPr>
+        <p:blipFill>
+          <a:blip r:embed="rId5">
+            <a:extLst>
+              <a:ext uri="{28A0092B-C50C-407E-A947-70E740481C1C}">
+                <a14:useLocalDpi xmlns:a14="http://schemas.microsoft.com/office/drawing/2010/main" val="0"/>
+              </a:ext>
+            </a:extLst>
+          </a:blip>
+          <a:stretch>
+            <a:fillRect/>
+          </a:stretch>
+        </p:blipFill>
+        <p:spPr>
+          <a:xfrm>
+            <a:off x="5026355" y="4999038"/>
+            <a:ext cx="2438400" cy="1828800"/>
+          </a:xfrm>
+          <a:prstGeom prst="rect">
+            <a:avLst/>
+          </a:prstGeom>
+        </p:spPr>
+      </p:pic>
+      <p:pic>
+        <p:nvPicPr>
+          <p:cNvPr id="31" name="Picture 30" descr="A graph of a graph of a number of numbers&#10;&#10;AI-generated content may be incorrect.">
+            <a:extLst>
+              <a:ext uri="{FF2B5EF4-FFF2-40B4-BE49-F238E27FC236}">
+                <a16:creationId xmlns:a16="http://schemas.microsoft.com/office/drawing/2014/main" id="{29FF5DF6-9CC5-0604-8DDF-6AD6F52A67C4}"/>
+              </a:ext>
+            </a:extLst>
+          </p:cNvPr>
+          <p:cNvPicPr>
+            <a:picLocks noChangeAspect="1"/>
+          </p:cNvPicPr>
+          <p:nvPr/>
+        </p:nvPicPr>
+        <p:blipFill>
+          <a:blip r:embed="rId6">
+            <a:extLst>
+              <a:ext uri="{28A0092B-C50C-407E-A947-70E740481C1C}">
+                <a14:useLocalDpi xmlns:a14="http://schemas.microsoft.com/office/drawing/2010/main" val="0"/>
+              </a:ext>
+            </a:extLst>
+          </a:blip>
+          <a:stretch>
+            <a:fillRect/>
+          </a:stretch>
+        </p:blipFill>
+        <p:spPr>
+          <a:xfrm>
+            <a:off x="5021115" y="1259308"/>
+            <a:ext cx="2438400" cy="1828800"/>
+          </a:xfrm>
+          <a:prstGeom prst="rect">
+            <a:avLst/>
+          </a:prstGeom>
+        </p:spPr>
+      </p:pic>
+      <p:pic>
+        <p:nvPicPr>
+          <p:cNvPr id="33" name="Picture 32" descr="A graph of a graph of a graph of a graph of a graph of a graph of a graph of a graph of a graph of a graph of a graph of a graph of a graph of&#10;&#10;AI-generated content may be incorrect.">
+            <a:extLst>
+              <a:ext uri="{FF2B5EF4-FFF2-40B4-BE49-F238E27FC236}">
+                <a16:creationId xmlns:a16="http://schemas.microsoft.com/office/drawing/2014/main" id="{77FF9BF0-1F87-EFDB-4304-368FF5A052A9}"/>
+              </a:ext>
+            </a:extLst>
+          </p:cNvPr>
+          <p:cNvPicPr>
+            <a:picLocks noChangeAspect="1"/>
+          </p:cNvPicPr>
+          <p:nvPr/>
+        </p:nvPicPr>
+        <p:blipFill>
+          <a:blip r:embed="rId7">
+            <a:extLst>
+              <a:ext uri="{28A0092B-C50C-407E-A947-70E740481C1C}">
+                <a14:useLocalDpi xmlns:a14="http://schemas.microsoft.com/office/drawing/2010/main" val="0"/>
+              </a:ext>
+            </a:extLst>
+          </a:blip>
+          <a:stretch>
+            <a:fillRect/>
+          </a:stretch>
+        </p:blipFill>
+        <p:spPr>
+          <a:xfrm>
+            <a:off x="5021115" y="3170238"/>
+            <a:ext cx="2438400" cy="1828800"/>
+          </a:xfrm>
+          <a:prstGeom prst="rect">
+            <a:avLst/>
+          </a:prstGeom>
+        </p:spPr>
+      </p:pic>
+      <p:pic>
+        <p:nvPicPr>
+          <p:cNvPr id="35" name="Picture 34" descr="A graph of a function&#10;&#10;AI-generated content may be incorrect.">
+            <a:extLst>
+              <a:ext uri="{FF2B5EF4-FFF2-40B4-BE49-F238E27FC236}">
+                <a16:creationId xmlns:a16="http://schemas.microsoft.com/office/drawing/2014/main" id="{F3174B08-EF61-6D53-2D48-4E4E4C84779A}"/>
+              </a:ext>
+            </a:extLst>
+          </p:cNvPr>
+          <p:cNvPicPr>
+            <a:picLocks noChangeAspect="1"/>
+          </p:cNvPicPr>
+          <p:nvPr/>
+        </p:nvPicPr>
+        <p:blipFill>
+          <a:blip r:embed="rId8">
+            <a:extLst>
+              <a:ext uri="{28A0092B-C50C-407E-A947-70E740481C1C}">
+                <a14:useLocalDpi xmlns:a14="http://schemas.microsoft.com/office/drawing/2010/main" val="0"/>
+              </a:ext>
+            </a:extLst>
+          </a:blip>
+          <a:stretch>
+            <a:fillRect/>
+          </a:stretch>
+        </p:blipFill>
+        <p:spPr>
+          <a:xfrm>
+            <a:off x="7643320" y="5002043"/>
+            <a:ext cx="2438400" cy="1828800"/>
+          </a:xfrm>
+          <a:prstGeom prst="rect">
+            <a:avLst/>
+          </a:prstGeom>
+        </p:spPr>
+      </p:pic>
+      <p:pic>
+        <p:nvPicPr>
+          <p:cNvPr id="37" name="Picture 36" descr="A graph of a function&#10;&#10;AI-generated content may be incorrect.">
+            <a:extLst>
+              <a:ext uri="{FF2B5EF4-FFF2-40B4-BE49-F238E27FC236}">
+                <a16:creationId xmlns:a16="http://schemas.microsoft.com/office/drawing/2014/main" id="{531D1D16-3CD0-E1C6-88A8-CD94D0A3600D}"/>
+              </a:ext>
+            </a:extLst>
+          </p:cNvPr>
+          <p:cNvPicPr>
+            <a:picLocks noChangeAspect="1"/>
+          </p:cNvPicPr>
+          <p:nvPr/>
+        </p:nvPicPr>
+        <p:blipFill>
+          <a:blip r:embed="rId9">
+            <a:extLst>
+              <a:ext uri="{28A0092B-C50C-407E-A947-70E740481C1C}">
+                <a14:useLocalDpi xmlns:a14="http://schemas.microsoft.com/office/drawing/2010/main" val="0"/>
+              </a:ext>
+            </a:extLst>
+          </a:blip>
+          <a:stretch>
+            <a:fillRect/>
+          </a:stretch>
+        </p:blipFill>
+        <p:spPr>
+          <a:xfrm>
+            <a:off x="7638080" y="1344443"/>
+            <a:ext cx="2438400" cy="1828800"/>
+          </a:xfrm>
+          <a:prstGeom prst="rect">
+            <a:avLst/>
+          </a:prstGeom>
+        </p:spPr>
+      </p:pic>
+      <p:pic>
+        <p:nvPicPr>
+          <p:cNvPr id="39" name="Picture 38" descr="A graph of a graph of a number of objects&#10;&#10;AI-generated content may be incorrect.">
+            <a:extLst>
+              <a:ext uri="{FF2B5EF4-FFF2-40B4-BE49-F238E27FC236}">
+                <a16:creationId xmlns:a16="http://schemas.microsoft.com/office/drawing/2014/main" id="{F73FC02C-3F56-635D-CAA3-E2112698EAE6}"/>
+              </a:ext>
+            </a:extLst>
+          </p:cNvPr>
+          <p:cNvPicPr>
+            <a:picLocks noChangeAspect="1"/>
+          </p:cNvPicPr>
+          <p:nvPr/>
+        </p:nvPicPr>
+        <p:blipFill>
+          <a:blip r:embed="rId10">
+            <a:extLst>
+              <a:ext uri="{28A0092B-C50C-407E-A947-70E740481C1C}">
+                <a14:useLocalDpi xmlns:a14="http://schemas.microsoft.com/office/drawing/2010/main" val="0"/>
+              </a:ext>
+            </a:extLst>
+          </a:blip>
+          <a:stretch>
+            <a:fillRect/>
+          </a:stretch>
+        </p:blipFill>
+        <p:spPr>
+          <a:xfrm>
+            <a:off x="7638080" y="3173243"/>
+            <a:ext cx="2438400" cy="1828800"/>
+          </a:xfrm>
+          <a:prstGeom prst="rect">
+            <a:avLst/>
+          </a:prstGeom>
+        </p:spPr>
+      </p:pic>
+      <p:sp>
+        <p:nvSpPr>
+          <p:cNvPr id="40" name="Text Placeholder 39">
+            <a:extLst>
+              <a:ext uri="{FF2B5EF4-FFF2-40B4-BE49-F238E27FC236}">
+                <a16:creationId xmlns:a16="http://schemas.microsoft.com/office/drawing/2014/main" id="{0ABDAD1D-2556-FA2F-E643-519A3361A5EF}"/>
+              </a:ext>
+            </a:extLst>
+          </p:cNvPr>
+          <p:cNvSpPr>
+            <a:spLocks noGrp="1"/>
+          </p:cNvSpPr>
+          <p:nvPr>
+            <p:ph type="body" sz="quarter" idx="11"/>
+          </p:nvPr>
+        </p:nvSpPr>
+        <p:spPr>
+          <a:xfrm rot="16200000">
+            <a:off x="-442368" y="3773014"/>
+            <a:ext cx="3152777" cy="623248"/>
+          </a:xfrm>
+          <a:prstGeom prst="rect">
+            <a:avLst/>
+          </a:prstGeom>
+          <a:solidFill>
+            <a:schemeClr val="bg1"/>
+          </a:solidFill>
+          <a:ln w="12700" cap="flat">
+            <a:noFill/>
+            <a:miter lim="400000"/>
+          </a:ln>
+          <a:effectLst/>
+        </p:spPr>
+        <p:style>
+          <a:lnRef idx="0">
+            <a:scrgbClr r="0" g="0" b="0"/>
+          </a:lnRef>
+          <a:fillRef idx="0">
+            <a:scrgbClr r="0" g="0" b="0"/>
+          </a:fillRef>
+          <a:effectRef idx="0">
+            <a:scrgbClr r="0" g="0" b="0"/>
+          </a:effectRef>
+          <a:fontRef idx="none"/>
+        </p:style>
+        <p:txBody>
+          <a:bodyPr rot="0" spcFirstLastPara="1" vertOverflow="overflow" horzOverflow="overflow" vert="horz" wrap="square" lIns="50800" tIns="50800" rIns="50800" bIns="50800" numCol="1" spcCol="38100" rtlCol="0" anchor="ctr">
+            <a:spAutoFit/>
+          </a:bodyPr>
+          <a:lstStyle/>
+          <a:p>
+            <a:pPr marL="0" indent="0" algn="ctr">
+              <a:buNone/>
+            </a:pPr>
+            <a:r>
+              <a:rPr lang="en-US" dirty="0"/>
+              <a:t>Turn Rate Error</a:t>
+            </a:r>
+          </a:p>
+        </p:txBody>
+      </p:sp>
+      <p:cxnSp>
+        <p:nvCxnSpPr>
+          <p:cNvPr id="44" name="Straight Arrow Connector 43">
+            <a:extLst>
+              <a:ext uri="{FF2B5EF4-FFF2-40B4-BE49-F238E27FC236}">
+                <a16:creationId xmlns:a16="http://schemas.microsoft.com/office/drawing/2014/main" id="{96533423-06E3-8107-83CD-29E3E31FB34D}"/>
+              </a:ext>
+            </a:extLst>
+          </p:cNvPr>
+          <p:cNvCxnSpPr>
+            <a:cxnSpLocks/>
+            <a:stCxn id="46" idx="2"/>
+          </p:cNvCxnSpPr>
+          <p:nvPr/>
+        </p:nvCxnSpPr>
+        <p:spPr>
+          <a:xfrm>
+            <a:off x="1601015" y="4360100"/>
+            <a:ext cx="0" cy="2057400"/>
+          </a:xfrm>
+          <a:prstGeom prst="straightConnector1">
+            <a:avLst/>
+          </a:prstGeom>
+          <a:noFill/>
+          <a:ln w="38100" cap="flat">
+            <a:solidFill>
+              <a:srgbClr val="000000"/>
+            </a:solidFill>
+            <a:prstDash val="solid"/>
+            <a:miter lim="400000"/>
+            <a:tailEnd type="triangle"/>
+          </a:ln>
+          <a:effectLst/>
+        </p:spPr>
+        <p:style>
+          <a:lnRef idx="0">
+            <a:scrgbClr r="0" g="0" b="0"/>
+          </a:lnRef>
+          <a:fillRef idx="0">
+            <a:scrgbClr r="0" g="0" b="0"/>
+          </a:fillRef>
+          <a:effectRef idx="0">
+            <a:scrgbClr r="0" g="0" b="0"/>
+          </a:effectRef>
+          <a:fontRef idx="none"/>
+        </p:style>
+      </p:cxnSp>
+      <mc:AlternateContent xmlns:mc="http://schemas.openxmlformats.org/markup-compatibility/2006">
+        <mc:Choice xmlns:a14="http://schemas.microsoft.com/office/drawing/2010/main" Requires="a14">
+          <p:sp>
+            <p:nvSpPr>
+              <p:cNvPr id="47" name="Text Placeholder 39">
+                <a:extLst>
+                  <a:ext uri="{FF2B5EF4-FFF2-40B4-BE49-F238E27FC236}">
+                    <a16:creationId xmlns:a16="http://schemas.microsoft.com/office/drawing/2014/main" id="{1D044E31-1E0F-959B-E7E7-ED515A24D65F}"/>
+                  </a:ext>
+                </a:extLst>
+              </p:cNvPr>
+              <p:cNvSpPr txBox="1">
+                <a:spLocks/>
+              </p:cNvSpPr>
+              <p:nvPr/>
+            </p:nvSpPr>
+            <p:spPr>
+              <a:xfrm>
+                <a:off x="1362697" y="1106278"/>
+                <a:ext cx="571886" cy="533479"/>
+              </a:xfrm>
+              <a:prstGeom prst="rect">
+                <a:avLst/>
+              </a:prstGeom>
+              <a:noFill/>
+              <a:ln w="12700" cap="flat">
+                <a:noFill/>
+                <a:miter lim="400000"/>
+              </a:ln>
+            </p:spPr>
+            <p:style>
+              <a:lnRef idx="0">
+                <a:scrgbClr r="0" g="0" b="0"/>
+              </a:lnRef>
+              <a:fillRef idx="0">
+                <a:scrgbClr r="0" g="0" b="0"/>
+              </a:fillRef>
+              <a:effectRef idx="0">
+                <a:scrgbClr r="0" g="0" b="0"/>
+              </a:effectRef>
+              <a:fontRef idx="none"/>
+            </p:style>
+            <p:txBody>
+              <a:bodyPr rot="0" spcFirstLastPara="1" vertOverflow="overflow" horzOverflow="overflow" vert="horz" wrap="square" lIns="50800" tIns="50800" rIns="50800" bIns="50800" numCol="1" spcCol="38100" rtlCol="0" anchor="ctr">
+                <a:spAutoFit/>
+              </a:bodyPr>
+              <a:lstStyle>
+                <a:lvl1pPr marL="342900" indent="-342900" defTabSz="457200">
+                  <a:spcBef>
+                    <a:spcPts val="700"/>
+                  </a:spcBef>
+                  <a:buClr>
+                    <a:srgbClr val="000000"/>
+                  </a:buClr>
+                  <a:buSzPct val="100000"/>
+                  <a:buFont typeface="Arial"/>
+                  <a:buChar char="•"/>
+                  <a:defRPr sz="2800">
+                    <a:solidFill>
+                      <a:srgbClr val="03244D"/>
+                    </a:solidFill>
+                    <a:uFill>
+                      <a:solidFill/>
+                    </a:uFill>
+                    <a:latin typeface="+mn-lt"/>
+                    <a:ea typeface="+mn-ea"/>
+                    <a:cs typeface="Arial" panose="020B0604020202020204" pitchFamily="34" charset="0"/>
+                    <a:sym typeface="Calibri"/>
+                  </a:defRPr>
+                </a:lvl1pPr>
+                <a:lvl2pPr marL="783771" indent="-326571" defTabSz="457200">
+                  <a:spcBef>
+                    <a:spcPts val="700"/>
+                  </a:spcBef>
+                  <a:buClr>
+                    <a:srgbClr val="000000"/>
+                  </a:buClr>
+                  <a:buSzPct val="100000"/>
+                  <a:buFont typeface="Arial"/>
+                  <a:buChar char="•"/>
+                  <a:defRPr sz="2400">
+                    <a:solidFill>
+                      <a:srgbClr val="03244D"/>
+                    </a:solidFill>
+                    <a:uFill>
+                      <a:solidFill/>
+                    </a:uFill>
+                    <a:latin typeface="+mn-lt"/>
+                    <a:ea typeface="+mn-ea"/>
+                    <a:cs typeface="Arial" panose="020B0604020202020204" pitchFamily="34" charset="0"/>
+                    <a:sym typeface="Calibri"/>
+                  </a:defRPr>
+                </a:lvl2pPr>
+                <a:lvl3pPr marL="1219200" indent="-304800" defTabSz="457200">
+                  <a:spcBef>
+                    <a:spcPts val="700"/>
+                  </a:spcBef>
+                  <a:buClr>
+                    <a:srgbClr val="000000"/>
+                  </a:buClr>
+                  <a:buSzPct val="100000"/>
+                  <a:buFont typeface="Arial"/>
+                  <a:buChar char="•"/>
+                  <a:defRPr sz="2000">
+                    <a:solidFill>
+                      <a:srgbClr val="03244D"/>
+                    </a:solidFill>
+                    <a:uFill>
+                      <a:solidFill/>
+                    </a:uFill>
+                    <a:latin typeface="+mn-lt"/>
+                    <a:ea typeface="+mn-ea"/>
+                    <a:cs typeface="Arial" panose="020B0604020202020204" pitchFamily="34" charset="0"/>
+                    <a:sym typeface="Calibri"/>
+                  </a:defRPr>
+                </a:lvl3pPr>
+                <a:lvl4pPr marL="1737360" indent="-365760" defTabSz="457200">
+                  <a:spcBef>
+                    <a:spcPts val="700"/>
+                  </a:spcBef>
+                  <a:buClr>
+                    <a:srgbClr val="000000"/>
+                  </a:buClr>
+                  <a:buSzPct val="100000"/>
+                  <a:buFont typeface="Arial"/>
+                  <a:buChar char="•"/>
+                  <a:defRPr sz="2000">
+                    <a:solidFill>
+                      <a:srgbClr val="03244D"/>
+                    </a:solidFill>
+                    <a:uFill>
+                      <a:solidFill/>
+                    </a:uFill>
+                    <a:latin typeface="+mn-lt"/>
+                    <a:ea typeface="+mn-ea"/>
+                    <a:cs typeface="Arial" panose="020B0604020202020204" pitchFamily="34" charset="0"/>
+                    <a:sym typeface="Calibri"/>
+                  </a:defRPr>
+                </a:lvl4pPr>
+                <a:lvl5pPr marL="2194560" indent="-365760" defTabSz="457200">
+                  <a:spcBef>
+                    <a:spcPts val="700"/>
+                  </a:spcBef>
+                  <a:buClr>
+                    <a:srgbClr val="000000"/>
+                  </a:buClr>
+                  <a:buSzPct val="100000"/>
+                  <a:buFont typeface="Arial"/>
+                  <a:buChar char="•"/>
+                  <a:defRPr sz="2000">
+                    <a:solidFill>
+                      <a:srgbClr val="03244D"/>
+                    </a:solidFill>
+                    <a:uFill>
+                      <a:solidFill/>
+                    </a:uFill>
+                    <a:latin typeface="+mn-lt"/>
+                    <a:ea typeface="+mn-ea"/>
+                    <a:cs typeface="Arial" panose="020B0604020202020204" pitchFamily="34" charset="0"/>
+                    <a:sym typeface="Calibri"/>
+                  </a:defRPr>
+                </a:lvl5pPr>
+                <a:lvl6pPr marL="2451100" indent="0" defTabSz="457200">
+                  <a:spcBef>
+                    <a:spcPts val="700"/>
+                  </a:spcBef>
+                  <a:buClr>
+                    <a:srgbClr val="000000"/>
+                  </a:buClr>
+                  <a:buSzPct val="171000"/>
+                  <a:buFont typeface="Arial"/>
+                  <a:buNone/>
+                  <a:defRPr sz="1800">
+                    <a:solidFill>
+                      <a:srgbClr val="03244D"/>
+                    </a:solidFill>
+                    <a:uFill>
+                      <a:solidFill/>
+                    </a:uFill>
+                    <a:latin typeface="Arial" panose="020B0604020202020204" pitchFamily="34" charset="0"/>
+                    <a:ea typeface="+mn-ea"/>
+                    <a:cs typeface="Arial" panose="020B0604020202020204" pitchFamily="34" charset="0"/>
+                    <a:sym typeface="Calibri"/>
+                  </a:defRPr>
+                </a:lvl6pPr>
+                <a:lvl7pPr marL="3721100" indent="-914400" defTabSz="457200">
+                  <a:spcBef>
+                    <a:spcPts val="700"/>
+                  </a:spcBef>
+                  <a:buClr>
+                    <a:srgbClr val="000000"/>
+                  </a:buClr>
+                  <a:buSzPct val="171000"/>
+                  <a:buFont typeface="Arial"/>
+                  <a:buChar char="•"/>
+                  <a:defRPr sz="3200">
+                    <a:uFill>
+                      <a:solidFill/>
+                    </a:uFill>
+                    <a:latin typeface="+mn-lt"/>
+                    <a:ea typeface="+mn-ea"/>
+                    <a:cs typeface="+mn-cs"/>
+                    <a:sym typeface="Calibri"/>
+                  </a:defRPr>
+                </a:lvl7pPr>
+                <a:lvl8pPr marL="4076700" indent="-914400" defTabSz="457200">
+                  <a:spcBef>
+                    <a:spcPts val="700"/>
+                  </a:spcBef>
+                  <a:buClr>
+                    <a:srgbClr val="000000"/>
+                  </a:buClr>
+                  <a:buSzPct val="171000"/>
+                  <a:buFont typeface="Arial"/>
+                  <a:buChar char="•"/>
+                  <a:defRPr sz="3200">
+                    <a:uFill>
+                      <a:solidFill/>
+                    </a:uFill>
+                    <a:latin typeface="+mn-lt"/>
+                    <a:ea typeface="+mn-ea"/>
+                    <a:cs typeface="+mn-cs"/>
+                    <a:sym typeface="Calibri"/>
+                  </a:defRPr>
+                </a:lvl8pPr>
+                <a:lvl9pPr marL="4432300" indent="-914400" defTabSz="457200">
+                  <a:spcBef>
+                    <a:spcPts val="700"/>
+                  </a:spcBef>
+                  <a:buClr>
+                    <a:srgbClr val="000000"/>
+                  </a:buClr>
+                  <a:buSzPct val="171000"/>
+                  <a:buFont typeface="Arial"/>
+                  <a:buChar char="•"/>
+                  <a:defRPr sz="3200">
+                    <a:uFill>
+                      <a:solidFill/>
+                    </a:uFill>
+                    <a:latin typeface="+mn-lt"/>
+                    <a:ea typeface="+mn-ea"/>
+                    <a:cs typeface="+mn-cs"/>
+                    <a:sym typeface="Calibri"/>
+                  </a:defRPr>
+                </a:lvl9pPr>
+              </a:lstStyle>
+              <a:p>
+                <a:pPr marL="0" indent="0" algn="ctr">
+                  <a:buFont typeface="Arial"/>
+                  <a:buNone/>
+                </a:pPr>
+                <a14:m>
+                  <m:oMathPara xmlns:m="http://schemas.openxmlformats.org/officeDocument/2006/math">
+                    <m:oMathParaPr>
+                      <m:jc m:val="center"/>
+                    </m:oMathParaPr>
+                    <m:oMath xmlns:m="http://schemas.openxmlformats.org/officeDocument/2006/math">
+                      <m:r>
+                        <a:rPr lang="en-US" b="0" i="1" smtClean="0">
+                          <a:latin typeface="Cambria Math" panose="02040503050406030204" pitchFamily="18" charset="0"/>
+                          <a:ea typeface="Cambria Math" panose="02040503050406030204" pitchFamily="18" charset="0"/>
+                        </a:rPr>
+                        <m:t>∞</m:t>
+                      </m:r>
+                    </m:oMath>
+                  </m:oMathPara>
+                </a14:m>
+                <a:endParaRPr lang="en-US" b="0" dirty="0"/>
+              </a:p>
+            </p:txBody>
+          </p:sp>
+        </mc:Choice>
+        <mc:Fallback>
+          <p:sp>
+            <p:nvSpPr>
+              <p:cNvPr id="47" name="Text Placeholder 39">
+                <a:extLst>
+                  <a:ext uri="{FF2B5EF4-FFF2-40B4-BE49-F238E27FC236}">
+                    <a16:creationId xmlns:a16="http://schemas.microsoft.com/office/drawing/2014/main" id="{1D044E31-1E0F-959B-E7E7-ED515A24D65F}"/>
+                  </a:ext>
+                </a:extLst>
+              </p:cNvPr>
+              <p:cNvSpPr txBox="1">
+                <a:spLocks noRot="1" noChangeAspect="1" noMove="1" noResize="1" noEditPoints="1" noAdjustHandles="1" noChangeArrowheads="1" noChangeShapeType="1" noTextEdit="1"/>
+              </p:cNvSpPr>
+              <p:nvPr/>
+            </p:nvSpPr>
+            <p:spPr>
+              <a:xfrm>
+                <a:off x="1362697" y="1106278"/>
+                <a:ext cx="571886" cy="533479"/>
+              </a:xfrm>
+              <a:prstGeom prst="rect">
+                <a:avLst/>
+              </a:prstGeom>
+              <a:blipFill>
+                <a:blip r:embed="rId11"/>
+                <a:stretch>
+                  <a:fillRect/>
+                </a:stretch>
+              </a:blipFill>
+              <a:ln w="12700" cap="flat">
+                <a:noFill/>
+                <a:miter lim="400000"/>
+              </a:ln>
+            </p:spPr>
+            <p:txBody>
+              <a:bodyPr/>
+              <a:lstStyle/>
+              <a:p>
+                <a:r>
+                  <a:rPr lang="en-US">
+                    <a:noFill/>
+                  </a:rPr>
+                  <a:t> </a:t>
+                </a:r>
+              </a:p>
+            </p:txBody>
+          </p:sp>
+        </mc:Fallback>
+      </mc:AlternateContent>
+      <p:cxnSp>
+        <p:nvCxnSpPr>
+          <p:cNvPr id="51" name="Straight Arrow Connector 50">
+            <a:extLst>
+              <a:ext uri="{FF2B5EF4-FFF2-40B4-BE49-F238E27FC236}">
+                <a16:creationId xmlns:a16="http://schemas.microsoft.com/office/drawing/2014/main" id="{92F7934A-5DBF-9E1E-F94E-3F571ADB04AB}"/>
+              </a:ext>
+            </a:extLst>
+          </p:cNvPr>
+          <p:cNvCxnSpPr>
+            <a:stCxn id="46" idx="0"/>
+          </p:cNvCxnSpPr>
+          <p:nvPr/>
+        </p:nvCxnSpPr>
+        <p:spPr>
+          <a:xfrm flipV="1">
+            <a:off x="1601015" y="1544084"/>
+            <a:ext cx="0" cy="2286000"/>
+          </a:xfrm>
+          <a:prstGeom prst="straightConnector1">
+            <a:avLst/>
+          </a:prstGeom>
+          <a:noFill/>
+          <a:ln w="38100" cap="flat">
+            <a:solidFill>
+              <a:srgbClr val="000000"/>
+            </a:solidFill>
+            <a:prstDash val="solid"/>
+            <a:miter lim="400000"/>
+            <a:tailEnd type="triangle"/>
+          </a:ln>
+          <a:effectLst/>
+        </p:spPr>
+        <p:style>
+          <a:lnRef idx="0">
+            <a:scrgbClr r="0" g="0" b="0"/>
+          </a:lnRef>
+          <a:fillRef idx="0">
+            <a:scrgbClr r="0" g="0" b="0"/>
+          </a:fillRef>
+          <a:effectRef idx="0">
+            <a:scrgbClr r="0" g="0" b="0"/>
+          </a:effectRef>
+          <a:fontRef idx="none"/>
+        </p:style>
+      </p:cxnSp>
+      <mc:AlternateContent xmlns:mc="http://schemas.openxmlformats.org/markup-compatibility/2006">
+        <mc:Choice xmlns:a14="http://schemas.microsoft.com/office/drawing/2010/main" Requires="a14">
+          <p:sp>
+            <p:nvSpPr>
+              <p:cNvPr id="52" name="Text Placeholder 39">
+                <a:extLst>
+                  <a:ext uri="{FF2B5EF4-FFF2-40B4-BE49-F238E27FC236}">
+                    <a16:creationId xmlns:a16="http://schemas.microsoft.com/office/drawing/2014/main" id="{9D9D57B4-F087-FCFC-BB04-9F447C27F1F1}"/>
+                  </a:ext>
+                </a:extLst>
+              </p:cNvPr>
+              <p:cNvSpPr txBox="1">
+                <a:spLocks/>
+              </p:cNvSpPr>
+              <p:nvPr/>
+            </p:nvSpPr>
+            <p:spPr>
+              <a:xfrm>
+                <a:off x="1315072" y="6309865"/>
+                <a:ext cx="571886" cy="533479"/>
+              </a:xfrm>
+              <a:prstGeom prst="rect">
+                <a:avLst/>
+              </a:prstGeom>
+              <a:noFill/>
+              <a:ln w="12700" cap="flat">
+                <a:noFill/>
+                <a:miter lim="400000"/>
+              </a:ln>
+            </p:spPr>
+            <p:style>
+              <a:lnRef idx="0">
+                <a:scrgbClr r="0" g="0" b="0"/>
+              </a:lnRef>
+              <a:fillRef idx="0">
+                <a:scrgbClr r="0" g="0" b="0"/>
+              </a:fillRef>
+              <a:effectRef idx="0">
+                <a:scrgbClr r="0" g="0" b="0"/>
+              </a:effectRef>
+              <a:fontRef idx="none"/>
+            </p:style>
+            <p:txBody>
+              <a:bodyPr rot="0" spcFirstLastPara="1" vertOverflow="overflow" horzOverflow="overflow" vert="horz" wrap="square" lIns="50800" tIns="50800" rIns="50800" bIns="50800" numCol="1" spcCol="38100" rtlCol="0" anchor="ctr">
+                <a:spAutoFit/>
+              </a:bodyPr>
+              <a:lstStyle>
+                <a:lvl1pPr marL="342900" indent="-342900" defTabSz="457200">
+                  <a:spcBef>
+                    <a:spcPts val="700"/>
+                  </a:spcBef>
+                  <a:buClr>
+                    <a:srgbClr val="000000"/>
+                  </a:buClr>
+                  <a:buSzPct val="100000"/>
+                  <a:buFont typeface="Arial"/>
+                  <a:buChar char="•"/>
+                  <a:defRPr sz="2800">
+                    <a:solidFill>
+                      <a:srgbClr val="03244D"/>
+                    </a:solidFill>
+                    <a:uFill>
+                      <a:solidFill/>
+                    </a:uFill>
+                    <a:latin typeface="+mn-lt"/>
+                    <a:ea typeface="+mn-ea"/>
+                    <a:cs typeface="Arial" panose="020B0604020202020204" pitchFamily="34" charset="0"/>
+                    <a:sym typeface="Calibri"/>
+                  </a:defRPr>
+                </a:lvl1pPr>
+                <a:lvl2pPr marL="783771" indent="-326571" defTabSz="457200">
+                  <a:spcBef>
+                    <a:spcPts val="700"/>
+                  </a:spcBef>
+                  <a:buClr>
+                    <a:srgbClr val="000000"/>
+                  </a:buClr>
+                  <a:buSzPct val="100000"/>
+                  <a:buFont typeface="Arial"/>
+                  <a:buChar char="•"/>
+                  <a:defRPr sz="2400">
+                    <a:solidFill>
+                      <a:srgbClr val="03244D"/>
+                    </a:solidFill>
+                    <a:uFill>
+                      <a:solidFill/>
+                    </a:uFill>
+                    <a:latin typeface="+mn-lt"/>
+                    <a:ea typeface="+mn-ea"/>
+                    <a:cs typeface="Arial" panose="020B0604020202020204" pitchFamily="34" charset="0"/>
+                    <a:sym typeface="Calibri"/>
+                  </a:defRPr>
+                </a:lvl2pPr>
+                <a:lvl3pPr marL="1219200" indent="-304800" defTabSz="457200">
+                  <a:spcBef>
+                    <a:spcPts val="700"/>
+                  </a:spcBef>
+                  <a:buClr>
+                    <a:srgbClr val="000000"/>
+                  </a:buClr>
+                  <a:buSzPct val="100000"/>
+                  <a:buFont typeface="Arial"/>
+                  <a:buChar char="•"/>
+                  <a:defRPr sz="2000">
+                    <a:solidFill>
+                      <a:srgbClr val="03244D"/>
+                    </a:solidFill>
+                    <a:uFill>
+                      <a:solidFill/>
+                    </a:uFill>
+                    <a:latin typeface="+mn-lt"/>
+                    <a:ea typeface="+mn-ea"/>
+                    <a:cs typeface="Arial" panose="020B0604020202020204" pitchFamily="34" charset="0"/>
+                    <a:sym typeface="Calibri"/>
+                  </a:defRPr>
+                </a:lvl3pPr>
+                <a:lvl4pPr marL="1737360" indent="-365760" defTabSz="457200">
+                  <a:spcBef>
+                    <a:spcPts val="700"/>
+                  </a:spcBef>
+                  <a:buClr>
+                    <a:srgbClr val="000000"/>
+                  </a:buClr>
+                  <a:buSzPct val="100000"/>
+                  <a:buFont typeface="Arial"/>
+                  <a:buChar char="•"/>
+                  <a:defRPr sz="2000">
+                    <a:solidFill>
+                      <a:srgbClr val="03244D"/>
+                    </a:solidFill>
+                    <a:uFill>
+                      <a:solidFill/>
+                    </a:uFill>
+                    <a:latin typeface="+mn-lt"/>
+                    <a:ea typeface="+mn-ea"/>
+                    <a:cs typeface="Arial" panose="020B0604020202020204" pitchFamily="34" charset="0"/>
+                    <a:sym typeface="Calibri"/>
+                  </a:defRPr>
+                </a:lvl4pPr>
+                <a:lvl5pPr marL="2194560" indent="-365760" defTabSz="457200">
+                  <a:spcBef>
+                    <a:spcPts val="700"/>
+                  </a:spcBef>
+                  <a:buClr>
+                    <a:srgbClr val="000000"/>
+                  </a:buClr>
+                  <a:buSzPct val="100000"/>
+                  <a:buFont typeface="Arial"/>
+                  <a:buChar char="•"/>
+                  <a:defRPr sz="2000">
+                    <a:solidFill>
+                      <a:srgbClr val="03244D"/>
+                    </a:solidFill>
+                    <a:uFill>
+                      <a:solidFill/>
+                    </a:uFill>
+                    <a:latin typeface="+mn-lt"/>
+                    <a:ea typeface="+mn-ea"/>
+                    <a:cs typeface="Arial" panose="020B0604020202020204" pitchFamily="34" charset="0"/>
+                    <a:sym typeface="Calibri"/>
+                  </a:defRPr>
+                </a:lvl5pPr>
+                <a:lvl6pPr marL="2451100" indent="0" defTabSz="457200">
+                  <a:spcBef>
+                    <a:spcPts val="700"/>
+                  </a:spcBef>
+                  <a:buClr>
+                    <a:srgbClr val="000000"/>
+                  </a:buClr>
+                  <a:buSzPct val="171000"/>
+                  <a:buFont typeface="Arial"/>
+                  <a:buNone/>
+                  <a:defRPr sz="1800">
+                    <a:solidFill>
+                      <a:srgbClr val="03244D"/>
+                    </a:solidFill>
+                    <a:uFill>
+                      <a:solidFill/>
+                    </a:uFill>
+                    <a:latin typeface="Arial" panose="020B0604020202020204" pitchFamily="34" charset="0"/>
+                    <a:ea typeface="+mn-ea"/>
+                    <a:cs typeface="Arial" panose="020B0604020202020204" pitchFamily="34" charset="0"/>
+                    <a:sym typeface="Calibri"/>
+                  </a:defRPr>
+                </a:lvl6pPr>
+                <a:lvl7pPr marL="3721100" indent="-914400" defTabSz="457200">
+                  <a:spcBef>
+                    <a:spcPts val="700"/>
+                  </a:spcBef>
+                  <a:buClr>
+                    <a:srgbClr val="000000"/>
+                  </a:buClr>
+                  <a:buSzPct val="171000"/>
+                  <a:buFont typeface="Arial"/>
+                  <a:buChar char="•"/>
+                  <a:defRPr sz="3200">
+                    <a:uFill>
+                      <a:solidFill/>
+                    </a:uFill>
+                    <a:latin typeface="+mn-lt"/>
+                    <a:ea typeface="+mn-ea"/>
+                    <a:cs typeface="+mn-cs"/>
+                    <a:sym typeface="Calibri"/>
+                  </a:defRPr>
+                </a:lvl7pPr>
+                <a:lvl8pPr marL="4076700" indent="-914400" defTabSz="457200">
+                  <a:spcBef>
+                    <a:spcPts val="700"/>
+                  </a:spcBef>
+                  <a:buClr>
+                    <a:srgbClr val="000000"/>
+                  </a:buClr>
+                  <a:buSzPct val="171000"/>
+                  <a:buFont typeface="Arial"/>
+                  <a:buChar char="•"/>
+                  <a:defRPr sz="3200">
+                    <a:uFill>
+                      <a:solidFill/>
+                    </a:uFill>
+                    <a:latin typeface="+mn-lt"/>
+                    <a:ea typeface="+mn-ea"/>
+                    <a:cs typeface="+mn-cs"/>
+                    <a:sym typeface="Calibri"/>
+                  </a:defRPr>
+                </a:lvl8pPr>
+                <a:lvl9pPr marL="4432300" indent="-914400" defTabSz="457200">
+                  <a:spcBef>
+                    <a:spcPts val="700"/>
+                  </a:spcBef>
+                  <a:buClr>
+                    <a:srgbClr val="000000"/>
+                  </a:buClr>
+                  <a:buSzPct val="171000"/>
+                  <a:buFont typeface="Arial"/>
+                  <a:buChar char="•"/>
+                  <a:defRPr sz="3200">
+                    <a:uFill>
+                      <a:solidFill/>
+                    </a:uFill>
+                    <a:latin typeface="+mn-lt"/>
+                    <a:ea typeface="+mn-ea"/>
+                    <a:cs typeface="+mn-cs"/>
+                    <a:sym typeface="Calibri"/>
+                  </a:defRPr>
+                </a:lvl9pPr>
+              </a:lstStyle>
+              <a:p>
+                <a:pPr marL="0" indent="0" algn="ctr">
+                  <a:buFont typeface="Arial"/>
+                  <a:buNone/>
+                </a:pPr>
+                <a14:m>
+                  <m:oMathPara xmlns:m="http://schemas.openxmlformats.org/officeDocument/2006/math">
+                    <m:oMathParaPr>
+                      <m:jc m:val="center"/>
+                    </m:oMathParaPr>
+                    <m:oMath xmlns:m="http://schemas.openxmlformats.org/officeDocument/2006/math">
+                      <m:r>
+                        <a:rPr lang="en-US" b="0" i="1" smtClean="0">
+                          <a:latin typeface="Cambria Math" panose="02040503050406030204" pitchFamily="18" charset="0"/>
+                          <a:ea typeface="Cambria Math" panose="02040503050406030204" pitchFamily="18" charset="0"/>
+                        </a:rPr>
+                        <m:t>−∞</m:t>
+                      </m:r>
+                    </m:oMath>
+                  </m:oMathPara>
+                </a14:m>
+                <a:endParaRPr lang="en-US" b="0" dirty="0"/>
+              </a:p>
+            </p:txBody>
+          </p:sp>
+        </mc:Choice>
+        <mc:Fallback>
+          <p:sp>
+            <p:nvSpPr>
+              <p:cNvPr id="52" name="Text Placeholder 39">
+                <a:extLst>
+                  <a:ext uri="{FF2B5EF4-FFF2-40B4-BE49-F238E27FC236}">
+                    <a16:creationId xmlns:a16="http://schemas.microsoft.com/office/drawing/2014/main" id="{9D9D57B4-F087-FCFC-BB04-9F447C27F1F1}"/>
+                  </a:ext>
+                </a:extLst>
+              </p:cNvPr>
+              <p:cNvSpPr txBox="1">
+                <a:spLocks noRot="1" noChangeAspect="1" noMove="1" noResize="1" noEditPoints="1" noAdjustHandles="1" noChangeArrowheads="1" noChangeShapeType="1" noTextEdit="1"/>
+              </p:cNvSpPr>
+              <p:nvPr/>
+            </p:nvSpPr>
+            <p:spPr>
+              <a:xfrm>
+                <a:off x="1315072" y="6309865"/>
+                <a:ext cx="571886" cy="533479"/>
+              </a:xfrm>
+              <a:prstGeom prst="rect">
+                <a:avLst/>
+              </a:prstGeom>
+              <a:blipFill>
+                <a:blip r:embed="rId12"/>
+                <a:stretch>
+                  <a:fillRect l="-4255"/>
+                </a:stretch>
+              </a:blipFill>
+              <a:ln w="12700" cap="flat">
+                <a:noFill/>
+                <a:miter lim="400000"/>
+              </a:ln>
+            </p:spPr>
+            <p:txBody>
+              <a:bodyPr/>
+              <a:lstStyle/>
+              <a:p>
+                <a:r>
+                  <a:rPr lang="en-US">
+                    <a:noFill/>
+                  </a:rPr>
+                  <a:t> </a:t>
+                </a:r>
+              </a:p>
+            </p:txBody>
+          </p:sp>
+        </mc:Fallback>
+      </mc:AlternateContent>
+    </p:spTree>
+    <p:extLst>
+      <p:ext uri="{BB962C8B-B14F-4D97-AF65-F5344CB8AC3E}">
+        <p14:creationId xmlns:p14="http://schemas.microsoft.com/office/powerpoint/2010/main" val="1939647017"/>
+      </p:ext>
+    </p:extLst>
+  </p:cSld>
+  <p:clrMapOvr>
+    <a:masterClrMapping/>
+  </p:clrMapOvr>
+  <mc:AlternateContent xmlns:mc="http://schemas.openxmlformats.org/markup-compatibility/2006">
+    <mc:Choice xmlns:p14="http://schemas.microsoft.com/office/powerpoint/2010/main" Requires="p14">
+      <p:transition p14:dur="0"/>
+    </mc:Choice>
+    <mc:Fallback>
+      <p:transition/>
+    </mc:Fallback>
+  </mc:AlternateContent>
+</p:sld>
+</file>
+
+<file path=ppt/slides/slide18.xml><?xml version="1.0" encoding="utf-8"?>
 <p:sld xmlns:a="http://schemas.openxmlformats.org/drawingml/2006/main" xmlns:r="http://schemas.openxmlformats.org/officeDocument/2006/relationships" xmlns:p="http://schemas.openxmlformats.org/presentationml/2006/main">
   <p:cSld>
     <p:spTree>
@@ -16242,7 +18843,7 @@
             <a:fld id="{CAC3FE34-2808-40E6-BEA2-B7CA77D47CA5}" type="slidenum">
               <a:rPr lang="en-US" smtClean="0"/>
               <a:pPr/>
-              <a:t>16</a:t>
+              <a:t>18</a:t>
             </a:fld>
             <a:endParaRPr lang="en-US" dirty="0"/>
           </a:p>
@@ -16262,7 +18863,7 @@
 </p:sld>
 </file>
 
-<file path=ppt/slides/slide17.xml><?xml version="1.0" encoding="utf-8"?>
+<file path=ppt/slides/slide19.xml><?xml version="1.0" encoding="utf-8"?>
 <p:sld xmlns:a="http://schemas.openxmlformats.org/drawingml/2006/main" xmlns:r="http://schemas.openxmlformats.org/officeDocument/2006/relationships" xmlns:p="http://schemas.openxmlformats.org/presentationml/2006/main">
   <p:cSld>
     <p:spTree>
@@ -16337,7 +18938,7 @@
             <a:fld id="{CAC3FE34-2808-40E6-BEA2-B7CA77D47CA5}" type="slidenum">
               <a:rPr lang="en-US" smtClean="0"/>
               <a:pPr/>
-              <a:t>17</a:t>
+              <a:t>19</a:t>
             </a:fld>
             <a:endParaRPr lang="en-US" dirty="0"/>
           </a:p>
@@ -16347,187 +18948,6 @@
     <p:extLst>
       <p:ext uri="{BB962C8B-B14F-4D97-AF65-F5344CB8AC3E}">
         <p14:creationId xmlns:p14="http://schemas.microsoft.com/office/powerpoint/2010/main" val="2276957071"/>
-      </p:ext>
-    </p:extLst>
-  </p:cSld>
-  <p:clrMapOvr>
-    <a:masterClrMapping/>
-  </p:clrMapOvr>
-  <p:transition spd="med"/>
-</p:sld>
-</file>
-
-<file path=ppt/slides/slide18.xml><?xml version="1.0" encoding="utf-8"?>
-<p:sld xmlns:a="http://schemas.openxmlformats.org/drawingml/2006/main" xmlns:r="http://schemas.openxmlformats.org/officeDocument/2006/relationships" xmlns:p="http://schemas.openxmlformats.org/presentationml/2006/main">
-  <p:cSld>
-    <p:spTree>
-      <p:nvGrpSpPr>
-        <p:cNvPr id="1" name="">
-          <a:extLst>
-            <a:ext uri="{FF2B5EF4-FFF2-40B4-BE49-F238E27FC236}">
-              <a16:creationId xmlns:a16="http://schemas.microsoft.com/office/drawing/2014/main" id="{5006AE7B-65B3-6185-C620-6F62E726DDB4}"/>
-            </a:ext>
-          </a:extLst>
-        </p:cNvPr>
-        <p:cNvGrpSpPr/>
-        <p:nvPr/>
-      </p:nvGrpSpPr>
-      <p:grpSpPr>
-        <a:xfrm>
-          <a:off x="0" y="0"/>
-          <a:ext cx="0" cy="0"/>
-          <a:chOff x="0" y="0"/>
-          <a:chExt cx="0" cy="0"/>
-        </a:xfrm>
-      </p:grpSpPr>
-      <p:sp>
-        <p:nvSpPr>
-          <p:cNvPr id="2" name="Title 1">
-            <a:extLst>
-              <a:ext uri="{FF2B5EF4-FFF2-40B4-BE49-F238E27FC236}">
-                <a16:creationId xmlns:a16="http://schemas.microsoft.com/office/drawing/2014/main" id="{B8FC994D-99FF-E692-7BEB-0A4E1665AC8F}"/>
-              </a:ext>
-            </a:extLst>
-          </p:cNvPr>
-          <p:cNvSpPr>
-            <a:spLocks noGrp="1"/>
-          </p:cNvSpPr>
-          <p:nvPr>
-            <p:ph type="title"/>
-          </p:nvPr>
-        </p:nvSpPr>
-        <p:spPr/>
-        <p:txBody>
-          <a:bodyPr/>
-          <a:lstStyle/>
-          <a:p>
-            <a:r>
-              <a:rPr lang="en-US" dirty="0"/>
-              <a:t>References</a:t>
-            </a:r>
-          </a:p>
-        </p:txBody>
-      </p:sp>
-      <p:sp>
-        <p:nvSpPr>
-          <p:cNvPr id="3" name="Slide Number Placeholder 2">
-            <a:extLst>
-              <a:ext uri="{FF2B5EF4-FFF2-40B4-BE49-F238E27FC236}">
-                <a16:creationId xmlns:a16="http://schemas.microsoft.com/office/drawing/2014/main" id="{4090F2A3-8D23-E0A3-B858-B5188A3777DF}"/>
-              </a:ext>
-            </a:extLst>
-          </p:cNvPr>
-          <p:cNvSpPr>
-            <a:spLocks noGrp="1"/>
-          </p:cNvSpPr>
-          <p:nvPr>
-            <p:ph type="sldNum" sz="quarter" idx="10"/>
-          </p:nvPr>
-        </p:nvSpPr>
-        <p:spPr/>
-        <p:txBody>
-          <a:bodyPr/>
-          <a:lstStyle/>
-          <a:p>
-            <a:fld id="{CAC3FE34-2808-40E6-BEA2-B7CA77D47CA5}" type="slidenum">
-              <a:rPr lang="en-US" smtClean="0"/>
-              <a:pPr/>
-              <a:t>18</a:t>
-            </a:fld>
-            <a:endParaRPr lang="en-US" dirty="0"/>
-          </a:p>
-        </p:txBody>
-      </p:sp>
-    </p:spTree>
-    <p:extLst>
-      <p:ext uri="{BB962C8B-B14F-4D97-AF65-F5344CB8AC3E}">
-        <p14:creationId xmlns:p14="http://schemas.microsoft.com/office/powerpoint/2010/main" val="1732606399"/>
-      </p:ext>
-    </p:extLst>
-  </p:cSld>
-  <p:clrMapOvr>
-    <a:masterClrMapping/>
-  </p:clrMapOvr>
-  <p:transition spd="med"/>
-</p:sld>
-</file>
-
-<file path=ppt/slides/slide19.xml><?xml version="1.0" encoding="utf-8"?>
-<p:sld xmlns:a="http://schemas.openxmlformats.org/drawingml/2006/main" xmlns:r="http://schemas.openxmlformats.org/officeDocument/2006/relationships" xmlns:p="http://schemas.openxmlformats.org/presentationml/2006/main">
-  <p:cSld>
-    <p:spTree>
-      <p:nvGrpSpPr>
-        <p:cNvPr id="1" name=""/>
-        <p:cNvGrpSpPr/>
-        <p:nvPr/>
-      </p:nvGrpSpPr>
-      <p:grpSpPr>
-        <a:xfrm>
-          <a:off x="0" y="0"/>
-          <a:ext cx="0" cy="0"/>
-          <a:chOff x="0" y="0"/>
-          <a:chExt cx="0" cy="0"/>
-        </a:xfrm>
-      </p:grpSpPr>
-      <p:sp>
-        <p:nvSpPr>
-          <p:cNvPr id="2" name="Title 1">
-            <a:extLst>
-              <a:ext uri="{FF2B5EF4-FFF2-40B4-BE49-F238E27FC236}">
-                <a16:creationId xmlns:a16="http://schemas.microsoft.com/office/drawing/2014/main" id="{B8355946-940F-91A0-54C3-600969D65C97}"/>
-              </a:ext>
-            </a:extLst>
-          </p:cNvPr>
-          <p:cNvSpPr>
-            <a:spLocks noGrp="1"/>
-          </p:cNvSpPr>
-          <p:nvPr>
-            <p:ph type="title"/>
-          </p:nvPr>
-        </p:nvSpPr>
-        <p:spPr/>
-        <p:txBody>
-          <a:bodyPr/>
-          <a:lstStyle/>
-          <a:p>
-            <a:endParaRPr lang="en-US"/>
-          </a:p>
-        </p:txBody>
-      </p:sp>
-      <p:sp>
-        <p:nvSpPr>
-          <p:cNvPr id="3" name="Slide Number Placeholder 2">
-            <a:extLst>
-              <a:ext uri="{FF2B5EF4-FFF2-40B4-BE49-F238E27FC236}">
-                <a16:creationId xmlns:a16="http://schemas.microsoft.com/office/drawing/2014/main" id="{C67346B1-D5C8-BF18-FD6C-018084358659}"/>
-              </a:ext>
-            </a:extLst>
-          </p:cNvPr>
-          <p:cNvSpPr>
-            <a:spLocks noGrp="1"/>
-          </p:cNvSpPr>
-          <p:nvPr>
-            <p:ph type="sldNum" sz="quarter" idx="10"/>
-          </p:nvPr>
-        </p:nvSpPr>
-        <p:spPr/>
-        <p:txBody>
-          <a:bodyPr/>
-          <a:lstStyle/>
-          <a:p>
-            <a:fld id="{CAC3FE34-2808-40E6-BEA2-B7CA77D47CA5}" type="slidenum">
-              <a:rPr lang="en-US" smtClean="0"/>
-              <a:pPr/>
-              <a:t>19</a:t>
-            </a:fld>
-            <a:endParaRPr lang="en-US" dirty="0"/>
-          </a:p>
-        </p:txBody>
-      </p:sp>
-    </p:spTree>
-    <p:extLst>
-      <p:ext uri="{BB962C8B-B14F-4D97-AF65-F5344CB8AC3E}">
-        <p14:creationId xmlns:p14="http://schemas.microsoft.com/office/powerpoint/2010/main" val="2757329782"/>
       </p:ext>
     </p:extLst>
   </p:cSld>
@@ -16707,6 +19127,187 @@
         <p:cNvPr id="1" name="">
           <a:extLst>
             <a:ext uri="{FF2B5EF4-FFF2-40B4-BE49-F238E27FC236}">
+              <a16:creationId xmlns:a16="http://schemas.microsoft.com/office/drawing/2014/main" id="{5006AE7B-65B3-6185-C620-6F62E726DDB4}"/>
+            </a:ext>
+          </a:extLst>
+        </p:cNvPr>
+        <p:cNvGrpSpPr/>
+        <p:nvPr/>
+      </p:nvGrpSpPr>
+      <p:grpSpPr>
+        <a:xfrm>
+          <a:off x="0" y="0"/>
+          <a:ext cx="0" cy="0"/>
+          <a:chOff x="0" y="0"/>
+          <a:chExt cx="0" cy="0"/>
+        </a:xfrm>
+      </p:grpSpPr>
+      <p:sp>
+        <p:nvSpPr>
+          <p:cNvPr id="2" name="Title 1">
+            <a:extLst>
+              <a:ext uri="{FF2B5EF4-FFF2-40B4-BE49-F238E27FC236}">
+                <a16:creationId xmlns:a16="http://schemas.microsoft.com/office/drawing/2014/main" id="{B8FC994D-99FF-E692-7BEB-0A4E1665AC8F}"/>
+              </a:ext>
+            </a:extLst>
+          </p:cNvPr>
+          <p:cNvSpPr>
+            <a:spLocks noGrp="1"/>
+          </p:cNvSpPr>
+          <p:nvPr>
+            <p:ph type="title"/>
+          </p:nvPr>
+        </p:nvSpPr>
+        <p:spPr/>
+        <p:txBody>
+          <a:bodyPr/>
+          <a:lstStyle/>
+          <a:p>
+            <a:r>
+              <a:rPr lang="en-US" dirty="0"/>
+              <a:t>References</a:t>
+            </a:r>
+          </a:p>
+        </p:txBody>
+      </p:sp>
+      <p:sp>
+        <p:nvSpPr>
+          <p:cNvPr id="3" name="Slide Number Placeholder 2">
+            <a:extLst>
+              <a:ext uri="{FF2B5EF4-FFF2-40B4-BE49-F238E27FC236}">
+                <a16:creationId xmlns:a16="http://schemas.microsoft.com/office/drawing/2014/main" id="{4090F2A3-8D23-E0A3-B858-B5188A3777DF}"/>
+              </a:ext>
+            </a:extLst>
+          </p:cNvPr>
+          <p:cNvSpPr>
+            <a:spLocks noGrp="1"/>
+          </p:cNvSpPr>
+          <p:nvPr>
+            <p:ph type="sldNum" sz="quarter" idx="10"/>
+          </p:nvPr>
+        </p:nvSpPr>
+        <p:spPr/>
+        <p:txBody>
+          <a:bodyPr/>
+          <a:lstStyle/>
+          <a:p>
+            <a:fld id="{CAC3FE34-2808-40E6-BEA2-B7CA77D47CA5}" type="slidenum">
+              <a:rPr lang="en-US" smtClean="0"/>
+              <a:pPr/>
+              <a:t>20</a:t>
+            </a:fld>
+            <a:endParaRPr lang="en-US" dirty="0"/>
+          </a:p>
+        </p:txBody>
+      </p:sp>
+    </p:spTree>
+    <p:extLst>
+      <p:ext uri="{BB962C8B-B14F-4D97-AF65-F5344CB8AC3E}">
+        <p14:creationId xmlns:p14="http://schemas.microsoft.com/office/powerpoint/2010/main" val="1732606399"/>
+      </p:ext>
+    </p:extLst>
+  </p:cSld>
+  <p:clrMapOvr>
+    <a:masterClrMapping/>
+  </p:clrMapOvr>
+  <p:transition spd="med"/>
+</p:sld>
+</file>
+
+<file path=ppt/slides/slide21.xml><?xml version="1.0" encoding="utf-8"?>
+<p:sld xmlns:a="http://schemas.openxmlformats.org/drawingml/2006/main" xmlns:r="http://schemas.openxmlformats.org/officeDocument/2006/relationships" xmlns:p="http://schemas.openxmlformats.org/presentationml/2006/main">
+  <p:cSld>
+    <p:spTree>
+      <p:nvGrpSpPr>
+        <p:cNvPr id="1" name=""/>
+        <p:cNvGrpSpPr/>
+        <p:nvPr/>
+      </p:nvGrpSpPr>
+      <p:grpSpPr>
+        <a:xfrm>
+          <a:off x="0" y="0"/>
+          <a:ext cx="0" cy="0"/>
+          <a:chOff x="0" y="0"/>
+          <a:chExt cx="0" cy="0"/>
+        </a:xfrm>
+      </p:grpSpPr>
+      <p:sp>
+        <p:nvSpPr>
+          <p:cNvPr id="2" name="Title 1">
+            <a:extLst>
+              <a:ext uri="{FF2B5EF4-FFF2-40B4-BE49-F238E27FC236}">
+                <a16:creationId xmlns:a16="http://schemas.microsoft.com/office/drawing/2014/main" id="{B8355946-940F-91A0-54C3-600969D65C97}"/>
+              </a:ext>
+            </a:extLst>
+          </p:cNvPr>
+          <p:cNvSpPr>
+            <a:spLocks noGrp="1"/>
+          </p:cNvSpPr>
+          <p:nvPr>
+            <p:ph type="title"/>
+          </p:nvPr>
+        </p:nvSpPr>
+        <p:spPr/>
+        <p:txBody>
+          <a:bodyPr/>
+          <a:lstStyle/>
+          <a:p>
+            <a:endParaRPr lang="en-US"/>
+          </a:p>
+        </p:txBody>
+      </p:sp>
+      <p:sp>
+        <p:nvSpPr>
+          <p:cNvPr id="3" name="Slide Number Placeholder 2">
+            <a:extLst>
+              <a:ext uri="{FF2B5EF4-FFF2-40B4-BE49-F238E27FC236}">
+                <a16:creationId xmlns:a16="http://schemas.microsoft.com/office/drawing/2014/main" id="{C67346B1-D5C8-BF18-FD6C-018084358659}"/>
+              </a:ext>
+            </a:extLst>
+          </p:cNvPr>
+          <p:cNvSpPr>
+            <a:spLocks noGrp="1"/>
+          </p:cNvSpPr>
+          <p:nvPr>
+            <p:ph type="sldNum" sz="quarter" idx="10"/>
+          </p:nvPr>
+        </p:nvSpPr>
+        <p:spPr/>
+        <p:txBody>
+          <a:bodyPr/>
+          <a:lstStyle/>
+          <a:p>
+            <a:fld id="{CAC3FE34-2808-40E6-BEA2-B7CA77D47CA5}" type="slidenum">
+              <a:rPr lang="en-US" smtClean="0"/>
+              <a:pPr/>
+              <a:t>21</a:t>
+            </a:fld>
+            <a:endParaRPr lang="en-US" dirty="0"/>
+          </a:p>
+        </p:txBody>
+      </p:sp>
+    </p:spTree>
+    <p:extLst>
+      <p:ext uri="{BB962C8B-B14F-4D97-AF65-F5344CB8AC3E}">
+        <p14:creationId xmlns:p14="http://schemas.microsoft.com/office/powerpoint/2010/main" val="2757329782"/>
+      </p:ext>
+    </p:extLst>
+  </p:cSld>
+  <p:clrMapOvr>
+    <a:masterClrMapping/>
+  </p:clrMapOvr>
+  <p:transition spd="med"/>
+</p:sld>
+</file>
+
+<file path=ppt/slides/slide22.xml><?xml version="1.0" encoding="utf-8"?>
+<p:sld xmlns:a="http://schemas.openxmlformats.org/drawingml/2006/main" xmlns:r="http://schemas.openxmlformats.org/officeDocument/2006/relationships" xmlns:p="http://schemas.openxmlformats.org/presentationml/2006/main">
+  <p:cSld>
+    <p:spTree>
+      <p:nvGrpSpPr>
+        <p:cNvPr id="1" name="">
+          <a:extLst>
+            <a:ext uri="{FF2B5EF4-FFF2-40B4-BE49-F238E27FC236}">
               <a16:creationId xmlns:a16="http://schemas.microsoft.com/office/drawing/2014/main" id="{CC2B0102-FAF4-95C6-5ECA-13FB56DEA0F7}"/>
             </a:ext>
           </a:extLst>
@@ -16771,7 +19372,7 @@
             <a:fld id="{CAC3FE34-2808-40E6-BEA2-B7CA77D47CA5}" type="slidenum">
               <a:rPr lang="en-US" smtClean="0"/>
               <a:pPr/>
-              <a:t>20</a:t>
+              <a:t>22</a:t>
             </a:fld>
             <a:endParaRPr lang="en-US" dirty="0"/>
           </a:p>

--- a/report/OptimalFinalPresentation.pptx
+++ b/report/OptimalFinalPresentation.pptx
@@ -274,7 +274,7 @@
           <a:p>
             <a:fld id="{6D72FF73-3B8F-A544-A0A0-42F2B80C88BC}" type="datetimeFigureOut">
               <a:rPr lang="en-US" smtClean="0"/>
-              <a:t>4/30/2025</a:t>
+              <a:t>5/2/2025</a:t>
             </a:fld>
             <a:endParaRPr lang="en-US" dirty="0"/>
           </a:p>
@@ -518,6 +518,67 @@
     </a:lvl9pPr>
   </p:notesStyle>
 </p:notesMaster>
+</file>
+
+<file path=ppt/notesSlides/notesSlide1.xml><?xml version="1.0" encoding="utf-8"?>
+<p:notes xmlns:a="http://schemas.openxmlformats.org/drawingml/2006/main" xmlns:r="http://schemas.openxmlformats.org/officeDocument/2006/relationships" xmlns:p="http://schemas.openxmlformats.org/presentationml/2006/main">
+  <p:cSld>
+    <p:spTree>
+      <p:nvGrpSpPr>
+        <p:cNvPr id="1" name=""/>
+        <p:cNvGrpSpPr/>
+        <p:nvPr/>
+      </p:nvGrpSpPr>
+      <p:grpSpPr>
+        <a:xfrm>
+          <a:off x="0" y="0"/>
+          <a:ext cx="0" cy="0"/>
+          <a:chOff x="0" y="0"/>
+          <a:chExt cx="0" cy="0"/>
+        </a:xfrm>
+      </p:grpSpPr>
+      <p:sp>
+        <p:nvSpPr>
+          <p:cNvPr id="2" name="Slide Image Placeholder 1"/>
+          <p:cNvSpPr>
+            <a:spLocks noGrp="1" noRot="1" noChangeAspect="1"/>
+          </p:cNvSpPr>
+          <p:nvPr>
+            <p:ph type="sldImg"/>
+          </p:nvPr>
+        </p:nvSpPr>
+        <p:spPr/>
+      </p:sp>
+      <p:sp>
+        <p:nvSpPr>
+          <p:cNvPr id="3" name="Notes Placeholder 2"/>
+          <p:cNvSpPr>
+            <a:spLocks noGrp="1"/>
+          </p:cNvSpPr>
+          <p:nvPr>
+            <p:ph type="body" idx="1"/>
+          </p:nvPr>
+        </p:nvSpPr>
+        <p:spPr/>
+        <p:txBody>
+          <a:bodyPr/>
+          <a:lstStyle/>
+          <a:p>
+            <a:endParaRPr lang="en-US" dirty="0"/>
+          </a:p>
+        </p:txBody>
+      </p:sp>
+    </p:spTree>
+    <p:extLst>
+      <p:ext uri="{BB962C8B-B14F-4D97-AF65-F5344CB8AC3E}">
+        <p14:creationId xmlns:p14="http://schemas.microsoft.com/office/powerpoint/2010/main" val="256355981"/>
+      </p:ext>
+    </p:extLst>
+  </p:cSld>
+  <p:clrMapOvr>
+    <a:masterClrMapping/>
+  </p:clrMapOvr>
+</p:notes>
 </file>
 
 <file path=ppt/slideLayouts/slideLayout1.xml><?xml version="1.0" encoding="utf-8"?>
@@ -6747,8 +6808,8 @@
             <a:fontRef idx="none"/>
           </p:style>
         </p:cxnSp>
-        <mc:AlternateContent xmlns:mc="http://schemas.openxmlformats.org/markup-compatibility/2006">
-          <mc:Choice xmlns:a14="http://schemas.microsoft.com/office/drawing/2010/main" Requires="a14">
+        <mc:AlternateContent xmlns:mc="http://schemas.openxmlformats.org/markup-compatibility/2006" xmlns:a14="http://schemas.microsoft.com/office/drawing/2010/main">
+          <mc:Choice Requires="a14">
             <p:sp>
               <p:nvSpPr>
                 <p:cNvPr id="55" name="TextBox 54">
@@ -6987,7 +7048,7 @@
               </p:txBody>
             </p:sp>
           </mc:Choice>
-          <mc:Fallback>
+          <mc:Fallback xmlns="">
             <p:sp>
               <p:nvSpPr>
                 <p:cNvPr id="55" name="TextBox 54">
@@ -7037,8 +7098,8 @@
             </p:sp>
           </mc:Fallback>
         </mc:AlternateContent>
-        <mc:AlternateContent xmlns:mc="http://schemas.openxmlformats.org/markup-compatibility/2006">
-          <mc:Choice xmlns:a14="http://schemas.microsoft.com/office/drawing/2010/main" Requires="a14">
+        <mc:AlternateContent xmlns:mc="http://schemas.openxmlformats.org/markup-compatibility/2006" xmlns:a14="http://schemas.microsoft.com/office/drawing/2010/main">
+          <mc:Choice Requires="a14">
             <p:sp>
               <p:nvSpPr>
                 <p:cNvPr id="56" name="TextBox 55">
@@ -7277,7 +7338,7 @@
               </p:txBody>
             </p:sp>
           </mc:Choice>
-          <mc:Fallback>
+          <mc:Fallback xmlns="">
             <p:sp>
               <p:nvSpPr>
                 <p:cNvPr id="56" name="TextBox 55">
@@ -7327,8 +7388,8 @@
             </p:sp>
           </mc:Fallback>
         </mc:AlternateContent>
-        <mc:AlternateContent xmlns:mc="http://schemas.openxmlformats.org/markup-compatibility/2006">
-          <mc:Choice xmlns:a14="http://schemas.microsoft.com/office/drawing/2010/main" Requires="a14">
+        <mc:AlternateContent xmlns:mc="http://schemas.openxmlformats.org/markup-compatibility/2006" xmlns:a14="http://schemas.microsoft.com/office/drawing/2010/main">
+          <mc:Choice Requires="a14">
             <p:sp>
               <p:nvSpPr>
                 <p:cNvPr id="57" name="TextBox 56">
@@ -7467,7 +7528,7 @@
               </p:txBody>
             </p:sp>
           </mc:Choice>
-          <mc:Fallback>
+          <mc:Fallback xmlns="">
             <p:sp>
               <p:nvSpPr>
                 <p:cNvPr id="57" name="TextBox 56">
@@ -7517,8 +7578,8 @@
             </p:sp>
           </mc:Fallback>
         </mc:AlternateContent>
-        <mc:AlternateContent xmlns:mc="http://schemas.openxmlformats.org/markup-compatibility/2006">
-          <mc:Choice xmlns:a14="http://schemas.microsoft.com/office/drawing/2010/main" Requires="a14">
+        <mc:AlternateContent xmlns:mc="http://schemas.openxmlformats.org/markup-compatibility/2006" xmlns:a14="http://schemas.microsoft.com/office/drawing/2010/main">
+          <mc:Choice Requires="a14">
             <p:sp>
               <p:nvSpPr>
                 <p:cNvPr id="58" name="TextBox 57">
@@ -7657,7 +7718,7 @@
               </p:txBody>
             </p:sp>
           </mc:Choice>
-          <mc:Fallback>
+          <mc:Fallback xmlns="">
             <p:sp>
               <p:nvSpPr>
                 <p:cNvPr id="58" name="TextBox 57">
@@ -7707,8 +7768,8 @@
             </p:sp>
           </mc:Fallback>
         </mc:AlternateContent>
-        <mc:AlternateContent xmlns:mc="http://schemas.openxmlformats.org/markup-compatibility/2006">
-          <mc:Choice xmlns:a14="http://schemas.microsoft.com/office/drawing/2010/main" Requires="a14">
+        <mc:AlternateContent xmlns:mc="http://schemas.openxmlformats.org/markup-compatibility/2006" xmlns:a14="http://schemas.microsoft.com/office/drawing/2010/main">
+          <mc:Choice Requires="a14">
             <p:sp>
               <p:nvSpPr>
                 <p:cNvPr id="59" name="TextBox 58">
@@ -7864,7 +7925,7 @@
               </p:txBody>
             </p:sp>
           </mc:Choice>
-          <mc:Fallback>
+          <mc:Fallback xmlns="">
             <p:sp>
               <p:nvSpPr>
                 <p:cNvPr id="59" name="TextBox 58">
@@ -7914,8 +7975,8 @@
             </p:sp>
           </mc:Fallback>
         </mc:AlternateContent>
-        <mc:AlternateContent xmlns:mc="http://schemas.openxmlformats.org/markup-compatibility/2006">
-          <mc:Choice xmlns:a14="http://schemas.microsoft.com/office/drawing/2010/main" Requires="a14">
+        <mc:AlternateContent xmlns:mc="http://schemas.openxmlformats.org/markup-compatibility/2006" xmlns:a14="http://schemas.microsoft.com/office/drawing/2010/main">
+          <mc:Choice Requires="a14">
             <p:sp>
               <p:nvSpPr>
                 <p:cNvPr id="60" name="TextBox 59">
@@ -8071,7 +8132,7 @@
               </p:txBody>
             </p:sp>
           </mc:Choice>
-          <mc:Fallback>
+          <mc:Fallback xmlns="">
             <p:sp>
               <p:nvSpPr>
                 <p:cNvPr id="60" name="TextBox 59">
@@ -8121,8 +8182,8 @@
             </p:sp>
           </mc:Fallback>
         </mc:AlternateContent>
-        <mc:AlternateContent xmlns:mc="http://schemas.openxmlformats.org/markup-compatibility/2006">
-          <mc:Choice xmlns:a14="http://schemas.microsoft.com/office/drawing/2010/main" Requires="a14">
+        <mc:AlternateContent xmlns:mc="http://schemas.openxmlformats.org/markup-compatibility/2006" xmlns:a14="http://schemas.microsoft.com/office/drawing/2010/main">
+          <mc:Choice Requires="a14">
             <p:sp>
               <p:nvSpPr>
                 <p:cNvPr id="61" name="TextBox 60">
@@ -8306,7 +8367,7 @@
               </p:txBody>
             </p:sp>
           </mc:Choice>
-          <mc:Fallback>
+          <mc:Fallback xmlns="">
             <p:sp>
               <p:nvSpPr>
                 <p:cNvPr id="61" name="TextBox 60">
@@ -8356,8 +8417,8 @@
             </p:sp>
           </mc:Fallback>
         </mc:AlternateContent>
-        <mc:AlternateContent xmlns:mc="http://schemas.openxmlformats.org/markup-compatibility/2006">
-          <mc:Choice xmlns:a14="http://schemas.microsoft.com/office/drawing/2010/main" Requires="a14">
+        <mc:AlternateContent xmlns:mc="http://schemas.openxmlformats.org/markup-compatibility/2006" xmlns:a14="http://schemas.microsoft.com/office/drawing/2010/main">
+          <mc:Choice Requires="a14">
             <p:sp>
               <p:nvSpPr>
                 <p:cNvPr id="62" name="TextBox 61">
@@ -8513,7 +8574,7 @@
               </p:txBody>
             </p:sp>
           </mc:Choice>
-          <mc:Fallback>
+          <mc:Fallback xmlns="">
             <p:sp>
               <p:nvSpPr>
                 <p:cNvPr id="62" name="TextBox 61">
@@ -8611,8 +8672,8 @@
             <a:fontRef idx="none"/>
           </p:style>
         </p:cxnSp>
-        <mc:AlternateContent xmlns:mc="http://schemas.openxmlformats.org/markup-compatibility/2006">
-          <mc:Choice xmlns:a14="http://schemas.microsoft.com/office/drawing/2010/main" Requires="a14">
+        <mc:AlternateContent xmlns:mc="http://schemas.openxmlformats.org/markup-compatibility/2006" xmlns:a14="http://schemas.microsoft.com/office/drawing/2010/main">
+          <mc:Choice Requires="a14">
             <p:sp>
               <p:nvSpPr>
                 <p:cNvPr id="64" name="TextBox 63">
@@ -8768,7 +8829,7 @@
               </p:txBody>
             </p:sp>
           </mc:Choice>
-          <mc:Fallback>
+          <mc:Fallback xmlns="">
             <p:sp>
               <p:nvSpPr>
                 <p:cNvPr id="64" name="TextBox 63">
@@ -10892,8 +10953,8 @@
             <a:fontRef idx="none"/>
           </p:style>
         </p:cxnSp>
-        <mc:AlternateContent xmlns:mc="http://schemas.openxmlformats.org/markup-compatibility/2006">
-          <mc:Choice xmlns:a14="http://schemas.microsoft.com/office/drawing/2010/main" Requires="a14">
+        <mc:AlternateContent xmlns:mc="http://schemas.openxmlformats.org/markup-compatibility/2006" xmlns:a14="http://schemas.microsoft.com/office/drawing/2010/main">
+          <mc:Choice Requires="a14">
             <p:sp>
               <p:nvSpPr>
                 <p:cNvPr id="112" name="TextBox 111">
@@ -11132,7 +11193,7 @@
               </p:txBody>
             </p:sp>
           </mc:Choice>
-          <mc:Fallback>
+          <mc:Fallback xmlns="">
             <p:sp>
               <p:nvSpPr>
                 <p:cNvPr id="112" name="TextBox 111">
@@ -11156,7 +11217,7 @@
                   <a:avLst/>
                 </a:prstGeom>
                 <a:blipFill>
-                  <a:blip r:embed="rId2"/>
+                  <a:blip r:embed="rId3"/>
                   <a:stretch>
                     <a:fillRect/>
                   </a:stretch>
@@ -11182,8 +11243,8 @@
             </p:sp>
           </mc:Fallback>
         </mc:AlternateContent>
-        <mc:AlternateContent xmlns:mc="http://schemas.openxmlformats.org/markup-compatibility/2006">
-          <mc:Choice xmlns:a14="http://schemas.microsoft.com/office/drawing/2010/main" Requires="a14">
+        <mc:AlternateContent xmlns:mc="http://schemas.openxmlformats.org/markup-compatibility/2006" xmlns:a14="http://schemas.microsoft.com/office/drawing/2010/main">
+          <mc:Choice Requires="a14">
             <p:sp>
               <p:nvSpPr>
                 <p:cNvPr id="115" name="TextBox 114">
@@ -11422,7 +11483,7 @@
               </p:txBody>
             </p:sp>
           </mc:Choice>
-          <mc:Fallback>
+          <mc:Fallback xmlns="">
             <p:sp>
               <p:nvSpPr>
                 <p:cNvPr id="115" name="TextBox 114">
@@ -11446,7 +11507,7 @@
                   <a:avLst/>
                 </a:prstGeom>
                 <a:blipFill>
-                  <a:blip r:embed="rId3"/>
+                  <a:blip r:embed="rId4"/>
                   <a:stretch>
                     <a:fillRect/>
                   </a:stretch>
@@ -11472,8 +11533,8 @@
             </p:sp>
           </mc:Fallback>
         </mc:AlternateContent>
-        <mc:AlternateContent xmlns:mc="http://schemas.openxmlformats.org/markup-compatibility/2006">
-          <mc:Choice xmlns:a14="http://schemas.microsoft.com/office/drawing/2010/main" Requires="a14">
+        <mc:AlternateContent xmlns:mc="http://schemas.openxmlformats.org/markup-compatibility/2006" xmlns:a14="http://schemas.microsoft.com/office/drawing/2010/main">
+          <mc:Choice Requires="a14">
             <p:sp>
               <p:nvSpPr>
                 <p:cNvPr id="117" name="TextBox 116">
@@ -11612,7 +11673,7 @@
               </p:txBody>
             </p:sp>
           </mc:Choice>
-          <mc:Fallback>
+          <mc:Fallback xmlns="">
             <p:sp>
               <p:nvSpPr>
                 <p:cNvPr id="117" name="TextBox 116">
@@ -11636,7 +11697,7 @@
                   <a:avLst/>
                 </a:prstGeom>
                 <a:blipFill>
-                  <a:blip r:embed="rId4"/>
+                  <a:blip r:embed="rId5"/>
                   <a:stretch>
                     <a:fillRect/>
                   </a:stretch>
@@ -11662,8 +11723,8 @@
             </p:sp>
           </mc:Fallback>
         </mc:AlternateContent>
-        <mc:AlternateContent xmlns:mc="http://schemas.openxmlformats.org/markup-compatibility/2006">
-          <mc:Choice xmlns:a14="http://schemas.microsoft.com/office/drawing/2010/main" Requires="a14">
+        <mc:AlternateContent xmlns:mc="http://schemas.openxmlformats.org/markup-compatibility/2006" xmlns:a14="http://schemas.microsoft.com/office/drawing/2010/main">
+          <mc:Choice Requires="a14">
             <p:sp>
               <p:nvSpPr>
                 <p:cNvPr id="118" name="TextBox 117">
@@ -11802,7 +11863,7 @@
               </p:txBody>
             </p:sp>
           </mc:Choice>
-          <mc:Fallback>
+          <mc:Fallback xmlns="">
             <p:sp>
               <p:nvSpPr>
                 <p:cNvPr id="118" name="TextBox 117">
@@ -11826,7 +11887,7 @@
                   <a:avLst/>
                 </a:prstGeom>
                 <a:blipFill>
-                  <a:blip r:embed="rId5"/>
+                  <a:blip r:embed="rId6"/>
                   <a:stretch>
                     <a:fillRect/>
                   </a:stretch>
@@ -11852,8 +11913,8 @@
             </p:sp>
           </mc:Fallback>
         </mc:AlternateContent>
-        <mc:AlternateContent xmlns:mc="http://schemas.openxmlformats.org/markup-compatibility/2006">
-          <mc:Choice xmlns:a14="http://schemas.microsoft.com/office/drawing/2010/main" Requires="a14">
+        <mc:AlternateContent xmlns:mc="http://schemas.openxmlformats.org/markup-compatibility/2006" xmlns:a14="http://schemas.microsoft.com/office/drawing/2010/main">
+          <mc:Choice Requires="a14">
             <p:sp>
               <p:nvSpPr>
                 <p:cNvPr id="119" name="TextBox 118">
@@ -12009,7 +12070,7 @@
               </p:txBody>
             </p:sp>
           </mc:Choice>
-          <mc:Fallback>
+          <mc:Fallback xmlns="">
             <p:sp>
               <p:nvSpPr>
                 <p:cNvPr id="119" name="TextBox 118">
@@ -12033,7 +12094,7 @@
                   <a:avLst/>
                 </a:prstGeom>
                 <a:blipFill>
-                  <a:blip r:embed="rId6"/>
+                  <a:blip r:embed="rId7"/>
                   <a:stretch>
                     <a:fillRect r="-9375"/>
                   </a:stretch>
@@ -12059,8 +12120,8 @@
             </p:sp>
           </mc:Fallback>
         </mc:AlternateContent>
-        <mc:AlternateContent xmlns:mc="http://schemas.openxmlformats.org/markup-compatibility/2006">
-          <mc:Choice xmlns:a14="http://schemas.microsoft.com/office/drawing/2010/main" Requires="a14">
+        <mc:AlternateContent xmlns:mc="http://schemas.openxmlformats.org/markup-compatibility/2006" xmlns:a14="http://schemas.microsoft.com/office/drawing/2010/main">
+          <mc:Choice Requires="a14">
             <p:sp>
               <p:nvSpPr>
                 <p:cNvPr id="120" name="TextBox 119">
@@ -12216,7 +12277,7 @@
               </p:txBody>
             </p:sp>
           </mc:Choice>
-          <mc:Fallback>
+          <mc:Fallback xmlns="">
             <p:sp>
               <p:nvSpPr>
                 <p:cNvPr id="120" name="TextBox 119">
@@ -12240,7 +12301,7 @@
                   <a:avLst/>
                 </a:prstGeom>
                 <a:blipFill>
-                  <a:blip r:embed="rId7"/>
+                  <a:blip r:embed="rId8"/>
                   <a:stretch>
                     <a:fillRect r="-9375"/>
                   </a:stretch>
@@ -12266,8 +12327,8 @@
             </p:sp>
           </mc:Fallback>
         </mc:AlternateContent>
-        <mc:AlternateContent xmlns:mc="http://schemas.openxmlformats.org/markup-compatibility/2006">
-          <mc:Choice xmlns:a14="http://schemas.microsoft.com/office/drawing/2010/main" Requires="a14">
+        <mc:AlternateContent xmlns:mc="http://schemas.openxmlformats.org/markup-compatibility/2006" xmlns:a14="http://schemas.microsoft.com/office/drawing/2010/main">
+          <mc:Choice Requires="a14">
             <p:sp>
               <p:nvSpPr>
                 <p:cNvPr id="121" name="TextBox 120">
@@ -12451,7 +12512,7 @@
               </p:txBody>
             </p:sp>
           </mc:Choice>
-          <mc:Fallback>
+          <mc:Fallback xmlns="">
             <p:sp>
               <p:nvSpPr>
                 <p:cNvPr id="121" name="TextBox 120">
@@ -12475,7 +12536,7 @@
                   <a:avLst/>
                 </a:prstGeom>
                 <a:blipFill>
-                  <a:blip r:embed="rId8"/>
+                  <a:blip r:embed="rId9"/>
                   <a:stretch>
                     <a:fillRect b="-3030"/>
                   </a:stretch>
@@ -12501,8 +12562,8 @@
             </p:sp>
           </mc:Fallback>
         </mc:AlternateContent>
-        <mc:AlternateContent xmlns:mc="http://schemas.openxmlformats.org/markup-compatibility/2006">
-          <mc:Choice xmlns:a14="http://schemas.microsoft.com/office/drawing/2010/main" Requires="a14">
+        <mc:AlternateContent xmlns:mc="http://schemas.openxmlformats.org/markup-compatibility/2006" xmlns:a14="http://schemas.microsoft.com/office/drawing/2010/main">
+          <mc:Choice Requires="a14">
             <p:sp>
               <p:nvSpPr>
                 <p:cNvPr id="122" name="TextBox 121">
@@ -12658,7 +12719,7 @@
               </p:txBody>
             </p:sp>
           </mc:Choice>
-          <mc:Fallback>
+          <mc:Fallback xmlns="">
             <p:sp>
               <p:nvSpPr>
                 <p:cNvPr id="122" name="TextBox 121">
@@ -12682,7 +12743,7 @@
                   <a:avLst/>
                 </a:prstGeom>
                 <a:blipFill>
-                  <a:blip r:embed="rId9"/>
+                  <a:blip r:embed="rId10"/>
                   <a:stretch>
                     <a:fillRect r="-4167" b="-2985"/>
                   </a:stretch>
@@ -12756,8 +12817,8 @@
             <a:fontRef idx="none"/>
           </p:style>
         </p:cxnSp>
-        <mc:AlternateContent xmlns:mc="http://schemas.openxmlformats.org/markup-compatibility/2006">
-          <mc:Choice xmlns:a14="http://schemas.microsoft.com/office/drawing/2010/main" Requires="a14">
+        <mc:AlternateContent xmlns:mc="http://schemas.openxmlformats.org/markup-compatibility/2006" xmlns:a14="http://schemas.microsoft.com/office/drawing/2010/main">
+          <mc:Choice Requires="a14">
             <p:sp>
               <p:nvSpPr>
                 <p:cNvPr id="22" name="TextBox 21">
@@ -12913,7 +12974,7 @@
               </p:txBody>
             </p:sp>
           </mc:Choice>
-          <mc:Fallback>
+          <mc:Fallback xmlns="">
             <p:sp>
               <p:nvSpPr>
                 <p:cNvPr id="22" name="TextBox 21">
@@ -12937,7 +12998,7 @@
                   <a:avLst/>
                 </a:prstGeom>
                 <a:blipFill>
-                  <a:blip r:embed="rId10"/>
+                  <a:blip r:embed="rId11"/>
                   <a:stretch>
                     <a:fillRect l="-14583"/>
                   </a:stretch>
@@ -12981,14 +13042,14 @@
               <p:nvPr>
                 <p:extLst>
                   <p:ext uri="{D42A27DB-BD31-4B8C-83A1-F6EECF244321}">
-                    <p14:modId xmlns:p14="http://schemas.microsoft.com/office/powerpoint/2010/main" val="1657784477"/>
+                    <p14:modId xmlns:p14="http://schemas.microsoft.com/office/powerpoint/2010/main" val="2352295559"/>
                   </p:ext>
                 </p:extLst>
               </p:nvPr>
             </p:nvGraphicFramePr>
             <p:xfrm>
-              <a:off x="151372" y="1402808"/>
-              <a:ext cx="4917520" cy="3045715"/>
+              <a:off x="186995" y="1634885"/>
+              <a:ext cx="4917520" cy="3624138"/>
             </p:xfrm>
             <a:graphic>
               <a:graphicData uri="http://schemas.openxmlformats.org/drawingml/2006/table">
@@ -13004,14 +13065,14 @@
                         </a:ext>
                       </a:extLst>
                     </a:gridCol>
-                    <a:gridCol w="1712448">
+                    <a:gridCol w="1585495">
                       <a:extLst>
                         <a:ext uri="{9D8B030D-6E8A-4147-A177-3AD203B41FA5}">
                           <a16:colId xmlns:a16="http://schemas.microsoft.com/office/drawing/2014/main" val="3821534654"/>
                         </a:ext>
                       </a:extLst>
                     </a:gridCol>
-                    <a:gridCol w="2463915">
+                    <a:gridCol w="2590868">
                       <a:extLst>
                         <a:ext uri="{9D8B030D-6E8A-4147-A177-3AD203B41FA5}">
                           <a16:colId xmlns:a16="http://schemas.microsoft.com/office/drawing/2014/main" val="4150081482"/>
@@ -13019,7 +13080,7 @@
                       </a:extLst>
                     </a:gridCol>
                   </a:tblGrid>
-                  <a:tr h="228600">
+                  <a:tr h="0">
                     <a:tc>
                       <a:txBody>
                         <a:bodyPr/>
@@ -13035,7 +13096,7 @@
                                 <m:sSup>
                                   <m:sSupPr>
                                     <m:ctrlPr>
-                                      <a:rPr lang="en-US" sz="1800" b="0" i="1" smtClean="0">
+                                      <a:rPr lang="en-US" sz="1600" b="0" i="1" smtClean="0">
                                         <a:solidFill>
                                           <a:srgbClr val="000000"/>
                                         </a:solidFill>
@@ -13053,7 +13114,7 @@
                                       <m:accPr>
                                         <m:chr m:val="̂"/>
                                         <m:ctrlPr>
-                                          <a:rPr lang="en-US" sz="1800" b="0" i="1" smtClean="0">
+                                          <a:rPr lang="en-US" sz="1600" b="0" i="1" smtClean="0">
                                             <a:solidFill>
                                               <a:srgbClr val="000000"/>
                                             </a:solidFill>
@@ -13068,7 +13129,7 @@
                                       </m:accPr>
                                       <m:e>
                                         <m:r>
-                                          <a:rPr lang="en-US" sz="1800" b="0" i="1" smtClean="0">
+                                          <a:rPr lang="en-US" sz="1600" b="0" i="1" smtClean="0">
                                             <a:solidFill>
                                               <a:srgbClr val="000000"/>
                                             </a:solidFill>
@@ -13086,7 +13147,7 @@
                                   </m:e>
                                   <m:sup>
                                     <m:r>
-                                      <a:rPr lang="en-US" sz="1800" b="0" i="1" smtClean="0">
+                                      <a:rPr lang="en-US" sz="1600" b="0" i="1" smtClean="0">
                                         <a:solidFill>
                                           <a:srgbClr val="000000"/>
                                         </a:solidFill>
@@ -13100,7 +13161,7 @@
                                       <m:t>0</m:t>
                                     </m:r>
                                     <m:r>
-                                      <a:rPr lang="en-US" sz="1800" b="0" i="1" smtClean="0">
+                                      <a:rPr lang="en-US" sz="1600" b="0" i="1" smtClean="0">
                                         <a:solidFill>
                                           <a:srgbClr val="000000"/>
                                         </a:solidFill>
@@ -13118,7 +13179,7 @@
                               </m:oMath>
                             </m:oMathPara>
                           </a14:m>
-                          <a:endParaRPr lang="en-US" sz="1800" dirty="0"/>
+                          <a:endParaRPr lang="en-US" sz="1600" dirty="0"/>
                         </a:p>
                       </a:txBody>
                       <a:tcPr anchor="ctr"/>
@@ -13142,10 +13203,149 @@
                         <a:bodyPr/>
                         <a:lstStyle/>
                         <a:p>
-                          <a:endParaRPr lang="en-US" dirty="0"/>
+                          <a:pPr algn="ctr"/>
+                          <a14:m>
+                            <m:oMathPara xmlns:m="http://schemas.openxmlformats.org/officeDocument/2006/math">
+                              <m:oMathParaPr>
+                                <m:jc m:val="centerGroup"/>
+                              </m:oMathParaPr>
+                              <m:oMath xmlns:m="http://schemas.openxmlformats.org/officeDocument/2006/math">
+                                <m:nary>
+                                  <m:naryPr>
+                                    <m:chr m:val="∑"/>
+                                    <m:ctrlPr>
+                                      <a:rPr lang="en-US" sz="1100" b="0" i="1" smtClean="0">
+                                        <a:latin typeface="Cambria Math" panose="02040503050406030204" pitchFamily="18" charset="0"/>
+                                      </a:rPr>
+                                    </m:ctrlPr>
+                                  </m:naryPr>
+                                  <m:sub>
+                                    <m:r>
+                                      <m:rPr>
+                                        <m:brk m:alnAt="23"/>
+                                      </m:rPr>
+                                      <a:rPr lang="en-US" sz="1100" b="0" i="1" smtClean="0">
+                                        <a:latin typeface="Cambria Math" panose="02040503050406030204" pitchFamily="18" charset="0"/>
+                                      </a:rPr>
+                                      <m:t>𝑖</m:t>
+                                    </m:r>
+                                    <m:r>
+                                      <a:rPr lang="en-US" sz="1100" b="0" i="1" smtClean="0">
+                                        <a:latin typeface="Cambria Math" panose="02040503050406030204" pitchFamily="18" charset="0"/>
+                                      </a:rPr>
+                                      <m:t>=1</m:t>
+                                    </m:r>
+                                  </m:sub>
+                                  <m:sup>
+                                    <m:r>
+                                      <a:rPr lang="en-US" sz="1100" b="0" i="1" smtClean="0">
+                                        <a:latin typeface="Cambria Math" panose="02040503050406030204" pitchFamily="18" charset="0"/>
+                                      </a:rPr>
+                                      <m:t>𝑁</m:t>
+                                    </m:r>
+                                  </m:sup>
+                                  <m:e>
+                                    <m:sSup>
+                                      <m:sSupPr>
+                                        <m:ctrlPr>
+                                          <a:rPr lang="en-US" sz="1100" b="0" i="1" smtClean="0">
+                                            <a:latin typeface="Cambria Math" panose="02040503050406030204" pitchFamily="18" charset="0"/>
+                                          </a:rPr>
+                                        </m:ctrlPr>
+                                      </m:sSupPr>
+                                      <m:e>
+                                        <m:acc>
+                                          <m:accPr>
+                                            <m:chr m:val="̂"/>
+                                            <m:ctrlPr>
+                                              <a:rPr lang="en-US" sz="1100" b="0" i="1" smtClean="0">
+                                                <a:latin typeface="Cambria Math" panose="02040503050406030204" pitchFamily="18" charset="0"/>
+                                              </a:rPr>
+                                            </m:ctrlPr>
+                                          </m:accPr>
+                                          <m:e>
+                                            <m:r>
+                                              <a:rPr lang="en-US" sz="1100" b="0" i="1" smtClean="0">
+                                                <a:latin typeface="Cambria Math" panose="02040503050406030204" pitchFamily="18" charset="0"/>
+                                              </a:rPr>
+                                              <m:t>𝑋</m:t>
+                                            </m:r>
+                                          </m:e>
+                                        </m:acc>
+                                      </m:e>
+                                      <m:sup>
+                                        <m:r>
+                                          <a:rPr lang="en-US" sz="1100" b="0" i="1" smtClean="0">
+                                            <a:latin typeface="Cambria Math" panose="02040503050406030204" pitchFamily="18" charset="0"/>
+                                          </a:rPr>
+                                          <m:t>𝑖</m:t>
+                                        </m:r>
+                                      </m:sup>
+                                    </m:sSup>
+                                    <m:sSup>
+                                      <m:sSupPr>
+                                        <m:ctrlPr>
+                                          <a:rPr lang="en-US" sz="1100" b="0" i="1" smtClean="0">
+                                            <a:latin typeface="Cambria Math" panose="02040503050406030204" pitchFamily="18" charset="0"/>
+                                          </a:rPr>
+                                        </m:ctrlPr>
+                                      </m:sSupPr>
+                                      <m:e>
+                                        <m:acc>
+                                          <m:accPr>
+                                            <m:chr m:val="̂"/>
+                                            <m:ctrlPr>
+                                              <a:rPr lang="en-US" sz="1100" b="0" i="1" smtClean="0">
+                                                <a:latin typeface="Cambria Math" panose="02040503050406030204" pitchFamily="18" charset="0"/>
+                                              </a:rPr>
+                                            </m:ctrlPr>
+                                          </m:accPr>
+                                          <m:e>
+                                            <m:r>
+                                              <m:rPr>
+                                                <m:brk m:alnAt="23"/>
+                                              </m:rPr>
+                                              <a:rPr lang="en-US" sz="1100" b="0" i="1" smtClean="0">
+                                                <a:latin typeface="Cambria Math" panose="02040503050406030204" pitchFamily="18" charset="0"/>
+                                              </a:rPr>
+                                              <m:t>𝜇</m:t>
+                                            </m:r>
+                                          </m:e>
+                                        </m:acc>
+                                      </m:e>
+                                      <m:sup>
+                                        <m:r>
+                                          <m:rPr>
+                                            <m:brk m:alnAt="23"/>
+                                          </m:rPr>
+                                          <a:rPr lang="en-US" sz="1100" b="0" i="1" smtClean="0">
+                                            <a:latin typeface="Cambria Math" panose="02040503050406030204" pitchFamily="18" charset="0"/>
+                                          </a:rPr>
+                                          <m:t>𝑖</m:t>
+                                        </m:r>
+                                        <m:r>
+                                          <a:rPr lang="en-US" sz="1100" b="0" i="1" smtClean="0">
+                                            <a:latin typeface="Cambria Math" panose="02040503050406030204" pitchFamily="18" charset="0"/>
+                                          </a:rPr>
+                                          <m:t>|</m:t>
+                                        </m:r>
+                                        <m:r>
+                                          <a:rPr lang="en-US" sz="1100" b="0" i="1" smtClean="0">
+                                            <a:latin typeface="Cambria Math" panose="02040503050406030204" pitchFamily="18" charset="0"/>
+                                          </a:rPr>
+                                          <m:t>𝑗</m:t>
+                                        </m:r>
+                                      </m:sup>
+                                    </m:sSup>
+                                  </m:e>
+                                </m:nary>
+                              </m:oMath>
+                            </m:oMathPara>
+                          </a14:m>
+                          <a:endParaRPr lang="en-US" sz="1100" b="0" dirty="0"/>
                         </a:p>
                       </a:txBody>
-                      <a:tcPr/>
+                      <a:tcPr anchor="ctr"/>
                     </a:tc>
                     <a:extLst>
                       <a:ext uri="{0D108BD9-81ED-4DB2-BD59-A6C34878D82A}">
@@ -13153,7 +13353,7 @@
                       </a:ext>
                     </a:extLst>
                   </a:tr>
-                  <a:tr h="228600">
+                  <a:tr h="0">
                     <a:tc>
                       <a:txBody>
                         <a:bodyPr/>
@@ -13169,7 +13369,7 @@
                                 <m:sSup>
                                   <m:sSupPr>
                                     <m:ctrlPr>
-                                      <a:rPr lang="en-US" sz="1800" b="0" i="1" smtClean="0">
+                                      <a:rPr lang="en-US" sz="1600" b="0" i="1" smtClean="0">
                                         <a:solidFill>
                                           <a:srgbClr val="000000"/>
                                         </a:solidFill>
@@ -13187,7 +13387,7 @@
                                       <m:accPr>
                                         <m:chr m:val="̂"/>
                                         <m:ctrlPr>
-                                          <a:rPr lang="en-US" sz="1800" b="0" i="1" smtClean="0">
+                                          <a:rPr lang="en-US" sz="1600" b="0" i="1" smtClean="0">
                                             <a:solidFill>
                                               <a:srgbClr val="000000"/>
                                             </a:solidFill>
@@ -13202,7 +13402,7 @@
                                       </m:accPr>
                                       <m:e>
                                         <m:r>
-                                          <a:rPr lang="en-US" sz="1800" b="0" i="1" smtClean="0">
+                                          <a:rPr lang="en-US" sz="1600" b="0" i="1" smtClean="0">
                                             <a:solidFill>
                                               <a:srgbClr val="000000"/>
                                             </a:solidFill>
@@ -13220,7 +13420,7 @@
                                   </m:e>
                                   <m:sup>
                                     <m:r>
-                                      <a:rPr lang="en-US" sz="1800" b="0" i="1" smtClean="0">
+                                      <a:rPr lang="en-US" sz="1600" b="0" i="1" smtClean="0">
                                         <a:solidFill>
                                           <a:srgbClr val="000000"/>
                                         </a:solidFill>
@@ -13234,7 +13434,7 @@
                                       <m:t>0</m:t>
                                     </m:r>
                                     <m:r>
-                                      <a:rPr lang="en-US" sz="1800" b="0" i="1" smtClean="0">
+                                      <a:rPr lang="en-US" sz="1600" b="0" i="1" smtClean="0">
                                         <a:solidFill>
                                           <a:srgbClr val="000000"/>
                                         </a:solidFill>
@@ -13252,7 +13452,7 @@
                               </m:oMath>
                             </m:oMathPara>
                           </a14:m>
-                          <a:endParaRPr lang="en-US" sz="1800" dirty="0"/>
+                          <a:endParaRPr lang="en-US" sz="1600" dirty="0"/>
                         </a:p>
                       </a:txBody>
                       <a:tcPr anchor="ctr"/>
@@ -13276,10 +13476,556 @@
                         <a:bodyPr/>
                         <a:lstStyle/>
                         <a:p>
-                          <a:endParaRPr lang="en-US" dirty="0"/>
+                          <a:pPr algn="ctr"/>
+                          <a14:m>
+                            <m:oMathPara xmlns:m="http://schemas.openxmlformats.org/officeDocument/2006/math">
+                              <m:oMathParaPr>
+                                <m:jc m:val="centerGroup"/>
+                              </m:oMathParaPr>
+                              <m:oMath xmlns:m="http://schemas.openxmlformats.org/officeDocument/2006/math">
+                                <m:nary>
+                                  <m:naryPr>
+                                    <m:chr m:val="∑"/>
+                                    <m:ctrlPr>
+                                      <a:rPr lang="en-US" sz="1100" b="0" i="1" smtClean="0">
+                                        <a:latin typeface="Cambria Math" panose="02040503050406030204" pitchFamily="18" charset="0"/>
+                                      </a:rPr>
+                                    </m:ctrlPr>
+                                  </m:naryPr>
+                                  <m:sub>
+                                    <m:r>
+                                      <m:rPr>
+                                        <m:brk m:alnAt="23"/>
+                                      </m:rPr>
+                                      <a:rPr lang="en-US" sz="1100" b="0" i="1" smtClean="0">
+                                        <a:latin typeface="Cambria Math" panose="02040503050406030204" pitchFamily="18" charset="0"/>
+                                      </a:rPr>
+                                      <m:t>𝑖</m:t>
+                                    </m:r>
+                                    <m:r>
+                                      <a:rPr lang="en-US" sz="1100" b="0" i="1" smtClean="0">
+                                        <a:latin typeface="Cambria Math" panose="02040503050406030204" pitchFamily="18" charset="0"/>
+                                      </a:rPr>
+                                      <m:t>=1</m:t>
+                                    </m:r>
+                                  </m:sub>
+                                  <m:sup>
+                                    <m:r>
+                                      <a:rPr lang="en-US" sz="1100" b="0" i="1" smtClean="0">
+                                        <a:latin typeface="Cambria Math" panose="02040503050406030204" pitchFamily="18" charset="0"/>
+                                      </a:rPr>
+                                      <m:t>𝑁</m:t>
+                                    </m:r>
+                                  </m:sup>
+                                  <m:e>
+                                    <m:sSup>
+                                      <m:sSupPr>
+                                        <m:ctrlPr>
+                                          <a:rPr lang="en-US" sz="1100" b="0" i="1" smtClean="0">
+                                            <a:latin typeface="Cambria Math" panose="02040503050406030204" pitchFamily="18" charset="0"/>
+                                          </a:rPr>
+                                        </m:ctrlPr>
+                                      </m:sSupPr>
+                                      <m:e>
+                                        <m:acc>
+                                          <m:accPr>
+                                            <m:chr m:val="̂"/>
+                                            <m:ctrlPr>
+                                              <a:rPr lang="en-US" sz="1100" b="0" i="1" smtClean="0">
+                                                <a:latin typeface="Cambria Math" panose="02040503050406030204" pitchFamily="18" charset="0"/>
+                                              </a:rPr>
+                                            </m:ctrlPr>
+                                          </m:accPr>
+                                          <m:e>
+                                            <m:r>
+                                              <m:rPr>
+                                                <m:brk m:alnAt="23"/>
+                                              </m:rPr>
+                                              <a:rPr lang="en-US" sz="1100" b="0" i="1" smtClean="0">
+                                                <a:latin typeface="Cambria Math" panose="02040503050406030204" pitchFamily="18" charset="0"/>
+                                              </a:rPr>
+                                              <m:t>𝜇</m:t>
+                                            </m:r>
+                                          </m:e>
+                                        </m:acc>
+                                      </m:e>
+                                      <m:sup>
+                                        <m:r>
+                                          <m:rPr>
+                                            <m:brk m:alnAt="23"/>
+                                          </m:rPr>
+                                          <a:rPr lang="en-US" sz="1100" b="0" i="1" smtClean="0">
+                                            <a:latin typeface="Cambria Math" panose="02040503050406030204" pitchFamily="18" charset="0"/>
+                                          </a:rPr>
+                                          <m:t>𝑖</m:t>
+                                        </m:r>
+                                        <m:r>
+                                          <a:rPr lang="en-US" sz="1100" b="0" i="1" smtClean="0">
+                                            <a:latin typeface="Cambria Math" panose="02040503050406030204" pitchFamily="18" charset="0"/>
+                                          </a:rPr>
+                                          <m:t>|</m:t>
+                                        </m:r>
+                                        <m:r>
+                                          <a:rPr lang="en-US" sz="1100" b="0" i="1" smtClean="0">
+                                            <a:latin typeface="Cambria Math" panose="02040503050406030204" pitchFamily="18" charset="0"/>
+                                          </a:rPr>
+                                          <m:t>𝑗</m:t>
+                                        </m:r>
+                                      </m:sup>
+                                    </m:sSup>
+                                    <m:r>
+                                      <a:rPr lang="en-US" sz="1100" b="0" i="1" smtClean="0">
+                                        <a:latin typeface="Cambria Math" panose="02040503050406030204" pitchFamily="18" charset="0"/>
+                                      </a:rPr>
+                                      <m:t>[</m:t>
+                                    </m:r>
+                                    <m:sSup>
+                                      <m:sSupPr>
+                                        <m:ctrlPr>
+                                          <a:rPr lang="en-US" sz="1100" b="0" i="1" smtClean="0">
+                                            <a:latin typeface="Cambria Math" panose="02040503050406030204" pitchFamily="18" charset="0"/>
+                                          </a:rPr>
+                                        </m:ctrlPr>
+                                      </m:sSupPr>
+                                      <m:e>
+                                        <m:acc>
+                                          <m:accPr>
+                                            <m:chr m:val="̂"/>
+                                            <m:ctrlPr>
+                                              <a:rPr lang="en-US" sz="1100" b="0" i="1" smtClean="0">
+                                                <a:latin typeface="Cambria Math" panose="02040503050406030204" pitchFamily="18" charset="0"/>
+                                              </a:rPr>
+                                            </m:ctrlPr>
+                                          </m:accPr>
+                                          <m:e>
+                                            <m:r>
+                                              <a:rPr lang="en-US" sz="1100" b="0" i="1" smtClean="0">
+                                                <a:latin typeface="Cambria Math" panose="02040503050406030204" pitchFamily="18" charset="0"/>
+                                              </a:rPr>
+                                              <m:t>𝑃</m:t>
+                                            </m:r>
+                                          </m:e>
+                                        </m:acc>
+                                      </m:e>
+                                      <m:sup>
+                                        <m:r>
+                                          <a:rPr lang="en-US" sz="1100" b="0" i="1" smtClean="0">
+                                            <a:latin typeface="Cambria Math" panose="02040503050406030204" pitchFamily="18" charset="0"/>
+                                          </a:rPr>
+                                          <m:t>𝑖</m:t>
+                                        </m:r>
+                                      </m:sup>
+                                    </m:sSup>
+                                    <m:r>
+                                      <a:rPr lang="en-US" sz="1100" b="0" i="1" smtClean="0">
+                                        <a:latin typeface="Cambria Math" panose="02040503050406030204" pitchFamily="18" charset="0"/>
+                                      </a:rPr>
+                                      <m:t>+(</m:t>
+                                    </m:r>
+                                    <m:sSup>
+                                      <m:sSupPr>
+                                        <m:ctrlPr>
+                                          <a:rPr lang="en-US" sz="1100" b="0" i="1" smtClean="0">
+                                            <a:solidFill>
+                                              <a:srgbClr val="000000"/>
+                                            </a:solidFill>
+                                            <a:uFill>
+                                              <a:solidFill>
+                                                <a:srgbClr val="000000"/>
+                                              </a:solidFill>
+                                            </a:uFill>
+                                            <a:latin typeface="Cambria Math" panose="02040503050406030204" pitchFamily="18" charset="0"/>
+                                          </a:rPr>
+                                        </m:ctrlPr>
+                                      </m:sSupPr>
+                                      <m:e>
+                                        <m:sSup>
+                                          <m:sSupPr>
+                                            <m:ctrlPr>
+                                              <a:rPr lang="en-US" sz="1100" b="0" i="1" smtClean="0">
+                                                <a:solidFill>
+                                                  <a:srgbClr val="000000"/>
+                                                </a:solidFill>
+                                                <a:uFill>
+                                                  <a:solidFill>
+                                                    <a:srgbClr val="000000"/>
+                                                  </a:solidFill>
+                                                </a:uFill>
+                                                <a:latin typeface="Cambria Math" panose="02040503050406030204" pitchFamily="18" charset="0"/>
+                                              </a:rPr>
+                                            </m:ctrlPr>
+                                          </m:sSupPr>
+                                          <m:e>
+                                            <m:acc>
+                                              <m:accPr>
+                                                <m:chr m:val="̂"/>
+                                                <m:ctrlPr>
+                                                  <a:rPr lang="en-US" sz="1100" b="0" i="1" smtClean="0">
+                                                    <a:solidFill>
+                                                      <a:srgbClr val="000000"/>
+                                                    </a:solidFill>
+                                                    <a:uFill>
+                                                      <a:solidFill>
+                                                        <a:srgbClr val="000000"/>
+                                                      </a:solidFill>
+                                                    </a:uFill>
+                                                    <a:latin typeface="Cambria Math" panose="02040503050406030204" pitchFamily="18" charset="0"/>
+                                                  </a:rPr>
+                                                </m:ctrlPr>
+                                              </m:accPr>
+                                              <m:e>
+                                                <m:r>
+                                                  <a:rPr lang="en-US" sz="1100" b="0" i="1" smtClean="0">
+                                                    <a:solidFill>
+                                                      <a:srgbClr val="000000"/>
+                                                    </a:solidFill>
+                                                    <a:uFill>
+                                                      <a:solidFill>
+                                                        <a:srgbClr val="000000"/>
+                                                      </a:solidFill>
+                                                    </a:uFill>
+                                                    <a:latin typeface="Cambria Math" panose="02040503050406030204" pitchFamily="18" charset="0"/>
+                                                  </a:rPr>
+                                                  <m:t>𝑋</m:t>
+                                                </m:r>
+                                              </m:e>
+                                            </m:acc>
+                                          </m:e>
+                                          <m:sup>
+                                            <m:r>
+                                              <a:rPr lang="en-US" sz="1100" b="0" i="1" smtClean="0">
+                                                <a:solidFill>
+                                                  <a:srgbClr val="000000"/>
+                                                </a:solidFill>
+                                                <a:uFill>
+                                                  <a:solidFill>
+                                                    <a:srgbClr val="000000"/>
+                                                  </a:solidFill>
+                                                </a:uFill>
+                                                <a:latin typeface="Cambria Math" panose="02040503050406030204" pitchFamily="18" charset="0"/>
+                                              </a:rPr>
+                                              <m:t>𝑖</m:t>
+                                            </m:r>
+                                          </m:sup>
+                                        </m:sSup>
+                                        <m:r>
+                                          <a:rPr lang="en-US" sz="1100" b="0" i="1" smtClean="0">
+                                            <a:solidFill>
+                                              <a:srgbClr val="000000"/>
+                                            </a:solidFill>
+                                            <a:uFill>
+                                              <a:solidFill>
+                                                <a:srgbClr val="000000"/>
+                                              </a:solidFill>
+                                            </a:uFill>
+                                            <a:latin typeface="Cambria Math" panose="02040503050406030204" pitchFamily="18" charset="0"/>
+                                          </a:rPr>
+                                          <m:t>−</m:t>
+                                        </m:r>
+                                        <m:acc>
+                                          <m:accPr>
+                                            <m:chr m:val="̂"/>
+                                            <m:ctrlPr>
+                                              <a:rPr lang="en-US" sz="1100" b="0" i="1" smtClean="0">
+                                                <a:solidFill>
+                                                  <a:srgbClr val="000000"/>
+                                                </a:solidFill>
+                                                <a:uFill>
+                                                  <a:solidFill>
+                                                    <a:srgbClr val="000000"/>
+                                                  </a:solidFill>
+                                                </a:uFill>
+                                                <a:latin typeface="Cambria Math" panose="02040503050406030204" pitchFamily="18" charset="0"/>
+                                              </a:rPr>
+                                            </m:ctrlPr>
+                                          </m:accPr>
+                                          <m:e>
+                                            <m:r>
+                                              <a:rPr lang="en-US" sz="1100" b="0" i="1" smtClean="0">
+                                                <a:solidFill>
+                                                  <a:srgbClr val="000000"/>
+                                                </a:solidFill>
+                                                <a:uFill>
+                                                  <a:solidFill>
+                                                    <a:srgbClr val="000000"/>
+                                                  </a:solidFill>
+                                                </a:uFill>
+                                                <a:latin typeface="Cambria Math" panose="02040503050406030204" pitchFamily="18" charset="0"/>
+                                              </a:rPr>
+                                              <m:t>𝑋</m:t>
+                                            </m:r>
+                                          </m:e>
+                                        </m:acc>
+                                      </m:e>
+                                      <m:sup>
+                                        <m:r>
+                                          <a:rPr lang="en-US" sz="1100" b="0" i="1" smtClean="0">
+                                            <a:solidFill>
+                                              <a:srgbClr val="000000"/>
+                                            </a:solidFill>
+                                            <a:uFill>
+                                              <a:solidFill>
+                                                <a:srgbClr val="000000"/>
+                                              </a:solidFill>
+                                            </a:uFill>
+                                            <a:latin typeface="Cambria Math" panose="02040503050406030204" pitchFamily="18" charset="0"/>
+                                          </a:rPr>
+                                          <m:t>0</m:t>
+                                        </m:r>
+                                        <m:r>
+                                          <a:rPr lang="en-US" sz="1100" b="0" i="1" smtClean="0">
+                                            <a:solidFill>
+                                              <a:srgbClr val="000000"/>
+                                            </a:solidFill>
+                                            <a:uFill>
+                                              <a:solidFill>
+                                                <a:srgbClr val="000000"/>
+                                              </a:solidFill>
+                                            </a:uFill>
+                                            <a:latin typeface="Cambria Math" panose="02040503050406030204" pitchFamily="18" charset="0"/>
+                                          </a:rPr>
+                                          <m:t>𝑗</m:t>
+                                        </m:r>
+                                      </m:sup>
+                                    </m:sSup>
+                                    <m:r>
+                                      <a:rPr lang="en-US" sz="1100" b="0" i="1" smtClean="0">
+                                        <a:solidFill>
+                                          <a:srgbClr val="000000"/>
+                                        </a:solidFill>
+                                        <a:uFill>
+                                          <a:solidFill>
+                                            <a:srgbClr val="000000"/>
+                                          </a:solidFill>
+                                        </a:uFill>
+                                        <a:latin typeface="Cambria Math" panose="02040503050406030204" pitchFamily="18" charset="0"/>
+                                      </a:rPr>
+                                      <m:t>)(</m:t>
+                                    </m:r>
+                                    <m:sSup>
+                                      <m:sSupPr>
+                                        <m:ctrlPr>
+                                          <a:rPr lang="en-US" sz="1100" b="0" i="1" smtClean="0">
+                                            <a:solidFill>
+                                              <a:srgbClr val="000000"/>
+                                            </a:solidFill>
+                                            <a:uFill>
+                                              <a:solidFill>
+                                                <a:srgbClr val="000000"/>
+                                              </a:solidFill>
+                                            </a:uFill>
+                                            <a:latin typeface="Cambria Math" panose="02040503050406030204" pitchFamily="18" charset="0"/>
+                                          </a:rPr>
+                                        </m:ctrlPr>
+                                      </m:sSupPr>
+                                      <m:e>
+                                        <m:sSup>
+                                          <m:sSupPr>
+                                            <m:ctrlPr>
+                                              <a:rPr lang="en-US" sz="1100" b="0" i="1" smtClean="0">
+                                                <a:solidFill>
+                                                  <a:srgbClr val="000000"/>
+                                                </a:solidFill>
+                                                <a:uFill>
+                                                  <a:solidFill>
+                                                    <a:srgbClr val="000000"/>
+                                                  </a:solidFill>
+                                                </a:uFill>
+                                                <a:latin typeface="Cambria Math" panose="02040503050406030204" pitchFamily="18" charset="0"/>
+                                              </a:rPr>
+                                            </m:ctrlPr>
+                                          </m:sSupPr>
+                                          <m:e>
+                                            <m:acc>
+                                              <m:accPr>
+                                                <m:chr m:val="̂"/>
+                                                <m:ctrlPr>
+                                                  <a:rPr lang="en-US" sz="1100" b="0" i="1" smtClean="0">
+                                                    <a:solidFill>
+                                                      <a:srgbClr val="000000"/>
+                                                    </a:solidFill>
+                                                    <a:uFill>
+                                                      <a:solidFill>
+                                                        <a:srgbClr val="000000"/>
+                                                      </a:solidFill>
+                                                    </a:uFill>
+                                                    <a:latin typeface="Cambria Math" panose="02040503050406030204" pitchFamily="18" charset="0"/>
+                                                  </a:rPr>
+                                                </m:ctrlPr>
+                                              </m:accPr>
+                                              <m:e>
+                                                <m:r>
+                                                  <a:rPr lang="en-US" sz="1100" b="0" i="1" smtClean="0">
+                                                    <a:solidFill>
+                                                      <a:srgbClr val="000000"/>
+                                                    </a:solidFill>
+                                                    <a:uFill>
+                                                      <a:solidFill>
+                                                        <a:srgbClr val="000000"/>
+                                                      </a:solidFill>
+                                                    </a:uFill>
+                                                    <a:latin typeface="Cambria Math" panose="02040503050406030204" pitchFamily="18" charset="0"/>
+                                                  </a:rPr>
+                                                  <m:t>𝑋</m:t>
+                                                </m:r>
+                                              </m:e>
+                                            </m:acc>
+                                          </m:e>
+                                          <m:sup>
+                                            <m:r>
+                                              <a:rPr lang="en-US" sz="1100" b="0" i="1" smtClean="0">
+                                                <a:solidFill>
+                                                  <a:srgbClr val="000000"/>
+                                                </a:solidFill>
+                                                <a:uFill>
+                                                  <a:solidFill>
+                                                    <a:srgbClr val="000000"/>
+                                                  </a:solidFill>
+                                                </a:uFill>
+                                                <a:latin typeface="Cambria Math" panose="02040503050406030204" pitchFamily="18" charset="0"/>
+                                              </a:rPr>
+                                              <m:t>𝑖</m:t>
+                                            </m:r>
+                                          </m:sup>
+                                        </m:sSup>
+                                        <m:r>
+                                          <a:rPr lang="en-US" sz="1100" b="0" i="1" smtClean="0">
+                                            <a:solidFill>
+                                              <a:srgbClr val="000000"/>
+                                            </a:solidFill>
+                                            <a:uFill>
+                                              <a:solidFill>
+                                                <a:srgbClr val="000000"/>
+                                              </a:solidFill>
+                                            </a:uFill>
+                                            <a:latin typeface="Cambria Math" panose="02040503050406030204" pitchFamily="18" charset="0"/>
+                                          </a:rPr>
+                                          <m:t>−</m:t>
+                                        </m:r>
+                                        <m:acc>
+                                          <m:accPr>
+                                            <m:chr m:val="̂"/>
+                                            <m:ctrlPr>
+                                              <a:rPr lang="en-US" sz="1100" b="0" i="1" smtClean="0">
+                                                <a:solidFill>
+                                                  <a:srgbClr val="000000"/>
+                                                </a:solidFill>
+                                                <a:uFill>
+                                                  <a:solidFill>
+                                                    <a:srgbClr val="000000"/>
+                                                  </a:solidFill>
+                                                </a:uFill>
+                                                <a:latin typeface="Cambria Math" panose="02040503050406030204" pitchFamily="18" charset="0"/>
+                                              </a:rPr>
+                                            </m:ctrlPr>
+                                          </m:accPr>
+                                          <m:e>
+                                            <m:r>
+                                              <a:rPr lang="en-US" sz="1100" b="0" i="1" smtClean="0">
+                                                <a:solidFill>
+                                                  <a:srgbClr val="000000"/>
+                                                </a:solidFill>
+                                                <a:uFill>
+                                                  <a:solidFill>
+                                                    <a:srgbClr val="000000"/>
+                                                  </a:solidFill>
+                                                </a:uFill>
+                                                <a:latin typeface="Cambria Math" panose="02040503050406030204" pitchFamily="18" charset="0"/>
+                                              </a:rPr>
+                                              <m:t>𝑋</m:t>
+                                            </m:r>
+                                          </m:e>
+                                        </m:acc>
+                                      </m:e>
+                                      <m:sup>
+                                        <m:r>
+                                          <a:rPr lang="en-US" sz="1100" b="0" i="1" smtClean="0">
+                                            <a:solidFill>
+                                              <a:srgbClr val="000000"/>
+                                            </a:solidFill>
+                                            <a:uFill>
+                                              <a:solidFill>
+                                                <a:srgbClr val="000000"/>
+                                              </a:solidFill>
+                                            </a:uFill>
+                                            <a:latin typeface="Cambria Math" panose="02040503050406030204" pitchFamily="18" charset="0"/>
+                                          </a:rPr>
+                                          <m:t>0</m:t>
+                                        </m:r>
+                                        <m:r>
+                                          <a:rPr lang="en-US" sz="1100" b="0" i="1" smtClean="0">
+                                            <a:solidFill>
+                                              <a:srgbClr val="000000"/>
+                                            </a:solidFill>
+                                            <a:uFill>
+                                              <a:solidFill>
+                                                <a:srgbClr val="000000"/>
+                                              </a:solidFill>
+                                            </a:uFill>
+                                            <a:latin typeface="Cambria Math" panose="02040503050406030204" pitchFamily="18" charset="0"/>
+                                          </a:rPr>
+                                          <m:t>𝑗</m:t>
+                                        </m:r>
+                                      </m:sup>
+                                    </m:sSup>
+                                    <m:sSup>
+                                      <m:sSupPr>
+                                        <m:ctrlPr>
+                                          <a:rPr lang="en-US" sz="1100" b="0" i="1" smtClean="0">
+                                            <a:solidFill>
+                                              <a:srgbClr val="000000"/>
+                                            </a:solidFill>
+                                            <a:uFill>
+                                              <a:solidFill>
+                                                <a:srgbClr val="000000"/>
+                                              </a:solidFill>
+                                            </a:uFill>
+                                            <a:latin typeface="Cambria Math" panose="02040503050406030204" pitchFamily="18" charset="0"/>
+                                          </a:rPr>
+                                        </m:ctrlPr>
+                                      </m:sSupPr>
+                                      <m:e>
+                                        <m:r>
+                                          <a:rPr lang="en-US" sz="1100" b="0" i="1" smtClean="0">
+                                            <a:solidFill>
+                                              <a:srgbClr val="000000"/>
+                                            </a:solidFill>
+                                            <a:uFill>
+                                              <a:solidFill>
+                                                <a:srgbClr val="000000"/>
+                                              </a:solidFill>
+                                            </a:uFill>
+                                            <a:latin typeface="Cambria Math" panose="02040503050406030204" pitchFamily="18" charset="0"/>
+                                          </a:rPr>
+                                          <m:t>)</m:t>
+                                        </m:r>
+                                      </m:e>
+                                      <m:sup>
+                                        <m:r>
+                                          <a:rPr lang="en-US" sz="1100" b="0" i="1" smtClean="0">
+                                            <a:solidFill>
+                                              <a:srgbClr val="000000"/>
+                                            </a:solidFill>
+                                            <a:uFill>
+                                              <a:solidFill>
+                                                <a:srgbClr val="000000"/>
+                                              </a:solidFill>
+                                            </a:uFill>
+                                            <a:latin typeface="Cambria Math" panose="02040503050406030204" pitchFamily="18" charset="0"/>
+                                          </a:rPr>
+                                          <m:t>𝑇</m:t>
+                                        </m:r>
+                                      </m:sup>
+                                    </m:sSup>
+                                  </m:e>
+                                </m:nary>
+                              </m:oMath>
+                            </m:oMathPara>
+                          </a14:m>
+                          <a:endParaRPr lang="en-US" sz="1100" dirty="0"/>
                         </a:p>
                       </a:txBody>
-                      <a:tcPr/>
+                      <a:tcPr anchor="ctr"/>
                     </a:tc>
                     <a:extLst>
                       <a:ext uri="{0D108BD9-81ED-4DB2-BD59-A6C34878D82A}">
@@ -13287,7 +14033,7 @@
                       </a:ext>
                     </a:extLst>
                   </a:tr>
-                  <a:tr h="228600">
+                  <a:tr h="0">
                     <a:tc>
                       <a:txBody>
                         <a:bodyPr/>
@@ -13303,7 +14049,7 @@
                                 <m:sSup>
                                   <m:sSupPr>
                                     <m:ctrlPr>
-                                      <a:rPr lang="en-US" sz="1800" b="0" i="1" smtClean="0">
+                                      <a:rPr lang="en-US" sz="1600" b="0" i="1" smtClean="0">
                                         <a:solidFill>
                                           <a:srgbClr val="000000"/>
                                         </a:solidFill>
@@ -13321,7 +14067,7 @@
                                       <m:rPr>
                                         <m:sty m:val="p"/>
                                       </m:rPr>
-                                      <a:rPr lang="en-US" sz="1800" b="0" i="1" smtClean="0">
+                                      <a:rPr lang="en-US" sz="1600" b="0" i="1" smtClean="0">
                                         <a:solidFill>
                                           <a:srgbClr val="000000"/>
                                         </a:solidFill>
@@ -13337,7 +14083,7 @@
                                   </m:e>
                                   <m:sup>
                                     <m:r>
-                                      <a:rPr lang="en-US" sz="1800" b="0" i="1" smtClean="0">
+                                      <a:rPr lang="en-US" sz="1600" b="0" i="1" smtClean="0">
                                         <a:solidFill>
                                           <a:srgbClr val="000000"/>
                                         </a:solidFill>
@@ -13355,7 +14101,7 @@
                               </m:oMath>
                             </m:oMathPara>
                           </a14:m>
-                          <a:endParaRPr lang="en-US" sz="1800" dirty="0"/>
+                          <a:endParaRPr lang="en-US" sz="1600" dirty="0"/>
                         </a:p>
                       </a:txBody>
                       <a:tcPr anchor="ctr"/>
@@ -13379,6 +14125,7 @@
                         <a:bodyPr/>
                         <a:lstStyle/>
                         <a:p>
+                          <a:pPr algn="ctr"/>
                           <a14:m>
                             <m:oMathPara xmlns:m="http://schemas.openxmlformats.org/officeDocument/2006/math">
                               <m:oMathParaPr>
@@ -13388,14 +14135,14 @@
                                 <m:f>
                                   <m:fPr>
                                     <m:ctrlPr>
-                                      <a:rPr lang="en-US" i="1" smtClean="0">
+                                      <a:rPr lang="en-US" sz="1100" i="1" smtClean="0">
                                         <a:latin typeface="Cambria Math" panose="02040503050406030204" pitchFamily="18" charset="0"/>
                                       </a:rPr>
                                     </m:ctrlPr>
                                   </m:fPr>
                                   <m:num>
                                     <m:r>
-                                      <a:rPr lang="en-US" b="0" i="1" smtClean="0">
+                                      <a:rPr lang="en-US" sz="1100" b="0" i="1" smtClean="0">
                                         <a:latin typeface="Cambria Math" panose="02040503050406030204" pitchFamily="18" charset="0"/>
                                       </a:rPr>
                                       <m:t>1</m:t>
@@ -13406,7 +14153,7 @@
                                       <m:radPr>
                                         <m:degHide m:val="on"/>
                                         <m:ctrlPr>
-                                          <a:rPr lang="en-US" i="1" smtClean="0">
+                                          <a:rPr lang="en-US" sz="1100" i="1" smtClean="0">
                                             <a:latin typeface="Cambria Math" panose="02040503050406030204" pitchFamily="18" charset="0"/>
                                           </a:rPr>
                                         </m:ctrlPr>
@@ -13414,19 +14161,19 @@
                                       <m:deg/>
                                       <m:e>
                                         <m:r>
-                                          <a:rPr lang="en-US" b="0" i="1" smtClean="0">
+                                          <a:rPr lang="en-US" sz="1100" b="0" i="1" smtClean="0">
                                             <a:latin typeface="Cambria Math" panose="02040503050406030204" pitchFamily="18" charset="0"/>
                                           </a:rPr>
                                           <m:t>2</m:t>
                                         </m:r>
                                         <m:r>
-                                          <a:rPr lang="en-US" b="0" i="1" smtClean="0">
+                                          <a:rPr lang="en-US" sz="1100" b="0" i="1" smtClean="0">
                                             <a:latin typeface="Cambria Math" panose="02040503050406030204" pitchFamily="18" charset="0"/>
                                           </a:rPr>
                                           <m:t>𝜋</m:t>
                                         </m:r>
                                         <m:r>
-                                          <a:rPr lang="en-US" b="0" i="1" smtClean="0">
+                                          <a:rPr lang="en-US" sz="1100" b="0" i="1" smtClean="0">
                                             <a:latin typeface="Cambria Math" panose="02040503050406030204" pitchFamily="18" charset="0"/>
                                           </a:rPr>
                                           <m:t>𝑆</m:t>
@@ -13438,14 +14185,14 @@
                                 <m:sSup>
                                   <m:sSupPr>
                                     <m:ctrlPr>
-                                      <a:rPr lang="en-US" i="1" smtClean="0">
+                                      <a:rPr lang="en-US" sz="1100" i="1" smtClean="0">
                                         <a:latin typeface="Cambria Math" panose="02040503050406030204" pitchFamily="18" charset="0"/>
                                       </a:rPr>
                                     </m:ctrlPr>
                                   </m:sSupPr>
                                   <m:e>
                                     <m:r>
-                                      <a:rPr lang="en-US" b="0" i="1" smtClean="0">
+                                      <a:rPr lang="en-US" sz="1100" b="0" i="1" smtClean="0">
                                         <a:latin typeface="Cambria Math" panose="02040503050406030204" pitchFamily="18" charset="0"/>
                                       </a:rPr>
                                       <m:t>𝑒</m:t>
@@ -13455,14 +14202,14 @@
                                     <m:f>
                                       <m:fPr>
                                         <m:ctrlPr>
-                                          <a:rPr lang="en-US" i="1" smtClean="0">
+                                          <a:rPr lang="en-US" sz="1100" i="1" smtClean="0">
                                             <a:latin typeface="Cambria Math" panose="02040503050406030204" pitchFamily="18" charset="0"/>
                                           </a:rPr>
                                         </m:ctrlPr>
                                       </m:fPr>
                                       <m:num>
                                         <m:r>
-                                          <a:rPr lang="en-US" b="0" i="1" smtClean="0">
+                                          <a:rPr lang="en-US" sz="1100" b="0" i="1" smtClean="0">
                                             <a:latin typeface="Cambria Math" panose="02040503050406030204" pitchFamily="18" charset="0"/>
                                           </a:rPr>
                                           <m:t>−1</m:t>
@@ -13470,7 +14217,7 @@
                                       </m:num>
                                       <m:den>
                                         <m:r>
-                                          <a:rPr lang="en-US" b="0" i="1" smtClean="0">
+                                          <a:rPr lang="en-US" sz="1100" b="0" i="1" smtClean="0">
                                             <a:latin typeface="Cambria Math" panose="02040503050406030204" pitchFamily="18" charset="0"/>
                                           </a:rPr>
                                           <m:t>2</m:t>
@@ -13478,7 +14225,7 @@
                                       </m:den>
                                     </m:f>
                                     <m:r>
-                                      <a:rPr lang="en-US" b="0" i="1" smtClean="0">
+                                      <a:rPr lang="en-US" sz="1100" b="0" i="1" smtClean="0">
                                         <a:latin typeface="Cambria Math" panose="02040503050406030204" pitchFamily="18" charset="0"/>
                                       </a:rPr>
                                       <m:t>𝑍</m:t>
@@ -13486,14 +14233,14 @@
                                     <m:sSup>
                                       <m:sSupPr>
                                         <m:ctrlPr>
-                                          <a:rPr lang="en-US" b="0" i="1" smtClean="0">
+                                          <a:rPr lang="en-US" sz="1100" b="0" i="1" smtClean="0">
                                             <a:latin typeface="Cambria Math" panose="02040503050406030204" pitchFamily="18" charset="0"/>
                                           </a:rPr>
                                         </m:ctrlPr>
                                       </m:sSupPr>
                                       <m:e>
                                         <m:r>
-                                          <a:rPr lang="en-US" b="0" i="1" smtClean="0">
+                                          <a:rPr lang="en-US" sz="1100" b="0" i="1" smtClean="0">
                                             <a:latin typeface="Cambria Math" panose="02040503050406030204" pitchFamily="18" charset="0"/>
                                           </a:rPr>
                                           <m:t>𝑆</m:t>
@@ -13501,7 +14248,7 @@
                                       </m:e>
                                       <m:sup>
                                         <m:r>
-                                          <a:rPr lang="en-US" b="0" i="1" smtClean="0">
+                                          <a:rPr lang="en-US" sz="1100" b="0" i="1" smtClean="0">
                                             <a:latin typeface="Cambria Math" panose="02040503050406030204" pitchFamily="18" charset="0"/>
                                           </a:rPr>
                                           <m:t>−1</m:t>
@@ -13509,7 +14256,7 @@
                                       </m:sup>
                                     </m:sSup>
                                     <m:r>
-                                      <a:rPr lang="en-US" b="0" i="1" smtClean="0">
+                                      <a:rPr lang="en-US" sz="1100" b="0" i="1" smtClean="0">
                                         <a:latin typeface="Cambria Math" panose="02040503050406030204" pitchFamily="18" charset="0"/>
                                       </a:rPr>
                                       <m:t>𝑍</m:t>
@@ -13519,10 +14266,10 @@
                               </m:oMath>
                             </m:oMathPara>
                           </a14:m>
-                          <a:endParaRPr lang="en-US" dirty="0"/>
+                          <a:endParaRPr lang="en-US" sz="1100" dirty="0"/>
                         </a:p>
                       </a:txBody>
-                      <a:tcPr/>
+                      <a:tcPr anchor="ctr"/>
                     </a:tc>
                     <a:extLst>
                       <a:ext uri="{0D108BD9-81ED-4DB2-BD59-A6C34878D82A}">
@@ -13530,7 +14277,7 @@
                       </a:ext>
                     </a:extLst>
                   </a:tr>
-                  <a:tr h="228600">
+                  <a:tr h="0">
                     <a:tc>
                       <a:txBody>
                         <a:bodyPr/>
@@ -13546,7 +14293,7 @@
                                 <m:sSup>
                                   <m:sSupPr>
                                     <m:ctrlPr>
-                                      <a:rPr lang="en-US" sz="1800" b="0" i="1" smtClean="0">
+                                      <a:rPr lang="en-US" sz="1600" b="0" i="1" smtClean="0">
                                         <a:solidFill>
                                           <a:srgbClr val="000000"/>
                                         </a:solidFill>
@@ -13564,7 +14311,7 @@
                                       <m:accPr>
                                         <m:chr m:val="̂"/>
                                         <m:ctrlPr>
-                                          <a:rPr lang="en-US" sz="1800" b="0" i="1" smtClean="0">
+                                          <a:rPr lang="en-US" sz="1600" b="0" i="1" smtClean="0">
                                             <a:solidFill>
                                               <a:srgbClr val="000000"/>
                                             </a:solidFill>
@@ -13579,7 +14326,7 @@
                                       </m:accPr>
                                       <m:e>
                                         <m:r>
-                                          <a:rPr lang="en-US" sz="1800" b="0" i="1" smtClean="0">
+                                          <a:rPr lang="en-US" sz="1600" b="0" i="1" smtClean="0">
                                             <a:solidFill>
                                               <a:srgbClr val="000000"/>
                                             </a:solidFill>
@@ -13590,14 +14337,14 @@
                                             </a:uFill>
                                             <a:latin typeface="Cambria Math" panose="02040503050406030204" pitchFamily="18" charset="0"/>
                                           </a:rPr>
-                                          <m:t>𝑋</m:t>
+                                          <m:t>𝜇</m:t>
                                         </m:r>
                                       </m:e>
                                     </m:acc>
                                   </m:e>
                                   <m:sup>
                                     <m:r>
-                                      <a:rPr lang="en-US" sz="1800" b="0" i="1" smtClean="0">
+                                      <a:rPr lang="en-US" sz="1600" b="0" i="1" smtClean="0">
                                         <a:solidFill>
                                           <a:srgbClr val="000000"/>
                                         </a:solidFill>
@@ -13615,127 +14362,7 @@
                               </m:oMath>
                             </m:oMathPara>
                           </a14:m>
-                          <a:endParaRPr lang="en-US" sz="1800" dirty="0"/>
-                        </a:p>
-                      </a:txBody>
-                      <a:tcPr anchor="ctr"/>
-                    </a:tc>
-                    <a:tc>
-                      <a:txBody>
-                        <a:bodyPr/>
-                        <a:lstStyle/>
-                        <a:p>
-                          <a:pPr algn="ctr"/>
-                          <a:r>
-                            <a:rPr lang="en-US" sz="1200" dirty="0"/>
-                            <a:t>Kalman Filter State Estimate</a:t>
-                          </a:r>
-                        </a:p>
-                      </a:txBody>
-                      <a:tcPr anchor="ctr"/>
-                    </a:tc>
-                    <a:tc>
-                      <a:txBody>
-                        <a:bodyPr/>
-                        <a:lstStyle/>
-                        <a:p>
-                          <a:endParaRPr lang="en-US" dirty="0"/>
-                        </a:p>
-                      </a:txBody>
-                      <a:tcPr/>
-                    </a:tc>
-                    <a:extLst>
-                      <a:ext uri="{0D108BD9-81ED-4DB2-BD59-A6C34878D82A}">
-                        <a16:rowId xmlns:a16="http://schemas.microsoft.com/office/drawing/2014/main" val="3769921074"/>
-                      </a:ext>
-                    </a:extLst>
-                  </a:tr>
-                  <a:tr h="228600">
-                    <a:tc>
-                      <a:txBody>
-                        <a:bodyPr/>
-                        <a:lstStyle/>
-                        <a:p>
-                          <a:pPr algn="ctr"/>
-                          <a14:m>
-                            <m:oMathPara xmlns:m="http://schemas.openxmlformats.org/officeDocument/2006/math">
-                              <m:oMathParaPr>
-                                <m:jc m:val="centerGroup"/>
-                              </m:oMathParaPr>
-                              <m:oMath xmlns:m="http://schemas.openxmlformats.org/officeDocument/2006/math">
-                                <m:sSup>
-                                  <m:sSupPr>
-                                    <m:ctrlPr>
-                                      <a:rPr lang="en-US" sz="1800" b="0" i="1" smtClean="0">
-                                        <a:solidFill>
-                                          <a:srgbClr val="000000"/>
-                                        </a:solidFill>
-                                        <a:uFill>
-                                          <a:solidFill>
-                                            <a:srgbClr val="000000"/>
-                                          </a:solidFill>
-                                        </a:uFill>
-                                        <a:latin typeface="Cambria Math" panose="02040503050406030204" pitchFamily="18" charset="0"/>
-                                      </a:rPr>
-                                    </m:ctrlPr>
-                                  </m:sSupPr>
-                                  <m:e>
-                                    <m:acc>
-                                      <m:accPr>
-                                        <m:chr m:val="̂"/>
-                                        <m:ctrlPr>
-                                          <a:rPr lang="en-US" sz="1800" b="0" i="1" smtClean="0">
-                                            <a:solidFill>
-                                              <a:srgbClr val="000000"/>
-                                            </a:solidFill>
-                                            <a:uFill>
-                                              <a:solidFill>
-                                                <a:srgbClr val="000000"/>
-                                              </a:solidFill>
-                                            </a:uFill>
-                                            <a:latin typeface="Cambria Math" panose="02040503050406030204" pitchFamily="18" charset="0"/>
-                                          </a:rPr>
-                                        </m:ctrlPr>
-                                      </m:accPr>
-                                      <m:e>
-                                        <m:r>
-                                          <a:rPr lang="en-US" sz="1800" b="0" i="1" smtClean="0">
-                                            <a:solidFill>
-                                              <a:srgbClr val="000000"/>
-                                            </a:solidFill>
-                                            <a:uFill>
-                                              <a:solidFill>
-                                                <a:srgbClr val="000000"/>
-                                              </a:solidFill>
-                                            </a:uFill>
-                                            <a:latin typeface="Cambria Math" panose="02040503050406030204" pitchFamily="18" charset="0"/>
-                                          </a:rPr>
-                                          <m:t>𝜇</m:t>
-                                        </m:r>
-                                      </m:e>
-                                    </m:acc>
-                                  </m:e>
-                                  <m:sup>
-                                    <m:r>
-                                      <a:rPr lang="en-US" sz="1800" b="0" i="1" smtClean="0">
-                                        <a:solidFill>
-                                          <a:srgbClr val="000000"/>
-                                        </a:solidFill>
-                                        <a:uFill>
-                                          <a:solidFill>
-                                            <a:srgbClr val="000000"/>
-                                          </a:solidFill>
-                                        </a:uFill>
-                                        <a:latin typeface="Cambria Math" panose="02040503050406030204" pitchFamily="18" charset="0"/>
-                                      </a:rPr>
-                                      <m:t>𝑗</m:t>
-                                    </m:r>
-                                  </m:sup>
-                                </m:sSup>
-                              </m:oMath>
-                            </m:oMathPara>
-                          </a14:m>
-                          <a:endParaRPr lang="en-US" sz="1800" dirty="0"/>
+                          <a:endParaRPr lang="en-US" sz="1600" dirty="0"/>
                         </a:p>
                       </a:txBody>
                       <a:tcPr anchor="ctr"/>
@@ -13759,10 +14386,242 @@
                         <a:bodyPr/>
                         <a:lstStyle/>
                         <a:p>
-                          <a:endParaRPr lang="en-US"/>
+                          <a:pPr algn="ctr"/>
+                          <a14:m>
+                            <m:oMathPara xmlns:m="http://schemas.openxmlformats.org/officeDocument/2006/math">
+                              <m:oMathParaPr>
+                                <m:jc m:val="centerGroup"/>
+                              </m:oMathParaPr>
+                              <m:oMath xmlns:m="http://schemas.openxmlformats.org/officeDocument/2006/math">
+                                <m:f>
+                                  <m:fPr>
+                                    <m:ctrlPr>
+                                      <a:rPr lang="en-US" sz="1100" i="1" smtClean="0">
+                                        <a:latin typeface="Cambria Math" panose="02040503050406030204" pitchFamily="18" charset="0"/>
+                                      </a:rPr>
+                                    </m:ctrlPr>
+                                  </m:fPr>
+                                  <m:num>
+                                    <m:sSup>
+                                      <m:sSupPr>
+                                        <m:ctrlPr>
+                                          <a:rPr lang="en-US" sz="1100" b="0" i="1" smtClean="0">
+                                            <a:solidFill>
+                                              <a:srgbClr val="000000"/>
+                                            </a:solidFill>
+                                            <a:uFill>
+                                              <a:solidFill>
+                                                <a:srgbClr val="000000"/>
+                                              </a:solidFill>
+                                            </a:uFill>
+                                            <a:latin typeface="Cambria Math" panose="02040503050406030204" pitchFamily="18" charset="0"/>
+                                          </a:rPr>
+                                        </m:ctrlPr>
+                                      </m:sSupPr>
+                                      <m:e>
+                                        <m:r>
+                                          <m:rPr>
+                                            <m:sty m:val="p"/>
+                                          </m:rPr>
+                                          <a:rPr lang="en-US" sz="1100" b="0" i="1" smtClean="0">
+                                            <a:solidFill>
+                                              <a:srgbClr val="000000"/>
+                                            </a:solidFill>
+                                            <a:uFill>
+                                              <a:solidFill>
+                                                <a:srgbClr val="000000"/>
+                                              </a:solidFill>
+                                            </a:uFill>
+                                            <a:latin typeface="Cambria Math" panose="02040503050406030204" pitchFamily="18" charset="0"/>
+                                          </a:rPr>
+                                          <m:t>Λ</m:t>
+                                        </m:r>
+                                      </m:e>
+                                      <m:sup>
+                                        <m:r>
+                                          <a:rPr lang="en-US" sz="1100" b="0" i="1" smtClean="0">
+                                            <a:solidFill>
+                                              <a:srgbClr val="000000"/>
+                                            </a:solidFill>
+                                            <a:uFill>
+                                              <a:solidFill>
+                                                <a:srgbClr val="000000"/>
+                                              </a:solidFill>
+                                            </a:uFill>
+                                            <a:latin typeface="Cambria Math" panose="02040503050406030204" pitchFamily="18" charset="0"/>
+                                          </a:rPr>
+                                          <m:t>𝑗</m:t>
+                                        </m:r>
+                                      </m:sup>
+                                    </m:sSup>
+                                    <m:acc>
+                                      <m:accPr>
+                                        <m:chr m:val="̅"/>
+                                        <m:ctrlPr>
+                                          <a:rPr lang="en-US" sz="1100" b="0" i="1" smtClean="0">
+                                            <a:solidFill>
+                                              <a:srgbClr val="000000"/>
+                                            </a:solidFill>
+                                            <a:uFill>
+                                              <a:solidFill>
+                                                <a:srgbClr val="000000"/>
+                                              </a:solidFill>
+                                            </a:uFill>
+                                            <a:latin typeface="Cambria Math" panose="02040503050406030204" pitchFamily="18" charset="0"/>
+                                          </a:rPr>
+                                        </m:ctrlPr>
+                                      </m:accPr>
+                                      <m:e>
+                                        <m:r>
+                                          <a:rPr lang="en-US" sz="1100" b="0" i="1" smtClean="0">
+                                            <a:solidFill>
+                                              <a:srgbClr val="000000"/>
+                                            </a:solidFill>
+                                            <a:uFill>
+                                              <a:solidFill>
+                                                <a:srgbClr val="000000"/>
+                                              </a:solidFill>
+                                            </a:uFill>
+                                            <a:latin typeface="Cambria Math" panose="02040503050406030204" pitchFamily="18" charset="0"/>
+                                          </a:rPr>
+                                          <m:t>𝑐</m:t>
+                                        </m:r>
+                                      </m:e>
+                                    </m:acc>
+                                  </m:num>
+                                  <m:den>
+                                    <m:nary>
+                                      <m:naryPr>
+                                        <m:chr m:val="∑"/>
+                                        <m:ctrlPr>
+                                          <a:rPr lang="en-US" sz="1100" b="0" i="1" smtClean="0">
+                                            <a:latin typeface="Cambria Math" panose="02040503050406030204" pitchFamily="18" charset="0"/>
+                                          </a:rPr>
+                                        </m:ctrlPr>
+                                      </m:naryPr>
+                                      <m:sub>
+                                        <m:r>
+                                          <m:rPr>
+                                            <m:brk m:alnAt="23"/>
+                                          </m:rPr>
+                                          <a:rPr lang="en-US" sz="1100" b="0" i="1" smtClean="0">
+                                            <a:latin typeface="Cambria Math" panose="02040503050406030204" pitchFamily="18" charset="0"/>
+                                          </a:rPr>
+                                          <m:t>𝑖</m:t>
+                                        </m:r>
+                                        <m:r>
+                                          <a:rPr lang="en-US" sz="1100" b="0" i="1" smtClean="0">
+                                            <a:latin typeface="Cambria Math" panose="02040503050406030204" pitchFamily="18" charset="0"/>
+                                          </a:rPr>
+                                          <m:t>=1</m:t>
+                                        </m:r>
+                                      </m:sub>
+                                      <m:sup>
+                                        <m:r>
+                                          <a:rPr lang="en-US" sz="1100" b="0" i="1" smtClean="0">
+                                            <a:latin typeface="Cambria Math" panose="02040503050406030204" pitchFamily="18" charset="0"/>
+                                          </a:rPr>
+                                          <m:t>𝑁</m:t>
+                                        </m:r>
+                                      </m:sup>
+                                      <m:e>
+                                        <m:sSup>
+                                          <m:sSupPr>
+                                            <m:ctrlPr>
+                                              <a:rPr lang="en-US" sz="1100" b="0" i="1" smtClean="0">
+                                                <a:solidFill>
+                                                  <a:srgbClr val="000000"/>
+                                                </a:solidFill>
+                                                <a:uFill>
+                                                  <a:solidFill>
+                                                    <a:srgbClr val="000000"/>
+                                                  </a:solidFill>
+                                                </a:uFill>
+                                                <a:latin typeface="Cambria Math" panose="02040503050406030204" pitchFamily="18" charset="0"/>
+                                              </a:rPr>
+                                            </m:ctrlPr>
+                                          </m:sSupPr>
+                                          <m:e>
+                                            <m:r>
+                                              <m:rPr>
+                                                <m:sty m:val="p"/>
+                                              </m:rPr>
+                                              <a:rPr lang="en-US" sz="1100" b="0" i="1" smtClean="0">
+                                                <a:solidFill>
+                                                  <a:srgbClr val="000000"/>
+                                                </a:solidFill>
+                                                <a:uFill>
+                                                  <a:solidFill>
+                                                    <a:srgbClr val="000000"/>
+                                                  </a:solidFill>
+                                                </a:uFill>
+                                                <a:latin typeface="Cambria Math" panose="02040503050406030204" pitchFamily="18" charset="0"/>
+                                              </a:rPr>
+                                              <m:t>Λ</m:t>
+                                            </m:r>
+                                          </m:e>
+                                          <m:sup>
+                                            <m:r>
+                                              <a:rPr lang="en-US" sz="1100" b="0" i="1" smtClean="0">
+                                                <a:solidFill>
+                                                  <a:srgbClr val="000000"/>
+                                                </a:solidFill>
+                                                <a:uFill>
+                                                  <a:solidFill>
+                                                    <a:srgbClr val="000000"/>
+                                                  </a:solidFill>
+                                                </a:uFill>
+                                                <a:latin typeface="Cambria Math" panose="02040503050406030204" pitchFamily="18" charset="0"/>
+                                              </a:rPr>
+                                              <m:t>𝑗</m:t>
+                                            </m:r>
+                                          </m:sup>
+                                        </m:sSup>
+                                        <m:acc>
+                                          <m:accPr>
+                                            <m:chr m:val="̅"/>
+                                            <m:ctrlPr>
+                                              <a:rPr lang="en-US" sz="1100" b="0" i="1" smtClean="0">
+                                                <a:solidFill>
+                                                  <a:srgbClr val="000000"/>
+                                                </a:solidFill>
+                                                <a:uFill>
+                                                  <a:solidFill>
+                                                    <a:srgbClr val="000000"/>
+                                                  </a:solidFill>
+                                                </a:uFill>
+                                                <a:latin typeface="Cambria Math" panose="02040503050406030204" pitchFamily="18" charset="0"/>
+                                              </a:rPr>
+                                            </m:ctrlPr>
+                                          </m:accPr>
+                                          <m:e>
+                                            <m:r>
+                                              <a:rPr lang="en-US" sz="1100" b="0" i="1" smtClean="0">
+                                                <a:solidFill>
+                                                  <a:srgbClr val="000000"/>
+                                                </a:solidFill>
+                                                <a:uFill>
+                                                  <a:solidFill>
+                                                    <a:srgbClr val="000000"/>
+                                                  </a:solidFill>
+                                                </a:uFill>
+                                                <a:latin typeface="Cambria Math" panose="02040503050406030204" pitchFamily="18" charset="0"/>
+                                              </a:rPr>
+                                              <m:t>𝑐</m:t>
+                                            </m:r>
+                                          </m:e>
+                                        </m:acc>
+                                      </m:e>
+                                    </m:nary>
+                                  </m:den>
+                                </m:f>
+                              </m:oMath>
+                            </m:oMathPara>
+                          </a14:m>
+                          <a:endParaRPr lang="en-US" sz="1100" dirty="0"/>
                         </a:p>
                       </a:txBody>
-                      <a:tcPr/>
+                      <a:tcPr anchor="ctr"/>
                     </a:tc>
                     <a:extLst>
                       <a:ext uri="{0D108BD9-81ED-4DB2-BD59-A6C34878D82A}">
@@ -13770,7 +14629,7 @@
                       </a:ext>
                     </a:extLst>
                   </a:tr>
-                  <a:tr h="228600">
+                  <a:tr h="0">
                     <a:tc>
                       <a:txBody>
                         <a:bodyPr/>
@@ -13786,7 +14645,7 @@
                                 <m:sSup>
                                   <m:sSupPr>
                                     <m:ctrlPr>
-                                      <a:rPr lang="en-US" sz="1800" b="0" i="1" smtClean="0">
+                                      <a:rPr lang="en-US" sz="1600" b="0" i="1" smtClean="0">
                                         <a:solidFill>
                                           <a:srgbClr val="000000"/>
                                         </a:solidFill>
@@ -13804,7 +14663,7 @@
                                       <m:accPr>
                                         <m:chr m:val="̂"/>
                                         <m:ctrlPr>
-                                          <a:rPr lang="en-US" sz="1800" b="0" i="1" smtClean="0">
+                                          <a:rPr lang="en-US" sz="1600" b="0" i="1" smtClean="0">
                                             <a:solidFill>
                                               <a:srgbClr val="000000"/>
                                             </a:solidFill>
@@ -13819,7 +14678,7 @@
                                       </m:accPr>
                                       <m:e>
                                         <m:r>
-                                          <a:rPr lang="en-US" sz="1800" b="0" i="1" smtClean="0">
+                                          <a:rPr lang="en-US" sz="1600" b="0" i="1" smtClean="0">
                                             <a:solidFill>
                                               <a:srgbClr val="000000"/>
                                             </a:solidFill>
@@ -13837,7 +14696,7 @@
                                   </m:e>
                                   <m:sup>
                                     <m:r>
-                                      <a:rPr lang="en-US" sz="1800" b="0" i="1" smtClean="0">
+                                      <a:rPr lang="en-US" sz="1600" b="0" i="1" smtClean="0">
                                         <a:solidFill>
                                           <a:srgbClr val="000000"/>
                                         </a:solidFill>
@@ -13851,7 +14710,7 @@
                                       <m:t>𝑖</m:t>
                                     </m:r>
                                     <m:r>
-                                      <a:rPr lang="en-US" sz="1800" b="0" i="1" smtClean="0">
+                                      <a:rPr lang="en-US" sz="1600" b="0" i="1" smtClean="0">
                                         <a:solidFill>
                                           <a:srgbClr val="000000"/>
                                         </a:solidFill>
@@ -13865,7 +14724,7 @@
                                       <m:t>|</m:t>
                                     </m:r>
                                     <m:r>
-                                      <a:rPr lang="en-US" sz="1800" b="0" i="1" smtClean="0">
+                                      <a:rPr lang="en-US" sz="1600" b="0" i="1" smtClean="0">
                                         <a:solidFill>
                                           <a:srgbClr val="000000"/>
                                         </a:solidFill>
@@ -13883,7 +14742,7 @@
                               </m:oMath>
                             </m:oMathPara>
                           </a14:m>
-                          <a:endParaRPr lang="en-US" sz="1800" dirty="0"/>
+                          <a:endParaRPr lang="en-US" sz="1600" dirty="0"/>
                         </a:p>
                       </a:txBody>
                       <a:tcPr anchor="ctr"/>
@@ -13907,10 +14766,175 @@
                         <a:bodyPr/>
                         <a:lstStyle/>
                         <a:p>
-                          <a:endParaRPr lang="en-US" dirty="0"/>
+                          <a:pPr marL="0" marR="0" lvl="0" indent="0" algn="ctr" defTabSz="457200" eaLnBrk="1" fontAlgn="auto" latinLnBrk="0" hangingPunct="1">
+                            <a:lnSpc>
+                              <a:spcPct val="100000"/>
+                            </a:lnSpc>
+                            <a:spcBef>
+                              <a:spcPts val="0"/>
+                            </a:spcBef>
+                            <a:spcAft>
+                              <a:spcPts val="0"/>
+                            </a:spcAft>
+                            <a:buClrTx/>
+                            <a:buSzTx/>
+                            <a:buFontTx/>
+                            <a:buNone/>
+                            <a:tabLst/>
+                            <a:defRPr/>
+                          </a:pPr>
+                          <a14:m>
+                            <m:oMathPara xmlns:m="http://schemas.openxmlformats.org/officeDocument/2006/math">
+                              <m:oMathParaPr>
+                                <m:jc m:val="centerGroup"/>
+                              </m:oMathParaPr>
+                              <m:oMath xmlns:m="http://schemas.openxmlformats.org/officeDocument/2006/math">
+                                <m:f>
+                                  <m:fPr>
+                                    <m:ctrlPr>
+                                      <a:rPr lang="en-US" sz="1100" b="0" i="1" smtClean="0">
+                                        <a:latin typeface="Cambria Math" panose="02040503050406030204" pitchFamily="18" charset="0"/>
+                                      </a:rPr>
+                                    </m:ctrlPr>
+                                  </m:fPr>
+                                  <m:num>
+                                    <m:r>
+                                      <a:rPr lang="en-US" sz="1100" b="0" i="1" smtClean="0">
+                                        <a:latin typeface="Cambria Math" panose="02040503050406030204" pitchFamily="18" charset="0"/>
+                                      </a:rPr>
+                                      <m:t>1</m:t>
+                                    </m:r>
+                                  </m:num>
+                                  <m:den>
+                                    <m:acc>
+                                      <m:accPr>
+                                        <m:chr m:val="̅"/>
+                                        <m:ctrlPr>
+                                          <a:rPr lang="en-US" sz="1100" b="0" i="1" smtClean="0">
+                                            <a:latin typeface="Cambria Math" panose="02040503050406030204" pitchFamily="18" charset="0"/>
+                                          </a:rPr>
+                                        </m:ctrlPr>
+                                      </m:accPr>
+                                      <m:e>
+                                        <m:r>
+                                          <a:rPr lang="en-US" sz="1100" b="0" i="1" smtClean="0">
+                                            <a:latin typeface="Cambria Math" panose="02040503050406030204" pitchFamily="18" charset="0"/>
+                                          </a:rPr>
+                                          <m:t>𝑐</m:t>
+                                        </m:r>
+                                      </m:e>
+                                    </m:acc>
+                                  </m:den>
+                                </m:f>
+                                <m:sSup>
+                                  <m:sSupPr>
+                                    <m:ctrlPr>
+                                      <a:rPr lang="en-US" sz="1100" b="0" i="1" smtClean="0">
+                                        <a:latin typeface="Cambria Math" panose="02040503050406030204" pitchFamily="18" charset="0"/>
+                                      </a:rPr>
+                                    </m:ctrlPr>
+                                  </m:sSupPr>
+                                  <m:e>
+                                    <m:sSub>
+                                      <m:sSubPr>
+                                        <m:ctrlPr>
+                                          <a:rPr lang="en-US" sz="1100" b="0" i="1" smtClean="0">
+                                            <a:latin typeface="Cambria Math" panose="02040503050406030204" pitchFamily="18" charset="0"/>
+                                            <a:ea typeface="Cambria Math" panose="02040503050406030204" pitchFamily="18" charset="0"/>
+                                          </a:rPr>
+                                        </m:ctrlPr>
+                                      </m:sSubPr>
+                                      <m:e>
+                                        <m:r>
+                                          <m:rPr>
+                                            <m:sty m:val="p"/>
+                                          </m:rPr>
+                                          <a:rPr lang="el-GR" sz="1100" b="0" i="1" smtClean="0">
+                                            <a:latin typeface="Cambria Math" panose="02040503050406030204" pitchFamily="18" charset="0"/>
+                                            <a:ea typeface="Cambria Math" panose="02040503050406030204" pitchFamily="18" charset="0"/>
+                                          </a:rPr>
+                                          <m:t>Π</m:t>
+                                        </m:r>
+                                      </m:e>
+                                      <m:sub>
+                                        <m:r>
+                                          <a:rPr lang="en-US" sz="1100" b="0" i="1" smtClean="0">
+                                            <a:latin typeface="Cambria Math" panose="02040503050406030204" pitchFamily="18" charset="0"/>
+                                            <a:ea typeface="Cambria Math" panose="02040503050406030204" pitchFamily="18" charset="0"/>
+                                          </a:rPr>
+                                          <m:t>(</m:t>
+                                        </m:r>
+                                        <m:r>
+                                          <a:rPr lang="en-US" sz="1100" b="0" i="1" smtClean="0">
+                                            <a:latin typeface="Cambria Math" panose="02040503050406030204" pitchFamily="18" charset="0"/>
+                                            <a:ea typeface="Cambria Math" panose="02040503050406030204" pitchFamily="18" charset="0"/>
+                                          </a:rPr>
+                                          <m:t>𝑖</m:t>
+                                        </m:r>
+                                        <m:r>
+                                          <a:rPr lang="en-US" sz="1100" b="0" i="1" smtClean="0">
+                                            <a:latin typeface="Cambria Math" panose="02040503050406030204" pitchFamily="18" charset="0"/>
+                                            <a:ea typeface="Cambria Math" panose="02040503050406030204" pitchFamily="18" charset="0"/>
+                                          </a:rPr>
+                                          <m:t>,</m:t>
+                                        </m:r>
+                                        <m:r>
+                                          <a:rPr lang="en-US" sz="1100" b="0" i="1" smtClean="0">
+                                            <a:latin typeface="Cambria Math" panose="02040503050406030204" pitchFamily="18" charset="0"/>
+                                            <a:ea typeface="Cambria Math" panose="02040503050406030204" pitchFamily="18" charset="0"/>
+                                          </a:rPr>
+                                          <m:t>𝑗</m:t>
+                                        </m:r>
+                                        <m:r>
+                                          <a:rPr lang="en-US" sz="1100" b="0" i="1" smtClean="0">
+                                            <a:latin typeface="Cambria Math" panose="02040503050406030204" pitchFamily="18" charset="0"/>
+                                            <a:ea typeface="Cambria Math" panose="02040503050406030204" pitchFamily="18" charset="0"/>
+                                          </a:rPr>
+                                          <m:t>)</m:t>
+                                        </m:r>
+                                      </m:sub>
+                                    </m:sSub>
+                                    <m:acc>
+                                      <m:accPr>
+                                        <m:chr m:val="̂"/>
+                                        <m:ctrlPr>
+                                          <a:rPr lang="en-US" sz="1100" b="0" i="1" smtClean="0">
+                                            <a:latin typeface="Cambria Math" panose="02040503050406030204" pitchFamily="18" charset="0"/>
+                                          </a:rPr>
+                                        </m:ctrlPr>
+                                      </m:accPr>
+                                      <m:e>
+                                        <m:r>
+                                          <m:rPr>
+                                            <m:brk m:alnAt="23"/>
+                                          </m:rPr>
+                                          <a:rPr lang="en-US" sz="1100" b="0" i="1" smtClean="0">
+                                            <a:latin typeface="Cambria Math" panose="02040503050406030204" pitchFamily="18" charset="0"/>
+                                          </a:rPr>
+                                          <m:t>𝜇</m:t>
+                                        </m:r>
+                                      </m:e>
+                                    </m:acc>
+                                  </m:e>
+                                  <m:sup>
+                                    <m:r>
+                                      <m:rPr>
+                                        <m:brk m:alnAt="23"/>
+                                      </m:rPr>
+                                      <a:rPr lang="en-US" sz="1100" b="0" i="1" smtClean="0">
+                                        <a:latin typeface="Cambria Math" panose="02040503050406030204" pitchFamily="18" charset="0"/>
+                                      </a:rPr>
+                                      <m:t>𝑖</m:t>
+                                    </m:r>
+                                  </m:sup>
+                                </m:sSup>
+                              </m:oMath>
+                            </m:oMathPara>
+                          </a14:m>
+                          <a:endParaRPr lang="en-US" sz="1100" dirty="0"/>
                         </a:p>
                       </a:txBody>
-                      <a:tcPr/>
+                      <a:tcPr anchor="ctr"/>
                     </a:tc>
                     <a:extLst>
                       <a:ext uri="{0D108BD9-81ED-4DB2-BD59-A6C34878D82A}">
@@ -13918,7 +14942,7 @@
                       </a:ext>
                     </a:extLst>
                   </a:tr>
-                  <a:tr h="228600">
+                  <a:tr h="0">
                     <a:tc>
                       <a:txBody>
                         <a:bodyPr/>
@@ -13934,7 +14958,7 @@
                                 <m:sSup>
                                   <m:sSupPr>
                                     <m:ctrlPr>
-                                      <a:rPr lang="en-US" sz="1800" b="0" i="1" smtClean="0">
+                                      <a:rPr lang="en-US" sz="1600" b="0" i="1" smtClean="0">
                                         <a:solidFill>
                                           <a:srgbClr val="000000"/>
                                         </a:solidFill>
@@ -13952,7 +14976,7 @@
                                       <m:accPr>
                                         <m:chr m:val="̂"/>
                                         <m:ctrlPr>
-                                          <a:rPr lang="en-US" sz="1800" b="0" i="1" smtClean="0">
+                                          <a:rPr lang="en-US" sz="1600" b="0" i="1" smtClean="0">
                                             <a:solidFill>
                                               <a:srgbClr val="000000"/>
                                             </a:solidFill>
@@ -13967,7 +14991,7 @@
                                       </m:accPr>
                                       <m:e>
                                         <m:r>
-                                          <a:rPr lang="en-US" sz="1800" b="0" i="1" smtClean="0">
+                                          <a:rPr lang="en-US" sz="1600" b="0" i="1" smtClean="0">
                                             <a:solidFill>
                                               <a:srgbClr val="000000"/>
                                             </a:solidFill>
@@ -13985,7 +15009,7 @@
                                   </m:e>
                                   <m:sup>
                                     <m:r>
-                                      <a:rPr lang="en-US" sz="1800" b="0" i="1" smtClean="0">
+                                      <a:rPr lang="en-US" sz="1600" b="0" i="1" smtClean="0">
                                         <a:solidFill>
                                           <a:srgbClr val="000000"/>
                                         </a:solidFill>
@@ -14003,7 +15027,7 @@
                               </m:oMath>
                             </m:oMathPara>
                           </a14:m>
-                          <a:endParaRPr lang="en-US" sz="1800" dirty="0"/>
+                          <a:endParaRPr lang="en-US" sz="1600" dirty="0"/>
                         </a:p>
                       </a:txBody>
                       <a:tcPr anchor="ctr"/>
@@ -14027,10 +15051,137 @@
                         <a:bodyPr/>
                         <a:lstStyle/>
                         <a:p>
-                          <a:endParaRPr lang="en-US" dirty="0"/>
+                          <a:pPr algn="ctr"/>
+                          <a14:m>
+                            <m:oMathPara xmlns:m="http://schemas.openxmlformats.org/officeDocument/2006/math">
+                              <m:oMathParaPr>
+                                <m:jc m:val="centerGroup"/>
+                              </m:oMathParaPr>
+                              <m:oMath xmlns:m="http://schemas.openxmlformats.org/officeDocument/2006/math">
+                                <m:nary>
+                                  <m:naryPr>
+                                    <m:chr m:val="∑"/>
+                                    <m:ctrlPr>
+                                      <a:rPr lang="en-US" sz="1100" b="0" i="1" smtClean="0">
+                                        <a:latin typeface="Cambria Math" panose="02040503050406030204" pitchFamily="18" charset="0"/>
+                                      </a:rPr>
+                                    </m:ctrlPr>
+                                  </m:naryPr>
+                                  <m:sub>
+                                    <m:r>
+                                      <m:rPr>
+                                        <m:brk m:alnAt="23"/>
+                                      </m:rPr>
+                                      <a:rPr lang="en-US" sz="1100" b="0" i="1" smtClean="0">
+                                        <a:latin typeface="Cambria Math" panose="02040503050406030204" pitchFamily="18" charset="0"/>
+                                      </a:rPr>
+                                      <m:t>𝑖</m:t>
+                                    </m:r>
+                                    <m:r>
+                                      <a:rPr lang="en-US" sz="1100" b="0" i="1" smtClean="0">
+                                        <a:latin typeface="Cambria Math" panose="02040503050406030204" pitchFamily="18" charset="0"/>
+                                      </a:rPr>
+                                      <m:t>=1</m:t>
+                                    </m:r>
+                                  </m:sub>
+                                  <m:sup>
+                                    <m:r>
+                                      <a:rPr lang="en-US" sz="1100" b="0" i="1" smtClean="0">
+                                        <a:latin typeface="Cambria Math" panose="02040503050406030204" pitchFamily="18" charset="0"/>
+                                      </a:rPr>
+                                      <m:t>𝑁</m:t>
+                                    </m:r>
+                                  </m:sup>
+                                  <m:e>
+                                    <m:sSup>
+                                      <m:sSupPr>
+                                        <m:ctrlPr>
+                                          <a:rPr lang="en-US" sz="1100" b="0" i="1" smtClean="0">
+                                            <a:latin typeface="Cambria Math" panose="02040503050406030204" pitchFamily="18" charset="0"/>
+                                          </a:rPr>
+                                        </m:ctrlPr>
+                                      </m:sSupPr>
+                                      <m:e>
+                                        <m:acc>
+                                          <m:accPr>
+                                            <m:chr m:val="̂"/>
+                                            <m:ctrlPr>
+                                              <a:rPr lang="en-US" sz="1100" b="0" i="1" smtClean="0">
+                                                <a:latin typeface="Cambria Math" panose="02040503050406030204" pitchFamily="18" charset="0"/>
+                                              </a:rPr>
+                                            </m:ctrlPr>
+                                          </m:accPr>
+                                          <m:e>
+                                            <m:r>
+                                              <a:rPr lang="en-US" sz="1100" b="0" i="1" smtClean="0">
+                                                <a:latin typeface="Cambria Math" panose="02040503050406030204" pitchFamily="18" charset="0"/>
+                                              </a:rPr>
+                                              <m:t>𝑋</m:t>
+                                            </m:r>
+                                          </m:e>
+                                        </m:acc>
+                                      </m:e>
+                                      <m:sup>
+                                        <m:r>
+                                          <a:rPr lang="en-US" sz="1100" b="0" i="1" smtClean="0">
+                                            <a:latin typeface="Cambria Math" panose="02040503050406030204" pitchFamily="18" charset="0"/>
+                                          </a:rPr>
+                                          <m:t>𝑖</m:t>
+                                        </m:r>
+                                      </m:sup>
+                                    </m:sSup>
+                                    <m:sSup>
+                                      <m:sSupPr>
+                                        <m:ctrlPr>
+                                          <a:rPr lang="en-US" sz="1100" b="0" i="1" smtClean="0">
+                                            <a:latin typeface="Cambria Math" panose="02040503050406030204" pitchFamily="18" charset="0"/>
+                                          </a:rPr>
+                                        </m:ctrlPr>
+                                      </m:sSupPr>
+                                      <m:e>
+                                        <m:acc>
+                                          <m:accPr>
+                                            <m:chr m:val="̂"/>
+                                            <m:ctrlPr>
+                                              <a:rPr lang="en-US" sz="1100" b="0" i="1" smtClean="0">
+                                                <a:latin typeface="Cambria Math" panose="02040503050406030204" pitchFamily="18" charset="0"/>
+                                              </a:rPr>
+                                            </m:ctrlPr>
+                                          </m:accPr>
+                                          <m:e>
+                                            <m:r>
+                                              <m:rPr>
+                                                <m:brk m:alnAt="23"/>
+                                              </m:rPr>
+                                              <a:rPr lang="en-US" sz="1100" b="0" i="1" smtClean="0">
+                                                <a:latin typeface="Cambria Math" panose="02040503050406030204" pitchFamily="18" charset="0"/>
+                                              </a:rPr>
+                                              <m:t>𝜇</m:t>
+                                            </m:r>
+                                          </m:e>
+                                        </m:acc>
+                                      </m:e>
+                                      <m:sup>
+                                        <m:r>
+                                          <m:rPr>
+                                            <m:brk m:alnAt="23"/>
+                                          </m:rPr>
+                                          <a:rPr lang="en-US" sz="1100" b="0" i="1" smtClean="0">
+                                            <a:latin typeface="Cambria Math" panose="02040503050406030204" pitchFamily="18" charset="0"/>
+                                          </a:rPr>
+                                          <m:t>𝑖</m:t>
+                                        </m:r>
+                                      </m:sup>
+                                    </m:sSup>
+                                  </m:e>
+                                </m:nary>
+                              </m:oMath>
+                            </m:oMathPara>
+                          </a14:m>
+                          <a:endParaRPr lang="en-US" sz="1100" dirty="0"/>
                         </a:p>
                       </a:txBody>
-                      <a:tcPr/>
+                      <a:tcPr anchor="ctr"/>
                     </a:tc>
                     <a:extLst>
                       <a:ext uri="{0D108BD9-81ED-4DB2-BD59-A6C34878D82A}">
@@ -14038,600 +15189,7 @@
                       </a:ext>
                     </a:extLst>
                   </a:tr>
-                </a:tbl>
-              </a:graphicData>
-            </a:graphic>
-          </p:graphicFrame>
-        </mc:Choice>
-        <mc:Fallback>
-          <p:graphicFrame>
-            <p:nvGraphicFramePr>
-              <p:cNvPr id="8" name="Table 7">
-                <a:extLst>
-                  <a:ext uri="{FF2B5EF4-FFF2-40B4-BE49-F238E27FC236}">
-                    <a16:creationId xmlns:a16="http://schemas.microsoft.com/office/drawing/2014/main" id="{46E5F15A-FBC1-B44F-A007-D51B3FA94F66}"/>
-                  </a:ext>
-                </a:extLst>
-              </p:cNvPr>
-              <p:cNvGraphicFramePr>
-                <a:graphicFrameLocks noGrp="1"/>
-              </p:cNvGraphicFramePr>
-              <p:nvPr>
-                <p:extLst>
-                  <p:ext uri="{D42A27DB-BD31-4B8C-83A1-F6EECF244321}">
-                    <p14:modId xmlns:p14="http://schemas.microsoft.com/office/powerpoint/2010/main" val="1657784477"/>
-                  </p:ext>
-                </p:extLst>
-              </p:nvPr>
-            </p:nvGraphicFramePr>
-            <p:xfrm>
-              <a:off x="151372" y="1402808"/>
-              <a:ext cx="4917520" cy="3045715"/>
-            </p:xfrm>
-            <a:graphic>
-              <a:graphicData uri="http://schemas.openxmlformats.org/drawingml/2006/table">
-                <a:tbl>
-                  <a:tblPr firstRow="1" bandRow="1">
-                    <a:tableStyleId>{5940675A-B579-460E-94D1-54222C63F5DA}</a:tableStyleId>
-                  </a:tblPr>
-                  <a:tblGrid>
-                    <a:gridCol w="741157">
-                      <a:extLst>
-                        <a:ext uri="{9D8B030D-6E8A-4147-A177-3AD203B41FA5}">
-                          <a16:colId xmlns:a16="http://schemas.microsoft.com/office/drawing/2014/main" val="4055376295"/>
-                        </a:ext>
-                      </a:extLst>
-                    </a:gridCol>
-                    <a:gridCol w="1712448">
-                      <a:extLst>
-                        <a:ext uri="{9D8B030D-6E8A-4147-A177-3AD203B41FA5}">
-                          <a16:colId xmlns:a16="http://schemas.microsoft.com/office/drawing/2014/main" val="3821534654"/>
-                        </a:ext>
-                      </a:extLst>
-                    </a:gridCol>
-                    <a:gridCol w="2463915">
-                      <a:extLst>
-                        <a:ext uri="{9D8B030D-6E8A-4147-A177-3AD203B41FA5}">
-                          <a16:colId xmlns:a16="http://schemas.microsoft.com/office/drawing/2014/main" val="4150081482"/>
-                        </a:ext>
-                      </a:extLst>
-                    </a:gridCol>
-                  </a:tblGrid>
-                  <a:tr h="457200">
-                    <a:tc>
-                      <a:txBody>
-                        <a:bodyPr/>
-                        <a:lstStyle/>
-                        <a:p>
-                          <a:endParaRPr lang="en-US"/>
-                        </a:p>
-                      </a:txBody>
-                      <a:tcPr anchor="ctr">
-                        <a:blipFill>
-                          <a:blip r:embed="rId11"/>
-                          <a:stretch>
-                            <a:fillRect l="-820" t="-1333" r="-563934" b="-569333"/>
-                          </a:stretch>
-                        </a:blipFill>
-                      </a:tcPr>
-                    </a:tc>
-                    <a:tc>
-                      <a:txBody>
-                        <a:bodyPr/>
-                        <a:lstStyle/>
-                        <a:p>
-                          <a:pPr algn="ctr"/>
-                          <a:r>
-                            <a:rPr lang="en-US" sz="1200" dirty="0"/>
-                            <a:t>Mixed Model State Estimate</a:t>
-                          </a:r>
-                        </a:p>
-                      </a:txBody>
-                      <a:tcPr anchor="ctr"/>
-                    </a:tc>
-                    <a:tc>
-                      <a:txBody>
-                        <a:bodyPr/>
-                        <a:lstStyle/>
-                        <a:p>
-                          <a:endParaRPr lang="en-US" dirty="0"/>
-                        </a:p>
-                      </a:txBody>
-                      <a:tcPr/>
-                    </a:tc>
-                    <a:extLst>
-                      <a:ext uri="{0D108BD9-81ED-4DB2-BD59-A6C34878D82A}">
-                        <a16:rowId xmlns:a16="http://schemas.microsoft.com/office/drawing/2014/main" val="3309129269"/>
-                      </a:ext>
-                    </a:extLst>
-                  </a:tr>
-                  <a:tr h="457200">
-                    <a:tc>
-                      <a:txBody>
-                        <a:bodyPr/>
-                        <a:lstStyle/>
-                        <a:p>
-                          <a:endParaRPr lang="en-US"/>
-                        </a:p>
-                      </a:txBody>
-                      <a:tcPr anchor="ctr">
-                        <a:blipFill>
-                          <a:blip r:embed="rId11"/>
-                          <a:stretch>
-                            <a:fillRect l="-820" t="-101333" r="-563934" b="-469333"/>
-                          </a:stretch>
-                        </a:blipFill>
-                      </a:tcPr>
-                    </a:tc>
-                    <a:tc>
-                      <a:txBody>
-                        <a:bodyPr/>
-                        <a:lstStyle/>
-                        <a:p>
-                          <a:pPr algn="ctr"/>
-                          <a:r>
-                            <a:rPr lang="en-US" sz="1200" dirty="0"/>
-                            <a:t>Mixed Model Covariance Estimate</a:t>
-                          </a:r>
-                        </a:p>
-                      </a:txBody>
-                      <a:tcPr anchor="ctr"/>
-                    </a:tc>
-                    <a:tc>
-                      <a:txBody>
-                        <a:bodyPr/>
-                        <a:lstStyle/>
-                        <a:p>
-                          <a:endParaRPr lang="en-US" dirty="0"/>
-                        </a:p>
-                      </a:txBody>
-                      <a:tcPr/>
-                    </a:tc>
-                    <a:extLst>
-                      <a:ext uri="{0D108BD9-81ED-4DB2-BD59-A6C34878D82A}">
-                        <a16:rowId xmlns:a16="http://schemas.microsoft.com/office/drawing/2014/main" val="394202148"/>
-                      </a:ext>
-                    </a:extLst>
-                  </a:tr>
-                  <a:tr h="469202">
-                    <a:tc>
-                      <a:txBody>
-                        <a:bodyPr/>
-                        <a:lstStyle/>
-                        <a:p>
-                          <a:endParaRPr lang="en-US"/>
-                        </a:p>
-                      </a:txBody>
-                      <a:tcPr anchor="ctr">
-                        <a:blipFill>
-                          <a:blip r:embed="rId11"/>
-                          <a:stretch>
-                            <a:fillRect l="-820" t="-196104" r="-563934" b="-357143"/>
-                          </a:stretch>
-                        </a:blipFill>
-                      </a:tcPr>
-                    </a:tc>
-                    <a:tc>
-                      <a:txBody>
-                        <a:bodyPr/>
-                        <a:lstStyle/>
-                        <a:p>
-                          <a:pPr algn="ctr"/>
-                          <a:r>
-                            <a:rPr lang="en-US" sz="1200" dirty="0"/>
-                            <a:t>Likelihood</a:t>
-                          </a:r>
-                        </a:p>
-                      </a:txBody>
-                      <a:tcPr anchor="ctr"/>
-                    </a:tc>
-                    <a:tc>
-                      <a:txBody>
-                        <a:bodyPr/>
-                        <a:lstStyle/>
-                        <a:p>
-                          <a:endParaRPr lang="en-US"/>
-                        </a:p>
-                      </a:txBody>
-                      <a:tcPr>
-                        <a:blipFill>
-                          <a:blip r:embed="rId11"/>
-                          <a:stretch>
-                            <a:fillRect l="-99753" t="-196104" r="-494" b="-357143"/>
-                          </a:stretch>
-                        </a:blipFill>
-                      </a:tcPr>
-                    </a:tc>
-                    <a:extLst>
-                      <a:ext uri="{0D108BD9-81ED-4DB2-BD59-A6C34878D82A}">
-                        <a16:rowId xmlns:a16="http://schemas.microsoft.com/office/drawing/2014/main" val="3638683729"/>
-                      </a:ext>
-                    </a:extLst>
-                  </a:tr>
-                  <a:tr h="457200">
-                    <a:tc>
-                      <a:txBody>
-                        <a:bodyPr/>
-                        <a:lstStyle/>
-                        <a:p>
-                          <a:endParaRPr lang="en-US"/>
-                        </a:p>
-                      </a:txBody>
-                      <a:tcPr anchor="ctr">
-                        <a:blipFill>
-                          <a:blip r:embed="rId11"/>
-                          <a:stretch>
-                            <a:fillRect l="-820" t="-304000" r="-563934" b="-266667"/>
-                          </a:stretch>
-                        </a:blipFill>
-                      </a:tcPr>
-                    </a:tc>
-                    <a:tc>
-                      <a:txBody>
-                        <a:bodyPr/>
-                        <a:lstStyle/>
-                        <a:p>
-                          <a:pPr algn="ctr"/>
-                          <a:r>
-                            <a:rPr lang="en-US" sz="1200" dirty="0"/>
-                            <a:t>Kalman Filter State Estimate</a:t>
-                          </a:r>
-                        </a:p>
-                      </a:txBody>
-                      <a:tcPr anchor="ctr"/>
-                    </a:tc>
-                    <a:tc>
-                      <a:txBody>
-                        <a:bodyPr/>
-                        <a:lstStyle/>
-                        <a:p>
-                          <a:endParaRPr lang="en-US" dirty="0"/>
-                        </a:p>
-                      </a:txBody>
-                      <a:tcPr/>
-                    </a:tc>
-                    <a:extLst>
-                      <a:ext uri="{0D108BD9-81ED-4DB2-BD59-A6C34878D82A}">
-                        <a16:rowId xmlns:a16="http://schemas.microsoft.com/office/drawing/2014/main" val="3769921074"/>
-                      </a:ext>
-                    </a:extLst>
-                  </a:tr>
-                  <a:tr h="374587">
-                    <a:tc>
-                      <a:txBody>
-                        <a:bodyPr/>
-                        <a:lstStyle/>
-                        <a:p>
-                          <a:endParaRPr lang="en-US"/>
-                        </a:p>
-                      </a:txBody>
-                      <a:tcPr anchor="ctr">
-                        <a:blipFill>
-                          <a:blip r:embed="rId11"/>
-                          <a:stretch>
-                            <a:fillRect l="-820" t="-488710" r="-563934" b="-222581"/>
-                          </a:stretch>
-                        </a:blipFill>
-                      </a:tcPr>
-                    </a:tc>
-                    <a:tc>
-                      <a:txBody>
-                        <a:bodyPr/>
-                        <a:lstStyle/>
-                        <a:p>
-                          <a:pPr algn="ctr"/>
-                          <a:r>
-                            <a:rPr lang="en-US" sz="1200" dirty="0"/>
-                            <a:t>Model Probability</a:t>
-                          </a:r>
-                        </a:p>
-                      </a:txBody>
-                      <a:tcPr anchor="ctr"/>
-                    </a:tc>
-                    <a:tc>
-                      <a:txBody>
-                        <a:bodyPr/>
-                        <a:lstStyle/>
-                        <a:p>
-                          <a:endParaRPr lang="en-US"/>
-                        </a:p>
-                      </a:txBody>
-                      <a:tcPr/>
-                    </a:tc>
-                    <a:extLst>
-                      <a:ext uri="{0D108BD9-81ED-4DB2-BD59-A6C34878D82A}">
-                        <a16:rowId xmlns:a16="http://schemas.microsoft.com/office/drawing/2014/main" val="2274899051"/>
-                      </a:ext>
-                    </a:extLst>
-                  </a:tr>
-                  <a:tr h="457200">
-                    <a:tc>
-                      <a:txBody>
-                        <a:bodyPr/>
-                        <a:lstStyle/>
-                        <a:p>
-                          <a:endParaRPr lang="en-US"/>
-                        </a:p>
-                      </a:txBody>
-                      <a:tcPr anchor="ctr">
-                        <a:blipFill>
-                          <a:blip r:embed="rId11"/>
-                          <a:stretch>
-                            <a:fillRect l="-820" t="-486667" r="-563934" b="-84000"/>
-                          </a:stretch>
-                        </a:blipFill>
-                      </a:tcPr>
-                    </a:tc>
-                    <a:tc>
-                      <a:txBody>
-                        <a:bodyPr/>
-                        <a:lstStyle/>
-                        <a:p>
-                          <a:pPr algn="ctr"/>
-                          <a:r>
-                            <a:rPr lang="en-US" sz="1200" dirty="0"/>
-                            <a:t>Conditional Model Probability</a:t>
-                          </a:r>
-                        </a:p>
-                      </a:txBody>
-                      <a:tcPr anchor="ctr"/>
-                    </a:tc>
-                    <a:tc>
-                      <a:txBody>
-                        <a:bodyPr/>
-                        <a:lstStyle/>
-                        <a:p>
-                          <a:endParaRPr lang="en-US" dirty="0"/>
-                        </a:p>
-                      </a:txBody>
-                      <a:tcPr/>
-                    </a:tc>
-                    <a:extLst>
-                      <a:ext uri="{0D108BD9-81ED-4DB2-BD59-A6C34878D82A}">
-                        <a16:rowId xmlns:a16="http://schemas.microsoft.com/office/drawing/2014/main" val="4025455881"/>
-                      </a:ext>
-                    </a:extLst>
-                  </a:tr>
-                  <a:tr h="373126">
-                    <a:tc>
-                      <a:txBody>
-                        <a:bodyPr/>
-                        <a:lstStyle/>
-                        <a:p>
-                          <a:endParaRPr lang="en-US"/>
-                        </a:p>
-                      </a:txBody>
-                      <a:tcPr anchor="ctr">
-                        <a:blipFill>
-                          <a:blip r:embed="rId11"/>
-                          <a:stretch>
-                            <a:fillRect l="-820" t="-721311" r="-563934" b="-3279"/>
-                          </a:stretch>
-                        </a:blipFill>
-                      </a:tcPr>
-                    </a:tc>
-                    <a:tc>
-                      <a:txBody>
-                        <a:bodyPr/>
-                        <a:lstStyle/>
-                        <a:p>
-                          <a:pPr algn="ctr"/>
-                          <a:r>
-                            <a:rPr lang="en-US" sz="1200" dirty="0"/>
-                            <a:t>State Estimate of IMM</a:t>
-                          </a:r>
-                        </a:p>
-                      </a:txBody>
-                      <a:tcPr anchor="ctr"/>
-                    </a:tc>
-                    <a:tc>
-                      <a:txBody>
-                        <a:bodyPr/>
-                        <a:lstStyle/>
-                        <a:p>
-                          <a:endParaRPr lang="en-US" dirty="0"/>
-                        </a:p>
-                      </a:txBody>
-                      <a:tcPr/>
-                    </a:tc>
-                    <a:extLst>
-                      <a:ext uri="{0D108BD9-81ED-4DB2-BD59-A6C34878D82A}">
-                        <a16:rowId xmlns:a16="http://schemas.microsoft.com/office/drawing/2014/main" val="1469101093"/>
-                      </a:ext>
-                    </a:extLst>
-                  </a:tr>
-                </a:tbl>
-              </a:graphicData>
-            </a:graphic>
-          </p:graphicFrame>
-        </mc:Fallback>
-      </mc:AlternateContent>
-      <mc:AlternateContent xmlns:mc="http://schemas.openxmlformats.org/markup-compatibility/2006">
-        <mc:Choice xmlns:a14="http://schemas.microsoft.com/office/drawing/2010/main" Requires="a14">
-          <p:graphicFrame>
-            <p:nvGraphicFramePr>
-              <p:cNvPr id="26" name="Table 25">
-                <a:extLst>
-                  <a:ext uri="{FF2B5EF4-FFF2-40B4-BE49-F238E27FC236}">
-                    <a16:creationId xmlns:a16="http://schemas.microsoft.com/office/drawing/2014/main" id="{29453EC7-679C-C2B2-4001-B86F7C9E6645}"/>
-                  </a:ext>
-                </a:extLst>
-              </p:cNvPr>
-              <p:cNvGraphicFramePr>
-                <a:graphicFrameLocks noGrp="1"/>
-              </p:cNvGraphicFramePr>
-              <p:nvPr>
-                <p:extLst>
-                  <p:ext uri="{D42A27DB-BD31-4B8C-83A1-F6EECF244321}">
-                    <p14:modId xmlns:p14="http://schemas.microsoft.com/office/powerpoint/2010/main" val="3129117736"/>
-                  </p:ext>
-                </p:extLst>
-              </p:nvPr>
-            </p:nvGraphicFramePr>
-            <p:xfrm>
-              <a:off x="125783" y="4933507"/>
-              <a:ext cx="4917520" cy="1457377"/>
-            </p:xfrm>
-            <a:graphic>
-              <a:graphicData uri="http://schemas.openxmlformats.org/drawingml/2006/table">
-                <a:tbl>
-                  <a:tblPr firstRow="1" bandRow="1">
-                    <a:tableStyleId>{5940675A-B579-460E-94D1-54222C63F5DA}</a:tableStyleId>
-                  </a:tblPr>
-                  <a:tblGrid>
-                    <a:gridCol w="741157">
-                      <a:extLst>
-                        <a:ext uri="{9D8B030D-6E8A-4147-A177-3AD203B41FA5}">
-                          <a16:colId xmlns:a16="http://schemas.microsoft.com/office/drawing/2014/main" val="644144618"/>
-                        </a:ext>
-                      </a:extLst>
-                    </a:gridCol>
-                    <a:gridCol w="1748669">
-                      <a:extLst>
-                        <a:ext uri="{9D8B030D-6E8A-4147-A177-3AD203B41FA5}">
-                          <a16:colId xmlns:a16="http://schemas.microsoft.com/office/drawing/2014/main" val="2513528327"/>
-                        </a:ext>
-                      </a:extLst>
-                    </a:gridCol>
-                    <a:gridCol w="2427694">
-                      <a:extLst>
-                        <a:ext uri="{9D8B030D-6E8A-4147-A177-3AD203B41FA5}">
-                          <a16:colId xmlns:a16="http://schemas.microsoft.com/office/drawing/2014/main" val="663757225"/>
-                        </a:ext>
-                      </a:extLst>
-                    </a:gridCol>
-                  </a:tblGrid>
-                  <a:tr h="477863">
-                    <a:tc>
-                      <a:txBody>
-                        <a:bodyPr/>
-                        <a:lstStyle/>
-                        <a:p>
-                          <a:pPr algn="ctr"/>
-                          <a14:m>
-                            <m:oMathPara xmlns:m="http://schemas.openxmlformats.org/officeDocument/2006/math">
-                              <m:oMathParaPr>
-                                <m:jc m:val="centerGroup"/>
-                              </m:oMathParaPr>
-                              <m:oMath xmlns:m="http://schemas.openxmlformats.org/officeDocument/2006/math">
-                                <m:r>
-                                  <a:rPr lang="en-US" sz="1800" b="0" i="1" smtClean="0">
-                                    <a:solidFill>
-                                      <a:srgbClr val="000000"/>
-                                    </a:solidFill>
-                                    <a:uFill>
-                                      <a:solidFill>
-                                        <a:srgbClr val="000000"/>
-                                      </a:solidFill>
-                                    </a:uFill>
-                                    <a:latin typeface="Cambria Math" panose="02040503050406030204" pitchFamily="18" charset="0"/>
-                                  </a:rPr>
-                                  <m:t>𝑆</m:t>
-                                </m:r>
-                              </m:oMath>
-                            </m:oMathPara>
-                          </a14:m>
-                          <a:endParaRPr lang="en-US" sz="1800" dirty="0"/>
-                        </a:p>
-                      </a:txBody>
-                      <a:tcPr anchor="ctr"/>
-                    </a:tc>
-                    <a:tc>
-                      <a:txBody>
-                        <a:bodyPr/>
-                        <a:lstStyle/>
-                        <a:p>
-                          <a:pPr algn="ctr"/>
-                          <a:r>
-                            <a:rPr lang="en-US" sz="1200" dirty="0"/>
-                            <a:t>Kalman Filter Innovation Covariance</a:t>
-                          </a:r>
-                        </a:p>
-                      </a:txBody>
-                      <a:tcPr anchor="ctr"/>
-                    </a:tc>
-                    <a:tc>
-                      <a:txBody>
-                        <a:bodyPr/>
-                        <a:lstStyle/>
-                        <a:p>
-                          <a:endParaRPr lang="en-US" dirty="0"/>
-                        </a:p>
-                      </a:txBody>
-                      <a:tcPr/>
-                    </a:tc>
-                    <a:extLst>
-                      <a:ext uri="{0D108BD9-81ED-4DB2-BD59-A6C34878D82A}">
-                        <a16:rowId xmlns:a16="http://schemas.microsoft.com/office/drawing/2014/main" val="1578139600"/>
-                      </a:ext>
-                    </a:extLst>
-                  </a:tr>
-                  <a:tr h="489757">
-                    <a:tc>
-                      <a:txBody>
-                        <a:bodyPr/>
-                        <a:lstStyle/>
-                        <a:p>
-                          <a:pPr algn="ctr"/>
-                          <a14:m>
-                            <m:oMathPara xmlns:m="http://schemas.openxmlformats.org/officeDocument/2006/math">
-                              <m:oMathParaPr>
-                                <m:jc m:val="centerGroup"/>
-                              </m:oMathParaPr>
-                              <m:oMath xmlns:m="http://schemas.openxmlformats.org/officeDocument/2006/math">
-                                <m:r>
-                                  <a:rPr lang="en-US" sz="1800" b="0" i="1" smtClean="0">
-                                    <a:solidFill>
-                                      <a:srgbClr val="000000"/>
-                                    </a:solidFill>
-                                    <a:uFill>
-                                      <a:solidFill>
-                                        <a:srgbClr val="000000"/>
-                                      </a:solidFill>
-                                    </a:uFill>
-                                    <a:latin typeface="Cambria Math" panose="02040503050406030204" pitchFamily="18" charset="0"/>
-                                  </a:rPr>
-                                  <m:t>𝑍</m:t>
-                                </m:r>
-                              </m:oMath>
-                            </m:oMathPara>
-                          </a14:m>
-                          <a:endParaRPr lang="en-US" sz="1800" dirty="0"/>
-                        </a:p>
-                      </a:txBody>
-                      <a:tcPr anchor="ctr"/>
-                    </a:tc>
-                    <a:tc>
-                      <a:txBody>
-                        <a:bodyPr/>
-                        <a:lstStyle/>
-                        <a:p>
-                          <a:pPr algn="ctr"/>
-                          <a:r>
-                            <a:rPr lang="en-US" sz="1200" dirty="0"/>
-                            <a:t>Kalman Filter Innovation</a:t>
-                          </a:r>
-                        </a:p>
-                      </a:txBody>
-                      <a:tcPr anchor="ctr"/>
-                    </a:tc>
-                    <a:tc>
-                      <a:txBody>
-                        <a:bodyPr/>
-                        <a:lstStyle/>
-                        <a:p>
-                          <a:endParaRPr lang="en-US" dirty="0"/>
-                        </a:p>
-                      </a:txBody>
-                      <a:tcPr/>
-                    </a:tc>
-                    <a:extLst>
-                      <a:ext uri="{0D108BD9-81ED-4DB2-BD59-A6C34878D82A}">
-                        <a16:rowId xmlns:a16="http://schemas.microsoft.com/office/drawing/2014/main" val="3863120354"/>
-                      </a:ext>
-                    </a:extLst>
-                  </a:tr>
-                  <a:tr h="489757">
+                  <a:tr h="0">
                     <a:tc>
                       <a:txBody>
                         <a:bodyPr/>
@@ -14689,14 +15247,771 @@
                         <a:bodyPr/>
                         <a:lstStyle/>
                         <a:p>
-                          <a:endParaRPr lang="en-US" dirty="0"/>
+                          <a:pPr algn="ctr"/>
+                          <a14:m>
+                            <m:oMathPara xmlns:m="http://schemas.openxmlformats.org/officeDocument/2006/math">
+                              <m:oMathParaPr>
+                                <m:jc m:val="centerGroup"/>
+                              </m:oMathParaPr>
+                              <m:oMath xmlns:m="http://schemas.openxmlformats.org/officeDocument/2006/math">
+                                <m:nary>
+                                  <m:naryPr>
+                                    <m:chr m:val="∑"/>
+                                    <m:ctrlPr>
+                                      <a:rPr lang="en-US" sz="1100" b="0" i="1" smtClean="0">
+                                        <a:latin typeface="Cambria Math" panose="02040503050406030204" pitchFamily="18" charset="0"/>
+                                      </a:rPr>
+                                    </m:ctrlPr>
+                                  </m:naryPr>
+                                  <m:sub>
+                                    <m:r>
+                                      <m:rPr>
+                                        <m:brk m:alnAt="23"/>
+                                      </m:rPr>
+                                      <a:rPr lang="en-US" sz="1100" b="0" i="1" smtClean="0">
+                                        <a:latin typeface="Cambria Math" panose="02040503050406030204" pitchFamily="18" charset="0"/>
+                                      </a:rPr>
+                                      <m:t>𝑖</m:t>
+                                    </m:r>
+                                    <m:r>
+                                      <a:rPr lang="en-US" sz="1100" b="0" i="1" smtClean="0">
+                                        <a:latin typeface="Cambria Math" panose="02040503050406030204" pitchFamily="18" charset="0"/>
+                                      </a:rPr>
+                                      <m:t>=1</m:t>
+                                    </m:r>
+                                  </m:sub>
+                                  <m:sup>
+                                    <m:r>
+                                      <a:rPr lang="en-US" sz="1100" b="0" i="1" smtClean="0">
+                                        <a:latin typeface="Cambria Math" panose="02040503050406030204" pitchFamily="18" charset="0"/>
+                                      </a:rPr>
+                                      <m:t>𝑁</m:t>
+                                    </m:r>
+                                  </m:sup>
+                                  <m:e>
+                                    <m:sSup>
+                                      <m:sSupPr>
+                                        <m:ctrlPr>
+                                          <a:rPr lang="en-US" sz="1100" b="0" i="1" smtClean="0">
+                                            <a:latin typeface="Cambria Math" panose="02040503050406030204" pitchFamily="18" charset="0"/>
+                                          </a:rPr>
+                                        </m:ctrlPr>
+                                      </m:sSupPr>
+                                      <m:e>
+                                        <m:sSub>
+                                          <m:sSubPr>
+                                            <m:ctrlPr>
+                                              <a:rPr lang="en-US" sz="1100" b="0" i="1" smtClean="0">
+                                                <a:latin typeface="Cambria Math" panose="02040503050406030204" pitchFamily="18" charset="0"/>
+                                                <a:ea typeface="Cambria Math" panose="02040503050406030204" pitchFamily="18" charset="0"/>
+                                              </a:rPr>
+                                            </m:ctrlPr>
+                                          </m:sSubPr>
+                                          <m:e>
+                                            <m:r>
+                                              <m:rPr>
+                                                <m:sty m:val="p"/>
+                                              </m:rPr>
+                                              <a:rPr lang="el-GR" sz="1100" b="0" i="1" smtClean="0">
+                                                <a:latin typeface="Cambria Math" panose="02040503050406030204" pitchFamily="18" charset="0"/>
+                                                <a:ea typeface="Cambria Math" panose="02040503050406030204" pitchFamily="18" charset="0"/>
+                                              </a:rPr>
+                                              <m:t>Π</m:t>
+                                            </m:r>
+                                          </m:e>
+                                          <m:sub>
+                                            <m:r>
+                                              <a:rPr lang="en-US" sz="1100" b="0" i="1" smtClean="0">
+                                                <a:latin typeface="Cambria Math" panose="02040503050406030204" pitchFamily="18" charset="0"/>
+                                                <a:ea typeface="Cambria Math" panose="02040503050406030204" pitchFamily="18" charset="0"/>
+                                              </a:rPr>
+                                              <m:t>(</m:t>
+                                            </m:r>
+                                            <m:r>
+                                              <a:rPr lang="en-US" sz="1100" b="0" i="1" smtClean="0">
+                                                <a:latin typeface="Cambria Math" panose="02040503050406030204" pitchFamily="18" charset="0"/>
+                                                <a:ea typeface="Cambria Math" panose="02040503050406030204" pitchFamily="18" charset="0"/>
+                                              </a:rPr>
+                                              <m:t>𝑖</m:t>
+                                            </m:r>
+                                            <m:r>
+                                              <a:rPr lang="en-US" sz="1100" b="0" i="1" smtClean="0">
+                                                <a:latin typeface="Cambria Math" panose="02040503050406030204" pitchFamily="18" charset="0"/>
+                                                <a:ea typeface="Cambria Math" panose="02040503050406030204" pitchFamily="18" charset="0"/>
+                                              </a:rPr>
+                                              <m:t>,</m:t>
+                                            </m:r>
+                                            <m:r>
+                                              <a:rPr lang="en-US" sz="1100" b="0" i="1" smtClean="0">
+                                                <a:latin typeface="Cambria Math" panose="02040503050406030204" pitchFamily="18" charset="0"/>
+                                                <a:ea typeface="Cambria Math" panose="02040503050406030204" pitchFamily="18" charset="0"/>
+                                              </a:rPr>
+                                              <m:t>𝑗</m:t>
+                                            </m:r>
+                                            <m:r>
+                                              <a:rPr lang="en-US" sz="1100" b="0" i="1" smtClean="0">
+                                                <a:latin typeface="Cambria Math" panose="02040503050406030204" pitchFamily="18" charset="0"/>
+                                                <a:ea typeface="Cambria Math" panose="02040503050406030204" pitchFamily="18" charset="0"/>
+                                              </a:rPr>
+                                              <m:t>)</m:t>
+                                            </m:r>
+                                          </m:sub>
+                                        </m:sSub>
+                                        <m:acc>
+                                          <m:accPr>
+                                            <m:chr m:val="̂"/>
+                                            <m:ctrlPr>
+                                              <a:rPr lang="en-US" sz="1100" b="0" i="1" smtClean="0">
+                                                <a:latin typeface="Cambria Math" panose="02040503050406030204" pitchFamily="18" charset="0"/>
+                                              </a:rPr>
+                                            </m:ctrlPr>
+                                          </m:accPr>
+                                          <m:e>
+                                            <m:r>
+                                              <m:rPr>
+                                                <m:brk m:alnAt="23"/>
+                                              </m:rPr>
+                                              <a:rPr lang="en-US" sz="1100" b="0" i="1" smtClean="0">
+                                                <a:latin typeface="Cambria Math" panose="02040503050406030204" pitchFamily="18" charset="0"/>
+                                              </a:rPr>
+                                              <m:t>𝜇</m:t>
+                                            </m:r>
+                                          </m:e>
+                                        </m:acc>
+                                      </m:e>
+                                      <m:sup>
+                                        <m:r>
+                                          <m:rPr>
+                                            <m:brk m:alnAt="23"/>
+                                          </m:rPr>
+                                          <a:rPr lang="en-US" sz="1100" b="0" i="1" smtClean="0">
+                                            <a:latin typeface="Cambria Math" panose="02040503050406030204" pitchFamily="18" charset="0"/>
+                                          </a:rPr>
+                                          <m:t>𝑖</m:t>
+                                        </m:r>
+                                      </m:sup>
+                                    </m:sSup>
+                                  </m:e>
+                                </m:nary>
+                              </m:oMath>
+                            </m:oMathPara>
+                          </a14:m>
+                          <a:endParaRPr lang="en-US" sz="1100" dirty="0"/>
                         </a:p>
                       </a:txBody>
-                      <a:tcPr/>
+                      <a:tcPr anchor="ctr"/>
                     </a:tc>
                     <a:extLst>
                       <a:ext uri="{0D108BD9-81ED-4DB2-BD59-A6C34878D82A}">
-                        <a16:rowId xmlns:a16="http://schemas.microsoft.com/office/drawing/2014/main" val="1425029047"/>
+                        <a16:rowId xmlns:a16="http://schemas.microsoft.com/office/drawing/2014/main" val="3555491910"/>
+                      </a:ext>
+                    </a:extLst>
+                  </a:tr>
+                </a:tbl>
+              </a:graphicData>
+            </a:graphic>
+          </p:graphicFrame>
+        </mc:Choice>
+        <mc:Fallback>
+          <p:graphicFrame>
+            <p:nvGraphicFramePr>
+              <p:cNvPr id="8" name="Table 7">
+                <a:extLst>
+                  <a:ext uri="{FF2B5EF4-FFF2-40B4-BE49-F238E27FC236}">
+                    <a16:creationId xmlns:a16="http://schemas.microsoft.com/office/drawing/2014/main" id="{46E5F15A-FBC1-B44F-A007-D51B3FA94F66}"/>
+                  </a:ext>
+                </a:extLst>
+              </p:cNvPr>
+              <p:cNvGraphicFramePr>
+                <a:graphicFrameLocks noGrp="1"/>
+              </p:cNvGraphicFramePr>
+              <p:nvPr>
+                <p:extLst>
+                  <p:ext uri="{D42A27DB-BD31-4B8C-83A1-F6EECF244321}">
+                    <p14:modId xmlns:p14="http://schemas.microsoft.com/office/powerpoint/2010/main" val="2352295559"/>
+                  </p:ext>
+                </p:extLst>
+              </p:nvPr>
+            </p:nvGraphicFramePr>
+            <p:xfrm>
+              <a:off x="186995" y="1634885"/>
+              <a:ext cx="4917520" cy="3624138"/>
+            </p:xfrm>
+            <a:graphic>
+              <a:graphicData uri="http://schemas.openxmlformats.org/drawingml/2006/table">
+                <a:tbl>
+                  <a:tblPr firstRow="1" bandRow="1">
+                    <a:tableStyleId>{5940675A-B579-460E-94D1-54222C63F5DA}</a:tableStyleId>
+                  </a:tblPr>
+                  <a:tblGrid>
+                    <a:gridCol w="741157">
+                      <a:extLst>
+                        <a:ext uri="{9D8B030D-6E8A-4147-A177-3AD203B41FA5}">
+                          <a16:colId xmlns:a16="http://schemas.microsoft.com/office/drawing/2014/main" val="4055376295"/>
+                        </a:ext>
+                      </a:extLst>
+                    </a:gridCol>
+                    <a:gridCol w="1585495">
+                      <a:extLst>
+                        <a:ext uri="{9D8B030D-6E8A-4147-A177-3AD203B41FA5}">
+                          <a16:colId xmlns:a16="http://schemas.microsoft.com/office/drawing/2014/main" val="3821534654"/>
+                        </a:ext>
+                      </a:extLst>
+                    </a:gridCol>
+                    <a:gridCol w="2590868">
+                      <a:extLst>
+                        <a:ext uri="{9D8B030D-6E8A-4147-A177-3AD203B41FA5}">
+                          <a16:colId xmlns:a16="http://schemas.microsoft.com/office/drawing/2014/main" val="4150081482"/>
+                        </a:ext>
+                      </a:extLst>
+                    </a:gridCol>
+                  </a:tblGrid>
+                  <a:tr h="562801">
+                    <a:tc>
+                      <a:txBody>
+                        <a:bodyPr/>
+                        <a:lstStyle/>
+                        <a:p>
+                          <a:endParaRPr lang="en-US"/>
+                        </a:p>
+                      </a:txBody>
+                      <a:tcPr anchor="ctr">
+                        <a:blipFill>
+                          <a:blip r:embed="rId12"/>
+                          <a:stretch>
+                            <a:fillRect l="-820" t="-91304" r="-563934" b="-690217"/>
+                          </a:stretch>
+                        </a:blipFill>
+                      </a:tcPr>
+                    </a:tc>
+                    <a:tc>
+                      <a:txBody>
+                        <a:bodyPr/>
+                        <a:lstStyle/>
+                        <a:p>
+                          <a:pPr algn="ctr"/>
+                          <a:r>
+                            <a:rPr lang="en-US" sz="1200" dirty="0"/>
+                            <a:t>Mixed Model State Estimate</a:t>
+                          </a:r>
+                        </a:p>
+                      </a:txBody>
+                      <a:tcPr anchor="ctr"/>
+                    </a:tc>
+                    <a:tc>
+                      <a:txBody>
+                        <a:bodyPr/>
+                        <a:lstStyle/>
+                        <a:p>
+                          <a:endParaRPr lang="en-US"/>
+                        </a:p>
+                      </a:txBody>
+                      <a:tcPr anchor="ctr">
+                        <a:blipFill>
+                          <a:blip r:embed="rId12"/>
+                          <a:stretch>
+                            <a:fillRect l="-89906" t="-91304" r="-469" b="-690217"/>
+                          </a:stretch>
+                        </a:blipFill>
+                      </a:tcPr>
+                    </a:tc>
+                    <a:extLst>
+                      <a:ext uri="{0D108BD9-81ED-4DB2-BD59-A6C34878D82A}">
+                        <a16:rowId xmlns:a16="http://schemas.microsoft.com/office/drawing/2014/main" val="3309129269"/>
+                      </a:ext>
+                    </a:extLst>
+                  </a:tr>
+                  <a:tr h="562801">
+                    <a:tc>
+                      <a:txBody>
+                        <a:bodyPr/>
+                        <a:lstStyle/>
+                        <a:p>
+                          <a:endParaRPr lang="en-US"/>
+                        </a:p>
+                      </a:txBody>
+                      <a:tcPr anchor="ctr">
+                        <a:blipFill>
+                          <a:blip r:embed="rId12"/>
+                          <a:stretch>
+                            <a:fillRect l="-820" t="-189247" r="-563934" b="-582796"/>
+                          </a:stretch>
+                        </a:blipFill>
+                      </a:tcPr>
+                    </a:tc>
+                    <a:tc>
+                      <a:txBody>
+                        <a:bodyPr/>
+                        <a:lstStyle/>
+                        <a:p>
+                          <a:pPr algn="ctr"/>
+                          <a:r>
+                            <a:rPr lang="en-US" sz="1200" dirty="0"/>
+                            <a:t>Mixed Model Covariance Estimate</a:t>
+                          </a:r>
+                        </a:p>
+                      </a:txBody>
+                      <a:tcPr anchor="ctr"/>
+                    </a:tc>
+                    <a:tc>
+                      <a:txBody>
+                        <a:bodyPr/>
+                        <a:lstStyle/>
+                        <a:p>
+                          <a:endParaRPr lang="en-US"/>
+                        </a:p>
+                      </a:txBody>
+                      <a:tcPr anchor="ctr">
+                        <a:blipFill>
+                          <a:blip r:embed="rId12"/>
+                          <a:stretch>
+                            <a:fillRect l="-89906" t="-189247" r="-469" b="-582796"/>
+                          </a:stretch>
+                        </a:blipFill>
+                      </a:tcPr>
+                    </a:tc>
+                    <a:extLst>
+                      <a:ext uri="{0D108BD9-81ED-4DB2-BD59-A6C34878D82A}">
+                        <a16:rowId xmlns:a16="http://schemas.microsoft.com/office/drawing/2014/main" val="394202148"/>
+                      </a:ext>
+                    </a:extLst>
+                  </a:tr>
+                  <a:tr h="437706">
+                    <a:tc>
+                      <a:txBody>
+                        <a:bodyPr/>
+                        <a:lstStyle/>
+                        <a:p>
+                          <a:endParaRPr lang="en-US"/>
+                        </a:p>
+                      </a:txBody>
+                      <a:tcPr anchor="ctr">
+                        <a:blipFill>
+                          <a:blip r:embed="rId12"/>
+                          <a:stretch>
+                            <a:fillRect l="-820" t="-373611" r="-563934" b="-652778"/>
+                          </a:stretch>
+                        </a:blipFill>
+                      </a:tcPr>
+                    </a:tc>
+                    <a:tc>
+                      <a:txBody>
+                        <a:bodyPr/>
+                        <a:lstStyle/>
+                        <a:p>
+                          <a:pPr algn="ctr"/>
+                          <a:r>
+                            <a:rPr lang="en-US" sz="1200" dirty="0"/>
+                            <a:t>Likelihood</a:t>
+                          </a:r>
+                        </a:p>
+                      </a:txBody>
+                      <a:tcPr anchor="ctr"/>
+                    </a:tc>
+                    <a:tc>
+                      <a:txBody>
+                        <a:bodyPr/>
+                        <a:lstStyle/>
+                        <a:p>
+                          <a:endParaRPr lang="en-US"/>
+                        </a:p>
+                      </a:txBody>
+                      <a:tcPr anchor="ctr">
+                        <a:blipFill>
+                          <a:blip r:embed="rId12"/>
+                          <a:stretch>
+                            <a:fillRect l="-89906" t="-373611" r="-469" b="-652778"/>
+                          </a:stretch>
+                        </a:blipFill>
+                      </a:tcPr>
+                    </a:tc>
+                    <a:extLst>
+                      <a:ext uri="{0D108BD9-81ED-4DB2-BD59-A6C34878D82A}">
+                        <a16:rowId xmlns:a16="http://schemas.microsoft.com/office/drawing/2014/main" val="3638683729"/>
+                      </a:ext>
+                    </a:extLst>
+                  </a:tr>
+                  <a:tr h="478028">
+                    <a:tc>
+                      <a:txBody>
+                        <a:bodyPr/>
+                        <a:lstStyle/>
+                        <a:p>
+                          <a:endParaRPr lang="en-US"/>
+                        </a:p>
+                      </a:txBody>
+                      <a:tcPr anchor="ctr">
+                        <a:blipFill>
+                          <a:blip r:embed="rId12"/>
+                          <a:stretch>
+                            <a:fillRect l="-820" t="-437179" r="-563934" b="-502564"/>
+                          </a:stretch>
+                        </a:blipFill>
+                      </a:tcPr>
+                    </a:tc>
+                    <a:tc>
+                      <a:txBody>
+                        <a:bodyPr/>
+                        <a:lstStyle/>
+                        <a:p>
+                          <a:pPr algn="ctr"/>
+                          <a:r>
+                            <a:rPr lang="en-US" sz="1200" dirty="0"/>
+                            <a:t>Model Probability</a:t>
+                          </a:r>
+                        </a:p>
+                      </a:txBody>
+                      <a:tcPr anchor="ctr"/>
+                    </a:tc>
+                    <a:tc>
+                      <a:txBody>
+                        <a:bodyPr/>
+                        <a:lstStyle/>
+                        <a:p>
+                          <a:endParaRPr lang="en-US"/>
+                        </a:p>
+                      </a:txBody>
+                      <a:tcPr anchor="ctr">
+                        <a:blipFill>
+                          <a:blip r:embed="rId12"/>
+                          <a:stretch>
+                            <a:fillRect l="-89906" t="-437179" r="-469" b="-502564"/>
+                          </a:stretch>
+                        </a:blipFill>
+                      </a:tcPr>
+                    </a:tc>
+                    <a:extLst>
+                      <a:ext uri="{0D108BD9-81ED-4DB2-BD59-A6C34878D82A}">
+                        <a16:rowId xmlns:a16="http://schemas.microsoft.com/office/drawing/2014/main" val="2274899051"/>
+                      </a:ext>
+                    </a:extLst>
+                  </a:tr>
+                  <a:tr h="457200">
+                    <a:tc>
+                      <a:txBody>
+                        <a:bodyPr/>
+                        <a:lstStyle/>
+                        <a:p>
+                          <a:endParaRPr lang="en-US"/>
+                        </a:p>
+                      </a:txBody>
+                      <a:tcPr anchor="ctr">
+                        <a:blipFill>
+                          <a:blip r:embed="rId12"/>
+                          <a:stretch>
+                            <a:fillRect l="-820" t="-558667" r="-563934" b="-422667"/>
+                          </a:stretch>
+                        </a:blipFill>
+                      </a:tcPr>
+                    </a:tc>
+                    <a:tc>
+                      <a:txBody>
+                        <a:bodyPr/>
+                        <a:lstStyle/>
+                        <a:p>
+                          <a:pPr algn="ctr"/>
+                          <a:r>
+                            <a:rPr lang="en-US" sz="1200" dirty="0"/>
+                            <a:t>Conditional Model Probability</a:t>
+                          </a:r>
+                        </a:p>
+                      </a:txBody>
+                      <a:tcPr anchor="ctr"/>
+                    </a:tc>
+                    <a:tc>
+                      <a:txBody>
+                        <a:bodyPr/>
+                        <a:lstStyle/>
+                        <a:p>
+                          <a:endParaRPr lang="en-US"/>
+                        </a:p>
+                      </a:txBody>
+                      <a:tcPr anchor="ctr">
+                        <a:blipFill>
+                          <a:blip r:embed="rId12"/>
+                          <a:stretch>
+                            <a:fillRect l="-89906" t="-558667" r="-469" b="-422667"/>
+                          </a:stretch>
+                        </a:blipFill>
+                      </a:tcPr>
+                    </a:tc>
+                    <a:extLst>
+                      <a:ext uri="{0D108BD9-81ED-4DB2-BD59-A6C34878D82A}">
+                        <a16:rowId xmlns:a16="http://schemas.microsoft.com/office/drawing/2014/main" val="4025455881"/>
+                      </a:ext>
+                    </a:extLst>
+                  </a:tr>
+                  <a:tr h="562801">
+                    <a:tc>
+                      <a:txBody>
+                        <a:bodyPr/>
+                        <a:lstStyle/>
+                        <a:p>
+                          <a:endParaRPr lang="en-US"/>
+                        </a:p>
+                      </a:txBody>
+                      <a:tcPr anchor="ctr">
+                        <a:blipFill>
+                          <a:blip r:embed="rId12"/>
+                          <a:stretch>
+                            <a:fillRect l="-820" t="-531183" r="-563934" b="-240860"/>
+                          </a:stretch>
+                        </a:blipFill>
+                      </a:tcPr>
+                    </a:tc>
+                    <a:tc>
+                      <a:txBody>
+                        <a:bodyPr/>
+                        <a:lstStyle/>
+                        <a:p>
+                          <a:pPr algn="ctr"/>
+                          <a:r>
+                            <a:rPr lang="en-US" sz="1200" dirty="0"/>
+                            <a:t>State Estimate of IMM</a:t>
+                          </a:r>
+                        </a:p>
+                      </a:txBody>
+                      <a:tcPr anchor="ctr"/>
+                    </a:tc>
+                    <a:tc>
+                      <a:txBody>
+                        <a:bodyPr/>
+                        <a:lstStyle/>
+                        <a:p>
+                          <a:endParaRPr lang="en-US"/>
+                        </a:p>
+                      </a:txBody>
+                      <a:tcPr anchor="ctr">
+                        <a:blipFill>
+                          <a:blip r:embed="rId12"/>
+                          <a:stretch>
+                            <a:fillRect l="-89906" t="-531183" r="-469" b="-240860"/>
+                          </a:stretch>
+                        </a:blipFill>
+                      </a:tcPr>
+                    </a:tc>
+                    <a:extLst>
+                      <a:ext uri="{0D108BD9-81ED-4DB2-BD59-A6C34878D82A}">
+                        <a16:rowId xmlns:a16="http://schemas.microsoft.com/office/drawing/2014/main" val="1469101093"/>
+                      </a:ext>
+                    </a:extLst>
+                  </a:tr>
+                  <a:tr h="562801">
+                    <a:tc>
+                      <a:txBody>
+                        <a:bodyPr/>
+                        <a:lstStyle/>
+                        <a:p>
+                          <a:endParaRPr lang="en-US"/>
+                        </a:p>
+                      </a:txBody>
+                      <a:tcPr anchor="ctr">
+                        <a:blipFill>
+                          <a:blip r:embed="rId12"/>
+                          <a:stretch>
+                            <a:fillRect l="-820" t="-638043" r="-563934" b="-143478"/>
+                          </a:stretch>
+                        </a:blipFill>
+                      </a:tcPr>
+                    </a:tc>
+                    <a:tc>
+                      <a:txBody>
+                        <a:bodyPr/>
+                        <a:lstStyle/>
+                        <a:p>
+                          <a:pPr algn="ctr"/>
+                          <a:r>
+                            <a:rPr lang="en-US" sz="1200" dirty="0"/>
+                            <a:t>Model Probability Estimate Priori</a:t>
+                          </a:r>
+                        </a:p>
+                      </a:txBody>
+                      <a:tcPr anchor="ctr"/>
+                    </a:tc>
+                    <a:tc>
+                      <a:txBody>
+                        <a:bodyPr/>
+                        <a:lstStyle/>
+                        <a:p>
+                          <a:endParaRPr lang="en-US"/>
+                        </a:p>
+                      </a:txBody>
+                      <a:tcPr anchor="ctr">
+                        <a:blipFill>
+                          <a:blip r:embed="rId12"/>
+                          <a:stretch>
+                            <a:fillRect l="-89906" t="-638043" r="-469" b="-143478"/>
+                          </a:stretch>
+                        </a:blipFill>
+                      </a:tcPr>
+                    </a:tc>
+                    <a:extLst>
+                      <a:ext uri="{0D108BD9-81ED-4DB2-BD59-A6C34878D82A}">
+                        <a16:rowId xmlns:a16="http://schemas.microsoft.com/office/drawing/2014/main" val="3555491910"/>
+                      </a:ext>
+                    </a:extLst>
+                  </a:tr>
+                </a:tbl>
+              </a:graphicData>
+            </a:graphic>
+          </p:graphicFrame>
+        </mc:Fallback>
+      </mc:AlternateContent>
+      <mc:AlternateContent xmlns:mc="http://schemas.openxmlformats.org/markup-compatibility/2006">
+        <mc:Choice xmlns:a14="http://schemas.microsoft.com/office/drawing/2010/main" Requires="a14">
+          <p:graphicFrame>
+            <p:nvGraphicFramePr>
+              <p:cNvPr id="26" name="Table 25">
+                <a:extLst>
+                  <a:ext uri="{FF2B5EF4-FFF2-40B4-BE49-F238E27FC236}">
+                    <a16:creationId xmlns:a16="http://schemas.microsoft.com/office/drawing/2014/main" id="{29453EC7-679C-C2B2-4001-B86F7C9E6645}"/>
+                  </a:ext>
+                </a:extLst>
+              </p:cNvPr>
+              <p:cNvGraphicFramePr>
+                <a:graphicFrameLocks noGrp="1"/>
+              </p:cNvGraphicFramePr>
+              <p:nvPr>
+                <p:extLst>
+                  <p:ext uri="{D42A27DB-BD31-4B8C-83A1-F6EECF244321}">
+                    <p14:modId xmlns:p14="http://schemas.microsoft.com/office/powerpoint/2010/main" val="1461318150"/>
+                  </p:ext>
+                </p:extLst>
+              </p:nvPr>
+            </p:nvGraphicFramePr>
+            <p:xfrm>
+              <a:off x="1407452" y="5647484"/>
+              <a:ext cx="2476606" cy="914400"/>
+            </p:xfrm>
+            <a:graphic>
+              <a:graphicData uri="http://schemas.openxmlformats.org/drawingml/2006/table">
+                <a:tbl>
+                  <a:tblPr firstRow="1" bandRow="1">
+                    <a:tableStyleId>{5940675A-B579-460E-94D1-54222C63F5DA}</a:tableStyleId>
+                  </a:tblPr>
+                  <a:tblGrid>
+                    <a:gridCol w="727937">
+                      <a:extLst>
+                        <a:ext uri="{9D8B030D-6E8A-4147-A177-3AD203B41FA5}">
+                          <a16:colId xmlns:a16="http://schemas.microsoft.com/office/drawing/2014/main" val="644144618"/>
+                        </a:ext>
+                      </a:extLst>
+                    </a:gridCol>
+                    <a:gridCol w="1748669">
+                      <a:extLst>
+                        <a:ext uri="{9D8B030D-6E8A-4147-A177-3AD203B41FA5}">
+                          <a16:colId xmlns:a16="http://schemas.microsoft.com/office/drawing/2014/main" val="2513528327"/>
+                        </a:ext>
+                      </a:extLst>
+                    </a:gridCol>
+                  </a:tblGrid>
+                  <a:tr h="457200">
+                    <a:tc>
+                      <a:txBody>
+                        <a:bodyPr/>
+                        <a:lstStyle/>
+                        <a:p>
+                          <a:pPr algn="ctr"/>
+                          <a14:m>
+                            <m:oMathPara xmlns:m="http://schemas.openxmlformats.org/officeDocument/2006/math">
+                              <m:oMathParaPr>
+                                <m:jc m:val="centerGroup"/>
+                              </m:oMathParaPr>
+                              <m:oMath xmlns:m="http://schemas.openxmlformats.org/officeDocument/2006/math">
+                                <m:r>
+                                  <a:rPr lang="en-US" sz="1800" b="0" i="1" smtClean="0">
+                                    <a:solidFill>
+                                      <a:srgbClr val="000000"/>
+                                    </a:solidFill>
+                                    <a:uFill>
+                                      <a:solidFill>
+                                        <a:srgbClr val="000000"/>
+                                      </a:solidFill>
+                                    </a:uFill>
+                                    <a:latin typeface="Cambria Math" panose="02040503050406030204" pitchFamily="18" charset="0"/>
+                                  </a:rPr>
+                                  <m:t>𝑆</m:t>
+                                </m:r>
+                              </m:oMath>
+                            </m:oMathPara>
+                          </a14:m>
+                          <a:endParaRPr lang="en-US" sz="1800" dirty="0"/>
+                        </a:p>
+                      </a:txBody>
+                      <a:tcPr anchor="ctr"/>
+                    </a:tc>
+                    <a:tc>
+                      <a:txBody>
+                        <a:bodyPr/>
+                        <a:lstStyle/>
+                        <a:p>
+                          <a:pPr algn="ctr"/>
+                          <a:r>
+                            <a:rPr lang="en-US" sz="1200" dirty="0"/>
+                            <a:t>Kalman Filter Innovation Covariance</a:t>
+                          </a:r>
+                        </a:p>
+                      </a:txBody>
+                      <a:tcPr anchor="ctr"/>
+                    </a:tc>
+                    <a:extLst>
+                      <a:ext uri="{0D108BD9-81ED-4DB2-BD59-A6C34878D82A}">
+                        <a16:rowId xmlns:a16="http://schemas.microsoft.com/office/drawing/2014/main" val="1578139600"/>
+                      </a:ext>
+                    </a:extLst>
+                  </a:tr>
+                  <a:tr h="457200">
+                    <a:tc>
+                      <a:txBody>
+                        <a:bodyPr/>
+                        <a:lstStyle/>
+                        <a:p>
+                          <a:pPr algn="ctr"/>
+                          <a14:m>
+                            <m:oMathPara xmlns:m="http://schemas.openxmlformats.org/officeDocument/2006/math">
+                              <m:oMathParaPr>
+                                <m:jc m:val="centerGroup"/>
+                              </m:oMathParaPr>
+                              <m:oMath xmlns:m="http://schemas.openxmlformats.org/officeDocument/2006/math">
+                                <m:r>
+                                  <a:rPr lang="en-US" sz="1800" b="0" i="1" smtClean="0">
+                                    <a:solidFill>
+                                      <a:srgbClr val="000000"/>
+                                    </a:solidFill>
+                                    <a:uFill>
+                                      <a:solidFill>
+                                        <a:srgbClr val="000000"/>
+                                      </a:solidFill>
+                                    </a:uFill>
+                                    <a:latin typeface="Cambria Math" panose="02040503050406030204" pitchFamily="18" charset="0"/>
+                                  </a:rPr>
+                                  <m:t>𝑍</m:t>
+                                </m:r>
+                              </m:oMath>
+                            </m:oMathPara>
+                          </a14:m>
+                          <a:endParaRPr lang="en-US" sz="1800" dirty="0"/>
+                        </a:p>
+                      </a:txBody>
+                      <a:tcPr anchor="ctr"/>
+                    </a:tc>
+                    <a:tc>
+                      <a:txBody>
+                        <a:bodyPr/>
+                        <a:lstStyle/>
+                        <a:p>
+                          <a:pPr algn="ctr"/>
+                          <a:r>
+                            <a:rPr lang="en-US" sz="1200" dirty="0"/>
+                            <a:t>Kalman Filter Innovation</a:t>
+                          </a:r>
+                        </a:p>
+                      </a:txBody>
+                      <a:tcPr anchor="ctr"/>
+                    </a:tc>
+                    <a:extLst>
+                      <a:ext uri="{0D108BD9-81ED-4DB2-BD59-A6C34878D82A}">
+                        <a16:rowId xmlns:a16="http://schemas.microsoft.com/office/drawing/2014/main" val="3863120354"/>
                       </a:ext>
                     </a:extLst>
                   </a:tr>
@@ -14721,14 +16036,14 @@
               <p:nvPr>
                 <p:extLst>
                   <p:ext uri="{D42A27DB-BD31-4B8C-83A1-F6EECF244321}">
-                    <p14:modId xmlns:p14="http://schemas.microsoft.com/office/powerpoint/2010/main" val="3129117736"/>
+                    <p14:modId xmlns:p14="http://schemas.microsoft.com/office/powerpoint/2010/main" val="1461318150"/>
                   </p:ext>
                 </p:extLst>
               </p:nvPr>
             </p:nvGraphicFramePr>
             <p:xfrm>
-              <a:off x="125783" y="4933507"/>
-              <a:ext cx="4917520" cy="1457377"/>
+              <a:off x="1407452" y="5647484"/>
+              <a:ext cx="2476606" cy="914400"/>
             </p:xfrm>
             <a:graphic>
               <a:graphicData uri="http://schemas.openxmlformats.org/drawingml/2006/table">
@@ -14737,7 +16052,7 @@
                     <a:tableStyleId>{5940675A-B579-460E-94D1-54222C63F5DA}</a:tableStyleId>
                   </a:tblPr>
                   <a:tblGrid>
-                    <a:gridCol w="741157">
+                    <a:gridCol w="727937">
                       <a:extLst>
                         <a:ext uri="{9D8B030D-6E8A-4147-A177-3AD203B41FA5}">
                           <a16:colId xmlns:a16="http://schemas.microsoft.com/office/drawing/2014/main" val="644144618"/>
@@ -14751,15 +16066,8 @@
                         </a:ext>
                       </a:extLst>
                     </a:gridCol>
-                    <a:gridCol w="2427694">
-                      <a:extLst>
-                        <a:ext uri="{9D8B030D-6E8A-4147-A177-3AD203B41FA5}">
-                          <a16:colId xmlns:a16="http://schemas.microsoft.com/office/drawing/2014/main" val="663757225"/>
-                        </a:ext>
-                      </a:extLst>
-                    </a:gridCol>
                   </a:tblGrid>
-                  <a:tr h="477863">
+                  <a:tr h="457200">
                     <a:tc>
                       <a:txBody>
                         <a:bodyPr/>
@@ -14770,9 +16078,9 @@
                       </a:txBody>
                       <a:tcPr anchor="ctr">
                         <a:blipFill>
-                          <a:blip r:embed="rId12"/>
+                          <a:blip r:embed="rId13"/>
                           <a:stretch>
-                            <a:fillRect l="-820" t="-1266" r="-563934" b="-208861"/>
+                            <a:fillRect l="-833" t="-1316" r="-241667" b="-106579"/>
                           </a:stretch>
                         </a:blipFill>
                       </a:tcPr>
@@ -14791,23 +16099,13 @@
                       </a:txBody>
                       <a:tcPr anchor="ctr"/>
                     </a:tc>
-                    <a:tc>
-                      <a:txBody>
-                        <a:bodyPr/>
-                        <a:lstStyle/>
-                        <a:p>
-                          <a:endParaRPr lang="en-US" dirty="0"/>
-                        </a:p>
-                      </a:txBody>
-                      <a:tcPr/>
-                    </a:tc>
                     <a:extLst>
                       <a:ext uri="{0D108BD9-81ED-4DB2-BD59-A6C34878D82A}">
                         <a16:rowId xmlns:a16="http://schemas.microsoft.com/office/drawing/2014/main" val="1578139600"/>
                       </a:ext>
                     </a:extLst>
                   </a:tr>
-                  <a:tr h="489757">
+                  <a:tr h="457200">
                     <a:tc>
                       <a:txBody>
                         <a:bodyPr/>
@@ -14818,9 +16116,9 @@
                       </a:txBody>
                       <a:tcPr anchor="ctr">
                         <a:blipFill>
-                          <a:blip r:embed="rId12"/>
+                          <a:blip r:embed="rId13"/>
                           <a:stretch>
-                            <a:fillRect l="-820" t="-100000" r="-563934" b="-106250"/>
+                            <a:fillRect l="-833" t="-102667" r="-241667" b="-8000"/>
                           </a:stretch>
                         </a:blipFill>
                       </a:tcPr>
@@ -14839,67 +16137,9 @@
                       </a:txBody>
                       <a:tcPr anchor="ctr"/>
                     </a:tc>
-                    <a:tc>
-                      <a:txBody>
-                        <a:bodyPr/>
-                        <a:lstStyle/>
-                        <a:p>
-                          <a:endParaRPr lang="en-US" dirty="0"/>
-                        </a:p>
-                      </a:txBody>
-                      <a:tcPr/>
-                    </a:tc>
                     <a:extLst>
                       <a:ext uri="{0D108BD9-81ED-4DB2-BD59-A6C34878D82A}">
                         <a16:rowId xmlns:a16="http://schemas.microsoft.com/office/drawing/2014/main" val="3863120354"/>
-                      </a:ext>
-                    </a:extLst>
-                  </a:tr>
-                  <a:tr h="489757">
-                    <a:tc>
-                      <a:txBody>
-                        <a:bodyPr/>
-                        <a:lstStyle/>
-                        <a:p>
-                          <a:endParaRPr lang="en-US"/>
-                        </a:p>
-                      </a:txBody>
-                      <a:tcPr anchor="ctr">
-                        <a:blipFill>
-                          <a:blip r:embed="rId12"/>
-                          <a:stretch>
-                            <a:fillRect l="-820" t="-197531" r="-563934" b="-4938"/>
-                          </a:stretch>
-                        </a:blipFill>
-                      </a:tcPr>
-                    </a:tc>
-                    <a:tc>
-                      <a:txBody>
-                        <a:bodyPr/>
-                        <a:lstStyle/>
-                        <a:p>
-                          <a:pPr algn="ctr"/>
-                          <a:r>
-                            <a:rPr lang="en-US" sz="1200" dirty="0"/>
-                            <a:t>Model Probability Estimate Priori</a:t>
-                          </a:r>
-                        </a:p>
-                      </a:txBody>
-                      <a:tcPr anchor="ctr"/>
-                    </a:tc>
-                    <a:tc>
-                      <a:txBody>
-                        <a:bodyPr/>
-                        <a:lstStyle/>
-                        <a:p>
-                          <a:endParaRPr lang="en-US" dirty="0"/>
-                        </a:p>
-                      </a:txBody>
-                      <a:tcPr/>
-                    </a:tc>
-                    <a:extLst>
-                      <a:ext uri="{0D108BD9-81ED-4DB2-BD59-A6C34878D82A}">
-                        <a16:rowId xmlns:a16="http://schemas.microsoft.com/office/drawing/2014/main" val="1425029047"/>
                       </a:ext>
                     </a:extLst>
                   </a:tr>
@@ -14919,13 +16159,13 @@
   <p:clrMapOvr>
     <a:masterClrMapping/>
   </p:clrMapOvr>
-  <mc:AlternateContent xmlns:mc="http://schemas.openxmlformats.org/markup-compatibility/2006">
-    <mc:Choice xmlns:p159="http://schemas.microsoft.com/office/powerpoint/2015/09/main" Requires="p159">
+  <mc:AlternateContent xmlns:mc="http://schemas.openxmlformats.org/markup-compatibility/2006" xmlns:p159="http://schemas.microsoft.com/office/powerpoint/2015/09/main">
+    <mc:Choice Requires="p159">
       <p:transition xmlns:p14="http://schemas.microsoft.com/office/powerpoint/2010/main" spd="slow" p14:dur="2000">
         <p159:morph option="byObject"/>
       </p:transition>
     </mc:Choice>
-    <mc:Fallback>
+    <mc:Fallback xmlns="">
       <p:transition spd="slow">
         <p:fade/>
       </p:transition>
@@ -15628,8 +16868,8 @@
           </a:prstGeom>
         </p:spPr>
       </p:pic>
-      <mc:AlternateContent xmlns:mc="http://schemas.openxmlformats.org/markup-compatibility/2006">
-        <mc:Choice xmlns:a14="http://schemas.microsoft.com/office/drawing/2010/main" Requires="a14">
+      <mc:AlternateContent xmlns:mc="http://schemas.openxmlformats.org/markup-compatibility/2006" xmlns:a14="http://schemas.microsoft.com/office/drawing/2010/main">
+        <mc:Choice Requires="a14">
           <p:sp>
             <p:nvSpPr>
               <p:cNvPr id="14" name="Text Placeholder 3">
@@ -15920,7 +17160,7 @@
             </p:txBody>
           </p:sp>
         </mc:Choice>
-        <mc:Fallback>
+        <mc:Fallback xmlns="">
           <p:sp>
             <p:nvSpPr>
               <p:cNvPr id="14" name="Text Placeholder 3">
@@ -15965,8 +17205,8 @@
           </p:sp>
         </mc:Fallback>
       </mc:AlternateContent>
-      <mc:AlternateContent xmlns:mc="http://schemas.openxmlformats.org/markup-compatibility/2006">
-        <mc:Choice xmlns:a14="http://schemas.microsoft.com/office/drawing/2010/main" Requires="a14">
+      <mc:AlternateContent xmlns:mc="http://schemas.openxmlformats.org/markup-compatibility/2006" xmlns:a14="http://schemas.microsoft.com/office/drawing/2010/main">
+        <mc:Choice Requires="a14">
           <p:sp>
             <p:nvSpPr>
               <p:cNvPr id="15" name="Text Placeholder 3">
@@ -16220,7 +17460,7 @@
             </p:txBody>
           </p:sp>
         </mc:Choice>
-        <mc:Fallback>
+        <mc:Fallback xmlns="">
           <p:sp>
             <p:nvSpPr>
               <p:cNvPr id="15" name="Text Placeholder 3">
@@ -16651,7 +17891,59 @@
             </a:pPr>
             <a:r>
               <a:rPr lang="en-US" u="sng" dirty="0"/>
-              <a:t>CV-CT-CA </a:t>
+              <a:t>CV-CT-CA</a:t>
+            </a:r>
+          </a:p>
+          <a:p>
+            <a:pPr algn="l"/>
+            <a:r>
+              <a:rPr lang="en-US" sz="2000" dirty="0"/>
+              <a:t>10m/s East for 10sec</a:t>
+            </a:r>
+          </a:p>
+          <a:p>
+            <a:pPr algn="l"/>
+            <a:r>
+              <a:rPr lang="en-US" sz="2000" dirty="0"/>
+              <a:t>30°/s for 10sec</a:t>
+            </a:r>
+          </a:p>
+          <a:p>
+            <a:pPr algn="l"/>
+            <a:r>
+              <a:rPr lang="en-US" sz="2000" dirty="0"/>
+              <a:t>5m/s</a:t>
+            </a:r>
+            <a:r>
+              <a:rPr lang="en-US" sz="2000" baseline="30000" dirty="0"/>
+              <a:t>2</a:t>
+            </a:r>
+            <a:r>
+              <a:rPr lang="en-US" sz="2000" dirty="0"/>
+              <a:t> in x and y </a:t>
+            </a:r>
+            <a:r>
+              <a:rPr lang="en-US" sz="2000"/>
+              <a:t>directions for 10sec</a:t>
+            </a:r>
+            <a:r>
+              <a:rPr lang="en-US" sz="2000" baseline="30000"/>
+              <a:t> </a:t>
+            </a:r>
+            <a:endParaRPr lang="en-US" sz="2000" b="0" baseline="30000" dirty="0"/>
+          </a:p>
+          <a:p>
+            <a:pPr algn="l"/>
+            <a:endParaRPr lang="en-US" sz="2000" dirty="0"/>
+          </a:p>
+          <a:p>
+            <a:pPr marL="0" indent="0" algn="ctr">
+              <a:buFont typeface="Arial"/>
+              <a:buNone/>
+            </a:pPr>
+            <a:r>
+              <a:rPr lang="en-US" u="sng" dirty="0"/>
+              <a:t> </a:t>
             </a:r>
           </a:p>
         </p:txBody>
@@ -16684,8 +17976,132 @@
         </p:blipFill>
         <p:spPr>
           <a:xfrm>
-            <a:off x="1507140" y="3429000"/>
-            <a:ext cx="4007835" cy="3005877"/>
+            <a:off x="1392838" y="3429000"/>
+            <a:ext cx="4571999" cy="3429000"/>
+          </a:xfrm>
+          <a:prstGeom prst="rect">
+            <a:avLst/>
+          </a:prstGeom>
+        </p:spPr>
+      </p:pic>
+      <p:sp>
+        <p:nvSpPr>
+          <p:cNvPr id="15" name="Rectangle 14">
+            <a:extLst>
+              <a:ext uri="{FF2B5EF4-FFF2-40B4-BE49-F238E27FC236}">
+                <a16:creationId xmlns:a16="http://schemas.microsoft.com/office/drawing/2014/main" id="{AB124624-D8A3-4428-8377-F8FB8E64F025}"/>
+              </a:ext>
+            </a:extLst>
+          </p:cNvPr>
+          <p:cNvSpPr/>
+          <p:nvPr/>
+        </p:nvSpPr>
+        <p:spPr>
+          <a:xfrm>
+            <a:off x="10076480" y="5676900"/>
+            <a:ext cx="2115519" cy="1173004"/>
+          </a:xfrm>
+          <a:prstGeom prst="rect">
+            <a:avLst/>
+          </a:prstGeom>
+          <a:solidFill>
+            <a:schemeClr val="bg1"/>
+          </a:solidFill>
+          <a:ln w="12700" cap="flat">
+            <a:noFill/>
+            <a:miter lim="400000"/>
+          </a:ln>
+          <a:effectLst/>
+        </p:spPr>
+        <p:style>
+          <a:lnRef idx="0">
+            <a:scrgbClr r="0" g="0" b="0"/>
+          </a:lnRef>
+          <a:fillRef idx="0">
+            <a:scrgbClr r="0" g="0" b="0"/>
+          </a:fillRef>
+          <a:effectRef idx="0">
+            <a:scrgbClr r="0" g="0" b="0"/>
+          </a:effectRef>
+          <a:fontRef idx="none"/>
+        </p:style>
+        <p:txBody>
+          <a:bodyPr rot="0" spcFirstLastPara="1" vertOverflow="overflow" horzOverflow="overflow" vert="horz" wrap="square" lIns="50800" tIns="50800" rIns="50800" bIns="50800" numCol="1" spcCol="38100" rtlCol="0" anchor="ctr">
+            <a:spAutoFit/>
+          </a:bodyPr>
+          <a:lstStyle/>
+          <a:p>
+            <a:pPr marL="0" marR="0" indent="0" algn="ctr" defTabSz="584200" rtl="0" fontAlgn="auto" latinLnBrk="1" hangingPunct="0">
+              <a:lnSpc>
+                <a:spcPct val="100000"/>
+              </a:lnSpc>
+              <a:spcBef>
+                <a:spcPts val="0"/>
+              </a:spcBef>
+              <a:spcAft>
+                <a:spcPts val="0"/>
+              </a:spcAft>
+              <a:buClr>
+                <a:srgbClr val="000000"/>
+              </a:buClr>
+              <a:buSzTx/>
+              <a:buFont typeface="Calibri"/>
+              <a:buNone/>
+              <a:tabLst/>
+            </a:pPr>
+            <a:endParaRPr kumimoji="0" lang="en-US" sz="4000" b="0" i="0" u="none" strike="noStrike" cap="none" spc="0" normalizeH="0" baseline="0">
+              <a:ln>
+                <a:noFill/>
+              </a:ln>
+              <a:solidFill>
+                <a:srgbClr val="FFFFFF"/>
+              </a:solidFill>
+              <a:effectLst>
+                <a:outerShdw blurRad="38100" dist="12700" dir="5400000" rotWithShape="0">
+                  <a:srgbClr val="000000">
+                    <a:alpha val="50000"/>
+                  </a:srgbClr>
+                </a:outerShdw>
+              </a:effectLst>
+              <a:uFillTx/>
+              <a:latin typeface="+mn-lt"/>
+              <a:ea typeface="+mn-ea"/>
+              <a:cs typeface="+mn-cs"/>
+              <a:sym typeface="Calibri"/>
+            </a:endParaRPr>
+          </a:p>
+        </p:txBody>
+      </p:sp>
+      <p:pic>
+        <p:nvPicPr>
+          <p:cNvPr id="7" name="Picture 6" descr="A graph with lines and a circle&#10;&#10;AI-generated content may be incorrect.">
+            <a:extLst>
+              <a:ext uri="{FF2B5EF4-FFF2-40B4-BE49-F238E27FC236}">
+                <a16:creationId xmlns:a16="http://schemas.microsoft.com/office/drawing/2014/main" id="{0CDC76F9-3E43-1F9F-B30F-BB91787BF687}"/>
+              </a:ext>
+            </a:extLst>
+          </p:cNvPr>
+          <p:cNvPicPr>
+            <a:picLocks noChangeAspect="1"/>
+          </p:cNvPicPr>
+          <p:nvPr/>
+        </p:nvPicPr>
+        <p:blipFill>
+          <a:blip r:embed="rId3">
+            <a:extLst>
+              <a:ext uri="{28A0092B-C50C-407E-A947-70E740481C1C}">
+                <a14:useLocalDpi xmlns:a14="http://schemas.microsoft.com/office/drawing/2010/main" val="0"/>
+              </a:ext>
+            </a:extLst>
+          </a:blip>
+          <a:stretch>
+            <a:fillRect/>
+          </a:stretch>
+        </p:blipFill>
+        <p:spPr>
+          <a:xfrm>
+            <a:off x="6452094" y="3429000"/>
+            <a:ext cx="4572000" cy="3429000"/>
           </a:xfrm>
           <a:prstGeom prst="rect">
             <a:avLst/>
@@ -16897,11 +18313,11 @@
   <p:clrMapOvr>
     <a:masterClrMapping/>
   </p:clrMapOvr>
-  <mc:AlternateContent xmlns:mc="http://schemas.openxmlformats.org/markup-compatibility/2006">
-    <mc:Choice xmlns:p14="http://schemas.microsoft.com/office/powerpoint/2010/main" Requires="p14">
+  <mc:AlternateContent xmlns:mc="http://schemas.openxmlformats.org/markup-compatibility/2006" xmlns:p14="http://schemas.microsoft.com/office/powerpoint/2010/main">
+    <mc:Choice Requires="p14">
       <p:transition p14:dur="0"/>
     </mc:Choice>
-    <mc:Fallback>
+    <mc:Fallback xmlns="">
       <p:transition/>
     </mc:Fallback>
   </mc:AlternateContent>
@@ -17185,13 +18601,13 @@
   <p:clrMapOvr>
     <a:masterClrMapping/>
   </p:clrMapOvr>
-  <mc:AlternateContent xmlns:mc="http://schemas.openxmlformats.org/markup-compatibility/2006">
-    <mc:Choice xmlns:p159="http://schemas.microsoft.com/office/powerpoint/2015/09/main" Requires="p159">
+  <mc:AlternateContent xmlns:mc="http://schemas.openxmlformats.org/markup-compatibility/2006" xmlns:p159="http://schemas.microsoft.com/office/powerpoint/2015/09/main">
+    <mc:Choice Requires="p159">
       <p:transition xmlns:p14="http://schemas.microsoft.com/office/powerpoint/2010/main" spd="slow" p14:dur="2000">
         <p159:morph option="byObject"/>
       </p:transition>
     </mc:Choice>
-    <mc:Fallback>
+    <mc:Fallback xmlns="">
       <p:transition spd="slow">
         <p:fade/>
       </p:transition>
@@ -17567,7 +18983,7 @@
         </p:blipFill>
         <p:spPr>
           <a:xfrm>
-            <a:off x="2465678" y="1259308"/>
+            <a:off x="2465678" y="1351857"/>
             <a:ext cx="2438400" cy="1828800"/>
           </a:xfrm>
           <a:prstGeom prst="rect">
@@ -17611,94 +19027,6 @@
           </a:prstGeom>
         </p:spPr>
       </p:pic>
-      <p:sp>
-        <p:nvSpPr>
-          <p:cNvPr id="15" name="Rectangle 14">
-            <a:extLst>
-              <a:ext uri="{FF2B5EF4-FFF2-40B4-BE49-F238E27FC236}">
-                <a16:creationId xmlns:a16="http://schemas.microsoft.com/office/drawing/2014/main" id="{AB124624-D8A3-4428-8377-F8FB8E64F025}"/>
-              </a:ext>
-            </a:extLst>
-          </p:cNvPr>
-          <p:cNvSpPr/>
-          <p:nvPr/>
-        </p:nvSpPr>
-        <p:spPr>
-          <a:xfrm>
-            <a:off x="10076480" y="5676900"/>
-            <a:ext cx="2115519" cy="1173004"/>
-          </a:xfrm>
-          <a:prstGeom prst="rect">
-            <a:avLst/>
-          </a:prstGeom>
-          <a:solidFill>
-            <a:schemeClr val="bg1"/>
-          </a:solidFill>
-          <a:ln w="12700" cap="flat">
-            <a:noFill/>
-            <a:miter lim="400000"/>
-          </a:ln>
-          <a:effectLst/>
-        </p:spPr>
-        <p:style>
-          <a:lnRef idx="0">
-            <a:scrgbClr r="0" g="0" b="0"/>
-          </a:lnRef>
-          <a:fillRef idx="0">
-            <a:scrgbClr r="0" g="0" b="0"/>
-          </a:fillRef>
-          <a:effectRef idx="0">
-            <a:scrgbClr r="0" g="0" b="0"/>
-          </a:effectRef>
-          <a:fontRef idx="none"/>
-        </p:style>
-        <p:txBody>
-          <a:bodyPr rot="0" spcFirstLastPara="1" vertOverflow="overflow" horzOverflow="overflow" vert="horz" wrap="square" lIns="50800" tIns="50800" rIns="50800" bIns="50800" numCol="1" spcCol="38100" rtlCol="0" anchor="ctr">
-            <a:spAutoFit/>
-          </a:bodyPr>
-          <a:lstStyle/>
-          <a:p>
-            <a:pPr marL="0" marR="0" indent="0" algn="ctr" defTabSz="584200" rtl="0" fontAlgn="auto" latinLnBrk="1" hangingPunct="0">
-              <a:lnSpc>
-                <a:spcPct val="100000"/>
-              </a:lnSpc>
-              <a:spcBef>
-                <a:spcPts val="0"/>
-              </a:spcBef>
-              <a:spcAft>
-                <a:spcPts val="0"/>
-              </a:spcAft>
-              <a:buClr>
-                <a:srgbClr val="000000"/>
-              </a:buClr>
-              <a:buSzTx/>
-              <a:buFont typeface="Calibri"/>
-              <a:buNone/>
-              <a:tabLst/>
-            </a:pPr>
-            <a:endParaRPr kumimoji="0" lang="en-US" sz="4000" b="0" i="0" u="none" strike="noStrike" cap="none" spc="0" normalizeH="0" baseline="0">
-              <a:ln>
-                <a:noFill/>
-              </a:ln>
-              <a:solidFill>
-                <a:srgbClr val="FFFFFF"/>
-              </a:solidFill>
-              <a:effectLst>
-                <a:outerShdw blurRad="38100" dist="12700" dir="5400000" rotWithShape="0">
-                  <a:srgbClr val="000000">
-                    <a:alpha val="50000"/>
-                  </a:srgbClr>
-                </a:outerShdw>
-              </a:effectLst>
-              <a:uFillTx/>
-              <a:latin typeface="+mn-lt"/>
-              <a:ea typeface="+mn-ea"/>
-              <a:cs typeface="+mn-cs"/>
-              <a:sym typeface="Calibri"/>
-            </a:endParaRPr>
-          </a:p>
-        </p:txBody>
-      </p:sp>
       <p:pic>
         <p:nvPicPr>
           <p:cNvPr id="12" name="Picture 11" descr="A graph of a graph&#10;&#10;AI-generated content may be incorrect.">
@@ -17799,7 +19127,7 @@
         </p:blipFill>
         <p:spPr>
           <a:xfrm>
-            <a:off x="5021115" y="1259308"/>
+            <a:off x="5015875" y="1341438"/>
             <a:ext cx="2438400" cy="1828800"/>
           </a:xfrm>
           <a:prstGeom prst="rect">
@@ -18059,8 +19387,8 @@
           <a:fontRef idx="none"/>
         </p:style>
       </p:cxnSp>
-      <mc:AlternateContent xmlns:mc="http://schemas.openxmlformats.org/markup-compatibility/2006">
-        <mc:Choice xmlns:a14="http://schemas.microsoft.com/office/drawing/2010/main" Requires="a14">
+      <mc:AlternateContent xmlns:mc="http://schemas.openxmlformats.org/markup-compatibility/2006" xmlns:a14="http://schemas.microsoft.com/office/drawing/2010/main">
+        <mc:Choice Requires="a14">
           <p:sp>
             <p:nvSpPr>
               <p:cNvPr id="47" name="Text Placeholder 39">
@@ -18331,7 +19659,7 @@
             </p:txBody>
           </p:sp>
         </mc:Choice>
-        <mc:Fallback>
+        <mc:Fallback xmlns="">
           <p:sp>
             <p:nvSpPr>
               <p:cNvPr id="47" name="Text Placeholder 39">
@@ -18426,8 +19754,8 @@
           <a:fontRef idx="none"/>
         </p:style>
       </p:cxnSp>
-      <mc:AlternateContent xmlns:mc="http://schemas.openxmlformats.org/markup-compatibility/2006">
-        <mc:Choice xmlns:a14="http://schemas.microsoft.com/office/drawing/2010/main" Requires="a14">
+      <mc:AlternateContent xmlns:mc="http://schemas.openxmlformats.org/markup-compatibility/2006" xmlns:a14="http://schemas.microsoft.com/office/drawing/2010/main">
+        <mc:Choice Requires="a14">
           <p:sp>
             <p:nvSpPr>
               <p:cNvPr id="52" name="Text Placeholder 39">
@@ -18698,7 +20026,7 @@
             </p:txBody>
           </p:sp>
         </mc:Choice>
-        <mc:Fallback>
+        <mc:Fallback xmlns="">
           <p:sp>
             <p:nvSpPr>
               <p:cNvPr id="52" name="Text Placeholder 39">
@@ -18747,6 +20075,522 @@
           </p:sp>
         </mc:Fallback>
       </mc:AlternateContent>
+      <p:sp>
+        <p:nvSpPr>
+          <p:cNvPr id="4" name="Rectangle 3">
+            <a:extLst>
+              <a:ext uri="{FF2B5EF4-FFF2-40B4-BE49-F238E27FC236}">
+                <a16:creationId xmlns:a16="http://schemas.microsoft.com/office/drawing/2014/main" id="{461D9177-9DBE-A64A-C12A-14967428E3C6}"/>
+              </a:ext>
+            </a:extLst>
+          </p:cNvPr>
+          <p:cNvSpPr/>
+          <p:nvPr/>
+        </p:nvSpPr>
+        <p:spPr>
+          <a:xfrm>
+            <a:off x="2465677" y="1407442"/>
+            <a:ext cx="7610803" cy="1737360"/>
+          </a:xfrm>
+          <a:prstGeom prst="rect">
+            <a:avLst/>
+          </a:prstGeom>
+          <a:noFill/>
+          <a:ln w="12700" cap="flat">
+            <a:solidFill>
+              <a:schemeClr val="tx1"/>
+            </a:solidFill>
+            <a:miter lim="400000"/>
+          </a:ln>
+          <a:effectLst/>
+        </p:spPr>
+        <p:style>
+          <a:lnRef idx="0">
+            <a:scrgbClr r="0" g="0" b="0"/>
+          </a:lnRef>
+          <a:fillRef idx="0">
+            <a:scrgbClr r="0" g="0" b="0"/>
+          </a:fillRef>
+          <a:effectRef idx="0">
+            <a:scrgbClr r="0" g="0" b="0"/>
+          </a:effectRef>
+          <a:fontRef idx="none"/>
+        </p:style>
+        <p:txBody>
+          <a:bodyPr rot="0" spcFirstLastPara="1" vertOverflow="overflow" horzOverflow="overflow" vert="horz" wrap="square" lIns="50800" tIns="50800" rIns="50800" bIns="50800" numCol="1" spcCol="38100" rtlCol="0" anchor="ctr">
+            <a:spAutoFit/>
+          </a:bodyPr>
+          <a:lstStyle/>
+          <a:p>
+            <a:pPr marL="0" marR="0" indent="0" algn="ctr" defTabSz="584200" rtl="0" fontAlgn="auto" latinLnBrk="1" hangingPunct="0">
+              <a:lnSpc>
+                <a:spcPct val="100000"/>
+              </a:lnSpc>
+              <a:spcBef>
+                <a:spcPts val="0"/>
+              </a:spcBef>
+              <a:spcAft>
+                <a:spcPts val="0"/>
+              </a:spcAft>
+              <a:buClr>
+                <a:srgbClr val="000000"/>
+              </a:buClr>
+              <a:buSzTx/>
+              <a:buFont typeface="Calibri"/>
+              <a:buNone/>
+              <a:tabLst/>
+            </a:pPr>
+            <a:endParaRPr kumimoji="0" lang="en-US" sz="4000" b="0" i="0" u="none" strike="noStrike" cap="none" spc="0" normalizeH="0" baseline="0">
+              <a:ln>
+                <a:noFill/>
+              </a:ln>
+              <a:solidFill>
+                <a:srgbClr val="FFFFFF"/>
+              </a:solidFill>
+              <a:effectLst>
+                <a:outerShdw blurRad="38100" dist="12700" dir="5400000" rotWithShape="0">
+                  <a:srgbClr val="000000">
+                    <a:alpha val="50000"/>
+                  </a:srgbClr>
+                </a:outerShdw>
+              </a:effectLst>
+              <a:uFillTx/>
+              <a:latin typeface="+mn-lt"/>
+              <a:ea typeface="+mn-ea"/>
+              <a:cs typeface="+mn-cs"/>
+              <a:sym typeface="Calibri"/>
+            </a:endParaRPr>
+          </a:p>
+        </p:txBody>
+      </p:sp>
+      <p:sp>
+        <p:nvSpPr>
+          <p:cNvPr id="5" name="Rectangle 4">
+            <a:extLst>
+              <a:ext uri="{FF2B5EF4-FFF2-40B4-BE49-F238E27FC236}">
+                <a16:creationId xmlns:a16="http://schemas.microsoft.com/office/drawing/2014/main" id="{E06DB12C-6226-4F4A-1B38-40639833F122}"/>
+              </a:ext>
+            </a:extLst>
+          </p:cNvPr>
+          <p:cNvSpPr/>
+          <p:nvPr/>
+        </p:nvSpPr>
+        <p:spPr>
+          <a:xfrm>
+            <a:off x="2470917" y="3221111"/>
+            <a:ext cx="7610803" cy="1783080"/>
+          </a:xfrm>
+          <a:prstGeom prst="rect">
+            <a:avLst/>
+          </a:prstGeom>
+          <a:noFill/>
+          <a:ln w="12700" cap="flat">
+            <a:solidFill>
+              <a:schemeClr val="tx1"/>
+            </a:solidFill>
+            <a:miter lim="400000"/>
+          </a:ln>
+          <a:effectLst/>
+        </p:spPr>
+        <p:style>
+          <a:lnRef idx="0">
+            <a:scrgbClr r="0" g="0" b="0"/>
+          </a:lnRef>
+          <a:fillRef idx="0">
+            <a:scrgbClr r="0" g="0" b="0"/>
+          </a:fillRef>
+          <a:effectRef idx="0">
+            <a:scrgbClr r="0" g="0" b="0"/>
+          </a:effectRef>
+          <a:fontRef idx="none"/>
+        </p:style>
+        <p:txBody>
+          <a:bodyPr rot="0" spcFirstLastPara="1" vertOverflow="overflow" horzOverflow="overflow" vert="horz" wrap="square" lIns="50800" tIns="50800" rIns="50800" bIns="50800" numCol="1" spcCol="38100" rtlCol="0" anchor="ctr">
+            <a:spAutoFit/>
+          </a:bodyPr>
+          <a:lstStyle/>
+          <a:p>
+            <a:pPr marL="0" marR="0" indent="0" algn="ctr" defTabSz="584200" rtl="0" fontAlgn="auto" latinLnBrk="1" hangingPunct="0">
+              <a:lnSpc>
+                <a:spcPct val="100000"/>
+              </a:lnSpc>
+              <a:spcBef>
+                <a:spcPts val="0"/>
+              </a:spcBef>
+              <a:spcAft>
+                <a:spcPts val="0"/>
+              </a:spcAft>
+              <a:buClr>
+                <a:srgbClr val="000000"/>
+              </a:buClr>
+              <a:buSzTx/>
+              <a:buFont typeface="Calibri"/>
+              <a:buNone/>
+              <a:tabLst/>
+            </a:pPr>
+            <a:endParaRPr kumimoji="0" lang="en-US" sz="4000" b="0" i="0" u="none" strike="noStrike" cap="none" spc="0" normalizeH="0" baseline="0">
+              <a:ln>
+                <a:noFill/>
+              </a:ln>
+              <a:solidFill>
+                <a:srgbClr val="FFFFFF"/>
+              </a:solidFill>
+              <a:effectLst>
+                <a:outerShdw blurRad="38100" dist="12700" dir="5400000" rotWithShape="0">
+                  <a:srgbClr val="000000">
+                    <a:alpha val="50000"/>
+                  </a:srgbClr>
+                </a:outerShdw>
+              </a:effectLst>
+              <a:uFillTx/>
+              <a:latin typeface="+mn-lt"/>
+              <a:ea typeface="+mn-ea"/>
+              <a:cs typeface="+mn-cs"/>
+              <a:sym typeface="Calibri"/>
+            </a:endParaRPr>
+          </a:p>
+        </p:txBody>
+      </p:sp>
+      <p:sp>
+        <p:nvSpPr>
+          <p:cNvPr id="6" name="Rectangle 5">
+            <a:extLst>
+              <a:ext uri="{FF2B5EF4-FFF2-40B4-BE49-F238E27FC236}">
+                <a16:creationId xmlns:a16="http://schemas.microsoft.com/office/drawing/2014/main" id="{0BE22CCB-8DA0-4386-A2C2-6B09285752A1}"/>
+              </a:ext>
+            </a:extLst>
+          </p:cNvPr>
+          <p:cNvSpPr/>
+          <p:nvPr/>
+        </p:nvSpPr>
+        <p:spPr>
+          <a:xfrm>
+            <a:off x="2468224" y="5056282"/>
+            <a:ext cx="7610803" cy="1783080"/>
+          </a:xfrm>
+          <a:prstGeom prst="rect">
+            <a:avLst/>
+          </a:prstGeom>
+          <a:noFill/>
+          <a:ln w="12700" cap="flat">
+            <a:solidFill>
+              <a:schemeClr val="tx1"/>
+            </a:solidFill>
+            <a:miter lim="400000"/>
+          </a:ln>
+          <a:effectLst/>
+        </p:spPr>
+        <p:style>
+          <a:lnRef idx="0">
+            <a:scrgbClr r="0" g="0" b="0"/>
+          </a:lnRef>
+          <a:fillRef idx="0">
+            <a:scrgbClr r="0" g="0" b="0"/>
+          </a:fillRef>
+          <a:effectRef idx="0">
+            <a:scrgbClr r="0" g="0" b="0"/>
+          </a:effectRef>
+          <a:fontRef idx="none"/>
+        </p:style>
+        <p:txBody>
+          <a:bodyPr rot="0" spcFirstLastPara="1" vertOverflow="overflow" horzOverflow="overflow" vert="horz" wrap="square" lIns="50800" tIns="50800" rIns="50800" bIns="50800" numCol="1" spcCol="38100" rtlCol="0" anchor="ctr">
+            <a:spAutoFit/>
+          </a:bodyPr>
+          <a:lstStyle/>
+          <a:p>
+            <a:pPr marL="0" marR="0" indent="0" algn="ctr" defTabSz="584200" rtl="0" fontAlgn="auto" latinLnBrk="1" hangingPunct="0">
+              <a:lnSpc>
+                <a:spcPct val="100000"/>
+              </a:lnSpc>
+              <a:spcBef>
+                <a:spcPts val="0"/>
+              </a:spcBef>
+              <a:spcAft>
+                <a:spcPts val="0"/>
+              </a:spcAft>
+              <a:buClr>
+                <a:srgbClr val="000000"/>
+              </a:buClr>
+              <a:buSzTx/>
+              <a:buFont typeface="Calibri"/>
+              <a:buNone/>
+              <a:tabLst/>
+            </a:pPr>
+            <a:endParaRPr kumimoji="0" lang="en-US" sz="4000" b="0" i="0" u="none" strike="noStrike" cap="none" spc="0" normalizeH="0" baseline="0">
+              <a:ln>
+                <a:noFill/>
+              </a:ln>
+              <a:solidFill>
+                <a:srgbClr val="FFFFFF"/>
+              </a:solidFill>
+              <a:effectLst>
+                <a:outerShdw blurRad="38100" dist="12700" dir="5400000" rotWithShape="0">
+                  <a:srgbClr val="000000">
+                    <a:alpha val="50000"/>
+                  </a:srgbClr>
+                </a:outerShdw>
+              </a:effectLst>
+              <a:uFillTx/>
+              <a:latin typeface="+mn-lt"/>
+              <a:ea typeface="+mn-ea"/>
+              <a:cs typeface="+mn-cs"/>
+              <a:sym typeface="Calibri"/>
+            </a:endParaRPr>
+          </a:p>
+        </p:txBody>
+      </p:sp>
+      <p:cxnSp>
+        <p:nvCxnSpPr>
+          <p:cNvPr id="10" name="Straight Connector 9">
+            <a:extLst>
+              <a:ext uri="{FF2B5EF4-FFF2-40B4-BE49-F238E27FC236}">
+                <a16:creationId xmlns:a16="http://schemas.microsoft.com/office/drawing/2014/main" id="{DF525A9A-25FC-B621-3EF3-B50B04E71B38}"/>
+              </a:ext>
+            </a:extLst>
+          </p:cNvPr>
+          <p:cNvCxnSpPr/>
+          <p:nvPr/>
+        </p:nvCxnSpPr>
+        <p:spPr>
+          <a:xfrm flipH="1">
+            <a:off x="1601015" y="1407442"/>
+            <a:ext cx="869902" cy="868680"/>
+          </a:xfrm>
+          <a:prstGeom prst="line">
+            <a:avLst/>
+          </a:prstGeom>
+          <a:ln w="12700">
+            <a:solidFill>
+              <a:schemeClr val="accent5"/>
+            </a:solidFill>
+          </a:ln>
+        </p:spPr>
+        <p:style>
+          <a:lnRef idx="1">
+            <a:schemeClr val="dk1"/>
+          </a:lnRef>
+          <a:fillRef idx="0">
+            <a:schemeClr val="dk1"/>
+          </a:fillRef>
+          <a:effectRef idx="0">
+            <a:schemeClr val="dk1"/>
+          </a:effectRef>
+          <a:fontRef idx="minor">
+            <a:schemeClr val="tx1"/>
+          </a:fontRef>
+        </p:style>
+      </p:cxnSp>
+      <p:cxnSp>
+        <p:nvCxnSpPr>
+          <p:cNvPr id="13" name="Straight Connector 12">
+            <a:extLst>
+              <a:ext uri="{FF2B5EF4-FFF2-40B4-BE49-F238E27FC236}">
+                <a16:creationId xmlns:a16="http://schemas.microsoft.com/office/drawing/2014/main" id="{DDEB0C36-2BF7-B3A1-2D6F-0869C13430D5}"/>
+              </a:ext>
+            </a:extLst>
+          </p:cNvPr>
+          <p:cNvCxnSpPr/>
+          <p:nvPr/>
+        </p:nvCxnSpPr>
+        <p:spPr>
+          <a:xfrm>
+            <a:off x="1601015" y="2266257"/>
+            <a:ext cx="869902" cy="878545"/>
+          </a:xfrm>
+          <a:prstGeom prst="line">
+            <a:avLst/>
+          </a:prstGeom>
+          <a:ln w="12700">
+            <a:solidFill>
+              <a:schemeClr val="accent5"/>
+            </a:solidFill>
+          </a:ln>
+        </p:spPr>
+        <p:style>
+          <a:lnRef idx="1">
+            <a:schemeClr val="dk1"/>
+          </a:lnRef>
+          <a:fillRef idx="0">
+            <a:schemeClr val="dk1"/>
+          </a:fillRef>
+          <a:effectRef idx="0">
+            <a:schemeClr val="dk1"/>
+          </a:effectRef>
+          <a:fontRef idx="minor">
+            <a:schemeClr val="tx1"/>
+          </a:fontRef>
+        </p:style>
+      </p:cxnSp>
+      <p:cxnSp>
+        <p:nvCxnSpPr>
+          <p:cNvPr id="14" name="Straight Connector 13">
+            <a:extLst>
+              <a:ext uri="{FF2B5EF4-FFF2-40B4-BE49-F238E27FC236}">
+                <a16:creationId xmlns:a16="http://schemas.microsoft.com/office/drawing/2014/main" id="{05EED9DF-A613-4AA5-0D12-58F11628258E}"/>
+              </a:ext>
+            </a:extLst>
+          </p:cNvPr>
+          <p:cNvCxnSpPr>
+            <a:cxnSpLocks/>
+          </p:cNvCxnSpPr>
+          <p:nvPr/>
+        </p:nvCxnSpPr>
+        <p:spPr>
+          <a:xfrm>
+            <a:off x="1751418" y="4084638"/>
+            <a:ext cx="719499" cy="919553"/>
+          </a:xfrm>
+          <a:prstGeom prst="line">
+            <a:avLst/>
+          </a:prstGeom>
+          <a:ln w="12700">
+            <a:solidFill>
+              <a:schemeClr val="accent5"/>
+            </a:solidFill>
+          </a:ln>
+        </p:spPr>
+        <p:style>
+          <a:lnRef idx="1">
+            <a:schemeClr val="dk1"/>
+          </a:lnRef>
+          <a:fillRef idx="0">
+            <a:schemeClr val="dk1"/>
+          </a:fillRef>
+          <a:effectRef idx="0">
+            <a:schemeClr val="dk1"/>
+          </a:effectRef>
+          <a:fontRef idx="minor">
+            <a:schemeClr val="tx1"/>
+          </a:fontRef>
+        </p:style>
+      </p:cxnSp>
+      <p:cxnSp>
+        <p:nvCxnSpPr>
+          <p:cNvPr id="17" name="Straight Connector 16">
+            <a:extLst>
+              <a:ext uri="{FF2B5EF4-FFF2-40B4-BE49-F238E27FC236}">
+                <a16:creationId xmlns:a16="http://schemas.microsoft.com/office/drawing/2014/main" id="{77036D91-84A5-20F5-4ECB-4939D50E6C0D}"/>
+              </a:ext>
+            </a:extLst>
+          </p:cNvPr>
+          <p:cNvCxnSpPr>
+            <a:cxnSpLocks/>
+          </p:cNvCxnSpPr>
+          <p:nvPr/>
+        </p:nvCxnSpPr>
+        <p:spPr>
+          <a:xfrm flipH="1">
+            <a:off x="1751418" y="3213006"/>
+            <a:ext cx="728368" cy="874637"/>
+          </a:xfrm>
+          <a:prstGeom prst="line">
+            <a:avLst/>
+          </a:prstGeom>
+          <a:ln w="12700">
+            <a:solidFill>
+              <a:schemeClr val="accent5"/>
+            </a:solidFill>
+          </a:ln>
+        </p:spPr>
+        <p:style>
+          <a:lnRef idx="1">
+            <a:schemeClr val="dk1"/>
+          </a:lnRef>
+          <a:fillRef idx="0">
+            <a:schemeClr val="dk1"/>
+          </a:fillRef>
+          <a:effectRef idx="0">
+            <a:schemeClr val="dk1"/>
+          </a:effectRef>
+          <a:fontRef idx="minor">
+            <a:schemeClr val="tx1"/>
+          </a:fontRef>
+        </p:style>
+      </p:cxnSp>
+      <p:cxnSp>
+        <p:nvCxnSpPr>
+          <p:cNvPr id="23" name="Straight Connector 22">
+            <a:extLst>
+              <a:ext uri="{FF2B5EF4-FFF2-40B4-BE49-F238E27FC236}">
+                <a16:creationId xmlns:a16="http://schemas.microsoft.com/office/drawing/2014/main" id="{5707EC10-02E8-93DF-ECEA-B886225CDBC0}"/>
+              </a:ext>
+            </a:extLst>
+          </p:cNvPr>
+          <p:cNvCxnSpPr>
+            <a:cxnSpLocks/>
+          </p:cNvCxnSpPr>
+          <p:nvPr/>
+        </p:nvCxnSpPr>
+        <p:spPr>
+          <a:xfrm>
+            <a:off x="1601015" y="5913438"/>
+            <a:ext cx="864516" cy="925924"/>
+          </a:xfrm>
+          <a:prstGeom prst="line">
+            <a:avLst/>
+          </a:prstGeom>
+          <a:ln w="12700">
+            <a:solidFill>
+              <a:schemeClr val="accent5"/>
+            </a:solidFill>
+          </a:ln>
+        </p:spPr>
+        <p:style>
+          <a:lnRef idx="1">
+            <a:schemeClr val="dk1"/>
+          </a:lnRef>
+          <a:fillRef idx="0">
+            <a:schemeClr val="dk1"/>
+          </a:fillRef>
+          <a:effectRef idx="0">
+            <a:schemeClr val="dk1"/>
+          </a:effectRef>
+          <a:fontRef idx="minor">
+            <a:schemeClr val="tx1"/>
+          </a:fontRef>
+        </p:style>
+      </p:cxnSp>
+      <p:cxnSp>
+        <p:nvCxnSpPr>
+          <p:cNvPr id="24" name="Straight Connector 23">
+            <a:extLst>
+              <a:ext uri="{FF2B5EF4-FFF2-40B4-BE49-F238E27FC236}">
+                <a16:creationId xmlns:a16="http://schemas.microsoft.com/office/drawing/2014/main" id="{37DD3CB6-0947-A23F-1E07-68694F6D407F}"/>
+              </a:ext>
+            </a:extLst>
+          </p:cNvPr>
+          <p:cNvCxnSpPr/>
+          <p:nvPr/>
+        </p:nvCxnSpPr>
+        <p:spPr>
+          <a:xfrm flipH="1">
+            <a:off x="1595629" y="5055064"/>
+            <a:ext cx="869902" cy="868680"/>
+          </a:xfrm>
+          <a:prstGeom prst="line">
+            <a:avLst/>
+          </a:prstGeom>
+          <a:ln w="12700">
+            <a:solidFill>
+              <a:schemeClr val="accent5"/>
+            </a:solidFill>
+          </a:ln>
+        </p:spPr>
+        <p:style>
+          <a:lnRef idx="1">
+            <a:schemeClr val="dk1"/>
+          </a:lnRef>
+          <a:fillRef idx="0">
+            <a:schemeClr val="dk1"/>
+          </a:fillRef>
+          <a:effectRef idx="0">
+            <a:schemeClr val="dk1"/>
+          </a:effectRef>
+          <a:fontRef idx="minor">
+            <a:schemeClr val="tx1"/>
+          </a:fontRef>
+        </p:style>
+      </p:cxnSp>
     </p:spTree>
     <p:extLst>
       <p:ext uri="{BB962C8B-B14F-4D97-AF65-F5344CB8AC3E}">
@@ -18759,7 +20603,7 @@
   </p:clrMapOvr>
   <mc:AlternateContent xmlns:mc="http://schemas.openxmlformats.org/markup-compatibility/2006">
     <mc:Choice xmlns:p14="http://schemas.microsoft.com/office/powerpoint/2010/main" Requires="p14">
-      <p:transition p14:dur="0"/>
+      <p:transition p14:dur="10"/>
     </mc:Choice>
     <mc:Fallback>
       <p:transition/>
@@ -19850,11 +21694,11 @@
   <p:clrMapOvr>
     <a:masterClrMapping/>
   </p:clrMapOvr>
-  <mc:AlternateContent xmlns:mc="http://schemas.openxmlformats.org/markup-compatibility/2006">
-    <mc:Choice xmlns:p14="http://schemas.microsoft.com/office/powerpoint/2010/main" Requires="p14">
+  <mc:AlternateContent xmlns:mc="http://schemas.openxmlformats.org/markup-compatibility/2006" xmlns:p14="http://schemas.microsoft.com/office/powerpoint/2010/main">
+    <mc:Choice Requires="p14">
       <p:transition p14:dur="0"/>
     </mc:Choice>
-    <mc:Fallback>
+    <mc:Fallback xmlns="">
       <p:transition/>
     </mc:Fallback>
   </mc:AlternateContent>
@@ -21521,13 +23365,13 @@
   <p:clrMapOvr>
     <a:masterClrMapping/>
   </p:clrMapOvr>
-  <mc:AlternateContent xmlns:mc="http://schemas.openxmlformats.org/markup-compatibility/2006">
-    <mc:Choice xmlns:p159="http://schemas.microsoft.com/office/powerpoint/2015/09/main" Requires="p159">
+  <mc:AlternateContent xmlns:mc="http://schemas.openxmlformats.org/markup-compatibility/2006" xmlns:p159="http://schemas.microsoft.com/office/powerpoint/2015/09/main">
+    <mc:Choice Requires="p159">
       <p:transition xmlns:p14="http://schemas.microsoft.com/office/powerpoint/2010/main" spd="slow" p14:dur="2000">
         <p159:morph option="byObject"/>
       </p:transition>
     </mc:Choice>
-    <mc:Fallback>
+    <mc:Fallback xmlns="">
       <p:transition spd="slow">
         <p:fade/>
       </p:transition>
@@ -23516,13 +25360,13 @@
   <p:clrMapOvr>
     <a:masterClrMapping/>
   </p:clrMapOvr>
-  <mc:AlternateContent xmlns:mc="http://schemas.openxmlformats.org/markup-compatibility/2006">
-    <mc:Choice xmlns:p159="http://schemas.microsoft.com/office/powerpoint/2015/09/main" Requires="p159">
+  <mc:AlternateContent xmlns:mc="http://schemas.openxmlformats.org/markup-compatibility/2006" xmlns:p159="http://schemas.microsoft.com/office/powerpoint/2015/09/main">
+    <mc:Choice Requires="p159">
       <p:transition xmlns:p14="http://schemas.microsoft.com/office/powerpoint/2010/main" spd="slow" p14:dur="2000">
         <p159:morph option="byObject"/>
       </p:transition>
     </mc:Choice>
-    <mc:Fallback>
+    <mc:Fallback xmlns="">
       <p:transition spd="slow">
         <p:fade/>
       </p:transition>
@@ -23944,8 +25788,8 @@
           </a:p>
         </p:txBody>
       </p:sp>
-      <mc:AlternateContent xmlns:mc="http://schemas.openxmlformats.org/markup-compatibility/2006">
-        <mc:Choice xmlns:a14="http://schemas.microsoft.com/office/drawing/2010/main" Requires="a14">
+      <mc:AlternateContent xmlns:mc="http://schemas.openxmlformats.org/markup-compatibility/2006" xmlns:a14="http://schemas.microsoft.com/office/drawing/2010/main">
+        <mc:Choice Requires="a14">
           <p:sp>
             <p:nvSpPr>
               <p:cNvPr id="100" name="TextBox 99">
@@ -24485,7 +26329,7 @@
             </p:txBody>
           </p:sp>
         </mc:Choice>
-        <mc:Fallback>
+        <mc:Fallback xmlns="">
           <p:sp>
             <p:nvSpPr>
               <p:cNvPr id="100" name="TextBox 99">
@@ -26331,13 +28175,13 @@
   <p:clrMapOvr>
     <a:masterClrMapping/>
   </p:clrMapOvr>
-  <mc:AlternateContent xmlns:mc="http://schemas.openxmlformats.org/markup-compatibility/2006">
-    <mc:Choice xmlns:p159="http://schemas.microsoft.com/office/powerpoint/2015/09/main" Requires="p159">
+  <mc:AlternateContent xmlns:mc="http://schemas.openxmlformats.org/markup-compatibility/2006" xmlns:p159="http://schemas.microsoft.com/office/powerpoint/2015/09/main">
+    <mc:Choice Requires="p159">
       <p:transition xmlns:p14="http://schemas.microsoft.com/office/powerpoint/2010/main" spd="slow" p14:dur="2000">
         <p159:morph option="byObject"/>
       </p:transition>
     </mc:Choice>
-    <mc:Fallback>
+    <mc:Fallback xmlns="">
       <p:transition spd="slow">
         <p:fade/>
       </p:transition>
@@ -27016,8 +28860,8 @@
           </a:p>
         </p:txBody>
       </p:sp>
-      <mc:AlternateContent xmlns:mc="http://schemas.openxmlformats.org/markup-compatibility/2006">
-        <mc:Choice xmlns:a14="http://schemas.microsoft.com/office/drawing/2010/main" Requires="a14">
+      <mc:AlternateContent xmlns:mc="http://schemas.openxmlformats.org/markup-compatibility/2006" xmlns:a14="http://schemas.microsoft.com/office/drawing/2010/main">
+        <mc:Choice Requires="a14">
           <p:sp>
             <p:nvSpPr>
               <p:cNvPr id="100" name="TextBox 99">
@@ -27557,7 +29401,7 @@
             </p:txBody>
           </p:sp>
         </mc:Choice>
-        <mc:Fallback>
+        <mc:Fallback xmlns="">
           <p:sp>
             <p:nvSpPr>
               <p:cNvPr id="100" name="TextBox 99">
@@ -27868,8 +29712,8 @@
           </a:p>
         </p:txBody>
       </p:sp>
-      <mc:AlternateContent xmlns:mc="http://schemas.openxmlformats.org/markup-compatibility/2006">
-        <mc:Choice xmlns:a14="http://schemas.microsoft.com/office/drawing/2010/main" Requires="a14">
+      <mc:AlternateContent xmlns:mc="http://schemas.openxmlformats.org/markup-compatibility/2006" xmlns:a14="http://schemas.microsoft.com/office/drawing/2010/main">
+        <mc:Choice Requires="a14">
           <p:sp>
             <p:nvSpPr>
               <p:cNvPr id="104" name="TextBox 103">
@@ -28216,7 +30060,7 @@
             </p:txBody>
           </p:sp>
         </mc:Choice>
-        <mc:Fallback>
+        <mc:Fallback xmlns="">
           <p:sp>
             <p:nvSpPr>
               <p:cNvPr id="104" name="TextBox 103">
@@ -29801,13 +31645,13 @@
   <p:clrMapOvr>
     <a:masterClrMapping/>
   </p:clrMapOvr>
-  <mc:AlternateContent xmlns:mc="http://schemas.openxmlformats.org/markup-compatibility/2006">
-    <mc:Choice xmlns:p159="http://schemas.microsoft.com/office/powerpoint/2015/09/main" Requires="p159">
+  <mc:AlternateContent xmlns:mc="http://schemas.openxmlformats.org/markup-compatibility/2006" xmlns:p159="http://schemas.microsoft.com/office/powerpoint/2015/09/main">
+    <mc:Choice Requires="p159">
       <p:transition xmlns:p14="http://schemas.microsoft.com/office/powerpoint/2010/main" spd="slow" p14:dur="2000">
         <p159:morph option="byObject"/>
       </p:transition>
     </mc:Choice>
-    <mc:Fallback>
+    <mc:Fallback xmlns="">
       <p:transition spd="slow">
         <p:fade/>
       </p:transition>

--- a/report/OptimalFinalPresentation.pptx
+++ b/report/OptimalFinalPresentation.pptx
@@ -13025,8 +13025,8 @@
           </mc:Fallback>
         </mc:AlternateContent>
       </p:grpSp>
-      <mc:AlternateContent xmlns:mc="http://schemas.openxmlformats.org/markup-compatibility/2006">
-        <mc:Choice xmlns:a14="http://schemas.microsoft.com/office/drawing/2010/main" Requires="a14">
+      <mc:AlternateContent xmlns:mc="http://schemas.openxmlformats.org/markup-compatibility/2006" xmlns:a14="http://schemas.microsoft.com/office/drawing/2010/main">
+        <mc:Choice Requires="a14">
           <p:graphicFrame>
             <p:nvGraphicFramePr>
               <p:cNvPr id="8" name="Table 7">
@@ -15412,7 +15412,7 @@
             </a:graphic>
           </p:graphicFrame>
         </mc:Choice>
-        <mc:Fallback>
+        <mc:Fallback xmlns="">
           <p:graphicFrame>
             <p:nvGraphicFramePr>
               <p:cNvPr id="8" name="Table 7">
@@ -15857,8 +15857,8 @@
           </p:graphicFrame>
         </mc:Fallback>
       </mc:AlternateContent>
-      <mc:AlternateContent xmlns:mc="http://schemas.openxmlformats.org/markup-compatibility/2006">
-        <mc:Choice xmlns:a14="http://schemas.microsoft.com/office/drawing/2010/main" Requires="a14">
+      <mc:AlternateContent xmlns:mc="http://schemas.openxmlformats.org/markup-compatibility/2006" xmlns:a14="http://schemas.microsoft.com/office/drawing/2010/main">
+        <mc:Choice Requires="a14">
           <p:graphicFrame>
             <p:nvGraphicFramePr>
               <p:cNvPr id="26" name="Table 25">
@@ -16020,7 +16020,7 @@
             </a:graphic>
           </p:graphicFrame>
         </mc:Choice>
-        <mc:Fallback>
+        <mc:Fallback xmlns="">
           <p:graphicFrame>
             <p:nvGraphicFramePr>
               <p:cNvPr id="26" name="Table 25">
@@ -17920,14 +17920,10 @@
             </a:r>
             <a:r>
               <a:rPr lang="en-US" sz="2000" dirty="0"/>
-              <a:t> in x and y </a:t>
+              <a:t> in x and y directions for 10sec</a:t>
             </a:r>
             <a:r>
-              <a:rPr lang="en-US" sz="2000"/>
-              <a:t>directions for 10sec</a:t>
-            </a:r>
-            <a:r>
-              <a:rPr lang="en-US" sz="2000" baseline="30000"/>
+              <a:rPr lang="en-US" sz="2000" baseline="30000" dirty="0"/>
               <a:t> </a:t>
             </a:r>
             <a:endParaRPr lang="en-US" sz="2000" b="0" baseline="30000" dirty="0"/>
@@ -18074,10 +18070,10 @@
       </p:sp>
       <p:pic>
         <p:nvPicPr>
-          <p:cNvPr id="7" name="Picture 6" descr="A graph with lines and a circle&#10;&#10;AI-generated content may be incorrect.">
+          <p:cNvPr id="11" name="Picture 10" descr="A graph of a line&#10;&#10;AI-generated content may be incorrect.">
             <a:extLst>
               <a:ext uri="{FF2B5EF4-FFF2-40B4-BE49-F238E27FC236}">
-                <a16:creationId xmlns:a16="http://schemas.microsoft.com/office/drawing/2014/main" id="{0CDC76F9-3E43-1F9F-B30F-BB91787BF687}"/>
+                <a16:creationId xmlns:a16="http://schemas.microsoft.com/office/drawing/2014/main" id="{72F6678D-D1C4-7273-87E7-FB12AC33506C}"/>
               </a:ext>
             </a:extLst>
           </p:cNvPr>
@@ -18100,7 +18096,7 @@
         </p:blipFill>
         <p:spPr>
           <a:xfrm>
-            <a:off x="6452094" y="3429000"/>
+            <a:off x="6832141" y="3420904"/>
             <a:ext cx="4572000" cy="3429000"/>
           </a:xfrm>
           <a:prstGeom prst="rect">
@@ -18521,10 +18517,10 @@
       </p:pic>
       <p:pic>
         <p:nvPicPr>
-          <p:cNvPr id="5" name="Picture 4" descr="A graph of a number of lines&#10;&#10;AI-generated content may be incorrect.">
+          <p:cNvPr id="6" name="Picture 5" descr="A graph with a red line and a blue circle&#10;&#10;AI-generated content may be incorrect.">
             <a:extLst>
               <a:ext uri="{FF2B5EF4-FFF2-40B4-BE49-F238E27FC236}">
-                <a16:creationId xmlns:a16="http://schemas.microsoft.com/office/drawing/2014/main" id="{BDDA3355-CAC0-0FB8-2274-90F5DA9F6BCF}"/>
+                <a16:creationId xmlns:a16="http://schemas.microsoft.com/office/drawing/2014/main" id="{AFCCE26B-66F7-C394-A923-F563A22D0E4D}"/>
               </a:ext>
             </a:extLst>
           </p:cNvPr>
@@ -18547,8 +18543,8 @@
         </p:blipFill>
         <p:spPr>
           <a:xfrm>
-            <a:off x="4086406" y="3060477"/>
-            <a:ext cx="4901427" cy="3676070"/>
+            <a:off x="5354895" y="1343978"/>
+            <a:ext cx="2450627" cy="1837971"/>
           </a:xfrm>
           <a:prstGeom prst="rect">
             <a:avLst/>
@@ -18557,10 +18553,10 @@
       </p:pic>
       <p:pic>
         <p:nvPicPr>
-          <p:cNvPr id="6" name="Picture 5" descr="A graph with a red line and a blue circle&#10;&#10;AI-generated content may be incorrect.">
+          <p:cNvPr id="7" name="Picture 6" descr="A graph of a graph&#10;&#10;AI-generated content may be incorrect.">
             <a:extLst>
               <a:ext uri="{FF2B5EF4-FFF2-40B4-BE49-F238E27FC236}">
-                <a16:creationId xmlns:a16="http://schemas.microsoft.com/office/drawing/2014/main" id="{AFCCE26B-66F7-C394-A923-F563A22D0E4D}"/>
+                <a16:creationId xmlns:a16="http://schemas.microsoft.com/office/drawing/2014/main" id="{34FB66FD-90EE-0CCB-00F1-496F37756E86}"/>
               </a:ext>
             </a:extLst>
           </p:cNvPr>
@@ -18583,8 +18579,8 @@
         </p:blipFill>
         <p:spPr>
           <a:xfrm>
-            <a:off x="5236741" y="1341438"/>
-            <a:ext cx="2450627" cy="1837971"/>
+            <a:off x="4139707" y="3181949"/>
+            <a:ext cx="4876800" cy="3657600"/>
           </a:xfrm>
           <a:prstGeom prst="rect">
             <a:avLst/>
@@ -20601,11 +20597,11 @@
   <p:clrMapOvr>
     <a:masterClrMapping/>
   </p:clrMapOvr>
-  <mc:AlternateContent xmlns:mc="http://schemas.openxmlformats.org/markup-compatibility/2006">
-    <mc:Choice xmlns:p14="http://schemas.microsoft.com/office/powerpoint/2010/main" Requires="p14">
+  <mc:AlternateContent xmlns:mc="http://schemas.openxmlformats.org/markup-compatibility/2006" xmlns:p14="http://schemas.microsoft.com/office/powerpoint/2010/main">
+    <mc:Choice Requires="p14">
       <p:transition p14:dur="10"/>
     </mc:Choice>
-    <mc:Fallback>
+    <mc:Fallback xmlns="">
       <p:transition/>
     </mc:Fallback>
   </mc:AlternateContent>

--- a/report/OptimalFinalPresentation.pptx
+++ b/report/OptimalFinalPresentation.pptx
@@ -5,10 +5,10 @@
     <p:sldMasterId id="2147483648" r:id="rId1"/>
   </p:sldMasterIdLst>
   <p:notesMasterIdLst>
-    <p:notesMasterId r:id="rId24"/>
+    <p:notesMasterId r:id="rId30"/>
   </p:notesMasterIdLst>
   <p:handoutMasterIdLst>
-    <p:handoutMasterId r:id="rId25"/>
+    <p:handoutMasterId r:id="rId31"/>
   </p:handoutMasterIdLst>
   <p:sldIdLst>
     <p:sldId id="256" r:id="rId2"/>
@@ -25,14 +25,20 @@
     <p:sldId id="279" r:id="rId13"/>
     <p:sldId id="267" r:id="rId14"/>
     <p:sldId id="268" r:id="rId15"/>
-    <p:sldId id="269" r:id="rId16"/>
-    <p:sldId id="284" r:id="rId17"/>
-    <p:sldId id="285" r:id="rId18"/>
-    <p:sldId id="270" r:id="rId19"/>
-    <p:sldId id="271" r:id="rId20"/>
-    <p:sldId id="272" r:id="rId21"/>
-    <p:sldId id="280" r:id="rId22"/>
-    <p:sldId id="281" r:id="rId23"/>
+    <p:sldId id="287" r:id="rId16"/>
+    <p:sldId id="290" r:id="rId17"/>
+    <p:sldId id="284" r:id="rId18"/>
+    <p:sldId id="289" r:id="rId19"/>
+    <p:sldId id="294" r:id="rId20"/>
+    <p:sldId id="288" r:id="rId21"/>
+    <p:sldId id="291" r:id="rId22"/>
+    <p:sldId id="293" r:id="rId23"/>
+    <p:sldId id="292" r:id="rId24"/>
+    <p:sldId id="270" r:id="rId25"/>
+    <p:sldId id="271" r:id="rId26"/>
+    <p:sldId id="272" r:id="rId27"/>
+    <p:sldId id="281" r:id="rId28"/>
+    <p:sldId id="285" r:id="rId29"/>
   </p:sldIdLst>
   <p:sldSz cx="12192000" cy="6858000"/>
   <p:notesSz cx="9144000" cy="6858000"/>
@@ -274,7 +280,7 @@
           <a:p>
             <a:fld id="{6D72FF73-3B8F-A544-A0A0-42F2B80C88BC}" type="datetimeFigureOut">
               <a:rPr lang="en-US" smtClean="0"/>
-              <a:t>5/2/2025</a:t>
+              <a:t>5/3/2025</a:t>
             </a:fld>
             <a:endParaRPr lang="en-US" dirty="0"/>
           </a:p>
@@ -572,6 +578,383 @@
     <p:extLst>
       <p:ext uri="{BB962C8B-B14F-4D97-AF65-F5344CB8AC3E}">
         <p14:creationId xmlns:p14="http://schemas.microsoft.com/office/powerpoint/2010/main" val="256355981"/>
+      </p:ext>
+    </p:extLst>
+  </p:cSld>
+  <p:clrMapOvr>
+    <a:masterClrMapping/>
+  </p:clrMapOvr>
+</p:notes>
+</file>
+
+<file path=ppt/notesSlides/notesSlide2.xml><?xml version="1.0" encoding="utf-8"?>
+<p:notes xmlns:a="http://schemas.openxmlformats.org/drawingml/2006/main" xmlns:r="http://schemas.openxmlformats.org/officeDocument/2006/relationships" xmlns:p="http://schemas.openxmlformats.org/presentationml/2006/main">
+  <p:cSld>
+    <p:spTree>
+      <p:nvGrpSpPr>
+        <p:cNvPr id="1" name="">
+          <a:extLst>
+            <a:ext uri="{FF2B5EF4-FFF2-40B4-BE49-F238E27FC236}">
+              <a16:creationId xmlns:a16="http://schemas.microsoft.com/office/drawing/2014/main" id="{569AB05C-D7BE-93FB-9FD2-CC5179AEACF7}"/>
+            </a:ext>
+          </a:extLst>
+        </p:cNvPr>
+        <p:cNvGrpSpPr/>
+        <p:nvPr/>
+      </p:nvGrpSpPr>
+      <p:grpSpPr>
+        <a:xfrm>
+          <a:off x="0" y="0"/>
+          <a:ext cx="0" cy="0"/>
+          <a:chOff x="0" y="0"/>
+          <a:chExt cx="0" cy="0"/>
+        </a:xfrm>
+      </p:grpSpPr>
+      <p:sp>
+        <p:nvSpPr>
+          <p:cNvPr id="2" name="Slide Image Placeholder 1">
+            <a:extLst>
+              <a:ext uri="{FF2B5EF4-FFF2-40B4-BE49-F238E27FC236}">
+                <a16:creationId xmlns:a16="http://schemas.microsoft.com/office/drawing/2014/main" id="{F44D7C11-1880-33D9-419A-E79C45D05000}"/>
+              </a:ext>
+            </a:extLst>
+          </p:cNvPr>
+          <p:cNvSpPr>
+            <a:spLocks noGrp="1" noRot="1" noChangeAspect="1"/>
+          </p:cNvSpPr>
+          <p:nvPr>
+            <p:ph type="sldImg"/>
+          </p:nvPr>
+        </p:nvSpPr>
+        <p:spPr/>
+      </p:sp>
+      <p:sp>
+        <p:nvSpPr>
+          <p:cNvPr id="3" name="Notes Placeholder 2">
+            <a:extLst>
+              <a:ext uri="{FF2B5EF4-FFF2-40B4-BE49-F238E27FC236}">
+                <a16:creationId xmlns:a16="http://schemas.microsoft.com/office/drawing/2014/main" id="{B19FA369-D88B-39D9-762C-D5B7C33ABDAD}"/>
+              </a:ext>
+            </a:extLst>
+          </p:cNvPr>
+          <p:cNvSpPr>
+            <a:spLocks noGrp="1"/>
+          </p:cNvSpPr>
+          <p:nvPr>
+            <p:ph type="body" idx="1"/>
+          </p:nvPr>
+        </p:nvSpPr>
+        <p:spPr/>
+        <p:txBody>
+          <a:bodyPr/>
+          <a:lstStyle/>
+          <a:p>
+            <a:endParaRPr lang="en-US" dirty="0"/>
+          </a:p>
+        </p:txBody>
+      </p:sp>
+    </p:spTree>
+    <p:extLst>
+      <p:ext uri="{BB962C8B-B14F-4D97-AF65-F5344CB8AC3E}">
+        <p14:creationId xmlns:p14="http://schemas.microsoft.com/office/powerpoint/2010/main" val="3276520122"/>
+      </p:ext>
+    </p:extLst>
+  </p:cSld>
+  <p:clrMapOvr>
+    <a:masterClrMapping/>
+  </p:clrMapOvr>
+</p:notes>
+</file>
+
+<file path=ppt/notesSlides/notesSlide3.xml><?xml version="1.0" encoding="utf-8"?>
+<p:notes xmlns:a="http://schemas.openxmlformats.org/drawingml/2006/main" xmlns:r="http://schemas.openxmlformats.org/officeDocument/2006/relationships" xmlns:p="http://schemas.openxmlformats.org/presentationml/2006/main">
+  <p:cSld>
+    <p:spTree>
+      <p:nvGrpSpPr>
+        <p:cNvPr id="1" name="">
+          <a:extLst>
+            <a:ext uri="{FF2B5EF4-FFF2-40B4-BE49-F238E27FC236}">
+              <a16:creationId xmlns:a16="http://schemas.microsoft.com/office/drawing/2014/main" id="{0E104838-E6E4-BF45-75F2-0384748B7FAB}"/>
+            </a:ext>
+          </a:extLst>
+        </p:cNvPr>
+        <p:cNvGrpSpPr/>
+        <p:nvPr/>
+      </p:nvGrpSpPr>
+      <p:grpSpPr>
+        <a:xfrm>
+          <a:off x="0" y="0"/>
+          <a:ext cx="0" cy="0"/>
+          <a:chOff x="0" y="0"/>
+          <a:chExt cx="0" cy="0"/>
+        </a:xfrm>
+      </p:grpSpPr>
+      <p:sp>
+        <p:nvSpPr>
+          <p:cNvPr id="2" name="Slide Image Placeholder 1">
+            <a:extLst>
+              <a:ext uri="{FF2B5EF4-FFF2-40B4-BE49-F238E27FC236}">
+                <a16:creationId xmlns:a16="http://schemas.microsoft.com/office/drawing/2014/main" id="{893CD917-3C55-11EE-8D63-28DBEFEF035F}"/>
+              </a:ext>
+            </a:extLst>
+          </p:cNvPr>
+          <p:cNvSpPr>
+            <a:spLocks noGrp="1" noRot="1" noChangeAspect="1"/>
+          </p:cNvSpPr>
+          <p:nvPr>
+            <p:ph type="sldImg"/>
+          </p:nvPr>
+        </p:nvSpPr>
+        <p:spPr/>
+      </p:sp>
+      <p:sp>
+        <p:nvSpPr>
+          <p:cNvPr id="3" name="Notes Placeholder 2">
+            <a:extLst>
+              <a:ext uri="{FF2B5EF4-FFF2-40B4-BE49-F238E27FC236}">
+                <a16:creationId xmlns:a16="http://schemas.microsoft.com/office/drawing/2014/main" id="{6481F04B-15CD-B538-14C7-7E23F68BE506}"/>
+              </a:ext>
+            </a:extLst>
+          </p:cNvPr>
+          <p:cNvSpPr>
+            <a:spLocks noGrp="1"/>
+          </p:cNvSpPr>
+          <p:nvPr>
+            <p:ph type="body" idx="1"/>
+          </p:nvPr>
+        </p:nvSpPr>
+        <p:spPr/>
+        <p:txBody>
+          <a:bodyPr/>
+          <a:lstStyle/>
+          <a:p>
+            <a:endParaRPr lang="en-US" dirty="0"/>
+          </a:p>
+        </p:txBody>
+      </p:sp>
+    </p:spTree>
+    <p:extLst>
+      <p:ext uri="{BB962C8B-B14F-4D97-AF65-F5344CB8AC3E}">
+        <p14:creationId xmlns:p14="http://schemas.microsoft.com/office/powerpoint/2010/main" val="389870125"/>
+      </p:ext>
+    </p:extLst>
+  </p:cSld>
+  <p:clrMapOvr>
+    <a:masterClrMapping/>
+  </p:clrMapOvr>
+</p:notes>
+</file>
+
+<file path=ppt/notesSlides/notesSlide4.xml><?xml version="1.0" encoding="utf-8"?>
+<p:notes xmlns:a="http://schemas.openxmlformats.org/drawingml/2006/main" xmlns:r="http://schemas.openxmlformats.org/officeDocument/2006/relationships" xmlns:p="http://schemas.openxmlformats.org/presentationml/2006/main">
+  <p:cSld>
+    <p:spTree>
+      <p:nvGrpSpPr>
+        <p:cNvPr id="1" name=""/>
+        <p:cNvGrpSpPr/>
+        <p:nvPr/>
+      </p:nvGrpSpPr>
+      <p:grpSpPr>
+        <a:xfrm>
+          <a:off x="0" y="0"/>
+          <a:ext cx="0" cy="0"/>
+          <a:chOff x="0" y="0"/>
+          <a:chExt cx="0" cy="0"/>
+        </a:xfrm>
+      </p:grpSpPr>
+      <p:sp>
+        <p:nvSpPr>
+          <p:cNvPr id="2" name="Slide Image Placeholder 1"/>
+          <p:cNvSpPr>
+            <a:spLocks noGrp="1" noRot="1" noChangeAspect="1"/>
+          </p:cNvSpPr>
+          <p:nvPr>
+            <p:ph type="sldImg"/>
+          </p:nvPr>
+        </p:nvSpPr>
+        <p:spPr/>
+      </p:sp>
+      <p:sp>
+        <p:nvSpPr>
+          <p:cNvPr id="3" name="Notes Placeholder 2"/>
+          <p:cNvSpPr>
+            <a:spLocks noGrp="1"/>
+          </p:cNvSpPr>
+          <p:nvPr>
+            <p:ph type="body" idx="1"/>
+          </p:nvPr>
+        </p:nvSpPr>
+        <p:spPr/>
+        <p:txBody>
+          <a:bodyPr/>
+          <a:lstStyle/>
+          <a:p>
+            <a:endParaRPr lang="en-US" dirty="0"/>
+          </a:p>
+        </p:txBody>
+      </p:sp>
+    </p:spTree>
+    <p:extLst>
+      <p:ext uri="{BB962C8B-B14F-4D97-AF65-F5344CB8AC3E}">
+        <p14:creationId xmlns:p14="http://schemas.microsoft.com/office/powerpoint/2010/main" val="3104954142"/>
+      </p:ext>
+    </p:extLst>
+  </p:cSld>
+  <p:clrMapOvr>
+    <a:masterClrMapping/>
+  </p:clrMapOvr>
+</p:notes>
+</file>
+
+<file path=ppt/notesSlides/notesSlide5.xml><?xml version="1.0" encoding="utf-8"?>
+<p:notes xmlns:a="http://schemas.openxmlformats.org/drawingml/2006/main" xmlns:r="http://schemas.openxmlformats.org/officeDocument/2006/relationships" xmlns:p="http://schemas.openxmlformats.org/presentationml/2006/main">
+  <p:cSld>
+    <p:spTree>
+      <p:nvGrpSpPr>
+        <p:cNvPr id="1" name="">
+          <a:extLst>
+            <a:ext uri="{FF2B5EF4-FFF2-40B4-BE49-F238E27FC236}">
+              <a16:creationId xmlns:a16="http://schemas.microsoft.com/office/drawing/2014/main" id="{086F3E7C-2FA9-060E-14CE-B48E2B74BB66}"/>
+            </a:ext>
+          </a:extLst>
+        </p:cNvPr>
+        <p:cNvGrpSpPr/>
+        <p:nvPr/>
+      </p:nvGrpSpPr>
+      <p:grpSpPr>
+        <a:xfrm>
+          <a:off x="0" y="0"/>
+          <a:ext cx="0" cy="0"/>
+          <a:chOff x="0" y="0"/>
+          <a:chExt cx="0" cy="0"/>
+        </a:xfrm>
+      </p:grpSpPr>
+      <p:sp>
+        <p:nvSpPr>
+          <p:cNvPr id="2" name="Slide Image Placeholder 1">
+            <a:extLst>
+              <a:ext uri="{FF2B5EF4-FFF2-40B4-BE49-F238E27FC236}">
+                <a16:creationId xmlns:a16="http://schemas.microsoft.com/office/drawing/2014/main" id="{7EBEAC60-386F-0E72-22F0-0D34E4FDB182}"/>
+              </a:ext>
+            </a:extLst>
+          </p:cNvPr>
+          <p:cNvSpPr>
+            <a:spLocks noGrp="1" noRot="1" noChangeAspect="1"/>
+          </p:cNvSpPr>
+          <p:nvPr>
+            <p:ph type="sldImg"/>
+          </p:nvPr>
+        </p:nvSpPr>
+        <p:spPr/>
+      </p:sp>
+      <p:sp>
+        <p:nvSpPr>
+          <p:cNvPr id="3" name="Notes Placeholder 2">
+            <a:extLst>
+              <a:ext uri="{FF2B5EF4-FFF2-40B4-BE49-F238E27FC236}">
+                <a16:creationId xmlns:a16="http://schemas.microsoft.com/office/drawing/2014/main" id="{6C88B6F3-33EC-FBF3-71E2-133BE0E2C320}"/>
+              </a:ext>
+            </a:extLst>
+          </p:cNvPr>
+          <p:cNvSpPr>
+            <a:spLocks noGrp="1"/>
+          </p:cNvSpPr>
+          <p:nvPr>
+            <p:ph type="body" idx="1"/>
+          </p:nvPr>
+        </p:nvSpPr>
+        <p:spPr/>
+        <p:txBody>
+          <a:bodyPr/>
+          <a:lstStyle/>
+          <a:p>
+            <a:endParaRPr lang="en-US" dirty="0"/>
+          </a:p>
+        </p:txBody>
+      </p:sp>
+    </p:spTree>
+    <p:extLst>
+      <p:ext uri="{BB962C8B-B14F-4D97-AF65-F5344CB8AC3E}">
+        <p14:creationId xmlns:p14="http://schemas.microsoft.com/office/powerpoint/2010/main" val="3498683735"/>
+      </p:ext>
+    </p:extLst>
+  </p:cSld>
+  <p:clrMapOvr>
+    <a:masterClrMapping/>
+  </p:clrMapOvr>
+</p:notes>
+</file>
+
+<file path=ppt/notesSlides/notesSlide6.xml><?xml version="1.0" encoding="utf-8"?>
+<p:notes xmlns:a="http://schemas.openxmlformats.org/drawingml/2006/main" xmlns:r="http://schemas.openxmlformats.org/officeDocument/2006/relationships" xmlns:p="http://schemas.openxmlformats.org/presentationml/2006/main">
+  <p:cSld>
+    <p:spTree>
+      <p:nvGrpSpPr>
+        <p:cNvPr id="1" name="">
+          <a:extLst>
+            <a:ext uri="{FF2B5EF4-FFF2-40B4-BE49-F238E27FC236}">
+              <a16:creationId xmlns:a16="http://schemas.microsoft.com/office/drawing/2014/main" id="{E44B39E8-FABB-CAB0-1FEB-33B04D1DD5FF}"/>
+            </a:ext>
+          </a:extLst>
+        </p:cNvPr>
+        <p:cNvGrpSpPr/>
+        <p:nvPr/>
+      </p:nvGrpSpPr>
+      <p:grpSpPr>
+        <a:xfrm>
+          <a:off x="0" y="0"/>
+          <a:ext cx="0" cy="0"/>
+          <a:chOff x="0" y="0"/>
+          <a:chExt cx="0" cy="0"/>
+        </a:xfrm>
+      </p:grpSpPr>
+      <p:sp>
+        <p:nvSpPr>
+          <p:cNvPr id="2" name="Slide Image Placeholder 1">
+            <a:extLst>
+              <a:ext uri="{FF2B5EF4-FFF2-40B4-BE49-F238E27FC236}">
+                <a16:creationId xmlns:a16="http://schemas.microsoft.com/office/drawing/2014/main" id="{DA3E5019-441F-1E45-6F35-38361271EF80}"/>
+              </a:ext>
+            </a:extLst>
+          </p:cNvPr>
+          <p:cNvSpPr>
+            <a:spLocks noGrp="1" noRot="1" noChangeAspect="1"/>
+          </p:cNvSpPr>
+          <p:nvPr>
+            <p:ph type="sldImg"/>
+          </p:nvPr>
+        </p:nvSpPr>
+        <p:spPr/>
+      </p:sp>
+      <p:sp>
+        <p:nvSpPr>
+          <p:cNvPr id="3" name="Notes Placeholder 2">
+            <a:extLst>
+              <a:ext uri="{FF2B5EF4-FFF2-40B4-BE49-F238E27FC236}">
+                <a16:creationId xmlns:a16="http://schemas.microsoft.com/office/drawing/2014/main" id="{D38C1649-44A4-F636-F022-68DDFE28D0CC}"/>
+              </a:ext>
+            </a:extLst>
+          </p:cNvPr>
+          <p:cNvSpPr>
+            <a:spLocks noGrp="1"/>
+          </p:cNvSpPr>
+          <p:nvPr>
+            <p:ph type="body" idx="1"/>
+          </p:nvPr>
+        </p:nvSpPr>
+        <p:spPr/>
+        <p:txBody>
+          <a:bodyPr/>
+          <a:lstStyle/>
+          <a:p>
+            <a:endParaRPr lang="en-US" dirty="0"/>
+          </a:p>
+        </p:txBody>
+      </p:sp>
+    </p:spTree>
+    <p:extLst>
+      <p:ext uri="{BB962C8B-B14F-4D97-AF65-F5344CB8AC3E}">
+        <p14:creationId xmlns:p14="http://schemas.microsoft.com/office/powerpoint/2010/main" val="2660245003"/>
       </p:ext>
     </p:extLst>
   </p:cSld>
@@ -2608,13 +2991,20 @@
         <p:spPr/>
         <p:txBody>
           <a:bodyPr>
-            <a:normAutofit fontScale="90000"/>
+            <a:noAutofit/>
           </a:bodyPr>
           <a:lstStyle/>
           <a:p>
             <a:r>
-              <a:rPr lang="en-US" dirty="0"/>
-              <a:t>Interacting Multiple Model (IMM) Algorithm for Mode Detection and Filter Fusion</a:t>
+              <a:rPr lang="en-US" sz="3600" dirty="0"/>
+              <a:t>Interacting Multiple Model (IMM): </a:t>
+            </a:r>
+            <a:br>
+              <a:rPr lang="en-US" sz="3600" dirty="0"/>
+            </a:br>
+            <a:r>
+              <a:rPr lang="en-US" sz="3600" dirty="0"/>
+              <a:t>Algorithm for Mode Detection &amp; Filter Fusion</a:t>
             </a:r>
           </a:p>
         </p:txBody>
@@ -17618,7 +18008,7 @@
         </p:nvSpPr>
         <p:spPr>
           <a:xfrm>
-            <a:off x="1507140" y="1424734"/>
+            <a:off x="979788" y="1424734"/>
             <a:ext cx="4007835" cy="4911725"/>
           </a:xfrm>
         </p:spPr>
@@ -17632,27 +18022,6 @@
             <a:r>
               <a:rPr lang="en-US" u="sng" dirty="0"/>
               <a:t>CV-CT</a:t>
-            </a:r>
-          </a:p>
-          <a:p>
-            <a:pPr algn="l"/>
-            <a:r>
-              <a:rPr lang="en-US" sz="2000" dirty="0"/>
-              <a:t>10m/s East for 10sec</a:t>
-            </a:r>
-          </a:p>
-          <a:p>
-            <a:pPr algn="l"/>
-            <a:r>
-              <a:rPr lang="en-US" sz="2000" dirty="0"/>
-              <a:t>30°/s for 10sec</a:t>
-            </a:r>
-          </a:p>
-          <a:p>
-            <a:pPr algn="l"/>
-            <a:r>
-              <a:rPr lang="en-US" sz="2000" dirty="0"/>
-              <a:t>10m/s at resultant heading for 10sec</a:t>
             </a:r>
           </a:p>
         </p:txBody>
@@ -17673,7 +18042,7 @@
         </p:nvSpPr>
         <p:spPr>
           <a:xfrm>
-            <a:off x="6677027" y="1424733"/>
+            <a:off x="7099794" y="1429466"/>
             <a:ext cx="4122135" cy="4911725"/>
           </a:xfrm>
           <a:prstGeom prst="rect">
@@ -17893,43 +18262,6 @@
               <a:rPr lang="en-US" u="sng" dirty="0"/>
               <a:t>CV-CT-CA</a:t>
             </a:r>
-          </a:p>
-          <a:p>
-            <a:pPr algn="l"/>
-            <a:r>
-              <a:rPr lang="en-US" sz="2000" dirty="0"/>
-              <a:t>10m/s East for 10sec</a:t>
-            </a:r>
-          </a:p>
-          <a:p>
-            <a:pPr algn="l"/>
-            <a:r>
-              <a:rPr lang="en-US" sz="2000" dirty="0"/>
-              <a:t>30°/s for 10sec</a:t>
-            </a:r>
-          </a:p>
-          <a:p>
-            <a:pPr algn="l"/>
-            <a:r>
-              <a:rPr lang="en-US" sz="2000" dirty="0"/>
-              <a:t>5m/s</a:t>
-            </a:r>
-            <a:r>
-              <a:rPr lang="en-US" sz="2000" baseline="30000" dirty="0"/>
-              <a:t>2</a:t>
-            </a:r>
-            <a:r>
-              <a:rPr lang="en-US" sz="2000" dirty="0"/>
-              <a:t> in x and y directions for 10sec</a:t>
-            </a:r>
-            <a:r>
-              <a:rPr lang="en-US" sz="2000" baseline="30000" dirty="0"/>
-              <a:t> </a:t>
-            </a:r>
-            <a:endParaRPr lang="en-US" sz="2000" b="0" baseline="30000" dirty="0"/>
-          </a:p>
-          <a:p>
-            <a:pPr algn="l"/>
             <a:endParaRPr lang="en-US" sz="2000" dirty="0"/>
           </a:p>
           <a:p>
@@ -17972,8 +18304,8 @@
         </p:blipFill>
         <p:spPr>
           <a:xfrm>
-            <a:off x="1392838" y="3429000"/>
-            <a:ext cx="4571999" cy="3429000"/>
+            <a:off x="135540" y="2035922"/>
+            <a:ext cx="5791200" cy="4343400"/>
           </a:xfrm>
           <a:prstGeom prst="rect">
             <a:avLst/>
@@ -18096,8 +18428,8 @@
         </p:blipFill>
         <p:spPr>
           <a:xfrm>
-            <a:off x="6832141" y="3420904"/>
-            <a:ext cx="4572000" cy="3429000"/>
+            <a:off x="6265262" y="1988115"/>
+            <a:ext cx="5791200" cy="4343400"/>
           </a:xfrm>
           <a:prstGeom prst="rect">
             <a:avLst/>
@@ -18123,10 +18455,99 @@
   <p:cSld>
     <p:spTree>
       <p:nvGrpSpPr>
+        <p:cNvPr id="1" name=""/>
+        <p:cNvGrpSpPr/>
+        <p:nvPr/>
+      </p:nvGrpSpPr>
+      <p:grpSpPr>
+        <a:xfrm>
+          <a:off x="0" y="0"/>
+          <a:ext cx="0" cy="0"/>
+          <a:chOff x="0" y="0"/>
+          <a:chExt cx="0" cy="0"/>
+        </a:xfrm>
+      </p:grpSpPr>
+      <p:sp>
+        <p:nvSpPr>
+          <p:cNvPr id="2" name="Title 1">
+            <a:extLst>
+              <a:ext uri="{FF2B5EF4-FFF2-40B4-BE49-F238E27FC236}">
+                <a16:creationId xmlns:a16="http://schemas.microsoft.com/office/drawing/2014/main" id="{647C3F02-96D3-D957-E26D-9A2BA359E8E2}"/>
+              </a:ext>
+            </a:extLst>
+          </p:cNvPr>
+          <p:cNvSpPr>
+            <a:spLocks noGrp="1"/>
+          </p:cNvSpPr>
+          <p:nvPr>
+            <p:ph type="title"/>
+          </p:nvPr>
+        </p:nvSpPr>
+        <p:spPr/>
+        <p:txBody>
+          <a:bodyPr/>
+          <a:lstStyle/>
+          <a:p>
+            <a:r>
+              <a:rPr lang="en-US" dirty="0"/>
+              <a:t>Constant Velocity – Constant Turn Rate IMM</a:t>
+            </a:r>
+          </a:p>
+        </p:txBody>
+      </p:sp>
+      <p:sp>
+        <p:nvSpPr>
+          <p:cNvPr id="3" name="Slide Number Placeholder 2">
+            <a:extLst>
+              <a:ext uri="{FF2B5EF4-FFF2-40B4-BE49-F238E27FC236}">
+                <a16:creationId xmlns:a16="http://schemas.microsoft.com/office/drawing/2014/main" id="{CB11B403-A935-8088-678E-6E313DF268F7}"/>
+              </a:ext>
+            </a:extLst>
+          </p:cNvPr>
+          <p:cNvSpPr>
+            <a:spLocks noGrp="1"/>
+          </p:cNvSpPr>
+          <p:nvPr>
+            <p:ph type="sldNum" sz="quarter" idx="10"/>
+          </p:nvPr>
+        </p:nvSpPr>
+        <p:spPr/>
+        <p:txBody>
+          <a:bodyPr/>
+          <a:lstStyle/>
+          <a:p>
+            <a:fld id="{CAC3FE34-2808-40E6-BEA2-B7CA77D47CA5}" type="slidenum">
+              <a:rPr lang="en-US" smtClean="0"/>
+              <a:pPr/>
+              <a:t>15</a:t>
+            </a:fld>
+            <a:endParaRPr lang="en-US" dirty="0"/>
+          </a:p>
+        </p:txBody>
+      </p:sp>
+    </p:spTree>
+    <p:extLst>
+      <p:ext uri="{BB962C8B-B14F-4D97-AF65-F5344CB8AC3E}">
+        <p14:creationId xmlns:p14="http://schemas.microsoft.com/office/powerpoint/2010/main" val="2839730028"/>
+      </p:ext>
+    </p:extLst>
+  </p:cSld>
+  <p:clrMapOvr>
+    <a:masterClrMapping/>
+  </p:clrMapOvr>
+  <p:transition spd="med"/>
+</p:sld>
+</file>
+
+<file path=ppt/slides/slide16.xml><?xml version="1.0" encoding="utf-8"?>
+<p:sld xmlns:a="http://schemas.openxmlformats.org/drawingml/2006/main" xmlns:r="http://schemas.openxmlformats.org/officeDocument/2006/relationships" xmlns:p="http://schemas.openxmlformats.org/presentationml/2006/main">
+  <p:cSld>
+    <p:spTree>
+      <p:nvGrpSpPr>
         <p:cNvPr id="1" name="">
           <a:extLst>
             <a:ext uri="{FF2B5EF4-FFF2-40B4-BE49-F238E27FC236}">
-              <a16:creationId xmlns:a16="http://schemas.microsoft.com/office/drawing/2014/main" id="{C6C03512-145F-1E37-D300-B8C56040CA9C}"/>
+              <a16:creationId xmlns:a16="http://schemas.microsoft.com/office/drawing/2014/main" id="{DC734E34-6129-6BAF-CCD6-318E801038B2}"/>
             </a:ext>
           </a:extLst>
         </p:cNvPr>
@@ -18146,7 +18567,7 @@
           <p:cNvPr id="2" name="Title 1">
             <a:extLst>
               <a:ext uri="{FF2B5EF4-FFF2-40B4-BE49-F238E27FC236}">
-                <a16:creationId xmlns:a16="http://schemas.microsoft.com/office/drawing/2014/main" id="{60170152-B1E0-5D54-D2AF-907C51BDDE33}"/>
+                <a16:creationId xmlns:a16="http://schemas.microsoft.com/office/drawing/2014/main" id="{05499974-D88C-9C76-DB32-C182B71C61A3}"/>
               </a:ext>
             </a:extLst>
           </p:cNvPr>
@@ -18174,7 +18595,7 @@
           <p:cNvPr id="3" name="Slide Number Placeholder 2">
             <a:extLst>
               <a:ext uri="{FF2B5EF4-FFF2-40B4-BE49-F238E27FC236}">
-                <a16:creationId xmlns:a16="http://schemas.microsoft.com/office/drawing/2014/main" id="{62473CDE-9D5A-3E1C-762A-8DF486E3CB02}"/>
+                <a16:creationId xmlns:a16="http://schemas.microsoft.com/office/drawing/2014/main" id="{7F3A0669-03CE-F916-E46F-0525E4C008FD}"/>
               </a:ext>
             </a:extLst>
           </p:cNvPr>
@@ -18193,7 +18614,7 @@
             <a:fld id="{CAC3FE34-2808-40E6-BEA2-B7CA77D47CA5}" type="slidenum">
               <a:rPr lang="en-US" smtClean="0"/>
               <a:pPr/>
-              <a:t>15</a:t>
+              <a:t>16</a:t>
             </a:fld>
             <a:endParaRPr lang="en-US" dirty="0"/>
           </a:p>
@@ -18204,7 +18625,7 @@
           <p:cNvPr id="14" name="Text Placeholder 13">
             <a:extLst>
               <a:ext uri="{FF2B5EF4-FFF2-40B4-BE49-F238E27FC236}">
-                <a16:creationId xmlns:a16="http://schemas.microsoft.com/office/drawing/2014/main" id="{A888786F-9874-B96C-F21C-09E338BD3355}"/>
+                <a16:creationId xmlns:a16="http://schemas.microsoft.com/office/drawing/2014/main" id="{F01CD499-27F0-A7E8-A1EA-2F9974EE7278}"/>
               </a:ext>
             </a:extLst>
           </p:cNvPr>
@@ -18222,53 +18643,17 @@
           <a:p>
             <a:r>
               <a:rPr lang="en-US" dirty="0"/>
-              <a:t>Error Plots of Filters Shown Below:</a:t>
+              <a:t>Performance of IMM CV-CT Filter:</a:t>
             </a:r>
           </a:p>
         </p:txBody>
       </p:sp>
       <p:pic>
         <p:nvPicPr>
-          <p:cNvPr id="11" name="Picture 10" descr="A graph of different colored lines&#10;&#10;AI-generated content may be incorrect.">
+          <p:cNvPr id="6" name="Picture 5" descr="A graph of a graph of a graph of a graph of a graph of a graph of a graph of a graph of a graph of a graph of a graph of a graph of a graph of&#10;&#10;AI-generated content may be incorrect.">
             <a:extLst>
               <a:ext uri="{FF2B5EF4-FFF2-40B4-BE49-F238E27FC236}">
-                <a16:creationId xmlns:a16="http://schemas.microsoft.com/office/drawing/2014/main" id="{55F58FFB-9354-3D6B-CFDF-53C4ACBC112E}"/>
-              </a:ext>
-            </a:extLst>
-          </p:cNvPr>
-          <p:cNvPicPr>
-            <a:picLocks noChangeAspect="1"/>
-          </p:cNvPicPr>
-          <p:nvPr/>
-        </p:nvPicPr>
-        <p:blipFill>
-          <a:blip r:embed="rId2">
-            <a:extLst>
-              <a:ext uri="{28A0092B-C50C-407E-A947-70E740481C1C}">
-                <a14:useLocalDpi xmlns:a14="http://schemas.microsoft.com/office/drawing/2010/main" val="0"/>
-              </a:ext>
-            </a:extLst>
-          </a:blip>
-          <a:stretch>
-            <a:fillRect/>
-          </a:stretch>
-        </p:blipFill>
-        <p:spPr>
-          <a:xfrm>
-            <a:off x="326040" y="1988297"/>
-            <a:ext cx="5486399" cy="4114800"/>
-          </a:xfrm>
-          <a:prstGeom prst="rect">
-            <a:avLst/>
-          </a:prstGeom>
-        </p:spPr>
-      </p:pic>
-      <p:pic>
-        <p:nvPicPr>
-          <p:cNvPr id="13" name="Picture 12" descr="A graph of a graph of a function&#10;&#10;AI-generated content may be incorrect.">
-            <a:extLst>
-              <a:ext uri="{FF2B5EF4-FFF2-40B4-BE49-F238E27FC236}">
-                <a16:creationId xmlns:a16="http://schemas.microsoft.com/office/drawing/2014/main" id="{AAF22D0B-1B56-75D9-3CA4-4A63C9B3EF5E}"/>
+                <a16:creationId xmlns:a16="http://schemas.microsoft.com/office/drawing/2014/main" id="{38C42A53-8AD0-3A9C-E7D8-F43C9E64FCEE}"/>
               </a:ext>
             </a:extLst>
           </p:cNvPr>
@@ -18291,8 +18676,44 @@
         </p:blipFill>
         <p:spPr>
           <a:xfrm>
-            <a:off x="6379563" y="1988297"/>
-            <a:ext cx="5633955" cy="4114800"/>
+            <a:off x="304331" y="1909763"/>
+            <a:ext cx="5780858" cy="4343400"/>
+          </a:xfrm>
+          <a:prstGeom prst="rect">
+            <a:avLst/>
+          </a:prstGeom>
+        </p:spPr>
+      </p:pic>
+      <p:pic>
+        <p:nvPicPr>
+          <p:cNvPr id="9" name="Picture 8" descr="A graph of a graph of a graph of a graph of a graph of a graph of a graph of a graph of a graph of a graph of a graph of a graph of a graph of&#10;&#10;AI-generated content may be incorrect.">
+            <a:extLst>
+              <a:ext uri="{FF2B5EF4-FFF2-40B4-BE49-F238E27FC236}">
+                <a16:creationId xmlns:a16="http://schemas.microsoft.com/office/drawing/2014/main" id="{B22ABB97-B9B2-8769-C0F4-BF1A3DD3AF1E}"/>
+              </a:ext>
+            </a:extLst>
+          </p:cNvPr>
+          <p:cNvPicPr>
+            <a:picLocks noChangeAspect="1"/>
+          </p:cNvPicPr>
+          <p:nvPr/>
+        </p:nvPicPr>
+        <p:blipFill>
+          <a:blip r:embed="rId4">
+            <a:extLst>
+              <a:ext uri="{28A0092B-C50C-407E-A947-70E740481C1C}">
+                <a14:useLocalDpi xmlns:a14="http://schemas.microsoft.com/office/drawing/2010/main" val="0"/>
+              </a:ext>
+            </a:extLst>
+          </a:blip>
+          <a:stretch>
+            <a:fillRect/>
+          </a:stretch>
+        </p:blipFill>
+        <p:spPr>
+          <a:xfrm>
+            <a:off x="6254919" y="1909763"/>
+            <a:ext cx="5801541" cy="4343400"/>
           </a:xfrm>
           <a:prstGeom prst="rect">
             <a:avLst/>
@@ -18302,7 +18723,7 @@
     </p:spTree>
     <p:extLst>
       <p:ext uri="{BB962C8B-B14F-4D97-AF65-F5344CB8AC3E}">
-        <p14:creationId xmlns:p14="http://schemas.microsoft.com/office/powerpoint/2010/main" val="1044963884"/>
+        <p14:creationId xmlns:p14="http://schemas.microsoft.com/office/powerpoint/2010/main" val="3046163207"/>
       </p:ext>
     </p:extLst>
   </p:cSld>
@@ -18320,7 +18741,7 @@
 </p:sld>
 </file>
 
-<file path=ppt/slides/slide16.xml><?xml version="1.0" encoding="utf-8"?>
+<file path=ppt/slides/slide17.xml><?xml version="1.0" encoding="utf-8"?>
 <p:sld xmlns:a="http://schemas.openxmlformats.org/drawingml/2006/main" xmlns:r="http://schemas.openxmlformats.org/officeDocument/2006/relationships" xmlns:p="http://schemas.openxmlformats.org/presentationml/2006/main">
   <p:cSld>
     <p:spTree>
@@ -18395,7 +18816,7 @@
             <a:fld id="{CAC3FE34-2808-40E6-BEA2-B7CA77D47CA5}" type="slidenum">
               <a:rPr lang="en-US" smtClean="0"/>
               <a:pPr/>
-              <a:t>16</a:t>
+              <a:t>17</a:t>
             </a:fld>
             <a:endParaRPr lang="en-US" dirty="0"/>
           </a:p>
@@ -18420,7 +18841,7 @@
         <p:spPr>
           <a:xfrm>
             <a:off x="135540" y="1341438"/>
-            <a:ext cx="3893535" cy="4911725"/>
+            <a:ext cx="8909624" cy="4911725"/>
           </a:xfrm>
         </p:spPr>
         <p:txBody>
@@ -18429,26 +18850,17 @@
           <a:p>
             <a:r>
               <a:rPr lang="en-US" dirty="0"/>
-              <a:t>The IMM model was able to accurately predict the changing modes</a:t>
+              <a:t>IMM Model Mode Prediction:</a:t>
             </a:r>
-          </a:p>
-          <a:p>
-            <a:r>
-              <a:rPr lang="en-US" dirty="0"/>
-              <a:t>The CT model assumes that the turn rate is known</a:t>
-            </a:r>
-          </a:p>
-          <a:p>
-            <a:endParaRPr lang="en-US" dirty="0"/>
           </a:p>
         </p:txBody>
       </p:sp>
       <p:pic>
         <p:nvPicPr>
-          <p:cNvPr id="11" name="Picture 10" descr="A graph of different colored lines&#10;&#10;AI-generated content may be incorrect.">
+          <p:cNvPr id="9" name="Picture 8" descr="A graph of a mode probability&#10;&#10;AI-generated content may be incorrect.">
             <a:extLst>
               <a:ext uri="{FF2B5EF4-FFF2-40B4-BE49-F238E27FC236}">
-                <a16:creationId xmlns:a16="http://schemas.microsoft.com/office/drawing/2014/main" id="{A125C56F-4C37-036C-80E0-4B06E7E8CAF8}"/>
+                <a16:creationId xmlns:a16="http://schemas.microsoft.com/office/drawing/2014/main" id="{6941AC27-F7AB-61B5-95F7-83D1CA7CCEA9}"/>
               </a:ext>
             </a:extLst>
           </p:cNvPr>
@@ -18471,8 +18883,8 @@
         </p:blipFill>
         <p:spPr>
           <a:xfrm>
-            <a:off x="9127139" y="1306550"/>
-            <a:ext cx="3048000" cy="2286000"/>
+            <a:off x="794262" y="1774015"/>
+            <a:ext cx="6693626" cy="5029200"/>
           </a:xfrm>
           <a:prstGeom prst="rect">
             <a:avLst/>
@@ -18481,10 +18893,10 @@
       </p:pic>
       <p:pic>
         <p:nvPicPr>
-          <p:cNvPr id="13" name="Picture 12" descr="A graph of a graph of a function&#10;&#10;AI-generated content may be incorrect.">
+          <p:cNvPr id="10" name="Picture 9" descr="A graph with a red line and a blue circle&#10;&#10;AI-generated content may be incorrect.">
             <a:extLst>
               <a:ext uri="{FF2B5EF4-FFF2-40B4-BE49-F238E27FC236}">
-                <a16:creationId xmlns:a16="http://schemas.microsoft.com/office/drawing/2014/main" id="{5EBE1751-87F7-73E4-225E-54CD1E37DBD0}"/>
+                <a16:creationId xmlns:a16="http://schemas.microsoft.com/office/drawing/2014/main" id="{D50294E9-76CD-E569-9A5B-52179FCD83A2}"/>
               </a:ext>
             </a:extLst>
           </p:cNvPr>
@@ -18507,20 +18919,186 @@
         </p:blipFill>
         <p:spPr>
           <a:xfrm>
-            <a:off x="9045164" y="3797300"/>
-            <a:ext cx="3129975" cy="2286000"/>
+            <a:off x="7140958" y="2321681"/>
+            <a:ext cx="4876796" cy="3657600"/>
           </a:xfrm>
           <a:prstGeom prst="rect">
             <a:avLst/>
           </a:prstGeom>
         </p:spPr>
       </p:pic>
+    </p:spTree>
+    <p:extLst>
+      <p:ext uri="{BB962C8B-B14F-4D97-AF65-F5344CB8AC3E}">
+        <p14:creationId xmlns:p14="http://schemas.microsoft.com/office/powerpoint/2010/main" val="3384715479"/>
+      </p:ext>
+    </p:extLst>
+  </p:cSld>
+  <p:clrMapOvr>
+    <a:masterClrMapping/>
+  </p:clrMapOvr>
+  <mc:AlternateContent xmlns:mc="http://schemas.openxmlformats.org/markup-compatibility/2006">
+    <mc:Choice xmlns:p14="http://schemas.microsoft.com/office/powerpoint/2010/main" Requires="p14">
+      <p:transition p14:dur="0"/>
+    </mc:Choice>
+    <mc:Fallback>
+      <p:transition/>
+    </mc:Fallback>
+  </mc:AlternateContent>
+</p:sld>
+</file>
+
+<file path=ppt/slides/slide18.xml><?xml version="1.0" encoding="utf-8"?>
+<p:sld xmlns:a="http://schemas.openxmlformats.org/drawingml/2006/main" xmlns:r="http://schemas.openxmlformats.org/officeDocument/2006/relationships" xmlns:p="http://schemas.openxmlformats.org/presentationml/2006/main">
+  <p:cSld>
+    <p:spTree>
+      <p:nvGrpSpPr>
+        <p:cNvPr id="1" name="">
+          <a:extLst>
+            <a:ext uri="{FF2B5EF4-FFF2-40B4-BE49-F238E27FC236}">
+              <a16:creationId xmlns:a16="http://schemas.microsoft.com/office/drawing/2014/main" id="{10DC812B-A0FC-69A4-B619-B5B1A9F6283B}"/>
+            </a:ext>
+          </a:extLst>
+        </p:cNvPr>
+        <p:cNvGrpSpPr/>
+        <p:nvPr/>
+      </p:nvGrpSpPr>
+      <p:grpSpPr>
+        <a:xfrm>
+          <a:off x="0" y="0"/>
+          <a:ext cx="0" cy="0"/>
+          <a:chOff x="0" y="0"/>
+          <a:chExt cx="0" cy="0"/>
+        </a:xfrm>
+      </p:grpSpPr>
       <p:pic>
         <p:nvPicPr>
-          <p:cNvPr id="6" name="Picture 5" descr="A graph with a red line and a blue circle&#10;&#10;AI-generated content may be incorrect.">
+          <p:cNvPr id="6" name="Picture 5" descr="A graph of different colors and numbers&#10;&#10;AI-generated content may be incorrect.">
             <a:extLst>
               <a:ext uri="{FF2B5EF4-FFF2-40B4-BE49-F238E27FC236}">
-                <a16:creationId xmlns:a16="http://schemas.microsoft.com/office/drawing/2014/main" id="{AFCCE26B-66F7-C394-A923-F563A22D0E4D}"/>
+                <a16:creationId xmlns:a16="http://schemas.microsoft.com/office/drawing/2014/main" id="{3BB15061-B236-D0CD-A967-D3F770E204D4}"/>
+              </a:ext>
+            </a:extLst>
+          </p:cNvPr>
+          <p:cNvPicPr>
+            <a:picLocks noChangeAspect="1"/>
+          </p:cNvPicPr>
+          <p:nvPr/>
+        </p:nvPicPr>
+        <p:blipFill>
+          <a:blip r:embed="rId3">
+            <a:extLst>
+              <a:ext uri="{28A0092B-C50C-407E-A947-70E740481C1C}">
+                <a14:useLocalDpi xmlns:a14="http://schemas.microsoft.com/office/drawing/2010/main" val="0"/>
+              </a:ext>
+            </a:extLst>
+          </a:blip>
+          <a:stretch>
+            <a:fillRect/>
+          </a:stretch>
+        </p:blipFill>
+        <p:spPr>
+          <a:xfrm>
+            <a:off x="294459" y="1806391"/>
+            <a:ext cx="5801541" cy="4343400"/>
+          </a:xfrm>
+          <a:prstGeom prst="rect">
+            <a:avLst/>
+          </a:prstGeom>
+        </p:spPr>
+      </p:pic>
+      <p:sp>
+        <p:nvSpPr>
+          <p:cNvPr id="2" name="Title 1">
+            <a:extLst>
+              <a:ext uri="{FF2B5EF4-FFF2-40B4-BE49-F238E27FC236}">
+                <a16:creationId xmlns:a16="http://schemas.microsoft.com/office/drawing/2014/main" id="{4DEF1D76-594D-317E-A7E1-8214E8F16989}"/>
+              </a:ext>
+            </a:extLst>
+          </p:cNvPr>
+          <p:cNvSpPr>
+            <a:spLocks noGrp="1"/>
+          </p:cNvSpPr>
+          <p:nvPr>
+            <p:ph type="title"/>
+          </p:nvPr>
+        </p:nvSpPr>
+        <p:spPr/>
+        <p:txBody>
+          <a:bodyPr/>
+          <a:lstStyle/>
+          <a:p>
+            <a:r>
+              <a:rPr lang="en-US" dirty="0"/>
+              <a:t>Results (CV-CT) - Errors</a:t>
+            </a:r>
+          </a:p>
+        </p:txBody>
+      </p:sp>
+      <p:sp>
+        <p:nvSpPr>
+          <p:cNvPr id="3" name="Slide Number Placeholder 2">
+            <a:extLst>
+              <a:ext uri="{FF2B5EF4-FFF2-40B4-BE49-F238E27FC236}">
+                <a16:creationId xmlns:a16="http://schemas.microsoft.com/office/drawing/2014/main" id="{B1DBB0B5-42ED-0F7A-BA27-554003AB0680}"/>
+              </a:ext>
+            </a:extLst>
+          </p:cNvPr>
+          <p:cNvSpPr>
+            <a:spLocks noGrp="1"/>
+          </p:cNvSpPr>
+          <p:nvPr>
+            <p:ph type="sldNum" sz="quarter" idx="10"/>
+          </p:nvPr>
+        </p:nvSpPr>
+        <p:spPr/>
+        <p:txBody>
+          <a:bodyPr/>
+          <a:lstStyle/>
+          <a:p>
+            <a:fld id="{CAC3FE34-2808-40E6-BEA2-B7CA77D47CA5}" type="slidenum">
+              <a:rPr lang="en-US" smtClean="0"/>
+              <a:pPr/>
+              <a:t>18</a:t>
+            </a:fld>
+            <a:endParaRPr lang="en-US" dirty="0"/>
+          </a:p>
+        </p:txBody>
+      </p:sp>
+      <p:sp>
+        <p:nvSpPr>
+          <p:cNvPr id="14" name="Text Placeholder 13">
+            <a:extLst>
+              <a:ext uri="{FF2B5EF4-FFF2-40B4-BE49-F238E27FC236}">
+                <a16:creationId xmlns:a16="http://schemas.microsoft.com/office/drawing/2014/main" id="{5770AE07-8A41-12D9-130F-423A933B518E}"/>
+              </a:ext>
+            </a:extLst>
+          </p:cNvPr>
+          <p:cNvSpPr>
+            <a:spLocks noGrp="1"/>
+          </p:cNvSpPr>
+          <p:nvPr>
+            <p:ph type="body" sz="quarter" idx="11"/>
+          </p:nvPr>
+        </p:nvSpPr>
+        <p:spPr/>
+        <p:txBody>
+          <a:bodyPr/>
+          <a:lstStyle/>
+          <a:p>
+            <a:r>
+              <a:rPr lang="en-US" dirty="0"/>
+              <a:t>Comparison of IMM CV-CT Filter:</a:t>
+            </a:r>
+          </a:p>
+        </p:txBody>
+      </p:sp>
+      <p:pic>
+        <p:nvPicPr>
+          <p:cNvPr id="9" name="Picture 8" descr="A graph of a graph of a graph of a graph of a graph of a graph of a graph of a graph of a graph of a graph of a graph of a graph of a graph of&#10;&#10;AI-generated content may be incorrect.">
+            <a:extLst>
+              <a:ext uri="{FF2B5EF4-FFF2-40B4-BE49-F238E27FC236}">
+                <a16:creationId xmlns:a16="http://schemas.microsoft.com/office/drawing/2014/main" id="{050C2F92-5678-08B9-841D-C7BCC23AD4DA}"/>
               </a:ext>
             </a:extLst>
           </p:cNvPr>
@@ -18543,8 +19121,88 @@
         </p:blipFill>
         <p:spPr>
           <a:xfrm>
-            <a:off x="5354895" y="1343978"/>
-            <a:ext cx="2450627" cy="1837971"/>
+            <a:off x="6169819" y="1762849"/>
+            <a:ext cx="5791200" cy="4343400"/>
+          </a:xfrm>
+          <a:prstGeom prst="rect">
+            <a:avLst/>
+          </a:prstGeom>
+        </p:spPr>
+      </p:pic>
+    </p:spTree>
+    <p:extLst>
+      <p:ext uri="{BB962C8B-B14F-4D97-AF65-F5344CB8AC3E}">
+        <p14:creationId xmlns:p14="http://schemas.microsoft.com/office/powerpoint/2010/main" val="71376074"/>
+      </p:ext>
+    </p:extLst>
+  </p:cSld>
+  <p:clrMapOvr>
+    <a:masterClrMapping/>
+  </p:clrMapOvr>
+  <mc:AlternateContent xmlns:mc="http://schemas.openxmlformats.org/markup-compatibility/2006" xmlns:p14="http://schemas.microsoft.com/office/powerpoint/2010/main">
+    <mc:Choice Requires="p14">
+      <p:transition p14:dur="0"/>
+    </mc:Choice>
+    <mc:Fallback xmlns="">
+      <p:transition/>
+    </mc:Fallback>
+  </mc:AlternateContent>
+</p:sld>
+</file>
+
+<file path=ppt/slides/slide19.xml><?xml version="1.0" encoding="utf-8"?>
+<p:sld xmlns:a="http://schemas.openxmlformats.org/drawingml/2006/main" xmlns:r="http://schemas.openxmlformats.org/officeDocument/2006/relationships" xmlns:p="http://schemas.openxmlformats.org/presentationml/2006/main">
+  <p:cSld>
+    <p:spTree>
+      <p:nvGrpSpPr>
+        <p:cNvPr id="1" name="">
+          <a:extLst>
+            <a:ext uri="{FF2B5EF4-FFF2-40B4-BE49-F238E27FC236}">
+              <a16:creationId xmlns:a16="http://schemas.microsoft.com/office/drawing/2014/main" id="{37A5341F-0E39-0FFF-B20E-76D2351FC84D}"/>
+            </a:ext>
+          </a:extLst>
+        </p:cNvPr>
+        <p:cNvGrpSpPr/>
+        <p:nvPr/>
+      </p:nvGrpSpPr>
+      <p:grpSpPr>
+        <a:xfrm>
+          <a:off x="0" y="0"/>
+          <a:ext cx="0" cy="0"/>
+          <a:chOff x="0" y="0"/>
+          <a:chExt cx="0" cy="0"/>
+        </a:xfrm>
+      </p:grpSpPr>
+      <p:pic>
+        <p:nvPicPr>
+          <p:cNvPr id="61" name="Picture 60" descr="A graph of a graph&#10;&#10;AI-generated content may be incorrect.">
+            <a:extLst>
+              <a:ext uri="{FF2B5EF4-FFF2-40B4-BE49-F238E27FC236}">
+                <a16:creationId xmlns:a16="http://schemas.microsoft.com/office/drawing/2014/main" id="{75CACF10-F3B9-47B4-BBA7-E2A56629F12F}"/>
+              </a:ext>
+            </a:extLst>
+          </p:cNvPr>
+          <p:cNvPicPr>
+            <a:picLocks noChangeAspect="1"/>
+          </p:cNvPicPr>
+          <p:nvPr/>
+        </p:nvPicPr>
+        <p:blipFill>
+          <a:blip r:embed="rId3">
+            <a:extLst>
+              <a:ext uri="{28A0092B-C50C-407E-A947-70E740481C1C}">
+                <a14:useLocalDpi xmlns:a14="http://schemas.microsoft.com/office/drawing/2010/main" val="0"/>
+              </a:ext>
+            </a:extLst>
+          </a:blip>
+          <a:stretch>
+            <a:fillRect/>
+          </a:stretch>
+        </p:blipFill>
+        <p:spPr>
+          <a:xfrm>
+            <a:off x="7931653" y="2511204"/>
+            <a:ext cx="4259579" cy="3200400"/>
           </a:xfrm>
           <a:prstGeom prst="rect">
             <a:avLst/>
@@ -18553,10 +19211,46 @@
       </p:pic>
       <p:pic>
         <p:nvPicPr>
-          <p:cNvPr id="7" name="Picture 6" descr="A graph of a graph&#10;&#10;AI-generated content may be incorrect.">
+          <p:cNvPr id="55" name="Picture 54" descr="A graph of a mode probability&#10;&#10;AI-generated content may be incorrect.">
             <a:extLst>
               <a:ext uri="{FF2B5EF4-FFF2-40B4-BE49-F238E27FC236}">
-                <a16:creationId xmlns:a16="http://schemas.microsoft.com/office/drawing/2014/main" id="{34FB66FD-90EE-0CCB-00F1-496F37756E86}"/>
+                <a16:creationId xmlns:a16="http://schemas.microsoft.com/office/drawing/2014/main" id="{99B6AB6A-C8F2-87AA-00B9-6E8773518106}"/>
+              </a:ext>
+            </a:extLst>
+          </p:cNvPr>
+          <p:cNvPicPr>
+            <a:picLocks noChangeAspect="1"/>
+          </p:cNvPicPr>
+          <p:nvPr/>
+        </p:nvPicPr>
+        <p:blipFill>
+          <a:blip r:embed="rId4">
+            <a:extLst>
+              <a:ext uri="{28A0092B-C50C-407E-A947-70E740481C1C}">
+                <a14:useLocalDpi xmlns:a14="http://schemas.microsoft.com/office/drawing/2010/main" val="0"/>
+              </a:ext>
+            </a:extLst>
+          </a:blip>
+          <a:stretch>
+            <a:fillRect/>
+          </a:stretch>
+        </p:blipFill>
+        <p:spPr>
+          <a:xfrm>
+            <a:off x="3891072" y="2511204"/>
+            <a:ext cx="4274820" cy="3200400"/>
+          </a:xfrm>
+          <a:prstGeom prst="rect">
+            <a:avLst/>
+          </a:prstGeom>
+        </p:spPr>
+      </p:pic>
+      <p:pic>
+        <p:nvPicPr>
+          <p:cNvPr id="38" name="Picture 37" descr="A graph of a mode probability&#10;&#10;AI-generated content may be incorrect.">
+            <a:extLst>
+              <a:ext uri="{FF2B5EF4-FFF2-40B4-BE49-F238E27FC236}">
+                <a16:creationId xmlns:a16="http://schemas.microsoft.com/office/drawing/2014/main" id="{BC5F5AEE-F1C5-613B-3E7A-8FB613F2BEC4}"/>
               </a:ext>
             </a:extLst>
           </p:cNvPr>
@@ -18579,8 +19273,1485 @@
         </p:blipFill>
         <p:spPr>
           <a:xfrm>
-            <a:off x="4139707" y="3181949"/>
-            <a:ext cx="4876800" cy="3657600"/>
+            <a:off x="0" y="2511204"/>
+            <a:ext cx="4260349" cy="3200979"/>
+          </a:xfrm>
+          <a:prstGeom prst="rect">
+            <a:avLst/>
+          </a:prstGeom>
+        </p:spPr>
+      </p:pic>
+      <p:sp>
+        <p:nvSpPr>
+          <p:cNvPr id="46" name="Text Placeholder 39">
+            <a:extLst>
+              <a:ext uri="{FF2B5EF4-FFF2-40B4-BE49-F238E27FC236}">
+                <a16:creationId xmlns:a16="http://schemas.microsoft.com/office/drawing/2014/main" id="{D1B6438D-625B-A54E-055E-F84580793D45}"/>
+              </a:ext>
+            </a:extLst>
+          </p:cNvPr>
+          <p:cNvSpPr txBox="1">
+            <a:spLocks/>
+          </p:cNvSpPr>
+          <p:nvPr/>
+        </p:nvSpPr>
+        <p:spPr>
+          <a:xfrm>
+            <a:off x="1915390" y="1427676"/>
+            <a:ext cx="571886" cy="623248"/>
+          </a:xfrm>
+          <a:prstGeom prst="rect">
+            <a:avLst/>
+          </a:prstGeom>
+          <a:solidFill>
+            <a:schemeClr val="bg1"/>
+          </a:solidFill>
+          <a:ln w="12700" cap="flat">
+            <a:noFill/>
+            <a:miter lim="400000"/>
+          </a:ln>
+        </p:spPr>
+        <p:style>
+          <a:lnRef idx="0">
+            <a:scrgbClr r="0" g="0" b="0"/>
+          </a:lnRef>
+          <a:fillRef idx="0">
+            <a:scrgbClr r="0" g="0" b="0"/>
+          </a:fillRef>
+          <a:effectRef idx="0">
+            <a:scrgbClr r="0" g="0" b="0"/>
+          </a:effectRef>
+          <a:fontRef idx="none"/>
+        </p:style>
+        <p:txBody>
+          <a:bodyPr rot="0" spcFirstLastPara="1" vertOverflow="overflow" horzOverflow="overflow" vert="horz" wrap="square" lIns="50800" tIns="50800" rIns="50800" bIns="50800" numCol="1" spcCol="38100" rtlCol="0" anchor="ctr">
+            <a:spAutoFit/>
+          </a:bodyPr>
+          <a:lstStyle>
+            <a:lvl1pPr marL="342900" indent="-342900" defTabSz="457200">
+              <a:spcBef>
+                <a:spcPts val="700"/>
+              </a:spcBef>
+              <a:buClr>
+                <a:srgbClr val="000000"/>
+              </a:buClr>
+              <a:buSzPct val="100000"/>
+              <a:buFont typeface="Arial"/>
+              <a:buChar char="•"/>
+              <a:defRPr sz="2800">
+                <a:solidFill>
+                  <a:srgbClr val="03244D"/>
+                </a:solidFill>
+                <a:uFill>
+                  <a:solidFill/>
+                </a:uFill>
+                <a:latin typeface="+mn-lt"/>
+                <a:ea typeface="+mn-ea"/>
+                <a:cs typeface="Arial" panose="020B0604020202020204" pitchFamily="34" charset="0"/>
+                <a:sym typeface="Calibri"/>
+              </a:defRPr>
+            </a:lvl1pPr>
+            <a:lvl2pPr marL="783771" indent="-326571" defTabSz="457200">
+              <a:spcBef>
+                <a:spcPts val="700"/>
+              </a:spcBef>
+              <a:buClr>
+                <a:srgbClr val="000000"/>
+              </a:buClr>
+              <a:buSzPct val="100000"/>
+              <a:buFont typeface="Arial"/>
+              <a:buChar char="•"/>
+              <a:defRPr sz="2400">
+                <a:solidFill>
+                  <a:srgbClr val="03244D"/>
+                </a:solidFill>
+                <a:uFill>
+                  <a:solidFill/>
+                </a:uFill>
+                <a:latin typeface="+mn-lt"/>
+                <a:ea typeface="+mn-ea"/>
+                <a:cs typeface="Arial" panose="020B0604020202020204" pitchFamily="34" charset="0"/>
+                <a:sym typeface="Calibri"/>
+              </a:defRPr>
+            </a:lvl2pPr>
+            <a:lvl3pPr marL="1219200" indent="-304800" defTabSz="457200">
+              <a:spcBef>
+                <a:spcPts val="700"/>
+              </a:spcBef>
+              <a:buClr>
+                <a:srgbClr val="000000"/>
+              </a:buClr>
+              <a:buSzPct val="100000"/>
+              <a:buFont typeface="Arial"/>
+              <a:buChar char="•"/>
+              <a:defRPr sz="2000">
+                <a:solidFill>
+                  <a:srgbClr val="03244D"/>
+                </a:solidFill>
+                <a:uFill>
+                  <a:solidFill/>
+                </a:uFill>
+                <a:latin typeface="+mn-lt"/>
+                <a:ea typeface="+mn-ea"/>
+                <a:cs typeface="Arial" panose="020B0604020202020204" pitchFamily="34" charset="0"/>
+                <a:sym typeface="Calibri"/>
+              </a:defRPr>
+            </a:lvl3pPr>
+            <a:lvl4pPr marL="1737360" indent="-365760" defTabSz="457200">
+              <a:spcBef>
+                <a:spcPts val="700"/>
+              </a:spcBef>
+              <a:buClr>
+                <a:srgbClr val="000000"/>
+              </a:buClr>
+              <a:buSzPct val="100000"/>
+              <a:buFont typeface="Arial"/>
+              <a:buChar char="•"/>
+              <a:defRPr sz="2000">
+                <a:solidFill>
+                  <a:srgbClr val="03244D"/>
+                </a:solidFill>
+                <a:uFill>
+                  <a:solidFill/>
+                </a:uFill>
+                <a:latin typeface="+mn-lt"/>
+                <a:ea typeface="+mn-ea"/>
+                <a:cs typeface="Arial" panose="020B0604020202020204" pitchFamily="34" charset="0"/>
+                <a:sym typeface="Calibri"/>
+              </a:defRPr>
+            </a:lvl4pPr>
+            <a:lvl5pPr marL="2194560" indent="-365760" defTabSz="457200">
+              <a:spcBef>
+                <a:spcPts val="700"/>
+              </a:spcBef>
+              <a:buClr>
+                <a:srgbClr val="000000"/>
+              </a:buClr>
+              <a:buSzPct val="100000"/>
+              <a:buFont typeface="Arial"/>
+              <a:buChar char="•"/>
+              <a:defRPr sz="2000">
+                <a:solidFill>
+                  <a:srgbClr val="03244D"/>
+                </a:solidFill>
+                <a:uFill>
+                  <a:solidFill/>
+                </a:uFill>
+                <a:latin typeface="+mn-lt"/>
+                <a:ea typeface="+mn-ea"/>
+                <a:cs typeface="Arial" panose="020B0604020202020204" pitchFamily="34" charset="0"/>
+                <a:sym typeface="Calibri"/>
+              </a:defRPr>
+            </a:lvl5pPr>
+            <a:lvl6pPr marL="2451100" indent="0" defTabSz="457200">
+              <a:spcBef>
+                <a:spcPts val="700"/>
+              </a:spcBef>
+              <a:buClr>
+                <a:srgbClr val="000000"/>
+              </a:buClr>
+              <a:buSzPct val="171000"/>
+              <a:buFont typeface="Arial"/>
+              <a:buNone/>
+              <a:defRPr sz="1800">
+                <a:solidFill>
+                  <a:srgbClr val="03244D"/>
+                </a:solidFill>
+                <a:uFill>
+                  <a:solidFill/>
+                </a:uFill>
+                <a:latin typeface="Arial" panose="020B0604020202020204" pitchFamily="34" charset="0"/>
+                <a:ea typeface="+mn-ea"/>
+                <a:cs typeface="Arial" panose="020B0604020202020204" pitchFamily="34" charset="0"/>
+                <a:sym typeface="Calibri"/>
+              </a:defRPr>
+            </a:lvl6pPr>
+            <a:lvl7pPr marL="3721100" indent="-914400" defTabSz="457200">
+              <a:spcBef>
+                <a:spcPts val="700"/>
+              </a:spcBef>
+              <a:buClr>
+                <a:srgbClr val="000000"/>
+              </a:buClr>
+              <a:buSzPct val="171000"/>
+              <a:buFont typeface="Arial"/>
+              <a:buChar char="•"/>
+              <a:defRPr sz="3200">
+                <a:uFill>
+                  <a:solidFill/>
+                </a:uFill>
+                <a:latin typeface="+mn-lt"/>
+                <a:ea typeface="+mn-ea"/>
+                <a:cs typeface="+mn-cs"/>
+                <a:sym typeface="Calibri"/>
+              </a:defRPr>
+            </a:lvl7pPr>
+            <a:lvl8pPr marL="4076700" indent="-914400" defTabSz="457200">
+              <a:spcBef>
+                <a:spcPts val="700"/>
+              </a:spcBef>
+              <a:buClr>
+                <a:srgbClr val="000000"/>
+              </a:buClr>
+              <a:buSzPct val="171000"/>
+              <a:buFont typeface="Arial"/>
+              <a:buChar char="•"/>
+              <a:defRPr sz="3200">
+                <a:uFill>
+                  <a:solidFill/>
+                </a:uFill>
+                <a:latin typeface="+mn-lt"/>
+                <a:ea typeface="+mn-ea"/>
+                <a:cs typeface="+mn-cs"/>
+                <a:sym typeface="Calibri"/>
+              </a:defRPr>
+            </a:lvl8pPr>
+            <a:lvl9pPr marL="4432300" indent="-914400" defTabSz="457200">
+              <a:spcBef>
+                <a:spcPts val="700"/>
+              </a:spcBef>
+              <a:buClr>
+                <a:srgbClr val="000000"/>
+              </a:buClr>
+              <a:buSzPct val="171000"/>
+              <a:buFont typeface="Arial"/>
+              <a:buChar char="•"/>
+              <a:defRPr sz="3200">
+                <a:uFill>
+                  <a:solidFill/>
+                </a:uFill>
+                <a:latin typeface="+mn-lt"/>
+                <a:ea typeface="+mn-ea"/>
+                <a:cs typeface="+mn-cs"/>
+                <a:sym typeface="Calibri"/>
+              </a:defRPr>
+            </a:lvl9pPr>
+          </a:lstStyle>
+          <a:p>
+            <a:pPr marL="0" indent="0" algn="ctr">
+              <a:buFont typeface="Arial"/>
+              <a:buNone/>
+            </a:pPr>
+            <a:r>
+              <a:rPr lang="en-US" dirty="0"/>
+              <a:t>0</a:t>
+            </a:r>
+          </a:p>
+        </p:txBody>
+      </p:sp>
+      <p:sp>
+        <p:nvSpPr>
+          <p:cNvPr id="2" name="Title 1">
+            <a:extLst>
+              <a:ext uri="{FF2B5EF4-FFF2-40B4-BE49-F238E27FC236}">
+                <a16:creationId xmlns:a16="http://schemas.microsoft.com/office/drawing/2014/main" id="{BEB6C7CC-CA3D-F91F-3C30-B4EE16F6B871}"/>
+              </a:ext>
+            </a:extLst>
+          </p:cNvPr>
+          <p:cNvSpPr>
+            <a:spLocks noGrp="1"/>
+          </p:cNvSpPr>
+          <p:nvPr>
+            <p:ph type="title"/>
+          </p:nvPr>
+        </p:nvSpPr>
+        <p:spPr/>
+        <p:txBody>
+          <a:bodyPr/>
+          <a:lstStyle/>
+          <a:p>
+            <a:r>
+              <a:rPr lang="en-US" dirty="0"/>
+              <a:t>Results (CV-CT) – Effect of Incorrect Turn Rate</a:t>
+            </a:r>
+          </a:p>
+        </p:txBody>
+      </p:sp>
+      <p:sp>
+        <p:nvSpPr>
+          <p:cNvPr id="3" name="Slide Number Placeholder 2">
+            <a:extLst>
+              <a:ext uri="{FF2B5EF4-FFF2-40B4-BE49-F238E27FC236}">
+                <a16:creationId xmlns:a16="http://schemas.microsoft.com/office/drawing/2014/main" id="{26652E41-C433-D9AA-BCD8-2B9118AA462B}"/>
+              </a:ext>
+            </a:extLst>
+          </p:cNvPr>
+          <p:cNvSpPr>
+            <a:spLocks noGrp="1"/>
+          </p:cNvSpPr>
+          <p:nvPr>
+            <p:ph type="sldNum" sz="quarter" idx="10"/>
+          </p:nvPr>
+        </p:nvSpPr>
+        <p:spPr/>
+        <p:txBody>
+          <a:bodyPr/>
+          <a:lstStyle/>
+          <a:p>
+            <a:fld id="{CAC3FE34-2808-40E6-BEA2-B7CA77D47CA5}" type="slidenum">
+              <a:rPr lang="en-US" smtClean="0"/>
+              <a:pPr/>
+              <a:t>19</a:t>
+            </a:fld>
+            <a:endParaRPr lang="en-US" dirty="0"/>
+          </a:p>
+        </p:txBody>
+      </p:sp>
+      <mc:AlternateContent xmlns:mc="http://schemas.openxmlformats.org/markup-compatibility/2006">
+        <mc:Choice xmlns:a14="http://schemas.microsoft.com/office/drawing/2010/main" Requires="a14">
+          <p:sp>
+            <p:nvSpPr>
+              <p:cNvPr id="40" name="Text Placeholder 39">
+                <a:extLst>
+                  <a:ext uri="{FF2B5EF4-FFF2-40B4-BE49-F238E27FC236}">
+                    <a16:creationId xmlns:a16="http://schemas.microsoft.com/office/drawing/2014/main" id="{6B92C881-8E63-744C-0A21-7058BB93DF72}"/>
+                  </a:ext>
+                </a:extLst>
+              </p:cNvPr>
+              <p:cNvSpPr>
+                <a:spLocks noGrp="1"/>
+              </p:cNvSpPr>
+              <p:nvPr>
+                <p:ph type="body" sz="quarter" idx="11"/>
+              </p:nvPr>
+            </p:nvSpPr>
+            <p:spPr>
+              <a:xfrm>
+                <a:off x="3960612" y="1246010"/>
+                <a:ext cx="4135739" cy="623248"/>
+              </a:xfrm>
+              <a:prstGeom prst="rect">
+                <a:avLst/>
+              </a:prstGeom>
+              <a:solidFill>
+                <a:schemeClr val="bg1"/>
+              </a:solidFill>
+              <a:ln w="12700" cap="flat">
+                <a:noFill/>
+                <a:miter lim="400000"/>
+              </a:ln>
+              <a:effectLst/>
+            </p:spPr>
+            <p:style>
+              <a:lnRef idx="0">
+                <a:scrgbClr r="0" g="0" b="0"/>
+              </a:lnRef>
+              <a:fillRef idx="0">
+                <a:scrgbClr r="0" g="0" b="0"/>
+              </a:fillRef>
+              <a:effectRef idx="0">
+                <a:scrgbClr r="0" g="0" b="0"/>
+              </a:effectRef>
+              <a:fontRef idx="none"/>
+            </p:style>
+            <p:txBody>
+              <a:bodyPr rot="0" spcFirstLastPara="1" vertOverflow="overflow" horzOverflow="overflow" vert="horz" wrap="square" lIns="50800" tIns="50800" rIns="50800" bIns="50800" numCol="1" spcCol="38100" rtlCol="0" anchor="ctr">
+                <a:spAutoFit/>
+              </a:bodyPr>
+              <a:lstStyle/>
+              <a:p>
+                <a:pPr marL="0" indent="0" algn="ctr">
+                  <a:buNone/>
+                </a:pPr>
+                <a14:m>
+                  <m:oMath xmlns:m="http://schemas.openxmlformats.org/officeDocument/2006/math">
+                    <m:d>
+                      <m:dPr>
+                        <m:begChr m:val="|"/>
+                        <m:endChr m:val="|"/>
+                        <m:ctrlPr>
+                          <a:rPr lang="en-US" i="1" smtClean="0">
+                            <a:latin typeface="Cambria Math" panose="02040503050406030204" pitchFamily="18" charset="0"/>
+                          </a:rPr>
+                        </m:ctrlPr>
+                      </m:dPr>
+                      <m:e>
+                        <m:r>
+                          <a:rPr lang="en-US" i="1" smtClean="0">
+                            <a:latin typeface="Cambria Math" panose="02040503050406030204" pitchFamily="18" charset="0"/>
+                            <a:ea typeface="Cambria Math" panose="02040503050406030204" pitchFamily="18" charset="0"/>
+                          </a:rPr>
+                          <m:t>∆</m:t>
+                        </m:r>
+                        <m:acc>
+                          <m:accPr>
+                            <m:chr m:val="̃"/>
+                            <m:ctrlPr>
+                              <a:rPr lang="en-US" i="1" smtClean="0">
+                                <a:latin typeface="Cambria Math" panose="02040503050406030204" pitchFamily="18" charset="0"/>
+                              </a:rPr>
+                            </m:ctrlPr>
+                          </m:accPr>
+                          <m:e>
+                            <m:r>
+                              <a:rPr lang="en-US" i="1" smtClean="0">
+                                <a:latin typeface="Cambria Math" panose="02040503050406030204" pitchFamily="18" charset="0"/>
+                                <a:ea typeface="Cambria Math" panose="02040503050406030204" pitchFamily="18" charset="0"/>
+                              </a:rPr>
+                              <m:t>𝜔</m:t>
+                            </m:r>
+                          </m:e>
+                        </m:acc>
+                      </m:e>
+                    </m:d>
+                  </m:oMath>
+                </a14:m>
+                <a:r>
+                  <a:rPr lang="en-US" dirty="0"/>
+                  <a:t> - </a:t>
+                </a:r>
+                <a:r>
+                  <a:rPr lang="en-US" i="1" dirty="0"/>
+                  <a:t>Turn Rate Error</a:t>
+                </a:r>
+              </a:p>
+            </p:txBody>
+          </p:sp>
+        </mc:Choice>
+        <mc:Fallback>
+          <p:sp>
+            <p:nvSpPr>
+              <p:cNvPr id="40" name="Text Placeholder 39">
+                <a:extLst>
+                  <a:ext uri="{FF2B5EF4-FFF2-40B4-BE49-F238E27FC236}">
+                    <a16:creationId xmlns:a16="http://schemas.microsoft.com/office/drawing/2014/main" id="{6B92C881-8E63-744C-0A21-7058BB93DF72}"/>
+                  </a:ext>
+                </a:extLst>
+              </p:cNvPr>
+              <p:cNvSpPr>
+                <a:spLocks noGrp="1" noRot="1" noChangeAspect="1" noMove="1" noResize="1" noEditPoints="1" noAdjustHandles="1" noChangeArrowheads="1" noChangeShapeType="1" noTextEdit="1"/>
+              </p:cNvSpPr>
+              <p:nvPr>
+                <p:ph type="body" sz="quarter" idx="11"/>
+              </p:nvPr>
+            </p:nvSpPr>
+            <p:spPr>
+              <a:xfrm>
+                <a:off x="3960612" y="1246010"/>
+                <a:ext cx="4135739" cy="623248"/>
+              </a:xfrm>
+              <a:prstGeom prst="rect">
+                <a:avLst/>
+              </a:prstGeom>
+              <a:blipFill>
+                <a:blip r:embed="rId6"/>
+                <a:stretch>
+                  <a:fillRect b="-25243"/>
+                </a:stretch>
+              </a:blipFill>
+              <a:ln w="12700" cap="flat">
+                <a:noFill/>
+                <a:miter lim="400000"/>
+              </a:ln>
+              <a:effectLst/>
+            </p:spPr>
+            <p:txBody>
+              <a:bodyPr/>
+              <a:lstStyle/>
+              <a:p>
+                <a:r>
+                  <a:rPr lang="en-US">
+                    <a:noFill/>
+                  </a:rPr>
+                  <a:t> </a:t>
+                </a:r>
+              </a:p>
+            </p:txBody>
+          </p:sp>
+        </mc:Fallback>
+      </mc:AlternateContent>
+      <p:cxnSp>
+        <p:nvCxnSpPr>
+          <p:cNvPr id="44" name="Straight Arrow Connector 43">
+            <a:extLst>
+              <a:ext uri="{FF2B5EF4-FFF2-40B4-BE49-F238E27FC236}">
+                <a16:creationId xmlns:a16="http://schemas.microsoft.com/office/drawing/2014/main" id="{56B9B2AA-2968-235A-C7F1-D2BFFA6C6292}"/>
+              </a:ext>
+            </a:extLst>
+          </p:cNvPr>
+          <p:cNvCxnSpPr>
+            <a:cxnSpLocks/>
+          </p:cNvCxnSpPr>
+          <p:nvPr/>
+        </p:nvCxnSpPr>
+        <p:spPr>
+          <a:xfrm flipV="1">
+            <a:off x="2201333" y="2048554"/>
+            <a:ext cx="8756953" cy="46341"/>
+          </a:xfrm>
+          <a:prstGeom prst="straightConnector1">
+            <a:avLst/>
+          </a:prstGeom>
+          <a:noFill/>
+          <a:ln w="38100" cap="flat">
+            <a:solidFill>
+              <a:srgbClr val="000000"/>
+            </a:solidFill>
+            <a:prstDash val="solid"/>
+            <a:miter lim="400000"/>
+            <a:tailEnd type="triangle"/>
+          </a:ln>
+          <a:effectLst/>
+        </p:spPr>
+        <p:style>
+          <a:lnRef idx="0">
+            <a:scrgbClr r="0" g="0" b="0"/>
+          </a:lnRef>
+          <a:fillRef idx="0">
+            <a:scrgbClr r="0" g="0" b="0"/>
+          </a:fillRef>
+          <a:effectRef idx="0">
+            <a:scrgbClr r="0" g="0" b="0"/>
+          </a:effectRef>
+          <a:fontRef idx="none"/>
+        </p:style>
+      </p:cxnSp>
+      <mc:AlternateContent xmlns:mc="http://schemas.openxmlformats.org/markup-compatibility/2006">
+        <mc:Choice xmlns:a14="http://schemas.microsoft.com/office/drawing/2010/main" Requires="a14">
+          <p:sp>
+            <p:nvSpPr>
+              <p:cNvPr id="11" name="Text Placeholder 39">
+                <a:extLst>
+                  <a:ext uri="{FF2B5EF4-FFF2-40B4-BE49-F238E27FC236}">
+                    <a16:creationId xmlns:a16="http://schemas.microsoft.com/office/drawing/2014/main" id="{514FA44F-4460-D4D8-2590-0D9320C783EA}"/>
+                  </a:ext>
+                </a:extLst>
+              </p:cNvPr>
+              <p:cNvSpPr txBox="1">
+                <a:spLocks/>
+              </p:cNvSpPr>
+              <p:nvPr/>
+            </p:nvSpPr>
+            <p:spPr>
+              <a:xfrm>
+                <a:off x="10672343" y="1471376"/>
+                <a:ext cx="571886" cy="533479"/>
+              </a:xfrm>
+              <a:prstGeom prst="rect">
+                <a:avLst/>
+              </a:prstGeom>
+              <a:solidFill>
+                <a:schemeClr val="bg1"/>
+              </a:solidFill>
+              <a:ln w="12700" cap="flat">
+                <a:noFill/>
+                <a:miter lim="400000"/>
+              </a:ln>
+            </p:spPr>
+            <p:style>
+              <a:lnRef idx="0">
+                <a:scrgbClr r="0" g="0" b="0"/>
+              </a:lnRef>
+              <a:fillRef idx="0">
+                <a:scrgbClr r="0" g="0" b="0"/>
+              </a:fillRef>
+              <a:effectRef idx="0">
+                <a:scrgbClr r="0" g="0" b="0"/>
+              </a:effectRef>
+              <a:fontRef idx="none"/>
+            </p:style>
+            <p:txBody>
+              <a:bodyPr rot="0" spcFirstLastPara="1" vertOverflow="overflow" horzOverflow="overflow" vert="horz" wrap="square" lIns="50800" tIns="50800" rIns="50800" bIns="50800" numCol="1" spcCol="38100" rtlCol="0" anchor="ctr">
+                <a:spAutoFit/>
+              </a:bodyPr>
+              <a:lstStyle>
+                <a:lvl1pPr marL="342900" indent="-342900" defTabSz="457200">
+                  <a:spcBef>
+                    <a:spcPts val="700"/>
+                  </a:spcBef>
+                  <a:buClr>
+                    <a:srgbClr val="000000"/>
+                  </a:buClr>
+                  <a:buSzPct val="100000"/>
+                  <a:buFont typeface="Arial"/>
+                  <a:buChar char="•"/>
+                  <a:defRPr sz="2800">
+                    <a:solidFill>
+                      <a:srgbClr val="03244D"/>
+                    </a:solidFill>
+                    <a:uFill>
+                      <a:solidFill/>
+                    </a:uFill>
+                    <a:latin typeface="+mn-lt"/>
+                    <a:ea typeface="+mn-ea"/>
+                    <a:cs typeface="Arial" panose="020B0604020202020204" pitchFamily="34" charset="0"/>
+                    <a:sym typeface="Calibri"/>
+                  </a:defRPr>
+                </a:lvl1pPr>
+                <a:lvl2pPr marL="783771" indent="-326571" defTabSz="457200">
+                  <a:spcBef>
+                    <a:spcPts val="700"/>
+                  </a:spcBef>
+                  <a:buClr>
+                    <a:srgbClr val="000000"/>
+                  </a:buClr>
+                  <a:buSzPct val="100000"/>
+                  <a:buFont typeface="Arial"/>
+                  <a:buChar char="•"/>
+                  <a:defRPr sz="2400">
+                    <a:solidFill>
+                      <a:srgbClr val="03244D"/>
+                    </a:solidFill>
+                    <a:uFill>
+                      <a:solidFill/>
+                    </a:uFill>
+                    <a:latin typeface="+mn-lt"/>
+                    <a:ea typeface="+mn-ea"/>
+                    <a:cs typeface="Arial" panose="020B0604020202020204" pitchFamily="34" charset="0"/>
+                    <a:sym typeface="Calibri"/>
+                  </a:defRPr>
+                </a:lvl2pPr>
+                <a:lvl3pPr marL="1219200" indent="-304800" defTabSz="457200">
+                  <a:spcBef>
+                    <a:spcPts val="700"/>
+                  </a:spcBef>
+                  <a:buClr>
+                    <a:srgbClr val="000000"/>
+                  </a:buClr>
+                  <a:buSzPct val="100000"/>
+                  <a:buFont typeface="Arial"/>
+                  <a:buChar char="•"/>
+                  <a:defRPr sz="2000">
+                    <a:solidFill>
+                      <a:srgbClr val="03244D"/>
+                    </a:solidFill>
+                    <a:uFill>
+                      <a:solidFill/>
+                    </a:uFill>
+                    <a:latin typeface="+mn-lt"/>
+                    <a:ea typeface="+mn-ea"/>
+                    <a:cs typeface="Arial" panose="020B0604020202020204" pitchFamily="34" charset="0"/>
+                    <a:sym typeface="Calibri"/>
+                  </a:defRPr>
+                </a:lvl3pPr>
+                <a:lvl4pPr marL="1737360" indent="-365760" defTabSz="457200">
+                  <a:spcBef>
+                    <a:spcPts val="700"/>
+                  </a:spcBef>
+                  <a:buClr>
+                    <a:srgbClr val="000000"/>
+                  </a:buClr>
+                  <a:buSzPct val="100000"/>
+                  <a:buFont typeface="Arial"/>
+                  <a:buChar char="•"/>
+                  <a:defRPr sz="2000">
+                    <a:solidFill>
+                      <a:srgbClr val="03244D"/>
+                    </a:solidFill>
+                    <a:uFill>
+                      <a:solidFill/>
+                    </a:uFill>
+                    <a:latin typeface="+mn-lt"/>
+                    <a:ea typeface="+mn-ea"/>
+                    <a:cs typeface="Arial" panose="020B0604020202020204" pitchFamily="34" charset="0"/>
+                    <a:sym typeface="Calibri"/>
+                  </a:defRPr>
+                </a:lvl4pPr>
+                <a:lvl5pPr marL="2194560" indent="-365760" defTabSz="457200">
+                  <a:spcBef>
+                    <a:spcPts val="700"/>
+                  </a:spcBef>
+                  <a:buClr>
+                    <a:srgbClr val="000000"/>
+                  </a:buClr>
+                  <a:buSzPct val="100000"/>
+                  <a:buFont typeface="Arial"/>
+                  <a:buChar char="•"/>
+                  <a:defRPr sz="2000">
+                    <a:solidFill>
+                      <a:srgbClr val="03244D"/>
+                    </a:solidFill>
+                    <a:uFill>
+                      <a:solidFill/>
+                    </a:uFill>
+                    <a:latin typeface="+mn-lt"/>
+                    <a:ea typeface="+mn-ea"/>
+                    <a:cs typeface="Arial" panose="020B0604020202020204" pitchFamily="34" charset="0"/>
+                    <a:sym typeface="Calibri"/>
+                  </a:defRPr>
+                </a:lvl5pPr>
+                <a:lvl6pPr marL="2451100" indent="0" defTabSz="457200">
+                  <a:spcBef>
+                    <a:spcPts val="700"/>
+                  </a:spcBef>
+                  <a:buClr>
+                    <a:srgbClr val="000000"/>
+                  </a:buClr>
+                  <a:buSzPct val="171000"/>
+                  <a:buFont typeface="Arial"/>
+                  <a:buNone/>
+                  <a:defRPr sz="1800">
+                    <a:solidFill>
+                      <a:srgbClr val="03244D"/>
+                    </a:solidFill>
+                    <a:uFill>
+                      <a:solidFill/>
+                    </a:uFill>
+                    <a:latin typeface="Arial" panose="020B0604020202020204" pitchFamily="34" charset="0"/>
+                    <a:ea typeface="+mn-ea"/>
+                    <a:cs typeface="Arial" panose="020B0604020202020204" pitchFamily="34" charset="0"/>
+                    <a:sym typeface="Calibri"/>
+                  </a:defRPr>
+                </a:lvl6pPr>
+                <a:lvl7pPr marL="3721100" indent="-914400" defTabSz="457200">
+                  <a:spcBef>
+                    <a:spcPts val="700"/>
+                  </a:spcBef>
+                  <a:buClr>
+                    <a:srgbClr val="000000"/>
+                  </a:buClr>
+                  <a:buSzPct val="171000"/>
+                  <a:buFont typeface="Arial"/>
+                  <a:buChar char="•"/>
+                  <a:defRPr sz="3200">
+                    <a:uFill>
+                      <a:solidFill/>
+                    </a:uFill>
+                    <a:latin typeface="+mn-lt"/>
+                    <a:ea typeface="+mn-ea"/>
+                    <a:cs typeface="+mn-cs"/>
+                    <a:sym typeface="Calibri"/>
+                  </a:defRPr>
+                </a:lvl7pPr>
+                <a:lvl8pPr marL="4076700" indent="-914400" defTabSz="457200">
+                  <a:spcBef>
+                    <a:spcPts val="700"/>
+                  </a:spcBef>
+                  <a:buClr>
+                    <a:srgbClr val="000000"/>
+                  </a:buClr>
+                  <a:buSzPct val="171000"/>
+                  <a:buFont typeface="Arial"/>
+                  <a:buChar char="•"/>
+                  <a:defRPr sz="3200">
+                    <a:uFill>
+                      <a:solidFill/>
+                    </a:uFill>
+                    <a:latin typeface="+mn-lt"/>
+                    <a:ea typeface="+mn-ea"/>
+                    <a:cs typeface="+mn-cs"/>
+                    <a:sym typeface="Calibri"/>
+                  </a:defRPr>
+                </a:lvl8pPr>
+                <a:lvl9pPr marL="4432300" indent="-914400" defTabSz="457200">
+                  <a:spcBef>
+                    <a:spcPts val="700"/>
+                  </a:spcBef>
+                  <a:buClr>
+                    <a:srgbClr val="000000"/>
+                  </a:buClr>
+                  <a:buSzPct val="171000"/>
+                  <a:buFont typeface="Arial"/>
+                  <a:buChar char="•"/>
+                  <a:defRPr sz="3200">
+                    <a:uFill>
+                      <a:solidFill/>
+                    </a:uFill>
+                    <a:latin typeface="+mn-lt"/>
+                    <a:ea typeface="+mn-ea"/>
+                    <a:cs typeface="+mn-cs"/>
+                    <a:sym typeface="Calibri"/>
+                  </a:defRPr>
+                </a:lvl9pPr>
+              </a:lstStyle>
+              <a:p>
+                <a:pPr marL="0" indent="0" algn="ctr">
+                  <a:buFont typeface="Arial"/>
+                  <a:buNone/>
+                </a:pPr>
+                <a14:m>
+                  <m:oMathPara xmlns:m="http://schemas.openxmlformats.org/officeDocument/2006/math">
+                    <m:oMathParaPr>
+                      <m:jc m:val="centerGroup"/>
+                    </m:oMathParaPr>
+                    <m:oMath xmlns:m="http://schemas.openxmlformats.org/officeDocument/2006/math">
+                      <m:r>
+                        <a:rPr lang="en-US" i="1" smtClean="0">
+                          <a:latin typeface="Cambria Math" panose="02040503050406030204" pitchFamily="18" charset="0"/>
+                          <a:ea typeface="Cambria Math" panose="02040503050406030204" pitchFamily="18" charset="0"/>
+                        </a:rPr>
+                        <m:t>∞</m:t>
+                      </m:r>
+                    </m:oMath>
+                  </m:oMathPara>
+                </a14:m>
+                <a:endParaRPr lang="en-US" dirty="0"/>
+              </a:p>
+            </p:txBody>
+          </p:sp>
+        </mc:Choice>
+        <mc:Fallback>
+          <p:sp>
+            <p:nvSpPr>
+              <p:cNvPr id="11" name="Text Placeholder 39">
+                <a:extLst>
+                  <a:ext uri="{FF2B5EF4-FFF2-40B4-BE49-F238E27FC236}">
+                    <a16:creationId xmlns:a16="http://schemas.microsoft.com/office/drawing/2014/main" id="{514FA44F-4460-D4D8-2590-0D9320C783EA}"/>
+                  </a:ext>
+                </a:extLst>
+              </p:cNvPr>
+              <p:cNvSpPr txBox="1">
+                <a:spLocks noRot="1" noChangeAspect="1" noMove="1" noResize="1" noEditPoints="1" noAdjustHandles="1" noChangeArrowheads="1" noChangeShapeType="1" noTextEdit="1"/>
+              </p:cNvSpPr>
+              <p:nvPr/>
+            </p:nvSpPr>
+            <p:spPr>
+              <a:xfrm>
+                <a:off x="10672343" y="1471376"/>
+                <a:ext cx="571886" cy="533479"/>
+              </a:xfrm>
+              <a:prstGeom prst="rect">
+                <a:avLst/>
+              </a:prstGeom>
+              <a:blipFill>
+                <a:blip r:embed="rId7"/>
+                <a:stretch>
+                  <a:fillRect/>
+                </a:stretch>
+              </a:blipFill>
+              <a:ln w="12700" cap="flat">
+                <a:noFill/>
+                <a:miter lim="400000"/>
+              </a:ln>
+            </p:spPr>
+            <p:txBody>
+              <a:bodyPr/>
+              <a:lstStyle/>
+              <a:p>
+                <a:r>
+                  <a:rPr lang="en-US">
+                    <a:noFill/>
+                  </a:rPr>
+                  <a:t> </a:t>
+                </a:r>
+              </a:p>
+            </p:txBody>
+          </p:sp>
+        </mc:Fallback>
+      </mc:AlternateContent>
+      <p:cxnSp>
+        <p:nvCxnSpPr>
+          <p:cNvPr id="18" name="Straight Connector 17">
+            <a:extLst>
+              <a:ext uri="{FF2B5EF4-FFF2-40B4-BE49-F238E27FC236}">
+                <a16:creationId xmlns:a16="http://schemas.microsoft.com/office/drawing/2014/main" id="{2CD498CF-5429-3B74-5C7B-BB04D504FBEC}"/>
+              </a:ext>
+            </a:extLst>
+          </p:cNvPr>
+          <p:cNvCxnSpPr/>
+          <p:nvPr/>
+        </p:nvCxnSpPr>
+        <p:spPr>
+          <a:xfrm>
+            <a:off x="2201333" y="1973943"/>
+            <a:ext cx="0" cy="228600"/>
+          </a:xfrm>
+          <a:prstGeom prst="line">
+            <a:avLst/>
+          </a:prstGeom>
+          <a:noFill/>
+          <a:ln w="38100" cap="flat">
+            <a:solidFill>
+              <a:srgbClr val="000000"/>
+            </a:solidFill>
+            <a:prstDash val="solid"/>
+            <a:miter lim="400000"/>
+          </a:ln>
+          <a:effectLst/>
+        </p:spPr>
+        <p:style>
+          <a:lnRef idx="0">
+            <a:scrgbClr r="0" g="0" b="0"/>
+          </a:lnRef>
+          <a:fillRef idx="0">
+            <a:scrgbClr r="0" g="0" b="0"/>
+          </a:fillRef>
+          <a:effectRef idx="0">
+            <a:scrgbClr r="0" g="0" b="0"/>
+          </a:effectRef>
+          <a:fontRef idx="none"/>
+        </p:style>
+      </p:cxnSp>
+      <p:cxnSp>
+        <p:nvCxnSpPr>
+          <p:cNvPr id="19" name="Straight Connector 18">
+            <a:extLst>
+              <a:ext uri="{FF2B5EF4-FFF2-40B4-BE49-F238E27FC236}">
+                <a16:creationId xmlns:a16="http://schemas.microsoft.com/office/drawing/2014/main" id="{2DD35186-C089-D207-318D-901041B90348}"/>
+              </a:ext>
+            </a:extLst>
+          </p:cNvPr>
+          <p:cNvCxnSpPr/>
+          <p:nvPr/>
+        </p:nvCxnSpPr>
+        <p:spPr>
+          <a:xfrm>
+            <a:off x="6095999" y="1973943"/>
+            <a:ext cx="0" cy="228600"/>
+          </a:xfrm>
+          <a:prstGeom prst="line">
+            <a:avLst/>
+          </a:prstGeom>
+          <a:noFill/>
+          <a:ln w="38100" cap="flat">
+            <a:solidFill>
+              <a:srgbClr val="000000"/>
+            </a:solidFill>
+            <a:prstDash val="solid"/>
+            <a:miter lim="400000"/>
+          </a:ln>
+          <a:effectLst/>
+        </p:spPr>
+        <p:style>
+          <a:lnRef idx="0">
+            <a:scrgbClr r="0" g="0" b="0"/>
+          </a:lnRef>
+          <a:fillRef idx="0">
+            <a:scrgbClr r="0" g="0" b="0"/>
+          </a:fillRef>
+          <a:effectRef idx="0">
+            <a:scrgbClr r="0" g="0" b="0"/>
+          </a:effectRef>
+          <a:fontRef idx="none"/>
+        </p:style>
+      </p:cxnSp>
+      <p:cxnSp>
+        <p:nvCxnSpPr>
+          <p:cNvPr id="21" name="Straight Connector 20">
+            <a:extLst>
+              <a:ext uri="{FF2B5EF4-FFF2-40B4-BE49-F238E27FC236}">
+                <a16:creationId xmlns:a16="http://schemas.microsoft.com/office/drawing/2014/main" id="{FA59E914-CDD2-A9D8-5C27-1BBC1C1FE1C4}"/>
+              </a:ext>
+            </a:extLst>
+          </p:cNvPr>
+          <p:cNvCxnSpPr/>
+          <p:nvPr/>
+        </p:nvCxnSpPr>
+        <p:spPr>
+          <a:xfrm>
+            <a:off x="10162419" y="1934254"/>
+            <a:ext cx="0" cy="228600"/>
+          </a:xfrm>
+          <a:prstGeom prst="line">
+            <a:avLst/>
+          </a:prstGeom>
+          <a:noFill/>
+          <a:ln w="38100" cap="flat">
+            <a:solidFill>
+              <a:srgbClr val="000000"/>
+            </a:solidFill>
+            <a:prstDash val="solid"/>
+            <a:miter lim="400000"/>
+          </a:ln>
+          <a:effectLst/>
+        </p:spPr>
+        <p:style>
+          <a:lnRef idx="0">
+            <a:scrgbClr r="0" g="0" b="0"/>
+          </a:lnRef>
+          <a:fillRef idx="0">
+            <a:scrgbClr r="0" g="0" b="0"/>
+          </a:fillRef>
+          <a:effectRef idx="0">
+            <a:scrgbClr r="0" g="0" b="0"/>
+          </a:effectRef>
+          <a:fontRef idx="none"/>
+        </p:style>
+      </p:cxnSp>
+    </p:spTree>
+    <p:extLst>
+      <p:ext uri="{BB962C8B-B14F-4D97-AF65-F5344CB8AC3E}">
+        <p14:creationId xmlns:p14="http://schemas.microsoft.com/office/powerpoint/2010/main" val="1816250361"/>
+      </p:ext>
+    </p:extLst>
+  </p:cSld>
+  <p:clrMapOvr>
+    <a:masterClrMapping/>
+  </p:clrMapOvr>
+  <mc:AlternateContent xmlns:mc="http://schemas.openxmlformats.org/markup-compatibility/2006" xmlns:p14="http://schemas.microsoft.com/office/powerpoint/2010/main">
+    <mc:Choice Requires="p14">
+      <p:transition p14:dur="10"/>
+    </mc:Choice>
+    <mc:Fallback xmlns="">
+      <p:transition/>
+    </mc:Fallback>
+  </mc:AlternateContent>
+</p:sld>
+</file>
+
+<file path=ppt/slides/slide2.xml><?xml version="1.0" encoding="utf-8"?>
+<p:sld xmlns:a="http://schemas.openxmlformats.org/drawingml/2006/main" xmlns:r="http://schemas.openxmlformats.org/officeDocument/2006/relationships" xmlns:p="http://schemas.openxmlformats.org/presentationml/2006/main">
+  <p:cSld>
+    <p:spTree>
+      <p:nvGrpSpPr>
+        <p:cNvPr id="1" name=""/>
+        <p:cNvGrpSpPr/>
+        <p:nvPr/>
+      </p:nvGrpSpPr>
+      <p:grpSpPr>
+        <a:xfrm>
+          <a:off x="0" y="0"/>
+          <a:ext cx="0" cy="0"/>
+          <a:chOff x="0" y="0"/>
+          <a:chExt cx="0" cy="0"/>
+        </a:xfrm>
+      </p:grpSpPr>
+      <p:sp>
+        <p:nvSpPr>
+          <p:cNvPr id="2" name="Title 1">
+            <a:extLst>
+              <a:ext uri="{FF2B5EF4-FFF2-40B4-BE49-F238E27FC236}">
+                <a16:creationId xmlns:a16="http://schemas.microsoft.com/office/drawing/2014/main" id="{11CE5643-55BD-62CD-8AC2-BE02373ADC52}"/>
+              </a:ext>
+            </a:extLst>
+          </p:cNvPr>
+          <p:cNvSpPr>
+            <a:spLocks noGrp="1"/>
+          </p:cNvSpPr>
+          <p:nvPr>
+            <p:ph type="title"/>
+          </p:nvPr>
+        </p:nvSpPr>
+        <p:spPr/>
+        <p:txBody>
+          <a:bodyPr/>
+          <a:lstStyle/>
+          <a:p>
+            <a:r>
+              <a:rPr lang="en-US" dirty="0"/>
+              <a:t>Agenda</a:t>
+            </a:r>
+          </a:p>
+        </p:txBody>
+      </p:sp>
+      <p:sp>
+        <p:nvSpPr>
+          <p:cNvPr id="3" name="Slide Number Placeholder 2">
+            <a:extLst>
+              <a:ext uri="{FF2B5EF4-FFF2-40B4-BE49-F238E27FC236}">
+                <a16:creationId xmlns:a16="http://schemas.microsoft.com/office/drawing/2014/main" id="{37495DC7-9988-C5B8-F3A9-9EE0CFA9466D}"/>
+              </a:ext>
+            </a:extLst>
+          </p:cNvPr>
+          <p:cNvSpPr>
+            <a:spLocks noGrp="1"/>
+          </p:cNvSpPr>
+          <p:nvPr>
+            <p:ph type="sldNum" sz="quarter" idx="10"/>
+          </p:nvPr>
+        </p:nvSpPr>
+        <p:spPr/>
+        <p:txBody>
+          <a:bodyPr/>
+          <a:lstStyle/>
+          <a:p>
+            <a:fld id="{CAC3FE34-2808-40E6-BEA2-B7CA77D47CA5}" type="slidenum">
+              <a:rPr lang="en-US" smtClean="0"/>
+              <a:pPr/>
+              <a:t>2</a:t>
+            </a:fld>
+            <a:endParaRPr lang="en-US" dirty="0"/>
+          </a:p>
+        </p:txBody>
+      </p:sp>
+      <p:sp>
+        <p:nvSpPr>
+          <p:cNvPr id="4" name="Text Placeholder 3">
+            <a:extLst>
+              <a:ext uri="{FF2B5EF4-FFF2-40B4-BE49-F238E27FC236}">
+                <a16:creationId xmlns:a16="http://schemas.microsoft.com/office/drawing/2014/main" id="{B4ABB2FE-1708-F4D9-6EB8-F42040706F97}"/>
+              </a:ext>
+            </a:extLst>
+          </p:cNvPr>
+          <p:cNvSpPr>
+            <a:spLocks noGrp="1"/>
+          </p:cNvSpPr>
+          <p:nvPr>
+            <p:ph type="body" sz="quarter" idx="11"/>
+          </p:nvPr>
+        </p:nvSpPr>
+        <p:spPr>
+          <a:xfrm>
+            <a:off x="146351" y="1341438"/>
+            <a:ext cx="9849154" cy="5160962"/>
+          </a:xfrm>
+        </p:spPr>
+        <p:txBody>
+          <a:bodyPr>
+            <a:normAutofit fontScale="85000" lnSpcReduction="20000"/>
+          </a:bodyPr>
+          <a:lstStyle/>
+          <a:p>
+            <a:r>
+              <a:rPr lang="en-US" dirty="0"/>
+              <a:t>Project Overview</a:t>
+            </a:r>
+          </a:p>
+          <a:p>
+            <a:r>
+              <a:rPr lang="en-US" dirty="0"/>
+              <a:t>Kalman Filter Review</a:t>
+            </a:r>
+          </a:p>
+          <a:p>
+            <a:r>
+              <a:rPr lang="en-US" dirty="0"/>
+              <a:t>Interacting Multiple Model (IMM)</a:t>
+            </a:r>
+          </a:p>
+          <a:p>
+            <a:pPr lvl="1"/>
+            <a:r>
+              <a:rPr lang="en-US" dirty="0"/>
+              <a:t>Overview </a:t>
+            </a:r>
+          </a:p>
+          <a:p>
+            <a:pPr lvl="1"/>
+            <a:r>
+              <a:rPr lang="en-US" dirty="0"/>
+              <a:t>Algorithm</a:t>
+            </a:r>
+          </a:p>
+          <a:p>
+            <a:pPr lvl="1"/>
+            <a:r>
+              <a:rPr lang="en-US" dirty="0"/>
+              <a:t>Example</a:t>
+            </a:r>
+          </a:p>
+          <a:p>
+            <a:r>
+              <a:rPr lang="en-US" dirty="0"/>
+              <a:t>Model Definitions</a:t>
+            </a:r>
+          </a:p>
+          <a:p>
+            <a:r>
+              <a:rPr lang="en-US" dirty="0"/>
+              <a:t>Trajectory Generation</a:t>
+            </a:r>
+          </a:p>
+          <a:p>
+            <a:r>
+              <a:rPr lang="en-US" dirty="0"/>
+              <a:t>Results</a:t>
+            </a:r>
+          </a:p>
+          <a:p>
+            <a:pPr lvl="1"/>
+            <a:r>
+              <a:rPr lang="en-US" dirty="0"/>
+              <a:t>Constant Velocity – Constant Turn Rate IMM</a:t>
+            </a:r>
+          </a:p>
+          <a:p>
+            <a:pPr lvl="1"/>
+            <a:r>
+              <a:rPr lang="en-US" dirty="0"/>
+              <a:t>Constant Velocity – Constante Turn Rate – Constant Acceleration IMM</a:t>
+            </a:r>
+          </a:p>
+          <a:p>
+            <a:r>
+              <a:rPr lang="en-US" dirty="0"/>
+              <a:t>Future Steps</a:t>
+            </a:r>
+          </a:p>
+          <a:p>
+            <a:r>
+              <a:rPr lang="en-US" dirty="0"/>
+              <a:t>Questions</a:t>
+            </a:r>
+          </a:p>
+        </p:txBody>
+      </p:sp>
+    </p:spTree>
+    <p:extLst>
+      <p:ext uri="{BB962C8B-B14F-4D97-AF65-F5344CB8AC3E}">
+        <p14:creationId xmlns:p14="http://schemas.microsoft.com/office/powerpoint/2010/main" val="1539608349"/>
+      </p:ext>
+    </p:extLst>
+  </p:cSld>
+  <p:clrMapOvr>
+    <a:masterClrMapping/>
+  </p:clrMapOvr>
+  <p:transition spd="med"/>
+</p:sld>
+</file>
+
+<file path=ppt/slides/slide20.xml><?xml version="1.0" encoding="utf-8"?>
+<p:sld xmlns:a="http://schemas.openxmlformats.org/drawingml/2006/main" xmlns:r="http://schemas.openxmlformats.org/officeDocument/2006/relationships" xmlns:p="http://schemas.openxmlformats.org/presentationml/2006/main">
+  <p:cSld>
+    <p:spTree>
+      <p:nvGrpSpPr>
+        <p:cNvPr id="1" name="">
+          <a:extLst>
+            <a:ext uri="{FF2B5EF4-FFF2-40B4-BE49-F238E27FC236}">
+              <a16:creationId xmlns:a16="http://schemas.microsoft.com/office/drawing/2014/main" id="{692E0C3E-5067-B53F-9F78-F859D0DD67A0}"/>
+            </a:ext>
+          </a:extLst>
+        </p:cNvPr>
+        <p:cNvGrpSpPr/>
+        <p:nvPr/>
+      </p:nvGrpSpPr>
+      <p:grpSpPr>
+        <a:xfrm>
+          <a:off x="0" y="0"/>
+          <a:ext cx="0" cy="0"/>
+          <a:chOff x="0" y="0"/>
+          <a:chExt cx="0" cy="0"/>
+        </a:xfrm>
+      </p:grpSpPr>
+      <p:sp>
+        <p:nvSpPr>
+          <p:cNvPr id="2" name="Title 1">
+            <a:extLst>
+              <a:ext uri="{FF2B5EF4-FFF2-40B4-BE49-F238E27FC236}">
+                <a16:creationId xmlns:a16="http://schemas.microsoft.com/office/drawing/2014/main" id="{499328E8-EFFA-ECC5-3881-D7F85A20CBDD}"/>
+              </a:ext>
+            </a:extLst>
+          </p:cNvPr>
+          <p:cNvSpPr>
+            <a:spLocks noGrp="1"/>
+          </p:cNvSpPr>
+          <p:nvPr>
+            <p:ph type="title"/>
+          </p:nvPr>
+        </p:nvSpPr>
+        <p:spPr/>
+        <p:txBody>
+          <a:bodyPr>
+            <a:normAutofit fontScale="90000"/>
+          </a:bodyPr>
+          <a:lstStyle/>
+          <a:p>
+            <a:r>
+              <a:rPr lang="en-US" dirty="0"/>
+              <a:t>Constant Velocity – Constant Turn Rate – Constant Acceleration IMM</a:t>
+            </a:r>
+          </a:p>
+        </p:txBody>
+      </p:sp>
+      <p:sp>
+        <p:nvSpPr>
+          <p:cNvPr id="3" name="Slide Number Placeholder 2">
+            <a:extLst>
+              <a:ext uri="{FF2B5EF4-FFF2-40B4-BE49-F238E27FC236}">
+                <a16:creationId xmlns:a16="http://schemas.microsoft.com/office/drawing/2014/main" id="{59AC448A-6902-808E-5E7F-A8656DA7E820}"/>
+              </a:ext>
+            </a:extLst>
+          </p:cNvPr>
+          <p:cNvSpPr>
+            <a:spLocks noGrp="1"/>
+          </p:cNvSpPr>
+          <p:nvPr>
+            <p:ph type="sldNum" sz="quarter" idx="10"/>
+          </p:nvPr>
+        </p:nvSpPr>
+        <p:spPr/>
+        <p:txBody>
+          <a:bodyPr/>
+          <a:lstStyle/>
+          <a:p>
+            <a:fld id="{CAC3FE34-2808-40E6-BEA2-B7CA77D47CA5}" type="slidenum">
+              <a:rPr lang="en-US" smtClean="0"/>
+              <a:pPr/>
+              <a:t>20</a:t>
+            </a:fld>
+            <a:endParaRPr lang="en-US" dirty="0"/>
+          </a:p>
+        </p:txBody>
+      </p:sp>
+    </p:spTree>
+    <p:extLst>
+      <p:ext uri="{BB962C8B-B14F-4D97-AF65-F5344CB8AC3E}">
+        <p14:creationId xmlns:p14="http://schemas.microsoft.com/office/powerpoint/2010/main" val="1537984106"/>
+      </p:ext>
+    </p:extLst>
+  </p:cSld>
+  <p:clrMapOvr>
+    <a:masterClrMapping/>
+  </p:clrMapOvr>
+  <p:transition spd="med"/>
+</p:sld>
+</file>
+
+<file path=ppt/slides/slide21.xml><?xml version="1.0" encoding="utf-8"?>
+<p:sld xmlns:a="http://schemas.openxmlformats.org/drawingml/2006/main" xmlns:r="http://schemas.openxmlformats.org/officeDocument/2006/relationships" xmlns:p="http://schemas.openxmlformats.org/presentationml/2006/main">
+  <p:cSld>
+    <p:spTree>
+      <p:nvGrpSpPr>
+        <p:cNvPr id="1" name="">
+          <a:extLst>
+            <a:ext uri="{FF2B5EF4-FFF2-40B4-BE49-F238E27FC236}">
+              <a16:creationId xmlns:a16="http://schemas.microsoft.com/office/drawing/2014/main" id="{E81E2BAE-1112-CCB8-7BC9-54133D2878C6}"/>
+            </a:ext>
+          </a:extLst>
+        </p:cNvPr>
+        <p:cNvGrpSpPr/>
+        <p:nvPr/>
+      </p:nvGrpSpPr>
+      <p:grpSpPr>
+        <a:xfrm>
+          <a:off x="0" y="0"/>
+          <a:ext cx="0" cy="0"/>
+          <a:chOff x="0" y="0"/>
+          <a:chExt cx="0" cy="0"/>
+        </a:xfrm>
+      </p:grpSpPr>
+      <p:sp>
+        <p:nvSpPr>
+          <p:cNvPr id="2" name="Title 1">
+            <a:extLst>
+              <a:ext uri="{FF2B5EF4-FFF2-40B4-BE49-F238E27FC236}">
+                <a16:creationId xmlns:a16="http://schemas.microsoft.com/office/drawing/2014/main" id="{A7C08D8D-BD9C-EADE-2B02-70305E600916}"/>
+              </a:ext>
+            </a:extLst>
+          </p:cNvPr>
+          <p:cNvSpPr>
+            <a:spLocks noGrp="1"/>
+          </p:cNvSpPr>
+          <p:nvPr>
+            <p:ph type="title"/>
+          </p:nvPr>
+        </p:nvSpPr>
+        <p:spPr/>
+        <p:txBody>
+          <a:bodyPr/>
+          <a:lstStyle/>
+          <a:p>
+            <a:r>
+              <a:rPr lang="en-US" dirty="0"/>
+              <a:t>Results (CV-CT-CA) - Errors</a:t>
+            </a:r>
+          </a:p>
+        </p:txBody>
+      </p:sp>
+      <p:sp>
+        <p:nvSpPr>
+          <p:cNvPr id="3" name="Slide Number Placeholder 2">
+            <a:extLst>
+              <a:ext uri="{FF2B5EF4-FFF2-40B4-BE49-F238E27FC236}">
+                <a16:creationId xmlns:a16="http://schemas.microsoft.com/office/drawing/2014/main" id="{C63F9167-F56B-380F-60C1-8DAF3B9DBED1}"/>
+              </a:ext>
+            </a:extLst>
+          </p:cNvPr>
+          <p:cNvSpPr>
+            <a:spLocks noGrp="1"/>
+          </p:cNvSpPr>
+          <p:nvPr>
+            <p:ph type="sldNum" sz="quarter" idx="10"/>
+          </p:nvPr>
+        </p:nvSpPr>
+        <p:spPr/>
+        <p:txBody>
+          <a:bodyPr/>
+          <a:lstStyle/>
+          <a:p>
+            <a:fld id="{CAC3FE34-2808-40E6-BEA2-B7CA77D47CA5}" type="slidenum">
+              <a:rPr lang="en-US" smtClean="0"/>
+              <a:pPr/>
+              <a:t>21</a:t>
+            </a:fld>
+            <a:endParaRPr lang="en-US" dirty="0"/>
+          </a:p>
+        </p:txBody>
+      </p:sp>
+      <p:sp>
+        <p:nvSpPr>
+          <p:cNvPr id="14" name="Text Placeholder 13">
+            <a:extLst>
+              <a:ext uri="{FF2B5EF4-FFF2-40B4-BE49-F238E27FC236}">
+                <a16:creationId xmlns:a16="http://schemas.microsoft.com/office/drawing/2014/main" id="{F7400612-355C-3E4F-DF05-B493AEE662D7}"/>
+              </a:ext>
+            </a:extLst>
+          </p:cNvPr>
+          <p:cNvSpPr>
+            <a:spLocks noGrp="1"/>
+          </p:cNvSpPr>
+          <p:nvPr>
+            <p:ph type="body" sz="quarter" idx="11"/>
+          </p:nvPr>
+        </p:nvSpPr>
+        <p:spPr/>
+        <p:txBody>
+          <a:bodyPr/>
+          <a:lstStyle/>
+          <a:p>
+            <a:r>
+              <a:rPr lang="en-US" dirty="0"/>
+              <a:t>Performance of IMM CV-CT-CA Filter:</a:t>
+            </a:r>
+          </a:p>
+        </p:txBody>
+      </p:sp>
+      <p:pic>
+        <p:nvPicPr>
+          <p:cNvPr id="5" name="Picture 4" descr="A graph of a graph of a graph of a graph of a graph of a graph of a graph of a graph of a graph of a graph of a graph of a graph of a graph of&#10;&#10;AI-generated content may be incorrect.">
+            <a:extLst>
+              <a:ext uri="{FF2B5EF4-FFF2-40B4-BE49-F238E27FC236}">
+                <a16:creationId xmlns:a16="http://schemas.microsoft.com/office/drawing/2014/main" id="{F3F00F00-306A-AA0D-1CCE-F099B35BFBD0}"/>
+              </a:ext>
+            </a:extLst>
+          </p:cNvPr>
+          <p:cNvPicPr>
+            <a:picLocks noChangeAspect="1"/>
+          </p:cNvPicPr>
+          <p:nvPr/>
+        </p:nvPicPr>
+        <p:blipFill>
+          <a:blip r:embed="rId3">
+            <a:extLst>
+              <a:ext uri="{28A0092B-C50C-407E-A947-70E740481C1C}">
+                <a14:useLocalDpi xmlns:a14="http://schemas.microsoft.com/office/drawing/2010/main" val="0"/>
+              </a:ext>
+            </a:extLst>
+          </a:blip>
+          <a:stretch>
+            <a:fillRect/>
+          </a:stretch>
+        </p:blipFill>
+        <p:spPr>
+          <a:xfrm>
+            <a:off x="125200" y="1743476"/>
+            <a:ext cx="5801541" cy="4343400"/>
+          </a:xfrm>
+          <a:prstGeom prst="rect">
+            <a:avLst/>
+          </a:prstGeom>
+        </p:spPr>
+      </p:pic>
+      <p:pic>
+        <p:nvPicPr>
+          <p:cNvPr id="8" name="Picture 7" descr="A graph of a graph of a graph of a graph of a graph of a graph of a graph of a graph of a graph of a graph of a graph of a graph of a graph of&#10;&#10;AI-generated content may be incorrect.">
+            <a:extLst>
+              <a:ext uri="{FF2B5EF4-FFF2-40B4-BE49-F238E27FC236}">
+                <a16:creationId xmlns:a16="http://schemas.microsoft.com/office/drawing/2014/main" id="{D120C338-6D4E-7034-9D8C-92C1191D38B4}"/>
+              </a:ext>
+            </a:extLst>
+          </p:cNvPr>
+          <p:cNvPicPr>
+            <a:picLocks noChangeAspect="1"/>
+          </p:cNvPicPr>
+          <p:nvPr/>
+        </p:nvPicPr>
+        <p:blipFill>
+          <a:blip r:embed="rId4">
+            <a:extLst>
+              <a:ext uri="{28A0092B-C50C-407E-A947-70E740481C1C}">
+                <a14:useLocalDpi xmlns:a14="http://schemas.microsoft.com/office/drawing/2010/main" val="0"/>
+              </a:ext>
+            </a:extLst>
+          </a:blip>
+          <a:stretch>
+            <a:fillRect/>
+          </a:stretch>
+        </p:blipFill>
+        <p:spPr>
+          <a:xfrm>
+            <a:off x="6265260" y="1743476"/>
+            <a:ext cx="5791200" cy="4343400"/>
           </a:xfrm>
           <a:prstGeom prst="rect">
             <a:avLst/>
@@ -18590,29 +20761,948 @@
     </p:spTree>
     <p:extLst>
       <p:ext uri="{BB962C8B-B14F-4D97-AF65-F5344CB8AC3E}">
-        <p14:creationId xmlns:p14="http://schemas.microsoft.com/office/powerpoint/2010/main" val="3384715479"/>
+        <p14:creationId xmlns:p14="http://schemas.microsoft.com/office/powerpoint/2010/main" val="3935197859"/>
       </p:ext>
     </p:extLst>
   </p:cSld>
   <p:clrMapOvr>
     <a:masterClrMapping/>
   </p:clrMapOvr>
-  <mc:AlternateContent xmlns:mc="http://schemas.openxmlformats.org/markup-compatibility/2006" xmlns:p159="http://schemas.microsoft.com/office/powerpoint/2015/09/main">
-    <mc:Choice Requires="p159">
-      <p:transition xmlns:p14="http://schemas.microsoft.com/office/powerpoint/2010/main" spd="slow" p14:dur="2000">
-        <p159:morph option="byObject"/>
-      </p:transition>
+  <mc:AlternateContent xmlns:mc="http://schemas.openxmlformats.org/markup-compatibility/2006" xmlns:p14="http://schemas.microsoft.com/office/powerpoint/2010/main">
+    <mc:Choice Requires="p14">
+      <p:transition p14:dur="0"/>
     </mc:Choice>
     <mc:Fallback xmlns="">
-      <p:transition spd="slow">
-        <p:fade/>
-      </p:transition>
+      <p:transition/>
     </mc:Fallback>
   </mc:AlternateContent>
 </p:sld>
 </file>
 
-<file path=ppt/slides/slide17.xml><?xml version="1.0" encoding="utf-8"?>
+<file path=ppt/slides/slide22.xml><?xml version="1.0" encoding="utf-8"?>
+<p:sld xmlns:a="http://schemas.openxmlformats.org/drawingml/2006/main" xmlns:r="http://schemas.openxmlformats.org/officeDocument/2006/relationships" xmlns:p="http://schemas.openxmlformats.org/presentationml/2006/main">
+  <p:cSld>
+    <p:spTree>
+      <p:nvGrpSpPr>
+        <p:cNvPr id="1" name="">
+          <a:extLst>
+            <a:ext uri="{FF2B5EF4-FFF2-40B4-BE49-F238E27FC236}">
+              <a16:creationId xmlns:a16="http://schemas.microsoft.com/office/drawing/2014/main" id="{6EE2BCD5-BA68-F1C3-D339-BC5634A81706}"/>
+            </a:ext>
+          </a:extLst>
+        </p:cNvPr>
+        <p:cNvGrpSpPr/>
+        <p:nvPr/>
+      </p:nvGrpSpPr>
+      <p:grpSpPr>
+        <a:xfrm>
+          <a:off x="0" y="0"/>
+          <a:ext cx="0" cy="0"/>
+          <a:chOff x="0" y="0"/>
+          <a:chExt cx="0" cy="0"/>
+        </a:xfrm>
+      </p:grpSpPr>
+      <p:sp>
+        <p:nvSpPr>
+          <p:cNvPr id="2" name="Title 1">
+            <a:extLst>
+              <a:ext uri="{FF2B5EF4-FFF2-40B4-BE49-F238E27FC236}">
+                <a16:creationId xmlns:a16="http://schemas.microsoft.com/office/drawing/2014/main" id="{2B083389-75F8-8BA3-0EC2-DABDA1F361FE}"/>
+              </a:ext>
+            </a:extLst>
+          </p:cNvPr>
+          <p:cNvSpPr>
+            <a:spLocks noGrp="1"/>
+          </p:cNvSpPr>
+          <p:nvPr>
+            <p:ph type="title"/>
+          </p:nvPr>
+        </p:nvSpPr>
+        <p:spPr/>
+        <p:txBody>
+          <a:bodyPr/>
+          <a:lstStyle/>
+          <a:p>
+            <a:r>
+              <a:rPr lang="en-US" dirty="0"/>
+              <a:t>Results (CV-CT-CA) – Mode Probability</a:t>
+            </a:r>
+          </a:p>
+        </p:txBody>
+      </p:sp>
+      <p:sp>
+        <p:nvSpPr>
+          <p:cNvPr id="3" name="Slide Number Placeholder 2">
+            <a:extLst>
+              <a:ext uri="{FF2B5EF4-FFF2-40B4-BE49-F238E27FC236}">
+                <a16:creationId xmlns:a16="http://schemas.microsoft.com/office/drawing/2014/main" id="{6C793252-42E6-EB79-3704-B5DD9C514594}"/>
+              </a:ext>
+            </a:extLst>
+          </p:cNvPr>
+          <p:cNvSpPr>
+            <a:spLocks noGrp="1"/>
+          </p:cNvSpPr>
+          <p:nvPr>
+            <p:ph type="sldNum" sz="quarter" idx="10"/>
+          </p:nvPr>
+        </p:nvSpPr>
+        <p:spPr/>
+        <p:txBody>
+          <a:bodyPr/>
+          <a:lstStyle/>
+          <a:p>
+            <a:fld id="{CAC3FE34-2808-40E6-BEA2-B7CA77D47CA5}" type="slidenum">
+              <a:rPr lang="en-US" smtClean="0"/>
+              <a:pPr/>
+              <a:t>22</a:t>
+            </a:fld>
+            <a:endParaRPr lang="en-US" dirty="0"/>
+          </a:p>
+        </p:txBody>
+      </p:sp>
+      <p:sp>
+        <p:nvSpPr>
+          <p:cNvPr id="14" name="Text Placeholder 13">
+            <a:extLst>
+              <a:ext uri="{FF2B5EF4-FFF2-40B4-BE49-F238E27FC236}">
+                <a16:creationId xmlns:a16="http://schemas.microsoft.com/office/drawing/2014/main" id="{5B749BD1-9180-428F-596D-7AC4A035A88C}"/>
+              </a:ext>
+            </a:extLst>
+          </p:cNvPr>
+          <p:cNvSpPr>
+            <a:spLocks noGrp="1"/>
+          </p:cNvSpPr>
+          <p:nvPr>
+            <p:ph type="body" sz="quarter" idx="11"/>
+          </p:nvPr>
+        </p:nvSpPr>
+        <p:spPr>
+          <a:xfrm>
+            <a:off x="135540" y="1341438"/>
+            <a:ext cx="8909624" cy="4911725"/>
+          </a:xfrm>
+        </p:spPr>
+        <p:txBody>
+          <a:bodyPr/>
+          <a:lstStyle/>
+          <a:p>
+            <a:r>
+              <a:rPr lang="en-US" dirty="0"/>
+              <a:t>IMM Model Mode Prediction:</a:t>
+            </a:r>
+          </a:p>
+          <a:p>
+            <a:pPr marL="0" indent="0">
+              <a:buNone/>
+            </a:pPr>
+            <a:endParaRPr lang="en-US" dirty="0"/>
+          </a:p>
+        </p:txBody>
+      </p:sp>
+      <p:pic>
+        <p:nvPicPr>
+          <p:cNvPr id="6" name="Picture 5" descr="A graph of a line&#10;&#10;AI-generated content may be incorrect.">
+            <a:extLst>
+              <a:ext uri="{FF2B5EF4-FFF2-40B4-BE49-F238E27FC236}">
+                <a16:creationId xmlns:a16="http://schemas.microsoft.com/office/drawing/2014/main" id="{95DBB7D9-C21C-06ED-244F-8B03659AACCC}"/>
+              </a:ext>
+            </a:extLst>
+          </p:cNvPr>
+          <p:cNvPicPr>
+            <a:picLocks noChangeAspect="1"/>
+          </p:cNvPicPr>
+          <p:nvPr/>
+        </p:nvPicPr>
+        <p:blipFill>
+          <a:blip r:embed="rId2">
+            <a:extLst>
+              <a:ext uri="{28A0092B-C50C-407E-A947-70E740481C1C}">
+                <a14:useLocalDpi xmlns:a14="http://schemas.microsoft.com/office/drawing/2010/main" val="0"/>
+              </a:ext>
+            </a:extLst>
+          </a:blip>
+          <a:stretch>
+            <a:fillRect/>
+          </a:stretch>
+        </p:blipFill>
+        <p:spPr>
+          <a:xfrm>
+            <a:off x="6979567" y="2380459"/>
+            <a:ext cx="4876799" cy="3657600"/>
+          </a:xfrm>
+          <a:prstGeom prst="rect">
+            <a:avLst/>
+          </a:prstGeom>
+        </p:spPr>
+      </p:pic>
+      <p:pic>
+        <p:nvPicPr>
+          <p:cNvPr id="13" name="Picture 12" descr="A graph of a mode probability&#10;&#10;AI-generated content may be incorrect.">
+            <a:extLst>
+              <a:ext uri="{FF2B5EF4-FFF2-40B4-BE49-F238E27FC236}">
+                <a16:creationId xmlns:a16="http://schemas.microsoft.com/office/drawing/2014/main" id="{DBC261EA-CBED-616A-25CD-1ADF9C870565}"/>
+              </a:ext>
+            </a:extLst>
+          </p:cNvPr>
+          <p:cNvPicPr>
+            <a:picLocks noChangeAspect="1"/>
+          </p:cNvPicPr>
+          <p:nvPr/>
+        </p:nvPicPr>
+        <p:blipFill>
+          <a:blip r:embed="rId3">
+            <a:extLst>
+              <a:ext uri="{28A0092B-C50C-407E-A947-70E740481C1C}">
+                <a14:useLocalDpi xmlns:a14="http://schemas.microsoft.com/office/drawing/2010/main" val="0"/>
+              </a:ext>
+            </a:extLst>
+          </a:blip>
+          <a:stretch>
+            <a:fillRect/>
+          </a:stretch>
+        </p:blipFill>
+        <p:spPr>
+          <a:xfrm>
+            <a:off x="508343" y="1943847"/>
+            <a:ext cx="6389369" cy="4800600"/>
+          </a:xfrm>
+          <a:prstGeom prst="rect">
+            <a:avLst/>
+          </a:prstGeom>
+        </p:spPr>
+      </p:pic>
+    </p:spTree>
+    <p:extLst>
+      <p:ext uri="{BB962C8B-B14F-4D97-AF65-F5344CB8AC3E}">
+        <p14:creationId xmlns:p14="http://schemas.microsoft.com/office/powerpoint/2010/main" val="2662881141"/>
+      </p:ext>
+    </p:extLst>
+  </p:cSld>
+  <p:clrMapOvr>
+    <a:masterClrMapping/>
+  </p:clrMapOvr>
+  <mc:AlternateContent xmlns:mc="http://schemas.openxmlformats.org/markup-compatibility/2006">
+    <mc:Choice xmlns:p14="http://schemas.microsoft.com/office/powerpoint/2010/main" Requires="p14">
+      <p:transition p14:dur="0"/>
+    </mc:Choice>
+    <mc:Fallback>
+      <p:transition/>
+    </mc:Fallback>
+  </mc:AlternateContent>
+</p:sld>
+</file>
+
+<file path=ppt/slides/slide23.xml><?xml version="1.0" encoding="utf-8"?>
+<p:sld xmlns:a="http://schemas.openxmlformats.org/drawingml/2006/main" xmlns:r="http://schemas.openxmlformats.org/officeDocument/2006/relationships" xmlns:p="http://schemas.openxmlformats.org/presentationml/2006/main">
+  <p:cSld>
+    <p:spTree>
+      <p:nvGrpSpPr>
+        <p:cNvPr id="1" name="">
+          <a:extLst>
+            <a:ext uri="{FF2B5EF4-FFF2-40B4-BE49-F238E27FC236}">
+              <a16:creationId xmlns:a16="http://schemas.microsoft.com/office/drawing/2014/main" id="{7A0349DE-FBD0-BF98-FC0F-98A2966F5E97}"/>
+            </a:ext>
+          </a:extLst>
+        </p:cNvPr>
+        <p:cNvGrpSpPr/>
+        <p:nvPr/>
+      </p:nvGrpSpPr>
+      <p:grpSpPr>
+        <a:xfrm>
+          <a:off x="0" y="0"/>
+          <a:ext cx="0" cy="0"/>
+          <a:chOff x="0" y="0"/>
+          <a:chExt cx="0" cy="0"/>
+        </a:xfrm>
+      </p:grpSpPr>
+      <p:sp>
+        <p:nvSpPr>
+          <p:cNvPr id="2" name="Title 1">
+            <a:extLst>
+              <a:ext uri="{FF2B5EF4-FFF2-40B4-BE49-F238E27FC236}">
+                <a16:creationId xmlns:a16="http://schemas.microsoft.com/office/drawing/2014/main" id="{83026C4A-EAEE-F775-A1D3-FE57D17EB71D}"/>
+              </a:ext>
+            </a:extLst>
+          </p:cNvPr>
+          <p:cNvSpPr>
+            <a:spLocks noGrp="1"/>
+          </p:cNvSpPr>
+          <p:nvPr>
+            <p:ph type="title"/>
+          </p:nvPr>
+        </p:nvSpPr>
+        <p:spPr/>
+        <p:txBody>
+          <a:bodyPr/>
+          <a:lstStyle/>
+          <a:p>
+            <a:r>
+              <a:rPr lang="en-US" dirty="0"/>
+              <a:t>Results (CV-CT-CA) – Error Comparison</a:t>
+            </a:r>
+          </a:p>
+        </p:txBody>
+      </p:sp>
+      <p:sp>
+        <p:nvSpPr>
+          <p:cNvPr id="3" name="Slide Number Placeholder 2">
+            <a:extLst>
+              <a:ext uri="{FF2B5EF4-FFF2-40B4-BE49-F238E27FC236}">
+                <a16:creationId xmlns:a16="http://schemas.microsoft.com/office/drawing/2014/main" id="{B6523F02-58CC-113C-6B8E-D83840BBCD5F}"/>
+              </a:ext>
+            </a:extLst>
+          </p:cNvPr>
+          <p:cNvSpPr>
+            <a:spLocks noGrp="1"/>
+          </p:cNvSpPr>
+          <p:nvPr>
+            <p:ph type="sldNum" sz="quarter" idx="10"/>
+          </p:nvPr>
+        </p:nvSpPr>
+        <p:spPr/>
+        <p:txBody>
+          <a:bodyPr/>
+          <a:lstStyle/>
+          <a:p>
+            <a:fld id="{CAC3FE34-2808-40E6-BEA2-B7CA77D47CA5}" type="slidenum">
+              <a:rPr lang="en-US" smtClean="0"/>
+              <a:pPr/>
+              <a:t>23</a:t>
+            </a:fld>
+            <a:endParaRPr lang="en-US" dirty="0"/>
+          </a:p>
+        </p:txBody>
+      </p:sp>
+      <p:sp>
+        <p:nvSpPr>
+          <p:cNvPr id="14" name="Text Placeholder 13">
+            <a:extLst>
+              <a:ext uri="{FF2B5EF4-FFF2-40B4-BE49-F238E27FC236}">
+                <a16:creationId xmlns:a16="http://schemas.microsoft.com/office/drawing/2014/main" id="{425DCC62-9B39-1446-7164-762B103B2FF5}"/>
+              </a:ext>
+            </a:extLst>
+          </p:cNvPr>
+          <p:cNvSpPr>
+            <a:spLocks noGrp="1"/>
+          </p:cNvSpPr>
+          <p:nvPr>
+            <p:ph type="body" sz="quarter" idx="11"/>
+          </p:nvPr>
+        </p:nvSpPr>
+        <p:spPr/>
+        <p:txBody>
+          <a:bodyPr/>
+          <a:lstStyle/>
+          <a:p>
+            <a:r>
+              <a:rPr lang="en-US" dirty="0"/>
+              <a:t>Comparison of IMM CV-CT-CA Filter:</a:t>
+            </a:r>
+          </a:p>
+        </p:txBody>
+      </p:sp>
+      <p:pic>
+        <p:nvPicPr>
+          <p:cNvPr id="5" name="Picture 4" descr="A graph of a graph of a number of different colored lines&#10;&#10;AI-generated content may be incorrect.">
+            <a:extLst>
+              <a:ext uri="{FF2B5EF4-FFF2-40B4-BE49-F238E27FC236}">
+                <a16:creationId xmlns:a16="http://schemas.microsoft.com/office/drawing/2014/main" id="{DFF97B86-78D3-808A-248C-52A953C6CAC3}"/>
+              </a:ext>
+            </a:extLst>
+          </p:cNvPr>
+          <p:cNvPicPr>
+            <a:picLocks noChangeAspect="1"/>
+          </p:cNvPicPr>
+          <p:nvPr/>
+        </p:nvPicPr>
+        <p:blipFill>
+          <a:blip r:embed="rId3">
+            <a:extLst>
+              <a:ext uri="{28A0092B-C50C-407E-A947-70E740481C1C}">
+                <a14:useLocalDpi xmlns:a14="http://schemas.microsoft.com/office/drawing/2010/main" val="0"/>
+              </a:ext>
+            </a:extLst>
+          </a:blip>
+          <a:stretch>
+            <a:fillRect/>
+          </a:stretch>
+        </p:blipFill>
+        <p:spPr>
+          <a:xfrm>
+            <a:off x="200704" y="1833609"/>
+            <a:ext cx="5791200" cy="4343400"/>
+          </a:xfrm>
+          <a:prstGeom prst="rect">
+            <a:avLst/>
+          </a:prstGeom>
+        </p:spPr>
+      </p:pic>
+      <p:pic>
+        <p:nvPicPr>
+          <p:cNvPr id="8" name="Picture 7" descr="A graph of a graph of a graph of a graph of a graph of a graph of a graph of a graph of a graph of a graph of a graph of a graph of a graph of&#10;&#10;AI-generated content may be incorrect.">
+            <a:extLst>
+              <a:ext uri="{FF2B5EF4-FFF2-40B4-BE49-F238E27FC236}">
+                <a16:creationId xmlns:a16="http://schemas.microsoft.com/office/drawing/2014/main" id="{F0054FE2-FF96-12E5-BD4C-76510827A97A}"/>
+              </a:ext>
+            </a:extLst>
+          </p:cNvPr>
+          <p:cNvPicPr>
+            <a:picLocks noChangeAspect="1"/>
+          </p:cNvPicPr>
+          <p:nvPr/>
+        </p:nvPicPr>
+        <p:blipFill>
+          <a:blip r:embed="rId4">
+            <a:extLst>
+              <a:ext uri="{28A0092B-C50C-407E-A947-70E740481C1C}">
+                <a14:useLocalDpi xmlns:a14="http://schemas.microsoft.com/office/drawing/2010/main" val="0"/>
+              </a:ext>
+            </a:extLst>
+          </a:blip>
+          <a:stretch>
+            <a:fillRect/>
+          </a:stretch>
+        </p:blipFill>
+        <p:spPr>
+          <a:xfrm>
+            <a:off x="6243638" y="1785227"/>
+            <a:ext cx="5791200" cy="4343400"/>
+          </a:xfrm>
+          <a:prstGeom prst="rect">
+            <a:avLst/>
+          </a:prstGeom>
+        </p:spPr>
+      </p:pic>
+    </p:spTree>
+    <p:extLst>
+      <p:ext uri="{BB962C8B-B14F-4D97-AF65-F5344CB8AC3E}">
+        <p14:creationId xmlns:p14="http://schemas.microsoft.com/office/powerpoint/2010/main" val="4277695899"/>
+      </p:ext>
+    </p:extLst>
+  </p:cSld>
+  <p:clrMapOvr>
+    <a:masterClrMapping/>
+  </p:clrMapOvr>
+  <mc:AlternateContent xmlns:mc="http://schemas.openxmlformats.org/markup-compatibility/2006" xmlns:p14="http://schemas.microsoft.com/office/powerpoint/2010/main">
+    <mc:Choice Requires="p14">
+      <p:transition p14:dur="0"/>
+    </mc:Choice>
+    <mc:Fallback xmlns="">
+      <p:transition/>
+    </mc:Fallback>
+  </mc:AlternateContent>
+</p:sld>
+</file>
+
+<file path=ppt/slides/slide24.xml><?xml version="1.0" encoding="utf-8"?>
+<p:sld xmlns:a="http://schemas.openxmlformats.org/drawingml/2006/main" xmlns:r="http://schemas.openxmlformats.org/officeDocument/2006/relationships" xmlns:p="http://schemas.openxmlformats.org/presentationml/2006/main">
+  <p:cSld>
+    <p:spTree>
+      <p:nvGrpSpPr>
+        <p:cNvPr id="1" name="">
+          <a:extLst>
+            <a:ext uri="{FF2B5EF4-FFF2-40B4-BE49-F238E27FC236}">
+              <a16:creationId xmlns:a16="http://schemas.microsoft.com/office/drawing/2014/main" id="{99576536-CD90-B67F-AEEB-01E07ABD1623}"/>
+            </a:ext>
+          </a:extLst>
+        </p:cNvPr>
+        <p:cNvGrpSpPr/>
+        <p:nvPr/>
+      </p:nvGrpSpPr>
+      <p:grpSpPr>
+        <a:xfrm>
+          <a:off x="0" y="0"/>
+          <a:ext cx="0" cy="0"/>
+          <a:chOff x="0" y="0"/>
+          <a:chExt cx="0" cy="0"/>
+        </a:xfrm>
+      </p:grpSpPr>
+      <p:sp>
+        <p:nvSpPr>
+          <p:cNvPr id="2" name="Title 1">
+            <a:extLst>
+              <a:ext uri="{FF2B5EF4-FFF2-40B4-BE49-F238E27FC236}">
+                <a16:creationId xmlns:a16="http://schemas.microsoft.com/office/drawing/2014/main" id="{AB9D640D-EC05-CEDF-B18D-F62AA380F43B}"/>
+              </a:ext>
+            </a:extLst>
+          </p:cNvPr>
+          <p:cNvSpPr>
+            <a:spLocks noGrp="1"/>
+          </p:cNvSpPr>
+          <p:nvPr>
+            <p:ph type="title"/>
+          </p:nvPr>
+        </p:nvSpPr>
+        <p:spPr/>
+        <p:txBody>
+          <a:bodyPr/>
+          <a:lstStyle/>
+          <a:p>
+            <a:r>
+              <a:rPr lang="en-US" dirty="0"/>
+              <a:t>Future Steps</a:t>
+            </a:r>
+          </a:p>
+        </p:txBody>
+      </p:sp>
+      <p:sp>
+        <p:nvSpPr>
+          <p:cNvPr id="3" name="Slide Number Placeholder 2">
+            <a:extLst>
+              <a:ext uri="{FF2B5EF4-FFF2-40B4-BE49-F238E27FC236}">
+                <a16:creationId xmlns:a16="http://schemas.microsoft.com/office/drawing/2014/main" id="{36D2A9CD-2665-6834-9831-D75DA531392C}"/>
+              </a:ext>
+            </a:extLst>
+          </p:cNvPr>
+          <p:cNvSpPr>
+            <a:spLocks noGrp="1"/>
+          </p:cNvSpPr>
+          <p:nvPr>
+            <p:ph type="sldNum" sz="quarter" idx="10"/>
+          </p:nvPr>
+        </p:nvSpPr>
+        <p:spPr/>
+        <p:txBody>
+          <a:bodyPr/>
+          <a:lstStyle/>
+          <a:p>
+            <a:fld id="{CAC3FE34-2808-40E6-BEA2-B7CA77D47CA5}" type="slidenum">
+              <a:rPr lang="en-US" smtClean="0"/>
+              <a:pPr/>
+              <a:t>24</a:t>
+            </a:fld>
+            <a:endParaRPr lang="en-US" dirty="0"/>
+          </a:p>
+        </p:txBody>
+      </p:sp>
+      <p:sp>
+        <p:nvSpPr>
+          <p:cNvPr id="4" name="Text Placeholder 3">
+            <a:extLst>
+              <a:ext uri="{FF2B5EF4-FFF2-40B4-BE49-F238E27FC236}">
+                <a16:creationId xmlns:a16="http://schemas.microsoft.com/office/drawing/2014/main" id="{B30AB3D3-6589-003F-0012-EA6A0651FFE3}"/>
+              </a:ext>
+            </a:extLst>
+          </p:cNvPr>
+          <p:cNvSpPr>
+            <a:spLocks noGrp="1"/>
+          </p:cNvSpPr>
+          <p:nvPr>
+            <p:ph type="body" sz="quarter" idx="11"/>
+          </p:nvPr>
+        </p:nvSpPr>
+        <p:spPr/>
+        <p:txBody>
+          <a:bodyPr/>
+          <a:lstStyle/>
+          <a:p>
+            <a:r>
+              <a:rPr lang="en-US" dirty="0"/>
+              <a:t>Implement IMM with a non-linear measurement model (ranges &amp; range rates)</a:t>
+            </a:r>
+          </a:p>
+          <a:p>
+            <a:r>
+              <a:rPr lang="en-US" dirty="0"/>
+              <a:t>GPS/INS implementation</a:t>
+            </a:r>
+          </a:p>
+          <a:p>
+            <a:r>
+              <a:rPr lang="en-US" dirty="0"/>
+              <a:t>Real vs. Simulated trajectories and measurements</a:t>
+            </a:r>
+          </a:p>
+          <a:p>
+            <a:r>
+              <a:rPr lang="en-US" dirty="0"/>
+              <a:t>Increased complexity in model selection (Adding Vehicle Dynamic Model)</a:t>
+            </a:r>
+          </a:p>
+          <a:p>
+            <a:endParaRPr lang="en-US" dirty="0"/>
+          </a:p>
+        </p:txBody>
+      </p:sp>
+    </p:spTree>
+    <p:extLst>
+      <p:ext uri="{BB962C8B-B14F-4D97-AF65-F5344CB8AC3E}">
+        <p14:creationId xmlns:p14="http://schemas.microsoft.com/office/powerpoint/2010/main" val="1045444036"/>
+      </p:ext>
+    </p:extLst>
+  </p:cSld>
+  <p:clrMapOvr>
+    <a:masterClrMapping/>
+  </p:clrMapOvr>
+  <p:transition spd="med"/>
+</p:sld>
+</file>
+
+<file path=ppt/slides/slide25.xml><?xml version="1.0" encoding="utf-8"?>
+<p:sld xmlns:a="http://schemas.openxmlformats.org/drawingml/2006/main" xmlns:r="http://schemas.openxmlformats.org/officeDocument/2006/relationships" xmlns:p="http://schemas.openxmlformats.org/presentationml/2006/main">
+  <p:cSld>
+    <p:spTree>
+      <p:nvGrpSpPr>
+        <p:cNvPr id="1" name="">
+          <a:extLst>
+            <a:ext uri="{FF2B5EF4-FFF2-40B4-BE49-F238E27FC236}">
+              <a16:creationId xmlns:a16="http://schemas.microsoft.com/office/drawing/2014/main" id="{33B05CDA-2927-4F3F-9EA8-23EFD888A115}"/>
+            </a:ext>
+          </a:extLst>
+        </p:cNvPr>
+        <p:cNvGrpSpPr/>
+        <p:nvPr/>
+      </p:nvGrpSpPr>
+      <p:grpSpPr>
+        <a:xfrm>
+          <a:off x="0" y="0"/>
+          <a:ext cx="0" cy="0"/>
+          <a:chOff x="0" y="0"/>
+          <a:chExt cx="0" cy="0"/>
+        </a:xfrm>
+      </p:grpSpPr>
+      <p:sp>
+        <p:nvSpPr>
+          <p:cNvPr id="2" name="Title 1">
+            <a:extLst>
+              <a:ext uri="{FF2B5EF4-FFF2-40B4-BE49-F238E27FC236}">
+                <a16:creationId xmlns:a16="http://schemas.microsoft.com/office/drawing/2014/main" id="{86D00A58-D052-B859-D12B-8FC19DDB0824}"/>
+              </a:ext>
+            </a:extLst>
+          </p:cNvPr>
+          <p:cNvSpPr>
+            <a:spLocks noGrp="1"/>
+          </p:cNvSpPr>
+          <p:nvPr>
+            <p:ph type="title"/>
+          </p:nvPr>
+        </p:nvSpPr>
+        <p:spPr/>
+        <p:txBody>
+          <a:bodyPr/>
+          <a:lstStyle/>
+          <a:p>
+            <a:r>
+              <a:rPr lang="en-US" dirty="0"/>
+              <a:t>Questions?</a:t>
+            </a:r>
+          </a:p>
+        </p:txBody>
+      </p:sp>
+      <p:sp>
+        <p:nvSpPr>
+          <p:cNvPr id="3" name="Slide Number Placeholder 2">
+            <a:extLst>
+              <a:ext uri="{FF2B5EF4-FFF2-40B4-BE49-F238E27FC236}">
+                <a16:creationId xmlns:a16="http://schemas.microsoft.com/office/drawing/2014/main" id="{B3426B7B-2274-FFC8-A307-4405A1CC7FEA}"/>
+              </a:ext>
+            </a:extLst>
+          </p:cNvPr>
+          <p:cNvSpPr>
+            <a:spLocks noGrp="1"/>
+          </p:cNvSpPr>
+          <p:nvPr>
+            <p:ph type="sldNum" sz="quarter" idx="10"/>
+          </p:nvPr>
+        </p:nvSpPr>
+        <p:spPr/>
+        <p:txBody>
+          <a:bodyPr/>
+          <a:lstStyle/>
+          <a:p>
+            <a:fld id="{CAC3FE34-2808-40E6-BEA2-B7CA77D47CA5}" type="slidenum">
+              <a:rPr lang="en-US" smtClean="0"/>
+              <a:pPr/>
+              <a:t>25</a:t>
+            </a:fld>
+            <a:endParaRPr lang="en-US" dirty="0"/>
+          </a:p>
+        </p:txBody>
+      </p:sp>
+    </p:spTree>
+    <p:extLst>
+      <p:ext uri="{BB962C8B-B14F-4D97-AF65-F5344CB8AC3E}">
+        <p14:creationId xmlns:p14="http://schemas.microsoft.com/office/powerpoint/2010/main" val="2276957071"/>
+      </p:ext>
+    </p:extLst>
+  </p:cSld>
+  <p:clrMapOvr>
+    <a:masterClrMapping/>
+  </p:clrMapOvr>
+  <p:transition spd="med"/>
+</p:sld>
+</file>
+
+<file path=ppt/slides/slide26.xml><?xml version="1.0" encoding="utf-8"?>
+<p:sld xmlns:a="http://schemas.openxmlformats.org/drawingml/2006/main" xmlns:r="http://schemas.openxmlformats.org/officeDocument/2006/relationships" xmlns:p="http://schemas.openxmlformats.org/presentationml/2006/main">
+  <p:cSld>
+    <p:spTree>
+      <p:nvGrpSpPr>
+        <p:cNvPr id="1" name="">
+          <a:extLst>
+            <a:ext uri="{FF2B5EF4-FFF2-40B4-BE49-F238E27FC236}">
+              <a16:creationId xmlns:a16="http://schemas.microsoft.com/office/drawing/2014/main" id="{5006AE7B-65B3-6185-C620-6F62E726DDB4}"/>
+            </a:ext>
+          </a:extLst>
+        </p:cNvPr>
+        <p:cNvGrpSpPr/>
+        <p:nvPr/>
+      </p:nvGrpSpPr>
+      <p:grpSpPr>
+        <a:xfrm>
+          <a:off x="0" y="0"/>
+          <a:ext cx="0" cy="0"/>
+          <a:chOff x="0" y="0"/>
+          <a:chExt cx="0" cy="0"/>
+        </a:xfrm>
+      </p:grpSpPr>
+      <p:sp>
+        <p:nvSpPr>
+          <p:cNvPr id="2" name="Title 1">
+            <a:extLst>
+              <a:ext uri="{FF2B5EF4-FFF2-40B4-BE49-F238E27FC236}">
+                <a16:creationId xmlns:a16="http://schemas.microsoft.com/office/drawing/2014/main" id="{B8FC994D-99FF-E692-7BEB-0A4E1665AC8F}"/>
+              </a:ext>
+            </a:extLst>
+          </p:cNvPr>
+          <p:cNvSpPr>
+            <a:spLocks noGrp="1"/>
+          </p:cNvSpPr>
+          <p:nvPr>
+            <p:ph type="title"/>
+          </p:nvPr>
+        </p:nvSpPr>
+        <p:spPr/>
+        <p:txBody>
+          <a:bodyPr/>
+          <a:lstStyle/>
+          <a:p>
+            <a:r>
+              <a:rPr lang="en-US" dirty="0"/>
+              <a:t>References</a:t>
+            </a:r>
+          </a:p>
+        </p:txBody>
+      </p:sp>
+      <p:sp>
+        <p:nvSpPr>
+          <p:cNvPr id="3" name="Slide Number Placeholder 2">
+            <a:extLst>
+              <a:ext uri="{FF2B5EF4-FFF2-40B4-BE49-F238E27FC236}">
+                <a16:creationId xmlns:a16="http://schemas.microsoft.com/office/drawing/2014/main" id="{4090F2A3-8D23-E0A3-B858-B5188A3777DF}"/>
+              </a:ext>
+            </a:extLst>
+          </p:cNvPr>
+          <p:cNvSpPr>
+            <a:spLocks noGrp="1"/>
+          </p:cNvSpPr>
+          <p:nvPr>
+            <p:ph type="sldNum" sz="quarter" idx="10"/>
+          </p:nvPr>
+        </p:nvSpPr>
+        <p:spPr/>
+        <p:txBody>
+          <a:bodyPr/>
+          <a:lstStyle/>
+          <a:p>
+            <a:fld id="{CAC3FE34-2808-40E6-BEA2-B7CA77D47CA5}" type="slidenum">
+              <a:rPr lang="en-US" smtClean="0"/>
+              <a:pPr/>
+              <a:t>26</a:t>
+            </a:fld>
+            <a:endParaRPr lang="en-US" dirty="0"/>
+          </a:p>
+        </p:txBody>
+      </p:sp>
+    </p:spTree>
+    <p:extLst>
+      <p:ext uri="{BB962C8B-B14F-4D97-AF65-F5344CB8AC3E}">
+        <p14:creationId xmlns:p14="http://schemas.microsoft.com/office/powerpoint/2010/main" val="1732606399"/>
+      </p:ext>
+    </p:extLst>
+  </p:cSld>
+  <p:clrMapOvr>
+    <a:masterClrMapping/>
+  </p:clrMapOvr>
+  <p:transition spd="med"/>
+</p:sld>
+</file>
+
+<file path=ppt/slides/slide27.xml><?xml version="1.0" encoding="utf-8"?>
+<p:sld xmlns:a="http://schemas.openxmlformats.org/drawingml/2006/main" xmlns:r="http://schemas.openxmlformats.org/officeDocument/2006/relationships" xmlns:p="http://schemas.openxmlformats.org/presentationml/2006/main">
+  <p:cSld>
+    <p:spTree>
+      <p:nvGrpSpPr>
+        <p:cNvPr id="1" name="">
+          <a:extLst>
+            <a:ext uri="{FF2B5EF4-FFF2-40B4-BE49-F238E27FC236}">
+              <a16:creationId xmlns:a16="http://schemas.microsoft.com/office/drawing/2014/main" id="{CC2B0102-FAF4-95C6-5ECA-13FB56DEA0F7}"/>
+            </a:ext>
+          </a:extLst>
+        </p:cNvPr>
+        <p:cNvGrpSpPr/>
+        <p:nvPr/>
+      </p:nvGrpSpPr>
+      <p:grpSpPr>
+        <a:xfrm>
+          <a:off x="0" y="0"/>
+          <a:ext cx="0" cy="0"/>
+          <a:chOff x="0" y="0"/>
+          <a:chExt cx="0" cy="0"/>
+        </a:xfrm>
+      </p:grpSpPr>
+      <p:sp>
+        <p:nvSpPr>
+          <p:cNvPr id="2" name="Title 1">
+            <a:extLst>
+              <a:ext uri="{FF2B5EF4-FFF2-40B4-BE49-F238E27FC236}">
+                <a16:creationId xmlns:a16="http://schemas.microsoft.com/office/drawing/2014/main" id="{DF1ED733-2E7A-F761-948A-D70BC6FA847D}"/>
+              </a:ext>
+            </a:extLst>
+          </p:cNvPr>
+          <p:cNvSpPr>
+            <a:spLocks noGrp="1"/>
+          </p:cNvSpPr>
+          <p:nvPr>
+            <p:ph type="title"/>
+          </p:nvPr>
+        </p:nvSpPr>
+        <p:spPr/>
+        <p:txBody>
+          <a:bodyPr/>
+          <a:lstStyle/>
+          <a:p>
+            <a:endParaRPr lang="en-US"/>
+          </a:p>
+        </p:txBody>
+      </p:sp>
+      <p:sp>
+        <p:nvSpPr>
+          <p:cNvPr id="3" name="Slide Number Placeholder 2">
+            <a:extLst>
+              <a:ext uri="{FF2B5EF4-FFF2-40B4-BE49-F238E27FC236}">
+                <a16:creationId xmlns:a16="http://schemas.microsoft.com/office/drawing/2014/main" id="{2BD205C9-A87A-0867-3343-55DFA4F4B9AB}"/>
+              </a:ext>
+            </a:extLst>
+          </p:cNvPr>
+          <p:cNvSpPr>
+            <a:spLocks noGrp="1"/>
+          </p:cNvSpPr>
+          <p:nvPr>
+            <p:ph type="sldNum" sz="quarter" idx="10"/>
+          </p:nvPr>
+        </p:nvSpPr>
+        <p:spPr/>
+        <p:txBody>
+          <a:bodyPr/>
+          <a:lstStyle/>
+          <a:p>
+            <a:fld id="{CAC3FE34-2808-40E6-BEA2-B7CA77D47CA5}" type="slidenum">
+              <a:rPr lang="en-US" smtClean="0"/>
+              <a:pPr/>
+              <a:t>27</a:t>
+            </a:fld>
+            <a:endParaRPr lang="en-US" dirty="0"/>
+          </a:p>
+        </p:txBody>
+      </p:sp>
+      <p:pic>
+        <p:nvPicPr>
+          <p:cNvPr id="5" name="Picture 4">
+            <a:extLst>
+              <a:ext uri="{FF2B5EF4-FFF2-40B4-BE49-F238E27FC236}">
+                <a16:creationId xmlns:a16="http://schemas.microsoft.com/office/drawing/2014/main" id="{9A60A9BB-8F54-A77C-E3E3-725A97FF00B3}"/>
+              </a:ext>
+            </a:extLst>
+          </p:cNvPr>
+          <p:cNvPicPr>
+            <a:picLocks noChangeAspect="1"/>
+          </p:cNvPicPr>
+          <p:nvPr/>
+        </p:nvPicPr>
+        <p:blipFill>
+          <a:blip r:embed="rId2"/>
+          <a:stretch>
+            <a:fillRect/>
+          </a:stretch>
+        </p:blipFill>
+        <p:spPr>
+          <a:xfrm>
+            <a:off x="1085849" y="1798511"/>
+            <a:ext cx="10100733" cy="3471777"/>
+          </a:xfrm>
+          <a:prstGeom prst="rect">
+            <a:avLst/>
+          </a:prstGeom>
+        </p:spPr>
+      </p:pic>
+      <p:sp>
+        <p:nvSpPr>
+          <p:cNvPr id="7" name="TextBox 6">
+            <a:extLst>
+              <a:ext uri="{FF2B5EF4-FFF2-40B4-BE49-F238E27FC236}">
+                <a16:creationId xmlns:a16="http://schemas.microsoft.com/office/drawing/2014/main" id="{7ACFFD03-255F-B588-1021-4FED0AC9828B}"/>
+              </a:ext>
+            </a:extLst>
+          </p:cNvPr>
+          <p:cNvSpPr txBox="1"/>
+          <p:nvPr/>
+        </p:nvSpPr>
+        <p:spPr>
+          <a:xfrm>
+            <a:off x="-42333" y="6013526"/>
+            <a:ext cx="6136216" cy="369332"/>
+          </a:xfrm>
+          <a:prstGeom prst="rect">
+            <a:avLst/>
+          </a:prstGeom>
+          <a:noFill/>
+          <a:ln w="12700" cap="flat">
+            <a:noFill/>
+            <a:miter lim="400000"/>
+          </a:ln>
+          <a:effectLst/>
+        </p:spPr>
+        <p:style>
+          <a:lnRef idx="0">
+            <a:scrgbClr r="0" g="0" b="0"/>
+          </a:lnRef>
+          <a:fillRef idx="0">
+            <a:scrgbClr r="0" g="0" b="0"/>
+          </a:fillRef>
+          <a:effectRef idx="0">
+            <a:scrgbClr r="0" g="0" b="0"/>
+          </a:effectRef>
+          <a:fontRef idx="none"/>
+        </p:style>
+        <p:txBody>
+          <a:bodyPr wrap="square">
+            <a:spAutoFit/>
+          </a:bodyPr>
+          <a:lstStyle/>
+          <a:p>
+            <a:r>
+              <a:rPr lang="en-US" dirty="0"/>
+              <a:t>https://www.youtube.com/watch?v=pqxICLvcYlE</a:t>
+            </a:r>
+          </a:p>
+        </p:txBody>
+      </p:sp>
+    </p:spTree>
+    <p:extLst>
+      <p:ext uri="{BB962C8B-B14F-4D97-AF65-F5344CB8AC3E}">
+        <p14:creationId xmlns:p14="http://schemas.microsoft.com/office/powerpoint/2010/main" val="597928789"/>
+      </p:ext>
+    </p:extLst>
+  </p:cSld>
+  <p:clrMapOvr>
+    <a:masterClrMapping/>
+  </p:clrMapOvr>
+  <p:transition spd="med"/>
+</p:sld>
+</file>
+
+<file path=ppt/slides/slide28.xml><?xml version="1.0" encoding="utf-8"?>
 <p:sld xmlns:a="http://schemas.openxmlformats.org/drawingml/2006/main" xmlns:r="http://schemas.openxmlformats.org/officeDocument/2006/relationships" xmlns:p="http://schemas.openxmlformats.org/presentationml/2006/main">
   <p:cSld>
     <p:spTree>
@@ -18635,6 +21725,653 @@
           <a:chExt cx="0" cy="0"/>
         </a:xfrm>
       </p:grpSpPr>
+      <mc:AlternateContent xmlns:mc="http://schemas.openxmlformats.org/markup-compatibility/2006">
+        <mc:Choice xmlns:a14="http://schemas.microsoft.com/office/drawing/2010/main" Requires="a14">
+          <p:sp>
+            <p:nvSpPr>
+              <p:cNvPr id="67" name="Text Placeholder 39">
+                <a:extLst>
+                  <a:ext uri="{FF2B5EF4-FFF2-40B4-BE49-F238E27FC236}">
+                    <a16:creationId xmlns:a16="http://schemas.microsoft.com/office/drawing/2014/main" id="{BBD419B6-814F-D33B-2F78-9141E78F23E1}"/>
+                  </a:ext>
+                </a:extLst>
+              </p:cNvPr>
+              <p:cNvSpPr txBox="1">
+                <a:spLocks/>
+              </p:cNvSpPr>
+              <p:nvPr/>
+            </p:nvSpPr>
+            <p:spPr>
+              <a:xfrm>
+                <a:off x="1161397" y="6344534"/>
+                <a:ext cx="571886" cy="533479"/>
+              </a:xfrm>
+              <a:prstGeom prst="rect">
+                <a:avLst/>
+              </a:prstGeom>
+              <a:solidFill>
+                <a:schemeClr val="bg1"/>
+              </a:solidFill>
+              <a:ln w="12700" cap="flat">
+                <a:noFill/>
+                <a:miter lim="400000"/>
+              </a:ln>
+            </p:spPr>
+            <p:style>
+              <a:lnRef idx="0">
+                <a:scrgbClr r="0" g="0" b="0"/>
+              </a:lnRef>
+              <a:fillRef idx="0">
+                <a:scrgbClr r="0" g="0" b="0"/>
+              </a:fillRef>
+              <a:effectRef idx="0">
+                <a:scrgbClr r="0" g="0" b="0"/>
+              </a:effectRef>
+              <a:fontRef idx="none"/>
+            </p:style>
+            <p:txBody>
+              <a:bodyPr rot="0" spcFirstLastPara="1" vertOverflow="overflow" horzOverflow="overflow" vert="horz" wrap="square" lIns="50800" tIns="50800" rIns="50800" bIns="50800" numCol="1" spcCol="38100" rtlCol="0" anchor="ctr">
+                <a:spAutoFit/>
+              </a:bodyPr>
+              <a:lstStyle>
+                <a:lvl1pPr marL="342900" indent="-342900" defTabSz="457200">
+                  <a:spcBef>
+                    <a:spcPts val="700"/>
+                  </a:spcBef>
+                  <a:buClr>
+                    <a:srgbClr val="000000"/>
+                  </a:buClr>
+                  <a:buSzPct val="100000"/>
+                  <a:buFont typeface="Arial"/>
+                  <a:buChar char="•"/>
+                  <a:defRPr sz="2800">
+                    <a:solidFill>
+                      <a:srgbClr val="03244D"/>
+                    </a:solidFill>
+                    <a:uFill>
+                      <a:solidFill/>
+                    </a:uFill>
+                    <a:latin typeface="+mn-lt"/>
+                    <a:ea typeface="+mn-ea"/>
+                    <a:cs typeface="Arial" panose="020B0604020202020204" pitchFamily="34" charset="0"/>
+                    <a:sym typeface="Calibri"/>
+                  </a:defRPr>
+                </a:lvl1pPr>
+                <a:lvl2pPr marL="783771" indent="-326571" defTabSz="457200">
+                  <a:spcBef>
+                    <a:spcPts val="700"/>
+                  </a:spcBef>
+                  <a:buClr>
+                    <a:srgbClr val="000000"/>
+                  </a:buClr>
+                  <a:buSzPct val="100000"/>
+                  <a:buFont typeface="Arial"/>
+                  <a:buChar char="•"/>
+                  <a:defRPr sz="2400">
+                    <a:solidFill>
+                      <a:srgbClr val="03244D"/>
+                    </a:solidFill>
+                    <a:uFill>
+                      <a:solidFill/>
+                    </a:uFill>
+                    <a:latin typeface="+mn-lt"/>
+                    <a:ea typeface="+mn-ea"/>
+                    <a:cs typeface="Arial" panose="020B0604020202020204" pitchFamily="34" charset="0"/>
+                    <a:sym typeface="Calibri"/>
+                  </a:defRPr>
+                </a:lvl2pPr>
+                <a:lvl3pPr marL="1219200" indent="-304800" defTabSz="457200">
+                  <a:spcBef>
+                    <a:spcPts val="700"/>
+                  </a:spcBef>
+                  <a:buClr>
+                    <a:srgbClr val="000000"/>
+                  </a:buClr>
+                  <a:buSzPct val="100000"/>
+                  <a:buFont typeface="Arial"/>
+                  <a:buChar char="•"/>
+                  <a:defRPr sz="2000">
+                    <a:solidFill>
+                      <a:srgbClr val="03244D"/>
+                    </a:solidFill>
+                    <a:uFill>
+                      <a:solidFill/>
+                    </a:uFill>
+                    <a:latin typeface="+mn-lt"/>
+                    <a:ea typeface="+mn-ea"/>
+                    <a:cs typeface="Arial" panose="020B0604020202020204" pitchFamily="34" charset="0"/>
+                    <a:sym typeface="Calibri"/>
+                  </a:defRPr>
+                </a:lvl3pPr>
+                <a:lvl4pPr marL="1737360" indent="-365760" defTabSz="457200">
+                  <a:spcBef>
+                    <a:spcPts val="700"/>
+                  </a:spcBef>
+                  <a:buClr>
+                    <a:srgbClr val="000000"/>
+                  </a:buClr>
+                  <a:buSzPct val="100000"/>
+                  <a:buFont typeface="Arial"/>
+                  <a:buChar char="•"/>
+                  <a:defRPr sz="2000">
+                    <a:solidFill>
+                      <a:srgbClr val="03244D"/>
+                    </a:solidFill>
+                    <a:uFill>
+                      <a:solidFill/>
+                    </a:uFill>
+                    <a:latin typeface="+mn-lt"/>
+                    <a:ea typeface="+mn-ea"/>
+                    <a:cs typeface="Arial" panose="020B0604020202020204" pitchFamily="34" charset="0"/>
+                    <a:sym typeface="Calibri"/>
+                  </a:defRPr>
+                </a:lvl4pPr>
+                <a:lvl5pPr marL="2194560" indent="-365760" defTabSz="457200">
+                  <a:spcBef>
+                    <a:spcPts val="700"/>
+                  </a:spcBef>
+                  <a:buClr>
+                    <a:srgbClr val="000000"/>
+                  </a:buClr>
+                  <a:buSzPct val="100000"/>
+                  <a:buFont typeface="Arial"/>
+                  <a:buChar char="•"/>
+                  <a:defRPr sz="2000">
+                    <a:solidFill>
+                      <a:srgbClr val="03244D"/>
+                    </a:solidFill>
+                    <a:uFill>
+                      <a:solidFill/>
+                    </a:uFill>
+                    <a:latin typeface="+mn-lt"/>
+                    <a:ea typeface="+mn-ea"/>
+                    <a:cs typeface="Arial" panose="020B0604020202020204" pitchFamily="34" charset="0"/>
+                    <a:sym typeface="Calibri"/>
+                  </a:defRPr>
+                </a:lvl5pPr>
+                <a:lvl6pPr marL="2451100" indent="0" defTabSz="457200">
+                  <a:spcBef>
+                    <a:spcPts val="700"/>
+                  </a:spcBef>
+                  <a:buClr>
+                    <a:srgbClr val="000000"/>
+                  </a:buClr>
+                  <a:buSzPct val="171000"/>
+                  <a:buFont typeface="Arial"/>
+                  <a:buNone/>
+                  <a:defRPr sz="1800">
+                    <a:solidFill>
+                      <a:srgbClr val="03244D"/>
+                    </a:solidFill>
+                    <a:uFill>
+                      <a:solidFill/>
+                    </a:uFill>
+                    <a:latin typeface="Arial" panose="020B0604020202020204" pitchFamily="34" charset="0"/>
+                    <a:ea typeface="+mn-ea"/>
+                    <a:cs typeface="Arial" panose="020B0604020202020204" pitchFamily="34" charset="0"/>
+                    <a:sym typeface="Calibri"/>
+                  </a:defRPr>
+                </a:lvl6pPr>
+                <a:lvl7pPr marL="3721100" indent="-914400" defTabSz="457200">
+                  <a:spcBef>
+                    <a:spcPts val="700"/>
+                  </a:spcBef>
+                  <a:buClr>
+                    <a:srgbClr val="000000"/>
+                  </a:buClr>
+                  <a:buSzPct val="171000"/>
+                  <a:buFont typeface="Arial"/>
+                  <a:buChar char="•"/>
+                  <a:defRPr sz="3200">
+                    <a:uFill>
+                      <a:solidFill/>
+                    </a:uFill>
+                    <a:latin typeface="+mn-lt"/>
+                    <a:ea typeface="+mn-ea"/>
+                    <a:cs typeface="+mn-cs"/>
+                    <a:sym typeface="Calibri"/>
+                  </a:defRPr>
+                </a:lvl7pPr>
+                <a:lvl8pPr marL="4076700" indent="-914400" defTabSz="457200">
+                  <a:spcBef>
+                    <a:spcPts val="700"/>
+                  </a:spcBef>
+                  <a:buClr>
+                    <a:srgbClr val="000000"/>
+                  </a:buClr>
+                  <a:buSzPct val="171000"/>
+                  <a:buFont typeface="Arial"/>
+                  <a:buChar char="•"/>
+                  <a:defRPr sz="3200">
+                    <a:uFill>
+                      <a:solidFill/>
+                    </a:uFill>
+                    <a:latin typeface="+mn-lt"/>
+                    <a:ea typeface="+mn-ea"/>
+                    <a:cs typeface="+mn-cs"/>
+                    <a:sym typeface="Calibri"/>
+                  </a:defRPr>
+                </a:lvl8pPr>
+                <a:lvl9pPr marL="4432300" indent="-914400" defTabSz="457200">
+                  <a:spcBef>
+                    <a:spcPts val="700"/>
+                  </a:spcBef>
+                  <a:buClr>
+                    <a:srgbClr val="000000"/>
+                  </a:buClr>
+                  <a:buSzPct val="171000"/>
+                  <a:buFont typeface="Arial"/>
+                  <a:buChar char="•"/>
+                  <a:defRPr sz="3200">
+                    <a:uFill>
+                      <a:solidFill/>
+                    </a:uFill>
+                    <a:latin typeface="+mn-lt"/>
+                    <a:ea typeface="+mn-ea"/>
+                    <a:cs typeface="+mn-cs"/>
+                    <a:sym typeface="Calibri"/>
+                  </a:defRPr>
+                </a:lvl9pPr>
+              </a:lstStyle>
+              <a:p>
+                <a:pPr marL="0" indent="0" algn="ctr">
+                  <a:buFont typeface="Arial"/>
+                  <a:buNone/>
+                </a:pPr>
+                <a14:m>
+                  <m:oMathPara xmlns:m="http://schemas.openxmlformats.org/officeDocument/2006/math">
+                    <m:oMathParaPr>
+                      <m:jc m:val="centerGroup"/>
+                    </m:oMathParaPr>
+                    <m:oMath xmlns:m="http://schemas.openxmlformats.org/officeDocument/2006/math">
+                      <m:r>
+                        <a:rPr lang="en-US" i="1" smtClean="0">
+                          <a:latin typeface="Cambria Math" panose="02040503050406030204" pitchFamily="18" charset="0"/>
+                          <a:ea typeface="Cambria Math" panose="02040503050406030204" pitchFamily="18" charset="0"/>
+                        </a:rPr>
+                        <m:t>∞</m:t>
+                      </m:r>
+                    </m:oMath>
+                  </m:oMathPara>
+                </a14:m>
+                <a:endParaRPr lang="en-US" dirty="0"/>
+              </a:p>
+            </p:txBody>
+          </p:sp>
+        </mc:Choice>
+        <mc:Fallback>
+          <p:sp>
+            <p:nvSpPr>
+              <p:cNvPr id="67" name="Text Placeholder 39">
+                <a:extLst>
+                  <a:ext uri="{FF2B5EF4-FFF2-40B4-BE49-F238E27FC236}">
+                    <a16:creationId xmlns:a16="http://schemas.microsoft.com/office/drawing/2014/main" id="{BBD419B6-814F-D33B-2F78-9141E78F23E1}"/>
+                  </a:ext>
+                </a:extLst>
+              </p:cNvPr>
+              <p:cNvSpPr txBox="1">
+                <a:spLocks noRot="1" noChangeAspect="1" noMove="1" noResize="1" noEditPoints="1" noAdjustHandles="1" noChangeArrowheads="1" noChangeShapeType="1" noTextEdit="1"/>
+              </p:cNvSpPr>
+              <p:nvPr/>
+            </p:nvSpPr>
+            <p:spPr>
+              <a:xfrm>
+                <a:off x="1161397" y="6344534"/>
+                <a:ext cx="571886" cy="533479"/>
+              </a:xfrm>
+              <a:prstGeom prst="rect">
+                <a:avLst/>
+              </a:prstGeom>
+              <a:blipFill>
+                <a:blip r:embed="rId2"/>
+                <a:stretch>
+                  <a:fillRect/>
+                </a:stretch>
+              </a:blipFill>
+              <a:ln w="12700" cap="flat">
+                <a:noFill/>
+                <a:miter lim="400000"/>
+              </a:ln>
+            </p:spPr>
+            <p:txBody>
+              <a:bodyPr/>
+              <a:lstStyle/>
+              <a:p>
+                <a:r>
+                  <a:rPr lang="en-US">
+                    <a:noFill/>
+                  </a:rPr>
+                  <a:t> </a:t>
+                </a:r>
+              </a:p>
+            </p:txBody>
+          </p:sp>
+        </mc:Fallback>
+      </mc:AlternateContent>
+      <p:pic>
+        <p:nvPicPr>
+          <p:cNvPr id="61" name="Picture 60" descr="A graph of a graph&#10;&#10;AI-generated content may be incorrect.">
+            <a:extLst>
+              <a:ext uri="{FF2B5EF4-FFF2-40B4-BE49-F238E27FC236}">
+                <a16:creationId xmlns:a16="http://schemas.microsoft.com/office/drawing/2014/main" id="{3837266C-23B0-6442-610F-8EE7BEBE1493}"/>
+              </a:ext>
+            </a:extLst>
+          </p:cNvPr>
+          <p:cNvPicPr>
+            <a:picLocks noChangeAspect="1"/>
+          </p:cNvPicPr>
+          <p:nvPr/>
+        </p:nvPicPr>
+        <p:blipFill>
+          <a:blip r:embed="rId3">
+            <a:extLst>
+              <a:ext uri="{28A0092B-C50C-407E-A947-70E740481C1C}">
+                <a14:useLocalDpi xmlns:a14="http://schemas.microsoft.com/office/drawing/2010/main" val="0"/>
+              </a:ext>
+            </a:extLst>
+          </a:blip>
+          <a:stretch>
+            <a:fillRect/>
+          </a:stretch>
+        </p:blipFill>
+        <p:spPr>
+          <a:xfrm>
+            <a:off x="2474806" y="5002867"/>
+            <a:ext cx="2434045" cy="1828800"/>
+          </a:xfrm>
+          <a:prstGeom prst="rect">
+            <a:avLst/>
+          </a:prstGeom>
+        </p:spPr>
+      </p:pic>
+      <p:pic>
+        <p:nvPicPr>
+          <p:cNvPr id="63" name="Picture 62" descr="A graph of a number of error&#10;&#10;AI-generated content may be incorrect.">
+            <a:extLst>
+              <a:ext uri="{FF2B5EF4-FFF2-40B4-BE49-F238E27FC236}">
+                <a16:creationId xmlns:a16="http://schemas.microsoft.com/office/drawing/2014/main" id="{611C8D85-1FCA-B0E9-5CDA-DB9DAE8AFAAE}"/>
+              </a:ext>
+            </a:extLst>
+          </p:cNvPr>
+          <p:cNvPicPr>
+            <a:picLocks noChangeAspect="1"/>
+          </p:cNvPicPr>
+          <p:nvPr/>
+        </p:nvPicPr>
+        <p:blipFill>
+          <a:blip r:embed="rId4">
+            <a:extLst>
+              <a:ext uri="{28A0092B-C50C-407E-A947-70E740481C1C}">
+                <a14:useLocalDpi xmlns:a14="http://schemas.microsoft.com/office/drawing/2010/main" val="0"/>
+              </a:ext>
+            </a:extLst>
+          </a:blip>
+          <a:stretch>
+            <a:fillRect/>
+          </a:stretch>
+        </p:blipFill>
+        <p:spPr>
+          <a:xfrm>
+            <a:off x="4998511" y="4989436"/>
+            <a:ext cx="2434045" cy="1828800"/>
+          </a:xfrm>
+          <a:prstGeom prst="rect">
+            <a:avLst/>
+          </a:prstGeom>
+        </p:spPr>
+      </p:pic>
+      <p:pic>
+        <p:nvPicPr>
+          <p:cNvPr id="65" name="Picture 64" descr="A graph of a speed test&#10;&#10;AI-generated content may be incorrect.">
+            <a:extLst>
+              <a:ext uri="{FF2B5EF4-FFF2-40B4-BE49-F238E27FC236}">
+                <a16:creationId xmlns:a16="http://schemas.microsoft.com/office/drawing/2014/main" id="{CF52B0F9-7CAA-A43F-E68D-CD3A3A53F049}"/>
+              </a:ext>
+            </a:extLst>
+          </p:cNvPr>
+          <p:cNvPicPr>
+            <a:picLocks noChangeAspect="1"/>
+          </p:cNvPicPr>
+          <p:nvPr/>
+        </p:nvPicPr>
+        <p:blipFill>
+          <a:blip r:embed="rId5">
+            <a:extLst>
+              <a:ext uri="{28A0092B-C50C-407E-A947-70E740481C1C}">
+                <a14:useLocalDpi xmlns:a14="http://schemas.microsoft.com/office/drawing/2010/main" val="0"/>
+              </a:ext>
+            </a:extLst>
+          </a:blip>
+          <a:stretch>
+            <a:fillRect/>
+          </a:stretch>
+        </p:blipFill>
+        <p:spPr>
+          <a:xfrm>
+            <a:off x="7658231" y="5013058"/>
+            <a:ext cx="2438400" cy="1828800"/>
+          </a:xfrm>
+          <a:prstGeom prst="rect">
+            <a:avLst/>
+          </a:prstGeom>
+        </p:spPr>
+      </p:pic>
+      <p:pic>
+        <p:nvPicPr>
+          <p:cNvPr id="55" name="Picture 54" descr="A graph of a mode probability&#10;&#10;AI-generated content may be incorrect.">
+            <a:extLst>
+              <a:ext uri="{FF2B5EF4-FFF2-40B4-BE49-F238E27FC236}">
+                <a16:creationId xmlns:a16="http://schemas.microsoft.com/office/drawing/2014/main" id="{57570FB5-E4B7-F2DC-8B49-CE36BB19EFAC}"/>
+              </a:ext>
+            </a:extLst>
+          </p:cNvPr>
+          <p:cNvPicPr>
+            <a:picLocks noChangeAspect="1"/>
+          </p:cNvPicPr>
+          <p:nvPr/>
+        </p:nvPicPr>
+        <p:blipFill>
+          <a:blip r:embed="rId6">
+            <a:extLst>
+              <a:ext uri="{28A0092B-C50C-407E-A947-70E740481C1C}">
+                <a14:useLocalDpi xmlns:a14="http://schemas.microsoft.com/office/drawing/2010/main" val="0"/>
+              </a:ext>
+            </a:extLst>
+          </a:blip>
+          <a:stretch>
+            <a:fillRect/>
+          </a:stretch>
+        </p:blipFill>
+        <p:spPr>
+          <a:xfrm>
+            <a:off x="2456164" y="3147118"/>
+            <a:ext cx="2442754" cy="1828800"/>
+          </a:xfrm>
+          <a:prstGeom prst="rect">
+            <a:avLst/>
+          </a:prstGeom>
+        </p:spPr>
+      </p:pic>
+      <p:pic>
+        <p:nvPicPr>
+          <p:cNvPr id="57" name="Picture 56" descr="A graph of a number of error&#10;&#10;AI-generated content may be incorrect.">
+            <a:extLst>
+              <a:ext uri="{FF2B5EF4-FFF2-40B4-BE49-F238E27FC236}">
+                <a16:creationId xmlns:a16="http://schemas.microsoft.com/office/drawing/2014/main" id="{A12249E6-6C9B-9068-DE6B-9706CD55A91F}"/>
+              </a:ext>
+            </a:extLst>
+          </p:cNvPr>
+          <p:cNvPicPr>
+            <a:picLocks noChangeAspect="1"/>
+          </p:cNvPicPr>
+          <p:nvPr/>
+        </p:nvPicPr>
+        <p:blipFill>
+          <a:blip r:embed="rId7">
+            <a:extLst>
+              <a:ext uri="{28A0092B-C50C-407E-A947-70E740481C1C}">
+                <a14:useLocalDpi xmlns:a14="http://schemas.microsoft.com/office/drawing/2010/main" val="0"/>
+              </a:ext>
+            </a:extLst>
+          </a:blip>
+          <a:stretch>
+            <a:fillRect/>
+          </a:stretch>
+        </p:blipFill>
+        <p:spPr>
+          <a:xfrm>
+            <a:off x="5021482" y="3154813"/>
+            <a:ext cx="2442754" cy="1828800"/>
+          </a:xfrm>
+          <a:prstGeom prst="rect">
+            <a:avLst/>
+          </a:prstGeom>
+        </p:spPr>
+      </p:pic>
+      <p:pic>
+        <p:nvPicPr>
+          <p:cNvPr id="59" name="Picture 58" descr="A graph of a speed test&#10;&#10;AI-generated content may be incorrect.">
+            <a:extLst>
+              <a:ext uri="{FF2B5EF4-FFF2-40B4-BE49-F238E27FC236}">
+                <a16:creationId xmlns:a16="http://schemas.microsoft.com/office/drawing/2014/main" id="{A4410B59-9CA1-4220-1124-036CAB03B616}"/>
+              </a:ext>
+            </a:extLst>
+          </p:cNvPr>
+          <p:cNvPicPr>
+            <a:picLocks noChangeAspect="1"/>
+          </p:cNvPicPr>
+          <p:nvPr/>
+        </p:nvPicPr>
+        <p:blipFill>
+          <a:blip r:embed="rId8">
+            <a:extLst>
+              <a:ext uri="{28A0092B-C50C-407E-A947-70E740481C1C}">
+                <a14:useLocalDpi xmlns:a14="http://schemas.microsoft.com/office/drawing/2010/main" val="0"/>
+              </a:ext>
+            </a:extLst>
+          </a:blip>
+          <a:stretch>
+            <a:fillRect/>
+          </a:stretch>
+        </p:blipFill>
+        <p:spPr>
+          <a:xfrm>
+            <a:off x="7652687" y="3153359"/>
+            <a:ext cx="2438400" cy="1828800"/>
+          </a:xfrm>
+          <a:prstGeom prst="rect">
+            <a:avLst/>
+          </a:prstGeom>
+        </p:spPr>
+      </p:pic>
+      <p:pic>
+        <p:nvPicPr>
+          <p:cNvPr id="30" name="Picture 29" descr="A graph of a graph of a speed test&#10;&#10;AI-generated content may be incorrect.">
+            <a:extLst>
+              <a:ext uri="{FF2B5EF4-FFF2-40B4-BE49-F238E27FC236}">
+                <a16:creationId xmlns:a16="http://schemas.microsoft.com/office/drawing/2014/main" id="{9F4A474D-F3D2-8E61-3A02-9C4A504DDAB5}"/>
+              </a:ext>
+            </a:extLst>
+          </p:cNvPr>
+          <p:cNvPicPr>
+            <a:picLocks noChangeAspect="1"/>
+          </p:cNvPicPr>
+          <p:nvPr/>
+        </p:nvPicPr>
+        <p:blipFill>
+          <a:blip r:embed="rId9">
+            <a:extLst>
+              <a:ext uri="{28A0092B-C50C-407E-A947-70E740481C1C}">
+                <a14:useLocalDpi xmlns:a14="http://schemas.microsoft.com/office/drawing/2010/main" val="0"/>
+              </a:ext>
+            </a:extLst>
+          </a:blip>
+          <a:stretch>
+            <a:fillRect/>
+          </a:stretch>
+        </p:blipFill>
+        <p:spPr>
+          <a:xfrm>
+            <a:off x="7652687" y="1289291"/>
+            <a:ext cx="2438400" cy="1828800"/>
+          </a:xfrm>
+          <a:prstGeom prst="rect">
+            <a:avLst/>
+          </a:prstGeom>
+        </p:spPr>
+      </p:pic>
+      <p:pic>
+        <p:nvPicPr>
+          <p:cNvPr id="34" name="Picture 33" descr="A graph of a number of error&#10;&#10;AI-generated content may be incorrect.">
+            <a:extLst>
+              <a:ext uri="{FF2B5EF4-FFF2-40B4-BE49-F238E27FC236}">
+                <a16:creationId xmlns:a16="http://schemas.microsoft.com/office/drawing/2014/main" id="{AE70BE2D-79C8-1AE4-3F54-904F7D071BD6}"/>
+              </a:ext>
+            </a:extLst>
+          </p:cNvPr>
+          <p:cNvPicPr>
+            <a:picLocks noChangeAspect="1"/>
+          </p:cNvPicPr>
+          <p:nvPr/>
+        </p:nvPicPr>
+        <p:blipFill>
+          <a:blip r:embed="rId10">
+            <a:extLst>
+              <a:ext uri="{28A0092B-C50C-407E-A947-70E740481C1C}">
+                <a14:useLocalDpi xmlns:a14="http://schemas.microsoft.com/office/drawing/2010/main" val="0"/>
+              </a:ext>
+            </a:extLst>
+          </a:blip>
+          <a:stretch>
+            <a:fillRect/>
+          </a:stretch>
+        </p:blipFill>
+        <p:spPr>
+          <a:xfrm>
+            <a:off x="5049701" y="1267512"/>
+            <a:ext cx="2438400" cy="1828800"/>
+          </a:xfrm>
+          <a:prstGeom prst="rect">
+            <a:avLst/>
+          </a:prstGeom>
+        </p:spPr>
+      </p:pic>
+      <p:pic>
+        <p:nvPicPr>
+          <p:cNvPr id="38" name="Picture 37" descr="A graph of a mode probability&#10;&#10;AI-generated content may be incorrect.">
+            <a:extLst>
+              <a:ext uri="{FF2B5EF4-FFF2-40B4-BE49-F238E27FC236}">
+                <a16:creationId xmlns:a16="http://schemas.microsoft.com/office/drawing/2014/main" id="{E0338C14-7D0F-2ED6-D46A-21DD3A20014B}"/>
+              </a:ext>
+            </a:extLst>
+          </p:cNvPr>
+          <p:cNvPicPr>
+            <a:picLocks noChangeAspect="1"/>
+          </p:cNvPicPr>
+          <p:nvPr/>
+        </p:nvPicPr>
+        <p:blipFill>
+          <a:blip r:embed="rId11">
+            <a:extLst>
+              <a:ext uri="{28A0092B-C50C-407E-A947-70E740481C1C}">
+                <a14:useLocalDpi xmlns:a14="http://schemas.microsoft.com/office/drawing/2010/main" val="0"/>
+              </a:ext>
+            </a:extLst>
+          </a:blip>
+          <a:stretch>
+            <a:fillRect/>
+          </a:stretch>
+        </p:blipFill>
+        <p:spPr>
+          <a:xfrm>
+            <a:off x="2465677" y="1282920"/>
+            <a:ext cx="2434045" cy="1828800"/>
+          </a:xfrm>
+          <a:prstGeom prst="rect">
+            <a:avLst/>
+          </a:prstGeom>
+        </p:spPr>
+      </p:pic>
       <p:sp>
         <p:nvSpPr>
           <p:cNvPr id="46" name="Text Placeholder 39">
@@ -18651,7 +22388,7 @@
         </p:nvSpPr>
         <p:spPr>
           <a:xfrm>
-            <a:off x="1315072" y="3736852"/>
+            <a:off x="1157624" y="1772775"/>
             <a:ext cx="571886" cy="623248"/>
           </a:xfrm>
           <a:prstGeom prst="rect">
@@ -18945,336 +22682,12 @@
             <a:fld id="{CAC3FE34-2808-40E6-BEA2-B7CA77D47CA5}" type="slidenum">
               <a:rPr lang="en-US" smtClean="0"/>
               <a:pPr/>
-              <a:t>17</a:t>
+              <a:t>28</a:t>
             </a:fld>
             <a:endParaRPr lang="en-US" dirty="0"/>
           </a:p>
         </p:txBody>
       </p:sp>
-      <p:pic>
-        <p:nvPicPr>
-          <p:cNvPr id="7" name="Picture 6" descr="A graph of a graph&#10;&#10;AI-generated content may be incorrect.">
-            <a:extLst>
-              <a:ext uri="{FF2B5EF4-FFF2-40B4-BE49-F238E27FC236}">
-                <a16:creationId xmlns:a16="http://schemas.microsoft.com/office/drawing/2014/main" id="{302E86EB-3E5A-7712-1846-0047AA0C01E6}"/>
-              </a:ext>
-            </a:extLst>
-          </p:cNvPr>
-          <p:cNvPicPr>
-            <a:picLocks noChangeAspect="1"/>
-          </p:cNvPicPr>
-          <p:nvPr/>
-        </p:nvPicPr>
-        <p:blipFill>
-          <a:blip r:embed="rId2">
-            <a:extLst>
-              <a:ext uri="{28A0092B-C50C-407E-A947-70E740481C1C}">
-                <a14:useLocalDpi xmlns:a14="http://schemas.microsoft.com/office/drawing/2010/main" val="0"/>
-              </a:ext>
-            </a:extLst>
-          </a:blip>
-          <a:stretch>
-            <a:fillRect/>
-          </a:stretch>
-        </p:blipFill>
-        <p:spPr>
-          <a:xfrm>
-            <a:off x="2465678" y="1351857"/>
-            <a:ext cx="2438400" cy="1828800"/>
-          </a:xfrm>
-          <a:prstGeom prst="rect">
-            <a:avLst/>
-          </a:prstGeom>
-        </p:spPr>
-      </p:pic>
-      <p:pic>
-        <p:nvPicPr>
-          <p:cNvPr id="9" name="Picture 8" descr="A graph of a number of lines&#10;&#10;AI-generated content may be incorrect.">
-            <a:extLst>
-              <a:ext uri="{FF2B5EF4-FFF2-40B4-BE49-F238E27FC236}">
-                <a16:creationId xmlns:a16="http://schemas.microsoft.com/office/drawing/2014/main" id="{E46AB1AC-705D-6AA7-BC4A-5A6697830374}"/>
-              </a:ext>
-            </a:extLst>
-          </p:cNvPr>
-          <p:cNvPicPr>
-            <a:picLocks noChangeAspect="1"/>
-          </p:cNvPicPr>
-          <p:nvPr/>
-        </p:nvPicPr>
-        <p:blipFill>
-          <a:blip r:embed="rId3">
-            <a:extLst>
-              <a:ext uri="{28A0092B-C50C-407E-A947-70E740481C1C}">
-                <a14:useLocalDpi xmlns:a14="http://schemas.microsoft.com/office/drawing/2010/main" val="0"/>
-              </a:ext>
-            </a:extLst>
-          </a:blip>
-          <a:stretch>
-            <a:fillRect/>
-          </a:stretch>
-        </p:blipFill>
-        <p:spPr>
-          <a:xfrm>
-            <a:off x="2447175" y="3170238"/>
-            <a:ext cx="2438400" cy="1828800"/>
-          </a:xfrm>
-          <a:prstGeom prst="rect">
-            <a:avLst/>
-          </a:prstGeom>
-        </p:spPr>
-      </p:pic>
-      <p:pic>
-        <p:nvPicPr>
-          <p:cNvPr id="12" name="Picture 11" descr="A graph of a graph&#10;&#10;AI-generated content may be incorrect.">
-            <a:extLst>
-              <a:ext uri="{FF2B5EF4-FFF2-40B4-BE49-F238E27FC236}">
-                <a16:creationId xmlns:a16="http://schemas.microsoft.com/office/drawing/2014/main" id="{49500027-C676-A465-4DB1-86AF3194DF9C}"/>
-              </a:ext>
-            </a:extLst>
-          </p:cNvPr>
-          <p:cNvPicPr>
-            <a:picLocks noChangeAspect="1"/>
-          </p:cNvPicPr>
-          <p:nvPr/>
-        </p:nvPicPr>
-        <p:blipFill>
-          <a:blip r:embed="rId4">
-            <a:extLst>
-              <a:ext uri="{28A0092B-C50C-407E-A947-70E740481C1C}">
-                <a14:useLocalDpi xmlns:a14="http://schemas.microsoft.com/office/drawing/2010/main" val="0"/>
-              </a:ext>
-            </a:extLst>
-          </a:blip>
-          <a:stretch>
-            <a:fillRect/>
-          </a:stretch>
-        </p:blipFill>
-        <p:spPr>
-          <a:xfrm>
-            <a:off x="2535007" y="4974415"/>
-            <a:ext cx="2438400" cy="1828800"/>
-          </a:xfrm>
-          <a:prstGeom prst="rect">
-            <a:avLst/>
-          </a:prstGeom>
-        </p:spPr>
-      </p:pic>
-      <p:pic>
-        <p:nvPicPr>
-          <p:cNvPr id="29" name="Picture 28" descr="A graph of a graph of a graph of a graph of a graph of a graph of a graph of a graph of a graph of a graph of a graph of a graph of a graph of&#10;&#10;AI-generated content may be incorrect.">
-            <a:extLst>
-              <a:ext uri="{FF2B5EF4-FFF2-40B4-BE49-F238E27FC236}">
-                <a16:creationId xmlns:a16="http://schemas.microsoft.com/office/drawing/2014/main" id="{81042255-3F9F-557F-8B26-1769125056D5}"/>
-              </a:ext>
-            </a:extLst>
-          </p:cNvPr>
-          <p:cNvPicPr>
-            <a:picLocks noChangeAspect="1"/>
-          </p:cNvPicPr>
-          <p:nvPr/>
-        </p:nvPicPr>
-        <p:blipFill>
-          <a:blip r:embed="rId5">
-            <a:extLst>
-              <a:ext uri="{28A0092B-C50C-407E-A947-70E740481C1C}">
-                <a14:useLocalDpi xmlns:a14="http://schemas.microsoft.com/office/drawing/2010/main" val="0"/>
-              </a:ext>
-            </a:extLst>
-          </a:blip>
-          <a:stretch>
-            <a:fillRect/>
-          </a:stretch>
-        </p:blipFill>
-        <p:spPr>
-          <a:xfrm>
-            <a:off x="5026355" y="4999038"/>
-            <a:ext cx="2438400" cy="1828800"/>
-          </a:xfrm>
-          <a:prstGeom prst="rect">
-            <a:avLst/>
-          </a:prstGeom>
-        </p:spPr>
-      </p:pic>
-      <p:pic>
-        <p:nvPicPr>
-          <p:cNvPr id="31" name="Picture 30" descr="A graph of a graph of a number of numbers&#10;&#10;AI-generated content may be incorrect.">
-            <a:extLst>
-              <a:ext uri="{FF2B5EF4-FFF2-40B4-BE49-F238E27FC236}">
-                <a16:creationId xmlns:a16="http://schemas.microsoft.com/office/drawing/2014/main" id="{29FF5DF6-9CC5-0604-8DDF-6AD6F52A67C4}"/>
-              </a:ext>
-            </a:extLst>
-          </p:cNvPr>
-          <p:cNvPicPr>
-            <a:picLocks noChangeAspect="1"/>
-          </p:cNvPicPr>
-          <p:nvPr/>
-        </p:nvPicPr>
-        <p:blipFill>
-          <a:blip r:embed="rId6">
-            <a:extLst>
-              <a:ext uri="{28A0092B-C50C-407E-A947-70E740481C1C}">
-                <a14:useLocalDpi xmlns:a14="http://schemas.microsoft.com/office/drawing/2010/main" val="0"/>
-              </a:ext>
-            </a:extLst>
-          </a:blip>
-          <a:stretch>
-            <a:fillRect/>
-          </a:stretch>
-        </p:blipFill>
-        <p:spPr>
-          <a:xfrm>
-            <a:off x="5015875" y="1341438"/>
-            <a:ext cx="2438400" cy="1828800"/>
-          </a:xfrm>
-          <a:prstGeom prst="rect">
-            <a:avLst/>
-          </a:prstGeom>
-        </p:spPr>
-      </p:pic>
-      <p:pic>
-        <p:nvPicPr>
-          <p:cNvPr id="33" name="Picture 32" descr="A graph of a graph of a graph of a graph of a graph of a graph of a graph of a graph of a graph of a graph of a graph of a graph of a graph of&#10;&#10;AI-generated content may be incorrect.">
-            <a:extLst>
-              <a:ext uri="{FF2B5EF4-FFF2-40B4-BE49-F238E27FC236}">
-                <a16:creationId xmlns:a16="http://schemas.microsoft.com/office/drawing/2014/main" id="{77FF9BF0-1F87-EFDB-4304-368FF5A052A9}"/>
-              </a:ext>
-            </a:extLst>
-          </p:cNvPr>
-          <p:cNvPicPr>
-            <a:picLocks noChangeAspect="1"/>
-          </p:cNvPicPr>
-          <p:nvPr/>
-        </p:nvPicPr>
-        <p:blipFill>
-          <a:blip r:embed="rId7">
-            <a:extLst>
-              <a:ext uri="{28A0092B-C50C-407E-A947-70E740481C1C}">
-                <a14:useLocalDpi xmlns:a14="http://schemas.microsoft.com/office/drawing/2010/main" val="0"/>
-              </a:ext>
-            </a:extLst>
-          </a:blip>
-          <a:stretch>
-            <a:fillRect/>
-          </a:stretch>
-        </p:blipFill>
-        <p:spPr>
-          <a:xfrm>
-            <a:off x="5021115" y="3170238"/>
-            <a:ext cx="2438400" cy="1828800"/>
-          </a:xfrm>
-          <a:prstGeom prst="rect">
-            <a:avLst/>
-          </a:prstGeom>
-        </p:spPr>
-      </p:pic>
-      <p:pic>
-        <p:nvPicPr>
-          <p:cNvPr id="35" name="Picture 34" descr="A graph of a function&#10;&#10;AI-generated content may be incorrect.">
-            <a:extLst>
-              <a:ext uri="{FF2B5EF4-FFF2-40B4-BE49-F238E27FC236}">
-                <a16:creationId xmlns:a16="http://schemas.microsoft.com/office/drawing/2014/main" id="{F3174B08-EF61-6D53-2D48-4E4E4C84779A}"/>
-              </a:ext>
-            </a:extLst>
-          </p:cNvPr>
-          <p:cNvPicPr>
-            <a:picLocks noChangeAspect="1"/>
-          </p:cNvPicPr>
-          <p:nvPr/>
-        </p:nvPicPr>
-        <p:blipFill>
-          <a:blip r:embed="rId8">
-            <a:extLst>
-              <a:ext uri="{28A0092B-C50C-407E-A947-70E740481C1C}">
-                <a14:useLocalDpi xmlns:a14="http://schemas.microsoft.com/office/drawing/2010/main" val="0"/>
-              </a:ext>
-            </a:extLst>
-          </a:blip>
-          <a:stretch>
-            <a:fillRect/>
-          </a:stretch>
-        </p:blipFill>
-        <p:spPr>
-          <a:xfrm>
-            <a:off x="7643320" y="5002043"/>
-            <a:ext cx="2438400" cy="1828800"/>
-          </a:xfrm>
-          <a:prstGeom prst="rect">
-            <a:avLst/>
-          </a:prstGeom>
-        </p:spPr>
-      </p:pic>
-      <p:pic>
-        <p:nvPicPr>
-          <p:cNvPr id="37" name="Picture 36" descr="A graph of a function&#10;&#10;AI-generated content may be incorrect.">
-            <a:extLst>
-              <a:ext uri="{FF2B5EF4-FFF2-40B4-BE49-F238E27FC236}">
-                <a16:creationId xmlns:a16="http://schemas.microsoft.com/office/drawing/2014/main" id="{531D1D16-3CD0-E1C6-88A8-CD94D0A3600D}"/>
-              </a:ext>
-            </a:extLst>
-          </p:cNvPr>
-          <p:cNvPicPr>
-            <a:picLocks noChangeAspect="1"/>
-          </p:cNvPicPr>
-          <p:nvPr/>
-        </p:nvPicPr>
-        <p:blipFill>
-          <a:blip r:embed="rId9">
-            <a:extLst>
-              <a:ext uri="{28A0092B-C50C-407E-A947-70E740481C1C}">
-                <a14:useLocalDpi xmlns:a14="http://schemas.microsoft.com/office/drawing/2010/main" val="0"/>
-              </a:ext>
-            </a:extLst>
-          </a:blip>
-          <a:stretch>
-            <a:fillRect/>
-          </a:stretch>
-        </p:blipFill>
-        <p:spPr>
-          <a:xfrm>
-            <a:off x="7638080" y="1344443"/>
-            <a:ext cx="2438400" cy="1828800"/>
-          </a:xfrm>
-          <a:prstGeom prst="rect">
-            <a:avLst/>
-          </a:prstGeom>
-        </p:spPr>
-      </p:pic>
-      <p:pic>
-        <p:nvPicPr>
-          <p:cNvPr id="39" name="Picture 38" descr="A graph of a graph of a number of objects&#10;&#10;AI-generated content may be incorrect.">
-            <a:extLst>
-              <a:ext uri="{FF2B5EF4-FFF2-40B4-BE49-F238E27FC236}">
-                <a16:creationId xmlns:a16="http://schemas.microsoft.com/office/drawing/2014/main" id="{F73FC02C-3F56-635D-CAA3-E2112698EAE6}"/>
-              </a:ext>
-            </a:extLst>
-          </p:cNvPr>
-          <p:cNvPicPr>
-            <a:picLocks noChangeAspect="1"/>
-          </p:cNvPicPr>
-          <p:nvPr/>
-        </p:nvPicPr>
-        <p:blipFill>
-          <a:blip r:embed="rId10">
-            <a:extLst>
-              <a:ext uri="{28A0092B-C50C-407E-A947-70E740481C1C}">
-                <a14:useLocalDpi xmlns:a14="http://schemas.microsoft.com/office/drawing/2010/main" val="0"/>
-              </a:ext>
-            </a:extLst>
-          </a:blip>
-          <a:stretch>
-            <a:fillRect/>
-          </a:stretch>
-        </p:blipFill>
-        <p:spPr>
-          <a:xfrm>
-            <a:off x="7638080" y="3173243"/>
-            <a:ext cx="2438400" cy="1828800"/>
-          </a:xfrm>
-          <a:prstGeom prst="rect">
-            <a:avLst/>
-          </a:prstGeom>
-        </p:spPr>
-      </p:pic>
       <p:sp>
         <p:nvSpPr>
           <p:cNvPr id="40" name="Text Placeholder 39">
@@ -19293,7 +22706,7 @@
         </p:nvSpPr>
         <p:spPr>
           <a:xfrm rot="16200000">
-            <a:off x="-442368" y="3773014"/>
+            <a:off x="-597633" y="3970294"/>
             <a:ext cx="3152777" cy="623248"/>
           </a:xfrm>
           <a:prstGeom prst="rect">
@@ -19331,7 +22744,7 @@
             </a:pPr>
             <a:r>
               <a:rPr lang="en-US" dirty="0"/>
-              <a:t>Turn Rate Error</a:t>
+              <a:t>| Turn Rate Error |</a:t>
             </a:r>
           </a:p>
         </p:txBody>
@@ -19352,9 +22765,9 @@
           <p:nvPr/>
         </p:nvCxnSpPr>
         <p:spPr>
-          <a:xfrm>
-            <a:off x="1601015" y="4360100"/>
-            <a:ext cx="0" cy="2057400"/>
+          <a:xfrm flipH="1">
+            <a:off x="1398092" y="2396023"/>
+            <a:ext cx="45475" cy="4090886"/>
           </a:xfrm>
           <a:prstGeom prst="straightConnector1">
             <a:avLst/>
@@ -19383,694 +22796,6 @@
           <a:fontRef idx="none"/>
         </p:style>
       </p:cxnSp>
-      <mc:AlternateContent xmlns:mc="http://schemas.openxmlformats.org/markup-compatibility/2006" xmlns:a14="http://schemas.microsoft.com/office/drawing/2010/main">
-        <mc:Choice Requires="a14">
-          <p:sp>
-            <p:nvSpPr>
-              <p:cNvPr id="47" name="Text Placeholder 39">
-                <a:extLst>
-                  <a:ext uri="{FF2B5EF4-FFF2-40B4-BE49-F238E27FC236}">
-                    <a16:creationId xmlns:a16="http://schemas.microsoft.com/office/drawing/2014/main" id="{1D044E31-1E0F-959B-E7E7-ED515A24D65F}"/>
-                  </a:ext>
-                </a:extLst>
-              </p:cNvPr>
-              <p:cNvSpPr txBox="1">
-                <a:spLocks/>
-              </p:cNvSpPr>
-              <p:nvPr/>
-            </p:nvSpPr>
-            <p:spPr>
-              <a:xfrm>
-                <a:off x="1362697" y="1106278"/>
-                <a:ext cx="571886" cy="533479"/>
-              </a:xfrm>
-              <a:prstGeom prst="rect">
-                <a:avLst/>
-              </a:prstGeom>
-              <a:noFill/>
-              <a:ln w="12700" cap="flat">
-                <a:noFill/>
-                <a:miter lim="400000"/>
-              </a:ln>
-            </p:spPr>
-            <p:style>
-              <a:lnRef idx="0">
-                <a:scrgbClr r="0" g="0" b="0"/>
-              </a:lnRef>
-              <a:fillRef idx="0">
-                <a:scrgbClr r="0" g="0" b="0"/>
-              </a:fillRef>
-              <a:effectRef idx="0">
-                <a:scrgbClr r="0" g="0" b="0"/>
-              </a:effectRef>
-              <a:fontRef idx="none"/>
-            </p:style>
-            <p:txBody>
-              <a:bodyPr rot="0" spcFirstLastPara="1" vertOverflow="overflow" horzOverflow="overflow" vert="horz" wrap="square" lIns="50800" tIns="50800" rIns="50800" bIns="50800" numCol="1" spcCol="38100" rtlCol="0" anchor="ctr">
-                <a:spAutoFit/>
-              </a:bodyPr>
-              <a:lstStyle>
-                <a:lvl1pPr marL="342900" indent="-342900" defTabSz="457200">
-                  <a:spcBef>
-                    <a:spcPts val="700"/>
-                  </a:spcBef>
-                  <a:buClr>
-                    <a:srgbClr val="000000"/>
-                  </a:buClr>
-                  <a:buSzPct val="100000"/>
-                  <a:buFont typeface="Arial"/>
-                  <a:buChar char="•"/>
-                  <a:defRPr sz="2800">
-                    <a:solidFill>
-                      <a:srgbClr val="03244D"/>
-                    </a:solidFill>
-                    <a:uFill>
-                      <a:solidFill/>
-                    </a:uFill>
-                    <a:latin typeface="+mn-lt"/>
-                    <a:ea typeface="+mn-ea"/>
-                    <a:cs typeface="Arial" panose="020B0604020202020204" pitchFamily="34" charset="0"/>
-                    <a:sym typeface="Calibri"/>
-                  </a:defRPr>
-                </a:lvl1pPr>
-                <a:lvl2pPr marL="783771" indent="-326571" defTabSz="457200">
-                  <a:spcBef>
-                    <a:spcPts val="700"/>
-                  </a:spcBef>
-                  <a:buClr>
-                    <a:srgbClr val="000000"/>
-                  </a:buClr>
-                  <a:buSzPct val="100000"/>
-                  <a:buFont typeface="Arial"/>
-                  <a:buChar char="•"/>
-                  <a:defRPr sz="2400">
-                    <a:solidFill>
-                      <a:srgbClr val="03244D"/>
-                    </a:solidFill>
-                    <a:uFill>
-                      <a:solidFill/>
-                    </a:uFill>
-                    <a:latin typeface="+mn-lt"/>
-                    <a:ea typeface="+mn-ea"/>
-                    <a:cs typeface="Arial" panose="020B0604020202020204" pitchFamily="34" charset="0"/>
-                    <a:sym typeface="Calibri"/>
-                  </a:defRPr>
-                </a:lvl2pPr>
-                <a:lvl3pPr marL="1219200" indent="-304800" defTabSz="457200">
-                  <a:spcBef>
-                    <a:spcPts val="700"/>
-                  </a:spcBef>
-                  <a:buClr>
-                    <a:srgbClr val="000000"/>
-                  </a:buClr>
-                  <a:buSzPct val="100000"/>
-                  <a:buFont typeface="Arial"/>
-                  <a:buChar char="•"/>
-                  <a:defRPr sz="2000">
-                    <a:solidFill>
-                      <a:srgbClr val="03244D"/>
-                    </a:solidFill>
-                    <a:uFill>
-                      <a:solidFill/>
-                    </a:uFill>
-                    <a:latin typeface="+mn-lt"/>
-                    <a:ea typeface="+mn-ea"/>
-                    <a:cs typeface="Arial" panose="020B0604020202020204" pitchFamily="34" charset="0"/>
-                    <a:sym typeface="Calibri"/>
-                  </a:defRPr>
-                </a:lvl3pPr>
-                <a:lvl4pPr marL="1737360" indent="-365760" defTabSz="457200">
-                  <a:spcBef>
-                    <a:spcPts val="700"/>
-                  </a:spcBef>
-                  <a:buClr>
-                    <a:srgbClr val="000000"/>
-                  </a:buClr>
-                  <a:buSzPct val="100000"/>
-                  <a:buFont typeface="Arial"/>
-                  <a:buChar char="•"/>
-                  <a:defRPr sz="2000">
-                    <a:solidFill>
-                      <a:srgbClr val="03244D"/>
-                    </a:solidFill>
-                    <a:uFill>
-                      <a:solidFill/>
-                    </a:uFill>
-                    <a:latin typeface="+mn-lt"/>
-                    <a:ea typeface="+mn-ea"/>
-                    <a:cs typeface="Arial" panose="020B0604020202020204" pitchFamily="34" charset="0"/>
-                    <a:sym typeface="Calibri"/>
-                  </a:defRPr>
-                </a:lvl4pPr>
-                <a:lvl5pPr marL="2194560" indent="-365760" defTabSz="457200">
-                  <a:spcBef>
-                    <a:spcPts val="700"/>
-                  </a:spcBef>
-                  <a:buClr>
-                    <a:srgbClr val="000000"/>
-                  </a:buClr>
-                  <a:buSzPct val="100000"/>
-                  <a:buFont typeface="Arial"/>
-                  <a:buChar char="•"/>
-                  <a:defRPr sz="2000">
-                    <a:solidFill>
-                      <a:srgbClr val="03244D"/>
-                    </a:solidFill>
-                    <a:uFill>
-                      <a:solidFill/>
-                    </a:uFill>
-                    <a:latin typeface="+mn-lt"/>
-                    <a:ea typeface="+mn-ea"/>
-                    <a:cs typeface="Arial" panose="020B0604020202020204" pitchFamily="34" charset="0"/>
-                    <a:sym typeface="Calibri"/>
-                  </a:defRPr>
-                </a:lvl5pPr>
-                <a:lvl6pPr marL="2451100" indent="0" defTabSz="457200">
-                  <a:spcBef>
-                    <a:spcPts val="700"/>
-                  </a:spcBef>
-                  <a:buClr>
-                    <a:srgbClr val="000000"/>
-                  </a:buClr>
-                  <a:buSzPct val="171000"/>
-                  <a:buFont typeface="Arial"/>
-                  <a:buNone/>
-                  <a:defRPr sz="1800">
-                    <a:solidFill>
-                      <a:srgbClr val="03244D"/>
-                    </a:solidFill>
-                    <a:uFill>
-                      <a:solidFill/>
-                    </a:uFill>
-                    <a:latin typeface="Arial" panose="020B0604020202020204" pitchFamily="34" charset="0"/>
-                    <a:ea typeface="+mn-ea"/>
-                    <a:cs typeface="Arial" panose="020B0604020202020204" pitchFamily="34" charset="0"/>
-                    <a:sym typeface="Calibri"/>
-                  </a:defRPr>
-                </a:lvl6pPr>
-                <a:lvl7pPr marL="3721100" indent="-914400" defTabSz="457200">
-                  <a:spcBef>
-                    <a:spcPts val="700"/>
-                  </a:spcBef>
-                  <a:buClr>
-                    <a:srgbClr val="000000"/>
-                  </a:buClr>
-                  <a:buSzPct val="171000"/>
-                  <a:buFont typeface="Arial"/>
-                  <a:buChar char="•"/>
-                  <a:defRPr sz="3200">
-                    <a:uFill>
-                      <a:solidFill/>
-                    </a:uFill>
-                    <a:latin typeface="+mn-lt"/>
-                    <a:ea typeface="+mn-ea"/>
-                    <a:cs typeface="+mn-cs"/>
-                    <a:sym typeface="Calibri"/>
-                  </a:defRPr>
-                </a:lvl7pPr>
-                <a:lvl8pPr marL="4076700" indent="-914400" defTabSz="457200">
-                  <a:spcBef>
-                    <a:spcPts val="700"/>
-                  </a:spcBef>
-                  <a:buClr>
-                    <a:srgbClr val="000000"/>
-                  </a:buClr>
-                  <a:buSzPct val="171000"/>
-                  <a:buFont typeface="Arial"/>
-                  <a:buChar char="•"/>
-                  <a:defRPr sz="3200">
-                    <a:uFill>
-                      <a:solidFill/>
-                    </a:uFill>
-                    <a:latin typeface="+mn-lt"/>
-                    <a:ea typeface="+mn-ea"/>
-                    <a:cs typeface="+mn-cs"/>
-                    <a:sym typeface="Calibri"/>
-                  </a:defRPr>
-                </a:lvl8pPr>
-                <a:lvl9pPr marL="4432300" indent="-914400" defTabSz="457200">
-                  <a:spcBef>
-                    <a:spcPts val="700"/>
-                  </a:spcBef>
-                  <a:buClr>
-                    <a:srgbClr val="000000"/>
-                  </a:buClr>
-                  <a:buSzPct val="171000"/>
-                  <a:buFont typeface="Arial"/>
-                  <a:buChar char="•"/>
-                  <a:defRPr sz="3200">
-                    <a:uFill>
-                      <a:solidFill/>
-                    </a:uFill>
-                    <a:latin typeface="+mn-lt"/>
-                    <a:ea typeface="+mn-ea"/>
-                    <a:cs typeface="+mn-cs"/>
-                    <a:sym typeface="Calibri"/>
-                  </a:defRPr>
-                </a:lvl9pPr>
-              </a:lstStyle>
-              <a:p>
-                <a:pPr marL="0" indent="0" algn="ctr">
-                  <a:buFont typeface="Arial"/>
-                  <a:buNone/>
-                </a:pPr>
-                <a14:m>
-                  <m:oMathPara xmlns:m="http://schemas.openxmlformats.org/officeDocument/2006/math">
-                    <m:oMathParaPr>
-                      <m:jc m:val="center"/>
-                    </m:oMathParaPr>
-                    <m:oMath xmlns:m="http://schemas.openxmlformats.org/officeDocument/2006/math">
-                      <m:r>
-                        <a:rPr lang="en-US" b="0" i="1" smtClean="0">
-                          <a:latin typeface="Cambria Math" panose="02040503050406030204" pitchFamily="18" charset="0"/>
-                          <a:ea typeface="Cambria Math" panose="02040503050406030204" pitchFamily="18" charset="0"/>
-                        </a:rPr>
-                        <m:t>∞</m:t>
-                      </m:r>
-                    </m:oMath>
-                  </m:oMathPara>
-                </a14:m>
-                <a:endParaRPr lang="en-US" b="0" dirty="0"/>
-              </a:p>
-            </p:txBody>
-          </p:sp>
-        </mc:Choice>
-        <mc:Fallback xmlns="">
-          <p:sp>
-            <p:nvSpPr>
-              <p:cNvPr id="47" name="Text Placeholder 39">
-                <a:extLst>
-                  <a:ext uri="{FF2B5EF4-FFF2-40B4-BE49-F238E27FC236}">
-                    <a16:creationId xmlns:a16="http://schemas.microsoft.com/office/drawing/2014/main" id="{1D044E31-1E0F-959B-E7E7-ED515A24D65F}"/>
-                  </a:ext>
-                </a:extLst>
-              </p:cNvPr>
-              <p:cNvSpPr txBox="1">
-                <a:spLocks noRot="1" noChangeAspect="1" noMove="1" noResize="1" noEditPoints="1" noAdjustHandles="1" noChangeArrowheads="1" noChangeShapeType="1" noTextEdit="1"/>
-              </p:cNvSpPr>
-              <p:nvPr/>
-            </p:nvSpPr>
-            <p:spPr>
-              <a:xfrm>
-                <a:off x="1362697" y="1106278"/>
-                <a:ext cx="571886" cy="533479"/>
-              </a:xfrm>
-              <a:prstGeom prst="rect">
-                <a:avLst/>
-              </a:prstGeom>
-              <a:blipFill>
-                <a:blip r:embed="rId11"/>
-                <a:stretch>
-                  <a:fillRect/>
-                </a:stretch>
-              </a:blipFill>
-              <a:ln w="12700" cap="flat">
-                <a:noFill/>
-                <a:miter lim="400000"/>
-              </a:ln>
-            </p:spPr>
-            <p:txBody>
-              <a:bodyPr/>
-              <a:lstStyle/>
-              <a:p>
-                <a:r>
-                  <a:rPr lang="en-US">
-                    <a:noFill/>
-                  </a:rPr>
-                  <a:t> </a:t>
-                </a:r>
-              </a:p>
-            </p:txBody>
-          </p:sp>
-        </mc:Fallback>
-      </mc:AlternateContent>
-      <p:cxnSp>
-        <p:nvCxnSpPr>
-          <p:cNvPr id="51" name="Straight Arrow Connector 50">
-            <a:extLst>
-              <a:ext uri="{FF2B5EF4-FFF2-40B4-BE49-F238E27FC236}">
-                <a16:creationId xmlns:a16="http://schemas.microsoft.com/office/drawing/2014/main" id="{92F7934A-5DBF-9E1E-F94E-3F571ADB04AB}"/>
-              </a:ext>
-            </a:extLst>
-          </p:cNvPr>
-          <p:cNvCxnSpPr>
-            <a:stCxn id="46" idx="0"/>
-          </p:cNvCxnSpPr>
-          <p:nvPr/>
-        </p:nvCxnSpPr>
-        <p:spPr>
-          <a:xfrm flipV="1">
-            <a:off x="1601015" y="1544084"/>
-            <a:ext cx="0" cy="2286000"/>
-          </a:xfrm>
-          <a:prstGeom prst="straightConnector1">
-            <a:avLst/>
-          </a:prstGeom>
-          <a:noFill/>
-          <a:ln w="38100" cap="flat">
-            <a:solidFill>
-              <a:srgbClr val="000000"/>
-            </a:solidFill>
-            <a:prstDash val="solid"/>
-            <a:miter lim="400000"/>
-            <a:tailEnd type="triangle"/>
-          </a:ln>
-          <a:effectLst/>
-        </p:spPr>
-        <p:style>
-          <a:lnRef idx="0">
-            <a:scrgbClr r="0" g="0" b="0"/>
-          </a:lnRef>
-          <a:fillRef idx="0">
-            <a:scrgbClr r="0" g="0" b="0"/>
-          </a:fillRef>
-          <a:effectRef idx="0">
-            <a:scrgbClr r="0" g="0" b="0"/>
-          </a:effectRef>
-          <a:fontRef idx="none"/>
-        </p:style>
-      </p:cxnSp>
-      <mc:AlternateContent xmlns:mc="http://schemas.openxmlformats.org/markup-compatibility/2006" xmlns:a14="http://schemas.microsoft.com/office/drawing/2010/main">
-        <mc:Choice Requires="a14">
-          <p:sp>
-            <p:nvSpPr>
-              <p:cNvPr id="52" name="Text Placeholder 39">
-                <a:extLst>
-                  <a:ext uri="{FF2B5EF4-FFF2-40B4-BE49-F238E27FC236}">
-                    <a16:creationId xmlns:a16="http://schemas.microsoft.com/office/drawing/2014/main" id="{9D9D57B4-F087-FCFC-BB04-9F447C27F1F1}"/>
-                  </a:ext>
-                </a:extLst>
-              </p:cNvPr>
-              <p:cNvSpPr txBox="1">
-                <a:spLocks/>
-              </p:cNvSpPr>
-              <p:nvPr/>
-            </p:nvSpPr>
-            <p:spPr>
-              <a:xfrm>
-                <a:off x="1315072" y="6309865"/>
-                <a:ext cx="571886" cy="533479"/>
-              </a:xfrm>
-              <a:prstGeom prst="rect">
-                <a:avLst/>
-              </a:prstGeom>
-              <a:noFill/>
-              <a:ln w="12700" cap="flat">
-                <a:noFill/>
-                <a:miter lim="400000"/>
-              </a:ln>
-            </p:spPr>
-            <p:style>
-              <a:lnRef idx="0">
-                <a:scrgbClr r="0" g="0" b="0"/>
-              </a:lnRef>
-              <a:fillRef idx="0">
-                <a:scrgbClr r="0" g="0" b="0"/>
-              </a:fillRef>
-              <a:effectRef idx="0">
-                <a:scrgbClr r="0" g="0" b="0"/>
-              </a:effectRef>
-              <a:fontRef idx="none"/>
-            </p:style>
-            <p:txBody>
-              <a:bodyPr rot="0" spcFirstLastPara="1" vertOverflow="overflow" horzOverflow="overflow" vert="horz" wrap="square" lIns="50800" tIns="50800" rIns="50800" bIns="50800" numCol="1" spcCol="38100" rtlCol="0" anchor="ctr">
-                <a:spAutoFit/>
-              </a:bodyPr>
-              <a:lstStyle>
-                <a:lvl1pPr marL="342900" indent="-342900" defTabSz="457200">
-                  <a:spcBef>
-                    <a:spcPts val="700"/>
-                  </a:spcBef>
-                  <a:buClr>
-                    <a:srgbClr val="000000"/>
-                  </a:buClr>
-                  <a:buSzPct val="100000"/>
-                  <a:buFont typeface="Arial"/>
-                  <a:buChar char="•"/>
-                  <a:defRPr sz="2800">
-                    <a:solidFill>
-                      <a:srgbClr val="03244D"/>
-                    </a:solidFill>
-                    <a:uFill>
-                      <a:solidFill/>
-                    </a:uFill>
-                    <a:latin typeface="+mn-lt"/>
-                    <a:ea typeface="+mn-ea"/>
-                    <a:cs typeface="Arial" panose="020B0604020202020204" pitchFamily="34" charset="0"/>
-                    <a:sym typeface="Calibri"/>
-                  </a:defRPr>
-                </a:lvl1pPr>
-                <a:lvl2pPr marL="783771" indent="-326571" defTabSz="457200">
-                  <a:spcBef>
-                    <a:spcPts val="700"/>
-                  </a:spcBef>
-                  <a:buClr>
-                    <a:srgbClr val="000000"/>
-                  </a:buClr>
-                  <a:buSzPct val="100000"/>
-                  <a:buFont typeface="Arial"/>
-                  <a:buChar char="•"/>
-                  <a:defRPr sz="2400">
-                    <a:solidFill>
-                      <a:srgbClr val="03244D"/>
-                    </a:solidFill>
-                    <a:uFill>
-                      <a:solidFill/>
-                    </a:uFill>
-                    <a:latin typeface="+mn-lt"/>
-                    <a:ea typeface="+mn-ea"/>
-                    <a:cs typeface="Arial" panose="020B0604020202020204" pitchFamily="34" charset="0"/>
-                    <a:sym typeface="Calibri"/>
-                  </a:defRPr>
-                </a:lvl2pPr>
-                <a:lvl3pPr marL="1219200" indent="-304800" defTabSz="457200">
-                  <a:spcBef>
-                    <a:spcPts val="700"/>
-                  </a:spcBef>
-                  <a:buClr>
-                    <a:srgbClr val="000000"/>
-                  </a:buClr>
-                  <a:buSzPct val="100000"/>
-                  <a:buFont typeface="Arial"/>
-                  <a:buChar char="•"/>
-                  <a:defRPr sz="2000">
-                    <a:solidFill>
-                      <a:srgbClr val="03244D"/>
-                    </a:solidFill>
-                    <a:uFill>
-                      <a:solidFill/>
-                    </a:uFill>
-                    <a:latin typeface="+mn-lt"/>
-                    <a:ea typeface="+mn-ea"/>
-                    <a:cs typeface="Arial" panose="020B0604020202020204" pitchFamily="34" charset="0"/>
-                    <a:sym typeface="Calibri"/>
-                  </a:defRPr>
-                </a:lvl3pPr>
-                <a:lvl4pPr marL="1737360" indent="-365760" defTabSz="457200">
-                  <a:spcBef>
-                    <a:spcPts val="700"/>
-                  </a:spcBef>
-                  <a:buClr>
-                    <a:srgbClr val="000000"/>
-                  </a:buClr>
-                  <a:buSzPct val="100000"/>
-                  <a:buFont typeface="Arial"/>
-                  <a:buChar char="•"/>
-                  <a:defRPr sz="2000">
-                    <a:solidFill>
-                      <a:srgbClr val="03244D"/>
-                    </a:solidFill>
-                    <a:uFill>
-                      <a:solidFill/>
-                    </a:uFill>
-                    <a:latin typeface="+mn-lt"/>
-                    <a:ea typeface="+mn-ea"/>
-                    <a:cs typeface="Arial" panose="020B0604020202020204" pitchFamily="34" charset="0"/>
-                    <a:sym typeface="Calibri"/>
-                  </a:defRPr>
-                </a:lvl4pPr>
-                <a:lvl5pPr marL="2194560" indent="-365760" defTabSz="457200">
-                  <a:spcBef>
-                    <a:spcPts val="700"/>
-                  </a:spcBef>
-                  <a:buClr>
-                    <a:srgbClr val="000000"/>
-                  </a:buClr>
-                  <a:buSzPct val="100000"/>
-                  <a:buFont typeface="Arial"/>
-                  <a:buChar char="•"/>
-                  <a:defRPr sz="2000">
-                    <a:solidFill>
-                      <a:srgbClr val="03244D"/>
-                    </a:solidFill>
-                    <a:uFill>
-                      <a:solidFill/>
-                    </a:uFill>
-                    <a:latin typeface="+mn-lt"/>
-                    <a:ea typeface="+mn-ea"/>
-                    <a:cs typeface="Arial" panose="020B0604020202020204" pitchFamily="34" charset="0"/>
-                    <a:sym typeface="Calibri"/>
-                  </a:defRPr>
-                </a:lvl5pPr>
-                <a:lvl6pPr marL="2451100" indent="0" defTabSz="457200">
-                  <a:spcBef>
-                    <a:spcPts val="700"/>
-                  </a:spcBef>
-                  <a:buClr>
-                    <a:srgbClr val="000000"/>
-                  </a:buClr>
-                  <a:buSzPct val="171000"/>
-                  <a:buFont typeface="Arial"/>
-                  <a:buNone/>
-                  <a:defRPr sz="1800">
-                    <a:solidFill>
-                      <a:srgbClr val="03244D"/>
-                    </a:solidFill>
-                    <a:uFill>
-                      <a:solidFill/>
-                    </a:uFill>
-                    <a:latin typeface="Arial" panose="020B0604020202020204" pitchFamily="34" charset="0"/>
-                    <a:ea typeface="+mn-ea"/>
-                    <a:cs typeface="Arial" panose="020B0604020202020204" pitchFamily="34" charset="0"/>
-                    <a:sym typeface="Calibri"/>
-                  </a:defRPr>
-                </a:lvl6pPr>
-                <a:lvl7pPr marL="3721100" indent="-914400" defTabSz="457200">
-                  <a:spcBef>
-                    <a:spcPts val="700"/>
-                  </a:spcBef>
-                  <a:buClr>
-                    <a:srgbClr val="000000"/>
-                  </a:buClr>
-                  <a:buSzPct val="171000"/>
-                  <a:buFont typeface="Arial"/>
-                  <a:buChar char="•"/>
-                  <a:defRPr sz="3200">
-                    <a:uFill>
-                      <a:solidFill/>
-                    </a:uFill>
-                    <a:latin typeface="+mn-lt"/>
-                    <a:ea typeface="+mn-ea"/>
-                    <a:cs typeface="+mn-cs"/>
-                    <a:sym typeface="Calibri"/>
-                  </a:defRPr>
-                </a:lvl7pPr>
-                <a:lvl8pPr marL="4076700" indent="-914400" defTabSz="457200">
-                  <a:spcBef>
-                    <a:spcPts val="700"/>
-                  </a:spcBef>
-                  <a:buClr>
-                    <a:srgbClr val="000000"/>
-                  </a:buClr>
-                  <a:buSzPct val="171000"/>
-                  <a:buFont typeface="Arial"/>
-                  <a:buChar char="•"/>
-                  <a:defRPr sz="3200">
-                    <a:uFill>
-                      <a:solidFill/>
-                    </a:uFill>
-                    <a:latin typeface="+mn-lt"/>
-                    <a:ea typeface="+mn-ea"/>
-                    <a:cs typeface="+mn-cs"/>
-                    <a:sym typeface="Calibri"/>
-                  </a:defRPr>
-                </a:lvl8pPr>
-                <a:lvl9pPr marL="4432300" indent="-914400" defTabSz="457200">
-                  <a:spcBef>
-                    <a:spcPts val="700"/>
-                  </a:spcBef>
-                  <a:buClr>
-                    <a:srgbClr val="000000"/>
-                  </a:buClr>
-                  <a:buSzPct val="171000"/>
-                  <a:buFont typeface="Arial"/>
-                  <a:buChar char="•"/>
-                  <a:defRPr sz="3200">
-                    <a:uFill>
-                      <a:solidFill/>
-                    </a:uFill>
-                    <a:latin typeface="+mn-lt"/>
-                    <a:ea typeface="+mn-ea"/>
-                    <a:cs typeface="+mn-cs"/>
-                    <a:sym typeface="Calibri"/>
-                  </a:defRPr>
-                </a:lvl9pPr>
-              </a:lstStyle>
-              <a:p>
-                <a:pPr marL="0" indent="0" algn="ctr">
-                  <a:buFont typeface="Arial"/>
-                  <a:buNone/>
-                </a:pPr>
-                <a14:m>
-                  <m:oMathPara xmlns:m="http://schemas.openxmlformats.org/officeDocument/2006/math">
-                    <m:oMathParaPr>
-                      <m:jc m:val="center"/>
-                    </m:oMathParaPr>
-                    <m:oMath xmlns:m="http://schemas.openxmlformats.org/officeDocument/2006/math">
-                      <m:r>
-                        <a:rPr lang="en-US" b="0" i="1" smtClean="0">
-                          <a:latin typeface="Cambria Math" panose="02040503050406030204" pitchFamily="18" charset="0"/>
-                          <a:ea typeface="Cambria Math" panose="02040503050406030204" pitchFamily="18" charset="0"/>
-                        </a:rPr>
-                        <m:t>−∞</m:t>
-                      </m:r>
-                    </m:oMath>
-                  </m:oMathPara>
-                </a14:m>
-                <a:endParaRPr lang="en-US" b="0" dirty="0"/>
-              </a:p>
-            </p:txBody>
-          </p:sp>
-        </mc:Choice>
-        <mc:Fallback xmlns="">
-          <p:sp>
-            <p:nvSpPr>
-              <p:cNvPr id="52" name="Text Placeholder 39">
-                <a:extLst>
-                  <a:ext uri="{FF2B5EF4-FFF2-40B4-BE49-F238E27FC236}">
-                    <a16:creationId xmlns:a16="http://schemas.microsoft.com/office/drawing/2014/main" id="{9D9D57B4-F087-FCFC-BB04-9F447C27F1F1}"/>
-                  </a:ext>
-                </a:extLst>
-              </p:cNvPr>
-              <p:cNvSpPr txBox="1">
-                <a:spLocks noRot="1" noChangeAspect="1" noMove="1" noResize="1" noEditPoints="1" noAdjustHandles="1" noChangeArrowheads="1" noChangeShapeType="1" noTextEdit="1"/>
-              </p:cNvSpPr>
-              <p:nvPr/>
-            </p:nvSpPr>
-            <p:spPr>
-              <a:xfrm>
-                <a:off x="1315072" y="6309865"/>
-                <a:ext cx="571886" cy="533479"/>
-              </a:xfrm>
-              <a:prstGeom prst="rect">
-                <a:avLst/>
-              </a:prstGeom>
-              <a:blipFill>
-                <a:blip r:embed="rId12"/>
-                <a:stretch>
-                  <a:fillRect l="-4255"/>
-                </a:stretch>
-              </a:blipFill>
-              <a:ln w="12700" cap="flat">
-                <a:noFill/>
-                <a:miter lim="400000"/>
-              </a:ln>
-            </p:spPr>
-            <p:txBody>
-              <a:bodyPr/>
-              <a:lstStyle/>
-              <a:p>
-                <a:r>
-                  <a:rPr lang="en-US">
-                    <a:noFill/>
-                  </a:rPr>
-                  <a:t> </a:t>
-                </a:r>
-              </a:p>
-            </p:txBody>
-          </p:sp>
-        </mc:Fallback>
-      </mc:AlternateContent>
       <p:sp>
         <p:nvSpPr>
           <p:cNvPr id="4" name="Rectangle 3">
@@ -20085,8 +22810,8 @@
         </p:nvSpPr>
         <p:spPr>
           <a:xfrm>
-            <a:off x="2465677" y="1407442"/>
-            <a:ext cx="7610803" cy="1737360"/>
+            <a:off x="2470917" y="1289291"/>
+            <a:ext cx="7610803" cy="1828800"/>
           </a:xfrm>
           <a:prstGeom prst="rect">
             <a:avLst/>
@@ -20173,8 +22898,8 @@
         </p:nvSpPr>
         <p:spPr>
           <a:xfrm>
-            <a:off x="2470917" y="3221111"/>
-            <a:ext cx="7610803" cy="1783080"/>
+            <a:off x="2468224" y="3148990"/>
+            <a:ext cx="7610803" cy="1828800"/>
           </a:xfrm>
           <a:prstGeom prst="rect">
             <a:avLst/>
@@ -20261,8 +22986,8 @@
         </p:nvSpPr>
         <p:spPr>
           <a:xfrm>
-            <a:off x="2468224" y="5056282"/>
-            <a:ext cx="7610803" cy="1783080"/>
+            <a:off x="2468224" y="5008690"/>
+            <a:ext cx="7610803" cy="1828800"/>
           </a:xfrm>
           <a:prstGeom prst="rect">
             <a:avLst/>
@@ -20349,7 +23074,7 @@
         </p:nvCxnSpPr>
         <p:spPr>
           <a:xfrm flipH="1">
-            <a:off x="1601015" y="1407442"/>
+            <a:off x="1604904" y="1278754"/>
             <a:ext cx="869902" cy="868680"/>
           </a:xfrm>
           <a:prstGeom prst="line">
@@ -20385,13 +23110,15 @@
               </a:ext>
             </a:extLst>
           </p:cNvPr>
-          <p:cNvCxnSpPr/>
+          <p:cNvCxnSpPr>
+            <a:cxnSpLocks/>
+          </p:cNvCxnSpPr>
           <p:nvPr/>
         </p:nvCxnSpPr>
         <p:spPr>
           <a:xfrm>
-            <a:off x="1601015" y="2266257"/>
-            <a:ext cx="869902" cy="878545"/>
+            <a:off x="1601015" y="2136030"/>
+            <a:ext cx="873791" cy="988432"/>
           </a:xfrm>
           <a:prstGeom prst="line">
             <a:avLst/>
@@ -20433,8 +23160,8 @@
         </p:nvCxnSpPr>
         <p:spPr>
           <a:xfrm>
-            <a:off x="1751418" y="4084638"/>
-            <a:ext cx="719499" cy="919553"/>
+            <a:off x="1443567" y="4069213"/>
+            <a:ext cx="1022110" cy="908577"/>
           </a:xfrm>
           <a:prstGeom prst="line">
             <a:avLst/>
@@ -20476,8 +23203,8 @@
         </p:nvCxnSpPr>
         <p:spPr>
           <a:xfrm flipH="1">
-            <a:off x="1751418" y="3213006"/>
-            <a:ext cx="728368" cy="874637"/>
+            <a:off x="1408314" y="3148990"/>
+            <a:ext cx="1059910" cy="948581"/>
           </a:xfrm>
           <a:prstGeom prst="line">
             <a:avLst/>
@@ -20519,8 +23246,8 @@
         </p:nvCxnSpPr>
         <p:spPr>
           <a:xfrm>
-            <a:off x="1601015" y="5913438"/>
-            <a:ext cx="864516" cy="925924"/>
+            <a:off x="1398092" y="5913438"/>
+            <a:ext cx="1067439" cy="925924"/>
           </a:xfrm>
           <a:prstGeom prst="line">
             <a:avLst/>
@@ -20555,13 +23282,15 @@
               </a:ext>
             </a:extLst>
           </p:cNvPr>
-          <p:cNvCxnSpPr/>
+          <p:cNvCxnSpPr>
+            <a:cxnSpLocks/>
+          </p:cNvCxnSpPr>
           <p:nvPr/>
         </p:nvCxnSpPr>
         <p:spPr>
           <a:xfrm flipH="1">
-            <a:off x="1595629" y="5055064"/>
-            <a:ext cx="869902" cy="868680"/>
+            <a:off x="1408314" y="5055064"/>
+            <a:ext cx="1057217" cy="858374"/>
           </a:xfrm>
           <a:prstGeom prst="line">
             <a:avLst/>
@@ -20605,712 +23334,6 @@
       <p:transition/>
     </mc:Fallback>
   </mc:AlternateContent>
-</p:sld>
-</file>
-
-<file path=ppt/slides/slide18.xml><?xml version="1.0" encoding="utf-8"?>
-<p:sld xmlns:a="http://schemas.openxmlformats.org/drawingml/2006/main" xmlns:r="http://schemas.openxmlformats.org/officeDocument/2006/relationships" xmlns:p="http://schemas.openxmlformats.org/presentationml/2006/main">
-  <p:cSld>
-    <p:spTree>
-      <p:nvGrpSpPr>
-        <p:cNvPr id="1" name="">
-          <a:extLst>
-            <a:ext uri="{FF2B5EF4-FFF2-40B4-BE49-F238E27FC236}">
-              <a16:creationId xmlns:a16="http://schemas.microsoft.com/office/drawing/2014/main" id="{99576536-CD90-B67F-AEEB-01E07ABD1623}"/>
-            </a:ext>
-          </a:extLst>
-        </p:cNvPr>
-        <p:cNvGrpSpPr/>
-        <p:nvPr/>
-      </p:nvGrpSpPr>
-      <p:grpSpPr>
-        <a:xfrm>
-          <a:off x="0" y="0"/>
-          <a:ext cx="0" cy="0"/>
-          <a:chOff x="0" y="0"/>
-          <a:chExt cx="0" cy="0"/>
-        </a:xfrm>
-      </p:grpSpPr>
-      <p:sp>
-        <p:nvSpPr>
-          <p:cNvPr id="2" name="Title 1">
-            <a:extLst>
-              <a:ext uri="{FF2B5EF4-FFF2-40B4-BE49-F238E27FC236}">
-                <a16:creationId xmlns:a16="http://schemas.microsoft.com/office/drawing/2014/main" id="{AB9D640D-EC05-CEDF-B18D-F62AA380F43B}"/>
-              </a:ext>
-            </a:extLst>
-          </p:cNvPr>
-          <p:cNvSpPr>
-            <a:spLocks noGrp="1"/>
-          </p:cNvSpPr>
-          <p:nvPr>
-            <p:ph type="title"/>
-          </p:nvPr>
-        </p:nvSpPr>
-        <p:spPr/>
-        <p:txBody>
-          <a:bodyPr/>
-          <a:lstStyle/>
-          <a:p>
-            <a:r>
-              <a:rPr lang="en-US" dirty="0"/>
-              <a:t>Future Steps</a:t>
-            </a:r>
-          </a:p>
-        </p:txBody>
-      </p:sp>
-      <p:sp>
-        <p:nvSpPr>
-          <p:cNvPr id="3" name="Slide Number Placeholder 2">
-            <a:extLst>
-              <a:ext uri="{FF2B5EF4-FFF2-40B4-BE49-F238E27FC236}">
-                <a16:creationId xmlns:a16="http://schemas.microsoft.com/office/drawing/2014/main" id="{36D2A9CD-2665-6834-9831-D75DA531392C}"/>
-              </a:ext>
-            </a:extLst>
-          </p:cNvPr>
-          <p:cNvSpPr>
-            <a:spLocks noGrp="1"/>
-          </p:cNvSpPr>
-          <p:nvPr>
-            <p:ph type="sldNum" sz="quarter" idx="10"/>
-          </p:nvPr>
-        </p:nvSpPr>
-        <p:spPr/>
-        <p:txBody>
-          <a:bodyPr/>
-          <a:lstStyle/>
-          <a:p>
-            <a:fld id="{CAC3FE34-2808-40E6-BEA2-B7CA77D47CA5}" type="slidenum">
-              <a:rPr lang="en-US" smtClean="0"/>
-              <a:pPr/>
-              <a:t>18</a:t>
-            </a:fld>
-            <a:endParaRPr lang="en-US" dirty="0"/>
-          </a:p>
-        </p:txBody>
-      </p:sp>
-    </p:spTree>
-    <p:extLst>
-      <p:ext uri="{BB962C8B-B14F-4D97-AF65-F5344CB8AC3E}">
-        <p14:creationId xmlns:p14="http://schemas.microsoft.com/office/powerpoint/2010/main" val="1045444036"/>
-      </p:ext>
-    </p:extLst>
-  </p:cSld>
-  <p:clrMapOvr>
-    <a:masterClrMapping/>
-  </p:clrMapOvr>
-  <p:transition spd="med"/>
-</p:sld>
-</file>
-
-<file path=ppt/slides/slide19.xml><?xml version="1.0" encoding="utf-8"?>
-<p:sld xmlns:a="http://schemas.openxmlformats.org/drawingml/2006/main" xmlns:r="http://schemas.openxmlformats.org/officeDocument/2006/relationships" xmlns:p="http://schemas.openxmlformats.org/presentationml/2006/main">
-  <p:cSld>
-    <p:spTree>
-      <p:nvGrpSpPr>
-        <p:cNvPr id="1" name="">
-          <a:extLst>
-            <a:ext uri="{FF2B5EF4-FFF2-40B4-BE49-F238E27FC236}">
-              <a16:creationId xmlns:a16="http://schemas.microsoft.com/office/drawing/2014/main" id="{33B05CDA-2927-4F3F-9EA8-23EFD888A115}"/>
-            </a:ext>
-          </a:extLst>
-        </p:cNvPr>
-        <p:cNvGrpSpPr/>
-        <p:nvPr/>
-      </p:nvGrpSpPr>
-      <p:grpSpPr>
-        <a:xfrm>
-          <a:off x="0" y="0"/>
-          <a:ext cx="0" cy="0"/>
-          <a:chOff x="0" y="0"/>
-          <a:chExt cx="0" cy="0"/>
-        </a:xfrm>
-      </p:grpSpPr>
-      <p:sp>
-        <p:nvSpPr>
-          <p:cNvPr id="2" name="Title 1">
-            <a:extLst>
-              <a:ext uri="{FF2B5EF4-FFF2-40B4-BE49-F238E27FC236}">
-                <a16:creationId xmlns:a16="http://schemas.microsoft.com/office/drawing/2014/main" id="{86D00A58-D052-B859-D12B-8FC19DDB0824}"/>
-              </a:ext>
-            </a:extLst>
-          </p:cNvPr>
-          <p:cNvSpPr>
-            <a:spLocks noGrp="1"/>
-          </p:cNvSpPr>
-          <p:nvPr>
-            <p:ph type="title"/>
-          </p:nvPr>
-        </p:nvSpPr>
-        <p:spPr/>
-        <p:txBody>
-          <a:bodyPr/>
-          <a:lstStyle/>
-          <a:p>
-            <a:r>
-              <a:rPr lang="en-US" dirty="0"/>
-              <a:t>Questions?</a:t>
-            </a:r>
-          </a:p>
-        </p:txBody>
-      </p:sp>
-      <p:sp>
-        <p:nvSpPr>
-          <p:cNvPr id="3" name="Slide Number Placeholder 2">
-            <a:extLst>
-              <a:ext uri="{FF2B5EF4-FFF2-40B4-BE49-F238E27FC236}">
-                <a16:creationId xmlns:a16="http://schemas.microsoft.com/office/drawing/2014/main" id="{B3426B7B-2274-FFC8-A307-4405A1CC7FEA}"/>
-              </a:ext>
-            </a:extLst>
-          </p:cNvPr>
-          <p:cNvSpPr>
-            <a:spLocks noGrp="1"/>
-          </p:cNvSpPr>
-          <p:nvPr>
-            <p:ph type="sldNum" sz="quarter" idx="10"/>
-          </p:nvPr>
-        </p:nvSpPr>
-        <p:spPr/>
-        <p:txBody>
-          <a:bodyPr/>
-          <a:lstStyle/>
-          <a:p>
-            <a:fld id="{CAC3FE34-2808-40E6-BEA2-B7CA77D47CA5}" type="slidenum">
-              <a:rPr lang="en-US" smtClean="0"/>
-              <a:pPr/>
-              <a:t>19</a:t>
-            </a:fld>
-            <a:endParaRPr lang="en-US" dirty="0"/>
-          </a:p>
-        </p:txBody>
-      </p:sp>
-    </p:spTree>
-    <p:extLst>
-      <p:ext uri="{BB962C8B-B14F-4D97-AF65-F5344CB8AC3E}">
-        <p14:creationId xmlns:p14="http://schemas.microsoft.com/office/powerpoint/2010/main" val="2276957071"/>
-      </p:ext>
-    </p:extLst>
-  </p:cSld>
-  <p:clrMapOvr>
-    <a:masterClrMapping/>
-  </p:clrMapOvr>
-  <p:transition spd="med"/>
-</p:sld>
-</file>
-
-<file path=ppt/slides/slide2.xml><?xml version="1.0" encoding="utf-8"?>
-<p:sld xmlns:a="http://schemas.openxmlformats.org/drawingml/2006/main" xmlns:r="http://schemas.openxmlformats.org/officeDocument/2006/relationships" xmlns:p="http://schemas.openxmlformats.org/presentationml/2006/main">
-  <p:cSld>
-    <p:spTree>
-      <p:nvGrpSpPr>
-        <p:cNvPr id="1" name=""/>
-        <p:cNvGrpSpPr/>
-        <p:nvPr/>
-      </p:nvGrpSpPr>
-      <p:grpSpPr>
-        <a:xfrm>
-          <a:off x="0" y="0"/>
-          <a:ext cx="0" cy="0"/>
-          <a:chOff x="0" y="0"/>
-          <a:chExt cx="0" cy="0"/>
-        </a:xfrm>
-      </p:grpSpPr>
-      <p:sp>
-        <p:nvSpPr>
-          <p:cNvPr id="2" name="Title 1">
-            <a:extLst>
-              <a:ext uri="{FF2B5EF4-FFF2-40B4-BE49-F238E27FC236}">
-                <a16:creationId xmlns:a16="http://schemas.microsoft.com/office/drawing/2014/main" id="{11CE5643-55BD-62CD-8AC2-BE02373ADC52}"/>
-              </a:ext>
-            </a:extLst>
-          </p:cNvPr>
-          <p:cNvSpPr>
-            <a:spLocks noGrp="1"/>
-          </p:cNvSpPr>
-          <p:nvPr>
-            <p:ph type="title"/>
-          </p:nvPr>
-        </p:nvSpPr>
-        <p:spPr/>
-        <p:txBody>
-          <a:bodyPr/>
-          <a:lstStyle/>
-          <a:p>
-            <a:r>
-              <a:rPr lang="en-US" dirty="0"/>
-              <a:t>Agenda</a:t>
-            </a:r>
-          </a:p>
-        </p:txBody>
-      </p:sp>
-      <p:sp>
-        <p:nvSpPr>
-          <p:cNvPr id="3" name="Slide Number Placeholder 2">
-            <a:extLst>
-              <a:ext uri="{FF2B5EF4-FFF2-40B4-BE49-F238E27FC236}">
-                <a16:creationId xmlns:a16="http://schemas.microsoft.com/office/drawing/2014/main" id="{37495DC7-9988-C5B8-F3A9-9EE0CFA9466D}"/>
-              </a:ext>
-            </a:extLst>
-          </p:cNvPr>
-          <p:cNvSpPr>
-            <a:spLocks noGrp="1"/>
-          </p:cNvSpPr>
-          <p:nvPr>
-            <p:ph type="sldNum" sz="quarter" idx="10"/>
-          </p:nvPr>
-        </p:nvSpPr>
-        <p:spPr/>
-        <p:txBody>
-          <a:bodyPr/>
-          <a:lstStyle/>
-          <a:p>
-            <a:fld id="{CAC3FE34-2808-40E6-BEA2-B7CA77D47CA5}" type="slidenum">
-              <a:rPr lang="en-US" smtClean="0"/>
-              <a:pPr/>
-              <a:t>2</a:t>
-            </a:fld>
-            <a:endParaRPr lang="en-US" dirty="0"/>
-          </a:p>
-        </p:txBody>
-      </p:sp>
-      <p:sp>
-        <p:nvSpPr>
-          <p:cNvPr id="4" name="Text Placeholder 3">
-            <a:extLst>
-              <a:ext uri="{FF2B5EF4-FFF2-40B4-BE49-F238E27FC236}">
-                <a16:creationId xmlns:a16="http://schemas.microsoft.com/office/drawing/2014/main" id="{B4ABB2FE-1708-F4D9-6EB8-F42040706F97}"/>
-              </a:ext>
-            </a:extLst>
-          </p:cNvPr>
-          <p:cNvSpPr>
-            <a:spLocks noGrp="1"/>
-          </p:cNvSpPr>
-          <p:nvPr>
-            <p:ph type="body" sz="quarter" idx="11"/>
-          </p:nvPr>
-        </p:nvSpPr>
-        <p:spPr/>
-        <p:txBody>
-          <a:bodyPr>
-            <a:normAutofit/>
-          </a:bodyPr>
-          <a:lstStyle/>
-          <a:p>
-            <a:r>
-              <a:rPr lang="en-US" dirty="0"/>
-              <a:t>Project Overview</a:t>
-            </a:r>
-          </a:p>
-          <a:p>
-            <a:r>
-              <a:rPr lang="en-US" dirty="0"/>
-              <a:t>Kalman Filter Review</a:t>
-            </a:r>
-          </a:p>
-          <a:p>
-            <a:r>
-              <a:rPr lang="en-US" dirty="0"/>
-              <a:t>Interacting Multiple Model (IMM) Overview</a:t>
-            </a:r>
-          </a:p>
-          <a:p>
-            <a:r>
-              <a:rPr lang="en-US" dirty="0"/>
-              <a:t>Model Definitions</a:t>
-            </a:r>
-          </a:p>
-          <a:p>
-            <a:r>
-              <a:rPr lang="en-US" dirty="0"/>
-              <a:t>Trajectory Generation</a:t>
-            </a:r>
-          </a:p>
-          <a:p>
-            <a:r>
-              <a:rPr lang="en-US" dirty="0"/>
-              <a:t>Results</a:t>
-            </a:r>
-          </a:p>
-          <a:p>
-            <a:r>
-              <a:rPr lang="en-US" dirty="0"/>
-              <a:t>Future Steps</a:t>
-            </a:r>
-          </a:p>
-          <a:p>
-            <a:r>
-              <a:rPr lang="en-US" dirty="0"/>
-              <a:t>Questions</a:t>
-            </a:r>
-          </a:p>
-        </p:txBody>
-      </p:sp>
-    </p:spTree>
-    <p:extLst>
-      <p:ext uri="{BB962C8B-B14F-4D97-AF65-F5344CB8AC3E}">
-        <p14:creationId xmlns:p14="http://schemas.microsoft.com/office/powerpoint/2010/main" val="1539608349"/>
-      </p:ext>
-    </p:extLst>
-  </p:cSld>
-  <p:clrMapOvr>
-    <a:masterClrMapping/>
-  </p:clrMapOvr>
-  <p:transition spd="med"/>
-</p:sld>
-</file>
-
-<file path=ppt/slides/slide20.xml><?xml version="1.0" encoding="utf-8"?>
-<p:sld xmlns:a="http://schemas.openxmlformats.org/drawingml/2006/main" xmlns:r="http://schemas.openxmlformats.org/officeDocument/2006/relationships" xmlns:p="http://schemas.openxmlformats.org/presentationml/2006/main">
-  <p:cSld>
-    <p:spTree>
-      <p:nvGrpSpPr>
-        <p:cNvPr id="1" name="">
-          <a:extLst>
-            <a:ext uri="{FF2B5EF4-FFF2-40B4-BE49-F238E27FC236}">
-              <a16:creationId xmlns:a16="http://schemas.microsoft.com/office/drawing/2014/main" id="{5006AE7B-65B3-6185-C620-6F62E726DDB4}"/>
-            </a:ext>
-          </a:extLst>
-        </p:cNvPr>
-        <p:cNvGrpSpPr/>
-        <p:nvPr/>
-      </p:nvGrpSpPr>
-      <p:grpSpPr>
-        <a:xfrm>
-          <a:off x="0" y="0"/>
-          <a:ext cx="0" cy="0"/>
-          <a:chOff x="0" y="0"/>
-          <a:chExt cx="0" cy="0"/>
-        </a:xfrm>
-      </p:grpSpPr>
-      <p:sp>
-        <p:nvSpPr>
-          <p:cNvPr id="2" name="Title 1">
-            <a:extLst>
-              <a:ext uri="{FF2B5EF4-FFF2-40B4-BE49-F238E27FC236}">
-                <a16:creationId xmlns:a16="http://schemas.microsoft.com/office/drawing/2014/main" id="{B8FC994D-99FF-E692-7BEB-0A4E1665AC8F}"/>
-              </a:ext>
-            </a:extLst>
-          </p:cNvPr>
-          <p:cNvSpPr>
-            <a:spLocks noGrp="1"/>
-          </p:cNvSpPr>
-          <p:nvPr>
-            <p:ph type="title"/>
-          </p:nvPr>
-        </p:nvSpPr>
-        <p:spPr/>
-        <p:txBody>
-          <a:bodyPr/>
-          <a:lstStyle/>
-          <a:p>
-            <a:r>
-              <a:rPr lang="en-US" dirty="0"/>
-              <a:t>References</a:t>
-            </a:r>
-          </a:p>
-        </p:txBody>
-      </p:sp>
-      <p:sp>
-        <p:nvSpPr>
-          <p:cNvPr id="3" name="Slide Number Placeholder 2">
-            <a:extLst>
-              <a:ext uri="{FF2B5EF4-FFF2-40B4-BE49-F238E27FC236}">
-                <a16:creationId xmlns:a16="http://schemas.microsoft.com/office/drawing/2014/main" id="{4090F2A3-8D23-E0A3-B858-B5188A3777DF}"/>
-              </a:ext>
-            </a:extLst>
-          </p:cNvPr>
-          <p:cNvSpPr>
-            <a:spLocks noGrp="1"/>
-          </p:cNvSpPr>
-          <p:nvPr>
-            <p:ph type="sldNum" sz="quarter" idx="10"/>
-          </p:nvPr>
-        </p:nvSpPr>
-        <p:spPr/>
-        <p:txBody>
-          <a:bodyPr/>
-          <a:lstStyle/>
-          <a:p>
-            <a:fld id="{CAC3FE34-2808-40E6-BEA2-B7CA77D47CA5}" type="slidenum">
-              <a:rPr lang="en-US" smtClean="0"/>
-              <a:pPr/>
-              <a:t>20</a:t>
-            </a:fld>
-            <a:endParaRPr lang="en-US" dirty="0"/>
-          </a:p>
-        </p:txBody>
-      </p:sp>
-    </p:spTree>
-    <p:extLst>
-      <p:ext uri="{BB962C8B-B14F-4D97-AF65-F5344CB8AC3E}">
-        <p14:creationId xmlns:p14="http://schemas.microsoft.com/office/powerpoint/2010/main" val="1732606399"/>
-      </p:ext>
-    </p:extLst>
-  </p:cSld>
-  <p:clrMapOvr>
-    <a:masterClrMapping/>
-  </p:clrMapOvr>
-  <p:transition spd="med"/>
-</p:sld>
-</file>
-
-<file path=ppt/slides/slide21.xml><?xml version="1.0" encoding="utf-8"?>
-<p:sld xmlns:a="http://schemas.openxmlformats.org/drawingml/2006/main" xmlns:r="http://schemas.openxmlformats.org/officeDocument/2006/relationships" xmlns:p="http://schemas.openxmlformats.org/presentationml/2006/main">
-  <p:cSld>
-    <p:spTree>
-      <p:nvGrpSpPr>
-        <p:cNvPr id="1" name=""/>
-        <p:cNvGrpSpPr/>
-        <p:nvPr/>
-      </p:nvGrpSpPr>
-      <p:grpSpPr>
-        <a:xfrm>
-          <a:off x="0" y="0"/>
-          <a:ext cx="0" cy="0"/>
-          <a:chOff x="0" y="0"/>
-          <a:chExt cx="0" cy="0"/>
-        </a:xfrm>
-      </p:grpSpPr>
-      <p:sp>
-        <p:nvSpPr>
-          <p:cNvPr id="2" name="Title 1">
-            <a:extLst>
-              <a:ext uri="{FF2B5EF4-FFF2-40B4-BE49-F238E27FC236}">
-                <a16:creationId xmlns:a16="http://schemas.microsoft.com/office/drawing/2014/main" id="{B8355946-940F-91A0-54C3-600969D65C97}"/>
-              </a:ext>
-            </a:extLst>
-          </p:cNvPr>
-          <p:cNvSpPr>
-            <a:spLocks noGrp="1"/>
-          </p:cNvSpPr>
-          <p:nvPr>
-            <p:ph type="title"/>
-          </p:nvPr>
-        </p:nvSpPr>
-        <p:spPr/>
-        <p:txBody>
-          <a:bodyPr/>
-          <a:lstStyle/>
-          <a:p>
-            <a:endParaRPr lang="en-US"/>
-          </a:p>
-        </p:txBody>
-      </p:sp>
-      <p:sp>
-        <p:nvSpPr>
-          <p:cNvPr id="3" name="Slide Number Placeholder 2">
-            <a:extLst>
-              <a:ext uri="{FF2B5EF4-FFF2-40B4-BE49-F238E27FC236}">
-                <a16:creationId xmlns:a16="http://schemas.microsoft.com/office/drawing/2014/main" id="{C67346B1-D5C8-BF18-FD6C-018084358659}"/>
-              </a:ext>
-            </a:extLst>
-          </p:cNvPr>
-          <p:cNvSpPr>
-            <a:spLocks noGrp="1"/>
-          </p:cNvSpPr>
-          <p:nvPr>
-            <p:ph type="sldNum" sz="quarter" idx="10"/>
-          </p:nvPr>
-        </p:nvSpPr>
-        <p:spPr/>
-        <p:txBody>
-          <a:bodyPr/>
-          <a:lstStyle/>
-          <a:p>
-            <a:fld id="{CAC3FE34-2808-40E6-BEA2-B7CA77D47CA5}" type="slidenum">
-              <a:rPr lang="en-US" smtClean="0"/>
-              <a:pPr/>
-              <a:t>21</a:t>
-            </a:fld>
-            <a:endParaRPr lang="en-US" dirty="0"/>
-          </a:p>
-        </p:txBody>
-      </p:sp>
-    </p:spTree>
-    <p:extLst>
-      <p:ext uri="{BB962C8B-B14F-4D97-AF65-F5344CB8AC3E}">
-        <p14:creationId xmlns:p14="http://schemas.microsoft.com/office/powerpoint/2010/main" val="2757329782"/>
-      </p:ext>
-    </p:extLst>
-  </p:cSld>
-  <p:clrMapOvr>
-    <a:masterClrMapping/>
-  </p:clrMapOvr>
-  <p:transition spd="med"/>
-</p:sld>
-</file>
-
-<file path=ppt/slides/slide22.xml><?xml version="1.0" encoding="utf-8"?>
-<p:sld xmlns:a="http://schemas.openxmlformats.org/drawingml/2006/main" xmlns:r="http://schemas.openxmlformats.org/officeDocument/2006/relationships" xmlns:p="http://schemas.openxmlformats.org/presentationml/2006/main">
-  <p:cSld>
-    <p:spTree>
-      <p:nvGrpSpPr>
-        <p:cNvPr id="1" name="">
-          <a:extLst>
-            <a:ext uri="{FF2B5EF4-FFF2-40B4-BE49-F238E27FC236}">
-              <a16:creationId xmlns:a16="http://schemas.microsoft.com/office/drawing/2014/main" id="{CC2B0102-FAF4-95C6-5ECA-13FB56DEA0F7}"/>
-            </a:ext>
-          </a:extLst>
-        </p:cNvPr>
-        <p:cNvGrpSpPr/>
-        <p:nvPr/>
-      </p:nvGrpSpPr>
-      <p:grpSpPr>
-        <a:xfrm>
-          <a:off x="0" y="0"/>
-          <a:ext cx="0" cy="0"/>
-          <a:chOff x="0" y="0"/>
-          <a:chExt cx="0" cy="0"/>
-        </a:xfrm>
-      </p:grpSpPr>
-      <p:sp>
-        <p:nvSpPr>
-          <p:cNvPr id="2" name="Title 1">
-            <a:extLst>
-              <a:ext uri="{FF2B5EF4-FFF2-40B4-BE49-F238E27FC236}">
-                <a16:creationId xmlns:a16="http://schemas.microsoft.com/office/drawing/2014/main" id="{DF1ED733-2E7A-F761-948A-D70BC6FA847D}"/>
-              </a:ext>
-            </a:extLst>
-          </p:cNvPr>
-          <p:cNvSpPr>
-            <a:spLocks noGrp="1"/>
-          </p:cNvSpPr>
-          <p:nvPr>
-            <p:ph type="title"/>
-          </p:nvPr>
-        </p:nvSpPr>
-        <p:spPr/>
-        <p:txBody>
-          <a:bodyPr/>
-          <a:lstStyle/>
-          <a:p>
-            <a:endParaRPr lang="en-US"/>
-          </a:p>
-        </p:txBody>
-      </p:sp>
-      <p:sp>
-        <p:nvSpPr>
-          <p:cNvPr id="3" name="Slide Number Placeholder 2">
-            <a:extLst>
-              <a:ext uri="{FF2B5EF4-FFF2-40B4-BE49-F238E27FC236}">
-                <a16:creationId xmlns:a16="http://schemas.microsoft.com/office/drawing/2014/main" id="{2BD205C9-A87A-0867-3343-55DFA4F4B9AB}"/>
-              </a:ext>
-            </a:extLst>
-          </p:cNvPr>
-          <p:cNvSpPr>
-            <a:spLocks noGrp="1"/>
-          </p:cNvSpPr>
-          <p:nvPr>
-            <p:ph type="sldNum" sz="quarter" idx="10"/>
-          </p:nvPr>
-        </p:nvSpPr>
-        <p:spPr/>
-        <p:txBody>
-          <a:bodyPr/>
-          <a:lstStyle/>
-          <a:p>
-            <a:fld id="{CAC3FE34-2808-40E6-BEA2-B7CA77D47CA5}" type="slidenum">
-              <a:rPr lang="en-US" smtClean="0"/>
-              <a:pPr/>
-              <a:t>22</a:t>
-            </a:fld>
-            <a:endParaRPr lang="en-US" dirty="0"/>
-          </a:p>
-        </p:txBody>
-      </p:sp>
-      <p:pic>
-        <p:nvPicPr>
-          <p:cNvPr id="5" name="Picture 4">
-            <a:extLst>
-              <a:ext uri="{FF2B5EF4-FFF2-40B4-BE49-F238E27FC236}">
-                <a16:creationId xmlns:a16="http://schemas.microsoft.com/office/drawing/2014/main" id="{9A60A9BB-8F54-A77C-E3E3-725A97FF00B3}"/>
-              </a:ext>
-            </a:extLst>
-          </p:cNvPr>
-          <p:cNvPicPr>
-            <a:picLocks noChangeAspect="1"/>
-          </p:cNvPicPr>
-          <p:nvPr/>
-        </p:nvPicPr>
-        <p:blipFill>
-          <a:blip r:embed="rId2"/>
-          <a:stretch>
-            <a:fillRect/>
-          </a:stretch>
-        </p:blipFill>
-        <p:spPr>
-          <a:xfrm>
-            <a:off x="1085849" y="1798511"/>
-            <a:ext cx="10100733" cy="3471777"/>
-          </a:xfrm>
-          <a:prstGeom prst="rect">
-            <a:avLst/>
-          </a:prstGeom>
-        </p:spPr>
-      </p:pic>
-      <p:sp>
-        <p:nvSpPr>
-          <p:cNvPr id="7" name="TextBox 6">
-            <a:extLst>
-              <a:ext uri="{FF2B5EF4-FFF2-40B4-BE49-F238E27FC236}">
-                <a16:creationId xmlns:a16="http://schemas.microsoft.com/office/drawing/2014/main" id="{7ACFFD03-255F-B588-1021-4FED0AC9828B}"/>
-              </a:ext>
-            </a:extLst>
-          </p:cNvPr>
-          <p:cNvSpPr txBox="1"/>
-          <p:nvPr/>
-        </p:nvSpPr>
-        <p:spPr>
-          <a:xfrm>
-            <a:off x="-42333" y="6013526"/>
-            <a:ext cx="6136216" cy="369332"/>
-          </a:xfrm>
-          <a:prstGeom prst="rect">
-            <a:avLst/>
-          </a:prstGeom>
-          <a:noFill/>
-          <a:ln w="12700" cap="flat">
-            <a:noFill/>
-            <a:miter lim="400000"/>
-          </a:ln>
-          <a:effectLst/>
-        </p:spPr>
-        <p:style>
-          <a:lnRef idx="0">
-            <a:scrgbClr r="0" g="0" b="0"/>
-          </a:lnRef>
-          <a:fillRef idx="0">
-            <a:scrgbClr r="0" g="0" b="0"/>
-          </a:fillRef>
-          <a:effectRef idx="0">
-            <a:scrgbClr r="0" g="0" b="0"/>
-          </a:effectRef>
-          <a:fontRef idx="none"/>
-        </p:style>
-        <p:txBody>
-          <a:bodyPr wrap="square">
-            <a:spAutoFit/>
-          </a:bodyPr>
-          <a:lstStyle/>
-          <a:p>
-            <a:r>
-              <a:rPr lang="en-US" dirty="0"/>
-              <a:t>https://www.youtube.com/watch?v=pqxICLvcYlE</a:t>
-            </a:r>
-          </a:p>
-        </p:txBody>
-      </p:sp>
-    </p:spTree>
-    <p:extLst>
-      <p:ext uri="{BB962C8B-B14F-4D97-AF65-F5344CB8AC3E}">
-        <p14:creationId xmlns:p14="http://schemas.microsoft.com/office/powerpoint/2010/main" val="597928789"/>
-      </p:ext>
-    </p:extLst>
-  </p:cSld>
-  <p:clrMapOvr>
-    <a:masterClrMapping/>
-  </p:clrMapOvr>
-  <p:transition spd="med"/>
 </p:sld>
 </file>
 
@@ -21395,34 +23418,178 @@
           </a:p>
         </p:txBody>
       </p:sp>
-      <p:sp>
-        <p:nvSpPr>
-          <p:cNvPr id="4" name="Text Placeholder 3">
-            <a:extLst>
-              <a:ext uri="{FF2B5EF4-FFF2-40B4-BE49-F238E27FC236}">
-                <a16:creationId xmlns:a16="http://schemas.microsoft.com/office/drawing/2014/main" id="{25D07EA1-53CF-9D86-FFB9-D702DDC48285}"/>
-              </a:ext>
-            </a:extLst>
-          </p:cNvPr>
-          <p:cNvSpPr>
-            <a:spLocks noGrp="1"/>
-          </p:cNvSpPr>
-          <p:nvPr>
-            <p:ph type="body" sz="quarter" idx="11"/>
-          </p:nvPr>
-        </p:nvSpPr>
-        <p:spPr/>
-        <p:txBody>
-          <a:bodyPr/>
-          <a:lstStyle/>
-          <a:p>
-            <a:r>
-              <a:rPr lang="en-US" dirty="0"/>
-              <a:t>Goal: To research and implement an Interacting Multiple Model (IMM) algorithm for mode detection and fusion Kalman Filter outputs</a:t>
-            </a:r>
-          </a:p>
-        </p:txBody>
-      </p:sp>
+      <mc:AlternateContent xmlns:mc="http://schemas.openxmlformats.org/markup-compatibility/2006">
+        <mc:Choice xmlns:a14="http://schemas.microsoft.com/office/drawing/2010/main" Requires="a14">
+          <p:sp>
+            <p:nvSpPr>
+              <p:cNvPr id="4" name="Text Placeholder 3">
+                <a:extLst>
+                  <a:ext uri="{FF2B5EF4-FFF2-40B4-BE49-F238E27FC236}">
+                    <a16:creationId xmlns:a16="http://schemas.microsoft.com/office/drawing/2014/main" id="{25D07EA1-53CF-9D86-FFB9-D702DDC48285}"/>
+                  </a:ext>
+                </a:extLst>
+              </p:cNvPr>
+              <p:cNvSpPr>
+                <a:spLocks noGrp="1"/>
+              </p:cNvSpPr>
+              <p:nvPr>
+                <p:ph type="body" sz="quarter" idx="11"/>
+              </p:nvPr>
+            </p:nvSpPr>
+            <p:spPr/>
+            <p:txBody>
+              <a:bodyPr/>
+              <a:lstStyle/>
+              <a:p>
+                <a:r>
+                  <a:rPr lang="en-US" dirty="0"/>
+                  <a:t>Goal: To research and implement an Interacting Multiple Model (IMM) algorithm for mode detection and fusion of multiple Kalman Filter outputs</a:t>
+                </a:r>
+              </a:p>
+              <a:p>
+                <a:r>
+                  <a:rPr lang="en-US" dirty="0"/>
+                  <a:t>Two trajectories will be simulated along with position and velocity measurements:</a:t>
+                </a:r>
+              </a:p>
+              <a:p>
+                <a:pPr lvl="1"/>
+                <a:r>
+                  <a:rPr lang="en-US" dirty="0"/>
+                  <a:t>1) Constant Velocity </a:t>
+                </a:r>
+                <a14:m>
+                  <m:oMath xmlns:m="http://schemas.openxmlformats.org/officeDocument/2006/math">
+                    <m:r>
+                      <a:rPr lang="en-US" i="1" smtClean="0">
+                        <a:latin typeface="Cambria Math" panose="02040503050406030204" pitchFamily="18" charset="0"/>
+                        <a:ea typeface="Cambria Math" panose="02040503050406030204" pitchFamily="18" charset="0"/>
+                      </a:rPr>
+                      <m:t>→</m:t>
+                    </m:r>
+                  </m:oMath>
+                </a14:m>
+                <a:r>
+                  <a:rPr lang="en-US" dirty="0"/>
+                  <a:t> Constant Turn Rate </a:t>
+                </a:r>
+                <a14:m>
+                  <m:oMath xmlns:m="http://schemas.openxmlformats.org/officeDocument/2006/math">
+                    <m:r>
+                      <a:rPr lang="en-US" i="1">
+                        <a:latin typeface="Cambria Math" panose="02040503050406030204" pitchFamily="18" charset="0"/>
+                        <a:ea typeface="Cambria Math" panose="02040503050406030204" pitchFamily="18" charset="0"/>
+                      </a:rPr>
+                      <m:t>→</m:t>
+                    </m:r>
+                  </m:oMath>
+                </a14:m>
+                <a:r>
+                  <a:rPr lang="en-US" dirty="0"/>
+                  <a:t> Constant Velocity</a:t>
+                </a:r>
+              </a:p>
+              <a:p>
+                <a:pPr lvl="1"/>
+                <a:r>
+                  <a:rPr lang="en-US" dirty="0"/>
+                  <a:t>2) Constant Velocity </a:t>
+                </a:r>
+                <a14:m>
+                  <m:oMath xmlns:m="http://schemas.openxmlformats.org/officeDocument/2006/math">
+                    <m:r>
+                      <a:rPr lang="en-US" i="1" smtClean="0">
+                        <a:latin typeface="Cambria Math" panose="02040503050406030204" pitchFamily="18" charset="0"/>
+                        <a:ea typeface="Cambria Math" panose="02040503050406030204" pitchFamily="18" charset="0"/>
+                      </a:rPr>
+                      <m:t>→</m:t>
+                    </m:r>
+                  </m:oMath>
+                </a14:m>
+                <a:r>
+                  <a:rPr lang="en-US" dirty="0"/>
+                  <a:t> Constant Turn Rate </a:t>
+                </a:r>
+                <a14:m>
+                  <m:oMath xmlns:m="http://schemas.openxmlformats.org/officeDocument/2006/math">
+                    <m:r>
+                      <a:rPr lang="en-US" i="1">
+                        <a:latin typeface="Cambria Math" panose="02040503050406030204" pitchFamily="18" charset="0"/>
+                        <a:ea typeface="Cambria Math" panose="02040503050406030204" pitchFamily="18" charset="0"/>
+                      </a:rPr>
+                      <m:t>→</m:t>
+                    </m:r>
+                  </m:oMath>
+                </a14:m>
+                <a:r>
+                  <a:rPr lang="en-US" dirty="0"/>
+                  <a:t> Constant Acceleration</a:t>
+                </a:r>
+              </a:p>
+              <a:p>
+                <a:r>
+                  <a:rPr lang="en-US" dirty="0"/>
+                  <a:t>Each trajectory’s designed IMM will be evaluated based on mode detection </a:t>
+                </a:r>
+                <a:r>
+                  <a:rPr lang="en-US"/>
+                  <a:t>and state error</a:t>
+                </a:r>
+                <a:endParaRPr lang="en-US" dirty="0"/>
+              </a:p>
+              <a:p>
+                <a:endParaRPr lang="en-US" dirty="0"/>
+              </a:p>
+              <a:p>
+                <a:pPr lvl="1"/>
+                <a:endParaRPr lang="en-US" dirty="0"/>
+              </a:p>
+              <a:p>
+                <a:endParaRPr lang="en-US" dirty="0"/>
+              </a:p>
+            </p:txBody>
+          </p:sp>
+        </mc:Choice>
+        <mc:Fallback>
+          <p:sp>
+            <p:nvSpPr>
+              <p:cNvPr id="4" name="Text Placeholder 3">
+                <a:extLst>
+                  <a:ext uri="{FF2B5EF4-FFF2-40B4-BE49-F238E27FC236}">
+                    <a16:creationId xmlns:a16="http://schemas.microsoft.com/office/drawing/2014/main" id="{25D07EA1-53CF-9D86-FFB9-D702DDC48285}"/>
+                  </a:ext>
+                </a:extLst>
+              </p:cNvPr>
+              <p:cNvSpPr>
+                <a:spLocks noGrp="1" noRot="1" noChangeAspect="1" noMove="1" noResize="1" noEditPoints="1" noAdjustHandles="1" noChangeArrowheads="1" noChangeShapeType="1" noTextEdit="1"/>
+              </p:cNvSpPr>
+              <p:nvPr>
+                <p:ph type="body" sz="quarter" idx="11"/>
+              </p:nvPr>
+            </p:nvSpPr>
+            <p:spPr>
+              <a:blipFill>
+                <a:blip r:embed="rId2"/>
+                <a:stretch>
+                  <a:fillRect l="-922" t="-1241"/>
+                </a:stretch>
+              </a:blipFill>
+            </p:spPr>
+            <p:txBody>
+              <a:bodyPr/>
+              <a:lstStyle/>
+              <a:p>
+                <a:r>
+                  <a:rPr lang="en-US">
+                    <a:noFill/>
+                  </a:rPr>
+                  <a:t> </a:t>
+                </a:r>
+              </a:p>
+            </p:txBody>
+          </p:sp>
+        </mc:Fallback>
+      </mc:AlternateContent>
     </p:spTree>
     <p:extLst>
       <p:ext uri="{BB962C8B-B14F-4D97-AF65-F5344CB8AC3E}">
@@ -21817,14 +23984,7 @@
             <a:pPr lvl="1"/>
             <a:r>
               <a:rPr lang="en-US" dirty="0"/>
-              <a:t>Probability of possible events</a:t>
-            </a:r>
-          </a:p>
-          <a:p>
-            <a:pPr lvl="1"/>
-            <a:r>
-              <a:rPr lang="en-US" dirty="0"/>
-              <a:t>Ex)		</a:t>
+              <a:t>Probability of possible events	</a:t>
             </a:r>
           </a:p>
           <a:p>
@@ -23361,16 +25521,12 @@
   <p:clrMapOvr>
     <a:masterClrMapping/>
   </p:clrMapOvr>
-  <mc:AlternateContent xmlns:mc="http://schemas.openxmlformats.org/markup-compatibility/2006" xmlns:p159="http://schemas.microsoft.com/office/powerpoint/2015/09/main">
-    <mc:Choice Requires="p159">
-      <p:transition xmlns:p14="http://schemas.microsoft.com/office/powerpoint/2010/main" spd="slow" p14:dur="2000">
-        <p159:morph option="byObject"/>
-      </p:transition>
+  <mc:AlternateContent xmlns:mc="http://schemas.openxmlformats.org/markup-compatibility/2006">
+    <mc:Choice xmlns:p14="http://schemas.microsoft.com/office/powerpoint/2010/main" Requires="p14">
+      <p:transition p14:dur="0"/>
     </mc:Choice>
-    <mc:Fallback xmlns="">
-      <p:transition spd="slow">
-        <p:fade/>
-      </p:transition>
+    <mc:Fallback>
+      <p:transition/>
     </mc:Fallback>
   </mc:AlternateContent>
 </p:sld>
@@ -23496,11 +25652,10 @@
             </a:r>
           </a:p>
           <a:p>
-            <a:pPr lvl="1"/>
-            <a:r>
-              <a:rPr lang="en-US" dirty="0"/>
-              <a:t>Ex)</a:t>
-            </a:r>
+            <a:pPr marL="457200" lvl="1" indent="0">
+              <a:buNone/>
+            </a:pPr>
+            <a:endParaRPr lang="en-US" dirty="0"/>
           </a:p>
           <a:p>
             <a:pPr marL="0" indent="0">
@@ -25488,13 +27643,6 @@
             <a:r>
               <a:rPr lang="en-US" dirty="0"/>
               <a:t>Probability of possible events</a:t>
-            </a:r>
-          </a:p>
-          <a:p>
-            <a:pPr lvl="1"/>
-            <a:r>
-              <a:rPr lang="en-US" dirty="0"/>
-              <a:t>Ex)</a:t>
             </a:r>
           </a:p>
           <a:p>
@@ -28560,13 +30708,6 @@
             <a:r>
               <a:rPr lang="en-US" dirty="0"/>
               <a:t>Probability of possible events</a:t>
-            </a:r>
-          </a:p>
-          <a:p>
-            <a:pPr lvl="1"/>
-            <a:r>
-              <a:rPr lang="en-US" dirty="0"/>
-              <a:t>Ex)</a:t>
             </a:r>
           </a:p>
           <a:p>

--- a/report/OptimalFinalPresentation.pptx
+++ b/report/OptimalFinalPresentation.pptx
@@ -17,9 +17,9 @@
     <p:sldId id="262" r:id="rId5"/>
     <p:sldId id="282" r:id="rId6"/>
     <p:sldId id="274" r:id="rId7"/>
-    <p:sldId id="276" r:id="rId8"/>
-    <p:sldId id="278" r:id="rId9"/>
-    <p:sldId id="283" r:id="rId10"/>
+    <p:sldId id="278" r:id="rId8"/>
+    <p:sldId id="296" r:id="rId9"/>
+    <p:sldId id="295" r:id="rId10"/>
     <p:sldId id="263" r:id="rId11"/>
     <p:sldId id="273" r:id="rId12"/>
     <p:sldId id="279" r:id="rId13"/>
@@ -577,6 +577,67 @@
     </p:spTree>
     <p:extLst>
       <p:ext uri="{BB962C8B-B14F-4D97-AF65-F5344CB8AC3E}">
+        <p14:creationId xmlns:p14="http://schemas.microsoft.com/office/powerpoint/2010/main" val="2001646061"/>
+      </p:ext>
+    </p:extLst>
+  </p:cSld>
+  <p:clrMapOvr>
+    <a:masterClrMapping/>
+  </p:clrMapOvr>
+</p:notes>
+</file>
+
+<file path=ppt/notesSlides/notesSlide2.xml><?xml version="1.0" encoding="utf-8"?>
+<p:notes xmlns:a="http://schemas.openxmlformats.org/drawingml/2006/main" xmlns:r="http://schemas.openxmlformats.org/officeDocument/2006/relationships" xmlns:p="http://schemas.openxmlformats.org/presentationml/2006/main">
+  <p:cSld>
+    <p:spTree>
+      <p:nvGrpSpPr>
+        <p:cNvPr id="1" name=""/>
+        <p:cNvGrpSpPr/>
+        <p:nvPr/>
+      </p:nvGrpSpPr>
+      <p:grpSpPr>
+        <a:xfrm>
+          <a:off x="0" y="0"/>
+          <a:ext cx="0" cy="0"/>
+          <a:chOff x="0" y="0"/>
+          <a:chExt cx="0" cy="0"/>
+        </a:xfrm>
+      </p:grpSpPr>
+      <p:sp>
+        <p:nvSpPr>
+          <p:cNvPr id="2" name="Slide Image Placeholder 1"/>
+          <p:cNvSpPr>
+            <a:spLocks noGrp="1" noRot="1" noChangeAspect="1"/>
+          </p:cNvSpPr>
+          <p:nvPr>
+            <p:ph type="sldImg"/>
+          </p:nvPr>
+        </p:nvSpPr>
+        <p:spPr/>
+      </p:sp>
+      <p:sp>
+        <p:nvSpPr>
+          <p:cNvPr id="3" name="Notes Placeholder 2"/>
+          <p:cNvSpPr>
+            <a:spLocks noGrp="1"/>
+          </p:cNvSpPr>
+          <p:nvPr>
+            <p:ph type="body" idx="1"/>
+          </p:nvPr>
+        </p:nvSpPr>
+        <p:spPr/>
+        <p:txBody>
+          <a:bodyPr/>
+          <a:lstStyle/>
+          <a:p>
+            <a:endParaRPr lang="en-US" dirty="0"/>
+          </a:p>
+        </p:txBody>
+      </p:sp>
+    </p:spTree>
+    <p:extLst>
+      <p:ext uri="{BB962C8B-B14F-4D97-AF65-F5344CB8AC3E}">
         <p14:creationId xmlns:p14="http://schemas.microsoft.com/office/powerpoint/2010/main" val="256355981"/>
       </p:ext>
     </p:extLst>
@@ -587,7 +648,7 @@
 </p:notes>
 </file>
 
-<file path=ppt/notesSlides/notesSlide2.xml><?xml version="1.0" encoding="utf-8"?>
+<file path=ppt/notesSlides/notesSlide3.xml><?xml version="1.0" encoding="utf-8"?>
 <p:notes xmlns:a="http://schemas.openxmlformats.org/drawingml/2006/main" xmlns:r="http://schemas.openxmlformats.org/officeDocument/2006/relationships" xmlns:p="http://schemas.openxmlformats.org/presentationml/2006/main">
   <p:cSld>
     <p:spTree>
@@ -666,7 +727,7 @@
 </p:notes>
 </file>
 
-<file path=ppt/notesSlides/notesSlide3.xml><?xml version="1.0" encoding="utf-8"?>
+<file path=ppt/notesSlides/notesSlide4.xml><?xml version="1.0" encoding="utf-8"?>
 <p:notes xmlns:a="http://schemas.openxmlformats.org/drawingml/2006/main" xmlns:r="http://schemas.openxmlformats.org/officeDocument/2006/relationships" xmlns:p="http://schemas.openxmlformats.org/presentationml/2006/main">
   <p:cSld>
     <p:spTree>
@@ -745,7 +806,7 @@
 </p:notes>
 </file>
 
-<file path=ppt/notesSlides/notesSlide4.xml><?xml version="1.0" encoding="utf-8"?>
+<file path=ppt/notesSlides/notesSlide5.xml><?xml version="1.0" encoding="utf-8"?>
 <p:notes xmlns:a="http://schemas.openxmlformats.org/drawingml/2006/main" xmlns:r="http://schemas.openxmlformats.org/officeDocument/2006/relationships" xmlns:p="http://schemas.openxmlformats.org/presentationml/2006/main">
   <p:cSld>
     <p:spTree>
@@ -806,7 +867,7 @@
 </p:notes>
 </file>
 
-<file path=ppt/notesSlides/notesSlide5.xml><?xml version="1.0" encoding="utf-8"?>
+<file path=ppt/notesSlides/notesSlide6.xml><?xml version="1.0" encoding="utf-8"?>
 <p:notes xmlns:a="http://schemas.openxmlformats.org/drawingml/2006/main" xmlns:r="http://schemas.openxmlformats.org/officeDocument/2006/relationships" xmlns:p="http://schemas.openxmlformats.org/presentationml/2006/main">
   <p:cSld>
     <p:spTree>
@@ -885,7 +946,7 @@
 </p:notes>
 </file>
 
-<file path=ppt/notesSlides/notesSlide6.xml><?xml version="1.0" encoding="utf-8"?>
+<file path=ppt/notesSlides/notesSlide7.xml><?xml version="1.0" encoding="utf-8"?>
 <p:notes xmlns:a="http://schemas.openxmlformats.org/drawingml/2006/main" xmlns:r="http://schemas.openxmlformats.org/officeDocument/2006/relationships" xmlns:p="http://schemas.openxmlformats.org/presentationml/2006/main">
   <p:cSld>
     <p:spTree>
@@ -19694,11 +19755,17 @@
                         </m:acc>
                       </m:e>
                     </m:d>
+                    <m:r>
+                      <a:rPr lang="en-US" b="0" i="0" smtClean="0">
+                        <a:latin typeface="Cambria Math" panose="02040503050406030204" pitchFamily="18" charset="0"/>
+                      </a:rPr>
+                      <m:t>:</m:t>
+                    </m:r>
                   </m:oMath>
                 </a14:m>
                 <a:r>
                   <a:rPr lang="en-US" dirty="0"/>
-                  <a:t> - </a:t>
+                  <a:t> </a:t>
                 </a:r>
                 <a:r>
                   <a:rPr lang="en-US" i="1" dirty="0"/>
@@ -23529,13 +23596,8 @@
               <a:p>
                 <a:r>
                   <a:rPr lang="en-US" dirty="0"/>
-                  <a:t>Each trajectory’s designed IMM will be evaluated based on mode detection </a:t>
+                  <a:t>Each trajectory’s designed IMM will be evaluated based on mode detection and state error</a:t>
                 </a:r>
-                <a:r>
-                  <a:rPr lang="en-US"/>
-                  <a:t>and state error</a:t>
-                </a:r>
-                <a:endParaRPr lang="en-US" dirty="0"/>
               </a:p>
               <a:p>
                 <a:endParaRPr lang="en-US" dirty="0"/>
@@ -23967,8 +24029,8 @@
         </p:nvSpPr>
         <p:spPr>
           <a:xfrm>
-            <a:off x="358044" y="1341438"/>
-            <a:ext cx="8955289" cy="4911725"/>
+            <a:off x="358045" y="1341438"/>
+            <a:ext cx="11538832" cy="4911725"/>
           </a:xfrm>
         </p:spPr>
         <p:txBody>
@@ -23977,14 +24039,7 @@
           <a:p>
             <a:r>
               <a:rPr lang="en-US" dirty="0"/>
-              <a:t>Markov Chains</a:t>
-            </a:r>
-          </a:p>
-          <a:p>
-            <a:pPr lvl="1"/>
-            <a:r>
-              <a:rPr lang="en-US" dirty="0"/>
-              <a:t>Probability of possible events	</a:t>
+              <a:t>Markov Chain: Probability of the future state possibilities of a system based on current knowledge of the state	</a:t>
             </a:r>
           </a:p>
           <a:p>
@@ -24009,7 +24064,7 @@
         </p:nvGrpSpPr>
         <p:grpSpPr>
           <a:xfrm>
-            <a:off x="3161019" y="2288961"/>
+            <a:off x="3161019" y="2450962"/>
             <a:ext cx="5869962" cy="3773740"/>
             <a:chOff x="617794" y="2479339"/>
             <a:chExt cx="5869962" cy="3773740"/>
@@ -25540,2000 +25595,6 @@
         <p:cNvPr id="1" name="">
           <a:extLst>
             <a:ext uri="{FF2B5EF4-FFF2-40B4-BE49-F238E27FC236}">
-              <a16:creationId xmlns:a16="http://schemas.microsoft.com/office/drawing/2014/main" id="{7EFB2977-367A-2A96-DDDD-3B70FD37A1A0}"/>
-            </a:ext>
-          </a:extLst>
-        </p:cNvPr>
-        <p:cNvGrpSpPr/>
-        <p:nvPr/>
-      </p:nvGrpSpPr>
-      <p:grpSpPr>
-        <a:xfrm>
-          <a:off x="0" y="0"/>
-          <a:ext cx="0" cy="0"/>
-          <a:chOff x="0" y="0"/>
-          <a:chExt cx="0" cy="0"/>
-        </a:xfrm>
-      </p:grpSpPr>
-      <p:sp>
-        <p:nvSpPr>
-          <p:cNvPr id="2" name="Title 1">
-            <a:extLst>
-              <a:ext uri="{FF2B5EF4-FFF2-40B4-BE49-F238E27FC236}">
-                <a16:creationId xmlns:a16="http://schemas.microsoft.com/office/drawing/2014/main" id="{92378747-C739-C656-59FB-50AD32BD5512}"/>
-              </a:ext>
-            </a:extLst>
-          </p:cNvPr>
-          <p:cNvSpPr>
-            <a:spLocks noGrp="1"/>
-          </p:cNvSpPr>
-          <p:nvPr>
-            <p:ph type="title"/>
-          </p:nvPr>
-        </p:nvSpPr>
-        <p:spPr/>
-        <p:txBody>
-          <a:bodyPr/>
-          <a:lstStyle/>
-          <a:p>
-            <a:r>
-              <a:rPr lang="en-US" dirty="0"/>
-              <a:t>Basics Of Interacting Multiple Model</a:t>
-            </a:r>
-          </a:p>
-        </p:txBody>
-      </p:sp>
-      <p:sp>
-        <p:nvSpPr>
-          <p:cNvPr id="3" name="Slide Number Placeholder 2">
-            <a:extLst>
-              <a:ext uri="{FF2B5EF4-FFF2-40B4-BE49-F238E27FC236}">
-                <a16:creationId xmlns:a16="http://schemas.microsoft.com/office/drawing/2014/main" id="{223CD91B-E95C-5495-C781-7D9E7B69F2C4}"/>
-              </a:ext>
-            </a:extLst>
-          </p:cNvPr>
-          <p:cNvSpPr>
-            <a:spLocks noGrp="1"/>
-          </p:cNvSpPr>
-          <p:nvPr>
-            <p:ph type="sldNum" sz="quarter" idx="10"/>
-          </p:nvPr>
-        </p:nvSpPr>
-        <p:spPr/>
-        <p:txBody>
-          <a:bodyPr/>
-          <a:lstStyle/>
-          <a:p>
-            <a:fld id="{CAC3FE34-2808-40E6-BEA2-B7CA77D47CA5}" type="slidenum">
-              <a:rPr lang="en-US" smtClean="0"/>
-              <a:pPr/>
-              <a:t>7</a:t>
-            </a:fld>
-            <a:endParaRPr lang="en-US" dirty="0"/>
-          </a:p>
-        </p:txBody>
-      </p:sp>
-      <p:sp>
-        <p:nvSpPr>
-          <p:cNvPr id="4" name="Text Placeholder 3">
-            <a:extLst>
-              <a:ext uri="{FF2B5EF4-FFF2-40B4-BE49-F238E27FC236}">
-                <a16:creationId xmlns:a16="http://schemas.microsoft.com/office/drawing/2014/main" id="{3E2E67AA-D03C-DC21-5FAE-A009C2E44164}"/>
-              </a:ext>
-            </a:extLst>
-          </p:cNvPr>
-          <p:cNvSpPr>
-            <a:spLocks noGrp="1"/>
-          </p:cNvSpPr>
-          <p:nvPr>
-            <p:ph type="body" sz="quarter" idx="11"/>
-          </p:nvPr>
-        </p:nvSpPr>
-        <p:spPr>
-          <a:xfrm>
-            <a:off x="358044" y="1341438"/>
-            <a:ext cx="8955289" cy="4911725"/>
-          </a:xfrm>
-        </p:spPr>
-        <p:txBody>
-          <a:bodyPr/>
-          <a:lstStyle/>
-          <a:p>
-            <a:r>
-              <a:rPr lang="en-US" dirty="0"/>
-              <a:t>Markov Chains</a:t>
-            </a:r>
-          </a:p>
-          <a:p>
-            <a:pPr lvl="1"/>
-            <a:r>
-              <a:rPr lang="en-US" dirty="0"/>
-              <a:t>Probability of possible events</a:t>
-            </a:r>
-          </a:p>
-          <a:p>
-            <a:pPr marL="457200" lvl="1" indent="0">
-              <a:buNone/>
-            </a:pPr>
-            <a:endParaRPr lang="en-US" dirty="0"/>
-          </a:p>
-          <a:p>
-            <a:pPr marL="0" indent="0">
-              <a:buNone/>
-            </a:pPr>
-            <a:r>
-              <a:rPr lang="en-US" dirty="0"/>
-              <a:t>		</a:t>
-            </a:r>
-          </a:p>
-          <a:p>
-            <a:endParaRPr lang="en-US" dirty="0"/>
-          </a:p>
-          <a:p>
-            <a:endParaRPr lang="en-US" sz="2400" dirty="0"/>
-          </a:p>
-        </p:txBody>
-      </p:sp>
-      <p:grpSp>
-        <p:nvGrpSpPr>
-          <p:cNvPr id="96" name="Group 95">
-            <a:extLst>
-              <a:ext uri="{FF2B5EF4-FFF2-40B4-BE49-F238E27FC236}">
-                <a16:creationId xmlns:a16="http://schemas.microsoft.com/office/drawing/2014/main" id="{062EA391-6FDD-8F52-BE2E-6C2244031936}"/>
-              </a:ext>
-            </a:extLst>
-          </p:cNvPr>
-          <p:cNvGrpSpPr/>
-          <p:nvPr/>
-        </p:nvGrpSpPr>
-        <p:grpSpPr>
-          <a:xfrm>
-            <a:off x="4830005" y="1950294"/>
-            <a:ext cx="5869962" cy="3773740"/>
-            <a:chOff x="617794" y="2479339"/>
-            <a:chExt cx="5869962" cy="3773740"/>
-          </a:xfrm>
-        </p:grpSpPr>
-        <p:sp>
-          <p:nvSpPr>
-            <p:cNvPr id="5" name="Oval 4">
-              <a:extLst>
-                <a:ext uri="{FF2B5EF4-FFF2-40B4-BE49-F238E27FC236}">
-                  <a16:creationId xmlns:a16="http://schemas.microsoft.com/office/drawing/2014/main" id="{9E2771ED-B5CD-9720-25C6-A71D1E4F4EE4}"/>
-                </a:ext>
-              </a:extLst>
-            </p:cNvPr>
-            <p:cNvSpPr/>
-            <p:nvPr/>
-          </p:nvSpPr>
-          <p:spPr>
-            <a:xfrm>
-              <a:off x="2878740" y="2985689"/>
-              <a:ext cx="1371600" cy="1371600"/>
-            </a:xfrm>
-            <a:prstGeom prst="ellipse">
-              <a:avLst/>
-            </a:prstGeom>
-            <a:noFill/>
-            <a:ln w="12700" cap="flat">
-              <a:solidFill>
-                <a:schemeClr val="tx1"/>
-              </a:solidFill>
-              <a:miter lim="400000"/>
-            </a:ln>
-            <a:effectLst>
-              <a:outerShdw blurRad="38100" dist="25400" dir="5400000" rotWithShape="0">
-                <a:srgbClr val="000000">
-                  <a:alpha val="50000"/>
-                </a:srgbClr>
-              </a:outerShdw>
-            </a:effectLst>
-          </p:spPr>
-          <p:style>
-            <a:lnRef idx="0">
-              <a:scrgbClr r="0" g="0" b="0"/>
-            </a:lnRef>
-            <a:fillRef idx="0">
-              <a:scrgbClr r="0" g="0" b="0"/>
-            </a:fillRef>
-            <a:effectRef idx="0">
-              <a:scrgbClr r="0" g="0" b="0"/>
-            </a:effectRef>
-            <a:fontRef idx="none"/>
-          </p:style>
-          <p:txBody>
-            <a:bodyPr rot="0" spcFirstLastPara="1" vertOverflow="overflow" horzOverflow="overflow" vert="horz" wrap="square" lIns="50800" tIns="50800" rIns="50800" bIns="50800" numCol="1" spcCol="38100" rtlCol="0" anchor="ctr">
-              <a:spAutoFit/>
-            </a:bodyPr>
-            <a:lstStyle/>
-            <a:p>
-              <a:pPr marL="0" marR="0" indent="0" algn="ctr" defTabSz="584200" rtl="0" fontAlgn="auto" latinLnBrk="1" hangingPunct="0">
-                <a:lnSpc>
-                  <a:spcPct val="100000"/>
-                </a:lnSpc>
-                <a:spcBef>
-                  <a:spcPts val="0"/>
-                </a:spcBef>
-                <a:spcAft>
-                  <a:spcPts val="0"/>
-                </a:spcAft>
-                <a:buClr>
-                  <a:srgbClr val="000000"/>
-                </a:buClr>
-                <a:buSzTx/>
-                <a:buFont typeface="Calibri"/>
-                <a:buNone/>
-                <a:tabLst/>
-              </a:pPr>
-              <a:r>
-                <a:rPr lang="en-US" sz="2800" dirty="0">
-                  <a:solidFill>
-                    <a:schemeClr val="accent5"/>
-                  </a:solidFill>
-                  <a:uFillTx/>
-                </a:rPr>
-                <a:t>Walk</a:t>
-              </a:r>
-              <a:endParaRPr kumimoji="0" lang="en-US" sz="2800" i="0" u="none" strike="noStrike" cap="none" spc="0" normalizeH="0" baseline="0" dirty="0">
-                <a:ln>
-                  <a:noFill/>
-                </a:ln>
-                <a:solidFill>
-                  <a:schemeClr val="accent5"/>
-                </a:solidFill>
-                <a:uFillTx/>
-                <a:sym typeface="Calibri"/>
-              </a:endParaRPr>
-            </a:p>
-          </p:txBody>
-        </p:sp>
-        <p:sp>
-          <p:nvSpPr>
-            <p:cNvPr id="6" name="Oval 5">
-              <a:extLst>
-                <a:ext uri="{FF2B5EF4-FFF2-40B4-BE49-F238E27FC236}">
-                  <a16:creationId xmlns:a16="http://schemas.microsoft.com/office/drawing/2014/main" id="{2B928FE7-0524-68D2-F3F6-849D65DE1C6B}"/>
-                </a:ext>
-              </a:extLst>
-            </p:cNvPr>
-            <p:cNvSpPr/>
-            <p:nvPr/>
-          </p:nvSpPr>
-          <p:spPr>
-            <a:xfrm>
-              <a:off x="1367094" y="4557121"/>
-              <a:ext cx="1371600" cy="1371600"/>
-            </a:xfrm>
-            <a:prstGeom prst="ellipse">
-              <a:avLst/>
-            </a:prstGeom>
-            <a:noFill/>
-            <a:ln w="12700" cap="flat">
-              <a:solidFill>
-                <a:schemeClr val="tx1"/>
-              </a:solidFill>
-              <a:miter lim="400000"/>
-            </a:ln>
-            <a:effectLst>
-              <a:outerShdw blurRad="38100" dist="25400" dir="5400000" rotWithShape="0">
-                <a:srgbClr val="000000">
-                  <a:alpha val="50000"/>
-                </a:srgbClr>
-              </a:outerShdw>
-            </a:effectLst>
-          </p:spPr>
-          <p:style>
-            <a:lnRef idx="0">
-              <a:scrgbClr r="0" g="0" b="0"/>
-            </a:lnRef>
-            <a:fillRef idx="0">
-              <a:scrgbClr r="0" g="0" b="0"/>
-            </a:fillRef>
-            <a:effectRef idx="0">
-              <a:scrgbClr r="0" g="0" b="0"/>
-            </a:effectRef>
-            <a:fontRef idx="none"/>
-          </p:style>
-          <p:txBody>
-            <a:bodyPr rot="0" spcFirstLastPara="1" vertOverflow="overflow" horzOverflow="overflow" vert="horz" wrap="square" lIns="50800" tIns="50800" rIns="50800" bIns="50800" numCol="1" spcCol="38100" rtlCol="0" anchor="ctr">
-              <a:spAutoFit/>
-            </a:bodyPr>
-            <a:lstStyle/>
-            <a:p>
-              <a:pPr marL="0" marR="0" indent="0" algn="ctr" defTabSz="584200" rtl="0" fontAlgn="auto" latinLnBrk="1" hangingPunct="0">
-                <a:lnSpc>
-                  <a:spcPct val="100000"/>
-                </a:lnSpc>
-                <a:spcBef>
-                  <a:spcPts val="0"/>
-                </a:spcBef>
-                <a:spcAft>
-                  <a:spcPts val="0"/>
-                </a:spcAft>
-                <a:buClr>
-                  <a:srgbClr val="000000"/>
-                </a:buClr>
-                <a:buSzTx/>
-                <a:buFont typeface="Calibri"/>
-                <a:buNone/>
-                <a:tabLst/>
-              </a:pPr>
-              <a:r>
-                <a:rPr kumimoji="0" lang="en-US" sz="2800" i="0" u="none" strike="noStrike" normalizeH="0" baseline="0" dirty="0">
-                  <a:solidFill>
-                    <a:schemeClr val="accent5"/>
-                  </a:solidFill>
-                  <a:uFillTx/>
-                  <a:latin typeface="+mn-lt"/>
-                  <a:ea typeface="+mn-ea"/>
-                  <a:cs typeface="+mn-cs"/>
-                  <a:sym typeface="Calibri"/>
-                </a:rPr>
-                <a:t>Stop</a:t>
-              </a:r>
-            </a:p>
-          </p:txBody>
-        </p:sp>
-        <p:sp>
-          <p:nvSpPr>
-            <p:cNvPr id="7" name="Oval 6">
-              <a:extLst>
-                <a:ext uri="{FF2B5EF4-FFF2-40B4-BE49-F238E27FC236}">
-                  <a16:creationId xmlns:a16="http://schemas.microsoft.com/office/drawing/2014/main" id="{0CA9586C-8092-7A45-68E1-24C2BC4ABAD9}"/>
-                </a:ext>
-              </a:extLst>
-            </p:cNvPr>
-            <p:cNvSpPr/>
-            <p:nvPr/>
-          </p:nvSpPr>
-          <p:spPr>
-            <a:xfrm>
-              <a:off x="4436496" y="4557121"/>
-              <a:ext cx="1371600" cy="1371600"/>
-            </a:xfrm>
-            <a:prstGeom prst="ellipse">
-              <a:avLst/>
-            </a:prstGeom>
-            <a:noFill/>
-            <a:ln w="12700" cap="flat">
-              <a:solidFill>
-                <a:schemeClr val="tx1"/>
-              </a:solidFill>
-              <a:miter lim="400000"/>
-            </a:ln>
-            <a:effectLst>
-              <a:outerShdw blurRad="38100" dist="25400" dir="5400000" rotWithShape="0">
-                <a:srgbClr val="000000">
-                  <a:alpha val="50000"/>
-                </a:srgbClr>
-              </a:outerShdw>
-            </a:effectLst>
-          </p:spPr>
-          <p:style>
-            <a:lnRef idx="0">
-              <a:scrgbClr r="0" g="0" b="0"/>
-            </a:lnRef>
-            <a:fillRef idx="0">
-              <a:scrgbClr r="0" g="0" b="0"/>
-            </a:fillRef>
-            <a:effectRef idx="0">
-              <a:scrgbClr r="0" g="0" b="0"/>
-            </a:effectRef>
-            <a:fontRef idx="none"/>
-          </p:style>
-          <p:txBody>
-            <a:bodyPr rot="0" spcFirstLastPara="1" vertOverflow="overflow" horzOverflow="overflow" vert="horz" wrap="square" lIns="50800" tIns="50800" rIns="50800" bIns="50800" numCol="1" spcCol="38100" rtlCol="0" anchor="ctr">
-              <a:spAutoFit/>
-            </a:bodyPr>
-            <a:lstStyle/>
-            <a:p>
-              <a:pPr marL="0" marR="0" indent="0" algn="ctr" defTabSz="584200" rtl="0" fontAlgn="auto" latinLnBrk="1" hangingPunct="0">
-                <a:lnSpc>
-                  <a:spcPct val="100000"/>
-                </a:lnSpc>
-                <a:spcBef>
-                  <a:spcPts val="0"/>
-                </a:spcBef>
-                <a:spcAft>
-                  <a:spcPts val="0"/>
-                </a:spcAft>
-                <a:buClr>
-                  <a:srgbClr val="000000"/>
-                </a:buClr>
-                <a:buSzTx/>
-                <a:buFont typeface="Calibri"/>
-                <a:buNone/>
-                <a:tabLst/>
-              </a:pPr>
-              <a:r>
-                <a:rPr lang="en-US" sz="2800" dirty="0">
-                  <a:solidFill>
-                    <a:schemeClr val="accent5"/>
-                  </a:solidFill>
-                  <a:uFillTx/>
-                </a:rPr>
-                <a:t>Run</a:t>
-              </a:r>
-              <a:endParaRPr kumimoji="0" lang="en-US" sz="2800" i="0" u="none" strike="noStrike" cap="none" spc="0" normalizeH="0" baseline="0" dirty="0">
-                <a:ln>
-                  <a:noFill/>
-                </a:ln>
-                <a:solidFill>
-                  <a:schemeClr val="accent5"/>
-                </a:solidFill>
-                <a:uFillTx/>
-                <a:sym typeface="Calibri"/>
-              </a:endParaRPr>
-            </a:p>
-          </p:txBody>
-        </p:sp>
-        <p:cxnSp>
-          <p:nvCxnSpPr>
-            <p:cNvPr id="19" name="Straight Arrow Connector 18">
-              <a:extLst>
-                <a:ext uri="{FF2B5EF4-FFF2-40B4-BE49-F238E27FC236}">
-                  <a16:creationId xmlns:a16="http://schemas.microsoft.com/office/drawing/2014/main" id="{AC7C1FA8-41F5-91D3-2498-3ADD116261C8}"/>
-                </a:ext>
-              </a:extLst>
-            </p:cNvPr>
-            <p:cNvCxnSpPr>
-              <a:cxnSpLocks/>
-              <a:stCxn id="6" idx="7"/>
-              <a:endCxn id="5" idx="3"/>
-            </p:cNvCxnSpPr>
-            <p:nvPr/>
-          </p:nvCxnSpPr>
-          <p:spPr>
-            <a:xfrm flipV="1">
-              <a:off x="2537828" y="4156423"/>
-              <a:ext cx="541778" cy="601564"/>
-            </a:xfrm>
-            <a:prstGeom prst="straightConnector1">
-              <a:avLst/>
-            </a:prstGeom>
-            <a:noFill/>
-            <a:ln w="38100" cap="flat">
-              <a:solidFill>
-                <a:srgbClr val="000000"/>
-              </a:solidFill>
-              <a:prstDash val="solid"/>
-              <a:miter lim="400000"/>
-              <a:tailEnd type="triangle"/>
-            </a:ln>
-            <a:effectLst/>
-          </p:spPr>
-          <p:style>
-            <a:lnRef idx="0">
-              <a:scrgbClr r="0" g="0" b="0"/>
-            </a:lnRef>
-            <a:fillRef idx="0">
-              <a:scrgbClr r="0" g="0" b="0"/>
-            </a:fillRef>
-            <a:effectRef idx="0">
-              <a:scrgbClr r="0" g="0" b="0"/>
-            </a:effectRef>
-            <a:fontRef idx="none"/>
-          </p:style>
-        </p:cxnSp>
-        <p:cxnSp>
-          <p:nvCxnSpPr>
-            <p:cNvPr id="21" name="Straight Arrow Connector 20">
-              <a:extLst>
-                <a:ext uri="{FF2B5EF4-FFF2-40B4-BE49-F238E27FC236}">
-                  <a16:creationId xmlns:a16="http://schemas.microsoft.com/office/drawing/2014/main" id="{975B925E-5A7F-E21C-1A0B-5905C2157E56}"/>
-                </a:ext>
-              </a:extLst>
-            </p:cNvPr>
-            <p:cNvCxnSpPr>
-              <a:cxnSpLocks/>
-              <a:stCxn id="5" idx="2"/>
-              <a:endCxn id="6" idx="0"/>
-            </p:cNvCxnSpPr>
-            <p:nvPr/>
-          </p:nvCxnSpPr>
-          <p:spPr>
-            <a:xfrm flipH="1">
-              <a:off x="2052894" y="3671489"/>
-              <a:ext cx="825846" cy="885632"/>
-            </a:xfrm>
-            <a:prstGeom prst="straightConnector1">
-              <a:avLst/>
-            </a:prstGeom>
-            <a:noFill/>
-            <a:ln w="38100" cap="flat">
-              <a:solidFill>
-                <a:srgbClr val="000000"/>
-              </a:solidFill>
-              <a:prstDash val="solid"/>
-              <a:miter lim="400000"/>
-              <a:tailEnd type="triangle"/>
-            </a:ln>
-            <a:effectLst/>
-          </p:spPr>
-          <p:style>
-            <a:lnRef idx="0">
-              <a:scrgbClr r="0" g="0" b="0"/>
-            </a:lnRef>
-            <a:fillRef idx="0">
-              <a:scrgbClr r="0" g="0" b="0"/>
-            </a:fillRef>
-            <a:effectRef idx="0">
-              <a:scrgbClr r="0" g="0" b="0"/>
-            </a:effectRef>
-            <a:fontRef idx="none"/>
-          </p:style>
-        </p:cxnSp>
-        <p:cxnSp>
-          <p:nvCxnSpPr>
-            <p:cNvPr id="22" name="Straight Arrow Connector 21">
-              <a:extLst>
-                <a:ext uri="{FF2B5EF4-FFF2-40B4-BE49-F238E27FC236}">
-                  <a16:creationId xmlns:a16="http://schemas.microsoft.com/office/drawing/2014/main" id="{8D802FB6-4105-B61A-33E7-FE53B3CA6D15}"/>
-                </a:ext>
-              </a:extLst>
-            </p:cNvPr>
-            <p:cNvCxnSpPr>
-              <a:cxnSpLocks/>
-              <a:stCxn id="5" idx="5"/>
-              <a:endCxn id="7" idx="1"/>
-            </p:cNvCxnSpPr>
-            <p:nvPr/>
-          </p:nvCxnSpPr>
-          <p:spPr>
-            <a:xfrm>
-              <a:off x="4049474" y="4156423"/>
-              <a:ext cx="587888" cy="601564"/>
-            </a:xfrm>
-            <a:prstGeom prst="straightConnector1">
-              <a:avLst/>
-            </a:prstGeom>
-            <a:noFill/>
-            <a:ln w="38100" cap="flat">
-              <a:solidFill>
-                <a:srgbClr val="000000"/>
-              </a:solidFill>
-              <a:prstDash val="solid"/>
-              <a:miter lim="400000"/>
-              <a:tailEnd type="triangle"/>
-            </a:ln>
-            <a:effectLst/>
-          </p:spPr>
-          <p:style>
-            <a:lnRef idx="0">
-              <a:scrgbClr r="0" g="0" b="0"/>
-            </a:lnRef>
-            <a:fillRef idx="0">
-              <a:scrgbClr r="0" g="0" b="0"/>
-            </a:fillRef>
-            <a:effectRef idx="0">
-              <a:scrgbClr r="0" g="0" b="0"/>
-            </a:effectRef>
-            <a:fontRef idx="none"/>
-          </p:style>
-        </p:cxnSp>
-        <p:cxnSp>
-          <p:nvCxnSpPr>
-            <p:cNvPr id="24" name="Straight Arrow Connector 23">
-              <a:extLst>
-                <a:ext uri="{FF2B5EF4-FFF2-40B4-BE49-F238E27FC236}">
-                  <a16:creationId xmlns:a16="http://schemas.microsoft.com/office/drawing/2014/main" id="{2261D7DE-223D-63AD-C73E-353645A5F96E}"/>
-                </a:ext>
-              </a:extLst>
-            </p:cNvPr>
-            <p:cNvCxnSpPr>
-              <a:cxnSpLocks/>
-              <a:stCxn id="7" idx="0"/>
-            </p:cNvCxnSpPr>
-            <p:nvPr/>
-          </p:nvCxnSpPr>
-          <p:spPr>
-            <a:xfrm flipH="1" flipV="1">
-              <a:off x="4250340" y="3679349"/>
-              <a:ext cx="871956" cy="877772"/>
-            </a:xfrm>
-            <a:prstGeom prst="straightConnector1">
-              <a:avLst/>
-            </a:prstGeom>
-            <a:noFill/>
-            <a:ln w="38100" cap="flat">
-              <a:solidFill>
-                <a:srgbClr val="000000"/>
-              </a:solidFill>
-              <a:prstDash val="solid"/>
-              <a:miter lim="400000"/>
-              <a:tailEnd type="triangle"/>
-            </a:ln>
-            <a:effectLst/>
-          </p:spPr>
-          <p:style>
-            <a:lnRef idx="0">
-              <a:scrgbClr r="0" g="0" b="0"/>
-            </a:lnRef>
-            <a:fillRef idx="0">
-              <a:scrgbClr r="0" g="0" b="0"/>
-            </a:fillRef>
-            <a:effectRef idx="0">
-              <a:scrgbClr r="0" g="0" b="0"/>
-            </a:effectRef>
-            <a:fontRef idx="none"/>
-          </p:style>
-        </p:cxnSp>
-        <p:cxnSp>
-          <p:nvCxnSpPr>
-            <p:cNvPr id="30" name="Straight Arrow Connector 29">
-              <a:extLst>
-                <a:ext uri="{FF2B5EF4-FFF2-40B4-BE49-F238E27FC236}">
-                  <a16:creationId xmlns:a16="http://schemas.microsoft.com/office/drawing/2014/main" id="{1EDAC1AE-355C-E47D-3F7A-018384B82B76}"/>
-                </a:ext>
-              </a:extLst>
-            </p:cNvPr>
-            <p:cNvCxnSpPr>
-              <a:cxnSpLocks/>
-              <a:stCxn id="7" idx="2"/>
-              <a:endCxn id="6" idx="6"/>
-            </p:cNvCxnSpPr>
-            <p:nvPr/>
-          </p:nvCxnSpPr>
-          <p:spPr>
-            <a:xfrm flipH="1">
-              <a:off x="2738694" y="5242921"/>
-              <a:ext cx="1697802" cy="0"/>
-            </a:xfrm>
-            <a:prstGeom prst="straightConnector1">
-              <a:avLst/>
-            </a:prstGeom>
-            <a:noFill/>
-            <a:ln w="38100" cap="flat">
-              <a:solidFill>
-                <a:srgbClr val="000000"/>
-              </a:solidFill>
-              <a:prstDash val="solid"/>
-              <a:miter lim="400000"/>
-              <a:tailEnd type="triangle"/>
-            </a:ln>
-            <a:effectLst/>
-          </p:spPr>
-          <p:style>
-            <a:lnRef idx="0">
-              <a:scrgbClr r="0" g="0" b="0"/>
-            </a:lnRef>
-            <a:fillRef idx="0">
-              <a:scrgbClr r="0" g="0" b="0"/>
-            </a:fillRef>
-            <a:effectRef idx="0">
-              <a:scrgbClr r="0" g="0" b="0"/>
-            </a:effectRef>
-            <a:fontRef idx="none"/>
-          </p:style>
-        </p:cxnSp>
-        <p:cxnSp>
-          <p:nvCxnSpPr>
-            <p:cNvPr id="33" name="Straight Arrow Connector 32">
-              <a:extLst>
-                <a:ext uri="{FF2B5EF4-FFF2-40B4-BE49-F238E27FC236}">
-                  <a16:creationId xmlns:a16="http://schemas.microsoft.com/office/drawing/2014/main" id="{120BDE27-1FCC-D9F1-F7F3-D7F2CCE19B03}"/>
-                </a:ext>
-              </a:extLst>
-            </p:cNvPr>
-            <p:cNvCxnSpPr>
-              <a:cxnSpLocks/>
-              <a:stCxn id="6" idx="5"/>
-              <a:endCxn id="7" idx="3"/>
-            </p:cNvCxnSpPr>
-            <p:nvPr/>
-          </p:nvCxnSpPr>
-          <p:spPr>
-            <a:xfrm>
-              <a:off x="2537828" y="5727855"/>
-              <a:ext cx="2099534" cy="0"/>
-            </a:xfrm>
-            <a:prstGeom prst="straightConnector1">
-              <a:avLst/>
-            </a:prstGeom>
-            <a:noFill/>
-            <a:ln w="38100" cap="flat">
-              <a:solidFill>
-                <a:srgbClr val="000000"/>
-              </a:solidFill>
-              <a:prstDash val="solid"/>
-              <a:miter lim="400000"/>
-              <a:tailEnd type="triangle"/>
-            </a:ln>
-            <a:effectLst/>
-          </p:spPr>
-          <p:style>
-            <a:lnRef idx="0">
-              <a:scrgbClr r="0" g="0" b="0"/>
-            </a:lnRef>
-            <a:fillRef idx="0">
-              <a:scrgbClr r="0" g="0" b="0"/>
-            </a:fillRef>
-            <a:effectRef idx="0">
-              <a:scrgbClr r="0" g="0" b="0"/>
-            </a:effectRef>
-            <a:fontRef idx="none"/>
-          </p:style>
-        </p:cxnSp>
-        <p:cxnSp>
-          <p:nvCxnSpPr>
-            <p:cNvPr id="77" name="Connector: Curved 76">
-              <a:extLst>
-                <a:ext uri="{FF2B5EF4-FFF2-40B4-BE49-F238E27FC236}">
-                  <a16:creationId xmlns:a16="http://schemas.microsoft.com/office/drawing/2014/main" id="{69DD510B-93A8-C617-9F3E-2C5302C84935}"/>
-                </a:ext>
-              </a:extLst>
-            </p:cNvPr>
-            <p:cNvCxnSpPr>
-              <a:cxnSpLocks/>
-              <a:stCxn id="7" idx="6"/>
-              <a:endCxn id="7" idx="4"/>
-            </p:cNvCxnSpPr>
-            <p:nvPr/>
-          </p:nvCxnSpPr>
-          <p:spPr>
-            <a:xfrm flipH="1">
-              <a:off x="5122296" y="5242921"/>
-              <a:ext cx="685800" cy="685800"/>
-            </a:xfrm>
-            <a:prstGeom prst="curvedConnector4">
-              <a:avLst>
-                <a:gd name="adj1" fmla="val -33333"/>
-                <a:gd name="adj2" fmla="val 133333"/>
-              </a:avLst>
-            </a:prstGeom>
-            <a:noFill/>
-            <a:ln w="38100" cap="flat">
-              <a:solidFill>
-                <a:srgbClr val="000000"/>
-              </a:solidFill>
-              <a:prstDash val="solid"/>
-              <a:miter lim="400000"/>
-              <a:tailEnd type="triangle"/>
-            </a:ln>
-            <a:effectLst/>
-          </p:spPr>
-          <p:style>
-            <a:lnRef idx="0">
-              <a:scrgbClr r="0" g="0" b="0"/>
-            </a:lnRef>
-            <a:fillRef idx="0">
-              <a:scrgbClr r="0" g="0" b="0"/>
-            </a:fillRef>
-            <a:effectRef idx="0">
-              <a:scrgbClr r="0" g="0" b="0"/>
-            </a:effectRef>
-            <a:fontRef idx="none"/>
-          </p:style>
-        </p:cxnSp>
-        <p:cxnSp>
-          <p:nvCxnSpPr>
-            <p:cNvPr id="80" name="Connector: Curved 79">
-              <a:extLst>
-                <a:ext uri="{FF2B5EF4-FFF2-40B4-BE49-F238E27FC236}">
-                  <a16:creationId xmlns:a16="http://schemas.microsoft.com/office/drawing/2014/main" id="{BC1EDCB0-0602-0455-26DD-CD654F164BDF}"/>
-                </a:ext>
-              </a:extLst>
-            </p:cNvPr>
-            <p:cNvCxnSpPr>
-              <a:cxnSpLocks/>
-              <a:stCxn id="6" idx="4"/>
-              <a:endCxn id="6" idx="2"/>
-            </p:cNvCxnSpPr>
-            <p:nvPr/>
-          </p:nvCxnSpPr>
-          <p:spPr>
-            <a:xfrm rot="5400000" flipH="1">
-              <a:off x="1367094" y="5242921"/>
-              <a:ext cx="685800" cy="685800"/>
-            </a:xfrm>
-            <a:prstGeom prst="curvedConnector4">
-              <a:avLst>
-                <a:gd name="adj1" fmla="val -33333"/>
-                <a:gd name="adj2" fmla="val 133333"/>
-              </a:avLst>
-            </a:prstGeom>
-            <a:noFill/>
-            <a:ln w="38100" cap="flat">
-              <a:solidFill>
-                <a:srgbClr val="000000"/>
-              </a:solidFill>
-              <a:prstDash val="solid"/>
-              <a:miter lim="400000"/>
-              <a:tailEnd type="triangle"/>
-            </a:ln>
-            <a:effectLst/>
-          </p:spPr>
-          <p:style>
-            <a:lnRef idx="0">
-              <a:scrgbClr r="0" g="0" b="0"/>
-            </a:lnRef>
-            <a:fillRef idx="0">
-              <a:scrgbClr r="0" g="0" b="0"/>
-            </a:fillRef>
-            <a:effectRef idx="0">
-              <a:scrgbClr r="0" g="0" b="0"/>
-            </a:effectRef>
-            <a:fontRef idx="none"/>
-          </p:style>
-        </p:cxnSp>
-        <p:cxnSp>
-          <p:nvCxnSpPr>
-            <p:cNvPr id="83" name="Connector: Curved 82">
-              <a:extLst>
-                <a:ext uri="{FF2B5EF4-FFF2-40B4-BE49-F238E27FC236}">
-                  <a16:creationId xmlns:a16="http://schemas.microsoft.com/office/drawing/2014/main" id="{82314129-FB09-29EA-2FA0-148D3D99A2A6}"/>
-                </a:ext>
-              </a:extLst>
-            </p:cNvPr>
-            <p:cNvCxnSpPr>
-              <a:cxnSpLocks/>
-              <a:stCxn id="5" idx="1"/>
-              <a:endCxn id="5" idx="7"/>
-            </p:cNvCxnSpPr>
-            <p:nvPr/>
-          </p:nvCxnSpPr>
-          <p:spPr>
-            <a:xfrm rot="5400000" flipH="1" flipV="1">
-              <a:off x="3564540" y="2701621"/>
-              <a:ext cx="12700" cy="969868"/>
-            </a:xfrm>
-            <a:prstGeom prst="curvedConnector3">
-              <a:avLst>
-                <a:gd name="adj1" fmla="val 4914961"/>
-              </a:avLst>
-            </a:prstGeom>
-            <a:noFill/>
-            <a:ln w="38100" cap="flat">
-              <a:solidFill>
-                <a:srgbClr val="000000"/>
-              </a:solidFill>
-              <a:prstDash val="solid"/>
-              <a:miter lim="400000"/>
-              <a:tailEnd type="triangle"/>
-            </a:ln>
-            <a:effectLst/>
-          </p:spPr>
-          <p:style>
-            <a:lnRef idx="0">
-              <a:scrgbClr r="0" g="0" b="0"/>
-            </a:lnRef>
-            <a:fillRef idx="0">
-              <a:scrgbClr r="0" g="0" b="0"/>
-            </a:fillRef>
-            <a:effectRef idx="0">
-              <a:scrgbClr r="0" g="0" b="0"/>
-            </a:effectRef>
-            <a:fontRef idx="none"/>
-          </p:style>
-        </p:cxnSp>
-        <p:sp>
-          <p:nvSpPr>
-            <p:cNvPr id="87" name="TextBox 86">
-              <a:extLst>
-                <a:ext uri="{FF2B5EF4-FFF2-40B4-BE49-F238E27FC236}">
-                  <a16:creationId xmlns:a16="http://schemas.microsoft.com/office/drawing/2014/main" id="{3B337252-706A-45FB-B48E-E3DDB0C18D94}"/>
-                </a:ext>
-              </a:extLst>
-            </p:cNvPr>
-            <p:cNvSpPr txBox="1"/>
-            <p:nvPr/>
-          </p:nvSpPr>
-          <p:spPr>
-            <a:xfrm>
-              <a:off x="617794" y="5831466"/>
-              <a:ext cx="624597" cy="379591"/>
-            </a:xfrm>
-            <a:prstGeom prst="rect">
-              <a:avLst/>
-            </a:prstGeom>
-            <a:noFill/>
-            <a:ln w="12700" cap="flat">
-              <a:noFill/>
-              <a:miter lim="400000"/>
-            </a:ln>
-            <a:effectLst/>
-          </p:spPr>
-          <p:style>
-            <a:lnRef idx="0">
-              <a:scrgbClr r="0" g="0" b="0"/>
-            </a:lnRef>
-            <a:fillRef idx="0">
-              <a:scrgbClr r="0" g="0" b="0"/>
-            </a:fillRef>
-            <a:effectRef idx="0">
-              <a:scrgbClr r="0" g="0" b="0"/>
-            </a:effectRef>
-            <a:fontRef idx="none"/>
-          </p:style>
-          <p:txBody>
-            <a:bodyPr rot="0" spcFirstLastPara="1" vertOverflow="overflow" horzOverflow="overflow" vert="horz" wrap="square" lIns="50800" tIns="50800" rIns="50800" bIns="50800" numCol="1" spcCol="38100" rtlCol="0" anchor="ctr">
-              <a:spAutoFit/>
-            </a:bodyPr>
-            <a:lstStyle/>
-            <a:p>
-              <a:pPr marL="0" marR="0" indent="0" algn="ctr" defTabSz="457200" rtl="0" fontAlgn="auto" latinLnBrk="1" hangingPunct="0">
-                <a:lnSpc>
-                  <a:spcPct val="100000"/>
-                </a:lnSpc>
-                <a:spcBef>
-                  <a:spcPts val="0"/>
-                </a:spcBef>
-                <a:spcAft>
-                  <a:spcPts val="0"/>
-                </a:spcAft>
-                <a:buClr>
-                  <a:srgbClr val="000000"/>
-                </a:buClr>
-                <a:buSzTx/>
-                <a:buFont typeface="Calibri"/>
-                <a:buNone/>
-                <a:tabLst/>
-              </a:pPr>
-              <a:r>
-                <a:rPr kumimoji="0" lang="en-US" sz="1800" b="0" i="0" u="none" strike="noStrike" cap="none" spc="0" normalizeH="0" baseline="0" dirty="0">
-                  <a:ln>
-                    <a:noFill/>
-                  </a:ln>
-                  <a:solidFill>
-                    <a:srgbClr val="DD550C"/>
-                  </a:solidFill>
-                  <a:effectLst/>
-                  <a:uFill>
-                    <a:solidFill>
-                      <a:srgbClr val="000000"/>
-                    </a:solidFill>
-                  </a:uFill>
-                  <a:latin typeface="+mn-lt"/>
-                  <a:ea typeface="+mn-ea"/>
-                  <a:cs typeface="+mn-cs"/>
-                  <a:sym typeface="Calibri"/>
-                </a:rPr>
-                <a:t>0.95</a:t>
-              </a:r>
-            </a:p>
-          </p:txBody>
-        </p:sp>
-        <p:sp>
-          <p:nvSpPr>
-            <p:cNvPr id="88" name="TextBox 87">
-              <a:extLst>
-                <a:ext uri="{FF2B5EF4-FFF2-40B4-BE49-F238E27FC236}">
-                  <a16:creationId xmlns:a16="http://schemas.microsoft.com/office/drawing/2014/main" id="{5B628C57-A27D-04EC-9F4C-17D6051C9FE7}"/>
-                </a:ext>
-              </a:extLst>
-            </p:cNvPr>
-            <p:cNvSpPr txBox="1"/>
-            <p:nvPr/>
-          </p:nvSpPr>
-          <p:spPr>
-            <a:xfrm>
-              <a:off x="2681494" y="4440184"/>
-              <a:ext cx="712590" cy="379591"/>
-            </a:xfrm>
-            <a:prstGeom prst="rect">
-              <a:avLst/>
-            </a:prstGeom>
-            <a:noFill/>
-            <a:ln w="12700" cap="flat">
-              <a:noFill/>
-              <a:miter lim="400000"/>
-            </a:ln>
-            <a:effectLst/>
-          </p:spPr>
-          <p:style>
-            <a:lnRef idx="0">
-              <a:scrgbClr r="0" g="0" b="0"/>
-            </a:lnRef>
-            <a:fillRef idx="0">
-              <a:scrgbClr r="0" g="0" b="0"/>
-            </a:fillRef>
-            <a:effectRef idx="0">
-              <a:scrgbClr r="0" g="0" b="0"/>
-            </a:effectRef>
-            <a:fontRef idx="none"/>
-          </p:style>
-          <p:txBody>
-            <a:bodyPr rot="0" spcFirstLastPara="1" vertOverflow="overflow" horzOverflow="overflow" vert="horz" wrap="square" lIns="50800" tIns="50800" rIns="50800" bIns="50800" numCol="1" spcCol="38100" rtlCol="0" anchor="ctr">
-              <a:spAutoFit/>
-            </a:bodyPr>
-            <a:lstStyle/>
-            <a:p>
-              <a:pPr marL="0" marR="0" indent="0" algn="ctr" defTabSz="457200" rtl="0" fontAlgn="auto" latinLnBrk="1" hangingPunct="0">
-                <a:lnSpc>
-                  <a:spcPct val="100000"/>
-                </a:lnSpc>
-                <a:spcBef>
-                  <a:spcPts val="0"/>
-                </a:spcBef>
-                <a:spcAft>
-                  <a:spcPts val="0"/>
-                </a:spcAft>
-                <a:buClr>
-                  <a:srgbClr val="000000"/>
-                </a:buClr>
-                <a:buSzTx/>
-                <a:buFont typeface="Calibri"/>
-                <a:buNone/>
-                <a:tabLst/>
-              </a:pPr>
-              <a:r>
-                <a:rPr kumimoji="0" lang="en-US" sz="1800" b="0" i="0" u="none" strike="noStrike" cap="none" spc="0" normalizeH="0" baseline="0" dirty="0">
-                  <a:ln>
-                    <a:noFill/>
-                  </a:ln>
-                  <a:solidFill>
-                    <a:srgbClr val="DD550C"/>
-                  </a:solidFill>
-                  <a:effectLst/>
-                  <a:uFill>
-                    <a:solidFill>
-                      <a:srgbClr val="000000"/>
-                    </a:solidFill>
-                  </a:uFill>
-                  <a:latin typeface="+mn-lt"/>
-                  <a:ea typeface="+mn-ea"/>
-                  <a:cs typeface="+mn-cs"/>
-                  <a:sym typeface="Calibri"/>
-                </a:rPr>
-                <a:t>0.04</a:t>
-              </a:r>
-            </a:p>
-          </p:txBody>
-        </p:sp>
-        <p:sp>
-          <p:nvSpPr>
-            <p:cNvPr id="89" name="TextBox 88">
-              <a:extLst>
-                <a:ext uri="{FF2B5EF4-FFF2-40B4-BE49-F238E27FC236}">
-                  <a16:creationId xmlns:a16="http://schemas.microsoft.com/office/drawing/2014/main" id="{ADC7AEDD-66FA-C30A-EA79-CA1F6B0496E8}"/>
-                </a:ext>
-              </a:extLst>
-            </p:cNvPr>
-            <p:cNvSpPr txBox="1"/>
-            <p:nvPr/>
-          </p:nvSpPr>
-          <p:spPr>
-            <a:xfrm>
-              <a:off x="3208245" y="5727855"/>
-              <a:ext cx="712590" cy="379591"/>
-            </a:xfrm>
-            <a:prstGeom prst="rect">
-              <a:avLst/>
-            </a:prstGeom>
-            <a:noFill/>
-            <a:ln w="12700" cap="flat">
-              <a:noFill/>
-              <a:miter lim="400000"/>
-            </a:ln>
-            <a:effectLst/>
-          </p:spPr>
-          <p:style>
-            <a:lnRef idx="0">
-              <a:scrgbClr r="0" g="0" b="0"/>
-            </a:lnRef>
-            <a:fillRef idx="0">
-              <a:scrgbClr r="0" g="0" b="0"/>
-            </a:fillRef>
-            <a:effectRef idx="0">
-              <a:scrgbClr r="0" g="0" b="0"/>
-            </a:effectRef>
-            <a:fontRef idx="none"/>
-          </p:style>
-          <p:txBody>
-            <a:bodyPr rot="0" spcFirstLastPara="1" vertOverflow="overflow" horzOverflow="overflow" vert="horz" wrap="square" lIns="50800" tIns="50800" rIns="50800" bIns="50800" numCol="1" spcCol="38100" rtlCol="0" anchor="ctr">
-              <a:spAutoFit/>
-            </a:bodyPr>
-            <a:lstStyle/>
-            <a:p>
-              <a:pPr marL="0" marR="0" indent="0" algn="ctr" defTabSz="457200" rtl="0" fontAlgn="auto" latinLnBrk="1" hangingPunct="0">
-                <a:lnSpc>
-                  <a:spcPct val="100000"/>
-                </a:lnSpc>
-                <a:spcBef>
-                  <a:spcPts val="0"/>
-                </a:spcBef>
-                <a:spcAft>
-                  <a:spcPts val="0"/>
-                </a:spcAft>
-                <a:buClr>
-                  <a:srgbClr val="000000"/>
-                </a:buClr>
-                <a:buSzTx/>
-                <a:buFont typeface="Calibri"/>
-                <a:buNone/>
-                <a:tabLst/>
-              </a:pPr>
-              <a:r>
-                <a:rPr kumimoji="0" lang="en-US" sz="1800" b="0" i="0" u="none" strike="noStrike" cap="none" spc="0" normalizeH="0" baseline="0" dirty="0">
-                  <a:ln>
-                    <a:noFill/>
-                  </a:ln>
-                  <a:solidFill>
-                    <a:srgbClr val="DD550C"/>
-                  </a:solidFill>
-                  <a:effectLst/>
-                  <a:uFill>
-                    <a:solidFill>
-                      <a:srgbClr val="000000"/>
-                    </a:solidFill>
-                  </a:uFill>
-                  <a:latin typeface="+mn-lt"/>
-                  <a:ea typeface="+mn-ea"/>
-                  <a:cs typeface="+mn-cs"/>
-                  <a:sym typeface="Calibri"/>
-                </a:rPr>
-                <a:t>0.01</a:t>
-              </a:r>
-            </a:p>
-          </p:txBody>
-        </p:sp>
-        <p:sp>
-          <p:nvSpPr>
-            <p:cNvPr id="90" name="TextBox 89">
-              <a:extLst>
-                <a:ext uri="{FF2B5EF4-FFF2-40B4-BE49-F238E27FC236}">
-                  <a16:creationId xmlns:a16="http://schemas.microsoft.com/office/drawing/2014/main" id="{883A0E8B-B904-4B1A-19F5-2691361F4E8F}"/>
-                </a:ext>
-              </a:extLst>
-            </p:cNvPr>
-            <p:cNvSpPr txBox="1"/>
-            <p:nvPr/>
-          </p:nvSpPr>
-          <p:spPr>
-            <a:xfrm>
-              <a:off x="5863159" y="5873488"/>
-              <a:ext cx="624597" cy="379591"/>
-            </a:xfrm>
-            <a:prstGeom prst="rect">
-              <a:avLst/>
-            </a:prstGeom>
-            <a:noFill/>
-            <a:ln w="12700" cap="flat">
-              <a:noFill/>
-              <a:miter lim="400000"/>
-            </a:ln>
-            <a:effectLst/>
-          </p:spPr>
-          <p:style>
-            <a:lnRef idx="0">
-              <a:scrgbClr r="0" g="0" b="0"/>
-            </a:lnRef>
-            <a:fillRef idx="0">
-              <a:scrgbClr r="0" g="0" b="0"/>
-            </a:fillRef>
-            <a:effectRef idx="0">
-              <a:scrgbClr r="0" g="0" b="0"/>
-            </a:effectRef>
-            <a:fontRef idx="none"/>
-          </p:style>
-          <p:txBody>
-            <a:bodyPr rot="0" spcFirstLastPara="1" vertOverflow="overflow" horzOverflow="overflow" vert="horz" wrap="square" lIns="50800" tIns="50800" rIns="50800" bIns="50800" numCol="1" spcCol="38100" rtlCol="0" anchor="ctr">
-              <a:spAutoFit/>
-            </a:bodyPr>
-            <a:lstStyle/>
-            <a:p>
-              <a:pPr marL="0" marR="0" indent="0" algn="ctr" defTabSz="457200" rtl="0" fontAlgn="auto" latinLnBrk="1" hangingPunct="0">
-                <a:lnSpc>
-                  <a:spcPct val="100000"/>
-                </a:lnSpc>
-                <a:spcBef>
-                  <a:spcPts val="0"/>
-                </a:spcBef>
-                <a:spcAft>
-                  <a:spcPts val="0"/>
-                </a:spcAft>
-                <a:buClr>
-                  <a:srgbClr val="000000"/>
-                </a:buClr>
-                <a:buSzTx/>
-                <a:buFont typeface="Calibri"/>
-                <a:buNone/>
-                <a:tabLst/>
-              </a:pPr>
-              <a:r>
-                <a:rPr kumimoji="0" lang="en-US" sz="1800" b="0" i="0" u="none" strike="noStrike" cap="none" spc="0" normalizeH="0" baseline="0" dirty="0">
-                  <a:ln>
-                    <a:noFill/>
-                  </a:ln>
-                  <a:solidFill>
-                    <a:schemeClr val="accent1">
-                      <a:lumMod val="50000"/>
-                      <a:lumOff val="50000"/>
-                    </a:schemeClr>
-                  </a:solidFill>
-                  <a:effectLst/>
-                  <a:uFill>
-                    <a:solidFill>
-                      <a:srgbClr val="000000"/>
-                    </a:solidFill>
-                  </a:uFill>
-                  <a:latin typeface="+mn-lt"/>
-                  <a:ea typeface="+mn-ea"/>
-                  <a:cs typeface="+mn-cs"/>
-                  <a:sym typeface="Calibri"/>
-                </a:rPr>
-                <a:t>0.95</a:t>
-              </a:r>
-            </a:p>
-          </p:txBody>
-        </p:sp>
-        <p:sp>
-          <p:nvSpPr>
-            <p:cNvPr id="91" name="TextBox 90">
-              <a:extLst>
-                <a:ext uri="{FF2B5EF4-FFF2-40B4-BE49-F238E27FC236}">
-                  <a16:creationId xmlns:a16="http://schemas.microsoft.com/office/drawing/2014/main" id="{897EDB13-5874-BA14-5BAE-63ADAA27F759}"/>
-                </a:ext>
-              </a:extLst>
-            </p:cNvPr>
-            <p:cNvSpPr txBox="1"/>
-            <p:nvPr/>
-          </p:nvSpPr>
-          <p:spPr>
-            <a:xfrm>
-              <a:off x="4708484" y="3796246"/>
-              <a:ext cx="712590" cy="379591"/>
-            </a:xfrm>
-            <a:prstGeom prst="rect">
-              <a:avLst/>
-            </a:prstGeom>
-            <a:noFill/>
-            <a:ln w="12700" cap="flat">
-              <a:noFill/>
-              <a:miter lim="400000"/>
-            </a:ln>
-            <a:effectLst/>
-          </p:spPr>
-          <p:style>
-            <a:lnRef idx="0">
-              <a:scrgbClr r="0" g="0" b="0"/>
-            </a:lnRef>
-            <a:fillRef idx="0">
-              <a:scrgbClr r="0" g="0" b="0"/>
-            </a:fillRef>
-            <a:effectRef idx="0">
-              <a:scrgbClr r="0" g="0" b="0"/>
-            </a:effectRef>
-            <a:fontRef idx="none"/>
-          </p:style>
-          <p:txBody>
-            <a:bodyPr rot="0" spcFirstLastPara="1" vertOverflow="overflow" horzOverflow="overflow" vert="horz" wrap="square" lIns="50800" tIns="50800" rIns="50800" bIns="50800" numCol="1" spcCol="38100" rtlCol="0" anchor="ctr">
-              <a:spAutoFit/>
-            </a:bodyPr>
-            <a:lstStyle/>
-            <a:p>
-              <a:pPr marL="0" marR="0" indent="0" algn="ctr" defTabSz="457200" rtl="0" fontAlgn="auto" latinLnBrk="1" hangingPunct="0">
-                <a:lnSpc>
-                  <a:spcPct val="100000"/>
-                </a:lnSpc>
-                <a:spcBef>
-                  <a:spcPts val="0"/>
-                </a:spcBef>
-                <a:spcAft>
-                  <a:spcPts val="0"/>
-                </a:spcAft>
-                <a:buClr>
-                  <a:srgbClr val="000000"/>
-                </a:buClr>
-                <a:buSzTx/>
-                <a:buFont typeface="Calibri"/>
-                <a:buNone/>
-                <a:tabLst/>
-              </a:pPr>
-              <a:r>
-                <a:rPr kumimoji="0" lang="en-US" sz="1800" b="0" i="0" u="none" strike="noStrike" cap="none" spc="0" normalizeH="0" baseline="0" dirty="0">
-                  <a:ln>
-                    <a:noFill/>
-                  </a:ln>
-                  <a:solidFill>
-                    <a:schemeClr val="accent1">
-                      <a:lumMod val="50000"/>
-                      <a:lumOff val="50000"/>
-                    </a:schemeClr>
-                  </a:solidFill>
-                  <a:effectLst/>
-                  <a:uFill>
-                    <a:solidFill>
-                      <a:srgbClr val="000000"/>
-                    </a:solidFill>
-                  </a:uFill>
-                  <a:latin typeface="+mn-lt"/>
-                  <a:ea typeface="+mn-ea"/>
-                  <a:cs typeface="+mn-cs"/>
-                  <a:sym typeface="Calibri"/>
-                </a:rPr>
-                <a:t>0.03</a:t>
-              </a:r>
-            </a:p>
-          </p:txBody>
-        </p:sp>
-        <p:sp>
-          <p:nvSpPr>
-            <p:cNvPr id="92" name="TextBox 91">
-              <a:extLst>
-                <a:ext uri="{FF2B5EF4-FFF2-40B4-BE49-F238E27FC236}">
-                  <a16:creationId xmlns:a16="http://schemas.microsoft.com/office/drawing/2014/main" id="{FEEF0FC7-0309-D4B6-7216-899DC420BD06}"/>
-                </a:ext>
-              </a:extLst>
-            </p:cNvPr>
-            <p:cNvSpPr txBox="1"/>
-            <p:nvPr/>
-          </p:nvSpPr>
-          <p:spPr>
-            <a:xfrm>
-              <a:off x="3202700" y="4841552"/>
-              <a:ext cx="712590" cy="379591"/>
-            </a:xfrm>
-            <a:prstGeom prst="rect">
-              <a:avLst/>
-            </a:prstGeom>
-            <a:noFill/>
-            <a:ln w="12700" cap="flat">
-              <a:noFill/>
-              <a:miter lim="400000"/>
-            </a:ln>
-            <a:effectLst/>
-          </p:spPr>
-          <p:style>
-            <a:lnRef idx="0">
-              <a:scrgbClr r="0" g="0" b="0"/>
-            </a:lnRef>
-            <a:fillRef idx="0">
-              <a:scrgbClr r="0" g="0" b="0"/>
-            </a:fillRef>
-            <a:effectRef idx="0">
-              <a:scrgbClr r="0" g="0" b="0"/>
-            </a:effectRef>
-            <a:fontRef idx="none"/>
-          </p:style>
-          <p:txBody>
-            <a:bodyPr rot="0" spcFirstLastPara="1" vertOverflow="overflow" horzOverflow="overflow" vert="horz" wrap="square" lIns="50800" tIns="50800" rIns="50800" bIns="50800" numCol="1" spcCol="38100" rtlCol="0" anchor="ctr">
-              <a:spAutoFit/>
-            </a:bodyPr>
-            <a:lstStyle/>
-            <a:p>
-              <a:pPr marL="0" marR="0" indent="0" algn="ctr" defTabSz="457200" rtl="0" fontAlgn="auto" latinLnBrk="1" hangingPunct="0">
-                <a:lnSpc>
-                  <a:spcPct val="100000"/>
-                </a:lnSpc>
-                <a:spcBef>
-                  <a:spcPts val="0"/>
-                </a:spcBef>
-                <a:spcAft>
-                  <a:spcPts val="0"/>
-                </a:spcAft>
-                <a:buClr>
-                  <a:srgbClr val="000000"/>
-                </a:buClr>
-                <a:buSzTx/>
-                <a:buFont typeface="Calibri"/>
-                <a:buNone/>
-                <a:tabLst/>
-              </a:pPr>
-              <a:r>
-                <a:rPr kumimoji="0" lang="en-US" sz="1800" b="0" i="0" u="none" strike="noStrike" cap="none" spc="0" normalizeH="0" baseline="0" dirty="0">
-                  <a:ln>
-                    <a:noFill/>
-                  </a:ln>
-                  <a:solidFill>
-                    <a:schemeClr val="accent1">
-                      <a:lumMod val="50000"/>
-                      <a:lumOff val="50000"/>
-                    </a:schemeClr>
-                  </a:solidFill>
-                  <a:effectLst/>
-                  <a:uFill>
-                    <a:solidFill>
-                      <a:srgbClr val="000000"/>
-                    </a:solidFill>
-                  </a:uFill>
-                  <a:latin typeface="+mn-lt"/>
-                  <a:ea typeface="+mn-ea"/>
-                  <a:cs typeface="+mn-cs"/>
-                  <a:sym typeface="Calibri"/>
-                </a:rPr>
-                <a:t>0.02</a:t>
-              </a:r>
-            </a:p>
-          </p:txBody>
-        </p:sp>
-        <p:sp>
-          <p:nvSpPr>
-            <p:cNvPr id="93" name="TextBox 92">
-              <a:extLst>
-                <a:ext uri="{FF2B5EF4-FFF2-40B4-BE49-F238E27FC236}">
-                  <a16:creationId xmlns:a16="http://schemas.microsoft.com/office/drawing/2014/main" id="{B6BAD1F9-934F-548F-FF18-6246A65AFCF9}"/>
-                </a:ext>
-              </a:extLst>
-            </p:cNvPr>
-            <p:cNvSpPr txBox="1"/>
-            <p:nvPr/>
-          </p:nvSpPr>
-          <p:spPr>
-            <a:xfrm>
-              <a:off x="3920835" y="2479339"/>
-              <a:ext cx="624597" cy="379591"/>
-            </a:xfrm>
-            <a:prstGeom prst="rect">
-              <a:avLst/>
-            </a:prstGeom>
-            <a:noFill/>
-            <a:ln w="12700" cap="flat">
-              <a:noFill/>
-              <a:miter lim="400000"/>
-            </a:ln>
-            <a:effectLst/>
-          </p:spPr>
-          <p:style>
-            <a:lnRef idx="0">
-              <a:scrgbClr r="0" g="0" b="0"/>
-            </a:lnRef>
-            <a:fillRef idx="0">
-              <a:scrgbClr r="0" g="0" b="0"/>
-            </a:fillRef>
-            <a:effectRef idx="0">
-              <a:scrgbClr r="0" g="0" b="0"/>
-            </a:effectRef>
-            <a:fontRef idx="none"/>
-          </p:style>
-          <p:txBody>
-            <a:bodyPr rot="0" spcFirstLastPara="1" vertOverflow="overflow" horzOverflow="overflow" vert="horz" wrap="square" lIns="50800" tIns="50800" rIns="50800" bIns="50800" numCol="1" spcCol="38100" rtlCol="0" anchor="ctr">
-              <a:spAutoFit/>
-            </a:bodyPr>
-            <a:lstStyle/>
-            <a:p>
-              <a:pPr marL="0" marR="0" indent="0" algn="ctr" defTabSz="457200" rtl="0" fontAlgn="auto" latinLnBrk="1" hangingPunct="0">
-                <a:lnSpc>
-                  <a:spcPct val="100000"/>
-                </a:lnSpc>
-                <a:spcBef>
-                  <a:spcPts val="0"/>
-                </a:spcBef>
-                <a:spcAft>
-                  <a:spcPts val="0"/>
-                </a:spcAft>
-                <a:buClr>
-                  <a:srgbClr val="000000"/>
-                </a:buClr>
-                <a:buSzTx/>
-                <a:buFont typeface="Calibri"/>
-                <a:buNone/>
-                <a:tabLst/>
-              </a:pPr>
-              <a:r>
-                <a:rPr kumimoji="0" lang="en-US" sz="1800" b="0" i="0" u="none" strike="noStrike" cap="none" spc="0" normalizeH="0" baseline="0" dirty="0">
-                  <a:ln>
-                    <a:noFill/>
-                  </a:ln>
-                  <a:solidFill>
-                    <a:srgbClr val="00B050"/>
-                  </a:solidFill>
-                  <a:effectLst/>
-                  <a:uFill>
-                    <a:solidFill>
-                      <a:srgbClr val="000000"/>
-                    </a:solidFill>
-                  </a:uFill>
-                  <a:latin typeface="+mn-lt"/>
-                  <a:ea typeface="+mn-ea"/>
-                  <a:cs typeface="+mn-cs"/>
-                  <a:sym typeface="Calibri"/>
-                </a:rPr>
-                <a:t>0.95</a:t>
-              </a:r>
-            </a:p>
-          </p:txBody>
-        </p:sp>
-        <p:sp>
-          <p:nvSpPr>
-            <p:cNvPr id="94" name="TextBox 93">
-              <a:extLst>
-                <a:ext uri="{FF2B5EF4-FFF2-40B4-BE49-F238E27FC236}">
-                  <a16:creationId xmlns:a16="http://schemas.microsoft.com/office/drawing/2014/main" id="{1F2D6068-EF3B-4B71-32EC-144104C69C98}"/>
-                </a:ext>
-              </a:extLst>
-            </p:cNvPr>
-            <p:cNvSpPr txBox="1"/>
-            <p:nvPr/>
-          </p:nvSpPr>
-          <p:spPr>
-            <a:xfrm>
-              <a:off x="3700720" y="4419996"/>
-              <a:ext cx="750486" cy="379591"/>
-            </a:xfrm>
-            <a:prstGeom prst="rect">
-              <a:avLst/>
-            </a:prstGeom>
-            <a:noFill/>
-            <a:ln w="12700" cap="flat">
-              <a:noFill/>
-              <a:miter lim="400000"/>
-            </a:ln>
-            <a:effectLst/>
-          </p:spPr>
-          <p:style>
-            <a:lnRef idx="0">
-              <a:scrgbClr r="0" g="0" b="0"/>
-            </a:lnRef>
-            <a:fillRef idx="0">
-              <a:scrgbClr r="0" g="0" b="0"/>
-            </a:fillRef>
-            <a:effectRef idx="0">
-              <a:scrgbClr r="0" g="0" b="0"/>
-            </a:effectRef>
-            <a:fontRef idx="none"/>
-          </p:style>
-          <p:txBody>
-            <a:bodyPr rot="0" spcFirstLastPara="1" vertOverflow="overflow" horzOverflow="overflow" vert="horz" wrap="square" lIns="50800" tIns="50800" rIns="50800" bIns="50800" numCol="1" spcCol="38100" rtlCol="0" anchor="ctr">
-              <a:spAutoFit/>
-            </a:bodyPr>
-            <a:lstStyle/>
-            <a:p>
-              <a:pPr marL="0" marR="0" indent="0" algn="ctr" defTabSz="457200" rtl="0" fontAlgn="auto" latinLnBrk="1" hangingPunct="0">
-                <a:lnSpc>
-                  <a:spcPct val="100000"/>
-                </a:lnSpc>
-                <a:spcBef>
-                  <a:spcPts val="0"/>
-                </a:spcBef>
-                <a:spcAft>
-                  <a:spcPts val="0"/>
-                </a:spcAft>
-                <a:buClr>
-                  <a:srgbClr val="000000"/>
-                </a:buClr>
-                <a:buSzTx/>
-                <a:buFont typeface="Calibri"/>
-                <a:buNone/>
-                <a:tabLst/>
-              </a:pPr>
-              <a:r>
-                <a:rPr kumimoji="0" lang="en-US" sz="1800" b="0" i="0" u="none" strike="noStrike" cap="none" spc="0" normalizeH="0" baseline="0" dirty="0">
-                  <a:ln>
-                    <a:noFill/>
-                  </a:ln>
-                  <a:solidFill>
-                    <a:srgbClr val="00B050"/>
-                  </a:solidFill>
-                  <a:effectLst/>
-                  <a:uFill>
-                    <a:solidFill>
-                      <a:srgbClr val="000000"/>
-                    </a:solidFill>
-                  </a:uFill>
-                  <a:latin typeface="+mn-lt"/>
-                  <a:ea typeface="+mn-ea"/>
-                  <a:cs typeface="+mn-cs"/>
-                  <a:sym typeface="Calibri"/>
-                </a:rPr>
-                <a:t>0.025</a:t>
-              </a:r>
-            </a:p>
-          </p:txBody>
-        </p:sp>
-        <p:sp>
-          <p:nvSpPr>
-            <p:cNvPr id="95" name="TextBox 94">
-              <a:extLst>
-                <a:ext uri="{FF2B5EF4-FFF2-40B4-BE49-F238E27FC236}">
-                  <a16:creationId xmlns:a16="http://schemas.microsoft.com/office/drawing/2014/main" id="{0396EFB9-D73A-1673-1232-F2817DF4F53F}"/>
-                </a:ext>
-              </a:extLst>
-            </p:cNvPr>
-            <p:cNvSpPr txBox="1"/>
-            <p:nvPr/>
-          </p:nvSpPr>
-          <p:spPr>
-            <a:xfrm>
-              <a:off x="1813754" y="3765761"/>
-              <a:ext cx="750486" cy="379591"/>
-            </a:xfrm>
-            <a:prstGeom prst="rect">
-              <a:avLst/>
-            </a:prstGeom>
-            <a:noFill/>
-            <a:ln w="12700" cap="flat">
-              <a:noFill/>
-              <a:miter lim="400000"/>
-            </a:ln>
-            <a:effectLst/>
-          </p:spPr>
-          <p:style>
-            <a:lnRef idx="0">
-              <a:scrgbClr r="0" g="0" b="0"/>
-            </a:lnRef>
-            <a:fillRef idx="0">
-              <a:scrgbClr r="0" g="0" b="0"/>
-            </a:fillRef>
-            <a:effectRef idx="0">
-              <a:scrgbClr r="0" g="0" b="0"/>
-            </a:effectRef>
-            <a:fontRef idx="none"/>
-          </p:style>
-          <p:txBody>
-            <a:bodyPr rot="0" spcFirstLastPara="1" vertOverflow="overflow" horzOverflow="overflow" vert="horz" wrap="square" lIns="50800" tIns="50800" rIns="50800" bIns="50800" numCol="1" spcCol="38100" rtlCol="0" anchor="ctr">
-              <a:spAutoFit/>
-            </a:bodyPr>
-            <a:lstStyle/>
-            <a:p>
-              <a:pPr marL="0" marR="0" indent="0" algn="ctr" defTabSz="457200" rtl="0" fontAlgn="auto" latinLnBrk="1" hangingPunct="0">
-                <a:lnSpc>
-                  <a:spcPct val="100000"/>
-                </a:lnSpc>
-                <a:spcBef>
-                  <a:spcPts val="0"/>
-                </a:spcBef>
-                <a:spcAft>
-                  <a:spcPts val="0"/>
-                </a:spcAft>
-                <a:buClr>
-                  <a:srgbClr val="000000"/>
-                </a:buClr>
-                <a:buSzTx/>
-                <a:buFont typeface="Calibri"/>
-                <a:buNone/>
-                <a:tabLst/>
-              </a:pPr>
-              <a:r>
-                <a:rPr kumimoji="0" lang="en-US" sz="1800" b="0" i="0" u="none" strike="noStrike" cap="none" spc="0" normalizeH="0" baseline="0" dirty="0">
-                  <a:ln>
-                    <a:noFill/>
-                  </a:ln>
-                  <a:solidFill>
-                    <a:srgbClr val="00B050"/>
-                  </a:solidFill>
-                  <a:effectLst/>
-                  <a:uFill>
-                    <a:solidFill>
-                      <a:srgbClr val="000000"/>
-                    </a:solidFill>
-                  </a:uFill>
-                  <a:latin typeface="+mn-lt"/>
-                  <a:ea typeface="+mn-ea"/>
-                  <a:cs typeface="+mn-cs"/>
-                  <a:sym typeface="Calibri"/>
-                </a:rPr>
-                <a:t>0.025</a:t>
-              </a:r>
-            </a:p>
-          </p:txBody>
-        </p:sp>
-      </p:grpSp>
-      <p:graphicFrame>
-        <p:nvGraphicFramePr>
-          <p:cNvPr id="8" name="Table 7">
-            <a:extLst>
-              <a:ext uri="{FF2B5EF4-FFF2-40B4-BE49-F238E27FC236}">
-                <a16:creationId xmlns:a16="http://schemas.microsoft.com/office/drawing/2014/main" id="{BDCEF855-FA27-8D49-CC1C-073776B77FDD}"/>
-              </a:ext>
-            </a:extLst>
-          </p:cNvPr>
-          <p:cNvGraphicFramePr>
-            <a:graphicFrameLocks noGrp="1"/>
-          </p:cNvGraphicFramePr>
-          <p:nvPr>
-            <p:extLst>
-              <p:ext uri="{D42A27DB-BD31-4B8C-83A1-F6EECF244321}">
-                <p14:modId xmlns:p14="http://schemas.microsoft.com/office/powerpoint/2010/main" val="3917889780"/>
-              </p:ext>
-            </p:extLst>
-          </p:nvPr>
-        </p:nvGraphicFramePr>
-        <p:xfrm>
-          <a:off x="951786" y="3530645"/>
-          <a:ext cx="3359079" cy="1563723"/>
-        </p:xfrm>
-        <a:graphic>
-          <a:graphicData uri="http://schemas.openxmlformats.org/drawingml/2006/table">
-            <a:tbl>
-              <a:tblPr firstRow="1" bandRow="1">
-                <a:tableStyleId>{5940675A-B579-460E-94D1-54222C63F5DA}</a:tableStyleId>
-              </a:tblPr>
-              <a:tblGrid>
-                <a:gridCol w="1119693">
-                  <a:extLst>
-                    <a:ext uri="{9D8B030D-6E8A-4147-A177-3AD203B41FA5}">
-                      <a16:colId xmlns:a16="http://schemas.microsoft.com/office/drawing/2014/main" val="2547492994"/>
-                    </a:ext>
-                  </a:extLst>
-                </a:gridCol>
-                <a:gridCol w="1119693">
-                  <a:extLst>
-                    <a:ext uri="{9D8B030D-6E8A-4147-A177-3AD203B41FA5}">
-                      <a16:colId xmlns:a16="http://schemas.microsoft.com/office/drawing/2014/main" val="3358763969"/>
-                    </a:ext>
-                  </a:extLst>
-                </a:gridCol>
-                <a:gridCol w="1119693">
-                  <a:extLst>
-                    <a:ext uri="{9D8B030D-6E8A-4147-A177-3AD203B41FA5}">
-                      <a16:colId xmlns:a16="http://schemas.microsoft.com/office/drawing/2014/main" val="107909637"/>
-                    </a:ext>
-                  </a:extLst>
-                </a:gridCol>
-              </a:tblGrid>
-              <a:tr h="521241">
-                <a:tc>
-                  <a:txBody>
-                    <a:bodyPr/>
-                    <a:lstStyle/>
-                    <a:p>
-                      <a:pPr algn="ctr"/>
-                      <a:r>
-                        <a:rPr lang="en-US" sz="2000" dirty="0">
-                          <a:solidFill>
-                            <a:srgbClr val="DD550C"/>
-                          </a:solidFill>
-                        </a:rPr>
-                        <a:t>0.95</a:t>
-                      </a:r>
-                    </a:p>
-                  </a:txBody>
-                  <a:tcPr anchor="ctr"/>
-                </a:tc>
-                <a:tc>
-                  <a:txBody>
-                    <a:bodyPr/>
-                    <a:lstStyle/>
-                    <a:p>
-                      <a:pPr algn="ctr"/>
-                      <a:r>
-                        <a:rPr lang="en-US" sz="2000" dirty="0">
-                          <a:solidFill>
-                            <a:srgbClr val="DD550C"/>
-                          </a:solidFill>
-                        </a:rPr>
-                        <a:t>0.04</a:t>
-                      </a:r>
-                    </a:p>
-                  </a:txBody>
-                  <a:tcPr anchor="ctr"/>
-                </a:tc>
-                <a:tc>
-                  <a:txBody>
-                    <a:bodyPr/>
-                    <a:lstStyle/>
-                    <a:p>
-                      <a:pPr algn="ctr"/>
-                      <a:r>
-                        <a:rPr lang="en-US" sz="2000" dirty="0">
-                          <a:solidFill>
-                            <a:srgbClr val="DD550C"/>
-                          </a:solidFill>
-                        </a:rPr>
-                        <a:t>0.01</a:t>
-                      </a:r>
-                    </a:p>
-                  </a:txBody>
-                  <a:tcPr anchor="ctr"/>
-                </a:tc>
-                <a:extLst>
-                  <a:ext uri="{0D108BD9-81ED-4DB2-BD59-A6C34878D82A}">
-                    <a16:rowId xmlns:a16="http://schemas.microsoft.com/office/drawing/2014/main" val="4231147920"/>
-                  </a:ext>
-                </a:extLst>
-              </a:tr>
-              <a:tr h="521241">
-                <a:tc>
-                  <a:txBody>
-                    <a:bodyPr/>
-                    <a:lstStyle/>
-                    <a:p>
-                      <a:pPr algn="ctr"/>
-                      <a:r>
-                        <a:rPr lang="en-US" sz="2000" dirty="0">
-                          <a:solidFill>
-                            <a:srgbClr val="00B050"/>
-                          </a:solidFill>
-                        </a:rPr>
-                        <a:t>0.025</a:t>
-                      </a:r>
-                    </a:p>
-                  </a:txBody>
-                  <a:tcPr anchor="ctr"/>
-                </a:tc>
-                <a:tc>
-                  <a:txBody>
-                    <a:bodyPr/>
-                    <a:lstStyle/>
-                    <a:p>
-                      <a:pPr algn="ctr"/>
-                      <a:r>
-                        <a:rPr lang="en-US" sz="2000" dirty="0">
-                          <a:solidFill>
-                            <a:srgbClr val="00B050"/>
-                          </a:solidFill>
-                        </a:rPr>
-                        <a:t>0.95</a:t>
-                      </a:r>
-                    </a:p>
-                  </a:txBody>
-                  <a:tcPr anchor="ctr"/>
-                </a:tc>
-                <a:tc>
-                  <a:txBody>
-                    <a:bodyPr/>
-                    <a:lstStyle/>
-                    <a:p>
-                      <a:pPr algn="ctr"/>
-                      <a:r>
-                        <a:rPr lang="en-US" sz="2000" dirty="0">
-                          <a:solidFill>
-                            <a:srgbClr val="00B050"/>
-                          </a:solidFill>
-                        </a:rPr>
-                        <a:t>0.025</a:t>
-                      </a:r>
-                    </a:p>
-                  </a:txBody>
-                  <a:tcPr anchor="ctr"/>
-                </a:tc>
-                <a:extLst>
-                  <a:ext uri="{0D108BD9-81ED-4DB2-BD59-A6C34878D82A}">
-                    <a16:rowId xmlns:a16="http://schemas.microsoft.com/office/drawing/2014/main" val="3842565770"/>
-                  </a:ext>
-                </a:extLst>
-              </a:tr>
-              <a:tr h="521241">
-                <a:tc>
-                  <a:txBody>
-                    <a:bodyPr/>
-                    <a:lstStyle/>
-                    <a:p>
-                      <a:pPr algn="ctr"/>
-                      <a:r>
-                        <a:rPr lang="en-US" sz="2000" dirty="0">
-                          <a:solidFill>
-                            <a:schemeClr val="accent1">
-                              <a:lumMod val="50000"/>
-                              <a:lumOff val="50000"/>
-                            </a:schemeClr>
-                          </a:solidFill>
-                        </a:rPr>
-                        <a:t>0.01</a:t>
-                      </a:r>
-                    </a:p>
-                  </a:txBody>
-                  <a:tcPr anchor="ctr"/>
-                </a:tc>
-                <a:tc>
-                  <a:txBody>
-                    <a:bodyPr/>
-                    <a:lstStyle/>
-                    <a:p>
-                      <a:pPr algn="ctr"/>
-                      <a:r>
-                        <a:rPr lang="en-US" sz="2000" dirty="0">
-                          <a:solidFill>
-                            <a:schemeClr val="accent1">
-                              <a:lumMod val="50000"/>
-                              <a:lumOff val="50000"/>
-                            </a:schemeClr>
-                          </a:solidFill>
-                        </a:rPr>
-                        <a:t>0.03</a:t>
-                      </a:r>
-                    </a:p>
-                  </a:txBody>
-                  <a:tcPr anchor="ctr"/>
-                </a:tc>
-                <a:tc>
-                  <a:txBody>
-                    <a:bodyPr/>
-                    <a:lstStyle/>
-                    <a:p>
-                      <a:pPr algn="ctr"/>
-                      <a:r>
-                        <a:rPr lang="en-US" sz="2000" dirty="0">
-                          <a:solidFill>
-                            <a:schemeClr val="accent1">
-                              <a:lumMod val="50000"/>
-                              <a:lumOff val="50000"/>
-                            </a:schemeClr>
-                          </a:solidFill>
-                        </a:rPr>
-                        <a:t>0.95</a:t>
-                      </a:r>
-                    </a:p>
-                  </a:txBody>
-                  <a:tcPr anchor="ctr"/>
-                </a:tc>
-                <a:extLst>
-                  <a:ext uri="{0D108BD9-81ED-4DB2-BD59-A6C34878D82A}">
-                    <a16:rowId xmlns:a16="http://schemas.microsoft.com/office/drawing/2014/main" val="3364634936"/>
-                  </a:ext>
-                </a:extLst>
-              </a:tr>
-            </a:tbl>
-          </a:graphicData>
-        </a:graphic>
-      </p:graphicFrame>
-      <p:sp>
-        <p:nvSpPr>
-          <p:cNvPr id="10" name="TextBox 9">
-            <a:extLst>
-              <a:ext uri="{FF2B5EF4-FFF2-40B4-BE49-F238E27FC236}">
-                <a16:creationId xmlns:a16="http://schemas.microsoft.com/office/drawing/2014/main" id="{21853197-84EE-41B3-29C4-366E34BD7E50}"/>
-              </a:ext>
-            </a:extLst>
-          </p:cNvPr>
-          <p:cNvSpPr txBox="1"/>
-          <p:nvPr/>
-        </p:nvSpPr>
-        <p:spPr>
-          <a:xfrm>
-            <a:off x="1392803" y="3136805"/>
-            <a:ext cx="2477044" cy="369332"/>
-          </a:xfrm>
-          <a:prstGeom prst="rect">
-            <a:avLst/>
-          </a:prstGeom>
-          <a:noFill/>
-          <a:ln w="12700" cap="flat">
-            <a:noFill/>
-            <a:miter lim="400000"/>
-          </a:ln>
-          <a:effectLst/>
-        </p:spPr>
-        <p:style>
-          <a:lnRef idx="0">
-            <a:scrgbClr r="0" g="0" b="0"/>
-          </a:lnRef>
-          <a:fillRef idx="0">
-            <a:scrgbClr r="0" g="0" b="0"/>
-          </a:fillRef>
-          <a:effectRef idx="0">
-            <a:scrgbClr r="0" g="0" b="0"/>
-          </a:effectRef>
-          <a:fontRef idx="none"/>
-        </p:style>
-        <p:txBody>
-          <a:bodyPr wrap="square">
-            <a:spAutoFit/>
-          </a:bodyPr>
-          <a:lstStyle/>
-          <a:p>
-            <a:pPr algn="ctr"/>
-            <a:r>
-              <a:rPr lang="en-US" dirty="0"/>
-              <a:t>Markov Chain Matrix</a:t>
-            </a:r>
-          </a:p>
-        </p:txBody>
-      </p:sp>
-    </p:spTree>
-    <p:extLst>
-      <p:ext uri="{BB962C8B-B14F-4D97-AF65-F5344CB8AC3E}">
-        <p14:creationId xmlns:p14="http://schemas.microsoft.com/office/powerpoint/2010/main" val="792541290"/>
-      </p:ext>
-    </p:extLst>
-  </p:cSld>
-  <p:clrMapOvr>
-    <a:masterClrMapping/>
-  </p:clrMapOvr>
-  <mc:AlternateContent xmlns:mc="http://schemas.openxmlformats.org/markup-compatibility/2006" xmlns:p159="http://schemas.microsoft.com/office/powerpoint/2015/09/main">
-    <mc:Choice Requires="p159">
-      <p:transition xmlns:p14="http://schemas.microsoft.com/office/powerpoint/2010/main" spd="slow" p14:dur="2000">
-        <p159:morph option="byObject"/>
-      </p:transition>
-    </mc:Choice>
-    <mc:Fallback xmlns="">
-      <p:transition spd="slow">
-        <p:fade/>
-      </p:transition>
-    </mc:Fallback>
-  </mc:AlternateContent>
-</p:sld>
-</file>
-
-<file path=ppt/slides/slide8.xml><?xml version="1.0" encoding="utf-8"?>
-<p:sld xmlns:a="http://schemas.openxmlformats.org/drawingml/2006/main" xmlns:r="http://schemas.openxmlformats.org/officeDocument/2006/relationships" xmlns:p="http://schemas.openxmlformats.org/presentationml/2006/main">
-  <p:cSld>
-    <p:spTree>
-      <p:nvGrpSpPr>
-        <p:cNvPr id="1" name="">
-          <a:extLst>
-            <a:ext uri="{FF2B5EF4-FFF2-40B4-BE49-F238E27FC236}">
               <a16:creationId xmlns:a16="http://schemas.microsoft.com/office/drawing/2014/main" id="{BB25E199-E7D4-989E-3F65-E618B2D90BB9}"/>
             </a:ext>
           </a:extLst>
@@ -27601,7 +25662,7 @@
             <a:fld id="{CAC3FE34-2808-40E6-BEA2-B7CA77D47CA5}" type="slidenum">
               <a:rPr lang="en-US" smtClean="0"/>
               <a:pPr/>
-              <a:t>8</a:t>
+              <a:t>7</a:t>
             </a:fld>
             <a:endParaRPr lang="en-US" dirty="0"/>
           </a:p>
@@ -27635,21 +25696,1980 @@
           <a:p>
             <a:r>
               <a:rPr lang="en-US" dirty="0"/>
-              <a:t>Markov Chains</a:t>
+              <a:t>Markov Chains:		</a:t>
             </a:r>
           </a:p>
           <a:p>
-            <a:pPr lvl="1"/>
+            <a:endParaRPr lang="en-US" dirty="0"/>
+          </a:p>
+          <a:p>
+            <a:endParaRPr lang="en-US" sz="2400" dirty="0"/>
+          </a:p>
+        </p:txBody>
+      </p:sp>
+      <p:grpSp>
+        <p:nvGrpSpPr>
+          <p:cNvPr id="8" name="Group 7">
+            <a:extLst>
+              <a:ext uri="{FF2B5EF4-FFF2-40B4-BE49-F238E27FC236}">
+                <a16:creationId xmlns:a16="http://schemas.microsoft.com/office/drawing/2014/main" id="{36A635B0-DBDD-2225-5B82-77B438D05FDE}"/>
+              </a:ext>
+            </a:extLst>
+          </p:cNvPr>
+          <p:cNvGrpSpPr/>
+          <p:nvPr/>
+        </p:nvGrpSpPr>
+        <p:grpSpPr>
+          <a:xfrm>
+            <a:off x="142457" y="2047799"/>
+            <a:ext cx="5869962" cy="3773740"/>
+            <a:chOff x="617794" y="2479339"/>
+            <a:chExt cx="5869962" cy="3773740"/>
+          </a:xfrm>
+        </p:grpSpPr>
+        <p:sp>
+          <p:nvSpPr>
+            <p:cNvPr id="9" name="Oval 8">
+              <a:extLst>
+                <a:ext uri="{FF2B5EF4-FFF2-40B4-BE49-F238E27FC236}">
+                  <a16:creationId xmlns:a16="http://schemas.microsoft.com/office/drawing/2014/main" id="{3ECE8374-E08D-AB52-E697-743E576AE548}"/>
+                </a:ext>
+              </a:extLst>
+            </p:cNvPr>
+            <p:cNvSpPr/>
+            <p:nvPr/>
+          </p:nvSpPr>
+          <p:spPr>
+            <a:xfrm>
+              <a:off x="2878740" y="2985689"/>
+              <a:ext cx="1371600" cy="1371600"/>
+            </a:xfrm>
+            <a:prstGeom prst="ellipse">
+              <a:avLst/>
+            </a:prstGeom>
+            <a:noFill/>
+            <a:ln w="12700" cap="flat">
+              <a:solidFill>
+                <a:schemeClr val="tx1"/>
+              </a:solidFill>
+              <a:miter lim="400000"/>
+            </a:ln>
+            <a:effectLst>
+              <a:outerShdw blurRad="38100" dist="25400" dir="5400000" rotWithShape="0">
+                <a:srgbClr val="000000">
+                  <a:alpha val="50000"/>
+                </a:srgbClr>
+              </a:outerShdw>
+            </a:effectLst>
+          </p:spPr>
+          <p:style>
+            <a:lnRef idx="0">
+              <a:scrgbClr r="0" g="0" b="0"/>
+            </a:lnRef>
+            <a:fillRef idx="0">
+              <a:scrgbClr r="0" g="0" b="0"/>
+            </a:fillRef>
+            <a:effectRef idx="0">
+              <a:scrgbClr r="0" g="0" b="0"/>
+            </a:effectRef>
+            <a:fontRef idx="none"/>
+          </p:style>
+          <p:txBody>
+            <a:bodyPr rot="0" spcFirstLastPara="1" vertOverflow="overflow" horzOverflow="overflow" vert="horz" wrap="square" lIns="50800" tIns="50800" rIns="50800" bIns="50800" numCol="1" spcCol="38100" rtlCol="0" anchor="ctr">
+              <a:spAutoFit/>
+            </a:bodyPr>
+            <a:lstStyle/>
+            <a:p>
+              <a:pPr marL="0" marR="0" indent="0" algn="ctr" defTabSz="584200" rtl="0" fontAlgn="auto" latinLnBrk="1" hangingPunct="0">
+                <a:lnSpc>
+                  <a:spcPct val="100000"/>
+                </a:lnSpc>
+                <a:spcBef>
+                  <a:spcPts val="0"/>
+                </a:spcBef>
+                <a:spcAft>
+                  <a:spcPts val="0"/>
+                </a:spcAft>
+                <a:buClr>
+                  <a:srgbClr val="000000"/>
+                </a:buClr>
+                <a:buSzTx/>
+                <a:buFont typeface="Calibri"/>
+                <a:buNone/>
+                <a:tabLst/>
+              </a:pPr>
+              <a:r>
+                <a:rPr lang="en-US" sz="2800" dirty="0">
+                  <a:solidFill>
+                    <a:schemeClr val="accent5"/>
+                  </a:solidFill>
+                  <a:uFillTx/>
+                </a:rPr>
+                <a:t>Walk</a:t>
+              </a:r>
+              <a:endParaRPr kumimoji="0" lang="en-US" sz="2800" i="0" u="none" strike="noStrike" cap="none" spc="0" normalizeH="0" baseline="0" dirty="0">
+                <a:ln>
+                  <a:noFill/>
+                </a:ln>
+                <a:solidFill>
+                  <a:schemeClr val="accent5"/>
+                </a:solidFill>
+                <a:uFillTx/>
+                <a:sym typeface="Calibri"/>
+              </a:endParaRPr>
+            </a:p>
+          </p:txBody>
+        </p:sp>
+        <p:sp>
+          <p:nvSpPr>
+            <p:cNvPr id="10" name="Oval 9">
+              <a:extLst>
+                <a:ext uri="{FF2B5EF4-FFF2-40B4-BE49-F238E27FC236}">
+                  <a16:creationId xmlns:a16="http://schemas.microsoft.com/office/drawing/2014/main" id="{A07B5E81-14AF-04FA-E582-43DD91EC7F6D}"/>
+                </a:ext>
+              </a:extLst>
+            </p:cNvPr>
+            <p:cNvSpPr/>
+            <p:nvPr/>
+          </p:nvSpPr>
+          <p:spPr>
+            <a:xfrm>
+              <a:off x="1367094" y="4557121"/>
+              <a:ext cx="1371600" cy="1371600"/>
+            </a:xfrm>
+            <a:prstGeom prst="ellipse">
+              <a:avLst/>
+            </a:prstGeom>
+            <a:noFill/>
+            <a:ln w="12700" cap="flat">
+              <a:solidFill>
+                <a:schemeClr val="tx1"/>
+              </a:solidFill>
+              <a:miter lim="400000"/>
+            </a:ln>
+            <a:effectLst>
+              <a:outerShdw blurRad="38100" dist="25400" dir="5400000" rotWithShape="0">
+                <a:srgbClr val="000000">
+                  <a:alpha val="50000"/>
+                </a:srgbClr>
+              </a:outerShdw>
+            </a:effectLst>
+          </p:spPr>
+          <p:style>
+            <a:lnRef idx="0">
+              <a:scrgbClr r="0" g="0" b="0"/>
+            </a:lnRef>
+            <a:fillRef idx="0">
+              <a:scrgbClr r="0" g="0" b="0"/>
+            </a:fillRef>
+            <a:effectRef idx="0">
+              <a:scrgbClr r="0" g="0" b="0"/>
+            </a:effectRef>
+            <a:fontRef idx="none"/>
+          </p:style>
+          <p:txBody>
+            <a:bodyPr rot="0" spcFirstLastPara="1" vertOverflow="overflow" horzOverflow="overflow" vert="horz" wrap="square" lIns="50800" tIns="50800" rIns="50800" bIns="50800" numCol="1" spcCol="38100" rtlCol="0" anchor="ctr">
+              <a:spAutoFit/>
+            </a:bodyPr>
+            <a:lstStyle/>
+            <a:p>
+              <a:pPr marL="0" marR="0" indent="0" algn="ctr" defTabSz="584200" rtl="0" fontAlgn="auto" latinLnBrk="1" hangingPunct="0">
+                <a:lnSpc>
+                  <a:spcPct val="100000"/>
+                </a:lnSpc>
+                <a:spcBef>
+                  <a:spcPts val="0"/>
+                </a:spcBef>
+                <a:spcAft>
+                  <a:spcPts val="0"/>
+                </a:spcAft>
+                <a:buClr>
+                  <a:srgbClr val="000000"/>
+                </a:buClr>
+                <a:buSzTx/>
+                <a:buFont typeface="Calibri"/>
+                <a:buNone/>
+                <a:tabLst/>
+              </a:pPr>
+              <a:r>
+                <a:rPr kumimoji="0" lang="en-US" sz="2800" i="0" u="none" strike="noStrike" normalizeH="0" baseline="0" dirty="0">
+                  <a:solidFill>
+                    <a:schemeClr val="accent5"/>
+                  </a:solidFill>
+                  <a:uFillTx/>
+                  <a:latin typeface="+mn-lt"/>
+                  <a:ea typeface="+mn-ea"/>
+                  <a:cs typeface="+mn-cs"/>
+                  <a:sym typeface="Calibri"/>
+                </a:rPr>
+                <a:t>Stop</a:t>
+              </a:r>
+            </a:p>
+          </p:txBody>
+        </p:sp>
+        <p:sp>
+          <p:nvSpPr>
+            <p:cNvPr id="11" name="Oval 10">
+              <a:extLst>
+                <a:ext uri="{FF2B5EF4-FFF2-40B4-BE49-F238E27FC236}">
+                  <a16:creationId xmlns:a16="http://schemas.microsoft.com/office/drawing/2014/main" id="{D7083088-5A1C-6F99-8AB3-F25DF45DCEA4}"/>
+                </a:ext>
+              </a:extLst>
+            </p:cNvPr>
+            <p:cNvSpPr/>
+            <p:nvPr/>
+          </p:nvSpPr>
+          <p:spPr>
+            <a:xfrm>
+              <a:off x="4436496" y="4557121"/>
+              <a:ext cx="1371600" cy="1371600"/>
+            </a:xfrm>
+            <a:prstGeom prst="ellipse">
+              <a:avLst/>
+            </a:prstGeom>
+            <a:noFill/>
+            <a:ln w="12700" cap="flat">
+              <a:solidFill>
+                <a:schemeClr val="tx1"/>
+              </a:solidFill>
+              <a:miter lim="400000"/>
+            </a:ln>
+            <a:effectLst>
+              <a:outerShdw blurRad="38100" dist="25400" dir="5400000" rotWithShape="0">
+                <a:srgbClr val="000000">
+                  <a:alpha val="50000"/>
+                </a:srgbClr>
+              </a:outerShdw>
+            </a:effectLst>
+          </p:spPr>
+          <p:style>
+            <a:lnRef idx="0">
+              <a:scrgbClr r="0" g="0" b="0"/>
+            </a:lnRef>
+            <a:fillRef idx="0">
+              <a:scrgbClr r="0" g="0" b="0"/>
+            </a:fillRef>
+            <a:effectRef idx="0">
+              <a:scrgbClr r="0" g="0" b="0"/>
+            </a:effectRef>
+            <a:fontRef idx="none"/>
+          </p:style>
+          <p:txBody>
+            <a:bodyPr rot="0" spcFirstLastPara="1" vertOverflow="overflow" horzOverflow="overflow" vert="horz" wrap="square" lIns="50800" tIns="50800" rIns="50800" bIns="50800" numCol="1" spcCol="38100" rtlCol="0" anchor="ctr">
+              <a:spAutoFit/>
+            </a:bodyPr>
+            <a:lstStyle/>
+            <a:p>
+              <a:pPr marL="0" marR="0" indent="0" algn="ctr" defTabSz="584200" rtl="0" fontAlgn="auto" latinLnBrk="1" hangingPunct="0">
+                <a:lnSpc>
+                  <a:spcPct val="100000"/>
+                </a:lnSpc>
+                <a:spcBef>
+                  <a:spcPts val="0"/>
+                </a:spcBef>
+                <a:spcAft>
+                  <a:spcPts val="0"/>
+                </a:spcAft>
+                <a:buClr>
+                  <a:srgbClr val="000000"/>
+                </a:buClr>
+                <a:buSzTx/>
+                <a:buFont typeface="Calibri"/>
+                <a:buNone/>
+                <a:tabLst/>
+              </a:pPr>
+              <a:r>
+                <a:rPr lang="en-US" sz="2800" dirty="0">
+                  <a:solidFill>
+                    <a:schemeClr val="accent5"/>
+                  </a:solidFill>
+                  <a:uFillTx/>
+                </a:rPr>
+                <a:t>Run</a:t>
+              </a:r>
+              <a:endParaRPr kumimoji="0" lang="en-US" sz="2800" i="0" u="none" strike="noStrike" cap="none" spc="0" normalizeH="0" baseline="0" dirty="0">
+                <a:ln>
+                  <a:noFill/>
+                </a:ln>
+                <a:solidFill>
+                  <a:schemeClr val="accent5"/>
+                </a:solidFill>
+                <a:uFillTx/>
+                <a:sym typeface="Calibri"/>
+              </a:endParaRPr>
+            </a:p>
+          </p:txBody>
+        </p:sp>
+        <p:cxnSp>
+          <p:nvCxnSpPr>
+            <p:cNvPr id="13" name="Straight Arrow Connector 12">
+              <a:extLst>
+                <a:ext uri="{FF2B5EF4-FFF2-40B4-BE49-F238E27FC236}">
+                  <a16:creationId xmlns:a16="http://schemas.microsoft.com/office/drawing/2014/main" id="{C02AC9A9-69D5-C600-AACA-B6947960305D}"/>
+                </a:ext>
+              </a:extLst>
+            </p:cNvPr>
+            <p:cNvCxnSpPr>
+              <a:cxnSpLocks/>
+              <a:stCxn id="10" idx="7"/>
+              <a:endCxn id="9" idx="3"/>
+            </p:cNvCxnSpPr>
+            <p:nvPr/>
+          </p:nvCxnSpPr>
+          <p:spPr>
+            <a:xfrm flipV="1">
+              <a:off x="2537828" y="4156423"/>
+              <a:ext cx="541778" cy="601564"/>
+            </a:xfrm>
+            <a:prstGeom prst="straightConnector1">
+              <a:avLst/>
+            </a:prstGeom>
+            <a:noFill/>
+            <a:ln w="38100" cap="flat">
+              <a:solidFill>
+                <a:srgbClr val="000000"/>
+              </a:solidFill>
+              <a:prstDash val="solid"/>
+              <a:miter lim="400000"/>
+              <a:tailEnd type="triangle"/>
+            </a:ln>
+            <a:effectLst/>
+          </p:spPr>
+          <p:style>
+            <a:lnRef idx="0">
+              <a:scrgbClr r="0" g="0" b="0"/>
+            </a:lnRef>
+            <a:fillRef idx="0">
+              <a:scrgbClr r="0" g="0" b="0"/>
+            </a:fillRef>
+            <a:effectRef idx="0">
+              <a:scrgbClr r="0" g="0" b="0"/>
+            </a:effectRef>
+            <a:fontRef idx="none"/>
+          </p:style>
+        </p:cxnSp>
+        <p:cxnSp>
+          <p:nvCxnSpPr>
+            <p:cNvPr id="14" name="Straight Arrow Connector 13">
+              <a:extLst>
+                <a:ext uri="{FF2B5EF4-FFF2-40B4-BE49-F238E27FC236}">
+                  <a16:creationId xmlns:a16="http://schemas.microsoft.com/office/drawing/2014/main" id="{C05A0C95-3443-681E-6B76-3D0217EC0B6D}"/>
+                </a:ext>
+              </a:extLst>
+            </p:cNvPr>
+            <p:cNvCxnSpPr>
+              <a:cxnSpLocks/>
+              <a:stCxn id="9" idx="2"/>
+              <a:endCxn id="10" idx="0"/>
+            </p:cNvCxnSpPr>
+            <p:nvPr/>
+          </p:nvCxnSpPr>
+          <p:spPr>
+            <a:xfrm flipH="1">
+              <a:off x="2052894" y="3671489"/>
+              <a:ext cx="825846" cy="885632"/>
+            </a:xfrm>
+            <a:prstGeom prst="straightConnector1">
+              <a:avLst/>
+            </a:prstGeom>
+            <a:noFill/>
+            <a:ln w="38100" cap="flat">
+              <a:solidFill>
+                <a:srgbClr val="000000"/>
+              </a:solidFill>
+              <a:prstDash val="solid"/>
+              <a:miter lim="400000"/>
+              <a:tailEnd type="triangle"/>
+            </a:ln>
+            <a:effectLst/>
+          </p:spPr>
+          <p:style>
+            <a:lnRef idx="0">
+              <a:scrgbClr r="0" g="0" b="0"/>
+            </a:lnRef>
+            <a:fillRef idx="0">
+              <a:scrgbClr r="0" g="0" b="0"/>
+            </a:fillRef>
+            <a:effectRef idx="0">
+              <a:scrgbClr r="0" g="0" b="0"/>
+            </a:effectRef>
+            <a:fontRef idx="none"/>
+          </p:style>
+        </p:cxnSp>
+        <p:cxnSp>
+          <p:nvCxnSpPr>
+            <p:cNvPr id="15" name="Straight Arrow Connector 14">
+              <a:extLst>
+                <a:ext uri="{FF2B5EF4-FFF2-40B4-BE49-F238E27FC236}">
+                  <a16:creationId xmlns:a16="http://schemas.microsoft.com/office/drawing/2014/main" id="{0306940C-F935-9BBE-FA27-B3420CD426D7}"/>
+                </a:ext>
+              </a:extLst>
+            </p:cNvPr>
+            <p:cNvCxnSpPr>
+              <a:cxnSpLocks/>
+              <a:stCxn id="9" idx="5"/>
+              <a:endCxn id="11" idx="1"/>
+            </p:cNvCxnSpPr>
+            <p:nvPr/>
+          </p:nvCxnSpPr>
+          <p:spPr>
+            <a:xfrm>
+              <a:off x="4049474" y="4156423"/>
+              <a:ext cx="587888" cy="601564"/>
+            </a:xfrm>
+            <a:prstGeom prst="straightConnector1">
+              <a:avLst/>
+            </a:prstGeom>
+            <a:noFill/>
+            <a:ln w="38100" cap="flat">
+              <a:solidFill>
+                <a:srgbClr val="000000"/>
+              </a:solidFill>
+              <a:prstDash val="solid"/>
+              <a:miter lim="400000"/>
+              <a:tailEnd type="triangle"/>
+            </a:ln>
+            <a:effectLst/>
+          </p:spPr>
+          <p:style>
+            <a:lnRef idx="0">
+              <a:scrgbClr r="0" g="0" b="0"/>
+            </a:lnRef>
+            <a:fillRef idx="0">
+              <a:scrgbClr r="0" g="0" b="0"/>
+            </a:fillRef>
+            <a:effectRef idx="0">
+              <a:scrgbClr r="0" g="0" b="0"/>
+            </a:effectRef>
+            <a:fontRef idx="none"/>
+          </p:style>
+        </p:cxnSp>
+        <p:cxnSp>
+          <p:nvCxnSpPr>
+            <p:cNvPr id="16" name="Straight Arrow Connector 15">
+              <a:extLst>
+                <a:ext uri="{FF2B5EF4-FFF2-40B4-BE49-F238E27FC236}">
+                  <a16:creationId xmlns:a16="http://schemas.microsoft.com/office/drawing/2014/main" id="{43F17737-18C3-6CE9-9983-B289040F849A}"/>
+                </a:ext>
+              </a:extLst>
+            </p:cNvPr>
+            <p:cNvCxnSpPr>
+              <a:cxnSpLocks/>
+              <a:stCxn id="11" idx="0"/>
+            </p:cNvCxnSpPr>
+            <p:nvPr/>
+          </p:nvCxnSpPr>
+          <p:spPr>
+            <a:xfrm flipH="1" flipV="1">
+              <a:off x="4250340" y="3679349"/>
+              <a:ext cx="871956" cy="877772"/>
+            </a:xfrm>
+            <a:prstGeom prst="straightConnector1">
+              <a:avLst/>
+            </a:prstGeom>
+            <a:noFill/>
+            <a:ln w="38100" cap="flat">
+              <a:solidFill>
+                <a:srgbClr val="000000"/>
+              </a:solidFill>
+              <a:prstDash val="solid"/>
+              <a:miter lim="400000"/>
+              <a:tailEnd type="triangle"/>
+            </a:ln>
+            <a:effectLst/>
+          </p:spPr>
+          <p:style>
+            <a:lnRef idx="0">
+              <a:scrgbClr r="0" g="0" b="0"/>
+            </a:lnRef>
+            <a:fillRef idx="0">
+              <a:scrgbClr r="0" g="0" b="0"/>
+            </a:fillRef>
+            <a:effectRef idx="0">
+              <a:scrgbClr r="0" g="0" b="0"/>
+            </a:effectRef>
+            <a:fontRef idx="none"/>
+          </p:style>
+        </p:cxnSp>
+        <p:cxnSp>
+          <p:nvCxnSpPr>
+            <p:cNvPr id="17" name="Straight Arrow Connector 16">
+              <a:extLst>
+                <a:ext uri="{FF2B5EF4-FFF2-40B4-BE49-F238E27FC236}">
+                  <a16:creationId xmlns:a16="http://schemas.microsoft.com/office/drawing/2014/main" id="{BC12D42E-ADCB-3776-508D-D73919F8F534}"/>
+                </a:ext>
+              </a:extLst>
+            </p:cNvPr>
+            <p:cNvCxnSpPr>
+              <a:cxnSpLocks/>
+              <a:stCxn id="11" idx="2"/>
+              <a:endCxn id="10" idx="6"/>
+            </p:cNvCxnSpPr>
+            <p:nvPr/>
+          </p:nvCxnSpPr>
+          <p:spPr>
+            <a:xfrm flipH="1">
+              <a:off x="2738694" y="5242921"/>
+              <a:ext cx="1697802" cy="0"/>
+            </a:xfrm>
+            <a:prstGeom prst="straightConnector1">
+              <a:avLst/>
+            </a:prstGeom>
+            <a:noFill/>
+            <a:ln w="38100" cap="flat">
+              <a:solidFill>
+                <a:srgbClr val="000000"/>
+              </a:solidFill>
+              <a:prstDash val="solid"/>
+              <a:miter lim="400000"/>
+              <a:tailEnd type="triangle"/>
+            </a:ln>
+            <a:effectLst/>
+          </p:spPr>
+          <p:style>
+            <a:lnRef idx="0">
+              <a:scrgbClr r="0" g="0" b="0"/>
+            </a:lnRef>
+            <a:fillRef idx="0">
+              <a:scrgbClr r="0" g="0" b="0"/>
+            </a:fillRef>
+            <a:effectRef idx="0">
+              <a:scrgbClr r="0" g="0" b="0"/>
+            </a:effectRef>
+            <a:fontRef idx="none"/>
+          </p:style>
+        </p:cxnSp>
+        <p:cxnSp>
+          <p:nvCxnSpPr>
+            <p:cNvPr id="18" name="Straight Arrow Connector 17">
+              <a:extLst>
+                <a:ext uri="{FF2B5EF4-FFF2-40B4-BE49-F238E27FC236}">
+                  <a16:creationId xmlns:a16="http://schemas.microsoft.com/office/drawing/2014/main" id="{21AF4BAC-4ED5-515F-7CAB-5FD79055AC56}"/>
+                </a:ext>
+              </a:extLst>
+            </p:cNvPr>
+            <p:cNvCxnSpPr>
+              <a:cxnSpLocks/>
+              <a:stCxn id="10" idx="5"/>
+              <a:endCxn id="11" idx="3"/>
+            </p:cNvCxnSpPr>
+            <p:nvPr/>
+          </p:nvCxnSpPr>
+          <p:spPr>
+            <a:xfrm>
+              <a:off x="2537828" y="5727855"/>
+              <a:ext cx="2099534" cy="0"/>
+            </a:xfrm>
+            <a:prstGeom prst="straightConnector1">
+              <a:avLst/>
+            </a:prstGeom>
+            <a:noFill/>
+            <a:ln w="38100" cap="flat">
+              <a:solidFill>
+                <a:srgbClr val="000000"/>
+              </a:solidFill>
+              <a:prstDash val="solid"/>
+              <a:miter lim="400000"/>
+              <a:tailEnd type="triangle"/>
+            </a:ln>
+            <a:effectLst/>
+          </p:spPr>
+          <p:style>
+            <a:lnRef idx="0">
+              <a:scrgbClr r="0" g="0" b="0"/>
+            </a:lnRef>
+            <a:fillRef idx="0">
+              <a:scrgbClr r="0" g="0" b="0"/>
+            </a:fillRef>
+            <a:effectRef idx="0">
+              <a:scrgbClr r="0" g="0" b="0"/>
+            </a:effectRef>
+            <a:fontRef idx="none"/>
+          </p:style>
+        </p:cxnSp>
+        <p:cxnSp>
+          <p:nvCxnSpPr>
+            <p:cNvPr id="20" name="Connector: Curved 19">
+              <a:extLst>
+                <a:ext uri="{FF2B5EF4-FFF2-40B4-BE49-F238E27FC236}">
+                  <a16:creationId xmlns:a16="http://schemas.microsoft.com/office/drawing/2014/main" id="{85CB2F54-3FAB-3C77-0283-4DA22007C376}"/>
+                </a:ext>
+              </a:extLst>
+            </p:cNvPr>
+            <p:cNvCxnSpPr>
+              <a:cxnSpLocks/>
+              <a:stCxn id="11" idx="6"/>
+              <a:endCxn id="11" idx="4"/>
+            </p:cNvCxnSpPr>
+            <p:nvPr/>
+          </p:nvCxnSpPr>
+          <p:spPr>
+            <a:xfrm flipH="1">
+              <a:off x="5122296" y="5242921"/>
+              <a:ext cx="685800" cy="685800"/>
+            </a:xfrm>
+            <a:prstGeom prst="curvedConnector4">
+              <a:avLst>
+                <a:gd name="adj1" fmla="val -33333"/>
+                <a:gd name="adj2" fmla="val 133333"/>
+              </a:avLst>
+            </a:prstGeom>
+            <a:noFill/>
+            <a:ln w="38100" cap="flat">
+              <a:solidFill>
+                <a:srgbClr val="000000"/>
+              </a:solidFill>
+              <a:prstDash val="solid"/>
+              <a:miter lim="400000"/>
+              <a:tailEnd type="triangle"/>
+            </a:ln>
+            <a:effectLst/>
+          </p:spPr>
+          <p:style>
+            <a:lnRef idx="0">
+              <a:scrgbClr r="0" g="0" b="0"/>
+            </a:lnRef>
+            <a:fillRef idx="0">
+              <a:scrgbClr r="0" g="0" b="0"/>
+            </a:fillRef>
+            <a:effectRef idx="0">
+              <a:scrgbClr r="0" g="0" b="0"/>
+            </a:effectRef>
+            <a:fontRef idx="none"/>
+          </p:style>
+        </p:cxnSp>
+        <p:cxnSp>
+          <p:nvCxnSpPr>
+            <p:cNvPr id="23" name="Connector: Curved 22">
+              <a:extLst>
+                <a:ext uri="{FF2B5EF4-FFF2-40B4-BE49-F238E27FC236}">
+                  <a16:creationId xmlns:a16="http://schemas.microsoft.com/office/drawing/2014/main" id="{E326F2A4-B53C-42D8-30E4-6A40A4C6AEA8}"/>
+                </a:ext>
+              </a:extLst>
+            </p:cNvPr>
+            <p:cNvCxnSpPr>
+              <a:cxnSpLocks/>
+              <a:stCxn id="10" idx="4"/>
+              <a:endCxn id="10" idx="2"/>
+            </p:cNvCxnSpPr>
+            <p:nvPr/>
+          </p:nvCxnSpPr>
+          <p:spPr>
+            <a:xfrm rot="5400000" flipH="1">
+              <a:off x="1367094" y="5242921"/>
+              <a:ext cx="685800" cy="685800"/>
+            </a:xfrm>
+            <a:prstGeom prst="curvedConnector4">
+              <a:avLst>
+                <a:gd name="adj1" fmla="val -33333"/>
+                <a:gd name="adj2" fmla="val 133333"/>
+              </a:avLst>
+            </a:prstGeom>
+            <a:noFill/>
+            <a:ln w="38100" cap="flat">
+              <a:solidFill>
+                <a:srgbClr val="000000"/>
+              </a:solidFill>
+              <a:prstDash val="solid"/>
+              <a:miter lim="400000"/>
+              <a:tailEnd type="triangle"/>
+            </a:ln>
+            <a:effectLst/>
+          </p:spPr>
+          <p:style>
+            <a:lnRef idx="0">
+              <a:scrgbClr r="0" g="0" b="0"/>
+            </a:lnRef>
+            <a:fillRef idx="0">
+              <a:scrgbClr r="0" g="0" b="0"/>
+            </a:fillRef>
+            <a:effectRef idx="0">
+              <a:scrgbClr r="0" g="0" b="0"/>
+            </a:effectRef>
+            <a:fontRef idx="none"/>
+          </p:style>
+        </p:cxnSp>
+        <p:cxnSp>
+          <p:nvCxnSpPr>
+            <p:cNvPr id="25" name="Connector: Curved 24">
+              <a:extLst>
+                <a:ext uri="{FF2B5EF4-FFF2-40B4-BE49-F238E27FC236}">
+                  <a16:creationId xmlns:a16="http://schemas.microsoft.com/office/drawing/2014/main" id="{A8DCE4FA-0B7F-4B3F-C6E8-8229BC5E36AF}"/>
+                </a:ext>
+              </a:extLst>
+            </p:cNvPr>
+            <p:cNvCxnSpPr>
+              <a:cxnSpLocks/>
+              <a:stCxn id="9" idx="1"/>
+              <a:endCxn id="9" idx="7"/>
+            </p:cNvCxnSpPr>
+            <p:nvPr/>
+          </p:nvCxnSpPr>
+          <p:spPr>
+            <a:xfrm rot="5400000" flipH="1" flipV="1">
+              <a:off x="3564540" y="2701621"/>
+              <a:ext cx="12700" cy="969868"/>
+            </a:xfrm>
+            <a:prstGeom prst="curvedConnector3">
+              <a:avLst>
+                <a:gd name="adj1" fmla="val 4914961"/>
+              </a:avLst>
+            </a:prstGeom>
+            <a:noFill/>
+            <a:ln w="38100" cap="flat">
+              <a:solidFill>
+                <a:srgbClr val="000000"/>
+              </a:solidFill>
+              <a:prstDash val="solid"/>
+              <a:miter lim="400000"/>
+              <a:tailEnd type="triangle"/>
+            </a:ln>
+            <a:effectLst/>
+          </p:spPr>
+          <p:style>
+            <a:lnRef idx="0">
+              <a:scrgbClr r="0" g="0" b="0"/>
+            </a:lnRef>
+            <a:fillRef idx="0">
+              <a:scrgbClr r="0" g="0" b="0"/>
+            </a:fillRef>
+            <a:effectRef idx="0">
+              <a:scrgbClr r="0" g="0" b="0"/>
+            </a:effectRef>
+            <a:fontRef idx="none"/>
+          </p:style>
+        </p:cxnSp>
+        <p:sp>
+          <p:nvSpPr>
+            <p:cNvPr id="26" name="TextBox 25">
+              <a:extLst>
+                <a:ext uri="{FF2B5EF4-FFF2-40B4-BE49-F238E27FC236}">
+                  <a16:creationId xmlns:a16="http://schemas.microsoft.com/office/drawing/2014/main" id="{E177C73F-FED9-73E7-9463-83746704E296}"/>
+                </a:ext>
+              </a:extLst>
+            </p:cNvPr>
+            <p:cNvSpPr txBox="1"/>
+            <p:nvPr/>
+          </p:nvSpPr>
+          <p:spPr>
+            <a:xfrm>
+              <a:off x="617794" y="5831466"/>
+              <a:ext cx="624597" cy="379591"/>
+            </a:xfrm>
+            <a:prstGeom prst="rect">
+              <a:avLst/>
+            </a:prstGeom>
+            <a:noFill/>
+            <a:ln w="12700" cap="flat">
+              <a:noFill/>
+              <a:miter lim="400000"/>
+            </a:ln>
+            <a:effectLst/>
+          </p:spPr>
+          <p:style>
+            <a:lnRef idx="0">
+              <a:scrgbClr r="0" g="0" b="0"/>
+            </a:lnRef>
+            <a:fillRef idx="0">
+              <a:scrgbClr r="0" g="0" b="0"/>
+            </a:fillRef>
+            <a:effectRef idx="0">
+              <a:scrgbClr r="0" g="0" b="0"/>
+            </a:effectRef>
+            <a:fontRef idx="none"/>
+          </p:style>
+          <p:txBody>
+            <a:bodyPr rot="0" spcFirstLastPara="1" vertOverflow="overflow" horzOverflow="overflow" vert="horz" wrap="square" lIns="50800" tIns="50800" rIns="50800" bIns="50800" numCol="1" spcCol="38100" rtlCol="0" anchor="ctr">
+              <a:spAutoFit/>
+            </a:bodyPr>
+            <a:lstStyle/>
+            <a:p>
+              <a:pPr marL="0" marR="0" indent="0" algn="ctr" defTabSz="457200" rtl="0" fontAlgn="auto" latinLnBrk="1" hangingPunct="0">
+                <a:lnSpc>
+                  <a:spcPct val="100000"/>
+                </a:lnSpc>
+                <a:spcBef>
+                  <a:spcPts val="0"/>
+                </a:spcBef>
+                <a:spcAft>
+                  <a:spcPts val="0"/>
+                </a:spcAft>
+                <a:buClr>
+                  <a:srgbClr val="000000"/>
+                </a:buClr>
+                <a:buSzTx/>
+                <a:buFont typeface="Calibri"/>
+                <a:buNone/>
+                <a:tabLst/>
+              </a:pPr>
+              <a:r>
+                <a:rPr kumimoji="0" lang="en-US" sz="1800" b="0" i="0" u="none" strike="noStrike" cap="none" spc="0" normalizeH="0" baseline="0" dirty="0">
+                  <a:ln>
+                    <a:noFill/>
+                  </a:ln>
+                  <a:solidFill>
+                    <a:srgbClr val="DD550C"/>
+                  </a:solidFill>
+                  <a:effectLst/>
+                  <a:uFill>
+                    <a:solidFill>
+                      <a:srgbClr val="000000"/>
+                    </a:solidFill>
+                  </a:uFill>
+                  <a:latin typeface="+mn-lt"/>
+                  <a:ea typeface="+mn-ea"/>
+                  <a:cs typeface="+mn-cs"/>
+                  <a:sym typeface="Calibri"/>
+                </a:rPr>
+                <a:t>0.95</a:t>
+              </a:r>
+            </a:p>
+          </p:txBody>
+        </p:sp>
+        <p:sp>
+          <p:nvSpPr>
+            <p:cNvPr id="27" name="TextBox 26">
+              <a:extLst>
+                <a:ext uri="{FF2B5EF4-FFF2-40B4-BE49-F238E27FC236}">
+                  <a16:creationId xmlns:a16="http://schemas.microsoft.com/office/drawing/2014/main" id="{CA6A71FB-0A31-AEA4-B1CB-1972172D9B45}"/>
+                </a:ext>
+              </a:extLst>
+            </p:cNvPr>
+            <p:cNvSpPr txBox="1"/>
+            <p:nvPr/>
+          </p:nvSpPr>
+          <p:spPr>
+            <a:xfrm>
+              <a:off x="2681494" y="4440184"/>
+              <a:ext cx="712590" cy="379591"/>
+            </a:xfrm>
+            <a:prstGeom prst="rect">
+              <a:avLst/>
+            </a:prstGeom>
+            <a:noFill/>
+            <a:ln w="12700" cap="flat">
+              <a:noFill/>
+              <a:miter lim="400000"/>
+            </a:ln>
+            <a:effectLst/>
+          </p:spPr>
+          <p:style>
+            <a:lnRef idx="0">
+              <a:scrgbClr r="0" g="0" b="0"/>
+            </a:lnRef>
+            <a:fillRef idx="0">
+              <a:scrgbClr r="0" g="0" b="0"/>
+            </a:fillRef>
+            <a:effectRef idx="0">
+              <a:scrgbClr r="0" g="0" b="0"/>
+            </a:effectRef>
+            <a:fontRef idx="none"/>
+          </p:style>
+          <p:txBody>
+            <a:bodyPr rot="0" spcFirstLastPara="1" vertOverflow="overflow" horzOverflow="overflow" vert="horz" wrap="square" lIns="50800" tIns="50800" rIns="50800" bIns="50800" numCol="1" spcCol="38100" rtlCol="0" anchor="ctr">
+              <a:spAutoFit/>
+            </a:bodyPr>
+            <a:lstStyle/>
+            <a:p>
+              <a:pPr marL="0" marR="0" indent="0" algn="ctr" defTabSz="457200" rtl="0" fontAlgn="auto" latinLnBrk="1" hangingPunct="0">
+                <a:lnSpc>
+                  <a:spcPct val="100000"/>
+                </a:lnSpc>
+                <a:spcBef>
+                  <a:spcPts val="0"/>
+                </a:spcBef>
+                <a:spcAft>
+                  <a:spcPts val="0"/>
+                </a:spcAft>
+                <a:buClr>
+                  <a:srgbClr val="000000"/>
+                </a:buClr>
+                <a:buSzTx/>
+                <a:buFont typeface="Calibri"/>
+                <a:buNone/>
+                <a:tabLst/>
+              </a:pPr>
+              <a:r>
+                <a:rPr kumimoji="0" lang="en-US" sz="1800" b="0" i="0" u="none" strike="noStrike" cap="none" spc="0" normalizeH="0" baseline="0" dirty="0">
+                  <a:ln>
+                    <a:noFill/>
+                  </a:ln>
+                  <a:solidFill>
+                    <a:srgbClr val="DD550C"/>
+                  </a:solidFill>
+                  <a:effectLst/>
+                  <a:uFill>
+                    <a:solidFill>
+                      <a:srgbClr val="000000"/>
+                    </a:solidFill>
+                  </a:uFill>
+                  <a:latin typeface="+mn-lt"/>
+                  <a:ea typeface="+mn-ea"/>
+                  <a:cs typeface="+mn-cs"/>
+                  <a:sym typeface="Calibri"/>
+                </a:rPr>
+                <a:t>0.04</a:t>
+              </a:r>
+            </a:p>
+          </p:txBody>
+        </p:sp>
+        <p:sp>
+          <p:nvSpPr>
+            <p:cNvPr id="28" name="TextBox 27">
+              <a:extLst>
+                <a:ext uri="{FF2B5EF4-FFF2-40B4-BE49-F238E27FC236}">
+                  <a16:creationId xmlns:a16="http://schemas.microsoft.com/office/drawing/2014/main" id="{A6AF5D10-D98F-BCB4-5FAC-08839323B682}"/>
+                </a:ext>
+              </a:extLst>
+            </p:cNvPr>
+            <p:cNvSpPr txBox="1"/>
+            <p:nvPr/>
+          </p:nvSpPr>
+          <p:spPr>
+            <a:xfrm>
+              <a:off x="3208245" y="5727855"/>
+              <a:ext cx="712590" cy="379591"/>
+            </a:xfrm>
+            <a:prstGeom prst="rect">
+              <a:avLst/>
+            </a:prstGeom>
+            <a:noFill/>
+            <a:ln w="12700" cap="flat">
+              <a:noFill/>
+              <a:miter lim="400000"/>
+            </a:ln>
+            <a:effectLst/>
+          </p:spPr>
+          <p:style>
+            <a:lnRef idx="0">
+              <a:scrgbClr r="0" g="0" b="0"/>
+            </a:lnRef>
+            <a:fillRef idx="0">
+              <a:scrgbClr r="0" g="0" b="0"/>
+            </a:fillRef>
+            <a:effectRef idx="0">
+              <a:scrgbClr r="0" g="0" b="0"/>
+            </a:effectRef>
+            <a:fontRef idx="none"/>
+          </p:style>
+          <p:txBody>
+            <a:bodyPr rot="0" spcFirstLastPara="1" vertOverflow="overflow" horzOverflow="overflow" vert="horz" wrap="square" lIns="50800" tIns="50800" rIns="50800" bIns="50800" numCol="1" spcCol="38100" rtlCol="0" anchor="ctr">
+              <a:spAutoFit/>
+            </a:bodyPr>
+            <a:lstStyle/>
+            <a:p>
+              <a:pPr marL="0" marR="0" indent="0" algn="ctr" defTabSz="457200" rtl="0" fontAlgn="auto" latinLnBrk="1" hangingPunct="0">
+                <a:lnSpc>
+                  <a:spcPct val="100000"/>
+                </a:lnSpc>
+                <a:spcBef>
+                  <a:spcPts val="0"/>
+                </a:spcBef>
+                <a:spcAft>
+                  <a:spcPts val="0"/>
+                </a:spcAft>
+                <a:buClr>
+                  <a:srgbClr val="000000"/>
+                </a:buClr>
+                <a:buSzTx/>
+                <a:buFont typeface="Calibri"/>
+                <a:buNone/>
+                <a:tabLst/>
+              </a:pPr>
+              <a:r>
+                <a:rPr kumimoji="0" lang="en-US" sz="1800" b="0" i="0" u="none" strike="noStrike" cap="none" spc="0" normalizeH="0" baseline="0" dirty="0">
+                  <a:ln>
+                    <a:noFill/>
+                  </a:ln>
+                  <a:solidFill>
+                    <a:srgbClr val="DD550C"/>
+                  </a:solidFill>
+                  <a:effectLst/>
+                  <a:uFill>
+                    <a:solidFill>
+                      <a:srgbClr val="000000"/>
+                    </a:solidFill>
+                  </a:uFill>
+                  <a:latin typeface="+mn-lt"/>
+                  <a:ea typeface="+mn-ea"/>
+                  <a:cs typeface="+mn-cs"/>
+                  <a:sym typeface="Calibri"/>
+                </a:rPr>
+                <a:t>0.01</a:t>
+              </a:r>
+            </a:p>
+          </p:txBody>
+        </p:sp>
+        <p:sp>
+          <p:nvSpPr>
+            <p:cNvPr id="29" name="TextBox 28">
+              <a:extLst>
+                <a:ext uri="{FF2B5EF4-FFF2-40B4-BE49-F238E27FC236}">
+                  <a16:creationId xmlns:a16="http://schemas.microsoft.com/office/drawing/2014/main" id="{31A8F464-91F9-58B8-923D-74A475B5B7A6}"/>
+                </a:ext>
+              </a:extLst>
+            </p:cNvPr>
+            <p:cNvSpPr txBox="1"/>
+            <p:nvPr/>
+          </p:nvSpPr>
+          <p:spPr>
+            <a:xfrm>
+              <a:off x="5863159" y="5873488"/>
+              <a:ext cx="624597" cy="379591"/>
+            </a:xfrm>
+            <a:prstGeom prst="rect">
+              <a:avLst/>
+            </a:prstGeom>
+            <a:noFill/>
+            <a:ln w="12700" cap="flat">
+              <a:noFill/>
+              <a:miter lim="400000"/>
+            </a:ln>
+            <a:effectLst/>
+          </p:spPr>
+          <p:style>
+            <a:lnRef idx="0">
+              <a:scrgbClr r="0" g="0" b="0"/>
+            </a:lnRef>
+            <a:fillRef idx="0">
+              <a:scrgbClr r="0" g="0" b="0"/>
+            </a:fillRef>
+            <a:effectRef idx="0">
+              <a:scrgbClr r="0" g="0" b="0"/>
+            </a:effectRef>
+            <a:fontRef idx="none"/>
+          </p:style>
+          <p:txBody>
+            <a:bodyPr rot="0" spcFirstLastPara="1" vertOverflow="overflow" horzOverflow="overflow" vert="horz" wrap="square" lIns="50800" tIns="50800" rIns="50800" bIns="50800" numCol="1" spcCol="38100" rtlCol="0" anchor="ctr">
+              <a:spAutoFit/>
+            </a:bodyPr>
+            <a:lstStyle/>
+            <a:p>
+              <a:pPr marL="0" marR="0" indent="0" algn="ctr" defTabSz="457200" rtl="0" fontAlgn="auto" latinLnBrk="1" hangingPunct="0">
+                <a:lnSpc>
+                  <a:spcPct val="100000"/>
+                </a:lnSpc>
+                <a:spcBef>
+                  <a:spcPts val="0"/>
+                </a:spcBef>
+                <a:spcAft>
+                  <a:spcPts val="0"/>
+                </a:spcAft>
+                <a:buClr>
+                  <a:srgbClr val="000000"/>
+                </a:buClr>
+                <a:buSzTx/>
+                <a:buFont typeface="Calibri"/>
+                <a:buNone/>
+                <a:tabLst/>
+              </a:pPr>
+              <a:r>
+                <a:rPr kumimoji="0" lang="en-US" sz="1800" b="0" i="0" u="none" strike="noStrike" cap="none" spc="0" normalizeH="0" baseline="0" dirty="0">
+                  <a:ln>
+                    <a:noFill/>
+                  </a:ln>
+                  <a:solidFill>
+                    <a:schemeClr val="accent1">
+                      <a:lumMod val="50000"/>
+                      <a:lumOff val="50000"/>
+                    </a:schemeClr>
+                  </a:solidFill>
+                  <a:effectLst/>
+                  <a:uFill>
+                    <a:solidFill>
+                      <a:srgbClr val="000000"/>
+                    </a:solidFill>
+                  </a:uFill>
+                  <a:latin typeface="+mn-lt"/>
+                  <a:ea typeface="+mn-ea"/>
+                  <a:cs typeface="+mn-cs"/>
+                  <a:sym typeface="Calibri"/>
+                </a:rPr>
+                <a:t>0.95</a:t>
+              </a:r>
+            </a:p>
+          </p:txBody>
+        </p:sp>
+        <p:sp>
+          <p:nvSpPr>
+            <p:cNvPr id="31" name="TextBox 30">
+              <a:extLst>
+                <a:ext uri="{FF2B5EF4-FFF2-40B4-BE49-F238E27FC236}">
+                  <a16:creationId xmlns:a16="http://schemas.microsoft.com/office/drawing/2014/main" id="{68D5E5CF-E252-2FB3-A0C8-8EEC79BA9BA7}"/>
+                </a:ext>
+              </a:extLst>
+            </p:cNvPr>
+            <p:cNvSpPr txBox="1"/>
+            <p:nvPr/>
+          </p:nvSpPr>
+          <p:spPr>
+            <a:xfrm>
+              <a:off x="4708484" y="3796246"/>
+              <a:ext cx="712590" cy="379591"/>
+            </a:xfrm>
+            <a:prstGeom prst="rect">
+              <a:avLst/>
+            </a:prstGeom>
+            <a:noFill/>
+            <a:ln w="12700" cap="flat">
+              <a:noFill/>
+              <a:miter lim="400000"/>
+            </a:ln>
+            <a:effectLst/>
+          </p:spPr>
+          <p:style>
+            <a:lnRef idx="0">
+              <a:scrgbClr r="0" g="0" b="0"/>
+            </a:lnRef>
+            <a:fillRef idx="0">
+              <a:scrgbClr r="0" g="0" b="0"/>
+            </a:fillRef>
+            <a:effectRef idx="0">
+              <a:scrgbClr r="0" g="0" b="0"/>
+            </a:effectRef>
+            <a:fontRef idx="none"/>
+          </p:style>
+          <p:txBody>
+            <a:bodyPr rot="0" spcFirstLastPara="1" vertOverflow="overflow" horzOverflow="overflow" vert="horz" wrap="square" lIns="50800" tIns="50800" rIns="50800" bIns="50800" numCol="1" spcCol="38100" rtlCol="0" anchor="ctr">
+              <a:spAutoFit/>
+            </a:bodyPr>
+            <a:lstStyle/>
+            <a:p>
+              <a:pPr marL="0" marR="0" indent="0" algn="ctr" defTabSz="457200" rtl="0" fontAlgn="auto" latinLnBrk="1" hangingPunct="0">
+                <a:lnSpc>
+                  <a:spcPct val="100000"/>
+                </a:lnSpc>
+                <a:spcBef>
+                  <a:spcPts val="0"/>
+                </a:spcBef>
+                <a:spcAft>
+                  <a:spcPts val="0"/>
+                </a:spcAft>
+                <a:buClr>
+                  <a:srgbClr val="000000"/>
+                </a:buClr>
+                <a:buSzTx/>
+                <a:buFont typeface="Calibri"/>
+                <a:buNone/>
+                <a:tabLst/>
+              </a:pPr>
+              <a:r>
+                <a:rPr kumimoji="0" lang="en-US" sz="1800" b="0" i="0" u="none" strike="noStrike" cap="none" spc="0" normalizeH="0" baseline="0" dirty="0">
+                  <a:ln>
+                    <a:noFill/>
+                  </a:ln>
+                  <a:solidFill>
+                    <a:schemeClr val="accent1">
+                      <a:lumMod val="50000"/>
+                      <a:lumOff val="50000"/>
+                    </a:schemeClr>
+                  </a:solidFill>
+                  <a:effectLst/>
+                  <a:uFill>
+                    <a:solidFill>
+                      <a:srgbClr val="000000"/>
+                    </a:solidFill>
+                  </a:uFill>
+                  <a:latin typeface="+mn-lt"/>
+                  <a:ea typeface="+mn-ea"/>
+                  <a:cs typeface="+mn-cs"/>
+                  <a:sym typeface="Calibri"/>
+                </a:rPr>
+                <a:t>0.03</a:t>
+              </a:r>
+            </a:p>
+          </p:txBody>
+        </p:sp>
+        <p:sp>
+          <p:nvSpPr>
+            <p:cNvPr id="32" name="TextBox 31">
+              <a:extLst>
+                <a:ext uri="{FF2B5EF4-FFF2-40B4-BE49-F238E27FC236}">
+                  <a16:creationId xmlns:a16="http://schemas.microsoft.com/office/drawing/2014/main" id="{4654EA7E-F85E-7494-80DF-30CBD9FCF1A8}"/>
+                </a:ext>
+              </a:extLst>
+            </p:cNvPr>
+            <p:cNvSpPr txBox="1"/>
+            <p:nvPr/>
+          </p:nvSpPr>
+          <p:spPr>
+            <a:xfrm>
+              <a:off x="3202700" y="4841552"/>
+              <a:ext cx="712590" cy="379591"/>
+            </a:xfrm>
+            <a:prstGeom prst="rect">
+              <a:avLst/>
+            </a:prstGeom>
+            <a:noFill/>
+            <a:ln w="12700" cap="flat">
+              <a:noFill/>
+              <a:miter lim="400000"/>
+            </a:ln>
+            <a:effectLst/>
+          </p:spPr>
+          <p:style>
+            <a:lnRef idx="0">
+              <a:scrgbClr r="0" g="0" b="0"/>
+            </a:lnRef>
+            <a:fillRef idx="0">
+              <a:scrgbClr r="0" g="0" b="0"/>
+            </a:fillRef>
+            <a:effectRef idx="0">
+              <a:scrgbClr r="0" g="0" b="0"/>
+            </a:effectRef>
+            <a:fontRef idx="none"/>
+          </p:style>
+          <p:txBody>
+            <a:bodyPr rot="0" spcFirstLastPara="1" vertOverflow="overflow" horzOverflow="overflow" vert="horz" wrap="square" lIns="50800" tIns="50800" rIns="50800" bIns="50800" numCol="1" spcCol="38100" rtlCol="0" anchor="ctr">
+              <a:spAutoFit/>
+            </a:bodyPr>
+            <a:lstStyle/>
+            <a:p>
+              <a:pPr marL="0" marR="0" indent="0" algn="ctr" defTabSz="457200" rtl="0" fontAlgn="auto" latinLnBrk="1" hangingPunct="0">
+                <a:lnSpc>
+                  <a:spcPct val="100000"/>
+                </a:lnSpc>
+                <a:spcBef>
+                  <a:spcPts val="0"/>
+                </a:spcBef>
+                <a:spcAft>
+                  <a:spcPts val="0"/>
+                </a:spcAft>
+                <a:buClr>
+                  <a:srgbClr val="000000"/>
+                </a:buClr>
+                <a:buSzTx/>
+                <a:buFont typeface="Calibri"/>
+                <a:buNone/>
+                <a:tabLst/>
+              </a:pPr>
+              <a:r>
+                <a:rPr kumimoji="0" lang="en-US" sz="1800" b="0" i="0" u="none" strike="noStrike" cap="none" spc="0" normalizeH="0" baseline="0" dirty="0">
+                  <a:ln>
+                    <a:noFill/>
+                  </a:ln>
+                  <a:solidFill>
+                    <a:schemeClr val="accent1">
+                      <a:lumMod val="50000"/>
+                      <a:lumOff val="50000"/>
+                    </a:schemeClr>
+                  </a:solidFill>
+                  <a:effectLst/>
+                  <a:uFill>
+                    <a:solidFill>
+                      <a:srgbClr val="000000"/>
+                    </a:solidFill>
+                  </a:uFill>
+                  <a:latin typeface="+mn-lt"/>
+                  <a:ea typeface="+mn-ea"/>
+                  <a:cs typeface="+mn-cs"/>
+                  <a:sym typeface="Calibri"/>
+                </a:rPr>
+                <a:t>0.02</a:t>
+              </a:r>
+            </a:p>
+          </p:txBody>
+        </p:sp>
+        <p:sp>
+          <p:nvSpPr>
+            <p:cNvPr id="34" name="TextBox 33">
+              <a:extLst>
+                <a:ext uri="{FF2B5EF4-FFF2-40B4-BE49-F238E27FC236}">
+                  <a16:creationId xmlns:a16="http://schemas.microsoft.com/office/drawing/2014/main" id="{11442FD1-B10D-5D8E-5153-7B9FC6EBA6C9}"/>
+                </a:ext>
+              </a:extLst>
+            </p:cNvPr>
+            <p:cNvSpPr txBox="1"/>
+            <p:nvPr/>
+          </p:nvSpPr>
+          <p:spPr>
+            <a:xfrm>
+              <a:off x="3920835" y="2479339"/>
+              <a:ext cx="624597" cy="379591"/>
+            </a:xfrm>
+            <a:prstGeom prst="rect">
+              <a:avLst/>
+            </a:prstGeom>
+            <a:noFill/>
+            <a:ln w="12700" cap="flat">
+              <a:noFill/>
+              <a:miter lim="400000"/>
+            </a:ln>
+            <a:effectLst/>
+          </p:spPr>
+          <p:style>
+            <a:lnRef idx="0">
+              <a:scrgbClr r="0" g="0" b="0"/>
+            </a:lnRef>
+            <a:fillRef idx="0">
+              <a:scrgbClr r="0" g="0" b="0"/>
+            </a:fillRef>
+            <a:effectRef idx="0">
+              <a:scrgbClr r="0" g="0" b="0"/>
+            </a:effectRef>
+            <a:fontRef idx="none"/>
+          </p:style>
+          <p:txBody>
+            <a:bodyPr rot="0" spcFirstLastPara="1" vertOverflow="overflow" horzOverflow="overflow" vert="horz" wrap="square" lIns="50800" tIns="50800" rIns="50800" bIns="50800" numCol="1" spcCol="38100" rtlCol="0" anchor="ctr">
+              <a:spAutoFit/>
+            </a:bodyPr>
+            <a:lstStyle/>
+            <a:p>
+              <a:pPr marL="0" marR="0" indent="0" algn="ctr" defTabSz="457200" rtl="0" fontAlgn="auto" latinLnBrk="1" hangingPunct="0">
+                <a:lnSpc>
+                  <a:spcPct val="100000"/>
+                </a:lnSpc>
+                <a:spcBef>
+                  <a:spcPts val="0"/>
+                </a:spcBef>
+                <a:spcAft>
+                  <a:spcPts val="0"/>
+                </a:spcAft>
+                <a:buClr>
+                  <a:srgbClr val="000000"/>
+                </a:buClr>
+                <a:buSzTx/>
+                <a:buFont typeface="Calibri"/>
+                <a:buNone/>
+                <a:tabLst/>
+              </a:pPr>
+              <a:r>
+                <a:rPr kumimoji="0" lang="en-US" sz="1800" b="0" i="0" u="none" strike="noStrike" cap="none" spc="0" normalizeH="0" baseline="0" dirty="0">
+                  <a:ln>
+                    <a:noFill/>
+                  </a:ln>
+                  <a:solidFill>
+                    <a:srgbClr val="00B050"/>
+                  </a:solidFill>
+                  <a:effectLst/>
+                  <a:uFill>
+                    <a:solidFill>
+                      <a:srgbClr val="000000"/>
+                    </a:solidFill>
+                  </a:uFill>
+                  <a:latin typeface="+mn-lt"/>
+                  <a:ea typeface="+mn-ea"/>
+                  <a:cs typeface="+mn-cs"/>
+                  <a:sym typeface="Calibri"/>
+                </a:rPr>
+                <a:t>0.95</a:t>
+              </a:r>
+            </a:p>
+          </p:txBody>
+        </p:sp>
+        <p:sp>
+          <p:nvSpPr>
+            <p:cNvPr id="35" name="TextBox 34">
+              <a:extLst>
+                <a:ext uri="{FF2B5EF4-FFF2-40B4-BE49-F238E27FC236}">
+                  <a16:creationId xmlns:a16="http://schemas.microsoft.com/office/drawing/2014/main" id="{146BFABB-3CD0-7E85-A6E0-165B0DD40736}"/>
+                </a:ext>
+              </a:extLst>
+            </p:cNvPr>
+            <p:cNvSpPr txBox="1"/>
+            <p:nvPr/>
+          </p:nvSpPr>
+          <p:spPr>
+            <a:xfrm>
+              <a:off x="3700720" y="4419996"/>
+              <a:ext cx="750486" cy="379591"/>
+            </a:xfrm>
+            <a:prstGeom prst="rect">
+              <a:avLst/>
+            </a:prstGeom>
+            <a:noFill/>
+            <a:ln w="12700" cap="flat">
+              <a:noFill/>
+              <a:miter lim="400000"/>
+            </a:ln>
+            <a:effectLst/>
+          </p:spPr>
+          <p:style>
+            <a:lnRef idx="0">
+              <a:scrgbClr r="0" g="0" b="0"/>
+            </a:lnRef>
+            <a:fillRef idx="0">
+              <a:scrgbClr r="0" g="0" b="0"/>
+            </a:fillRef>
+            <a:effectRef idx="0">
+              <a:scrgbClr r="0" g="0" b="0"/>
+            </a:effectRef>
+            <a:fontRef idx="none"/>
+          </p:style>
+          <p:txBody>
+            <a:bodyPr rot="0" spcFirstLastPara="1" vertOverflow="overflow" horzOverflow="overflow" vert="horz" wrap="square" lIns="50800" tIns="50800" rIns="50800" bIns="50800" numCol="1" spcCol="38100" rtlCol="0" anchor="ctr">
+              <a:spAutoFit/>
+            </a:bodyPr>
+            <a:lstStyle/>
+            <a:p>
+              <a:pPr marL="0" marR="0" indent="0" algn="ctr" defTabSz="457200" rtl="0" fontAlgn="auto" latinLnBrk="1" hangingPunct="0">
+                <a:lnSpc>
+                  <a:spcPct val="100000"/>
+                </a:lnSpc>
+                <a:spcBef>
+                  <a:spcPts val="0"/>
+                </a:spcBef>
+                <a:spcAft>
+                  <a:spcPts val="0"/>
+                </a:spcAft>
+                <a:buClr>
+                  <a:srgbClr val="000000"/>
+                </a:buClr>
+                <a:buSzTx/>
+                <a:buFont typeface="Calibri"/>
+                <a:buNone/>
+                <a:tabLst/>
+              </a:pPr>
+              <a:r>
+                <a:rPr kumimoji="0" lang="en-US" sz="1800" b="0" i="0" u="none" strike="noStrike" cap="none" spc="0" normalizeH="0" baseline="0" dirty="0">
+                  <a:ln>
+                    <a:noFill/>
+                  </a:ln>
+                  <a:solidFill>
+                    <a:srgbClr val="00B050"/>
+                  </a:solidFill>
+                  <a:effectLst/>
+                  <a:uFill>
+                    <a:solidFill>
+                      <a:srgbClr val="000000"/>
+                    </a:solidFill>
+                  </a:uFill>
+                  <a:latin typeface="+mn-lt"/>
+                  <a:ea typeface="+mn-ea"/>
+                  <a:cs typeface="+mn-cs"/>
+                  <a:sym typeface="Calibri"/>
+                </a:rPr>
+                <a:t>0.025</a:t>
+              </a:r>
+            </a:p>
+          </p:txBody>
+        </p:sp>
+        <p:sp>
+          <p:nvSpPr>
+            <p:cNvPr id="36" name="TextBox 35">
+              <a:extLst>
+                <a:ext uri="{FF2B5EF4-FFF2-40B4-BE49-F238E27FC236}">
+                  <a16:creationId xmlns:a16="http://schemas.microsoft.com/office/drawing/2014/main" id="{3C75FB45-C54B-131D-5E9A-DCE1E27BB4D4}"/>
+                </a:ext>
+              </a:extLst>
+            </p:cNvPr>
+            <p:cNvSpPr txBox="1"/>
+            <p:nvPr/>
+          </p:nvSpPr>
+          <p:spPr>
+            <a:xfrm>
+              <a:off x="1813754" y="3765761"/>
+              <a:ext cx="750486" cy="379591"/>
+            </a:xfrm>
+            <a:prstGeom prst="rect">
+              <a:avLst/>
+            </a:prstGeom>
+            <a:noFill/>
+            <a:ln w="12700" cap="flat">
+              <a:noFill/>
+              <a:miter lim="400000"/>
+            </a:ln>
+            <a:effectLst/>
+          </p:spPr>
+          <p:style>
+            <a:lnRef idx="0">
+              <a:scrgbClr r="0" g="0" b="0"/>
+            </a:lnRef>
+            <a:fillRef idx="0">
+              <a:scrgbClr r="0" g="0" b="0"/>
+            </a:fillRef>
+            <a:effectRef idx="0">
+              <a:scrgbClr r="0" g="0" b="0"/>
+            </a:effectRef>
+            <a:fontRef idx="none"/>
+          </p:style>
+          <p:txBody>
+            <a:bodyPr rot="0" spcFirstLastPara="1" vertOverflow="overflow" horzOverflow="overflow" vert="horz" wrap="square" lIns="50800" tIns="50800" rIns="50800" bIns="50800" numCol="1" spcCol="38100" rtlCol="0" anchor="ctr">
+              <a:spAutoFit/>
+            </a:bodyPr>
+            <a:lstStyle/>
+            <a:p>
+              <a:pPr marL="0" marR="0" indent="0" algn="ctr" defTabSz="457200" rtl="0" fontAlgn="auto" latinLnBrk="1" hangingPunct="0">
+                <a:lnSpc>
+                  <a:spcPct val="100000"/>
+                </a:lnSpc>
+                <a:spcBef>
+                  <a:spcPts val="0"/>
+                </a:spcBef>
+                <a:spcAft>
+                  <a:spcPts val="0"/>
+                </a:spcAft>
+                <a:buClr>
+                  <a:srgbClr val="000000"/>
+                </a:buClr>
+                <a:buSzTx/>
+                <a:buFont typeface="Calibri"/>
+                <a:buNone/>
+                <a:tabLst/>
+              </a:pPr>
+              <a:r>
+                <a:rPr kumimoji="0" lang="en-US" sz="1800" b="0" i="0" u="none" strike="noStrike" cap="none" spc="0" normalizeH="0" baseline="0" dirty="0">
+                  <a:ln>
+                    <a:noFill/>
+                  </a:ln>
+                  <a:solidFill>
+                    <a:srgbClr val="00B050"/>
+                  </a:solidFill>
+                  <a:effectLst/>
+                  <a:uFill>
+                    <a:solidFill>
+                      <a:srgbClr val="000000"/>
+                    </a:solidFill>
+                  </a:uFill>
+                  <a:latin typeface="+mn-lt"/>
+                  <a:ea typeface="+mn-ea"/>
+                  <a:cs typeface="+mn-cs"/>
+                  <a:sym typeface="Calibri"/>
+                </a:rPr>
+                <a:t>0.025</a:t>
+              </a:r>
+            </a:p>
+          </p:txBody>
+        </p:sp>
+      </p:grpSp>
+      <p:graphicFrame>
+        <p:nvGraphicFramePr>
+          <p:cNvPr id="7" name="Table 6">
+            <a:extLst>
+              <a:ext uri="{FF2B5EF4-FFF2-40B4-BE49-F238E27FC236}">
+                <a16:creationId xmlns:a16="http://schemas.microsoft.com/office/drawing/2014/main" id="{4882BB7B-4230-B38A-A513-22FADA9D71AB}"/>
+              </a:ext>
+            </a:extLst>
+          </p:cNvPr>
+          <p:cNvGraphicFramePr>
+            <a:graphicFrameLocks noGrp="1"/>
+          </p:cNvGraphicFramePr>
+          <p:nvPr>
+            <p:extLst>
+              <p:ext uri="{D42A27DB-BD31-4B8C-83A1-F6EECF244321}">
+                <p14:modId xmlns:p14="http://schemas.microsoft.com/office/powerpoint/2010/main" val="3600620684"/>
+              </p:ext>
+            </p:extLst>
+          </p:nvPr>
+        </p:nvGraphicFramePr>
+        <p:xfrm>
+          <a:off x="7460145" y="3089771"/>
+          <a:ext cx="3359079" cy="1563723"/>
+        </p:xfrm>
+        <a:graphic>
+          <a:graphicData uri="http://schemas.openxmlformats.org/drawingml/2006/table">
+            <a:tbl>
+              <a:tblPr firstRow="1" bandRow="1">
+                <a:tableStyleId>{5940675A-B579-460E-94D1-54222C63F5DA}</a:tableStyleId>
+              </a:tblPr>
+              <a:tblGrid>
+                <a:gridCol w="1119693">
+                  <a:extLst>
+                    <a:ext uri="{9D8B030D-6E8A-4147-A177-3AD203B41FA5}">
+                      <a16:colId xmlns:a16="http://schemas.microsoft.com/office/drawing/2014/main" val="2547492994"/>
+                    </a:ext>
+                  </a:extLst>
+                </a:gridCol>
+                <a:gridCol w="1119693">
+                  <a:extLst>
+                    <a:ext uri="{9D8B030D-6E8A-4147-A177-3AD203B41FA5}">
+                      <a16:colId xmlns:a16="http://schemas.microsoft.com/office/drawing/2014/main" val="3358763969"/>
+                    </a:ext>
+                  </a:extLst>
+                </a:gridCol>
+                <a:gridCol w="1119693">
+                  <a:extLst>
+                    <a:ext uri="{9D8B030D-6E8A-4147-A177-3AD203B41FA5}">
+                      <a16:colId xmlns:a16="http://schemas.microsoft.com/office/drawing/2014/main" val="107909637"/>
+                    </a:ext>
+                  </a:extLst>
+                </a:gridCol>
+              </a:tblGrid>
+              <a:tr h="521241">
+                <a:tc>
+                  <a:txBody>
+                    <a:bodyPr/>
+                    <a:lstStyle/>
+                    <a:p>
+                      <a:pPr algn="ctr"/>
+                      <a:r>
+                        <a:rPr lang="en-US" sz="2400" dirty="0">
+                          <a:solidFill>
+                            <a:srgbClr val="DD550C"/>
+                          </a:solidFill>
+                        </a:rPr>
+                        <a:t>0.95</a:t>
+                      </a:r>
+                    </a:p>
+                  </a:txBody>
+                  <a:tcPr anchor="ctr"/>
+                </a:tc>
+                <a:tc>
+                  <a:txBody>
+                    <a:bodyPr/>
+                    <a:lstStyle/>
+                    <a:p>
+                      <a:pPr algn="ctr"/>
+                      <a:r>
+                        <a:rPr lang="en-US" sz="2400" dirty="0">
+                          <a:solidFill>
+                            <a:srgbClr val="DD550C"/>
+                          </a:solidFill>
+                        </a:rPr>
+                        <a:t>0.04</a:t>
+                      </a:r>
+                    </a:p>
+                  </a:txBody>
+                  <a:tcPr anchor="ctr"/>
+                </a:tc>
+                <a:tc>
+                  <a:txBody>
+                    <a:bodyPr/>
+                    <a:lstStyle/>
+                    <a:p>
+                      <a:pPr algn="ctr"/>
+                      <a:r>
+                        <a:rPr lang="en-US" sz="2400" dirty="0">
+                          <a:solidFill>
+                            <a:srgbClr val="DD550C"/>
+                          </a:solidFill>
+                        </a:rPr>
+                        <a:t>0.01</a:t>
+                      </a:r>
+                    </a:p>
+                  </a:txBody>
+                  <a:tcPr anchor="ctr"/>
+                </a:tc>
+                <a:extLst>
+                  <a:ext uri="{0D108BD9-81ED-4DB2-BD59-A6C34878D82A}">
+                    <a16:rowId xmlns:a16="http://schemas.microsoft.com/office/drawing/2014/main" val="4231147920"/>
+                  </a:ext>
+                </a:extLst>
+              </a:tr>
+              <a:tr h="521241">
+                <a:tc>
+                  <a:txBody>
+                    <a:bodyPr/>
+                    <a:lstStyle/>
+                    <a:p>
+                      <a:pPr algn="ctr"/>
+                      <a:r>
+                        <a:rPr lang="en-US" sz="2400" dirty="0">
+                          <a:solidFill>
+                            <a:srgbClr val="00B050"/>
+                          </a:solidFill>
+                        </a:rPr>
+                        <a:t>0.025</a:t>
+                      </a:r>
+                    </a:p>
+                  </a:txBody>
+                  <a:tcPr anchor="ctr"/>
+                </a:tc>
+                <a:tc>
+                  <a:txBody>
+                    <a:bodyPr/>
+                    <a:lstStyle/>
+                    <a:p>
+                      <a:pPr algn="ctr"/>
+                      <a:r>
+                        <a:rPr lang="en-US" sz="2400" dirty="0">
+                          <a:solidFill>
+                            <a:srgbClr val="00B050"/>
+                          </a:solidFill>
+                        </a:rPr>
+                        <a:t>0.95</a:t>
+                      </a:r>
+                    </a:p>
+                  </a:txBody>
+                  <a:tcPr anchor="ctr"/>
+                </a:tc>
+                <a:tc>
+                  <a:txBody>
+                    <a:bodyPr/>
+                    <a:lstStyle/>
+                    <a:p>
+                      <a:pPr algn="ctr"/>
+                      <a:r>
+                        <a:rPr lang="en-US" sz="2400" dirty="0">
+                          <a:solidFill>
+                            <a:srgbClr val="00B050"/>
+                          </a:solidFill>
+                        </a:rPr>
+                        <a:t>0.025</a:t>
+                      </a:r>
+                    </a:p>
+                  </a:txBody>
+                  <a:tcPr anchor="ctr"/>
+                </a:tc>
+                <a:extLst>
+                  <a:ext uri="{0D108BD9-81ED-4DB2-BD59-A6C34878D82A}">
+                    <a16:rowId xmlns:a16="http://schemas.microsoft.com/office/drawing/2014/main" val="3842565770"/>
+                  </a:ext>
+                </a:extLst>
+              </a:tr>
+              <a:tr h="521241">
+                <a:tc>
+                  <a:txBody>
+                    <a:bodyPr/>
+                    <a:lstStyle/>
+                    <a:p>
+                      <a:pPr algn="ctr"/>
+                      <a:r>
+                        <a:rPr lang="en-US" sz="2400" dirty="0">
+                          <a:solidFill>
+                            <a:schemeClr val="accent1">
+                              <a:lumMod val="50000"/>
+                              <a:lumOff val="50000"/>
+                            </a:schemeClr>
+                          </a:solidFill>
+                        </a:rPr>
+                        <a:t>0.01</a:t>
+                      </a:r>
+                    </a:p>
+                  </a:txBody>
+                  <a:tcPr anchor="ctr"/>
+                </a:tc>
+                <a:tc>
+                  <a:txBody>
+                    <a:bodyPr/>
+                    <a:lstStyle/>
+                    <a:p>
+                      <a:pPr algn="ctr"/>
+                      <a:r>
+                        <a:rPr lang="en-US" sz="2400" dirty="0">
+                          <a:solidFill>
+                            <a:schemeClr val="accent1">
+                              <a:lumMod val="50000"/>
+                              <a:lumOff val="50000"/>
+                            </a:schemeClr>
+                          </a:solidFill>
+                        </a:rPr>
+                        <a:t>0.03</a:t>
+                      </a:r>
+                    </a:p>
+                  </a:txBody>
+                  <a:tcPr anchor="ctr"/>
+                </a:tc>
+                <a:tc>
+                  <a:txBody>
+                    <a:bodyPr/>
+                    <a:lstStyle/>
+                    <a:p>
+                      <a:pPr algn="ctr"/>
+                      <a:r>
+                        <a:rPr lang="en-US" sz="2400" dirty="0">
+                          <a:solidFill>
+                            <a:schemeClr val="accent1">
+                              <a:lumMod val="50000"/>
+                              <a:lumOff val="50000"/>
+                            </a:schemeClr>
+                          </a:solidFill>
+                        </a:rPr>
+                        <a:t>0.95</a:t>
+                      </a:r>
+                    </a:p>
+                  </a:txBody>
+                  <a:tcPr anchor="ctr"/>
+                </a:tc>
+                <a:extLst>
+                  <a:ext uri="{0D108BD9-81ED-4DB2-BD59-A6C34878D82A}">
+                    <a16:rowId xmlns:a16="http://schemas.microsoft.com/office/drawing/2014/main" val="3364634936"/>
+                  </a:ext>
+                </a:extLst>
+              </a:tr>
+            </a:tbl>
+          </a:graphicData>
+        </a:graphic>
+      </p:graphicFrame>
+      <p:sp>
+        <p:nvSpPr>
+          <p:cNvPr id="12" name="TextBox 11">
+            <a:extLst>
+              <a:ext uri="{FF2B5EF4-FFF2-40B4-BE49-F238E27FC236}">
+                <a16:creationId xmlns:a16="http://schemas.microsoft.com/office/drawing/2014/main" id="{FB3C2C5A-2859-D943-E8FB-2348C798F65F}"/>
+              </a:ext>
+            </a:extLst>
+          </p:cNvPr>
+          <p:cNvSpPr txBox="1"/>
+          <p:nvPr/>
+        </p:nvSpPr>
+        <p:spPr>
+          <a:xfrm>
+            <a:off x="7744814" y="2646955"/>
+            <a:ext cx="2789739" cy="400110"/>
+          </a:xfrm>
+          <a:prstGeom prst="rect">
+            <a:avLst/>
+          </a:prstGeom>
+          <a:noFill/>
+          <a:ln w="12700" cap="flat">
+            <a:noFill/>
+            <a:miter lim="400000"/>
+          </a:ln>
+          <a:effectLst/>
+        </p:spPr>
+        <p:style>
+          <a:lnRef idx="0">
+            <a:scrgbClr r="0" g="0" b="0"/>
+          </a:lnRef>
+          <a:fillRef idx="0">
+            <a:scrgbClr r="0" g="0" b="0"/>
+          </a:fillRef>
+          <a:effectRef idx="0">
+            <a:scrgbClr r="0" g="0" b="0"/>
+          </a:effectRef>
+          <a:fontRef idx="none"/>
+        </p:style>
+        <p:txBody>
+          <a:bodyPr wrap="square">
+            <a:spAutoFit/>
+          </a:bodyPr>
+          <a:lstStyle/>
+          <a:p>
+            <a:pPr algn="ctr"/>
+            <a:r>
+              <a:rPr lang="en-US" sz="2000" dirty="0"/>
+              <a:t>Markov Chain Matrix</a:t>
+            </a:r>
+          </a:p>
+        </p:txBody>
+      </p:sp>
+    </p:spTree>
+    <p:extLst>
+      <p:ext uri="{BB962C8B-B14F-4D97-AF65-F5344CB8AC3E}">
+        <p14:creationId xmlns:p14="http://schemas.microsoft.com/office/powerpoint/2010/main" val="3283082566"/>
+      </p:ext>
+    </p:extLst>
+  </p:cSld>
+  <p:clrMapOvr>
+    <a:masterClrMapping/>
+  </p:clrMapOvr>
+  <mc:AlternateContent xmlns:mc="http://schemas.openxmlformats.org/markup-compatibility/2006" xmlns:p159="http://schemas.microsoft.com/office/powerpoint/2015/09/main">
+    <mc:Choice Requires="p159">
+      <p:transition xmlns:p14="http://schemas.microsoft.com/office/powerpoint/2010/main" spd="slow" p14:dur="2000">
+        <p159:morph option="byObject"/>
+      </p:transition>
+    </mc:Choice>
+    <mc:Fallback xmlns="">
+      <p:transition spd="slow">
+        <p:fade/>
+      </p:transition>
+    </mc:Fallback>
+  </mc:AlternateContent>
+</p:sld>
+</file>
+
+<file path=ppt/slides/slide8.xml><?xml version="1.0" encoding="utf-8"?>
+<p:sld xmlns:a="http://schemas.openxmlformats.org/drawingml/2006/main" xmlns:r="http://schemas.openxmlformats.org/officeDocument/2006/relationships" xmlns:p="http://schemas.openxmlformats.org/presentationml/2006/main">
+  <p:cSld>
+    <p:spTree>
+      <p:nvGrpSpPr>
+        <p:cNvPr id="1" name="">
+          <a:extLst>
+            <a:ext uri="{FF2B5EF4-FFF2-40B4-BE49-F238E27FC236}">
+              <a16:creationId xmlns:a16="http://schemas.microsoft.com/office/drawing/2014/main" id="{EFC19E63-F947-9E28-BE2D-039C8E65C61A}"/>
+            </a:ext>
+          </a:extLst>
+        </p:cNvPr>
+        <p:cNvGrpSpPr/>
+        <p:nvPr/>
+      </p:nvGrpSpPr>
+      <p:grpSpPr>
+        <a:xfrm>
+          <a:off x="0" y="0"/>
+          <a:ext cx="0" cy="0"/>
+          <a:chOff x="0" y="0"/>
+          <a:chExt cx="0" cy="0"/>
+        </a:xfrm>
+      </p:grpSpPr>
+      <p:sp>
+        <p:nvSpPr>
+          <p:cNvPr id="2" name="Title 1">
+            <a:extLst>
+              <a:ext uri="{FF2B5EF4-FFF2-40B4-BE49-F238E27FC236}">
+                <a16:creationId xmlns:a16="http://schemas.microsoft.com/office/drawing/2014/main" id="{F3ACCADE-7B32-159A-5E1A-2BDEEB00934F}"/>
+              </a:ext>
+            </a:extLst>
+          </p:cNvPr>
+          <p:cNvSpPr>
+            <a:spLocks noGrp="1"/>
+          </p:cNvSpPr>
+          <p:nvPr>
+            <p:ph type="title"/>
+          </p:nvPr>
+        </p:nvSpPr>
+        <p:spPr/>
+        <p:txBody>
+          <a:bodyPr/>
+          <a:lstStyle/>
+          <a:p>
             <a:r>
               <a:rPr lang="en-US" dirty="0"/>
-              <a:t>Probability of possible events</a:t>
+              <a:t>Basics Of Interacting Multiple Model</a:t>
             </a:r>
           </a:p>
+        </p:txBody>
+      </p:sp>
+      <p:sp>
+        <p:nvSpPr>
+          <p:cNvPr id="3" name="Slide Number Placeholder 2">
+            <a:extLst>
+              <a:ext uri="{FF2B5EF4-FFF2-40B4-BE49-F238E27FC236}">
+                <a16:creationId xmlns:a16="http://schemas.microsoft.com/office/drawing/2014/main" id="{528020A7-1D2A-E926-28EF-6FDF410BCEC6}"/>
+              </a:ext>
+            </a:extLst>
+          </p:cNvPr>
+          <p:cNvSpPr>
+            <a:spLocks noGrp="1"/>
+          </p:cNvSpPr>
+          <p:nvPr>
+            <p:ph type="sldNum" sz="quarter" idx="10"/>
+          </p:nvPr>
+        </p:nvSpPr>
+        <p:spPr/>
+        <p:txBody>
+          <a:bodyPr/>
+          <a:lstStyle/>
           <a:p>
-            <a:pPr marL="457200" lvl="1" indent="0">
-              <a:buNone/>
-            </a:pPr>
+            <a:fld id="{CAC3FE34-2808-40E6-BEA2-B7CA77D47CA5}" type="slidenum">
+              <a:rPr lang="en-US" smtClean="0"/>
+              <a:pPr/>
+              <a:t>8</a:t>
+            </a:fld>
             <a:endParaRPr lang="en-US" dirty="0"/>
+          </a:p>
+        </p:txBody>
+      </p:sp>
+      <p:sp>
+        <p:nvSpPr>
+          <p:cNvPr id="4" name="Text Placeholder 3">
+            <a:extLst>
+              <a:ext uri="{FF2B5EF4-FFF2-40B4-BE49-F238E27FC236}">
+                <a16:creationId xmlns:a16="http://schemas.microsoft.com/office/drawing/2014/main" id="{B812CCD8-CBE8-C890-7824-E8DF1AFC71E2}"/>
+              </a:ext>
+            </a:extLst>
+          </p:cNvPr>
+          <p:cNvSpPr>
+            <a:spLocks noGrp="1"/>
+          </p:cNvSpPr>
+          <p:nvPr>
+            <p:ph type="body" sz="quarter" idx="11"/>
+          </p:nvPr>
+        </p:nvSpPr>
+        <p:spPr>
+          <a:xfrm>
+            <a:off x="135540" y="1341438"/>
+            <a:ext cx="6282193" cy="4911725"/>
+          </a:xfrm>
+        </p:spPr>
+        <p:txBody>
+          <a:bodyPr/>
+          <a:lstStyle/>
+          <a:p>
+            <a:r>
+              <a:rPr lang="en-US" dirty="0"/>
+              <a:t>Markov Chains:</a:t>
+            </a:r>
           </a:p>
           <a:p>
             <a:pPr marL="0" indent="0">
@@ -27673,7 +27693,7 @@
           <p:cNvPr id="97" name="Text Placeholder 3">
             <a:extLst>
               <a:ext uri="{FF2B5EF4-FFF2-40B4-BE49-F238E27FC236}">
-                <a16:creationId xmlns:a16="http://schemas.microsoft.com/office/drawing/2014/main" id="{5F79A171-37C7-A5CA-0C07-D2FFC24A0DEE}"/>
+                <a16:creationId xmlns:a16="http://schemas.microsoft.com/office/drawing/2014/main" id="{44E239CE-4433-425E-14FE-9CABA81ED091}"/>
               </a:ext>
             </a:extLst>
           </p:cNvPr>
@@ -27939,7 +27959,7 @@
               <p:cNvPr id="100" name="TextBox 99">
                 <a:extLst>
                   <a:ext uri="{FF2B5EF4-FFF2-40B4-BE49-F238E27FC236}">
-                    <a16:creationId xmlns:a16="http://schemas.microsoft.com/office/drawing/2014/main" id="{14006103-EC1F-7839-A69A-8DF70917B84D}"/>
+                    <a16:creationId xmlns:a16="http://schemas.microsoft.com/office/drawing/2014/main" id="{16BF417F-FB66-5968-EE0D-A9A574A5196C}"/>
                   </a:ext>
                 </a:extLst>
               </p:cNvPr>
@@ -28528,7 +28548,7 @@
           <p:cNvPr id="101" name="TextBox 100">
             <a:extLst>
               <a:ext uri="{FF2B5EF4-FFF2-40B4-BE49-F238E27FC236}">
-                <a16:creationId xmlns:a16="http://schemas.microsoft.com/office/drawing/2014/main" id="{A67AAD1D-0D9C-80CF-52FF-76FCF58CFCDD}"/>
+                <a16:creationId xmlns:a16="http://schemas.microsoft.com/office/drawing/2014/main" id="{8EA71282-453D-8EDC-24F0-EEAE4FB2B96D}"/>
               </a:ext>
             </a:extLst>
           </p:cNvPr>
@@ -28614,7 +28634,7 @@
           <p:cNvPr id="102" name="TextBox 101">
             <a:extLst>
               <a:ext uri="{FF2B5EF4-FFF2-40B4-BE49-F238E27FC236}">
-                <a16:creationId xmlns:a16="http://schemas.microsoft.com/office/drawing/2014/main" id="{FA0F4D82-F10A-BB7D-2394-54641F3B9391}"/>
+                <a16:creationId xmlns:a16="http://schemas.microsoft.com/office/drawing/2014/main" id="{17178B33-0E92-B3AC-15A9-C3233036EA47}"/>
               </a:ext>
             </a:extLst>
           </p:cNvPr>
@@ -28703,7 +28723,7 @@
           <p:cNvPr id="103" name="TextBox 102">
             <a:extLst>
               <a:ext uri="{FF2B5EF4-FFF2-40B4-BE49-F238E27FC236}">
-                <a16:creationId xmlns:a16="http://schemas.microsoft.com/office/drawing/2014/main" id="{B5DAE838-BAC8-6D08-320B-5AC815701AFD}"/>
+                <a16:creationId xmlns:a16="http://schemas.microsoft.com/office/drawing/2014/main" id="{E08B5F73-D3A7-5EEC-AC8C-71A93B83B7B4}"/>
               </a:ext>
             </a:extLst>
           </p:cNvPr>
@@ -28789,7 +28809,7 @@
           <p:cNvPr id="8" name="Group 7">
             <a:extLst>
               <a:ext uri="{FF2B5EF4-FFF2-40B4-BE49-F238E27FC236}">
-                <a16:creationId xmlns:a16="http://schemas.microsoft.com/office/drawing/2014/main" id="{36A635B0-DBDD-2225-5B82-77B438D05FDE}"/>
+                <a16:creationId xmlns:a16="http://schemas.microsoft.com/office/drawing/2014/main" id="{24F05755-F56E-0DE3-E171-CEEA09D1D7B1}"/>
               </a:ext>
             </a:extLst>
           </p:cNvPr>
@@ -28798,7 +28818,7 @@
         </p:nvGrpSpPr>
         <p:grpSpPr>
           <a:xfrm>
-            <a:off x="142457" y="2455947"/>
+            <a:off x="142457" y="2047799"/>
             <a:ext cx="5869962" cy="3773740"/>
             <a:chOff x="617794" y="2479339"/>
             <a:chExt cx="5869962" cy="3773740"/>
@@ -28809,7 +28829,7 @@
             <p:cNvPr id="9" name="Oval 8">
               <a:extLst>
                 <a:ext uri="{FF2B5EF4-FFF2-40B4-BE49-F238E27FC236}">
-                  <a16:creationId xmlns:a16="http://schemas.microsoft.com/office/drawing/2014/main" id="{3ECE8374-E08D-AB52-E697-743E576AE548}"/>
+                  <a16:creationId xmlns:a16="http://schemas.microsoft.com/office/drawing/2014/main" id="{887BAE2A-2480-A1D7-9124-0E7CFFF93386}"/>
                 </a:ext>
               </a:extLst>
             </p:cNvPr>
@@ -28902,7 +28922,7 @@
             <p:cNvPr id="10" name="Oval 9">
               <a:extLst>
                 <a:ext uri="{FF2B5EF4-FFF2-40B4-BE49-F238E27FC236}">
-                  <a16:creationId xmlns:a16="http://schemas.microsoft.com/office/drawing/2014/main" id="{A07B5E81-14AF-04FA-E582-43DD91EC7F6D}"/>
+                  <a16:creationId xmlns:a16="http://schemas.microsoft.com/office/drawing/2014/main" id="{481A808D-CA0B-ACE4-125B-BDCBD2D4C612}"/>
                 </a:ext>
               </a:extLst>
             </p:cNvPr>
@@ -28989,7 +29009,7 @@
             <p:cNvPr id="11" name="Oval 10">
               <a:extLst>
                 <a:ext uri="{FF2B5EF4-FFF2-40B4-BE49-F238E27FC236}">
-                  <a16:creationId xmlns:a16="http://schemas.microsoft.com/office/drawing/2014/main" id="{D7083088-5A1C-6F99-8AB3-F25DF45DCEA4}"/>
+                  <a16:creationId xmlns:a16="http://schemas.microsoft.com/office/drawing/2014/main" id="{B41E7468-CBA0-7578-EE55-CF0322C6F370}"/>
                 </a:ext>
               </a:extLst>
             </p:cNvPr>
@@ -29082,7 +29102,7 @@
             <p:cNvPr id="13" name="Straight Arrow Connector 12">
               <a:extLst>
                 <a:ext uri="{FF2B5EF4-FFF2-40B4-BE49-F238E27FC236}">
-                  <a16:creationId xmlns:a16="http://schemas.microsoft.com/office/drawing/2014/main" id="{C02AC9A9-69D5-C600-AACA-B6947960305D}"/>
+                  <a16:creationId xmlns:a16="http://schemas.microsoft.com/office/drawing/2014/main" id="{756AF644-FBF5-D19A-D64B-3356F2BE16A0}"/>
                 </a:ext>
               </a:extLst>
             </p:cNvPr>
@@ -29130,7 +29150,7 @@
             <p:cNvPr id="14" name="Straight Arrow Connector 13">
               <a:extLst>
                 <a:ext uri="{FF2B5EF4-FFF2-40B4-BE49-F238E27FC236}">
-                  <a16:creationId xmlns:a16="http://schemas.microsoft.com/office/drawing/2014/main" id="{C05A0C95-3443-681E-6B76-3D0217EC0B6D}"/>
+                  <a16:creationId xmlns:a16="http://schemas.microsoft.com/office/drawing/2014/main" id="{28332AA3-B93C-BB1D-7428-FF77539C017F}"/>
                 </a:ext>
               </a:extLst>
             </p:cNvPr>
@@ -29178,7 +29198,7 @@
             <p:cNvPr id="15" name="Straight Arrow Connector 14">
               <a:extLst>
                 <a:ext uri="{FF2B5EF4-FFF2-40B4-BE49-F238E27FC236}">
-                  <a16:creationId xmlns:a16="http://schemas.microsoft.com/office/drawing/2014/main" id="{0306940C-F935-9BBE-FA27-B3420CD426D7}"/>
+                  <a16:creationId xmlns:a16="http://schemas.microsoft.com/office/drawing/2014/main" id="{33AAB6F7-91BB-49FF-E490-F8ED71EBB3FE}"/>
                 </a:ext>
               </a:extLst>
             </p:cNvPr>
@@ -29226,7 +29246,7 @@
             <p:cNvPr id="16" name="Straight Arrow Connector 15">
               <a:extLst>
                 <a:ext uri="{FF2B5EF4-FFF2-40B4-BE49-F238E27FC236}">
-                  <a16:creationId xmlns:a16="http://schemas.microsoft.com/office/drawing/2014/main" id="{43F17737-18C3-6CE9-9983-B289040F849A}"/>
+                  <a16:creationId xmlns:a16="http://schemas.microsoft.com/office/drawing/2014/main" id="{17C2756A-8132-C406-03E9-AEB0CF54D69A}"/>
                 </a:ext>
               </a:extLst>
             </p:cNvPr>
@@ -29273,7 +29293,7 @@
             <p:cNvPr id="17" name="Straight Arrow Connector 16">
               <a:extLst>
                 <a:ext uri="{FF2B5EF4-FFF2-40B4-BE49-F238E27FC236}">
-                  <a16:creationId xmlns:a16="http://schemas.microsoft.com/office/drawing/2014/main" id="{BC12D42E-ADCB-3776-508D-D73919F8F534}"/>
+                  <a16:creationId xmlns:a16="http://schemas.microsoft.com/office/drawing/2014/main" id="{A7D5C010-EE48-0D00-B7A2-F6A7329502D6}"/>
                 </a:ext>
               </a:extLst>
             </p:cNvPr>
@@ -29321,7 +29341,7 @@
             <p:cNvPr id="18" name="Straight Arrow Connector 17">
               <a:extLst>
                 <a:ext uri="{FF2B5EF4-FFF2-40B4-BE49-F238E27FC236}">
-                  <a16:creationId xmlns:a16="http://schemas.microsoft.com/office/drawing/2014/main" id="{21AF4BAC-4ED5-515F-7CAB-5FD79055AC56}"/>
+                  <a16:creationId xmlns:a16="http://schemas.microsoft.com/office/drawing/2014/main" id="{0CAC54CB-48B9-4C56-DC80-2399ACD5C5DD}"/>
                 </a:ext>
               </a:extLst>
             </p:cNvPr>
@@ -29369,7 +29389,7 @@
             <p:cNvPr id="20" name="Connector: Curved 19">
               <a:extLst>
                 <a:ext uri="{FF2B5EF4-FFF2-40B4-BE49-F238E27FC236}">
-                  <a16:creationId xmlns:a16="http://schemas.microsoft.com/office/drawing/2014/main" id="{85CB2F54-3FAB-3C77-0283-4DA22007C376}"/>
+                  <a16:creationId xmlns:a16="http://schemas.microsoft.com/office/drawing/2014/main" id="{F68D7ACF-A92D-36DE-992F-9FF46FEFF9DA}"/>
                 </a:ext>
               </a:extLst>
             </p:cNvPr>
@@ -29420,7 +29440,7 @@
             <p:cNvPr id="23" name="Connector: Curved 22">
               <a:extLst>
                 <a:ext uri="{FF2B5EF4-FFF2-40B4-BE49-F238E27FC236}">
-                  <a16:creationId xmlns:a16="http://schemas.microsoft.com/office/drawing/2014/main" id="{E326F2A4-B53C-42D8-30E4-6A40A4C6AEA8}"/>
+                  <a16:creationId xmlns:a16="http://schemas.microsoft.com/office/drawing/2014/main" id="{7AA7ABC2-0A70-5E6E-8952-FD89EBDC0244}"/>
                 </a:ext>
               </a:extLst>
             </p:cNvPr>
@@ -29471,7 +29491,7 @@
             <p:cNvPr id="25" name="Connector: Curved 24">
               <a:extLst>
                 <a:ext uri="{FF2B5EF4-FFF2-40B4-BE49-F238E27FC236}">
-                  <a16:creationId xmlns:a16="http://schemas.microsoft.com/office/drawing/2014/main" id="{A8DCE4FA-0B7F-4B3F-C6E8-8229BC5E36AF}"/>
+                  <a16:creationId xmlns:a16="http://schemas.microsoft.com/office/drawing/2014/main" id="{DF0641FC-9989-D8B2-6C58-1D6377B81A24}"/>
                 </a:ext>
               </a:extLst>
             </p:cNvPr>
@@ -29521,7 +29541,7 @@
             <p:cNvPr id="26" name="TextBox 25">
               <a:extLst>
                 <a:ext uri="{FF2B5EF4-FFF2-40B4-BE49-F238E27FC236}">
-                  <a16:creationId xmlns:a16="http://schemas.microsoft.com/office/drawing/2014/main" id="{E177C73F-FED9-73E7-9463-83746704E296}"/>
+                  <a16:creationId xmlns:a16="http://schemas.microsoft.com/office/drawing/2014/main" id="{3BD519AF-79DA-3105-1DA7-45F2054A1887}"/>
                 </a:ext>
               </a:extLst>
             </p:cNvPr>
@@ -29608,7 +29628,7 @@
             <p:cNvPr id="27" name="TextBox 26">
               <a:extLst>
                 <a:ext uri="{FF2B5EF4-FFF2-40B4-BE49-F238E27FC236}">
-                  <a16:creationId xmlns:a16="http://schemas.microsoft.com/office/drawing/2014/main" id="{CA6A71FB-0A31-AEA4-B1CB-1972172D9B45}"/>
+                  <a16:creationId xmlns:a16="http://schemas.microsoft.com/office/drawing/2014/main" id="{FF0996B4-D625-6300-28E5-B257CC2620C9}"/>
                 </a:ext>
               </a:extLst>
             </p:cNvPr>
@@ -29695,7 +29715,7 @@
             <p:cNvPr id="28" name="TextBox 27">
               <a:extLst>
                 <a:ext uri="{FF2B5EF4-FFF2-40B4-BE49-F238E27FC236}">
-                  <a16:creationId xmlns:a16="http://schemas.microsoft.com/office/drawing/2014/main" id="{A6AF5D10-D98F-BCB4-5FAC-08839323B682}"/>
+                  <a16:creationId xmlns:a16="http://schemas.microsoft.com/office/drawing/2014/main" id="{684BEEFC-750C-10C0-2BC7-C623EF027ABC}"/>
                 </a:ext>
               </a:extLst>
             </p:cNvPr>
@@ -29782,7 +29802,7 @@
             <p:cNvPr id="29" name="TextBox 28">
               <a:extLst>
                 <a:ext uri="{FF2B5EF4-FFF2-40B4-BE49-F238E27FC236}">
-                  <a16:creationId xmlns:a16="http://schemas.microsoft.com/office/drawing/2014/main" id="{31A8F464-91F9-58B8-923D-74A475B5B7A6}"/>
+                  <a16:creationId xmlns:a16="http://schemas.microsoft.com/office/drawing/2014/main" id="{11C18F95-EE67-6E84-92E7-E85ADA28A022}"/>
                 </a:ext>
               </a:extLst>
             </p:cNvPr>
@@ -29872,7 +29892,7 @@
             <p:cNvPr id="31" name="TextBox 30">
               <a:extLst>
                 <a:ext uri="{FF2B5EF4-FFF2-40B4-BE49-F238E27FC236}">
-                  <a16:creationId xmlns:a16="http://schemas.microsoft.com/office/drawing/2014/main" id="{68D5E5CF-E252-2FB3-A0C8-8EEC79BA9BA7}"/>
+                  <a16:creationId xmlns:a16="http://schemas.microsoft.com/office/drawing/2014/main" id="{940A95A1-BEFF-4145-355A-7AD3A1B368AB}"/>
                 </a:ext>
               </a:extLst>
             </p:cNvPr>
@@ -29962,7 +29982,7 @@
             <p:cNvPr id="32" name="TextBox 31">
               <a:extLst>
                 <a:ext uri="{FF2B5EF4-FFF2-40B4-BE49-F238E27FC236}">
-                  <a16:creationId xmlns:a16="http://schemas.microsoft.com/office/drawing/2014/main" id="{4654EA7E-F85E-7494-80DF-30CBD9FCF1A8}"/>
+                  <a16:creationId xmlns:a16="http://schemas.microsoft.com/office/drawing/2014/main" id="{0328079F-EAD2-6AE6-4644-E74EFF640956}"/>
                 </a:ext>
               </a:extLst>
             </p:cNvPr>
@@ -30052,7 +30072,7 @@
             <p:cNvPr id="34" name="TextBox 33">
               <a:extLst>
                 <a:ext uri="{FF2B5EF4-FFF2-40B4-BE49-F238E27FC236}">
-                  <a16:creationId xmlns:a16="http://schemas.microsoft.com/office/drawing/2014/main" id="{11442FD1-B10D-5D8E-5153-7B9FC6EBA6C9}"/>
+                  <a16:creationId xmlns:a16="http://schemas.microsoft.com/office/drawing/2014/main" id="{09740DA2-65AB-1929-9394-1C14382094D0}"/>
                 </a:ext>
               </a:extLst>
             </p:cNvPr>
@@ -30139,7 +30159,7 @@
             <p:cNvPr id="35" name="TextBox 34">
               <a:extLst>
                 <a:ext uri="{FF2B5EF4-FFF2-40B4-BE49-F238E27FC236}">
-                  <a16:creationId xmlns:a16="http://schemas.microsoft.com/office/drawing/2014/main" id="{146BFABB-3CD0-7E85-A6E0-165B0DD40736}"/>
+                  <a16:creationId xmlns:a16="http://schemas.microsoft.com/office/drawing/2014/main" id="{7BB77C30-F9E2-F6B2-9A4E-6658004C39F5}"/>
                 </a:ext>
               </a:extLst>
             </p:cNvPr>
@@ -30226,7 +30246,7 @@
             <p:cNvPr id="36" name="TextBox 35">
               <a:extLst>
                 <a:ext uri="{FF2B5EF4-FFF2-40B4-BE49-F238E27FC236}">
-                  <a16:creationId xmlns:a16="http://schemas.microsoft.com/office/drawing/2014/main" id="{3C75FB45-C54B-131D-5E9A-DCE1E27BB4D4}"/>
+                  <a16:creationId xmlns:a16="http://schemas.microsoft.com/office/drawing/2014/main" id="{D62DC9C1-406D-2B1B-6813-2643CA410A78}"/>
                 </a:ext>
               </a:extLst>
             </p:cNvPr>
@@ -30312,7 +30332,7 @@
     </p:spTree>
     <p:extLst>
       <p:ext uri="{BB962C8B-B14F-4D97-AF65-F5344CB8AC3E}">
-        <p14:creationId xmlns:p14="http://schemas.microsoft.com/office/powerpoint/2010/main" val="3283082566"/>
+        <p14:creationId xmlns:p14="http://schemas.microsoft.com/office/powerpoint/2010/main" val="49441585"/>
       </p:ext>
     </p:extLst>
   </p:cSld>
@@ -30342,7 +30362,7 @@
         <p:cNvPr id="1" name="">
           <a:extLst>
             <a:ext uri="{FF2B5EF4-FFF2-40B4-BE49-F238E27FC236}">
-              <a16:creationId xmlns:a16="http://schemas.microsoft.com/office/drawing/2014/main" id="{A1B3417A-4E6E-C9B4-A7C7-DB3D8FD1DB0A}"/>
+              <a16:creationId xmlns:a16="http://schemas.microsoft.com/office/drawing/2014/main" id="{E42915A3-4DFA-7D73-29C0-A3F8DE257BB6}"/>
             </a:ext>
           </a:extLst>
         </p:cNvPr>
@@ -30359,267 +30379,10 @@
       </p:grpSpPr>
       <p:sp>
         <p:nvSpPr>
-          <p:cNvPr id="12" name="Text Placeholder 3">
-            <a:extLst>
-              <a:ext uri="{FF2B5EF4-FFF2-40B4-BE49-F238E27FC236}">
-                <a16:creationId xmlns:a16="http://schemas.microsoft.com/office/drawing/2014/main" id="{839765BF-C91C-F0CD-AF2D-6B3C1935F5FC}"/>
-              </a:ext>
-            </a:extLst>
-          </p:cNvPr>
-          <p:cNvSpPr txBox="1">
-            <a:spLocks/>
-          </p:cNvSpPr>
-          <p:nvPr/>
-        </p:nvSpPr>
-        <p:spPr>
-          <a:xfrm>
-            <a:off x="6096001" y="4526474"/>
-            <a:ext cx="6207314" cy="2222424"/>
-          </a:xfrm>
-          <a:prstGeom prst="rect">
-            <a:avLst/>
-          </a:prstGeom>
-        </p:spPr>
-        <p:txBody>
-          <a:bodyPr vert="horz" lIns="91440" tIns="45720" rIns="91440" bIns="45720" rtlCol="0">
-            <a:normAutofit/>
-          </a:bodyPr>
-          <a:lstStyle>
-            <a:lvl1pPr marL="342900" indent="-342900" defTabSz="457200">
-              <a:spcBef>
-                <a:spcPts val="700"/>
-              </a:spcBef>
-              <a:buClr>
-                <a:srgbClr val="000000"/>
-              </a:buClr>
-              <a:buSzPct val="100000"/>
-              <a:buFont typeface="Arial"/>
-              <a:buChar char="•"/>
-              <a:defRPr sz="2800">
-                <a:solidFill>
-                  <a:srgbClr val="03244D"/>
-                </a:solidFill>
-                <a:uFill>
-                  <a:solidFill/>
-                </a:uFill>
-                <a:latin typeface="+mn-lt"/>
-                <a:ea typeface="+mn-ea"/>
-                <a:cs typeface="Arial" panose="020B0604020202020204" pitchFamily="34" charset="0"/>
-                <a:sym typeface="Calibri"/>
-              </a:defRPr>
-            </a:lvl1pPr>
-            <a:lvl2pPr marL="783771" indent="-326571" defTabSz="457200">
-              <a:spcBef>
-                <a:spcPts val="700"/>
-              </a:spcBef>
-              <a:buClr>
-                <a:srgbClr val="000000"/>
-              </a:buClr>
-              <a:buSzPct val="100000"/>
-              <a:buFont typeface="Arial"/>
-              <a:buChar char="•"/>
-              <a:defRPr sz="2400">
-                <a:solidFill>
-                  <a:srgbClr val="03244D"/>
-                </a:solidFill>
-                <a:uFill>
-                  <a:solidFill/>
-                </a:uFill>
-                <a:latin typeface="+mn-lt"/>
-                <a:ea typeface="+mn-ea"/>
-                <a:cs typeface="Arial" panose="020B0604020202020204" pitchFamily="34" charset="0"/>
-                <a:sym typeface="Calibri"/>
-              </a:defRPr>
-            </a:lvl2pPr>
-            <a:lvl3pPr marL="1219200" indent="-304800" defTabSz="457200">
-              <a:spcBef>
-                <a:spcPts val="700"/>
-              </a:spcBef>
-              <a:buClr>
-                <a:srgbClr val="000000"/>
-              </a:buClr>
-              <a:buSzPct val="100000"/>
-              <a:buFont typeface="Arial"/>
-              <a:buChar char="•"/>
-              <a:defRPr sz="2000">
-                <a:solidFill>
-                  <a:srgbClr val="03244D"/>
-                </a:solidFill>
-                <a:uFill>
-                  <a:solidFill/>
-                </a:uFill>
-                <a:latin typeface="+mn-lt"/>
-                <a:ea typeface="+mn-ea"/>
-                <a:cs typeface="Arial" panose="020B0604020202020204" pitchFamily="34" charset="0"/>
-                <a:sym typeface="Calibri"/>
-              </a:defRPr>
-            </a:lvl3pPr>
-            <a:lvl4pPr marL="1737360" indent="-365760" defTabSz="457200">
-              <a:spcBef>
-                <a:spcPts val="700"/>
-              </a:spcBef>
-              <a:buClr>
-                <a:srgbClr val="000000"/>
-              </a:buClr>
-              <a:buSzPct val="100000"/>
-              <a:buFont typeface="Arial"/>
-              <a:buChar char="•"/>
-              <a:defRPr sz="2000">
-                <a:solidFill>
-                  <a:srgbClr val="03244D"/>
-                </a:solidFill>
-                <a:uFill>
-                  <a:solidFill/>
-                </a:uFill>
-                <a:latin typeface="+mn-lt"/>
-                <a:ea typeface="+mn-ea"/>
-                <a:cs typeface="Arial" panose="020B0604020202020204" pitchFamily="34" charset="0"/>
-                <a:sym typeface="Calibri"/>
-              </a:defRPr>
-            </a:lvl4pPr>
-            <a:lvl5pPr marL="2194560" indent="-365760" defTabSz="457200">
-              <a:spcBef>
-                <a:spcPts val="700"/>
-              </a:spcBef>
-              <a:buClr>
-                <a:srgbClr val="000000"/>
-              </a:buClr>
-              <a:buSzPct val="100000"/>
-              <a:buFont typeface="Arial"/>
-              <a:buChar char="•"/>
-              <a:defRPr sz="2000">
-                <a:solidFill>
-                  <a:srgbClr val="03244D"/>
-                </a:solidFill>
-                <a:uFill>
-                  <a:solidFill/>
-                </a:uFill>
-                <a:latin typeface="+mn-lt"/>
-                <a:ea typeface="+mn-ea"/>
-                <a:cs typeface="Arial" panose="020B0604020202020204" pitchFamily="34" charset="0"/>
-                <a:sym typeface="Calibri"/>
-              </a:defRPr>
-            </a:lvl5pPr>
-            <a:lvl6pPr marL="2451100" indent="0" defTabSz="457200">
-              <a:spcBef>
-                <a:spcPts val="700"/>
-              </a:spcBef>
-              <a:buClr>
-                <a:srgbClr val="000000"/>
-              </a:buClr>
-              <a:buSzPct val="171000"/>
-              <a:buFont typeface="Arial"/>
-              <a:buNone/>
-              <a:defRPr sz="1800">
-                <a:solidFill>
-                  <a:srgbClr val="03244D"/>
-                </a:solidFill>
-                <a:uFill>
-                  <a:solidFill/>
-                </a:uFill>
-                <a:latin typeface="Arial" panose="020B0604020202020204" pitchFamily="34" charset="0"/>
-                <a:ea typeface="+mn-ea"/>
-                <a:cs typeface="Arial" panose="020B0604020202020204" pitchFamily="34" charset="0"/>
-                <a:sym typeface="Calibri"/>
-              </a:defRPr>
-            </a:lvl6pPr>
-            <a:lvl7pPr marL="3721100" indent="-914400" defTabSz="457200">
-              <a:spcBef>
-                <a:spcPts val="700"/>
-              </a:spcBef>
-              <a:buClr>
-                <a:srgbClr val="000000"/>
-              </a:buClr>
-              <a:buSzPct val="171000"/>
-              <a:buFont typeface="Arial"/>
-              <a:buChar char="•"/>
-              <a:defRPr sz="3200">
-                <a:uFill>
-                  <a:solidFill/>
-                </a:uFill>
-                <a:latin typeface="+mn-lt"/>
-                <a:ea typeface="+mn-ea"/>
-                <a:cs typeface="+mn-cs"/>
-                <a:sym typeface="Calibri"/>
-              </a:defRPr>
-            </a:lvl7pPr>
-            <a:lvl8pPr marL="4076700" indent="-914400" defTabSz="457200">
-              <a:spcBef>
-                <a:spcPts val="700"/>
-              </a:spcBef>
-              <a:buClr>
-                <a:srgbClr val="000000"/>
-              </a:buClr>
-              <a:buSzPct val="171000"/>
-              <a:buFont typeface="Arial"/>
-              <a:buChar char="•"/>
-              <a:defRPr sz="3200">
-                <a:uFill>
-                  <a:solidFill/>
-                </a:uFill>
-                <a:latin typeface="+mn-lt"/>
-                <a:ea typeface="+mn-ea"/>
-                <a:cs typeface="+mn-cs"/>
-                <a:sym typeface="Calibri"/>
-              </a:defRPr>
-            </a:lvl8pPr>
-            <a:lvl9pPr marL="4432300" indent="-914400" defTabSz="457200">
-              <a:spcBef>
-                <a:spcPts val="700"/>
-              </a:spcBef>
-              <a:buClr>
-                <a:srgbClr val="000000"/>
-              </a:buClr>
-              <a:buSzPct val="171000"/>
-              <a:buFont typeface="Arial"/>
-              <a:buChar char="•"/>
-              <a:defRPr sz="3200">
-                <a:uFill>
-                  <a:solidFill/>
-                </a:uFill>
-                <a:latin typeface="+mn-lt"/>
-                <a:ea typeface="+mn-ea"/>
-                <a:cs typeface="+mn-cs"/>
-                <a:sym typeface="Calibri"/>
-              </a:defRPr>
-            </a:lvl9pPr>
-          </a:lstStyle>
-          <a:p>
-            <a:r>
-              <a:rPr lang="en-US" dirty="0"/>
-              <a:t>Total Probability Theorem</a:t>
-            </a:r>
-          </a:p>
-          <a:p>
-            <a:pPr marL="0" indent="0">
-              <a:buNone/>
-            </a:pPr>
-            <a:endParaRPr lang="en-US" dirty="0"/>
-          </a:p>
-          <a:p>
-            <a:pPr marL="0" indent="0">
-              <a:buFont typeface="Arial"/>
-              <a:buNone/>
-            </a:pPr>
-            <a:r>
-              <a:rPr lang="en-US" dirty="0"/>
-              <a:t>		</a:t>
-            </a:r>
-          </a:p>
-          <a:p>
-            <a:endParaRPr lang="en-US" dirty="0"/>
-          </a:p>
-          <a:p>
-            <a:endParaRPr lang="en-US" dirty="0"/>
-          </a:p>
-        </p:txBody>
-      </p:sp>
-      <p:sp>
-        <p:nvSpPr>
           <p:cNvPr id="2" name="Title 1">
             <a:extLst>
               <a:ext uri="{FF2B5EF4-FFF2-40B4-BE49-F238E27FC236}">
-                <a16:creationId xmlns:a16="http://schemas.microsoft.com/office/drawing/2014/main" id="{2C5B2B18-CA2E-CCAB-6532-5EEDB6FAC62C}"/>
+                <a16:creationId xmlns:a16="http://schemas.microsoft.com/office/drawing/2014/main" id="{C0EEA5A2-90E7-0CD0-3DF1-F12595D1AC62}"/>
               </a:ext>
             </a:extLst>
           </p:cNvPr>
@@ -30647,7 +30410,7 @@
           <p:cNvPr id="3" name="Slide Number Placeholder 2">
             <a:extLst>
               <a:ext uri="{FF2B5EF4-FFF2-40B4-BE49-F238E27FC236}">
-                <a16:creationId xmlns:a16="http://schemas.microsoft.com/office/drawing/2014/main" id="{9A6ADF00-AF66-BB29-7EDB-AB372101822E}"/>
+                <a16:creationId xmlns:a16="http://schemas.microsoft.com/office/drawing/2014/main" id="{478FFA92-9CD4-7205-581F-9C278C1B8010}"/>
               </a:ext>
             </a:extLst>
           </p:cNvPr>
@@ -30677,7 +30440,7 @@
           <p:cNvPr id="4" name="Text Placeholder 3">
             <a:extLst>
               <a:ext uri="{FF2B5EF4-FFF2-40B4-BE49-F238E27FC236}">
-                <a16:creationId xmlns:a16="http://schemas.microsoft.com/office/drawing/2014/main" id="{C1EA16E1-B7F4-DA0E-0CC5-F631888CB2B1}"/>
+                <a16:creationId xmlns:a16="http://schemas.microsoft.com/office/drawing/2014/main" id="{7D22DA4A-8E89-4BCA-8563-1D3E881D8CA4}"/>
               </a:ext>
             </a:extLst>
           </p:cNvPr>
@@ -30700,21 +30463,8 @@
           <a:p>
             <a:r>
               <a:rPr lang="en-US" dirty="0"/>
-              <a:t>Markov Chains</a:t>
+              <a:t>Markov Chains:</a:t>
             </a:r>
-          </a:p>
-          <a:p>
-            <a:pPr lvl="1"/>
-            <a:r>
-              <a:rPr lang="en-US" dirty="0"/>
-              <a:t>Probability of possible events</a:t>
-            </a:r>
-          </a:p>
-          <a:p>
-            <a:pPr marL="457200" lvl="1" indent="0">
-              <a:buNone/>
-            </a:pPr>
-            <a:endParaRPr lang="en-US" dirty="0"/>
           </a:p>
           <a:p>
             <a:pPr marL="0" indent="0">
@@ -30738,7 +30488,7 @@
           <p:cNvPr id="97" name="Text Placeholder 3">
             <a:extLst>
               <a:ext uri="{FF2B5EF4-FFF2-40B4-BE49-F238E27FC236}">
-                <a16:creationId xmlns:a16="http://schemas.microsoft.com/office/drawing/2014/main" id="{CA801D61-E0A8-2C84-B7F2-4BD16717F77D}"/>
+                <a16:creationId xmlns:a16="http://schemas.microsoft.com/office/drawing/2014/main" id="{843EBC83-DCBC-B2CC-73A6-68ECAEF1E8CB}"/>
               </a:ext>
             </a:extLst>
           </p:cNvPr>
@@ -31004,7 +30754,7 @@
               <p:cNvPr id="100" name="TextBox 99">
                 <a:extLst>
                   <a:ext uri="{FF2B5EF4-FFF2-40B4-BE49-F238E27FC236}">
-                    <a16:creationId xmlns:a16="http://schemas.microsoft.com/office/drawing/2014/main" id="{043A8515-A3C1-B120-AA5E-CEC9A6EA4140}"/>
+                    <a16:creationId xmlns:a16="http://schemas.microsoft.com/office/drawing/2014/main" id="{B3FEE662-04C4-CBF1-6549-86DBF255BB3B}"/>
                   </a:ext>
                 </a:extLst>
               </p:cNvPr>
@@ -31544,7 +31294,7 @@
               <p:cNvPr id="100" name="TextBox 99">
                 <a:extLst>
                   <a:ext uri="{FF2B5EF4-FFF2-40B4-BE49-F238E27FC236}">
-                    <a16:creationId xmlns:a16="http://schemas.microsoft.com/office/drawing/2014/main" id="{043A8515-A3C1-B120-AA5E-CEC9A6EA4140}"/>
+                    <a16:creationId xmlns:a16="http://schemas.microsoft.com/office/drawing/2014/main" id="{14006103-EC1F-7839-A69A-8DF70917B84D}"/>
                   </a:ext>
                 </a:extLst>
               </p:cNvPr>
@@ -31562,7 +31312,7 @@
                 <a:avLst/>
               </a:prstGeom>
               <a:blipFill>
-                <a:blip r:embed="rId2"/>
+                <a:blip r:embed="rId3"/>
                 <a:stretch>
                   <a:fillRect/>
                 </a:stretch>
@@ -31593,7 +31343,7 @@
           <p:cNvPr id="101" name="TextBox 100">
             <a:extLst>
               <a:ext uri="{FF2B5EF4-FFF2-40B4-BE49-F238E27FC236}">
-                <a16:creationId xmlns:a16="http://schemas.microsoft.com/office/drawing/2014/main" id="{67F5CC30-E4AA-C8BD-1776-36400E56E331}"/>
+                <a16:creationId xmlns:a16="http://schemas.microsoft.com/office/drawing/2014/main" id="{6CB96299-4B6E-E77D-7BF4-8D923C225B72}"/>
               </a:ext>
             </a:extLst>
           </p:cNvPr>
@@ -31679,7 +31429,7 @@
           <p:cNvPr id="102" name="TextBox 101">
             <a:extLst>
               <a:ext uri="{FF2B5EF4-FFF2-40B4-BE49-F238E27FC236}">
-                <a16:creationId xmlns:a16="http://schemas.microsoft.com/office/drawing/2014/main" id="{BCCD4200-063C-E69D-AF57-2D5A3E9B5048}"/>
+                <a16:creationId xmlns:a16="http://schemas.microsoft.com/office/drawing/2014/main" id="{E1B67FC8-5504-0147-F69E-9723A77493FC}"/>
               </a:ext>
             </a:extLst>
           </p:cNvPr>
@@ -31768,7 +31518,7 @@
           <p:cNvPr id="103" name="TextBox 102">
             <a:extLst>
               <a:ext uri="{FF2B5EF4-FFF2-40B4-BE49-F238E27FC236}">
-                <a16:creationId xmlns:a16="http://schemas.microsoft.com/office/drawing/2014/main" id="{7CBA7BA9-2569-7AAB-4028-8D13B41DDE32}"/>
+                <a16:creationId xmlns:a16="http://schemas.microsoft.com/office/drawing/2014/main" id="{13D8AFB2-1709-C87E-706A-0FC5580ACA33}"/>
               </a:ext>
             </a:extLst>
           </p:cNvPr>
@@ -31849,14 +31599,1796 @@
           </a:p>
         </p:txBody>
       </p:sp>
-      <mc:AlternateContent xmlns:mc="http://schemas.openxmlformats.org/markup-compatibility/2006" xmlns:a14="http://schemas.microsoft.com/office/drawing/2010/main">
-        <mc:Choice Requires="a14">
+      <p:grpSp>
+        <p:nvGrpSpPr>
+          <p:cNvPr id="8" name="Group 7">
+            <a:extLst>
+              <a:ext uri="{FF2B5EF4-FFF2-40B4-BE49-F238E27FC236}">
+                <a16:creationId xmlns:a16="http://schemas.microsoft.com/office/drawing/2014/main" id="{49B9A05D-7A13-F6A0-D00A-5162DB8C17FE}"/>
+              </a:ext>
+            </a:extLst>
+          </p:cNvPr>
+          <p:cNvGrpSpPr/>
+          <p:nvPr/>
+        </p:nvGrpSpPr>
+        <p:grpSpPr>
+          <a:xfrm>
+            <a:off x="142457" y="2047799"/>
+            <a:ext cx="5869962" cy="3773740"/>
+            <a:chOff x="617794" y="2479339"/>
+            <a:chExt cx="5869962" cy="3773740"/>
+          </a:xfrm>
+        </p:grpSpPr>
+        <p:sp>
+          <p:nvSpPr>
+            <p:cNvPr id="9" name="Oval 8">
+              <a:extLst>
+                <a:ext uri="{FF2B5EF4-FFF2-40B4-BE49-F238E27FC236}">
+                  <a16:creationId xmlns:a16="http://schemas.microsoft.com/office/drawing/2014/main" id="{54D96E34-3A54-B07D-D71A-AADE0D16D1B0}"/>
+                </a:ext>
+              </a:extLst>
+            </p:cNvPr>
+            <p:cNvSpPr/>
+            <p:nvPr/>
+          </p:nvSpPr>
+          <p:spPr>
+            <a:xfrm>
+              <a:off x="2878740" y="2985689"/>
+              <a:ext cx="1371600" cy="1371600"/>
+            </a:xfrm>
+            <a:prstGeom prst="ellipse">
+              <a:avLst/>
+            </a:prstGeom>
+            <a:noFill/>
+            <a:ln w="12700" cap="flat">
+              <a:solidFill>
+                <a:schemeClr val="tx1"/>
+              </a:solidFill>
+              <a:miter lim="400000"/>
+            </a:ln>
+            <a:effectLst>
+              <a:outerShdw blurRad="38100" dist="25400" dir="5400000" rotWithShape="0">
+                <a:srgbClr val="000000">
+                  <a:alpha val="50000"/>
+                </a:srgbClr>
+              </a:outerShdw>
+            </a:effectLst>
+          </p:spPr>
+          <p:style>
+            <a:lnRef idx="0">
+              <a:scrgbClr r="0" g="0" b="0"/>
+            </a:lnRef>
+            <a:fillRef idx="0">
+              <a:scrgbClr r="0" g="0" b="0"/>
+            </a:fillRef>
+            <a:effectRef idx="0">
+              <a:scrgbClr r="0" g="0" b="0"/>
+            </a:effectRef>
+            <a:fontRef idx="none"/>
+          </p:style>
+          <p:txBody>
+            <a:bodyPr rot="0" spcFirstLastPara="1" vertOverflow="overflow" horzOverflow="overflow" vert="horz" wrap="square" lIns="50800" tIns="50800" rIns="50800" bIns="50800" numCol="1" spcCol="38100" rtlCol="0" anchor="ctr">
+              <a:spAutoFit/>
+            </a:bodyPr>
+            <a:lstStyle/>
+            <a:p>
+              <a:pPr marL="0" marR="0" indent="0" algn="ctr" defTabSz="584200" rtl="0" fontAlgn="auto" latinLnBrk="1" hangingPunct="0">
+                <a:lnSpc>
+                  <a:spcPct val="100000"/>
+                </a:lnSpc>
+                <a:spcBef>
+                  <a:spcPts val="0"/>
+                </a:spcBef>
+                <a:spcAft>
+                  <a:spcPts val="0"/>
+                </a:spcAft>
+                <a:buClr>
+                  <a:srgbClr val="000000"/>
+                </a:buClr>
+                <a:buSzTx/>
+                <a:buFont typeface="Calibri"/>
+                <a:buNone/>
+                <a:tabLst/>
+              </a:pPr>
+              <a:r>
+                <a:rPr lang="en-US" sz="2800" dirty="0">
+                  <a:solidFill>
+                    <a:schemeClr val="accent5"/>
+                  </a:solidFill>
+                  <a:uFillTx/>
+                </a:rPr>
+                <a:t>Walk</a:t>
+              </a:r>
+              <a:endParaRPr kumimoji="0" lang="en-US" sz="2800" i="0" u="none" strike="noStrike" cap="none" spc="0" normalizeH="0" baseline="0" dirty="0">
+                <a:ln>
+                  <a:noFill/>
+                </a:ln>
+                <a:solidFill>
+                  <a:schemeClr val="accent5"/>
+                </a:solidFill>
+                <a:uFillTx/>
+                <a:sym typeface="Calibri"/>
+              </a:endParaRPr>
+            </a:p>
+          </p:txBody>
+        </p:sp>
+        <p:sp>
+          <p:nvSpPr>
+            <p:cNvPr id="10" name="Oval 9">
+              <a:extLst>
+                <a:ext uri="{FF2B5EF4-FFF2-40B4-BE49-F238E27FC236}">
+                  <a16:creationId xmlns:a16="http://schemas.microsoft.com/office/drawing/2014/main" id="{E0682E9E-53DC-842C-154A-358337B265BD}"/>
+                </a:ext>
+              </a:extLst>
+            </p:cNvPr>
+            <p:cNvSpPr/>
+            <p:nvPr/>
+          </p:nvSpPr>
+          <p:spPr>
+            <a:xfrm>
+              <a:off x="1367094" y="4557121"/>
+              <a:ext cx="1371600" cy="1371600"/>
+            </a:xfrm>
+            <a:prstGeom prst="ellipse">
+              <a:avLst/>
+            </a:prstGeom>
+            <a:noFill/>
+            <a:ln w="12700" cap="flat">
+              <a:solidFill>
+                <a:schemeClr val="tx1"/>
+              </a:solidFill>
+              <a:miter lim="400000"/>
+            </a:ln>
+            <a:effectLst>
+              <a:outerShdw blurRad="38100" dist="25400" dir="5400000" rotWithShape="0">
+                <a:srgbClr val="000000">
+                  <a:alpha val="50000"/>
+                </a:srgbClr>
+              </a:outerShdw>
+            </a:effectLst>
+          </p:spPr>
+          <p:style>
+            <a:lnRef idx="0">
+              <a:scrgbClr r="0" g="0" b="0"/>
+            </a:lnRef>
+            <a:fillRef idx="0">
+              <a:scrgbClr r="0" g="0" b="0"/>
+            </a:fillRef>
+            <a:effectRef idx="0">
+              <a:scrgbClr r="0" g="0" b="0"/>
+            </a:effectRef>
+            <a:fontRef idx="none"/>
+          </p:style>
+          <p:txBody>
+            <a:bodyPr rot="0" spcFirstLastPara="1" vertOverflow="overflow" horzOverflow="overflow" vert="horz" wrap="square" lIns="50800" tIns="50800" rIns="50800" bIns="50800" numCol="1" spcCol="38100" rtlCol="0" anchor="ctr">
+              <a:spAutoFit/>
+            </a:bodyPr>
+            <a:lstStyle/>
+            <a:p>
+              <a:pPr marL="0" marR="0" indent="0" algn="ctr" defTabSz="584200" rtl="0" fontAlgn="auto" latinLnBrk="1" hangingPunct="0">
+                <a:lnSpc>
+                  <a:spcPct val="100000"/>
+                </a:lnSpc>
+                <a:spcBef>
+                  <a:spcPts val="0"/>
+                </a:spcBef>
+                <a:spcAft>
+                  <a:spcPts val="0"/>
+                </a:spcAft>
+                <a:buClr>
+                  <a:srgbClr val="000000"/>
+                </a:buClr>
+                <a:buSzTx/>
+                <a:buFont typeface="Calibri"/>
+                <a:buNone/>
+                <a:tabLst/>
+              </a:pPr>
+              <a:r>
+                <a:rPr kumimoji="0" lang="en-US" sz="2800" i="0" u="none" strike="noStrike" normalizeH="0" baseline="0" dirty="0">
+                  <a:solidFill>
+                    <a:schemeClr val="accent5"/>
+                  </a:solidFill>
+                  <a:uFillTx/>
+                  <a:latin typeface="+mn-lt"/>
+                  <a:ea typeface="+mn-ea"/>
+                  <a:cs typeface="+mn-cs"/>
+                  <a:sym typeface="Calibri"/>
+                </a:rPr>
+                <a:t>Stop</a:t>
+              </a:r>
+            </a:p>
+          </p:txBody>
+        </p:sp>
+        <p:sp>
+          <p:nvSpPr>
+            <p:cNvPr id="11" name="Oval 10">
+              <a:extLst>
+                <a:ext uri="{FF2B5EF4-FFF2-40B4-BE49-F238E27FC236}">
+                  <a16:creationId xmlns:a16="http://schemas.microsoft.com/office/drawing/2014/main" id="{51A0AB2A-CAE9-899D-7BA1-FCA9A00850EA}"/>
+                </a:ext>
+              </a:extLst>
+            </p:cNvPr>
+            <p:cNvSpPr/>
+            <p:nvPr/>
+          </p:nvSpPr>
+          <p:spPr>
+            <a:xfrm>
+              <a:off x="4436496" y="4557121"/>
+              <a:ext cx="1371600" cy="1371600"/>
+            </a:xfrm>
+            <a:prstGeom prst="ellipse">
+              <a:avLst/>
+            </a:prstGeom>
+            <a:noFill/>
+            <a:ln w="12700" cap="flat">
+              <a:solidFill>
+                <a:schemeClr val="tx1"/>
+              </a:solidFill>
+              <a:miter lim="400000"/>
+            </a:ln>
+            <a:effectLst>
+              <a:outerShdw blurRad="38100" dist="25400" dir="5400000" rotWithShape="0">
+                <a:srgbClr val="000000">
+                  <a:alpha val="50000"/>
+                </a:srgbClr>
+              </a:outerShdw>
+            </a:effectLst>
+          </p:spPr>
+          <p:style>
+            <a:lnRef idx="0">
+              <a:scrgbClr r="0" g="0" b="0"/>
+            </a:lnRef>
+            <a:fillRef idx="0">
+              <a:scrgbClr r="0" g="0" b="0"/>
+            </a:fillRef>
+            <a:effectRef idx="0">
+              <a:scrgbClr r="0" g="0" b="0"/>
+            </a:effectRef>
+            <a:fontRef idx="none"/>
+          </p:style>
+          <p:txBody>
+            <a:bodyPr rot="0" spcFirstLastPara="1" vertOverflow="overflow" horzOverflow="overflow" vert="horz" wrap="square" lIns="50800" tIns="50800" rIns="50800" bIns="50800" numCol="1" spcCol="38100" rtlCol="0" anchor="ctr">
+              <a:spAutoFit/>
+            </a:bodyPr>
+            <a:lstStyle/>
+            <a:p>
+              <a:pPr marL="0" marR="0" indent="0" algn="ctr" defTabSz="584200" rtl="0" fontAlgn="auto" latinLnBrk="1" hangingPunct="0">
+                <a:lnSpc>
+                  <a:spcPct val="100000"/>
+                </a:lnSpc>
+                <a:spcBef>
+                  <a:spcPts val="0"/>
+                </a:spcBef>
+                <a:spcAft>
+                  <a:spcPts val="0"/>
+                </a:spcAft>
+                <a:buClr>
+                  <a:srgbClr val="000000"/>
+                </a:buClr>
+                <a:buSzTx/>
+                <a:buFont typeface="Calibri"/>
+                <a:buNone/>
+                <a:tabLst/>
+              </a:pPr>
+              <a:r>
+                <a:rPr lang="en-US" sz="2800" dirty="0">
+                  <a:solidFill>
+                    <a:schemeClr val="accent5"/>
+                  </a:solidFill>
+                  <a:uFillTx/>
+                </a:rPr>
+                <a:t>Run</a:t>
+              </a:r>
+              <a:endParaRPr kumimoji="0" lang="en-US" sz="2800" i="0" u="none" strike="noStrike" cap="none" spc="0" normalizeH="0" baseline="0" dirty="0">
+                <a:ln>
+                  <a:noFill/>
+                </a:ln>
+                <a:solidFill>
+                  <a:schemeClr val="accent5"/>
+                </a:solidFill>
+                <a:uFillTx/>
+                <a:sym typeface="Calibri"/>
+              </a:endParaRPr>
+            </a:p>
+          </p:txBody>
+        </p:sp>
+        <p:cxnSp>
+          <p:nvCxnSpPr>
+            <p:cNvPr id="13" name="Straight Arrow Connector 12">
+              <a:extLst>
+                <a:ext uri="{FF2B5EF4-FFF2-40B4-BE49-F238E27FC236}">
+                  <a16:creationId xmlns:a16="http://schemas.microsoft.com/office/drawing/2014/main" id="{F9E28454-B049-0C18-3B78-C37080147E0F}"/>
+                </a:ext>
+              </a:extLst>
+            </p:cNvPr>
+            <p:cNvCxnSpPr>
+              <a:cxnSpLocks/>
+              <a:stCxn id="10" idx="7"/>
+              <a:endCxn id="9" idx="3"/>
+            </p:cNvCxnSpPr>
+            <p:nvPr/>
+          </p:nvCxnSpPr>
+          <p:spPr>
+            <a:xfrm flipV="1">
+              <a:off x="2537828" y="4156423"/>
+              <a:ext cx="541778" cy="601564"/>
+            </a:xfrm>
+            <a:prstGeom prst="straightConnector1">
+              <a:avLst/>
+            </a:prstGeom>
+            <a:noFill/>
+            <a:ln w="38100" cap="flat">
+              <a:solidFill>
+                <a:srgbClr val="000000"/>
+              </a:solidFill>
+              <a:prstDash val="solid"/>
+              <a:miter lim="400000"/>
+              <a:tailEnd type="triangle"/>
+            </a:ln>
+            <a:effectLst/>
+          </p:spPr>
+          <p:style>
+            <a:lnRef idx="0">
+              <a:scrgbClr r="0" g="0" b="0"/>
+            </a:lnRef>
+            <a:fillRef idx="0">
+              <a:scrgbClr r="0" g="0" b="0"/>
+            </a:fillRef>
+            <a:effectRef idx="0">
+              <a:scrgbClr r="0" g="0" b="0"/>
+            </a:effectRef>
+            <a:fontRef idx="none"/>
+          </p:style>
+        </p:cxnSp>
+        <p:cxnSp>
+          <p:nvCxnSpPr>
+            <p:cNvPr id="14" name="Straight Arrow Connector 13">
+              <a:extLst>
+                <a:ext uri="{FF2B5EF4-FFF2-40B4-BE49-F238E27FC236}">
+                  <a16:creationId xmlns:a16="http://schemas.microsoft.com/office/drawing/2014/main" id="{44397538-B786-72C2-BFCB-92522F8D5A73}"/>
+                </a:ext>
+              </a:extLst>
+            </p:cNvPr>
+            <p:cNvCxnSpPr>
+              <a:cxnSpLocks/>
+              <a:stCxn id="9" idx="2"/>
+              <a:endCxn id="10" idx="0"/>
+            </p:cNvCxnSpPr>
+            <p:nvPr/>
+          </p:nvCxnSpPr>
+          <p:spPr>
+            <a:xfrm flipH="1">
+              <a:off x="2052894" y="3671489"/>
+              <a:ext cx="825846" cy="885632"/>
+            </a:xfrm>
+            <a:prstGeom prst="straightConnector1">
+              <a:avLst/>
+            </a:prstGeom>
+            <a:noFill/>
+            <a:ln w="38100" cap="flat">
+              <a:solidFill>
+                <a:srgbClr val="000000"/>
+              </a:solidFill>
+              <a:prstDash val="solid"/>
+              <a:miter lim="400000"/>
+              <a:tailEnd type="triangle"/>
+            </a:ln>
+            <a:effectLst/>
+          </p:spPr>
+          <p:style>
+            <a:lnRef idx="0">
+              <a:scrgbClr r="0" g="0" b="0"/>
+            </a:lnRef>
+            <a:fillRef idx="0">
+              <a:scrgbClr r="0" g="0" b="0"/>
+            </a:fillRef>
+            <a:effectRef idx="0">
+              <a:scrgbClr r="0" g="0" b="0"/>
+            </a:effectRef>
+            <a:fontRef idx="none"/>
+          </p:style>
+        </p:cxnSp>
+        <p:cxnSp>
+          <p:nvCxnSpPr>
+            <p:cNvPr id="15" name="Straight Arrow Connector 14">
+              <a:extLst>
+                <a:ext uri="{FF2B5EF4-FFF2-40B4-BE49-F238E27FC236}">
+                  <a16:creationId xmlns:a16="http://schemas.microsoft.com/office/drawing/2014/main" id="{F5E4A97C-B717-BF01-0A8A-4521818F3BB5}"/>
+                </a:ext>
+              </a:extLst>
+            </p:cNvPr>
+            <p:cNvCxnSpPr>
+              <a:cxnSpLocks/>
+              <a:stCxn id="9" idx="5"/>
+              <a:endCxn id="11" idx="1"/>
+            </p:cNvCxnSpPr>
+            <p:nvPr/>
+          </p:nvCxnSpPr>
+          <p:spPr>
+            <a:xfrm>
+              <a:off x="4049474" y="4156423"/>
+              <a:ext cx="587888" cy="601564"/>
+            </a:xfrm>
+            <a:prstGeom prst="straightConnector1">
+              <a:avLst/>
+            </a:prstGeom>
+            <a:noFill/>
+            <a:ln w="38100" cap="flat">
+              <a:solidFill>
+                <a:srgbClr val="000000"/>
+              </a:solidFill>
+              <a:prstDash val="solid"/>
+              <a:miter lim="400000"/>
+              <a:tailEnd type="triangle"/>
+            </a:ln>
+            <a:effectLst/>
+          </p:spPr>
+          <p:style>
+            <a:lnRef idx="0">
+              <a:scrgbClr r="0" g="0" b="0"/>
+            </a:lnRef>
+            <a:fillRef idx="0">
+              <a:scrgbClr r="0" g="0" b="0"/>
+            </a:fillRef>
+            <a:effectRef idx="0">
+              <a:scrgbClr r="0" g="0" b="0"/>
+            </a:effectRef>
+            <a:fontRef idx="none"/>
+          </p:style>
+        </p:cxnSp>
+        <p:cxnSp>
+          <p:nvCxnSpPr>
+            <p:cNvPr id="16" name="Straight Arrow Connector 15">
+              <a:extLst>
+                <a:ext uri="{FF2B5EF4-FFF2-40B4-BE49-F238E27FC236}">
+                  <a16:creationId xmlns:a16="http://schemas.microsoft.com/office/drawing/2014/main" id="{FDBC0032-59BC-762E-4850-3A58C3C823D8}"/>
+                </a:ext>
+              </a:extLst>
+            </p:cNvPr>
+            <p:cNvCxnSpPr>
+              <a:cxnSpLocks/>
+              <a:stCxn id="11" idx="0"/>
+            </p:cNvCxnSpPr>
+            <p:nvPr/>
+          </p:nvCxnSpPr>
+          <p:spPr>
+            <a:xfrm flipH="1" flipV="1">
+              <a:off x="4250340" y="3679349"/>
+              <a:ext cx="871956" cy="877772"/>
+            </a:xfrm>
+            <a:prstGeom prst="straightConnector1">
+              <a:avLst/>
+            </a:prstGeom>
+            <a:noFill/>
+            <a:ln w="38100" cap="flat">
+              <a:solidFill>
+                <a:srgbClr val="000000"/>
+              </a:solidFill>
+              <a:prstDash val="solid"/>
+              <a:miter lim="400000"/>
+              <a:tailEnd type="triangle"/>
+            </a:ln>
+            <a:effectLst/>
+          </p:spPr>
+          <p:style>
+            <a:lnRef idx="0">
+              <a:scrgbClr r="0" g="0" b="0"/>
+            </a:lnRef>
+            <a:fillRef idx="0">
+              <a:scrgbClr r="0" g="0" b="0"/>
+            </a:fillRef>
+            <a:effectRef idx="0">
+              <a:scrgbClr r="0" g="0" b="0"/>
+            </a:effectRef>
+            <a:fontRef idx="none"/>
+          </p:style>
+        </p:cxnSp>
+        <p:cxnSp>
+          <p:nvCxnSpPr>
+            <p:cNvPr id="17" name="Straight Arrow Connector 16">
+              <a:extLst>
+                <a:ext uri="{FF2B5EF4-FFF2-40B4-BE49-F238E27FC236}">
+                  <a16:creationId xmlns:a16="http://schemas.microsoft.com/office/drawing/2014/main" id="{BA1E9698-EFFA-06E6-4F1D-8188BED7E4B3}"/>
+                </a:ext>
+              </a:extLst>
+            </p:cNvPr>
+            <p:cNvCxnSpPr>
+              <a:cxnSpLocks/>
+              <a:stCxn id="11" idx="2"/>
+              <a:endCxn id="10" idx="6"/>
+            </p:cNvCxnSpPr>
+            <p:nvPr/>
+          </p:nvCxnSpPr>
+          <p:spPr>
+            <a:xfrm flipH="1">
+              <a:off x="2738694" y="5242921"/>
+              <a:ext cx="1697802" cy="0"/>
+            </a:xfrm>
+            <a:prstGeom prst="straightConnector1">
+              <a:avLst/>
+            </a:prstGeom>
+            <a:noFill/>
+            <a:ln w="38100" cap="flat">
+              <a:solidFill>
+                <a:srgbClr val="000000"/>
+              </a:solidFill>
+              <a:prstDash val="solid"/>
+              <a:miter lim="400000"/>
+              <a:tailEnd type="triangle"/>
+            </a:ln>
+            <a:effectLst/>
+          </p:spPr>
+          <p:style>
+            <a:lnRef idx="0">
+              <a:scrgbClr r="0" g="0" b="0"/>
+            </a:lnRef>
+            <a:fillRef idx="0">
+              <a:scrgbClr r="0" g="0" b="0"/>
+            </a:fillRef>
+            <a:effectRef idx="0">
+              <a:scrgbClr r="0" g="0" b="0"/>
+            </a:effectRef>
+            <a:fontRef idx="none"/>
+          </p:style>
+        </p:cxnSp>
+        <p:cxnSp>
+          <p:nvCxnSpPr>
+            <p:cNvPr id="18" name="Straight Arrow Connector 17">
+              <a:extLst>
+                <a:ext uri="{FF2B5EF4-FFF2-40B4-BE49-F238E27FC236}">
+                  <a16:creationId xmlns:a16="http://schemas.microsoft.com/office/drawing/2014/main" id="{0793DEFE-CF26-6487-EE2E-F1EC06E6F7F9}"/>
+                </a:ext>
+              </a:extLst>
+            </p:cNvPr>
+            <p:cNvCxnSpPr>
+              <a:cxnSpLocks/>
+              <a:stCxn id="10" idx="5"/>
+              <a:endCxn id="11" idx="3"/>
+            </p:cNvCxnSpPr>
+            <p:nvPr/>
+          </p:nvCxnSpPr>
+          <p:spPr>
+            <a:xfrm>
+              <a:off x="2537828" y="5727855"/>
+              <a:ext cx="2099534" cy="0"/>
+            </a:xfrm>
+            <a:prstGeom prst="straightConnector1">
+              <a:avLst/>
+            </a:prstGeom>
+            <a:noFill/>
+            <a:ln w="38100" cap="flat">
+              <a:solidFill>
+                <a:srgbClr val="000000"/>
+              </a:solidFill>
+              <a:prstDash val="solid"/>
+              <a:miter lim="400000"/>
+              <a:tailEnd type="triangle"/>
+            </a:ln>
+            <a:effectLst/>
+          </p:spPr>
+          <p:style>
+            <a:lnRef idx="0">
+              <a:scrgbClr r="0" g="0" b="0"/>
+            </a:lnRef>
+            <a:fillRef idx="0">
+              <a:scrgbClr r="0" g="0" b="0"/>
+            </a:fillRef>
+            <a:effectRef idx="0">
+              <a:scrgbClr r="0" g="0" b="0"/>
+            </a:effectRef>
+            <a:fontRef idx="none"/>
+          </p:style>
+        </p:cxnSp>
+        <p:cxnSp>
+          <p:nvCxnSpPr>
+            <p:cNvPr id="20" name="Connector: Curved 19">
+              <a:extLst>
+                <a:ext uri="{FF2B5EF4-FFF2-40B4-BE49-F238E27FC236}">
+                  <a16:creationId xmlns:a16="http://schemas.microsoft.com/office/drawing/2014/main" id="{97FE4E13-9938-6D6B-7AEE-31593E2C3634}"/>
+                </a:ext>
+              </a:extLst>
+            </p:cNvPr>
+            <p:cNvCxnSpPr>
+              <a:cxnSpLocks/>
+              <a:stCxn id="11" idx="6"/>
+              <a:endCxn id="11" idx="4"/>
+            </p:cNvCxnSpPr>
+            <p:nvPr/>
+          </p:nvCxnSpPr>
+          <p:spPr>
+            <a:xfrm flipH="1">
+              <a:off x="5122296" y="5242921"/>
+              <a:ext cx="685800" cy="685800"/>
+            </a:xfrm>
+            <a:prstGeom prst="curvedConnector4">
+              <a:avLst>
+                <a:gd name="adj1" fmla="val -33333"/>
+                <a:gd name="adj2" fmla="val 133333"/>
+              </a:avLst>
+            </a:prstGeom>
+            <a:noFill/>
+            <a:ln w="38100" cap="flat">
+              <a:solidFill>
+                <a:srgbClr val="000000"/>
+              </a:solidFill>
+              <a:prstDash val="solid"/>
+              <a:miter lim="400000"/>
+              <a:tailEnd type="triangle"/>
+            </a:ln>
+            <a:effectLst/>
+          </p:spPr>
+          <p:style>
+            <a:lnRef idx="0">
+              <a:scrgbClr r="0" g="0" b="0"/>
+            </a:lnRef>
+            <a:fillRef idx="0">
+              <a:scrgbClr r="0" g="0" b="0"/>
+            </a:fillRef>
+            <a:effectRef idx="0">
+              <a:scrgbClr r="0" g="0" b="0"/>
+            </a:effectRef>
+            <a:fontRef idx="none"/>
+          </p:style>
+        </p:cxnSp>
+        <p:cxnSp>
+          <p:nvCxnSpPr>
+            <p:cNvPr id="23" name="Connector: Curved 22">
+              <a:extLst>
+                <a:ext uri="{FF2B5EF4-FFF2-40B4-BE49-F238E27FC236}">
+                  <a16:creationId xmlns:a16="http://schemas.microsoft.com/office/drawing/2014/main" id="{0F009E5F-57D2-D54E-0C34-E794C9F5706A}"/>
+                </a:ext>
+              </a:extLst>
+            </p:cNvPr>
+            <p:cNvCxnSpPr>
+              <a:cxnSpLocks/>
+              <a:stCxn id="10" idx="4"/>
+              <a:endCxn id="10" idx="2"/>
+            </p:cNvCxnSpPr>
+            <p:nvPr/>
+          </p:nvCxnSpPr>
+          <p:spPr>
+            <a:xfrm rot="5400000" flipH="1">
+              <a:off x="1367094" y="5242921"/>
+              <a:ext cx="685800" cy="685800"/>
+            </a:xfrm>
+            <a:prstGeom prst="curvedConnector4">
+              <a:avLst>
+                <a:gd name="adj1" fmla="val -33333"/>
+                <a:gd name="adj2" fmla="val 133333"/>
+              </a:avLst>
+            </a:prstGeom>
+            <a:noFill/>
+            <a:ln w="38100" cap="flat">
+              <a:solidFill>
+                <a:srgbClr val="000000"/>
+              </a:solidFill>
+              <a:prstDash val="solid"/>
+              <a:miter lim="400000"/>
+              <a:tailEnd type="triangle"/>
+            </a:ln>
+            <a:effectLst/>
+          </p:spPr>
+          <p:style>
+            <a:lnRef idx="0">
+              <a:scrgbClr r="0" g="0" b="0"/>
+            </a:lnRef>
+            <a:fillRef idx="0">
+              <a:scrgbClr r="0" g="0" b="0"/>
+            </a:fillRef>
+            <a:effectRef idx="0">
+              <a:scrgbClr r="0" g="0" b="0"/>
+            </a:effectRef>
+            <a:fontRef idx="none"/>
+          </p:style>
+        </p:cxnSp>
+        <p:cxnSp>
+          <p:nvCxnSpPr>
+            <p:cNvPr id="25" name="Connector: Curved 24">
+              <a:extLst>
+                <a:ext uri="{FF2B5EF4-FFF2-40B4-BE49-F238E27FC236}">
+                  <a16:creationId xmlns:a16="http://schemas.microsoft.com/office/drawing/2014/main" id="{3E251409-8374-F2D0-708A-B7DCE269649B}"/>
+                </a:ext>
+              </a:extLst>
+            </p:cNvPr>
+            <p:cNvCxnSpPr>
+              <a:cxnSpLocks/>
+              <a:stCxn id="9" idx="1"/>
+              <a:endCxn id="9" idx="7"/>
+            </p:cNvCxnSpPr>
+            <p:nvPr/>
+          </p:nvCxnSpPr>
+          <p:spPr>
+            <a:xfrm rot="5400000" flipH="1" flipV="1">
+              <a:off x="3564540" y="2701621"/>
+              <a:ext cx="12700" cy="969868"/>
+            </a:xfrm>
+            <a:prstGeom prst="curvedConnector3">
+              <a:avLst>
+                <a:gd name="adj1" fmla="val 4914961"/>
+              </a:avLst>
+            </a:prstGeom>
+            <a:noFill/>
+            <a:ln w="38100" cap="flat">
+              <a:solidFill>
+                <a:srgbClr val="000000"/>
+              </a:solidFill>
+              <a:prstDash val="solid"/>
+              <a:miter lim="400000"/>
+              <a:tailEnd type="triangle"/>
+            </a:ln>
+            <a:effectLst/>
+          </p:spPr>
+          <p:style>
+            <a:lnRef idx="0">
+              <a:scrgbClr r="0" g="0" b="0"/>
+            </a:lnRef>
+            <a:fillRef idx="0">
+              <a:scrgbClr r="0" g="0" b="0"/>
+            </a:fillRef>
+            <a:effectRef idx="0">
+              <a:scrgbClr r="0" g="0" b="0"/>
+            </a:effectRef>
+            <a:fontRef idx="none"/>
+          </p:style>
+        </p:cxnSp>
+        <p:sp>
+          <p:nvSpPr>
+            <p:cNvPr id="26" name="TextBox 25">
+              <a:extLst>
+                <a:ext uri="{FF2B5EF4-FFF2-40B4-BE49-F238E27FC236}">
+                  <a16:creationId xmlns:a16="http://schemas.microsoft.com/office/drawing/2014/main" id="{4F1E24BD-BB1E-E440-13DD-1C37599AEC69}"/>
+                </a:ext>
+              </a:extLst>
+            </p:cNvPr>
+            <p:cNvSpPr txBox="1"/>
+            <p:nvPr/>
+          </p:nvSpPr>
+          <p:spPr>
+            <a:xfrm>
+              <a:off x="617794" y="5831466"/>
+              <a:ext cx="624597" cy="379591"/>
+            </a:xfrm>
+            <a:prstGeom prst="rect">
+              <a:avLst/>
+            </a:prstGeom>
+            <a:noFill/>
+            <a:ln w="12700" cap="flat">
+              <a:noFill/>
+              <a:miter lim="400000"/>
+            </a:ln>
+            <a:effectLst/>
+          </p:spPr>
+          <p:style>
+            <a:lnRef idx="0">
+              <a:scrgbClr r="0" g="0" b="0"/>
+            </a:lnRef>
+            <a:fillRef idx="0">
+              <a:scrgbClr r="0" g="0" b="0"/>
+            </a:fillRef>
+            <a:effectRef idx="0">
+              <a:scrgbClr r="0" g="0" b="0"/>
+            </a:effectRef>
+            <a:fontRef idx="none"/>
+          </p:style>
+          <p:txBody>
+            <a:bodyPr rot="0" spcFirstLastPara="1" vertOverflow="overflow" horzOverflow="overflow" vert="horz" wrap="square" lIns="50800" tIns="50800" rIns="50800" bIns="50800" numCol="1" spcCol="38100" rtlCol="0" anchor="ctr">
+              <a:spAutoFit/>
+            </a:bodyPr>
+            <a:lstStyle/>
+            <a:p>
+              <a:pPr marL="0" marR="0" indent="0" algn="ctr" defTabSz="457200" rtl="0" fontAlgn="auto" latinLnBrk="1" hangingPunct="0">
+                <a:lnSpc>
+                  <a:spcPct val="100000"/>
+                </a:lnSpc>
+                <a:spcBef>
+                  <a:spcPts val="0"/>
+                </a:spcBef>
+                <a:spcAft>
+                  <a:spcPts val="0"/>
+                </a:spcAft>
+                <a:buClr>
+                  <a:srgbClr val="000000"/>
+                </a:buClr>
+                <a:buSzTx/>
+                <a:buFont typeface="Calibri"/>
+                <a:buNone/>
+                <a:tabLst/>
+              </a:pPr>
+              <a:r>
+                <a:rPr kumimoji="0" lang="en-US" sz="1800" b="0" i="0" u="none" strike="noStrike" cap="none" spc="0" normalizeH="0" baseline="0" dirty="0">
+                  <a:ln>
+                    <a:noFill/>
+                  </a:ln>
+                  <a:solidFill>
+                    <a:srgbClr val="DD550C"/>
+                  </a:solidFill>
+                  <a:effectLst/>
+                  <a:uFill>
+                    <a:solidFill>
+                      <a:srgbClr val="000000"/>
+                    </a:solidFill>
+                  </a:uFill>
+                  <a:latin typeface="+mn-lt"/>
+                  <a:ea typeface="+mn-ea"/>
+                  <a:cs typeface="+mn-cs"/>
+                  <a:sym typeface="Calibri"/>
+                </a:rPr>
+                <a:t>0.95</a:t>
+              </a:r>
+            </a:p>
+          </p:txBody>
+        </p:sp>
+        <p:sp>
+          <p:nvSpPr>
+            <p:cNvPr id="27" name="TextBox 26">
+              <a:extLst>
+                <a:ext uri="{FF2B5EF4-FFF2-40B4-BE49-F238E27FC236}">
+                  <a16:creationId xmlns:a16="http://schemas.microsoft.com/office/drawing/2014/main" id="{A97124DD-534E-89C5-D70A-5E9B5B446D46}"/>
+                </a:ext>
+              </a:extLst>
+            </p:cNvPr>
+            <p:cNvSpPr txBox="1"/>
+            <p:nvPr/>
+          </p:nvSpPr>
+          <p:spPr>
+            <a:xfrm>
+              <a:off x="2681494" y="4440184"/>
+              <a:ext cx="712590" cy="379591"/>
+            </a:xfrm>
+            <a:prstGeom prst="rect">
+              <a:avLst/>
+            </a:prstGeom>
+            <a:noFill/>
+            <a:ln w="12700" cap="flat">
+              <a:noFill/>
+              <a:miter lim="400000"/>
+            </a:ln>
+            <a:effectLst/>
+          </p:spPr>
+          <p:style>
+            <a:lnRef idx="0">
+              <a:scrgbClr r="0" g="0" b="0"/>
+            </a:lnRef>
+            <a:fillRef idx="0">
+              <a:scrgbClr r="0" g="0" b="0"/>
+            </a:fillRef>
+            <a:effectRef idx="0">
+              <a:scrgbClr r="0" g="0" b="0"/>
+            </a:effectRef>
+            <a:fontRef idx="none"/>
+          </p:style>
+          <p:txBody>
+            <a:bodyPr rot="0" spcFirstLastPara="1" vertOverflow="overflow" horzOverflow="overflow" vert="horz" wrap="square" lIns="50800" tIns="50800" rIns="50800" bIns="50800" numCol="1" spcCol="38100" rtlCol="0" anchor="ctr">
+              <a:spAutoFit/>
+            </a:bodyPr>
+            <a:lstStyle/>
+            <a:p>
+              <a:pPr marL="0" marR="0" indent="0" algn="ctr" defTabSz="457200" rtl="0" fontAlgn="auto" latinLnBrk="1" hangingPunct="0">
+                <a:lnSpc>
+                  <a:spcPct val="100000"/>
+                </a:lnSpc>
+                <a:spcBef>
+                  <a:spcPts val="0"/>
+                </a:spcBef>
+                <a:spcAft>
+                  <a:spcPts val="0"/>
+                </a:spcAft>
+                <a:buClr>
+                  <a:srgbClr val="000000"/>
+                </a:buClr>
+                <a:buSzTx/>
+                <a:buFont typeface="Calibri"/>
+                <a:buNone/>
+                <a:tabLst/>
+              </a:pPr>
+              <a:r>
+                <a:rPr kumimoji="0" lang="en-US" sz="1800" b="0" i="0" u="none" strike="noStrike" cap="none" spc="0" normalizeH="0" baseline="0" dirty="0">
+                  <a:ln>
+                    <a:noFill/>
+                  </a:ln>
+                  <a:solidFill>
+                    <a:srgbClr val="DD550C"/>
+                  </a:solidFill>
+                  <a:effectLst/>
+                  <a:uFill>
+                    <a:solidFill>
+                      <a:srgbClr val="000000"/>
+                    </a:solidFill>
+                  </a:uFill>
+                  <a:latin typeface="+mn-lt"/>
+                  <a:ea typeface="+mn-ea"/>
+                  <a:cs typeface="+mn-cs"/>
+                  <a:sym typeface="Calibri"/>
+                </a:rPr>
+                <a:t>0.04</a:t>
+              </a:r>
+            </a:p>
+          </p:txBody>
+        </p:sp>
+        <p:sp>
+          <p:nvSpPr>
+            <p:cNvPr id="28" name="TextBox 27">
+              <a:extLst>
+                <a:ext uri="{FF2B5EF4-FFF2-40B4-BE49-F238E27FC236}">
+                  <a16:creationId xmlns:a16="http://schemas.microsoft.com/office/drawing/2014/main" id="{C6970BD9-B6E5-AC55-5F40-FA0197D09F81}"/>
+                </a:ext>
+              </a:extLst>
+            </p:cNvPr>
+            <p:cNvSpPr txBox="1"/>
+            <p:nvPr/>
+          </p:nvSpPr>
+          <p:spPr>
+            <a:xfrm>
+              <a:off x="3208245" y="5727855"/>
+              <a:ext cx="712590" cy="379591"/>
+            </a:xfrm>
+            <a:prstGeom prst="rect">
+              <a:avLst/>
+            </a:prstGeom>
+            <a:noFill/>
+            <a:ln w="12700" cap="flat">
+              <a:noFill/>
+              <a:miter lim="400000"/>
+            </a:ln>
+            <a:effectLst/>
+          </p:spPr>
+          <p:style>
+            <a:lnRef idx="0">
+              <a:scrgbClr r="0" g="0" b="0"/>
+            </a:lnRef>
+            <a:fillRef idx="0">
+              <a:scrgbClr r="0" g="0" b="0"/>
+            </a:fillRef>
+            <a:effectRef idx="0">
+              <a:scrgbClr r="0" g="0" b="0"/>
+            </a:effectRef>
+            <a:fontRef idx="none"/>
+          </p:style>
+          <p:txBody>
+            <a:bodyPr rot="0" spcFirstLastPara="1" vertOverflow="overflow" horzOverflow="overflow" vert="horz" wrap="square" lIns="50800" tIns="50800" rIns="50800" bIns="50800" numCol="1" spcCol="38100" rtlCol="0" anchor="ctr">
+              <a:spAutoFit/>
+            </a:bodyPr>
+            <a:lstStyle/>
+            <a:p>
+              <a:pPr marL="0" marR="0" indent="0" algn="ctr" defTabSz="457200" rtl="0" fontAlgn="auto" latinLnBrk="1" hangingPunct="0">
+                <a:lnSpc>
+                  <a:spcPct val="100000"/>
+                </a:lnSpc>
+                <a:spcBef>
+                  <a:spcPts val="0"/>
+                </a:spcBef>
+                <a:spcAft>
+                  <a:spcPts val="0"/>
+                </a:spcAft>
+                <a:buClr>
+                  <a:srgbClr val="000000"/>
+                </a:buClr>
+                <a:buSzTx/>
+                <a:buFont typeface="Calibri"/>
+                <a:buNone/>
+                <a:tabLst/>
+              </a:pPr>
+              <a:r>
+                <a:rPr kumimoji="0" lang="en-US" sz="1800" b="0" i="0" u="none" strike="noStrike" cap="none" spc="0" normalizeH="0" baseline="0" dirty="0">
+                  <a:ln>
+                    <a:noFill/>
+                  </a:ln>
+                  <a:solidFill>
+                    <a:srgbClr val="DD550C"/>
+                  </a:solidFill>
+                  <a:effectLst/>
+                  <a:uFill>
+                    <a:solidFill>
+                      <a:srgbClr val="000000"/>
+                    </a:solidFill>
+                  </a:uFill>
+                  <a:latin typeface="+mn-lt"/>
+                  <a:ea typeface="+mn-ea"/>
+                  <a:cs typeface="+mn-cs"/>
+                  <a:sym typeface="Calibri"/>
+                </a:rPr>
+                <a:t>0.01</a:t>
+              </a:r>
+            </a:p>
+          </p:txBody>
+        </p:sp>
+        <p:sp>
+          <p:nvSpPr>
+            <p:cNvPr id="29" name="TextBox 28">
+              <a:extLst>
+                <a:ext uri="{FF2B5EF4-FFF2-40B4-BE49-F238E27FC236}">
+                  <a16:creationId xmlns:a16="http://schemas.microsoft.com/office/drawing/2014/main" id="{2AA9DDEF-8BBF-0928-3BE0-95BEA5BEDB96}"/>
+                </a:ext>
+              </a:extLst>
+            </p:cNvPr>
+            <p:cNvSpPr txBox="1"/>
+            <p:nvPr/>
+          </p:nvSpPr>
+          <p:spPr>
+            <a:xfrm>
+              <a:off x="5863159" y="5873488"/>
+              <a:ext cx="624597" cy="379591"/>
+            </a:xfrm>
+            <a:prstGeom prst="rect">
+              <a:avLst/>
+            </a:prstGeom>
+            <a:noFill/>
+            <a:ln w="12700" cap="flat">
+              <a:noFill/>
+              <a:miter lim="400000"/>
+            </a:ln>
+            <a:effectLst/>
+          </p:spPr>
+          <p:style>
+            <a:lnRef idx="0">
+              <a:scrgbClr r="0" g="0" b="0"/>
+            </a:lnRef>
+            <a:fillRef idx="0">
+              <a:scrgbClr r="0" g="0" b="0"/>
+            </a:fillRef>
+            <a:effectRef idx="0">
+              <a:scrgbClr r="0" g="0" b="0"/>
+            </a:effectRef>
+            <a:fontRef idx="none"/>
+          </p:style>
+          <p:txBody>
+            <a:bodyPr rot="0" spcFirstLastPara="1" vertOverflow="overflow" horzOverflow="overflow" vert="horz" wrap="square" lIns="50800" tIns="50800" rIns="50800" bIns="50800" numCol="1" spcCol="38100" rtlCol="0" anchor="ctr">
+              <a:spAutoFit/>
+            </a:bodyPr>
+            <a:lstStyle/>
+            <a:p>
+              <a:pPr marL="0" marR="0" indent="0" algn="ctr" defTabSz="457200" rtl="0" fontAlgn="auto" latinLnBrk="1" hangingPunct="0">
+                <a:lnSpc>
+                  <a:spcPct val="100000"/>
+                </a:lnSpc>
+                <a:spcBef>
+                  <a:spcPts val="0"/>
+                </a:spcBef>
+                <a:spcAft>
+                  <a:spcPts val="0"/>
+                </a:spcAft>
+                <a:buClr>
+                  <a:srgbClr val="000000"/>
+                </a:buClr>
+                <a:buSzTx/>
+                <a:buFont typeface="Calibri"/>
+                <a:buNone/>
+                <a:tabLst/>
+              </a:pPr>
+              <a:r>
+                <a:rPr kumimoji="0" lang="en-US" sz="1800" b="0" i="0" u="none" strike="noStrike" cap="none" spc="0" normalizeH="0" baseline="0" dirty="0">
+                  <a:ln>
+                    <a:noFill/>
+                  </a:ln>
+                  <a:solidFill>
+                    <a:schemeClr val="accent1">
+                      <a:lumMod val="50000"/>
+                      <a:lumOff val="50000"/>
+                    </a:schemeClr>
+                  </a:solidFill>
+                  <a:effectLst/>
+                  <a:uFill>
+                    <a:solidFill>
+                      <a:srgbClr val="000000"/>
+                    </a:solidFill>
+                  </a:uFill>
+                  <a:latin typeface="+mn-lt"/>
+                  <a:ea typeface="+mn-ea"/>
+                  <a:cs typeface="+mn-cs"/>
+                  <a:sym typeface="Calibri"/>
+                </a:rPr>
+                <a:t>0.95</a:t>
+              </a:r>
+            </a:p>
+          </p:txBody>
+        </p:sp>
+        <p:sp>
+          <p:nvSpPr>
+            <p:cNvPr id="31" name="TextBox 30">
+              <a:extLst>
+                <a:ext uri="{FF2B5EF4-FFF2-40B4-BE49-F238E27FC236}">
+                  <a16:creationId xmlns:a16="http://schemas.microsoft.com/office/drawing/2014/main" id="{065342A1-6E9C-029A-671F-7CE5A798D302}"/>
+                </a:ext>
+              </a:extLst>
+            </p:cNvPr>
+            <p:cNvSpPr txBox="1"/>
+            <p:nvPr/>
+          </p:nvSpPr>
+          <p:spPr>
+            <a:xfrm>
+              <a:off x="4708484" y="3796246"/>
+              <a:ext cx="712590" cy="379591"/>
+            </a:xfrm>
+            <a:prstGeom prst="rect">
+              <a:avLst/>
+            </a:prstGeom>
+            <a:noFill/>
+            <a:ln w="12700" cap="flat">
+              <a:noFill/>
+              <a:miter lim="400000"/>
+            </a:ln>
+            <a:effectLst/>
+          </p:spPr>
+          <p:style>
+            <a:lnRef idx="0">
+              <a:scrgbClr r="0" g="0" b="0"/>
+            </a:lnRef>
+            <a:fillRef idx="0">
+              <a:scrgbClr r="0" g="0" b="0"/>
+            </a:fillRef>
+            <a:effectRef idx="0">
+              <a:scrgbClr r="0" g="0" b="0"/>
+            </a:effectRef>
+            <a:fontRef idx="none"/>
+          </p:style>
+          <p:txBody>
+            <a:bodyPr rot="0" spcFirstLastPara="1" vertOverflow="overflow" horzOverflow="overflow" vert="horz" wrap="square" lIns="50800" tIns="50800" rIns="50800" bIns="50800" numCol="1" spcCol="38100" rtlCol="0" anchor="ctr">
+              <a:spAutoFit/>
+            </a:bodyPr>
+            <a:lstStyle/>
+            <a:p>
+              <a:pPr marL="0" marR="0" indent="0" algn="ctr" defTabSz="457200" rtl="0" fontAlgn="auto" latinLnBrk="1" hangingPunct="0">
+                <a:lnSpc>
+                  <a:spcPct val="100000"/>
+                </a:lnSpc>
+                <a:spcBef>
+                  <a:spcPts val="0"/>
+                </a:spcBef>
+                <a:spcAft>
+                  <a:spcPts val="0"/>
+                </a:spcAft>
+                <a:buClr>
+                  <a:srgbClr val="000000"/>
+                </a:buClr>
+                <a:buSzTx/>
+                <a:buFont typeface="Calibri"/>
+                <a:buNone/>
+                <a:tabLst/>
+              </a:pPr>
+              <a:r>
+                <a:rPr kumimoji="0" lang="en-US" sz="1800" b="0" i="0" u="none" strike="noStrike" cap="none" spc="0" normalizeH="0" baseline="0" dirty="0">
+                  <a:ln>
+                    <a:noFill/>
+                  </a:ln>
+                  <a:solidFill>
+                    <a:schemeClr val="accent1">
+                      <a:lumMod val="50000"/>
+                      <a:lumOff val="50000"/>
+                    </a:schemeClr>
+                  </a:solidFill>
+                  <a:effectLst/>
+                  <a:uFill>
+                    <a:solidFill>
+                      <a:srgbClr val="000000"/>
+                    </a:solidFill>
+                  </a:uFill>
+                  <a:latin typeface="+mn-lt"/>
+                  <a:ea typeface="+mn-ea"/>
+                  <a:cs typeface="+mn-cs"/>
+                  <a:sym typeface="Calibri"/>
+                </a:rPr>
+                <a:t>0.03</a:t>
+              </a:r>
+            </a:p>
+          </p:txBody>
+        </p:sp>
+        <p:sp>
+          <p:nvSpPr>
+            <p:cNvPr id="32" name="TextBox 31">
+              <a:extLst>
+                <a:ext uri="{FF2B5EF4-FFF2-40B4-BE49-F238E27FC236}">
+                  <a16:creationId xmlns:a16="http://schemas.microsoft.com/office/drawing/2014/main" id="{516FEF6D-7440-B477-C7C8-0FCC8B504378}"/>
+                </a:ext>
+              </a:extLst>
+            </p:cNvPr>
+            <p:cNvSpPr txBox="1"/>
+            <p:nvPr/>
+          </p:nvSpPr>
+          <p:spPr>
+            <a:xfrm>
+              <a:off x="3202700" y="4841552"/>
+              <a:ext cx="712590" cy="379591"/>
+            </a:xfrm>
+            <a:prstGeom prst="rect">
+              <a:avLst/>
+            </a:prstGeom>
+            <a:noFill/>
+            <a:ln w="12700" cap="flat">
+              <a:noFill/>
+              <a:miter lim="400000"/>
+            </a:ln>
+            <a:effectLst/>
+          </p:spPr>
+          <p:style>
+            <a:lnRef idx="0">
+              <a:scrgbClr r="0" g="0" b="0"/>
+            </a:lnRef>
+            <a:fillRef idx="0">
+              <a:scrgbClr r="0" g="0" b="0"/>
+            </a:fillRef>
+            <a:effectRef idx="0">
+              <a:scrgbClr r="0" g="0" b="0"/>
+            </a:effectRef>
+            <a:fontRef idx="none"/>
+          </p:style>
+          <p:txBody>
+            <a:bodyPr rot="0" spcFirstLastPara="1" vertOverflow="overflow" horzOverflow="overflow" vert="horz" wrap="square" lIns="50800" tIns="50800" rIns="50800" bIns="50800" numCol="1" spcCol="38100" rtlCol="0" anchor="ctr">
+              <a:spAutoFit/>
+            </a:bodyPr>
+            <a:lstStyle/>
+            <a:p>
+              <a:pPr marL="0" marR="0" indent="0" algn="ctr" defTabSz="457200" rtl="0" fontAlgn="auto" latinLnBrk="1" hangingPunct="0">
+                <a:lnSpc>
+                  <a:spcPct val="100000"/>
+                </a:lnSpc>
+                <a:spcBef>
+                  <a:spcPts val="0"/>
+                </a:spcBef>
+                <a:spcAft>
+                  <a:spcPts val="0"/>
+                </a:spcAft>
+                <a:buClr>
+                  <a:srgbClr val="000000"/>
+                </a:buClr>
+                <a:buSzTx/>
+                <a:buFont typeface="Calibri"/>
+                <a:buNone/>
+                <a:tabLst/>
+              </a:pPr>
+              <a:r>
+                <a:rPr kumimoji="0" lang="en-US" sz="1800" b="0" i="0" u="none" strike="noStrike" cap="none" spc="0" normalizeH="0" baseline="0" dirty="0">
+                  <a:ln>
+                    <a:noFill/>
+                  </a:ln>
+                  <a:solidFill>
+                    <a:schemeClr val="accent1">
+                      <a:lumMod val="50000"/>
+                      <a:lumOff val="50000"/>
+                    </a:schemeClr>
+                  </a:solidFill>
+                  <a:effectLst/>
+                  <a:uFill>
+                    <a:solidFill>
+                      <a:srgbClr val="000000"/>
+                    </a:solidFill>
+                  </a:uFill>
+                  <a:latin typeface="+mn-lt"/>
+                  <a:ea typeface="+mn-ea"/>
+                  <a:cs typeface="+mn-cs"/>
+                  <a:sym typeface="Calibri"/>
+                </a:rPr>
+                <a:t>0.02</a:t>
+              </a:r>
+            </a:p>
+          </p:txBody>
+        </p:sp>
+        <p:sp>
+          <p:nvSpPr>
+            <p:cNvPr id="34" name="TextBox 33">
+              <a:extLst>
+                <a:ext uri="{FF2B5EF4-FFF2-40B4-BE49-F238E27FC236}">
+                  <a16:creationId xmlns:a16="http://schemas.microsoft.com/office/drawing/2014/main" id="{48B1A956-73B5-2A0A-6824-6482531C7071}"/>
+                </a:ext>
+              </a:extLst>
+            </p:cNvPr>
+            <p:cNvSpPr txBox="1"/>
+            <p:nvPr/>
+          </p:nvSpPr>
+          <p:spPr>
+            <a:xfrm>
+              <a:off x="3920835" y="2479339"/>
+              <a:ext cx="624597" cy="379591"/>
+            </a:xfrm>
+            <a:prstGeom prst="rect">
+              <a:avLst/>
+            </a:prstGeom>
+            <a:noFill/>
+            <a:ln w="12700" cap="flat">
+              <a:noFill/>
+              <a:miter lim="400000"/>
+            </a:ln>
+            <a:effectLst/>
+          </p:spPr>
+          <p:style>
+            <a:lnRef idx="0">
+              <a:scrgbClr r="0" g="0" b="0"/>
+            </a:lnRef>
+            <a:fillRef idx="0">
+              <a:scrgbClr r="0" g="0" b="0"/>
+            </a:fillRef>
+            <a:effectRef idx="0">
+              <a:scrgbClr r="0" g="0" b="0"/>
+            </a:effectRef>
+            <a:fontRef idx="none"/>
+          </p:style>
+          <p:txBody>
+            <a:bodyPr rot="0" spcFirstLastPara="1" vertOverflow="overflow" horzOverflow="overflow" vert="horz" wrap="square" lIns="50800" tIns="50800" rIns="50800" bIns="50800" numCol="1" spcCol="38100" rtlCol="0" anchor="ctr">
+              <a:spAutoFit/>
+            </a:bodyPr>
+            <a:lstStyle/>
+            <a:p>
+              <a:pPr marL="0" marR="0" indent="0" algn="ctr" defTabSz="457200" rtl="0" fontAlgn="auto" latinLnBrk="1" hangingPunct="0">
+                <a:lnSpc>
+                  <a:spcPct val="100000"/>
+                </a:lnSpc>
+                <a:spcBef>
+                  <a:spcPts val="0"/>
+                </a:spcBef>
+                <a:spcAft>
+                  <a:spcPts val="0"/>
+                </a:spcAft>
+                <a:buClr>
+                  <a:srgbClr val="000000"/>
+                </a:buClr>
+                <a:buSzTx/>
+                <a:buFont typeface="Calibri"/>
+                <a:buNone/>
+                <a:tabLst/>
+              </a:pPr>
+              <a:r>
+                <a:rPr kumimoji="0" lang="en-US" sz="1800" b="0" i="0" u="none" strike="noStrike" cap="none" spc="0" normalizeH="0" baseline="0" dirty="0">
+                  <a:ln>
+                    <a:noFill/>
+                  </a:ln>
+                  <a:solidFill>
+                    <a:srgbClr val="00B050"/>
+                  </a:solidFill>
+                  <a:effectLst/>
+                  <a:uFill>
+                    <a:solidFill>
+                      <a:srgbClr val="000000"/>
+                    </a:solidFill>
+                  </a:uFill>
+                  <a:latin typeface="+mn-lt"/>
+                  <a:ea typeface="+mn-ea"/>
+                  <a:cs typeface="+mn-cs"/>
+                  <a:sym typeface="Calibri"/>
+                </a:rPr>
+                <a:t>0.95</a:t>
+              </a:r>
+            </a:p>
+          </p:txBody>
+        </p:sp>
+        <p:sp>
+          <p:nvSpPr>
+            <p:cNvPr id="35" name="TextBox 34">
+              <a:extLst>
+                <a:ext uri="{FF2B5EF4-FFF2-40B4-BE49-F238E27FC236}">
+                  <a16:creationId xmlns:a16="http://schemas.microsoft.com/office/drawing/2014/main" id="{79D1559F-ECFF-C951-D03A-641415B82AD1}"/>
+                </a:ext>
+              </a:extLst>
+            </p:cNvPr>
+            <p:cNvSpPr txBox="1"/>
+            <p:nvPr/>
+          </p:nvSpPr>
+          <p:spPr>
+            <a:xfrm>
+              <a:off x="3700720" y="4419996"/>
+              <a:ext cx="750486" cy="379591"/>
+            </a:xfrm>
+            <a:prstGeom prst="rect">
+              <a:avLst/>
+            </a:prstGeom>
+            <a:noFill/>
+            <a:ln w="12700" cap="flat">
+              <a:noFill/>
+              <a:miter lim="400000"/>
+            </a:ln>
+            <a:effectLst/>
+          </p:spPr>
+          <p:style>
+            <a:lnRef idx="0">
+              <a:scrgbClr r="0" g="0" b="0"/>
+            </a:lnRef>
+            <a:fillRef idx="0">
+              <a:scrgbClr r="0" g="0" b="0"/>
+            </a:fillRef>
+            <a:effectRef idx="0">
+              <a:scrgbClr r="0" g="0" b="0"/>
+            </a:effectRef>
+            <a:fontRef idx="none"/>
+          </p:style>
+          <p:txBody>
+            <a:bodyPr rot="0" spcFirstLastPara="1" vertOverflow="overflow" horzOverflow="overflow" vert="horz" wrap="square" lIns="50800" tIns="50800" rIns="50800" bIns="50800" numCol="1" spcCol="38100" rtlCol="0" anchor="ctr">
+              <a:spAutoFit/>
+            </a:bodyPr>
+            <a:lstStyle/>
+            <a:p>
+              <a:pPr marL="0" marR="0" indent="0" algn="ctr" defTabSz="457200" rtl="0" fontAlgn="auto" latinLnBrk="1" hangingPunct="0">
+                <a:lnSpc>
+                  <a:spcPct val="100000"/>
+                </a:lnSpc>
+                <a:spcBef>
+                  <a:spcPts val="0"/>
+                </a:spcBef>
+                <a:spcAft>
+                  <a:spcPts val="0"/>
+                </a:spcAft>
+                <a:buClr>
+                  <a:srgbClr val="000000"/>
+                </a:buClr>
+                <a:buSzTx/>
+                <a:buFont typeface="Calibri"/>
+                <a:buNone/>
+                <a:tabLst/>
+              </a:pPr>
+              <a:r>
+                <a:rPr kumimoji="0" lang="en-US" sz="1800" b="0" i="0" u="none" strike="noStrike" cap="none" spc="0" normalizeH="0" baseline="0" dirty="0">
+                  <a:ln>
+                    <a:noFill/>
+                  </a:ln>
+                  <a:solidFill>
+                    <a:srgbClr val="00B050"/>
+                  </a:solidFill>
+                  <a:effectLst/>
+                  <a:uFill>
+                    <a:solidFill>
+                      <a:srgbClr val="000000"/>
+                    </a:solidFill>
+                  </a:uFill>
+                  <a:latin typeface="+mn-lt"/>
+                  <a:ea typeface="+mn-ea"/>
+                  <a:cs typeface="+mn-cs"/>
+                  <a:sym typeface="Calibri"/>
+                </a:rPr>
+                <a:t>0.025</a:t>
+              </a:r>
+            </a:p>
+          </p:txBody>
+        </p:sp>
+        <p:sp>
+          <p:nvSpPr>
+            <p:cNvPr id="36" name="TextBox 35">
+              <a:extLst>
+                <a:ext uri="{FF2B5EF4-FFF2-40B4-BE49-F238E27FC236}">
+                  <a16:creationId xmlns:a16="http://schemas.microsoft.com/office/drawing/2014/main" id="{4F2DE09D-C9B2-B70E-0079-14E7F1C8A00C}"/>
+                </a:ext>
+              </a:extLst>
+            </p:cNvPr>
+            <p:cNvSpPr txBox="1"/>
+            <p:nvPr/>
+          </p:nvSpPr>
+          <p:spPr>
+            <a:xfrm>
+              <a:off x="1813754" y="3765761"/>
+              <a:ext cx="750486" cy="379591"/>
+            </a:xfrm>
+            <a:prstGeom prst="rect">
+              <a:avLst/>
+            </a:prstGeom>
+            <a:noFill/>
+            <a:ln w="12700" cap="flat">
+              <a:noFill/>
+              <a:miter lim="400000"/>
+            </a:ln>
+            <a:effectLst/>
+          </p:spPr>
+          <p:style>
+            <a:lnRef idx="0">
+              <a:scrgbClr r="0" g="0" b="0"/>
+            </a:lnRef>
+            <a:fillRef idx="0">
+              <a:scrgbClr r="0" g="0" b="0"/>
+            </a:fillRef>
+            <a:effectRef idx="0">
+              <a:scrgbClr r="0" g="0" b="0"/>
+            </a:effectRef>
+            <a:fontRef idx="none"/>
+          </p:style>
+          <p:txBody>
+            <a:bodyPr rot="0" spcFirstLastPara="1" vertOverflow="overflow" horzOverflow="overflow" vert="horz" wrap="square" lIns="50800" tIns="50800" rIns="50800" bIns="50800" numCol="1" spcCol="38100" rtlCol="0" anchor="ctr">
+              <a:spAutoFit/>
+            </a:bodyPr>
+            <a:lstStyle/>
+            <a:p>
+              <a:pPr marL="0" marR="0" indent="0" algn="ctr" defTabSz="457200" rtl="0" fontAlgn="auto" latinLnBrk="1" hangingPunct="0">
+                <a:lnSpc>
+                  <a:spcPct val="100000"/>
+                </a:lnSpc>
+                <a:spcBef>
+                  <a:spcPts val="0"/>
+                </a:spcBef>
+                <a:spcAft>
+                  <a:spcPts val="0"/>
+                </a:spcAft>
+                <a:buClr>
+                  <a:srgbClr val="000000"/>
+                </a:buClr>
+                <a:buSzTx/>
+                <a:buFont typeface="Calibri"/>
+                <a:buNone/>
+                <a:tabLst/>
+              </a:pPr>
+              <a:r>
+                <a:rPr kumimoji="0" lang="en-US" sz="1800" b="0" i="0" u="none" strike="noStrike" cap="none" spc="0" normalizeH="0" baseline="0" dirty="0">
+                  <a:ln>
+                    <a:noFill/>
+                  </a:ln>
+                  <a:solidFill>
+                    <a:srgbClr val="00B050"/>
+                  </a:solidFill>
+                  <a:effectLst/>
+                  <a:uFill>
+                    <a:solidFill>
+                      <a:srgbClr val="000000"/>
+                    </a:solidFill>
+                  </a:uFill>
+                  <a:latin typeface="+mn-lt"/>
+                  <a:ea typeface="+mn-ea"/>
+                  <a:cs typeface="+mn-cs"/>
+                  <a:sym typeface="Calibri"/>
+                </a:rPr>
+                <a:t>0.025</a:t>
+              </a:r>
+            </a:p>
+          </p:txBody>
+        </p:sp>
+      </p:grpSp>
+      <p:sp>
+        <p:nvSpPr>
+          <p:cNvPr id="5" name="Text Placeholder 3">
+            <a:extLst>
+              <a:ext uri="{FF2B5EF4-FFF2-40B4-BE49-F238E27FC236}">
+                <a16:creationId xmlns:a16="http://schemas.microsoft.com/office/drawing/2014/main" id="{948FC394-9279-907E-1429-FC37F830EF03}"/>
+              </a:ext>
+            </a:extLst>
+          </p:cNvPr>
+          <p:cNvSpPr txBox="1">
+            <a:spLocks/>
+          </p:cNvSpPr>
+          <p:nvPr/>
+        </p:nvSpPr>
+        <p:spPr>
+          <a:xfrm>
+            <a:off x="6096001" y="4526474"/>
+            <a:ext cx="6207314" cy="2222424"/>
+          </a:xfrm>
+          <a:prstGeom prst="rect">
+            <a:avLst/>
+          </a:prstGeom>
+        </p:spPr>
+        <p:txBody>
+          <a:bodyPr vert="horz" lIns="91440" tIns="45720" rIns="91440" bIns="45720" rtlCol="0">
+            <a:normAutofit/>
+          </a:bodyPr>
+          <a:lstStyle>
+            <a:lvl1pPr marL="342900" indent="-342900" defTabSz="457200">
+              <a:spcBef>
+                <a:spcPts val="700"/>
+              </a:spcBef>
+              <a:buClr>
+                <a:srgbClr val="000000"/>
+              </a:buClr>
+              <a:buSzPct val="100000"/>
+              <a:buFont typeface="Arial"/>
+              <a:buChar char="•"/>
+              <a:defRPr sz="2800">
+                <a:solidFill>
+                  <a:srgbClr val="03244D"/>
+                </a:solidFill>
+                <a:uFill>
+                  <a:solidFill/>
+                </a:uFill>
+                <a:latin typeface="+mn-lt"/>
+                <a:ea typeface="+mn-ea"/>
+                <a:cs typeface="Arial" panose="020B0604020202020204" pitchFamily="34" charset="0"/>
+                <a:sym typeface="Calibri"/>
+              </a:defRPr>
+            </a:lvl1pPr>
+            <a:lvl2pPr marL="783771" indent="-326571" defTabSz="457200">
+              <a:spcBef>
+                <a:spcPts val="700"/>
+              </a:spcBef>
+              <a:buClr>
+                <a:srgbClr val="000000"/>
+              </a:buClr>
+              <a:buSzPct val="100000"/>
+              <a:buFont typeface="Arial"/>
+              <a:buChar char="•"/>
+              <a:defRPr sz="2400">
+                <a:solidFill>
+                  <a:srgbClr val="03244D"/>
+                </a:solidFill>
+                <a:uFill>
+                  <a:solidFill/>
+                </a:uFill>
+                <a:latin typeface="+mn-lt"/>
+                <a:ea typeface="+mn-ea"/>
+                <a:cs typeface="Arial" panose="020B0604020202020204" pitchFamily="34" charset="0"/>
+                <a:sym typeface="Calibri"/>
+              </a:defRPr>
+            </a:lvl2pPr>
+            <a:lvl3pPr marL="1219200" indent="-304800" defTabSz="457200">
+              <a:spcBef>
+                <a:spcPts val="700"/>
+              </a:spcBef>
+              <a:buClr>
+                <a:srgbClr val="000000"/>
+              </a:buClr>
+              <a:buSzPct val="100000"/>
+              <a:buFont typeface="Arial"/>
+              <a:buChar char="•"/>
+              <a:defRPr sz="2000">
+                <a:solidFill>
+                  <a:srgbClr val="03244D"/>
+                </a:solidFill>
+                <a:uFill>
+                  <a:solidFill/>
+                </a:uFill>
+                <a:latin typeface="+mn-lt"/>
+                <a:ea typeface="+mn-ea"/>
+                <a:cs typeface="Arial" panose="020B0604020202020204" pitchFamily="34" charset="0"/>
+                <a:sym typeface="Calibri"/>
+              </a:defRPr>
+            </a:lvl3pPr>
+            <a:lvl4pPr marL="1737360" indent="-365760" defTabSz="457200">
+              <a:spcBef>
+                <a:spcPts val="700"/>
+              </a:spcBef>
+              <a:buClr>
+                <a:srgbClr val="000000"/>
+              </a:buClr>
+              <a:buSzPct val="100000"/>
+              <a:buFont typeface="Arial"/>
+              <a:buChar char="•"/>
+              <a:defRPr sz="2000">
+                <a:solidFill>
+                  <a:srgbClr val="03244D"/>
+                </a:solidFill>
+                <a:uFill>
+                  <a:solidFill/>
+                </a:uFill>
+                <a:latin typeface="+mn-lt"/>
+                <a:ea typeface="+mn-ea"/>
+                <a:cs typeface="Arial" panose="020B0604020202020204" pitchFamily="34" charset="0"/>
+                <a:sym typeface="Calibri"/>
+              </a:defRPr>
+            </a:lvl4pPr>
+            <a:lvl5pPr marL="2194560" indent="-365760" defTabSz="457200">
+              <a:spcBef>
+                <a:spcPts val="700"/>
+              </a:spcBef>
+              <a:buClr>
+                <a:srgbClr val="000000"/>
+              </a:buClr>
+              <a:buSzPct val="100000"/>
+              <a:buFont typeface="Arial"/>
+              <a:buChar char="•"/>
+              <a:defRPr sz="2000">
+                <a:solidFill>
+                  <a:srgbClr val="03244D"/>
+                </a:solidFill>
+                <a:uFill>
+                  <a:solidFill/>
+                </a:uFill>
+                <a:latin typeface="+mn-lt"/>
+                <a:ea typeface="+mn-ea"/>
+                <a:cs typeface="Arial" panose="020B0604020202020204" pitchFamily="34" charset="0"/>
+                <a:sym typeface="Calibri"/>
+              </a:defRPr>
+            </a:lvl5pPr>
+            <a:lvl6pPr marL="2451100" indent="0" defTabSz="457200">
+              <a:spcBef>
+                <a:spcPts val="700"/>
+              </a:spcBef>
+              <a:buClr>
+                <a:srgbClr val="000000"/>
+              </a:buClr>
+              <a:buSzPct val="171000"/>
+              <a:buFont typeface="Arial"/>
+              <a:buNone/>
+              <a:defRPr sz="1800">
+                <a:solidFill>
+                  <a:srgbClr val="03244D"/>
+                </a:solidFill>
+                <a:uFill>
+                  <a:solidFill/>
+                </a:uFill>
+                <a:latin typeface="Arial" panose="020B0604020202020204" pitchFamily="34" charset="0"/>
+                <a:ea typeface="+mn-ea"/>
+                <a:cs typeface="Arial" panose="020B0604020202020204" pitchFamily="34" charset="0"/>
+                <a:sym typeface="Calibri"/>
+              </a:defRPr>
+            </a:lvl6pPr>
+            <a:lvl7pPr marL="3721100" indent="-914400" defTabSz="457200">
+              <a:spcBef>
+                <a:spcPts val="700"/>
+              </a:spcBef>
+              <a:buClr>
+                <a:srgbClr val="000000"/>
+              </a:buClr>
+              <a:buSzPct val="171000"/>
+              <a:buFont typeface="Arial"/>
+              <a:buChar char="•"/>
+              <a:defRPr sz="3200">
+                <a:uFill>
+                  <a:solidFill/>
+                </a:uFill>
+                <a:latin typeface="+mn-lt"/>
+                <a:ea typeface="+mn-ea"/>
+                <a:cs typeface="+mn-cs"/>
+                <a:sym typeface="Calibri"/>
+              </a:defRPr>
+            </a:lvl7pPr>
+            <a:lvl8pPr marL="4076700" indent="-914400" defTabSz="457200">
+              <a:spcBef>
+                <a:spcPts val="700"/>
+              </a:spcBef>
+              <a:buClr>
+                <a:srgbClr val="000000"/>
+              </a:buClr>
+              <a:buSzPct val="171000"/>
+              <a:buFont typeface="Arial"/>
+              <a:buChar char="•"/>
+              <a:defRPr sz="3200">
+                <a:uFill>
+                  <a:solidFill/>
+                </a:uFill>
+                <a:latin typeface="+mn-lt"/>
+                <a:ea typeface="+mn-ea"/>
+                <a:cs typeface="+mn-cs"/>
+                <a:sym typeface="Calibri"/>
+              </a:defRPr>
+            </a:lvl8pPr>
+            <a:lvl9pPr marL="4432300" indent="-914400" defTabSz="457200">
+              <a:spcBef>
+                <a:spcPts val="700"/>
+              </a:spcBef>
+              <a:buClr>
+                <a:srgbClr val="000000"/>
+              </a:buClr>
+              <a:buSzPct val="171000"/>
+              <a:buFont typeface="Arial"/>
+              <a:buChar char="•"/>
+              <a:defRPr sz="3200">
+                <a:uFill>
+                  <a:solidFill/>
+                </a:uFill>
+                <a:latin typeface="+mn-lt"/>
+                <a:ea typeface="+mn-ea"/>
+                <a:cs typeface="+mn-cs"/>
+                <a:sym typeface="Calibri"/>
+              </a:defRPr>
+            </a:lvl9pPr>
+          </a:lstStyle>
+          <a:p>
+            <a:r>
+              <a:rPr lang="en-US" dirty="0"/>
+              <a:t>Total Probability Theorem</a:t>
+            </a:r>
+          </a:p>
+          <a:p>
+            <a:pPr marL="0" indent="0">
+              <a:buNone/>
+            </a:pPr>
+            <a:endParaRPr lang="en-US" dirty="0"/>
+          </a:p>
+          <a:p>
+            <a:pPr marL="0" indent="0">
+              <a:buFont typeface="Arial"/>
+              <a:buNone/>
+            </a:pPr>
+            <a:r>
+              <a:rPr lang="en-US" dirty="0"/>
+              <a:t>		</a:t>
+            </a:r>
+          </a:p>
+          <a:p>
+            <a:endParaRPr lang="en-US" dirty="0"/>
+          </a:p>
+          <a:p>
+            <a:endParaRPr lang="en-US" dirty="0"/>
+          </a:p>
+        </p:txBody>
+      </p:sp>
+      <mc:AlternateContent xmlns:mc="http://schemas.openxmlformats.org/markup-compatibility/2006">
+        <mc:Choice xmlns:a14="http://schemas.microsoft.com/office/drawing/2010/main" Requires="a14">
           <p:sp>
             <p:nvSpPr>
-              <p:cNvPr id="104" name="TextBox 103">
+              <p:cNvPr id="6" name="TextBox 5">
                 <a:extLst>
                   <a:ext uri="{FF2B5EF4-FFF2-40B4-BE49-F238E27FC236}">
-                    <a16:creationId xmlns:a16="http://schemas.microsoft.com/office/drawing/2014/main" id="{19B59284-9513-3FF2-C054-30BDFD048B6E}"/>
+                    <a16:creationId xmlns:a16="http://schemas.microsoft.com/office/drawing/2014/main" id="{1390C5B8-D66A-5D94-B47A-7C57A2747C1D}"/>
                   </a:ext>
                 </a:extLst>
               </p:cNvPr>
@@ -32197,13 +33729,13 @@
             </p:txBody>
           </p:sp>
         </mc:Choice>
-        <mc:Fallback xmlns="">
+        <mc:Fallback>
           <p:sp>
             <p:nvSpPr>
-              <p:cNvPr id="104" name="TextBox 103">
+              <p:cNvPr id="6" name="TextBox 5">
                 <a:extLst>
                   <a:ext uri="{FF2B5EF4-FFF2-40B4-BE49-F238E27FC236}">
-                    <a16:creationId xmlns:a16="http://schemas.microsoft.com/office/drawing/2014/main" id="{19B59284-9513-3FF2-C054-30BDFD048B6E}"/>
+                    <a16:creationId xmlns:a16="http://schemas.microsoft.com/office/drawing/2014/main" id="{1390C5B8-D66A-5D94-B47A-7C57A2747C1D}"/>
                   </a:ext>
                 </a:extLst>
               </p:cNvPr>
@@ -32221,7 +33753,7 @@
                 <a:avLst/>
               </a:prstGeom>
               <a:blipFill>
-                <a:blip r:embed="rId3"/>
+                <a:blip r:embed="rId4"/>
                 <a:stretch>
                   <a:fillRect/>
                 </a:stretch>
@@ -32247,1535 +33779,10 @@
           </p:sp>
         </mc:Fallback>
       </mc:AlternateContent>
-      <p:grpSp>
-        <p:nvGrpSpPr>
-          <p:cNvPr id="8" name="Group 7">
-            <a:extLst>
-              <a:ext uri="{FF2B5EF4-FFF2-40B4-BE49-F238E27FC236}">
-                <a16:creationId xmlns:a16="http://schemas.microsoft.com/office/drawing/2014/main" id="{6E9FD7F4-9301-4512-CE21-F922D0D41F4D}"/>
-              </a:ext>
-            </a:extLst>
-          </p:cNvPr>
-          <p:cNvGrpSpPr/>
-          <p:nvPr/>
-        </p:nvGrpSpPr>
-        <p:grpSpPr>
-          <a:xfrm>
-            <a:off x="142457" y="2455947"/>
-            <a:ext cx="5869962" cy="3773740"/>
-            <a:chOff x="617794" y="2479339"/>
-            <a:chExt cx="5869962" cy="3773740"/>
-          </a:xfrm>
-        </p:grpSpPr>
-        <p:sp>
-          <p:nvSpPr>
-            <p:cNvPr id="9" name="Oval 8">
-              <a:extLst>
-                <a:ext uri="{FF2B5EF4-FFF2-40B4-BE49-F238E27FC236}">
-                  <a16:creationId xmlns:a16="http://schemas.microsoft.com/office/drawing/2014/main" id="{473F6D7D-AB5F-1C91-D2E5-118349601CEF}"/>
-                </a:ext>
-              </a:extLst>
-            </p:cNvPr>
-            <p:cNvSpPr/>
-            <p:nvPr/>
-          </p:nvSpPr>
-          <p:spPr>
-            <a:xfrm>
-              <a:off x="2878740" y="2985689"/>
-              <a:ext cx="1371600" cy="1371600"/>
-            </a:xfrm>
-            <a:prstGeom prst="ellipse">
-              <a:avLst/>
-            </a:prstGeom>
-            <a:noFill/>
-            <a:ln w="12700" cap="flat">
-              <a:solidFill>
-                <a:schemeClr val="tx1"/>
-              </a:solidFill>
-              <a:miter lim="400000"/>
-            </a:ln>
-            <a:effectLst>
-              <a:outerShdw blurRad="38100" dist="25400" dir="5400000" rotWithShape="0">
-                <a:srgbClr val="000000">
-                  <a:alpha val="50000"/>
-                </a:srgbClr>
-              </a:outerShdw>
-            </a:effectLst>
-          </p:spPr>
-          <p:style>
-            <a:lnRef idx="0">
-              <a:scrgbClr r="0" g="0" b="0"/>
-            </a:lnRef>
-            <a:fillRef idx="0">
-              <a:scrgbClr r="0" g="0" b="0"/>
-            </a:fillRef>
-            <a:effectRef idx="0">
-              <a:scrgbClr r="0" g="0" b="0"/>
-            </a:effectRef>
-            <a:fontRef idx="none"/>
-          </p:style>
-          <p:txBody>
-            <a:bodyPr rot="0" spcFirstLastPara="1" vertOverflow="overflow" horzOverflow="overflow" vert="horz" wrap="square" lIns="50800" tIns="50800" rIns="50800" bIns="50800" numCol="1" spcCol="38100" rtlCol="0" anchor="ctr">
-              <a:spAutoFit/>
-            </a:bodyPr>
-            <a:lstStyle/>
-            <a:p>
-              <a:pPr marL="0" marR="0" indent="0" algn="ctr" defTabSz="584200" rtl="0" fontAlgn="auto" latinLnBrk="1" hangingPunct="0">
-                <a:lnSpc>
-                  <a:spcPct val="100000"/>
-                </a:lnSpc>
-                <a:spcBef>
-                  <a:spcPts val="0"/>
-                </a:spcBef>
-                <a:spcAft>
-                  <a:spcPts val="0"/>
-                </a:spcAft>
-                <a:buClr>
-                  <a:srgbClr val="000000"/>
-                </a:buClr>
-                <a:buSzTx/>
-                <a:buFont typeface="Calibri"/>
-                <a:buNone/>
-                <a:tabLst/>
-              </a:pPr>
-              <a:r>
-                <a:rPr lang="en-US" sz="2800" dirty="0">
-                  <a:solidFill>
-                    <a:schemeClr val="accent5"/>
-                  </a:solidFill>
-                  <a:uFillTx/>
-                </a:rPr>
-                <a:t>Walk</a:t>
-              </a:r>
-              <a:endParaRPr kumimoji="0" lang="en-US" sz="2800" i="0" u="none" strike="noStrike" cap="none" spc="0" normalizeH="0" baseline="0" dirty="0">
-                <a:ln>
-                  <a:noFill/>
-                </a:ln>
-                <a:solidFill>
-                  <a:schemeClr val="accent5"/>
-                </a:solidFill>
-                <a:uFillTx/>
-                <a:sym typeface="Calibri"/>
-              </a:endParaRPr>
-            </a:p>
-          </p:txBody>
-        </p:sp>
-        <p:sp>
-          <p:nvSpPr>
-            <p:cNvPr id="10" name="Oval 9">
-              <a:extLst>
-                <a:ext uri="{FF2B5EF4-FFF2-40B4-BE49-F238E27FC236}">
-                  <a16:creationId xmlns:a16="http://schemas.microsoft.com/office/drawing/2014/main" id="{E49AE226-D5C0-F9A4-EA67-7BFD4ACBD2E6}"/>
-                </a:ext>
-              </a:extLst>
-            </p:cNvPr>
-            <p:cNvSpPr/>
-            <p:nvPr/>
-          </p:nvSpPr>
-          <p:spPr>
-            <a:xfrm>
-              <a:off x="1367094" y="4557121"/>
-              <a:ext cx="1371600" cy="1371600"/>
-            </a:xfrm>
-            <a:prstGeom prst="ellipse">
-              <a:avLst/>
-            </a:prstGeom>
-            <a:noFill/>
-            <a:ln w="12700" cap="flat">
-              <a:solidFill>
-                <a:schemeClr val="tx1"/>
-              </a:solidFill>
-              <a:miter lim="400000"/>
-            </a:ln>
-            <a:effectLst>
-              <a:outerShdw blurRad="38100" dist="25400" dir="5400000" rotWithShape="0">
-                <a:srgbClr val="000000">
-                  <a:alpha val="50000"/>
-                </a:srgbClr>
-              </a:outerShdw>
-            </a:effectLst>
-          </p:spPr>
-          <p:style>
-            <a:lnRef idx="0">
-              <a:scrgbClr r="0" g="0" b="0"/>
-            </a:lnRef>
-            <a:fillRef idx="0">
-              <a:scrgbClr r="0" g="0" b="0"/>
-            </a:fillRef>
-            <a:effectRef idx="0">
-              <a:scrgbClr r="0" g="0" b="0"/>
-            </a:effectRef>
-            <a:fontRef idx="none"/>
-          </p:style>
-          <p:txBody>
-            <a:bodyPr rot="0" spcFirstLastPara="1" vertOverflow="overflow" horzOverflow="overflow" vert="horz" wrap="square" lIns="50800" tIns="50800" rIns="50800" bIns="50800" numCol="1" spcCol="38100" rtlCol="0" anchor="ctr">
-              <a:spAutoFit/>
-            </a:bodyPr>
-            <a:lstStyle/>
-            <a:p>
-              <a:pPr marL="0" marR="0" indent="0" algn="ctr" defTabSz="584200" rtl="0" fontAlgn="auto" latinLnBrk="1" hangingPunct="0">
-                <a:lnSpc>
-                  <a:spcPct val="100000"/>
-                </a:lnSpc>
-                <a:spcBef>
-                  <a:spcPts val="0"/>
-                </a:spcBef>
-                <a:spcAft>
-                  <a:spcPts val="0"/>
-                </a:spcAft>
-                <a:buClr>
-                  <a:srgbClr val="000000"/>
-                </a:buClr>
-                <a:buSzTx/>
-                <a:buFont typeface="Calibri"/>
-                <a:buNone/>
-                <a:tabLst/>
-              </a:pPr>
-              <a:r>
-                <a:rPr kumimoji="0" lang="en-US" sz="2800" i="0" u="none" strike="noStrike" normalizeH="0" baseline="0" dirty="0">
-                  <a:solidFill>
-                    <a:schemeClr val="accent5"/>
-                  </a:solidFill>
-                  <a:uFillTx/>
-                  <a:latin typeface="+mn-lt"/>
-                  <a:ea typeface="+mn-ea"/>
-                  <a:cs typeface="+mn-cs"/>
-                  <a:sym typeface="Calibri"/>
-                </a:rPr>
-                <a:t>Stop</a:t>
-              </a:r>
-            </a:p>
-          </p:txBody>
-        </p:sp>
-        <p:sp>
-          <p:nvSpPr>
-            <p:cNvPr id="11" name="Oval 10">
-              <a:extLst>
-                <a:ext uri="{FF2B5EF4-FFF2-40B4-BE49-F238E27FC236}">
-                  <a16:creationId xmlns:a16="http://schemas.microsoft.com/office/drawing/2014/main" id="{16E84175-A090-4065-1FA8-CB8532788838}"/>
-                </a:ext>
-              </a:extLst>
-            </p:cNvPr>
-            <p:cNvSpPr/>
-            <p:nvPr/>
-          </p:nvSpPr>
-          <p:spPr>
-            <a:xfrm>
-              <a:off x="4436496" y="4557121"/>
-              <a:ext cx="1371600" cy="1371600"/>
-            </a:xfrm>
-            <a:prstGeom prst="ellipse">
-              <a:avLst/>
-            </a:prstGeom>
-            <a:noFill/>
-            <a:ln w="12700" cap="flat">
-              <a:solidFill>
-                <a:schemeClr val="tx1"/>
-              </a:solidFill>
-              <a:miter lim="400000"/>
-            </a:ln>
-            <a:effectLst>
-              <a:outerShdw blurRad="38100" dist="25400" dir="5400000" rotWithShape="0">
-                <a:srgbClr val="000000">
-                  <a:alpha val="50000"/>
-                </a:srgbClr>
-              </a:outerShdw>
-            </a:effectLst>
-          </p:spPr>
-          <p:style>
-            <a:lnRef idx="0">
-              <a:scrgbClr r="0" g="0" b="0"/>
-            </a:lnRef>
-            <a:fillRef idx="0">
-              <a:scrgbClr r="0" g="0" b="0"/>
-            </a:fillRef>
-            <a:effectRef idx="0">
-              <a:scrgbClr r="0" g="0" b="0"/>
-            </a:effectRef>
-            <a:fontRef idx="none"/>
-          </p:style>
-          <p:txBody>
-            <a:bodyPr rot="0" spcFirstLastPara="1" vertOverflow="overflow" horzOverflow="overflow" vert="horz" wrap="square" lIns="50800" tIns="50800" rIns="50800" bIns="50800" numCol="1" spcCol="38100" rtlCol="0" anchor="ctr">
-              <a:spAutoFit/>
-            </a:bodyPr>
-            <a:lstStyle/>
-            <a:p>
-              <a:pPr marL="0" marR="0" indent="0" algn="ctr" defTabSz="584200" rtl="0" fontAlgn="auto" latinLnBrk="1" hangingPunct="0">
-                <a:lnSpc>
-                  <a:spcPct val="100000"/>
-                </a:lnSpc>
-                <a:spcBef>
-                  <a:spcPts val="0"/>
-                </a:spcBef>
-                <a:spcAft>
-                  <a:spcPts val="0"/>
-                </a:spcAft>
-                <a:buClr>
-                  <a:srgbClr val="000000"/>
-                </a:buClr>
-                <a:buSzTx/>
-                <a:buFont typeface="Calibri"/>
-                <a:buNone/>
-                <a:tabLst/>
-              </a:pPr>
-              <a:r>
-                <a:rPr lang="en-US" sz="2800" dirty="0">
-                  <a:solidFill>
-                    <a:schemeClr val="accent5"/>
-                  </a:solidFill>
-                  <a:uFillTx/>
-                </a:rPr>
-                <a:t>Run</a:t>
-              </a:r>
-              <a:endParaRPr kumimoji="0" lang="en-US" sz="2800" i="0" u="none" strike="noStrike" cap="none" spc="0" normalizeH="0" baseline="0" dirty="0">
-                <a:ln>
-                  <a:noFill/>
-                </a:ln>
-                <a:solidFill>
-                  <a:schemeClr val="accent5"/>
-                </a:solidFill>
-                <a:uFillTx/>
-                <a:sym typeface="Calibri"/>
-              </a:endParaRPr>
-            </a:p>
-          </p:txBody>
-        </p:sp>
-        <p:cxnSp>
-          <p:nvCxnSpPr>
-            <p:cNvPr id="13" name="Straight Arrow Connector 12">
-              <a:extLst>
-                <a:ext uri="{FF2B5EF4-FFF2-40B4-BE49-F238E27FC236}">
-                  <a16:creationId xmlns:a16="http://schemas.microsoft.com/office/drawing/2014/main" id="{B004FA70-86F5-12B9-64AA-C7CFE3EAE8FC}"/>
-                </a:ext>
-              </a:extLst>
-            </p:cNvPr>
-            <p:cNvCxnSpPr>
-              <a:cxnSpLocks/>
-              <a:stCxn id="10" idx="7"/>
-              <a:endCxn id="9" idx="3"/>
-            </p:cNvCxnSpPr>
-            <p:nvPr/>
-          </p:nvCxnSpPr>
-          <p:spPr>
-            <a:xfrm flipV="1">
-              <a:off x="2537828" y="4156423"/>
-              <a:ext cx="541778" cy="601564"/>
-            </a:xfrm>
-            <a:prstGeom prst="straightConnector1">
-              <a:avLst/>
-            </a:prstGeom>
-            <a:noFill/>
-            <a:ln w="38100" cap="flat">
-              <a:solidFill>
-                <a:srgbClr val="000000"/>
-              </a:solidFill>
-              <a:prstDash val="solid"/>
-              <a:miter lim="400000"/>
-              <a:tailEnd type="triangle"/>
-            </a:ln>
-            <a:effectLst/>
-          </p:spPr>
-          <p:style>
-            <a:lnRef idx="0">
-              <a:scrgbClr r="0" g="0" b="0"/>
-            </a:lnRef>
-            <a:fillRef idx="0">
-              <a:scrgbClr r="0" g="0" b="0"/>
-            </a:fillRef>
-            <a:effectRef idx="0">
-              <a:scrgbClr r="0" g="0" b="0"/>
-            </a:effectRef>
-            <a:fontRef idx="none"/>
-          </p:style>
-        </p:cxnSp>
-        <p:cxnSp>
-          <p:nvCxnSpPr>
-            <p:cNvPr id="14" name="Straight Arrow Connector 13">
-              <a:extLst>
-                <a:ext uri="{FF2B5EF4-FFF2-40B4-BE49-F238E27FC236}">
-                  <a16:creationId xmlns:a16="http://schemas.microsoft.com/office/drawing/2014/main" id="{A9ECD4CB-9B77-49DB-EE49-BB0E70FEC360}"/>
-                </a:ext>
-              </a:extLst>
-            </p:cNvPr>
-            <p:cNvCxnSpPr>
-              <a:cxnSpLocks/>
-              <a:stCxn id="9" idx="2"/>
-              <a:endCxn id="10" idx="0"/>
-            </p:cNvCxnSpPr>
-            <p:nvPr/>
-          </p:nvCxnSpPr>
-          <p:spPr>
-            <a:xfrm flipH="1">
-              <a:off x="2052894" y="3671489"/>
-              <a:ext cx="825846" cy="885632"/>
-            </a:xfrm>
-            <a:prstGeom prst="straightConnector1">
-              <a:avLst/>
-            </a:prstGeom>
-            <a:noFill/>
-            <a:ln w="38100" cap="flat">
-              <a:solidFill>
-                <a:srgbClr val="000000"/>
-              </a:solidFill>
-              <a:prstDash val="solid"/>
-              <a:miter lim="400000"/>
-              <a:tailEnd type="triangle"/>
-            </a:ln>
-            <a:effectLst/>
-          </p:spPr>
-          <p:style>
-            <a:lnRef idx="0">
-              <a:scrgbClr r="0" g="0" b="0"/>
-            </a:lnRef>
-            <a:fillRef idx="0">
-              <a:scrgbClr r="0" g="0" b="0"/>
-            </a:fillRef>
-            <a:effectRef idx="0">
-              <a:scrgbClr r="0" g="0" b="0"/>
-            </a:effectRef>
-            <a:fontRef idx="none"/>
-          </p:style>
-        </p:cxnSp>
-        <p:cxnSp>
-          <p:nvCxnSpPr>
-            <p:cNvPr id="15" name="Straight Arrow Connector 14">
-              <a:extLst>
-                <a:ext uri="{FF2B5EF4-FFF2-40B4-BE49-F238E27FC236}">
-                  <a16:creationId xmlns:a16="http://schemas.microsoft.com/office/drawing/2014/main" id="{6D1B1169-81DA-98BC-7F06-981C07BA95BF}"/>
-                </a:ext>
-              </a:extLst>
-            </p:cNvPr>
-            <p:cNvCxnSpPr>
-              <a:cxnSpLocks/>
-              <a:stCxn id="9" idx="5"/>
-              <a:endCxn id="11" idx="1"/>
-            </p:cNvCxnSpPr>
-            <p:nvPr/>
-          </p:nvCxnSpPr>
-          <p:spPr>
-            <a:xfrm>
-              <a:off x="4049474" y="4156423"/>
-              <a:ext cx="587888" cy="601564"/>
-            </a:xfrm>
-            <a:prstGeom prst="straightConnector1">
-              <a:avLst/>
-            </a:prstGeom>
-            <a:noFill/>
-            <a:ln w="38100" cap="flat">
-              <a:solidFill>
-                <a:srgbClr val="000000"/>
-              </a:solidFill>
-              <a:prstDash val="solid"/>
-              <a:miter lim="400000"/>
-              <a:tailEnd type="triangle"/>
-            </a:ln>
-            <a:effectLst/>
-          </p:spPr>
-          <p:style>
-            <a:lnRef idx="0">
-              <a:scrgbClr r="0" g="0" b="0"/>
-            </a:lnRef>
-            <a:fillRef idx="0">
-              <a:scrgbClr r="0" g="0" b="0"/>
-            </a:fillRef>
-            <a:effectRef idx="0">
-              <a:scrgbClr r="0" g="0" b="0"/>
-            </a:effectRef>
-            <a:fontRef idx="none"/>
-          </p:style>
-        </p:cxnSp>
-        <p:cxnSp>
-          <p:nvCxnSpPr>
-            <p:cNvPr id="16" name="Straight Arrow Connector 15">
-              <a:extLst>
-                <a:ext uri="{FF2B5EF4-FFF2-40B4-BE49-F238E27FC236}">
-                  <a16:creationId xmlns:a16="http://schemas.microsoft.com/office/drawing/2014/main" id="{0ED7C67C-AFAB-8FDB-79DE-F5886118D095}"/>
-                </a:ext>
-              </a:extLst>
-            </p:cNvPr>
-            <p:cNvCxnSpPr>
-              <a:cxnSpLocks/>
-              <a:stCxn id="11" idx="0"/>
-            </p:cNvCxnSpPr>
-            <p:nvPr/>
-          </p:nvCxnSpPr>
-          <p:spPr>
-            <a:xfrm flipH="1" flipV="1">
-              <a:off x="4250340" y="3679349"/>
-              <a:ext cx="871956" cy="877772"/>
-            </a:xfrm>
-            <a:prstGeom prst="straightConnector1">
-              <a:avLst/>
-            </a:prstGeom>
-            <a:noFill/>
-            <a:ln w="38100" cap="flat">
-              <a:solidFill>
-                <a:srgbClr val="000000"/>
-              </a:solidFill>
-              <a:prstDash val="solid"/>
-              <a:miter lim="400000"/>
-              <a:tailEnd type="triangle"/>
-            </a:ln>
-            <a:effectLst/>
-          </p:spPr>
-          <p:style>
-            <a:lnRef idx="0">
-              <a:scrgbClr r="0" g="0" b="0"/>
-            </a:lnRef>
-            <a:fillRef idx="0">
-              <a:scrgbClr r="0" g="0" b="0"/>
-            </a:fillRef>
-            <a:effectRef idx="0">
-              <a:scrgbClr r="0" g="0" b="0"/>
-            </a:effectRef>
-            <a:fontRef idx="none"/>
-          </p:style>
-        </p:cxnSp>
-        <p:cxnSp>
-          <p:nvCxnSpPr>
-            <p:cNvPr id="17" name="Straight Arrow Connector 16">
-              <a:extLst>
-                <a:ext uri="{FF2B5EF4-FFF2-40B4-BE49-F238E27FC236}">
-                  <a16:creationId xmlns:a16="http://schemas.microsoft.com/office/drawing/2014/main" id="{1B423E1F-9BF6-49CF-6719-6F99D76FB641}"/>
-                </a:ext>
-              </a:extLst>
-            </p:cNvPr>
-            <p:cNvCxnSpPr>
-              <a:cxnSpLocks/>
-              <a:stCxn id="11" idx="2"/>
-              <a:endCxn id="10" idx="6"/>
-            </p:cNvCxnSpPr>
-            <p:nvPr/>
-          </p:nvCxnSpPr>
-          <p:spPr>
-            <a:xfrm flipH="1">
-              <a:off x="2738694" y="5242921"/>
-              <a:ext cx="1697802" cy="0"/>
-            </a:xfrm>
-            <a:prstGeom prst="straightConnector1">
-              <a:avLst/>
-            </a:prstGeom>
-            <a:noFill/>
-            <a:ln w="38100" cap="flat">
-              <a:solidFill>
-                <a:srgbClr val="000000"/>
-              </a:solidFill>
-              <a:prstDash val="solid"/>
-              <a:miter lim="400000"/>
-              <a:tailEnd type="triangle"/>
-            </a:ln>
-            <a:effectLst/>
-          </p:spPr>
-          <p:style>
-            <a:lnRef idx="0">
-              <a:scrgbClr r="0" g="0" b="0"/>
-            </a:lnRef>
-            <a:fillRef idx="0">
-              <a:scrgbClr r="0" g="0" b="0"/>
-            </a:fillRef>
-            <a:effectRef idx="0">
-              <a:scrgbClr r="0" g="0" b="0"/>
-            </a:effectRef>
-            <a:fontRef idx="none"/>
-          </p:style>
-        </p:cxnSp>
-        <p:cxnSp>
-          <p:nvCxnSpPr>
-            <p:cNvPr id="18" name="Straight Arrow Connector 17">
-              <a:extLst>
-                <a:ext uri="{FF2B5EF4-FFF2-40B4-BE49-F238E27FC236}">
-                  <a16:creationId xmlns:a16="http://schemas.microsoft.com/office/drawing/2014/main" id="{FFEDA868-8A47-E6BE-FCDB-39F7D1EC2B7A}"/>
-                </a:ext>
-              </a:extLst>
-            </p:cNvPr>
-            <p:cNvCxnSpPr>
-              <a:cxnSpLocks/>
-              <a:stCxn id="10" idx="5"/>
-              <a:endCxn id="11" idx="3"/>
-            </p:cNvCxnSpPr>
-            <p:nvPr/>
-          </p:nvCxnSpPr>
-          <p:spPr>
-            <a:xfrm>
-              <a:off x="2537828" y="5727855"/>
-              <a:ext cx="2099534" cy="0"/>
-            </a:xfrm>
-            <a:prstGeom prst="straightConnector1">
-              <a:avLst/>
-            </a:prstGeom>
-            <a:noFill/>
-            <a:ln w="38100" cap="flat">
-              <a:solidFill>
-                <a:srgbClr val="000000"/>
-              </a:solidFill>
-              <a:prstDash val="solid"/>
-              <a:miter lim="400000"/>
-              <a:tailEnd type="triangle"/>
-            </a:ln>
-            <a:effectLst/>
-          </p:spPr>
-          <p:style>
-            <a:lnRef idx="0">
-              <a:scrgbClr r="0" g="0" b="0"/>
-            </a:lnRef>
-            <a:fillRef idx="0">
-              <a:scrgbClr r="0" g="0" b="0"/>
-            </a:fillRef>
-            <a:effectRef idx="0">
-              <a:scrgbClr r="0" g="0" b="0"/>
-            </a:effectRef>
-            <a:fontRef idx="none"/>
-          </p:style>
-        </p:cxnSp>
-        <p:cxnSp>
-          <p:nvCxnSpPr>
-            <p:cNvPr id="20" name="Connector: Curved 19">
-              <a:extLst>
-                <a:ext uri="{FF2B5EF4-FFF2-40B4-BE49-F238E27FC236}">
-                  <a16:creationId xmlns:a16="http://schemas.microsoft.com/office/drawing/2014/main" id="{3CFC4191-280A-3C96-B059-D220782A8238}"/>
-                </a:ext>
-              </a:extLst>
-            </p:cNvPr>
-            <p:cNvCxnSpPr>
-              <a:cxnSpLocks/>
-              <a:stCxn id="11" idx="6"/>
-              <a:endCxn id="11" idx="4"/>
-            </p:cNvCxnSpPr>
-            <p:nvPr/>
-          </p:nvCxnSpPr>
-          <p:spPr>
-            <a:xfrm flipH="1">
-              <a:off x="5122296" y="5242921"/>
-              <a:ext cx="685800" cy="685800"/>
-            </a:xfrm>
-            <a:prstGeom prst="curvedConnector4">
-              <a:avLst>
-                <a:gd name="adj1" fmla="val -33333"/>
-                <a:gd name="adj2" fmla="val 133333"/>
-              </a:avLst>
-            </a:prstGeom>
-            <a:noFill/>
-            <a:ln w="38100" cap="flat">
-              <a:solidFill>
-                <a:srgbClr val="000000"/>
-              </a:solidFill>
-              <a:prstDash val="solid"/>
-              <a:miter lim="400000"/>
-              <a:tailEnd type="triangle"/>
-            </a:ln>
-            <a:effectLst/>
-          </p:spPr>
-          <p:style>
-            <a:lnRef idx="0">
-              <a:scrgbClr r="0" g="0" b="0"/>
-            </a:lnRef>
-            <a:fillRef idx="0">
-              <a:scrgbClr r="0" g="0" b="0"/>
-            </a:fillRef>
-            <a:effectRef idx="0">
-              <a:scrgbClr r="0" g="0" b="0"/>
-            </a:effectRef>
-            <a:fontRef idx="none"/>
-          </p:style>
-        </p:cxnSp>
-        <p:cxnSp>
-          <p:nvCxnSpPr>
-            <p:cNvPr id="23" name="Connector: Curved 22">
-              <a:extLst>
-                <a:ext uri="{FF2B5EF4-FFF2-40B4-BE49-F238E27FC236}">
-                  <a16:creationId xmlns:a16="http://schemas.microsoft.com/office/drawing/2014/main" id="{345E55A6-B03A-E31A-FC31-E51614998095}"/>
-                </a:ext>
-              </a:extLst>
-            </p:cNvPr>
-            <p:cNvCxnSpPr>
-              <a:cxnSpLocks/>
-              <a:stCxn id="10" idx="4"/>
-              <a:endCxn id="10" idx="2"/>
-            </p:cNvCxnSpPr>
-            <p:nvPr/>
-          </p:nvCxnSpPr>
-          <p:spPr>
-            <a:xfrm rot="5400000" flipH="1">
-              <a:off x="1367094" y="5242921"/>
-              <a:ext cx="685800" cy="685800"/>
-            </a:xfrm>
-            <a:prstGeom prst="curvedConnector4">
-              <a:avLst>
-                <a:gd name="adj1" fmla="val -33333"/>
-                <a:gd name="adj2" fmla="val 133333"/>
-              </a:avLst>
-            </a:prstGeom>
-            <a:noFill/>
-            <a:ln w="38100" cap="flat">
-              <a:solidFill>
-                <a:srgbClr val="000000"/>
-              </a:solidFill>
-              <a:prstDash val="solid"/>
-              <a:miter lim="400000"/>
-              <a:tailEnd type="triangle"/>
-            </a:ln>
-            <a:effectLst/>
-          </p:spPr>
-          <p:style>
-            <a:lnRef idx="0">
-              <a:scrgbClr r="0" g="0" b="0"/>
-            </a:lnRef>
-            <a:fillRef idx="0">
-              <a:scrgbClr r="0" g="0" b="0"/>
-            </a:fillRef>
-            <a:effectRef idx="0">
-              <a:scrgbClr r="0" g="0" b="0"/>
-            </a:effectRef>
-            <a:fontRef idx="none"/>
-          </p:style>
-        </p:cxnSp>
-        <p:cxnSp>
-          <p:nvCxnSpPr>
-            <p:cNvPr id="25" name="Connector: Curved 24">
-              <a:extLst>
-                <a:ext uri="{FF2B5EF4-FFF2-40B4-BE49-F238E27FC236}">
-                  <a16:creationId xmlns:a16="http://schemas.microsoft.com/office/drawing/2014/main" id="{F7DD223D-2ACE-EC15-3403-FBA8AA782F3D}"/>
-                </a:ext>
-              </a:extLst>
-            </p:cNvPr>
-            <p:cNvCxnSpPr>
-              <a:cxnSpLocks/>
-              <a:stCxn id="9" idx="1"/>
-              <a:endCxn id="9" idx="7"/>
-            </p:cNvCxnSpPr>
-            <p:nvPr/>
-          </p:nvCxnSpPr>
-          <p:spPr>
-            <a:xfrm rot="5400000" flipH="1" flipV="1">
-              <a:off x="3564540" y="2701621"/>
-              <a:ext cx="12700" cy="969868"/>
-            </a:xfrm>
-            <a:prstGeom prst="curvedConnector3">
-              <a:avLst>
-                <a:gd name="adj1" fmla="val 4914961"/>
-              </a:avLst>
-            </a:prstGeom>
-            <a:noFill/>
-            <a:ln w="38100" cap="flat">
-              <a:solidFill>
-                <a:srgbClr val="000000"/>
-              </a:solidFill>
-              <a:prstDash val="solid"/>
-              <a:miter lim="400000"/>
-              <a:tailEnd type="triangle"/>
-            </a:ln>
-            <a:effectLst/>
-          </p:spPr>
-          <p:style>
-            <a:lnRef idx="0">
-              <a:scrgbClr r="0" g="0" b="0"/>
-            </a:lnRef>
-            <a:fillRef idx="0">
-              <a:scrgbClr r="0" g="0" b="0"/>
-            </a:fillRef>
-            <a:effectRef idx="0">
-              <a:scrgbClr r="0" g="0" b="0"/>
-            </a:effectRef>
-            <a:fontRef idx="none"/>
-          </p:style>
-        </p:cxnSp>
-        <p:sp>
-          <p:nvSpPr>
-            <p:cNvPr id="26" name="TextBox 25">
-              <a:extLst>
-                <a:ext uri="{FF2B5EF4-FFF2-40B4-BE49-F238E27FC236}">
-                  <a16:creationId xmlns:a16="http://schemas.microsoft.com/office/drawing/2014/main" id="{EEC0CC1C-F55F-6A8A-1F26-6F584658640A}"/>
-                </a:ext>
-              </a:extLst>
-            </p:cNvPr>
-            <p:cNvSpPr txBox="1"/>
-            <p:nvPr/>
-          </p:nvSpPr>
-          <p:spPr>
-            <a:xfrm>
-              <a:off x="617794" y="5831466"/>
-              <a:ext cx="624597" cy="379591"/>
-            </a:xfrm>
-            <a:prstGeom prst="rect">
-              <a:avLst/>
-            </a:prstGeom>
-            <a:noFill/>
-            <a:ln w="12700" cap="flat">
-              <a:noFill/>
-              <a:miter lim="400000"/>
-            </a:ln>
-            <a:effectLst/>
-          </p:spPr>
-          <p:style>
-            <a:lnRef idx="0">
-              <a:scrgbClr r="0" g="0" b="0"/>
-            </a:lnRef>
-            <a:fillRef idx="0">
-              <a:scrgbClr r="0" g="0" b="0"/>
-            </a:fillRef>
-            <a:effectRef idx="0">
-              <a:scrgbClr r="0" g="0" b="0"/>
-            </a:effectRef>
-            <a:fontRef idx="none"/>
-          </p:style>
-          <p:txBody>
-            <a:bodyPr rot="0" spcFirstLastPara="1" vertOverflow="overflow" horzOverflow="overflow" vert="horz" wrap="square" lIns="50800" tIns="50800" rIns="50800" bIns="50800" numCol="1" spcCol="38100" rtlCol="0" anchor="ctr">
-              <a:spAutoFit/>
-            </a:bodyPr>
-            <a:lstStyle/>
-            <a:p>
-              <a:pPr marL="0" marR="0" indent="0" algn="ctr" defTabSz="457200" rtl="0" fontAlgn="auto" latinLnBrk="1" hangingPunct="0">
-                <a:lnSpc>
-                  <a:spcPct val="100000"/>
-                </a:lnSpc>
-                <a:spcBef>
-                  <a:spcPts val="0"/>
-                </a:spcBef>
-                <a:spcAft>
-                  <a:spcPts val="0"/>
-                </a:spcAft>
-                <a:buClr>
-                  <a:srgbClr val="000000"/>
-                </a:buClr>
-                <a:buSzTx/>
-                <a:buFont typeface="Calibri"/>
-                <a:buNone/>
-                <a:tabLst/>
-              </a:pPr>
-              <a:r>
-                <a:rPr kumimoji="0" lang="en-US" sz="1800" b="0" i="0" u="none" strike="noStrike" cap="none" spc="0" normalizeH="0" baseline="0" dirty="0">
-                  <a:ln>
-                    <a:noFill/>
-                  </a:ln>
-                  <a:solidFill>
-                    <a:srgbClr val="DD550C"/>
-                  </a:solidFill>
-                  <a:effectLst/>
-                  <a:uFill>
-                    <a:solidFill>
-                      <a:srgbClr val="000000"/>
-                    </a:solidFill>
-                  </a:uFill>
-                  <a:latin typeface="+mn-lt"/>
-                  <a:ea typeface="+mn-ea"/>
-                  <a:cs typeface="+mn-cs"/>
-                  <a:sym typeface="Calibri"/>
-                </a:rPr>
-                <a:t>0.95</a:t>
-              </a:r>
-            </a:p>
-          </p:txBody>
-        </p:sp>
-        <p:sp>
-          <p:nvSpPr>
-            <p:cNvPr id="27" name="TextBox 26">
-              <a:extLst>
-                <a:ext uri="{FF2B5EF4-FFF2-40B4-BE49-F238E27FC236}">
-                  <a16:creationId xmlns:a16="http://schemas.microsoft.com/office/drawing/2014/main" id="{2A6AEEB3-0D9F-6B82-F9FA-2A5B226D2B13}"/>
-                </a:ext>
-              </a:extLst>
-            </p:cNvPr>
-            <p:cNvSpPr txBox="1"/>
-            <p:nvPr/>
-          </p:nvSpPr>
-          <p:spPr>
-            <a:xfrm>
-              <a:off x="2681494" y="4440184"/>
-              <a:ext cx="712590" cy="379591"/>
-            </a:xfrm>
-            <a:prstGeom prst="rect">
-              <a:avLst/>
-            </a:prstGeom>
-            <a:noFill/>
-            <a:ln w="12700" cap="flat">
-              <a:noFill/>
-              <a:miter lim="400000"/>
-            </a:ln>
-            <a:effectLst/>
-          </p:spPr>
-          <p:style>
-            <a:lnRef idx="0">
-              <a:scrgbClr r="0" g="0" b="0"/>
-            </a:lnRef>
-            <a:fillRef idx="0">
-              <a:scrgbClr r="0" g="0" b="0"/>
-            </a:fillRef>
-            <a:effectRef idx="0">
-              <a:scrgbClr r="0" g="0" b="0"/>
-            </a:effectRef>
-            <a:fontRef idx="none"/>
-          </p:style>
-          <p:txBody>
-            <a:bodyPr rot="0" spcFirstLastPara="1" vertOverflow="overflow" horzOverflow="overflow" vert="horz" wrap="square" lIns="50800" tIns="50800" rIns="50800" bIns="50800" numCol="1" spcCol="38100" rtlCol="0" anchor="ctr">
-              <a:spAutoFit/>
-            </a:bodyPr>
-            <a:lstStyle/>
-            <a:p>
-              <a:pPr marL="0" marR="0" indent="0" algn="ctr" defTabSz="457200" rtl="0" fontAlgn="auto" latinLnBrk="1" hangingPunct="0">
-                <a:lnSpc>
-                  <a:spcPct val="100000"/>
-                </a:lnSpc>
-                <a:spcBef>
-                  <a:spcPts val="0"/>
-                </a:spcBef>
-                <a:spcAft>
-                  <a:spcPts val="0"/>
-                </a:spcAft>
-                <a:buClr>
-                  <a:srgbClr val="000000"/>
-                </a:buClr>
-                <a:buSzTx/>
-                <a:buFont typeface="Calibri"/>
-                <a:buNone/>
-                <a:tabLst/>
-              </a:pPr>
-              <a:r>
-                <a:rPr kumimoji="0" lang="en-US" sz="1800" b="0" i="0" u="none" strike="noStrike" cap="none" spc="0" normalizeH="0" baseline="0" dirty="0">
-                  <a:ln>
-                    <a:noFill/>
-                  </a:ln>
-                  <a:solidFill>
-                    <a:srgbClr val="DD550C"/>
-                  </a:solidFill>
-                  <a:effectLst/>
-                  <a:uFill>
-                    <a:solidFill>
-                      <a:srgbClr val="000000"/>
-                    </a:solidFill>
-                  </a:uFill>
-                  <a:latin typeface="+mn-lt"/>
-                  <a:ea typeface="+mn-ea"/>
-                  <a:cs typeface="+mn-cs"/>
-                  <a:sym typeface="Calibri"/>
-                </a:rPr>
-                <a:t>0.04</a:t>
-              </a:r>
-            </a:p>
-          </p:txBody>
-        </p:sp>
-        <p:sp>
-          <p:nvSpPr>
-            <p:cNvPr id="28" name="TextBox 27">
-              <a:extLst>
-                <a:ext uri="{FF2B5EF4-FFF2-40B4-BE49-F238E27FC236}">
-                  <a16:creationId xmlns:a16="http://schemas.microsoft.com/office/drawing/2014/main" id="{85153CB6-486B-FC7F-FFB1-1A6B543CCE32}"/>
-                </a:ext>
-              </a:extLst>
-            </p:cNvPr>
-            <p:cNvSpPr txBox="1"/>
-            <p:nvPr/>
-          </p:nvSpPr>
-          <p:spPr>
-            <a:xfrm>
-              <a:off x="3208245" y="5727855"/>
-              <a:ext cx="712590" cy="379591"/>
-            </a:xfrm>
-            <a:prstGeom prst="rect">
-              <a:avLst/>
-            </a:prstGeom>
-            <a:noFill/>
-            <a:ln w="12700" cap="flat">
-              <a:noFill/>
-              <a:miter lim="400000"/>
-            </a:ln>
-            <a:effectLst/>
-          </p:spPr>
-          <p:style>
-            <a:lnRef idx="0">
-              <a:scrgbClr r="0" g="0" b="0"/>
-            </a:lnRef>
-            <a:fillRef idx="0">
-              <a:scrgbClr r="0" g="0" b="0"/>
-            </a:fillRef>
-            <a:effectRef idx="0">
-              <a:scrgbClr r="0" g="0" b="0"/>
-            </a:effectRef>
-            <a:fontRef idx="none"/>
-          </p:style>
-          <p:txBody>
-            <a:bodyPr rot="0" spcFirstLastPara="1" vertOverflow="overflow" horzOverflow="overflow" vert="horz" wrap="square" lIns="50800" tIns="50800" rIns="50800" bIns="50800" numCol="1" spcCol="38100" rtlCol="0" anchor="ctr">
-              <a:spAutoFit/>
-            </a:bodyPr>
-            <a:lstStyle/>
-            <a:p>
-              <a:pPr marL="0" marR="0" indent="0" algn="ctr" defTabSz="457200" rtl="0" fontAlgn="auto" latinLnBrk="1" hangingPunct="0">
-                <a:lnSpc>
-                  <a:spcPct val="100000"/>
-                </a:lnSpc>
-                <a:spcBef>
-                  <a:spcPts val="0"/>
-                </a:spcBef>
-                <a:spcAft>
-                  <a:spcPts val="0"/>
-                </a:spcAft>
-                <a:buClr>
-                  <a:srgbClr val="000000"/>
-                </a:buClr>
-                <a:buSzTx/>
-                <a:buFont typeface="Calibri"/>
-                <a:buNone/>
-                <a:tabLst/>
-              </a:pPr>
-              <a:r>
-                <a:rPr kumimoji="0" lang="en-US" sz="1800" b="0" i="0" u="none" strike="noStrike" cap="none" spc="0" normalizeH="0" baseline="0" dirty="0">
-                  <a:ln>
-                    <a:noFill/>
-                  </a:ln>
-                  <a:solidFill>
-                    <a:srgbClr val="DD550C"/>
-                  </a:solidFill>
-                  <a:effectLst/>
-                  <a:uFill>
-                    <a:solidFill>
-                      <a:srgbClr val="000000"/>
-                    </a:solidFill>
-                  </a:uFill>
-                  <a:latin typeface="+mn-lt"/>
-                  <a:ea typeface="+mn-ea"/>
-                  <a:cs typeface="+mn-cs"/>
-                  <a:sym typeface="Calibri"/>
-                </a:rPr>
-                <a:t>0.01</a:t>
-              </a:r>
-            </a:p>
-          </p:txBody>
-        </p:sp>
-        <p:sp>
-          <p:nvSpPr>
-            <p:cNvPr id="29" name="TextBox 28">
-              <a:extLst>
-                <a:ext uri="{FF2B5EF4-FFF2-40B4-BE49-F238E27FC236}">
-                  <a16:creationId xmlns:a16="http://schemas.microsoft.com/office/drawing/2014/main" id="{1DB44F90-1E20-5961-766B-E4C768E8822F}"/>
-                </a:ext>
-              </a:extLst>
-            </p:cNvPr>
-            <p:cNvSpPr txBox="1"/>
-            <p:nvPr/>
-          </p:nvSpPr>
-          <p:spPr>
-            <a:xfrm>
-              <a:off x="5863159" y="5873488"/>
-              <a:ext cx="624597" cy="379591"/>
-            </a:xfrm>
-            <a:prstGeom prst="rect">
-              <a:avLst/>
-            </a:prstGeom>
-            <a:noFill/>
-            <a:ln w="12700" cap="flat">
-              <a:noFill/>
-              <a:miter lim="400000"/>
-            </a:ln>
-            <a:effectLst/>
-          </p:spPr>
-          <p:style>
-            <a:lnRef idx="0">
-              <a:scrgbClr r="0" g="0" b="0"/>
-            </a:lnRef>
-            <a:fillRef idx="0">
-              <a:scrgbClr r="0" g="0" b="0"/>
-            </a:fillRef>
-            <a:effectRef idx="0">
-              <a:scrgbClr r="0" g="0" b="0"/>
-            </a:effectRef>
-            <a:fontRef idx="none"/>
-          </p:style>
-          <p:txBody>
-            <a:bodyPr rot="0" spcFirstLastPara="1" vertOverflow="overflow" horzOverflow="overflow" vert="horz" wrap="square" lIns="50800" tIns="50800" rIns="50800" bIns="50800" numCol="1" spcCol="38100" rtlCol="0" anchor="ctr">
-              <a:spAutoFit/>
-            </a:bodyPr>
-            <a:lstStyle/>
-            <a:p>
-              <a:pPr marL="0" marR="0" indent="0" algn="ctr" defTabSz="457200" rtl="0" fontAlgn="auto" latinLnBrk="1" hangingPunct="0">
-                <a:lnSpc>
-                  <a:spcPct val="100000"/>
-                </a:lnSpc>
-                <a:spcBef>
-                  <a:spcPts val="0"/>
-                </a:spcBef>
-                <a:spcAft>
-                  <a:spcPts val="0"/>
-                </a:spcAft>
-                <a:buClr>
-                  <a:srgbClr val="000000"/>
-                </a:buClr>
-                <a:buSzTx/>
-                <a:buFont typeface="Calibri"/>
-                <a:buNone/>
-                <a:tabLst/>
-              </a:pPr>
-              <a:r>
-                <a:rPr kumimoji="0" lang="en-US" sz="1800" b="0" i="0" u="none" strike="noStrike" cap="none" spc="0" normalizeH="0" baseline="0" dirty="0">
-                  <a:ln>
-                    <a:noFill/>
-                  </a:ln>
-                  <a:solidFill>
-                    <a:schemeClr val="accent1">
-                      <a:lumMod val="50000"/>
-                      <a:lumOff val="50000"/>
-                    </a:schemeClr>
-                  </a:solidFill>
-                  <a:effectLst/>
-                  <a:uFill>
-                    <a:solidFill>
-                      <a:srgbClr val="000000"/>
-                    </a:solidFill>
-                  </a:uFill>
-                  <a:latin typeface="+mn-lt"/>
-                  <a:ea typeface="+mn-ea"/>
-                  <a:cs typeface="+mn-cs"/>
-                  <a:sym typeface="Calibri"/>
-                </a:rPr>
-                <a:t>0.95</a:t>
-              </a:r>
-            </a:p>
-          </p:txBody>
-        </p:sp>
-        <p:sp>
-          <p:nvSpPr>
-            <p:cNvPr id="31" name="TextBox 30">
-              <a:extLst>
-                <a:ext uri="{FF2B5EF4-FFF2-40B4-BE49-F238E27FC236}">
-                  <a16:creationId xmlns:a16="http://schemas.microsoft.com/office/drawing/2014/main" id="{F294A4F1-5BE0-EB66-76A2-AFC7328F655D}"/>
-                </a:ext>
-              </a:extLst>
-            </p:cNvPr>
-            <p:cNvSpPr txBox="1"/>
-            <p:nvPr/>
-          </p:nvSpPr>
-          <p:spPr>
-            <a:xfrm>
-              <a:off x="4708484" y="3796246"/>
-              <a:ext cx="712590" cy="379591"/>
-            </a:xfrm>
-            <a:prstGeom prst="rect">
-              <a:avLst/>
-            </a:prstGeom>
-            <a:noFill/>
-            <a:ln w="12700" cap="flat">
-              <a:noFill/>
-              <a:miter lim="400000"/>
-            </a:ln>
-            <a:effectLst/>
-          </p:spPr>
-          <p:style>
-            <a:lnRef idx="0">
-              <a:scrgbClr r="0" g="0" b="0"/>
-            </a:lnRef>
-            <a:fillRef idx="0">
-              <a:scrgbClr r="0" g="0" b="0"/>
-            </a:fillRef>
-            <a:effectRef idx="0">
-              <a:scrgbClr r="0" g="0" b="0"/>
-            </a:effectRef>
-            <a:fontRef idx="none"/>
-          </p:style>
-          <p:txBody>
-            <a:bodyPr rot="0" spcFirstLastPara="1" vertOverflow="overflow" horzOverflow="overflow" vert="horz" wrap="square" lIns="50800" tIns="50800" rIns="50800" bIns="50800" numCol="1" spcCol="38100" rtlCol="0" anchor="ctr">
-              <a:spAutoFit/>
-            </a:bodyPr>
-            <a:lstStyle/>
-            <a:p>
-              <a:pPr marL="0" marR="0" indent="0" algn="ctr" defTabSz="457200" rtl="0" fontAlgn="auto" latinLnBrk="1" hangingPunct="0">
-                <a:lnSpc>
-                  <a:spcPct val="100000"/>
-                </a:lnSpc>
-                <a:spcBef>
-                  <a:spcPts val="0"/>
-                </a:spcBef>
-                <a:spcAft>
-                  <a:spcPts val="0"/>
-                </a:spcAft>
-                <a:buClr>
-                  <a:srgbClr val="000000"/>
-                </a:buClr>
-                <a:buSzTx/>
-                <a:buFont typeface="Calibri"/>
-                <a:buNone/>
-                <a:tabLst/>
-              </a:pPr>
-              <a:r>
-                <a:rPr kumimoji="0" lang="en-US" sz="1800" b="0" i="0" u="none" strike="noStrike" cap="none" spc="0" normalizeH="0" baseline="0" dirty="0">
-                  <a:ln>
-                    <a:noFill/>
-                  </a:ln>
-                  <a:solidFill>
-                    <a:schemeClr val="accent1">
-                      <a:lumMod val="50000"/>
-                      <a:lumOff val="50000"/>
-                    </a:schemeClr>
-                  </a:solidFill>
-                  <a:effectLst/>
-                  <a:uFill>
-                    <a:solidFill>
-                      <a:srgbClr val="000000"/>
-                    </a:solidFill>
-                  </a:uFill>
-                  <a:latin typeface="+mn-lt"/>
-                  <a:ea typeface="+mn-ea"/>
-                  <a:cs typeface="+mn-cs"/>
-                  <a:sym typeface="Calibri"/>
-                </a:rPr>
-                <a:t>0.03</a:t>
-              </a:r>
-            </a:p>
-          </p:txBody>
-        </p:sp>
-        <p:sp>
-          <p:nvSpPr>
-            <p:cNvPr id="32" name="TextBox 31">
-              <a:extLst>
-                <a:ext uri="{FF2B5EF4-FFF2-40B4-BE49-F238E27FC236}">
-                  <a16:creationId xmlns:a16="http://schemas.microsoft.com/office/drawing/2014/main" id="{983D44D4-B62C-34FC-96C9-11DE3A80CCF2}"/>
-                </a:ext>
-              </a:extLst>
-            </p:cNvPr>
-            <p:cNvSpPr txBox="1"/>
-            <p:nvPr/>
-          </p:nvSpPr>
-          <p:spPr>
-            <a:xfrm>
-              <a:off x="3202700" y="4841552"/>
-              <a:ext cx="712590" cy="379591"/>
-            </a:xfrm>
-            <a:prstGeom prst="rect">
-              <a:avLst/>
-            </a:prstGeom>
-            <a:noFill/>
-            <a:ln w="12700" cap="flat">
-              <a:noFill/>
-              <a:miter lim="400000"/>
-            </a:ln>
-            <a:effectLst/>
-          </p:spPr>
-          <p:style>
-            <a:lnRef idx="0">
-              <a:scrgbClr r="0" g="0" b="0"/>
-            </a:lnRef>
-            <a:fillRef idx="0">
-              <a:scrgbClr r="0" g="0" b="0"/>
-            </a:fillRef>
-            <a:effectRef idx="0">
-              <a:scrgbClr r="0" g="0" b="0"/>
-            </a:effectRef>
-            <a:fontRef idx="none"/>
-          </p:style>
-          <p:txBody>
-            <a:bodyPr rot="0" spcFirstLastPara="1" vertOverflow="overflow" horzOverflow="overflow" vert="horz" wrap="square" lIns="50800" tIns="50800" rIns="50800" bIns="50800" numCol="1" spcCol="38100" rtlCol="0" anchor="ctr">
-              <a:spAutoFit/>
-            </a:bodyPr>
-            <a:lstStyle/>
-            <a:p>
-              <a:pPr marL="0" marR="0" indent="0" algn="ctr" defTabSz="457200" rtl="0" fontAlgn="auto" latinLnBrk="1" hangingPunct="0">
-                <a:lnSpc>
-                  <a:spcPct val="100000"/>
-                </a:lnSpc>
-                <a:spcBef>
-                  <a:spcPts val="0"/>
-                </a:spcBef>
-                <a:spcAft>
-                  <a:spcPts val="0"/>
-                </a:spcAft>
-                <a:buClr>
-                  <a:srgbClr val="000000"/>
-                </a:buClr>
-                <a:buSzTx/>
-                <a:buFont typeface="Calibri"/>
-                <a:buNone/>
-                <a:tabLst/>
-              </a:pPr>
-              <a:r>
-                <a:rPr kumimoji="0" lang="en-US" sz="1800" b="0" i="0" u="none" strike="noStrike" cap="none" spc="0" normalizeH="0" baseline="0" dirty="0">
-                  <a:ln>
-                    <a:noFill/>
-                  </a:ln>
-                  <a:solidFill>
-                    <a:schemeClr val="accent1">
-                      <a:lumMod val="50000"/>
-                      <a:lumOff val="50000"/>
-                    </a:schemeClr>
-                  </a:solidFill>
-                  <a:effectLst/>
-                  <a:uFill>
-                    <a:solidFill>
-                      <a:srgbClr val="000000"/>
-                    </a:solidFill>
-                  </a:uFill>
-                  <a:latin typeface="+mn-lt"/>
-                  <a:ea typeface="+mn-ea"/>
-                  <a:cs typeface="+mn-cs"/>
-                  <a:sym typeface="Calibri"/>
-                </a:rPr>
-                <a:t>0.02</a:t>
-              </a:r>
-            </a:p>
-          </p:txBody>
-        </p:sp>
-        <p:sp>
-          <p:nvSpPr>
-            <p:cNvPr id="34" name="TextBox 33">
-              <a:extLst>
-                <a:ext uri="{FF2B5EF4-FFF2-40B4-BE49-F238E27FC236}">
-                  <a16:creationId xmlns:a16="http://schemas.microsoft.com/office/drawing/2014/main" id="{2F7FA3BF-2566-7C51-BAD2-657C24DF63F2}"/>
-                </a:ext>
-              </a:extLst>
-            </p:cNvPr>
-            <p:cNvSpPr txBox="1"/>
-            <p:nvPr/>
-          </p:nvSpPr>
-          <p:spPr>
-            <a:xfrm>
-              <a:off x="3920835" y="2479339"/>
-              <a:ext cx="624597" cy="379591"/>
-            </a:xfrm>
-            <a:prstGeom prst="rect">
-              <a:avLst/>
-            </a:prstGeom>
-            <a:noFill/>
-            <a:ln w="12700" cap="flat">
-              <a:noFill/>
-              <a:miter lim="400000"/>
-            </a:ln>
-            <a:effectLst/>
-          </p:spPr>
-          <p:style>
-            <a:lnRef idx="0">
-              <a:scrgbClr r="0" g="0" b="0"/>
-            </a:lnRef>
-            <a:fillRef idx="0">
-              <a:scrgbClr r="0" g="0" b="0"/>
-            </a:fillRef>
-            <a:effectRef idx="0">
-              <a:scrgbClr r="0" g="0" b="0"/>
-            </a:effectRef>
-            <a:fontRef idx="none"/>
-          </p:style>
-          <p:txBody>
-            <a:bodyPr rot="0" spcFirstLastPara="1" vertOverflow="overflow" horzOverflow="overflow" vert="horz" wrap="square" lIns="50800" tIns="50800" rIns="50800" bIns="50800" numCol="1" spcCol="38100" rtlCol="0" anchor="ctr">
-              <a:spAutoFit/>
-            </a:bodyPr>
-            <a:lstStyle/>
-            <a:p>
-              <a:pPr marL="0" marR="0" indent="0" algn="ctr" defTabSz="457200" rtl="0" fontAlgn="auto" latinLnBrk="1" hangingPunct="0">
-                <a:lnSpc>
-                  <a:spcPct val="100000"/>
-                </a:lnSpc>
-                <a:spcBef>
-                  <a:spcPts val="0"/>
-                </a:spcBef>
-                <a:spcAft>
-                  <a:spcPts val="0"/>
-                </a:spcAft>
-                <a:buClr>
-                  <a:srgbClr val="000000"/>
-                </a:buClr>
-                <a:buSzTx/>
-                <a:buFont typeface="Calibri"/>
-                <a:buNone/>
-                <a:tabLst/>
-              </a:pPr>
-              <a:r>
-                <a:rPr kumimoji="0" lang="en-US" sz="1800" b="0" i="0" u="none" strike="noStrike" cap="none" spc="0" normalizeH="0" baseline="0" dirty="0">
-                  <a:ln>
-                    <a:noFill/>
-                  </a:ln>
-                  <a:solidFill>
-                    <a:srgbClr val="00B050"/>
-                  </a:solidFill>
-                  <a:effectLst/>
-                  <a:uFill>
-                    <a:solidFill>
-                      <a:srgbClr val="000000"/>
-                    </a:solidFill>
-                  </a:uFill>
-                  <a:latin typeface="+mn-lt"/>
-                  <a:ea typeface="+mn-ea"/>
-                  <a:cs typeface="+mn-cs"/>
-                  <a:sym typeface="Calibri"/>
-                </a:rPr>
-                <a:t>0.95</a:t>
-              </a:r>
-            </a:p>
-          </p:txBody>
-        </p:sp>
-        <p:sp>
-          <p:nvSpPr>
-            <p:cNvPr id="35" name="TextBox 34">
-              <a:extLst>
-                <a:ext uri="{FF2B5EF4-FFF2-40B4-BE49-F238E27FC236}">
-                  <a16:creationId xmlns:a16="http://schemas.microsoft.com/office/drawing/2014/main" id="{E7BE7982-9A08-9B44-235D-79FD1F6426BF}"/>
-                </a:ext>
-              </a:extLst>
-            </p:cNvPr>
-            <p:cNvSpPr txBox="1"/>
-            <p:nvPr/>
-          </p:nvSpPr>
-          <p:spPr>
-            <a:xfrm>
-              <a:off x="3700720" y="4419996"/>
-              <a:ext cx="750486" cy="379591"/>
-            </a:xfrm>
-            <a:prstGeom prst="rect">
-              <a:avLst/>
-            </a:prstGeom>
-            <a:noFill/>
-            <a:ln w="12700" cap="flat">
-              <a:noFill/>
-              <a:miter lim="400000"/>
-            </a:ln>
-            <a:effectLst/>
-          </p:spPr>
-          <p:style>
-            <a:lnRef idx="0">
-              <a:scrgbClr r="0" g="0" b="0"/>
-            </a:lnRef>
-            <a:fillRef idx="0">
-              <a:scrgbClr r="0" g="0" b="0"/>
-            </a:fillRef>
-            <a:effectRef idx="0">
-              <a:scrgbClr r="0" g="0" b="0"/>
-            </a:effectRef>
-            <a:fontRef idx="none"/>
-          </p:style>
-          <p:txBody>
-            <a:bodyPr rot="0" spcFirstLastPara="1" vertOverflow="overflow" horzOverflow="overflow" vert="horz" wrap="square" lIns="50800" tIns="50800" rIns="50800" bIns="50800" numCol="1" spcCol="38100" rtlCol="0" anchor="ctr">
-              <a:spAutoFit/>
-            </a:bodyPr>
-            <a:lstStyle/>
-            <a:p>
-              <a:pPr marL="0" marR="0" indent="0" algn="ctr" defTabSz="457200" rtl="0" fontAlgn="auto" latinLnBrk="1" hangingPunct="0">
-                <a:lnSpc>
-                  <a:spcPct val="100000"/>
-                </a:lnSpc>
-                <a:spcBef>
-                  <a:spcPts val="0"/>
-                </a:spcBef>
-                <a:spcAft>
-                  <a:spcPts val="0"/>
-                </a:spcAft>
-                <a:buClr>
-                  <a:srgbClr val="000000"/>
-                </a:buClr>
-                <a:buSzTx/>
-                <a:buFont typeface="Calibri"/>
-                <a:buNone/>
-                <a:tabLst/>
-              </a:pPr>
-              <a:r>
-                <a:rPr kumimoji="0" lang="en-US" sz="1800" b="0" i="0" u="none" strike="noStrike" cap="none" spc="0" normalizeH="0" baseline="0" dirty="0">
-                  <a:ln>
-                    <a:noFill/>
-                  </a:ln>
-                  <a:solidFill>
-                    <a:srgbClr val="00B050"/>
-                  </a:solidFill>
-                  <a:effectLst/>
-                  <a:uFill>
-                    <a:solidFill>
-                      <a:srgbClr val="000000"/>
-                    </a:solidFill>
-                  </a:uFill>
-                  <a:latin typeface="+mn-lt"/>
-                  <a:ea typeface="+mn-ea"/>
-                  <a:cs typeface="+mn-cs"/>
-                  <a:sym typeface="Calibri"/>
-                </a:rPr>
-                <a:t>0.025</a:t>
-              </a:r>
-            </a:p>
-          </p:txBody>
-        </p:sp>
-        <p:sp>
-          <p:nvSpPr>
-            <p:cNvPr id="36" name="TextBox 35">
-              <a:extLst>
-                <a:ext uri="{FF2B5EF4-FFF2-40B4-BE49-F238E27FC236}">
-                  <a16:creationId xmlns:a16="http://schemas.microsoft.com/office/drawing/2014/main" id="{99990F6F-E447-1E54-E70E-3E0D2AF28471}"/>
-                </a:ext>
-              </a:extLst>
-            </p:cNvPr>
-            <p:cNvSpPr txBox="1"/>
-            <p:nvPr/>
-          </p:nvSpPr>
-          <p:spPr>
-            <a:xfrm>
-              <a:off x="1813754" y="3765761"/>
-              <a:ext cx="750486" cy="379591"/>
-            </a:xfrm>
-            <a:prstGeom prst="rect">
-              <a:avLst/>
-            </a:prstGeom>
-            <a:noFill/>
-            <a:ln w="12700" cap="flat">
-              <a:noFill/>
-              <a:miter lim="400000"/>
-            </a:ln>
-            <a:effectLst/>
-          </p:spPr>
-          <p:style>
-            <a:lnRef idx="0">
-              <a:scrgbClr r="0" g="0" b="0"/>
-            </a:lnRef>
-            <a:fillRef idx="0">
-              <a:scrgbClr r="0" g="0" b="0"/>
-            </a:fillRef>
-            <a:effectRef idx="0">
-              <a:scrgbClr r="0" g="0" b="0"/>
-            </a:effectRef>
-            <a:fontRef idx="none"/>
-          </p:style>
-          <p:txBody>
-            <a:bodyPr rot="0" spcFirstLastPara="1" vertOverflow="overflow" horzOverflow="overflow" vert="horz" wrap="square" lIns="50800" tIns="50800" rIns="50800" bIns="50800" numCol="1" spcCol="38100" rtlCol="0" anchor="ctr">
-              <a:spAutoFit/>
-            </a:bodyPr>
-            <a:lstStyle/>
-            <a:p>
-              <a:pPr marL="0" marR="0" indent="0" algn="ctr" defTabSz="457200" rtl="0" fontAlgn="auto" latinLnBrk="1" hangingPunct="0">
-                <a:lnSpc>
-                  <a:spcPct val="100000"/>
-                </a:lnSpc>
-                <a:spcBef>
-                  <a:spcPts val="0"/>
-                </a:spcBef>
-                <a:spcAft>
-                  <a:spcPts val="0"/>
-                </a:spcAft>
-                <a:buClr>
-                  <a:srgbClr val="000000"/>
-                </a:buClr>
-                <a:buSzTx/>
-                <a:buFont typeface="Calibri"/>
-                <a:buNone/>
-                <a:tabLst/>
-              </a:pPr>
-              <a:r>
-                <a:rPr kumimoji="0" lang="en-US" sz="1800" b="0" i="0" u="none" strike="noStrike" cap="none" spc="0" normalizeH="0" baseline="0" dirty="0">
-                  <a:ln>
-                    <a:noFill/>
-                  </a:ln>
-                  <a:solidFill>
-                    <a:srgbClr val="00B050"/>
-                  </a:solidFill>
-                  <a:effectLst/>
-                  <a:uFill>
-                    <a:solidFill>
-                      <a:srgbClr val="000000"/>
-                    </a:solidFill>
-                  </a:uFill>
-                  <a:latin typeface="+mn-lt"/>
-                  <a:ea typeface="+mn-ea"/>
-                  <a:cs typeface="+mn-cs"/>
-                  <a:sym typeface="Calibri"/>
-                </a:rPr>
-                <a:t>0.025</a:t>
-              </a:r>
-            </a:p>
-          </p:txBody>
-        </p:sp>
-      </p:grpSp>
     </p:spTree>
     <p:extLst>
       <p:ext uri="{BB962C8B-B14F-4D97-AF65-F5344CB8AC3E}">
-        <p14:creationId xmlns:p14="http://schemas.microsoft.com/office/powerpoint/2010/main" val="1433522182"/>
+        <p14:creationId xmlns:p14="http://schemas.microsoft.com/office/powerpoint/2010/main" val="783921041"/>
       </p:ext>
     </p:extLst>
   </p:cSld>

--- a/report/OptimalFinalPresentation.pptx
+++ b/report/OptimalFinalPresentation.pptx
@@ -280,7 +280,7 @@
           <a:p>
             <a:fld id="{6D72FF73-3B8F-A544-A0A0-42F2B80C88BC}" type="datetimeFigureOut">
               <a:rPr lang="en-US" smtClean="0"/>
-              <a:t>5/3/2025</a:t>
+              <a:t>5/5/2025</a:t>
             </a:fld>
             <a:endParaRPr lang="en-US" dirty="0"/>
           </a:p>
@@ -18998,11 +18998,11 @@
   <p:clrMapOvr>
     <a:masterClrMapping/>
   </p:clrMapOvr>
-  <mc:AlternateContent xmlns:mc="http://schemas.openxmlformats.org/markup-compatibility/2006">
-    <mc:Choice xmlns:p14="http://schemas.microsoft.com/office/powerpoint/2010/main" Requires="p14">
+  <mc:AlternateContent xmlns:mc="http://schemas.openxmlformats.org/markup-compatibility/2006" xmlns:p14="http://schemas.microsoft.com/office/powerpoint/2010/main">
+    <mc:Choice Requires="p14">
       <p:transition p14:dur="0"/>
     </mc:Choice>
-    <mc:Fallback>
+    <mc:Fallback xmlns="">
       <p:transition/>
     </mc:Fallback>
   </mc:AlternateContent>
@@ -19658,8 +19658,8 @@
           </a:p>
         </p:txBody>
       </p:sp>
-      <mc:AlternateContent xmlns:mc="http://schemas.openxmlformats.org/markup-compatibility/2006">
-        <mc:Choice xmlns:a14="http://schemas.microsoft.com/office/drawing/2010/main" Requires="a14">
+      <mc:AlternateContent xmlns:mc="http://schemas.openxmlformats.org/markup-compatibility/2006" xmlns:a14="http://schemas.microsoft.com/office/drawing/2010/main">
+        <mc:Choice Requires="a14">
           <p:sp>
             <p:nvSpPr>
               <p:cNvPr id="40" name="Text Placeholder 39">
@@ -19775,7 +19775,7 @@
             </p:txBody>
           </p:sp>
         </mc:Choice>
-        <mc:Fallback>
+        <mc:Fallback xmlns="">
           <p:sp>
             <p:nvSpPr>
               <p:cNvPr id="40" name="Text Placeholder 39">
@@ -19873,8 +19873,8 @@
           <a:fontRef idx="none"/>
         </p:style>
       </p:cxnSp>
-      <mc:AlternateContent xmlns:mc="http://schemas.openxmlformats.org/markup-compatibility/2006">
-        <mc:Choice xmlns:a14="http://schemas.microsoft.com/office/drawing/2010/main" Requires="a14">
+      <mc:AlternateContent xmlns:mc="http://schemas.openxmlformats.org/markup-compatibility/2006" xmlns:a14="http://schemas.microsoft.com/office/drawing/2010/main">
+        <mc:Choice Requires="a14">
           <p:sp>
             <p:nvSpPr>
               <p:cNvPr id="11" name="Text Placeholder 39">
@@ -20147,7 +20147,7 @@
             </p:txBody>
           </p:sp>
         </mc:Choice>
-        <mc:Fallback>
+        <mc:Fallback xmlns="">
           <p:sp>
             <p:nvSpPr>
               <p:cNvPr id="11" name="Text Placeholder 39">
@@ -21048,11 +21048,11 @@
   <p:clrMapOvr>
     <a:masterClrMapping/>
   </p:clrMapOvr>
-  <mc:AlternateContent xmlns:mc="http://schemas.openxmlformats.org/markup-compatibility/2006">
-    <mc:Choice xmlns:p14="http://schemas.microsoft.com/office/powerpoint/2010/main" Requires="p14">
+  <mc:AlternateContent xmlns:mc="http://schemas.openxmlformats.org/markup-compatibility/2006" xmlns:p14="http://schemas.microsoft.com/office/powerpoint/2010/main">
+    <mc:Choice Requires="p14">
       <p:transition p14:dur="0"/>
     </mc:Choice>
-    <mc:Fallback>
+    <mc:Fallback xmlns="">
       <p:transition/>
     </mc:Fallback>
   </mc:AlternateContent>
@@ -21581,6 +21581,124 @@
           </a:p>
         </p:txBody>
       </p:sp>
+      <p:sp>
+        <p:nvSpPr>
+          <p:cNvPr id="5" name="TextBox 4">
+            <a:extLst>
+              <a:ext uri="{FF2B5EF4-FFF2-40B4-BE49-F238E27FC236}">
+                <a16:creationId xmlns:a16="http://schemas.microsoft.com/office/drawing/2014/main" id="{59DD0900-8135-E1C7-7F50-B66D8DA196E6}"/>
+              </a:ext>
+            </a:extLst>
+          </p:cNvPr>
+          <p:cNvSpPr txBox="1"/>
+          <p:nvPr/>
+        </p:nvSpPr>
+        <p:spPr>
+          <a:xfrm>
+            <a:off x="135540" y="1102221"/>
+            <a:ext cx="11026882" cy="1202741"/>
+          </a:xfrm>
+          <a:prstGeom prst="rect">
+            <a:avLst/>
+          </a:prstGeom>
+          <a:noFill/>
+          <a:ln w="12700" cap="flat">
+            <a:noFill/>
+            <a:miter lim="400000"/>
+          </a:ln>
+          <a:effectLst/>
+        </p:spPr>
+        <p:style>
+          <a:lnRef idx="0">
+            <a:scrgbClr r="0" g="0" b="0"/>
+          </a:lnRef>
+          <a:fillRef idx="0">
+            <a:scrgbClr r="0" g="0" b="0"/>
+          </a:fillRef>
+          <a:effectRef idx="0">
+            <a:scrgbClr r="0" g="0" b="0"/>
+          </a:effectRef>
+          <a:fontRef idx="none"/>
+        </p:style>
+        <p:txBody>
+          <a:bodyPr wrap="square">
+            <a:spAutoFit/>
+          </a:bodyPr>
+          <a:lstStyle/>
+          <a:p>
+            <a:pPr indent="457200"/>
+            <a:endParaRPr lang="en-US" sz="1200" dirty="0"/>
+          </a:p>
+          <a:p>
+            <a:pPr indent="457200">
+              <a:buFont typeface="+mj-lt"/>
+              <a:buAutoNum type="arabicParenR"/>
+            </a:pPr>
+            <a:r>
+              <a:rPr lang="en-US" sz="1200" b="0" i="0" dirty="0">
+                <a:solidFill>
+                  <a:srgbClr val="1A1A1A"/>
+                </a:solidFill>
+                <a:effectLst/>
+                <a:latin typeface="Noto Sans" panose="020B0502040204020203" pitchFamily="34" charset="0"/>
+              </a:rPr>
+              <a:t>Kalman, R. E. (March 1, 1960). "A New Approach to Linear Filtering and Prediction Problems."   ASME. </a:t>
+            </a:r>
+            <a:r>
+              <a:rPr lang="en-US" sz="1200" b="0" i="1" dirty="0">
+                <a:solidFill>
+                  <a:srgbClr val="1A1A1A"/>
+                </a:solidFill>
+                <a:effectLst/>
+                <a:latin typeface="Noto Sans" panose="020B0502040204020203" pitchFamily="34" charset="0"/>
+              </a:rPr>
+              <a:t>J. Basic Eng</a:t>
+            </a:r>
+            <a:r>
+              <a:rPr lang="en-US" sz="1200" b="0" i="0" dirty="0">
+                <a:solidFill>
+                  <a:srgbClr val="1A1A1A"/>
+                </a:solidFill>
+                <a:effectLst/>
+                <a:latin typeface="Noto Sans" panose="020B0502040204020203" pitchFamily="34" charset="0"/>
+              </a:rPr>
+              <a:t>. March 1960; 82(1): 35–	45. </a:t>
+            </a:r>
+            <a:r>
+              <a:rPr lang="en-US" sz="1200" b="0" i="0" u="none" strike="noStrike" dirty="0">
+                <a:solidFill>
+                  <a:srgbClr val="0D6C9F"/>
+                </a:solidFill>
+                <a:effectLst/>
+                <a:latin typeface="Noto Sans" panose="020B0502040204020203" pitchFamily="34" charset="0"/>
+                <a:hlinkClick r:id="rId2"/>
+              </a:rPr>
+              <a:t>https://doi.org/10.1115/1.3662552</a:t>
+            </a:r>
+            <a:endParaRPr lang="en-US" sz="1200" b="0" i="0" u="none" strike="noStrike" dirty="0">
+              <a:solidFill>
+                <a:srgbClr val="0D6C9F"/>
+              </a:solidFill>
+              <a:effectLst/>
+              <a:latin typeface="Noto Sans" panose="020B0502040204020203" pitchFamily="34" charset="0"/>
+            </a:endParaRPr>
+          </a:p>
+          <a:p>
+            <a:pPr indent="457200">
+              <a:buFont typeface="+mj-lt"/>
+              <a:buAutoNum type="arabicParenR"/>
+            </a:pPr>
+            <a:r>
+              <a:rPr lang="en-US" sz="1200" dirty="0"/>
+              <a:t>Blom, Henk. (1984). An efficient filter for abruptly changing systems. Proceedings of the 23rd IEEE Conference on Decision and Control. 656 - 658. 	10.1109/CDC.1984.272089. </a:t>
+            </a:r>
+          </a:p>
+          <a:p>
+            <a:pPr indent="457200"/>
+            <a:endParaRPr lang="en-US" sz="1200" dirty="0"/>
+          </a:p>
+        </p:txBody>
+      </p:sp>
     </p:spTree>
     <p:extLst>
       <p:ext uri="{BB962C8B-B14F-4D97-AF65-F5344CB8AC3E}">
@@ -21792,8 +21910,8 @@
           <a:chExt cx="0" cy="0"/>
         </a:xfrm>
       </p:grpSpPr>
-      <mc:AlternateContent xmlns:mc="http://schemas.openxmlformats.org/markup-compatibility/2006">
-        <mc:Choice xmlns:a14="http://schemas.microsoft.com/office/drawing/2010/main" Requires="a14">
+      <mc:AlternateContent xmlns:mc="http://schemas.openxmlformats.org/markup-compatibility/2006" xmlns:a14="http://schemas.microsoft.com/office/drawing/2010/main">
+        <mc:Choice Requires="a14">
           <p:sp>
             <p:nvSpPr>
               <p:cNvPr id="67" name="Text Placeholder 39">
@@ -22066,7 +22184,7 @@
             </p:txBody>
           </p:sp>
         </mc:Choice>
-        <mc:Fallback>
+        <mc:Fallback xmlns="">
           <p:sp>
             <p:nvSpPr>
               <p:cNvPr id="67" name="Text Placeholder 39">
@@ -23485,8 +23603,8 @@
           </a:p>
         </p:txBody>
       </p:sp>
-      <mc:AlternateContent xmlns:mc="http://schemas.openxmlformats.org/markup-compatibility/2006">
-        <mc:Choice xmlns:a14="http://schemas.microsoft.com/office/drawing/2010/main" Requires="a14">
+      <mc:AlternateContent xmlns:mc="http://schemas.openxmlformats.org/markup-compatibility/2006" xmlns:a14="http://schemas.microsoft.com/office/drawing/2010/main">
+        <mc:Choice Requires="a14">
           <p:sp>
             <p:nvSpPr>
               <p:cNvPr id="4" name="Text Placeholder 3">
@@ -23612,7 +23730,7 @@
             </p:txBody>
           </p:sp>
         </mc:Choice>
-        <mc:Fallback>
+        <mc:Fallback xmlns="">
           <p:sp>
             <p:nvSpPr>
               <p:cNvPr id="4" name="Text Placeholder 3">
@@ -23763,15 +23881,1229 @@
             <p:ph type="body" sz="quarter" idx="11"/>
           </p:nvPr>
         </p:nvSpPr>
-        <p:spPr/>
+        <p:spPr>
+          <a:xfrm>
+            <a:off x="135540" y="1341438"/>
+            <a:ext cx="6926831" cy="4911725"/>
+          </a:xfrm>
+        </p:spPr>
         <p:txBody>
-          <a:bodyPr/>
+          <a:bodyPr>
+            <a:normAutofit lnSpcReduction="10000"/>
+          </a:bodyPr>
           <a:lstStyle/>
           <a:p>
-            <a:endParaRPr lang="en-US"/>
+            <a:r>
+              <a:rPr lang="en-US" dirty="0"/>
+              <a:t>First developed in1958 by Rudolph Kálmán. [1]</a:t>
+            </a:r>
+          </a:p>
+          <a:p>
+            <a:r>
+              <a:rPr lang="en-US" dirty="0"/>
+              <a:t>The Kalman filter is an optimal filter for LTI systems that is applicable to many estimation and navigation practices.</a:t>
+            </a:r>
+          </a:p>
+          <a:p>
+            <a:r>
+              <a:rPr lang="en-US" dirty="0"/>
+              <a:t>Consists of two primary steps:</a:t>
+            </a:r>
+          </a:p>
+          <a:p>
+            <a:pPr lvl="1"/>
+            <a:r>
+              <a:rPr lang="en-US" dirty="0">
+                <a:solidFill>
+                  <a:srgbClr val="0005DA"/>
+                </a:solidFill>
+              </a:rPr>
+              <a:t>Time Update:</a:t>
+            </a:r>
+            <a:endParaRPr lang="en-US" dirty="0">
+              <a:solidFill>
+                <a:schemeClr val="accent5"/>
+              </a:solidFill>
+            </a:endParaRPr>
+          </a:p>
+          <a:p>
+            <a:pPr marL="892629" lvl="2" indent="0">
+              <a:buNone/>
+            </a:pPr>
+            <a:r>
+              <a:rPr lang="en-US" dirty="0">
+                <a:solidFill>
+                  <a:schemeClr val="accent5"/>
+                </a:solidFill>
+              </a:rPr>
+              <a:t>Model based propagation of all states, under known inputs.</a:t>
+            </a:r>
+            <a:endParaRPr lang="en-US" dirty="0">
+              <a:solidFill>
+                <a:srgbClr val="FF0000"/>
+              </a:solidFill>
+            </a:endParaRPr>
+          </a:p>
+          <a:p>
+            <a:pPr lvl="1"/>
+            <a:r>
+              <a:rPr lang="en-US" dirty="0">
+                <a:solidFill>
+                  <a:srgbClr val="FF0000"/>
+                </a:solidFill>
+              </a:rPr>
+              <a:t>Measurement Update:</a:t>
+            </a:r>
+          </a:p>
+          <a:p>
+            <a:pPr marL="892629" lvl="2" indent="0">
+              <a:buNone/>
+            </a:pPr>
+            <a:r>
+              <a:rPr lang="en-US" dirty="0">
+                <a:solidFill>
+                  <a:schemeClr val="accent5"/>
+                </a:solidFill>
+              </a:rPr>
+              <a:t>Measurement Correction of the propagated model states.</a:t>
+            </a:r>
+          </a:p>
+          <a:p>
+            <a:endParaRPr lang="en-US" dirty="0"/>
           </a:p>
         </p:txBody>
       </p:sp>
+      <mc:AlternateContent xmlns:mc="http://schemas.openxmlformats.org/markup-compatibility/2006">
+        <mc:Choice xmlns:a14="http://schemas.microsoft.com/office/drawing/2010/main" Requires="a14">
+          <p:sp>
+            <p:nvSpPr>
+              <p:cNvPr id="7" name="TextBox 6">
+                <a:extLst>
+                  <a:ext uri="{FF2B5EF4-FFF2-40B4-BE49-F238E27FC236}">
+                    <a16:creationId xmlns:a16="http://schemas.microsoft.com/office/drawing/2014/main" id="{F509D312-0A28-165B-71BA-B122719B8EF7}"/>
+                  </a:ext>
+                </a:extLst>
+              </p:cNvPr>
+              <p:cNvSpPr txBox="1"/>
+              <p:nvPr/>
+            </p:nvSpPr>
+            <p:spPr>
+              <a:xfrm>
+                <a:off x="7991229" y="4164732"/>
+                <a:ext cx="3195983" cy="1200329"/>
+              </a:xfrm>
+              <a:prstGeom prst="rect">
+                <a:avLst/>
+              </a:prstGeom>
+              <a:ln>
+                <a:solidFill>
+                  <a:srgbClr val="FF0000"/>
+                </a:solidFill>
+              </a:ln>
+            </p:spPr>
+            <p:style>
+              <a:lnRef idx="2">
+                <a:schemeClr val="dk1"/>
+              </a:lnRef>
+              <a:fillRef idx="1">
+                <a:schemeClr val="lt1"/>
+              </a:fillRef>
+              <a:effectRef idx="0">
+                <a:schemeClr val="dk1"/>
+              </a:effectRef>
+              <a:fontRef idx="minor">
+                <a:schemeClr val="dk1"/>
+              </a:fontRef>
+            </p:style>
+            <p:txBody>
+              <a:bodyPr wrap="square" rtlCol="0">
+                <a:spAutoFit/>
+              </a:bodyPr>
+              <a:lstStyle/>
+              <a:p>
+                <a:pPr algn="ctr"/>
+                <a:r>
+                  <a:rPr lang="en-US" dirty="0"/>
+                  <a:t>Measurement Update:</a:t>
+                </a:r>
+              </a:p>
+              <a:p>
+                <a:pPr algn="ctr"/>
+                <a14:m>
+                  <m:oMathPara xmlns:m="http://schemas.openxmlformats.org/officeDocument/2006/math">
+                    <m:oMathParaPr>
+                      <m:jc m:val="centerGroup"/>
+                    </m:oMathParaPr>
+                    <m:oMath xmlns:m="http://schemas.openxmlformats.org/officeDocument/2006/math">
+                      <m:sSub>
+                        <m:sSubPr>
+                          <m:ctrlPr>
+                            <a:rPr lang="en-US" b="0" i="1" smtClean="0">
+                              <a:latin typeface="Cambria Math" panose="02040503050406030204" pitchFamily="18" charset="0"/>
+                            </a:rPr>
+                          </m:ctrlPr>
+                        </m:sSubPr>
+                        <m:e>
+                          <m:r>
+                            <a:rPr lang="en-US" b="0" i="1" smtClean="0">
+                              <a:latin typeface="Cambria Math" panose="02040503050406030204" pitchFamily="18" charset="0"/>
+                            </a:rPr>
+                            <m:t>𝐾</m:t>
+                          </m:r>
+                        </m:e>
+                        <m:sub>
+                          <m:r>
+                            <a:rPr lang="en-US" b="0" i="1" smtClean="0">
+                              <a:latin typeface="Cambria Math" panose="02040503050406030204" pitchFamily="18" charset="0"/>
+                            </a:rPr>
+                            <m:t>𝑛</m:t>
+                          </m:r>
+                        </m:sub>
+                      </m:sSub>
+                      <m:r>
+                        <a:rPr lang="en-US" b="0" i="1" smtClean="0">
+                          <a:latin typeface="Cambria Math" panose="02040503050406030204" pitchFamily="18" charset="0"/>
+                        </a:rPr>
+                        <m:t>=</m:t>
+                      </m:r>
+                      <m:sSubSup>
+                        <m:sSubSupPr>
+                          <m:ctrlPr>
+                            <a:rPr lang="en-US" b="0" i="1" smtClean="0">
+                              <a:latin typeface="Cambria Math" panose="02040503050406030204" pitchFamily="18" charset="0"/>
+                            </a:rPr>
+                          </m:ctrlPr>
+                        </m:sSubSupPr>
+                        <m:e>
+                          <m:r>
+                            <a:rPr lang="en-US" b="0" i="1" smtClean="0">
+                              <a:latin typeface="Cambria Math" panose="02040503050406030204" pitchFamily="18" charset="0"/>
+                            </a:rPr>
+                            <m:t>𝑃</m:t>
+                          </m:r>
+                        </m:e>
+                        <m:sub>
+                          <m:r>
+                            <a:rPr lang="en-US" b="0" i="1" smtClean="0">
+                              <a:latin typeface="Cambria Math" panose="02040503050406030204" pitchFamily="18" charset="0"/>
+                            </a:rPr>
+                            <m:t>𝑛</m:t>
+                          </m:r>
+                        </m:sub>
+                        <m:sup>
+                          <m:r>
+                            <a:rPr lang="en-US" b="0" i="1" smtClean="0">
+                              <a:latin typeface="Cambria Math" panose="02040503050406030204" pitchFamily="18" charset="0"/>
+                            </a:rPr>
+                            <m:t>−</m:t>
+                          </m:r>
+                        </m:sup>
+                      </m:sSubSup>
+                      <m:sSup>
+                        <m:sSupPr>
+                          <m:ctrlPr>
+                            <a:rPr lang="en-US" b="0" i="1" smtClean="0">
+                              <a:latin typeface="Cambria Math" panose="02040503050406030204" pitchFamily="18" charset="0"/>
+                            </a:rPr>
+                          </m:ctrlPr>
+                        </m:sSupPr>
+                        <m:e>
+                          <m:r>
+                            <a:rPr lang="en-US" b="0" i="1" smtClean="0">
+                              <a:latin typeface="Cambria Math" panose="02040503050406030204" pitchFamily="18" charset="0"/>
+                            </a:rPr>
+                            <m:t>𝐻</m:t>
+                          </m:r>
+                        </m:e>
+                        <m:sup>
+                          <m:r>
+                            <a:rPr lang="en-US" b="0" i="1" smtClean="0">
+                              <a:latin typeface="Cambria Math" panose="02040503050406030204" pitchFamily="18" charset="0"/>
+                            </a:rPr>
+                            <m:t>𝑇</m:t>
+                          </m:r>
+                        </m:sup>
+                      </m:sSup>
+                      <m:sSup>
+                        <m:sSupPr>
+                          <m:ctrlPr>
+                            <a:rPr lang="en-US" b="0" i="1" smtClean="0">
+                              <a:latin typeface="Cambria Math" panose="02040503050406030204" pitchFamily="18" charset="0"/>
+                            </a:rPr>
+                          </m:ctrlPr>
+                        </m:sSupPr>
+                        <m:e>
+                          <m:d>
+                            <m:dPr>
+                              <m:ctrlPr>
+                                <a:rPr lang="en-US" b="0" i="1" smtClean="0">
+                                  <a:latin typeface="Cambria Math" panose="02040503050406030204" pitchFamily="18" charset="0"/>
+                                </a:rPr>
+                              </m:ctrlPr>
+                            </m:dPr>
+                            <m:e>
+                              <m:sSub>
+                                <m:sSubPr>
+                                  <m:ctrlPr>
+                                    <a:rPr lang="en-US" b="0" i="1" smtClean="0">
+                                      <a:latin typeface="Cambria Math" panose="02040503050406030204" pitchFamily="18" charset="0"/>
+                                    </a:rPr>
+                                  </m:ctrlPr>
+                                </m:sSubPr>
+                                <m:e>
+                                  <m:r>
+                                    <a:rPr lang="en-US" b="0" i="1" smtClean="0">
+                                      <a:latin typeface="Cambria Math" panose="02040503050406030204" pitchFamily="18" charset="0"/>
+                                    </a:rPr>
+                                    <m:t>𝐻</m:t>
+                                  </m:r>
+                                </m:e>
+                                <m:sub>
+                                  <m:r>
+                                    <a:rPr lang="en-US" b="0" i="1" smtClean="0">
+                                      <a:latin typeface="Cambria Math" panose="02040503050406030204" pitchFamily="18" charset="0"/>
+                                    </a:rPr>
+                                    <m:t>𝑛</m:t>
+                                  </m:r>
+                                </m:sub>
+                              </m:sSub>
+                              <m:sSubSup>
+                                <m:sSubSupPr>
+                                  <m:ctrlPr>
+                                    <a:rPr lang="en-US" b="0" i="1" smtClean="0">
+                                      <a:latin typeface="Cambria Math" panose="02040503050406030204" pitchFamily="18" charset="0"/>
+                                    </a:rPr>
+                                  </m:ctrlPr>
+                                </m:sSubSupPr>
+                                <m:e>
+                                  <m:r>
+                                    <a:rPr lang="en-US" b="0" i="1" smtClean="0">
+                                      <a:latin typeface="Cambria Math" panose="02040503050406030204" pitchFamily="18" charset="0"/>
+                                    </a:rPr>
+                                    <m:t>𝑃</m:t>
+                                  </m:r>
+                                </m:e>
+                                <m:sub>
+                                  <m:r>
+                                    <a:rPr lang="en-US" b="0" i="1" smtClean="0">
+                                      <a:latin typeface="Cambria Math" panose="02040503050406030204" pitchFamily="18" charset="0"/>
+                                    </a:rPr>
+                                    <m:t>𝑛</m:t>
+                                  </m:r>
+                                </m:sub>
+                                <m:sup>
+                                  <m:r>
+                                    <a:rPr lang="en-US" b="0" i="1" smtClean="0">
+                                      <a:latin typeface="Cambria Math" panose="02040503050406030204" pitchFamily="18" charset="0"/>
+                                    </a:rPr>
+                                    <m:t>−</m:t>
+                                  </m:r>
+                                </m:sup>
+                              </m:sSubSup>
+                              <m:sSup>
+                                <m:sSupPr>
+                                  <m:ctrlPr>
+                                    <a:rPr lang="en-US" b="0" i="1" smtClean="0">
+                                      <a:latin typeface="Cambria Math" panose="02040503050406030204" pitchFamily="18" charset="0"/>
+                                    </a:rPr>
+                                  </m:ctrlPr>
+                                </m:sSupPr>
+                                <m:e>
+                                  <m:r>
+                                    <a:rPr lang="en-US" b="0" i="1" smtClean="0">
+                                      <a:latin typeface="Cambria Math" panose="02040503050406030204" pitchFamily="18" charset="0"/>
+                                    </a:rPr>
+                                    <m:t>𝐻</m:t>
+                                  </m:r>
+                                </m:e>
+                                <m:sup>
+                                  <m:r>
+                                    <a:rPr lang="en-US" b="0" i="1" smtClean="0">
+                                      <a:latin typeface="Cambria Math" panose="02040503050406030204" pitchFamily="18" charset="0"/>
+                                    </a:rPr>
+                                    <m:t>𝑇</m:t>
+                                  </m:r>
+                                </m:sup>
+                              </m:sSup>
+                              <m:r>
+                                <a:rPr lang="en-US" b="0" i="1" smtClean="0">
+                                  <a:latin typeface="Cambria Math" panose="02040503050406030204" pitchFamily="18" charset="0"/>
+                                </a:rPr>
+                                <m:t>+</m:t>
+                              </m:r>
+                              <m:sSub>
+                                <m:sSubPr>
+                                  <m:ctrlPr>
+                                    <a:rPr lang="en-US" b="0" i="1" smtClean="0">
+                                      <a:latin typeface="Cambria Math" panose="02040503050406030204" pitchFamily="18" charset="0"/>
+                                    </a:rPr>
+                                  </m:ctrlPr>
+                                </m:sSubPr>
+                                <m:e>
+                                  <m:r>
+                                    <a:rPr lang="en-US" b="0" i="1" smtClean="0">
+                                      <a:latin typeface="Cambria Math" panose="02040503050406030204" pitchFamily="18" charset="0"/>
+                                    </a:rPr>
+                                    <m:t>𝑅</m:t>
+                                  </m:r>
+                                </m:e>
+                                <m:sub>
+                                  <m:r>
+                                    <a:rPr lang="en-US" b="0" i="1" smtClean="0">
+                                      <a:latin typeface="Cambria Math" panose="02040503050406030204" pitchFamily="18" charset="0"/>
+                                    </a:rPr>
+                                    <m:t>𝑛</m:t>
+                                  </m:r>
+                                </m:sub>
+                              </m:sSub>
+                            </m:e>
+                          </m:d>
+                        </m:e>
+                        <m:sup>
+                          <m:r>
+                            <a:rPr lang="en-US" b="0" i="1" smtClean="0">
+                              <a:latin typeface="Cambria Math" panose="02040503050406030204" pitchFamily="18" charset="0"/>
+                            </a:rPr>
+                            <m:t>−1</m:t>
+                          </m:r>
+                        </m:sup>
+                      </m:sSup>
+                    </m:oMath>
+                  </m:oMathPara>
+                </a14:m>
+                <a:endParaRPr lang="en-US" dirty="0"/>
+              </a:p>
+              <a:p>
+                <a:pPr algn="ctr"/>
+                <a14:m>
+                  <m:oMathPara xmlns:m="http://schemas.openxmlformats.org/officeDocument/2006/math">
+                    <m:oMathParaPr>
+                      <m:jc m:val="centerGroup"/>
+                    </m:oMathParaPr>
+                    <m:oMath xmlns:m="http://schemas.openxmlformats.org/officeDocument/2006/math">
+                      <m:sSubSup>
+                        <m:sSubSupPr>
+                          <m:ctrlPr>
+                            <a:rPr lang="en-US" b="0" i="1" smtClean="0">
+                              <a:latin typeface="Cambria Math" panose="02040503050406030204" pitchFamily="18" charset="0"/>
+                            </a:rPr>
+                          </m:ctrlPr>
+                        </m:sSubSupPr>
+                        <m:e>
+                          <m:r>
+                            <a:rPr lang="en-US" b="0" i="1" smtClean="0">
+                              <a:latin typeface="Cambria Math" panose="02040503050406030204" pitchFamily="18" charset="0"/>
+                            </a:rPr>
+                            <m:t>𝑥</m:t>
+                          </m:r>
+                        </m:e>
+                        <m:sub>
+                          <m:r>
+                            <a:rPr lang="en-US" b="0" i="1" smtClean="0">
+                              <a:latin typeface="Cambria Math" panose="02040503050406030204" pitchFamily="18" charset="0"/>
+                            </a:rPr>
+                            <m:t>𝑛</m:t>
+                          </m:r>
+                        </m:sub>
+                        <m:sup>
+                          <m:r>
+                            <a:rPr lang="en-US" b="0" i="1" smtClean="0">
+                              <a:latin typeface="Cambria Math" panose="02040503050406030204" pitchFamily="18" charset="0"/>
+                            </a:rPr>
+                            <m:t>+</m:t>
+                          </m:r>
+                        </m:sup>
+                      </m:sSubSup>
+                      <m:r>
+                        <a:rPr lang="en-US" b="0" i="1" smtClean="0">
+                          <a:latin typeface="Cambria Math" panose="02040503050406030204" pitchFamily="18" charset="0"/>
+                        </a:rPr>
+                        <m:t>=</m:t>
+                      </m:r>
+                      <m:sSubSup>
+                        <m:sSubSupPr>
+                          <m:ctrlPr>
+                            <a:rPr lang="en-US" b="0" i="1" smtClean="0">
+                              <a:latin typeface="Cambria Math" panose="02040503050406030204" pitchFamily="18" charset="0"/>
+                            </a:rPr>
+                          </m:ctrlPr>
+                        </m:sSubSupPr>
+                        <m:e>
+                          <m:r>
+                            <a:rPr lang="en-US" b="0" i="1" smtClean="0">
+                              <a:latin typeface="Cambria Math" panose="02040503050406030204" pitchFamily="18" charset="0"/>
+                            </a:rPr>
+                            <m:t>𝑥</m:t>
+                          </m:r>
+                        </m:e>
+                        <m:sub>
+                          <m:r>
+                            <a:rPr lang="en-US" b="0" i="1" smtClean="0">
+                              <a:latin typeface="Cambria Math" panose="02040503050406030204" pitchFamily="18" charset="0"/>
+                            </a:rPr>
+                            <m:t>𝑛</m:t>
+                          </m:r>
+                        </m:sub>
+                        <m:sup>
+                          <m:r>
+                            <a:rPr lang="en-US" b="0" i="1" smtClean="0">
+                              <a:latin typeface="Cambria Math" panose="02040503050406030204" pitchFamily="18" charset="0"/>
+                            </a:rPr>
+                            <m:t>−</m:t>
+                          </m:r>
+                        </m:sup>
+                      </m:sSubSup>
+                      <m:r>
+                        <a:rPr lang="en-US" b="0" i="1" smtClean="0">
+                          <a:latin typeface="Cambria Math" panose="02040503050406030204" pitchFamily="18" charset="0"/>
+                        </a:rPr>
+                        <m:t>+</m:t>
+                      </m:r>
+                      <m:sSub>
+                        <m:sSubPr>
+                          <m:ctrlPr>
+                            <a:rPr lang="en-US" b="0" i="1" smtClean="0">
+                              <a:latin typeface="Cambria Math" panose="02040503050406030204" pitchFamily="18" charset="0"/>
+                            </a:rPr>
+                          </m:ctrlPr>
+                        </m:sSubPr>
+                        <m:e>
+                          <m:r>
+                            <a:rPr lang="en-US" b="0" i="1" smtClean="0">
+                              <a:latin typeface="Cambria Math" panose="02040503050406030204" pitchFamily="18" charset="0"/>
+                            </a:rPr>
+                            <m:t>𝐾</m:t>
+                          </m:r>
+                        </m:e>
+                        <m:sub>
+                          <m:r>
+                            <a:rPr lang="en-US" b="0" i="1" smtClean="0">
+                              <a:latin typeface="Cambria Math" panose="02040503050406030204" pitchFamily="18" charset="0"/>
+                            </a:rPr>
+                            <m:t>𝑛</m:t>
+                          </m:r>
+                        </m:sub>
+                      </m:sSub>
+                      <m:r>
+                        <a:rPr lang="en-US" b="0" i="1" smtClean="0">
+                          <a:latin typeface="Cambria Math" panose="02040503050406030204" pitchFamily="18" charset="0"/>
+                        </a:rPr>
+                        <m:t>(</m:t>
+                      </m:r>
+                      <m:sSub>
+                        <m:sSubPr>
+                          <m:ctrlPr>
+                            <a:rPr lang="en-US" b="0" i="1" smtClean="0">
+                              <a:latin typeface="Cambria Math" panose="02040503050406030204" pitchFamily="18" charset="0"/>
+                            </a:rPr>
+                          </m:ctrlPr>
+                        </m:sSubPr>
+                        <m:e>
+                          <m:r>
+                            <a:rPr lang="en-US" b="0" i="1" smtClean="0">
+                              <a:latin typeface="Cambria Math" panose="02040503050406030204" pitchFamily="18" charset="0"/>
+                            </a:rPr>
+                            <m:t>𝑧</m:t>
+                          </m:r>
+                        </m:e>
+                        <m:sub>
+                          <m:r>
+                            <a:rPr lang="en-US" b="0" i="1" smtClean="0">
+                              <a:latin typeface="Cambria Math" panose="02040503050406030204" pitchFamily="18" charset="0"/>
+                            </a:rPr>
+                            <m:t>𝑛</m:t>
+                          </m:r>
+                        </m:sub>
+                      </m:sSub>
+                      <m:r>
+                        <a:rPr lang="en-US" b="0" i="1" smtClean="0">
+                          <a:latin typeface="Cambria Math" panose="02040503050406030204" pitchFamily="18" charset="0"/>
+                        </a:rPr>
+                        <m:t>−</m:t>
+                      </m:r>
+                      <m:sSub>
+                        <m:sSubPr>
+                          <m:ctrlPr>
+                            <a:rPr lang="en-US" b="0" i="1" smtClean="0">
+                              <a:latin typeface="Cambria Math" panose="02040503050406030204" pitchFamily="18" charset="0"/>
+                            </a:rPr>
+                          </m:ctrlPr>
+                        </m:sSubPr>
+                        <m:e>
+                          <m:r>
+                            <a:rPr lang="en-US" b="0" i="1" smtClean="0">
+                              <a:latin typeface="Cambria Math" panose="02040503050406030204" pitchFamily="18" charset="0"/>
+                            </a:rPr>
+                            <m:t>𝐻</m:t>
+                          </m:r>
+                        </m:e>
+                        <m:sub>
+                          <m:r>
+                            <a:rPr lang="en-US" b="0" i="1" smtClean="0">
+                              <a:latin typeface="Cambria Math" panose="02040503050406030204" pitchFamily="18" charset="0"/>
+                            </a:rPr>
+                            <m:t>𝑛</m:t>
+                          </m:r>
+                        </m:sub>
+                      </m:sSub>
+                      <m:sSubSup>
+                        <m:sSubSupPr>
+                          <m:ctrlPr>
+                            <a:rPr lang="en-US" b="0" i="1" smtClean="0">
+                              <a:latin typeface="Cambria Math" panose="02040503050406030204" pitchFamily="18" charset="0"/>
+                            </a:rPr>
+                          </m:ctrlPr>
+                        </m:sSubSupPr>
+                        <m:e>
+                          <m:r>
+                            <a:rPr lang="en-US" b="0" i="1" smtClean="0">
+                              <a:latin typeface="Cambria Math" panose="02040503050406030204" pitchFamily="18" charset="0"/>
+                            </a:rPr>
+                            <m:t>𝑥</m:t>
+                          </m:r>
+                        </m:e>
+                        <m:sub>
+                          <m:r>
+                            <a:rPr lang="en-US" b="0" i="1" smtClean="0">
+                              <a:latin typeface="Cambria Math" panose="02040503050406030204" pitchFamily="18" charset="0"/>
+                            </a:rPr>
+                            <m:t>𝑛</m:t>
+                          </m:r>
+                        </m:sub>
+                        <m:sup>
+                          <m:r>
+                            <a:rPr lang="en-US" b="0" i="1" smtClean="0">
+                              <a:latin typeface="Cambria Math" panose="02040503050406030204" pitchFamily="18" charset="0"/>
+                            </a:rPr>
+                            <m:t>−</m:t>
+                          </m:r>
+                        </m:sup>
+                      </m:sSubSup>
+                      <m:r>
+                        <a:rPr lang="en-US" b="0" i="1" smtClean="0">
+                          <a:latin typeface="Cambria Math" panose="02040503050406030204" pitchFamily="18" charset="0"/>
+                        </a:rPr>
+                        <m:t>)</m:t>
+                      </m:r>
+                    </m:oMath>
+                  </m:oMathPara>
+                </a14:m>
+                <a:endParaRPr lang="en-US" dirty="0"/>
+              </a:p>
+              <a:p>
+                <a:pPr algn="ctr"/>
+                <a14:m>
+                  <m:oMath xmlns:m="http://schemas.openxmlformats.org/officeDocument/2006/math">
+                    <m:sSubSup>
+                      <m:sSubSupPr>
+                        <m:ctrlPr>
+                          <a:rPr lang="en-US" b="0" i="1" smtClean="0">
+                            <a:latin typeface="Cambria Math" panose="02040503050406030204" pitchFamily="18" charset="0"/>
+                          </a:rPr>
+                        </m:ctrlPr>
+                      </m:sSubSupPr>
+                      <m:e>
+                        <m:r>
+                          <a:rPr lang="en-US" b="0" i="1" smtClean="0">
+                            <a:latin typeface="Cambria Math" panose="02040503050406030204" pitchFamily="18" charset="0"/>
+                          </a:rPr>
+                          <m:t>𝑃</m:t>
+                        </m:r>
+                      </m:e>
+                      <m:sub>
+                        <m:r>
+                          <a:rPr lang="en-US" b="0" i="1" smtClean="0">
+                            <a:latin typeface="Cambria Math" panose="02040503050406030204" pitchFamily="18" charset="0"/>
+                          </a:rPr>
+                          <m:t>𝑛</m:t>
+                        </m:r>
+                      </m:sub>
+                      <m:sup>
+                        <m:r>
+                          <a:rPr lang="en-US" b="0" i="1" smtClean="0">
+                            <a:latin typeface="Cambria Math" panose="02040503050406030204" pitchFamily="18" charset="0"/>
+                          </a:rPr>
+                          <m:t>+</m:t>
+                        </m:r>
+                      </m:sup>
+                    </m:sSubSup>
+                    <m:r>
+                      <a:rPr lang="en-US" b="0" i="1" smtClean="0">
+                        <a:latin typeface="Cambria Math" panose="02040503050406030204" pitchFamily="18" charset="0"/>
+                      </a:rPr>
+                      <m:t>=</m:t>
+                    </m:r>
+                    <m:d>
+                      <m:dPr>
+                        <m:ctrlPr>
+                          <a:rPr lang="en-US" b="0" i="1" smtClean="0">
+                            <a:latin typeface="Cambria Math" panose="02040503050406030204" pitchFamily="18" charset="0"/>
+                          </a:rPr>
+                        </m:ctrlPr>
+                      </m:dPr>
+                      <m:e>
+                        <m:r>
+                          <a:rPr lang="en-US" b="0" i="1" smtClean="0">
+                            <a:latin typeface="Cambria Math" panose="02040503050406030204" pitchFamily="18" charset="0"/>
+                          </a:rPr>
+                          <m:t>𝐼</m:t>
+                        </m:r>
+                        <m:r>
+                          <a:rPr lang="en-US" b="0" i="1" smtClean="0">
+                            <a:latin typeface="Cambria Math" panose="02040503050406030204" pitchFamily="18" charset="0"/>
+                          </a:rPr>
+                          <m:t>−</m:t>
+                        </m:r>
+                        <m:sSub>
+                          <m:sSubPr>
+                            <m:ctrlPr>
+                              <a:rPr lang="en-US" b="0" i="1" smtClean="0">
+                                <a:latin typeface="Cambria Math" panose="02040503050406030204" pitchFamily="18" charset="0"/>
+                              </a:rPr>
+                            </m:ctrlPr>
+                          </m:sSubPr>
+                          <m:e>
+                            <m:r>
+                              <a:rPr lang="en-US" b="0" i="1" smtClean="0">
+                                <a:latin typeface="Cambria Math" panose="02040503050406030204" pitchFamily="18" charset="0"/>
+                              </a:rPr>
+                              <m:t>𝐾</m:t>
+                            </m:r>
+                          </m:e>
+                          <m:sub>
+                            <m:r>
+                              <a:rPr lang="en-US" b="0" i="1" smtClean="0">
+                                <a:latin typeface="Cambria Math" panose="02040503050406030204" pitchFamily="18" charset="0"/>
+                              </a:rPr>
+                              <m:t>𝑛</m:t>
+                            </m:r>
+                          </m:sub>
+                        </m:sSub>
+                        <m:sSub>
+                          <m:sSubPr>
+                            <m:ctrlPr>
+                              <a:rPr lang="en-US" b="0" i="1" smtClean="0">
+                                <a:latin typeface="Cambria Math" panose="02040503050406030204" pitchFamily="18" charset="0"/>
+                              </a:rPr>
+                            </m:ctrlPr>
+                          </m:sSubPr>
+                          <m:e>
+                            <m:r>
+                              <a:rPr lang="en-US" b="0" i="1" smtClean="0">
+                                <a:latin typeface="Cambria Math" panose="02040503050406030204" pitchFamily="18" charset="0"/>
+                              </a:rPr>
+                              <m:t>𝐻</m:t>
+                            </m:r>
+                          </m:e>
+                          <m:sub>
+                            <m:r>
+                              <a:rPr lang="en-US" b="0" i="1" smtClean="0">
+                                <a:latin typeface="Cambria Math" panose="02040503050406030204" pitchFamily="18" charset="0"/>
+                              </a:rPr>
+                              <m:t>𝑛</m:t>
+                            </m:r>
+                          </m:sub>
+                        </m:sSub>
+                      </m:e>
+                    </m:d>
+                    <m:sSubSup>
+                      <m:sSubSupPr>
+                        <m:ctrlPr>
+                          <a:rPr lang="en-US" b="0" i="1" smtClean="0">
+                            <a:latin typeface="Cambria Math" panose="02040503050406030204" pitchFamily="18" charset="0"/>
+                          </a:rPr>
+                        </m:ctrlPr>
+                      </m:sSubSupPr>
+                      <m:e>
+                        <m:r>
+                          <a:rPr lang="en-US" b="0" i="1" smtClean="0">
+                            <a:latin typeface="Cambria Math" panose="02040503050406030204" pitchFamily="18" charset="0"/>
+                          </a:rPr>
+                          <m:t>𝑃</m:t>
+                        </m:r>
+                      </m:e>
+                      <m:sub>
+                        <m:r>
+                          <a:rPr lang="en-US" b="0" i="1" smtClean="0">
+                            <a:latin typeface="Cambria Math" panose="02040503050406030204" pitchFamily="18" charset="0"/>
+                          </a:rPr>
+                          <m:t>𝑛</m:t>
+                        </m:r>
+                      </m:sub>
+                      <m:sup>
+                        <m:r>
+                          <a:rPr lang="en-US" b="0" i="1" smtClean="0">
+                            <a:latin typeface="Cambria Math" panose="02040503050406030204" pitchFamily="18" charset="0"/>
+                          </a:rPr>
+                          <m:t>−</m:t>
+                        </m:r>
+                      </m:sup>
+                    </m:sSubSup>
+                  </m:oMath>
+                </a14:m>
+                <a:r>
+                  <a:rPr lang="en-US" b="0" dirty="0"/>
+                  <a:t> </a:t>
+                </a:r>
+              </a:p>
+            </p:txBody>
+          </p:sp>
+        </mc:Choice>
+        <mc:Fallback>
+          <p:sp>
+            <p:nvSpPr>
+              <p:cNvPr id="7" name="TextBox 6">
+                <a:extLst>
+                  <a:ext uri="{FF2B5EF4-FFF2-40B4-BE49-F238E27FC236}">
+                    <a16:creationId xmlns:a16="http://schemas.microsoft.com/office/drawing/2014/main" id="{F509D312-0A28-165B-71BA-B122719B8EF7}"/>
+                  </a:ext>
+                </a:extLst>
+              </p:cNvPr>
+              <p:cNvSpPr txBox="1">
+                <a:spLocks noRot="1" noChangeAspect="1" noMove="1" noResize="1" noEditPoints="1" noAdjustHandles="1" noChangeArrowheads="1" noChangeShapeType="1" noTextEdit="1"/>
+              </p:cNvSpPr>
+              <p:nvPr/>
+            </p:nvSpPr>
+            <p:spPr>
+              <a:xfrm>
+                <a:off x="7991229" y="4164732"/>
+                <a:ext cx="3195983" cy="1200329"/>
+              </a:xfrm>
+              <a:prstGeom prst="rect">
+                <a:avLst/>
+              </a:prstGeom>
+              <a:blipFill>
+                <a:blip r:embed="rId2"/>
+                <a:stretch>
+                  <a:fillRect t="-1493"/>
+                </a:stretch>
+              </a:blipFill>
+              <a:ln>
+                <a:solidFill>
+                  <a:srgbClr val="FF0000"/>
+                </a:solidFill>
+              </a:ln>
+            </p:spPr>
+            <p:txBody>
+              <a:bodyPr/>
+              <a:lstStyle/>
+              <a:p>
+                <a:r>
+                  <a:rPr lang="en-US">
+                    <a:noFill/>
+                  </a:rPr>
+                  <a:t> </a:t>
+                </a:r>
+              </a:p>
+            </p:txBody>
+          </p:sp>
+        </mc:Fallback>
+      </mc:AlternateContent>
+      <mc:AlternateContent xmlns:mc="http://schemas.openxmlformats.org/markup-compatibility/2006">
+        <mc:Choice xmlns:a14="http://schemas.microsoft.com/office/drawing/2010/main" Requires="a14">
+          <p:sp>
+            <p:nvSpPr>
+              <p:cNvPr id="8" name="TextBox 7">
+                <a:extLst>
+                  <a:ext uri="{FF2B5EF4-FFF2-40B4-BE49-F238E27FC236}">
+                    <a16:creationId xmlns:a16="http://schemas.microsoft.com/office/drawing/2014/main" id="{E325CD23-079E-BE31-1035-E36AB3D051CB}"/>
+                  </a:ext>
+                </a:extLst>
+              </p:cNvPr>
+              <p:cNvSpPr txBox="1"/>
+              <p:nvPr/>
+            </p:nvSpPr>
+            <p:spPr>
+              <a:xfrm>
+                <a:off x="7895017" y="2293689"/>
+                <a:ext cx="3195983" cy="946991"/>
+              </a:xfrm>
+              <a:prstGeom prst="rect">
+                <a:avLst/>
+              </a:prstGeom>
+              <a:ln>
+                <a:solidFill>
+                  <a:srgbClr val="0005DA"/>
+                </a:solidFill>
+              </a:ln>
+            </p:spPr>
+            <p:style>
+              <a:lnRef idx="2">
+                <a:schemeClr val="accent3"/>
+              </a:lnRef>
+              <a:fillRef idx="1">
+                <a:schemeClr val="lt1"/>
+              </a:fillRef>
+              <a:effectRef idx="0">
+                <a:schemeClr val="accent3"/>
+              </a:effectRef>
+              <a:fontRef idx="minor">
+                <a:schemeClr val="dk1"/>
+              </a:fontRef>
+            </p:style>
+            <p:txBody>
+              <a:bodyPr wrap="square" rtlCol="0">
+                <a:spAutoFit/>
+              </a:bodyPr>
+              <a:lstStyle/>
+              <a:p>
+                <a:pPr algn="ctr"/>
+                <a:r>
+                  <a:rPr lang="en-US" dirty="0"/>
+                  <a:t>Time Update:</a:t>
+                </a:r>
+              </a:p>
+              <a:p>
+                <a:pPr algn="ctr"/>
+                <a14:m>
+                  <m:oMathPara xmlns:m="http://schemas.openxmlformats.org/officeDocument/2006/math">
+                    <m:oMathParaPr>
+                      <m:jc m:val="centerGroup"/>
+                    </m:oMathParaPr>
+                    <m:oMath xmlns:m="http://schemas.openxmlformats.org/officeDocument/2006/math">
+                      <m:sSubSup>
+                        <m:sSubSupPr>
+                          <m:ctrlPr>
+                            <a:rPr lang="en-US" b="0" i="1" smtClean="0">
+                              <a:latin typeface="Cambria Math" panose="02040503050406030204" pitchFamily="18" charset="0"/>
+                            </a:rPr>
+                          </m:ctrlPr>
+                        </m:sSubSupPr>
+                        <m:e>
+                          <m:r>
+                            <a:rPr lang="en-US" b="0" i="1" smtClean="0">
+                              <a:latin typeface="Cambria Math" panose="02040503050406030204" pitchFamily="18" charset="0"/>
+                            </a:rPr>
+                            <m:t>𝑥</m:t>
+                          </m:r>
+                        </m:e>
+                        <m:sub>
+                          <m:r>
+                            <a:rPr lang="en-US" b="0" i="1" smtClean="0">
+                              <a:latin typeface="Cambria Math" panose="02040503050406030204" pitchFamily="18" charset="0"/>
+                            </a:rPr>
+                            <m:t>𝑛</m:t>
+                          </m:r>
+                          <m:r>
+                            <a:rPr lang="en-US" b="0" i="1" smtClean="0">
+                              <a:latin typeface="Cambria Math" panose="02040503050406030204" pitchFamily="18" charset="0"/>
+                            </a:rPr>
+                            <m:t>+1</m:t>
+                          </m:r>
+                        </m:sub>
+                        <m:sup>
+                          <m:r>
+                            <a:rPr lang="en-US" b="0" i="1" smtClean="0">
+                              <a:latin typeface="Cambria Math" panose="02040503050406030204" pitchFamily="18" charset="0"/>
+                            </a:rPr>
+                            <m:t>−</m:t>
+                          </m:r>
+                        </m:sup>
+                      </m:sSubSup>
+                      <m:r>
+                        <a:rPr lang="en-US" b="0" i="1" smtClean="0">
+                          <a:latin typeface="Cambria Math" panose="02040503050406030204" pitchFamily="18" charset="0"/>
+                        </a:rPr>
+                        <m:t>=</m:t>
+                      </m:r>
+                      <m:r>
+                        <a:rPr lang="en-US" b="0" i="1" smtClean="0">
+                          <a:latin typeface="Cambria Math" panose="02040503050406030204" pitchFamily="18" charset="0"/>
+                        </a:rPr>
+                        <m:t>𝐴</m:t>
+                      </m:r>
+                      <m:sSub>
+                        <m:sSubPr>
+                          <m:ctrlPr>
+                            <a:rPr lang="en-US" b="0" i="1" smtClean="0">
+                              <a:latin typeface="Cambria Math" panose="02040503050406030204" pitchFamily="18" charset="0"/>
+                            </a:rPr>
+                          </m:ctrlPr>
+                        </m:sSubPr>
+                        <m:e>
+                          <m:r>
+                            <a:rPr lang="en-US" b="0" i="1" smtClean="0">
+                              <a:latin typeface="Cambria Math" panose="02040503050406030204" pitchFamily="18" charset="0"/>
+                            </a:rPr>
+                            <m:t>𝑥</m:t>
+                          </m:r>
+                        </m:e>
+                        <m:sub>
+                          <m:r>
+                            <a:rPr lang="en-US" b="0" i="1" smtClean="0">
+                              <a:latin typeface="Cambria Math" panose="02040503050406030204" pitchFamily="18" charset="0"/>
+                            </a:rPr>
+                            <m:t>𝑛</m:t>
+                          </m:r>
+                        </m:sub>
+                      </m:sSub>
+                      <m:r>
+                        <a:rPr lang="en-US" b="0" i="1" smtClean="0">
+                          <a:latin typeface="Cambria Math" panose="02040503050406030204" pitchFamily="18" charset="0"/>
+                        </a:rPr>
+                        <m:t> </m:t>
+                      </m:r>
+                    </m:oMath>
+                  </m:oMathPara>
+                </a14:m>
+                <a:endParaRPr lang="en-US" b="0" dirty="0"/>
+              </a:p>
+              <a:p>
+                <a:pPr algn="ctr"/>
+                <a:r>
+                  <a:rPr lang="en-US" b="0" dirty="0"/>
+                  <a:t> </a:t>
+                </a:r>
+                <a14:m>
+                  <m:oMath xmlns:m="http://schemas.openxmlformats.org/officeDocument/2006/math">
+                    <m:sSubSup>
+                      <m:sSubSupPr>
+                        <m:ctrlPr>
+                          <a:rPr lang="en-US" b="0" i="1" smtClean="0">
+                            <a:latin typeface="Cambria Math" panose="02040503050406030204" pitchFamily="18" charset="0"/>
+                          </a:rPr>
+                        </m:ctrlPr>
+                      </m:sSubSupPr>
+                      <m:e>
+                        <m:r>
+                          <a:rPr lang="en-US" b="0" i="1" smtClean="0">
+                            <a:latin typeface="Cambria Math" panose="02040503050406030204" pitchFamily="18" charset="0"/>
+                          </a:rPr>
+                          <m:t>𝑃</m:t>
+                        </m:r>
+                      </m:e>
+                      <m:sub>
+                        <m:r>
+                          <a:rPr lang="en-US" b="0" i="1" smtClean="0">
+                            <a:latin typeface="Cambria Math" panose="02040503050406030204" pitchFamily="18" charset="0"/>
+                          </a:rPr>
+                          <m:t>𝑛</m:t>
+                        </m:r>
+                        <m:r>
+                          <a:rPr lang="en-US" b="0" i="1" smtClean="0">
+                            <a:latin typeface="Cambria Math" panose="02040503050406030204" pitchFamily="18" charset="0"/>
+                          </a:rPr>
+                          <m:t>+1</m:t>
+                        </m:r>
+                      </m:sub>
+                      <m:sup>
+                        <m:r>
+                          <a:rPr lang="en-US" b="0" i="1" smtClean="0">
+                            <a:latin typeface="Cambria Math" panose="02040503050406030204" pitchFamily="18" charset="0"/>
+                          </a:rPr>
+                          <m:t>−</m:t>
+                        </m:r>
+                      </m:sup>
+                    </m:sSubSup>
+                    <m:r>
+                      <a:rPr lang="en-US" b="0" i="1" smtClean="0">
+                        <a:latin typeface="Cambria Math" panose="02040503050406030204" pitchFamily="18" charset="0"/>
+                      </a:rPr>
+                      <m:t>=</m:t>
+                    </m:r>
+                    <m:r>
+                      <a:rPr lang="en-US" b="0" i="1" smtClean="0">
+                        <a:latin typeface="Cambria Math" panose="02040503050406030204" pitchFamily="18" charset="0"/>
+                      </a:rPr>
+                      <m:t>𝐴</m:t>
+                    </m:r>
+                    <m:sSub>
+                      <m:sSubPr>
+                        <m:ctrlPr>
+                          <a:rPr lang="en-US" b="0" i="1" smtClean="0">
+                            <a:latin typeface="Cambria Math" panose="02040503050406030204" pitchFamily="18" charset="0"/>
+                          </a:rPr>
+                        </m:ctrlPr>
+                      </m:sSubPr>
+                      <m:e>
+                        <m:r>
+                          <a:rPr lang="en-US" b="0" i="1" smtClean="0">
+                            <a:latin typeface="Cambria Math" panose="02040503050406030204" pitchFamily="18" charset="0"/>
+                          </a:rPr>
+                          <m:t>𝑃</m:t>
+                        </m:r>
+                      </m:e>
+                      <m:sub>
+                        <m:r>
+                          <a:rPr lang="en-US" b="0" i="1" smtClean="0">
+                            <a:latin typeface="Cambria Math" panose="02040503050406030204" pitchFamily="18" charset="0"/>
+                          </a:rPr>
+                          <m:t>𝑛</m:t>
+                        </m:r>
+                      </m:sub>
+                    </m:sSub>
+                    <m:sSup>
+                      <m:sSupPr>
+                        <m:ctrlPr>
+                          <a:rPr lang="en-US" b="0" i="1" smtClean="0">
+                            <a:latin typeface="Cambria Math" panose="02040503050406030204" pitchFamily="18" charset="0"/>
+                          </a:rPr>
+                        </m:ctrlPr>
+                      </m:sSupPr>
+                      <m:e>
+                        <m:r>
+                          <a:rPr lang="en-US" b="0" i="1" smtClean="0">
+                            <a:latin typeface="Cambria Math" panose="02040503050406030204" pitchFamily="18" charset="0"/>
+                          </a:rPr>
+                          <m:t>𝐴</m:t>
+                        </m:r>
+                      </m:e>
+                      <m:sup>
+                        <m:r>
+                          <a:rPr lang="en-US" b="0" i="1" smtClean="0">
+                            <a:latin typeface="Cambria Math" panose="02040503050406030204" pitchFamily="18" charset="0"/>
+                          </a:rPr>
+                          <m:t>𝑇</m:t>
+                        </m:r>
+                      </m:sup>
+                    </m:sSup>
+                  </m:oMath>
+                </a14:m>
+                <a:endParaRPr lang="en-US" b="0" dirty="0"/>
+              </a:p>
+            </p:txBody>
+          </p:sp>
+        </mc:Choice>
+        <mc:Fallback>
+          <p:sp>
+            <p:nvSpPr>
+              <p:cNvPr id="8" name="TextBox 7">
+                <a:extLst>
+                  <a:ext uri="{FF2B5EF4-FFF2-40B4-BE49-F238E27FC236}">
+                    <a16:creationId xmlns:a16="http://schemas.microsoft.com/office/drawing/2014/main" id="{E325CD23-079E-BE31-1035-E36AB3D051CB}"/>
+                  </a:ext>
+                </a:extLst>
+              </p:cNvPr>
+              <p:cNvSpPr txBox="1">
+                <a:spLocks noRot="1" noChangeAspect="1" noMove="1" noResize="1" noEditPoints="1" noAdjustHandles="1" noChangeArrowheads="1" noChangeShapeType="1" noTextEdit="1"/>
+              </p:cNvSpPr>
+              <p:nvPr/>
+            </p:nvSpPr>
+            <p:spPr>
+              <a:xfrm>
+                <a:off x="7895017" y="2293689"/>
+                <a:ext cx="3195983" cy="946991"/>
+              </a:xfrm>
+              <a:prstGeom prst="rect">
+                <a:avLst/>
+              </a:prstGeom>
+              <a:blipFill>
+                <a:blip r:embed="rId3"/>
+                <a:stretch>
+                  <a:fillRect t="-1875"/>
+                </a:stretch>
+              </a:blipFill>
+              <a:ln>
+                <a:solidFill>
+                  <a:srgbClr val="0005DA"/>
+                </a:solidFill>
+              </a:ln>
+            </p:spPr>
+            <p:txBody>
+              <a:bodyPr/>
+              <a:lstStyle/>
+              <a:p>
+                <a:r>
+                  <a:rPr lang="en-US">
+                    <a:noFill/>
+                  </a:rPr>
+                  <a:t> </a:t>
+                </a:r>
+              </a:p>
+            </p:txBody>
+          </p:sp>
+        </mc:Fallback>
+      </mc:AlternateContent>
+      <p:cxnSp>
+        <p:nvCxnSpPr>
+          <p:cNvPr id="9" name="Connector: Curved 8">
+            <a:extLst>
+              <a:ext uri="{FF2B5EF4-FFF2-40B4-BE49-F238E27FC236}">
+                <a16:creationId xmlns:a16="http://schemas.microsoft.com/office/drawing/2014/main" id="{080E776B-F115-E77E-0989-BA31146D8A48}"/>
+              </a:ext>
+            </a:extLst>
+          </p:cNvPr>
+          <p:cNvCxnSpPr>
+            <a:cxnSpLocks/>
+            <a:stCxn id="8" idx="3"/>
+            <a:endCxn id="7" idx="3"/>
+          </p:cNvCxnSpPr>
+          <p:nvPr/>
+        </p:nvCxnSpPr>
+        <p:spPr>
+          <a:xfrm>
+            <a:off x="11091000" y="2767185"/>
+            <a:ext cx="96212" cy="1997712"/>
+          </a:xfrm>
+          <a:prstGeom prst="curvedConnector3">
+            <a:avLst>
+              <a:gd name="adj1" fmla="val 337600"/>
+            </a:avLst>
+          </a:prstGeom>
+          <a:ln>
+            <a:tailEnd type="triangle"/>
+          </a:ln>
+        </p:spPr>
+        <p:style>
+          <a:lnRef idx="1">
+            <a:schemeClr val="accent1"/>
+          </a:lnRef>
+          <a:fillRef idx="0">
+            <a:schemeClr val="accent1"/>
+          </a:fillRef>
+          <a:effectRef idx="0">
+            <a:schemeClr val="accent1"/>
+          </a:effectRef>
+          <a:fontRef idx="minor">
+            <a:schemeClr val="tx1"/>
+          </a:fontRef>
+        </p:style>
+      </p:cxnSp>
+      <p:cxnSp>
+        <p:nvCxnSpPr>
+          <p:cNvPr id="11" name="Connector: Curved 10">
+            <a:extLst>
+              <a:ext uri="{FF2B5EF4-FFF2-40B4-BE49-F238E27FC236}">
+                <a16:creationId xmlns:a16="http://schemas.microsoft.com/office/drawing/2014/main" id="{0F1B71AE-D554-6ACD-2356-B8ABB40EC79F}"/>
+              </a:ext>
+            </a:extLst>
+          </p:cNvPr>
+          <p:cNvCxnSpPr>
+            <a:cxnSpLocks/>
+            <a:stCxn id="7" idx="1"/>
+            <a:endCxn id="8" idx="1"/>
+          </p:cNvCxnSpPr>
+          <p:nvPr/>
+        </p:nvCxnSpPr>
+        <p:spPr>
+          <a:xfrm rot="10800000">
+            <a:off x="7895017" y="2767185"/>
+            <a:ext cx="96212" cy="1997712"/>
+          </a:xfrm>
+          <a:prstGeom prst="curvedConnector3">
+            <a:avLst>
+              <a:gd name="adj1" fmla="val 337600"/>
+            </a:avLst>
+          </a:prstGeom>
+          <a:ln>
+            <a:tailEnd type="triangle"/>
+          </a:ln>
+        </p:spPr>
+        <p:style>
+          <a:lnRef idx="1">
+            <a:schemeClr val="accent1"/>
+          </a:lnRef>
+          <a:fillRef idx="0">
+            <a:schemeClr val="accent1"/>
+          </a:fillRef>
+          <a:effectRef idx="0">
+            <a:schemeClr val="accent1"/>
+          </a:effectRef>
+          <a:fontRef idx="minor">
+            <a:schemeClr val="tx1"/>
+          </a:fontRef>
+        </p:style>
+      </p:cxnSp>
     </p:spTree>
     <p:extLst>
       <p:ext uri="{BB962C8B-B14F-4D97-AF65-F5344CB8AC3E}">
@@ -23885,20 +25217,44 @@
         </p:nvSpPr>
         <p:spPr>
           <a:xfrm>
-            <a:off x="358044" y="1341438"/>
-            <a:ext cx="11647689" cy="4911725"/>
+            <a:off x="358045" y="1341438"/>
+            <a:ext cx="6434642" cy="4911725"/>
           </a:xfrm>
         </p:spPr>
         <p:txBody>
-          <a:bodyPr/>
+          <a:bodyPr>
+            <a:normAutofit fontScale="85000" lnSpcReduction="10000"/>
+          </a:bodyPr>
           <a:lstStyle/>
           <a:p>
-            <a:pPr marL="0" indent="0">
-              <a:buNone/>
-            </a:pPr>
             <a:r>
               <a:rPr lang="en-US" dirty="0"/>
-              <a:t>		</a:t>
+              <a:t>First Proposed by H.A.P. Blom in 1984. [2]</a:t>
+            </a:r>
+          </a:p>
+          <a:p>
+            <a:r>
+              <a:rPr lang="en-US" dirty="0"/>
+              <a:t>Proposed as a high-efficiency solution to estimation of processes with Markovian coefficients. </a:t>
+            </a:r>
+          </a:p>
+          <a:p>
+            <a:pPr lvl="1"/>
+            <a:r>
+              <a:rPr lang="en-US" dirty="0"/>
+              <a:t>Processes where the parameters evolve according to a Markov process.</a:t>
+            </a:r>
+          </a:p>
+          <a:p>
+            <a:r>
+              <a:rPr lang="en-US" dirty="0"/>
+              <a:t>Utilizes multiple models to propagate the system and based on the innovations of each model the best update is selected and mixed with the other outputs.</a:t>
+            </a:r>
+          </a:p>
+          <a:p>
+            <a:r>
+              <a:rPr lang="en-US" dirty="0"/>
+              <a:t>This allows for complex dynamics to be estimated with various simple kinematic models.</a:t>
             </a:r>
           </a:p>
           <a:p>
@@ -23906,6 +25262,99 @@
           </a:p>
           <a:p>
             <a:endParaRPr lang="en-US" sz="2400" dirty="0"/>
+          </a:p>
+        </p:txBody>
+      </p:sp>
+      <p:pic>
+        <p:nvPicPr>
+          <p:cNvPr id="6" name="Picture 5">
+            <a:extLst>
+              <a:ext uri="{FF2B5EF4-FFF2-40B4-BE49-F238E27FC236}">
+                <a16:creationId xmlns:a16="http://schemas.microsoft.com/office/drawing/2014/main" id="{968663F7-40CB-606C-444A-1A9D435E3294}"/>
+              </a:ext>
+            </a:extLst>
+          </p:cNvPr>
+          <p:cNvPicPr>
+            <a:picLocks noChangeAspect="1"/>
+          </p:cNvPicPr>
+          <p:nvPr/>
+        </p:nvPicPr>
+        <p:blipFill>
+          <a:blip r:embed="rId2">
+            <a:clrChange>
+              <a:clrFrom>
+                <a:srgbClr val="FFFFFF"/>
+              </a:clrFrom>
+              <a:clrTo>
+                <a:srgbClr val="FFFFFF">
+                  <a:alpha val="0"/>
+                </a:srgbClr>
+              </a:clrTo>
+            </a:clrChange>
+          </a:blip>
+          <a:stretch>
+            <a:fillRect/>
+          </a:stretch>
+        </p:blipFill>
+        <p:spPr>
+          <a:xfrm>
+            <a:off x="6927034" y="1723069"/>
+            <a:ext cx="4674019" cy="3514715"/>
+          </a:xfrm>
+          <a:prstGeom prst="rect">
+            <a:avLst/>
+          </a:prstGeom>
+        </p:spPr>
+      </p:pic>
+      <p:sp>
+        <p:nvSpPr>
+          <p:cNvPr id="8" name="TextBox 7">
+            <a:extLst>
+              <a:ext uri="{FF2B5EF4-FFF2-40B4-BE49-F238E27FC236}">
+                <a16:creationId xmlns:a16="http://schemas.microsoft.com/office/drawing/2014/main" id="{478DC7B9-DB55-10BC-E92E-DC66C891E698}"/>
+              </a:ext>
+            </a:extLst>
+          </p:cNvPr>
+          <p:cNvSpPr txBox="1"/>
+          <p:nvPr/>
+        </p:nvSpPr>
+        <p:spPr>
+          <a:xfrm>
+            <a:off x="11459497" y="5183747"/>
+            <a:ext cx="440344" cy="369332"/>
+          </a:xfrm>
+          <a:prstGeom prst="rect">
+            <a:avLst/>
+          </a:prstGeom>
+          <a:noFill/>
+          <a:ln w="12700" cap="flat">
+            <a:noFill/>
+            <a:miter lim="400000"/>
+          </a:ln>
+          <a:effectLst/>
+        </p:spPr>
+        <p:style>
+          <a:lnRef idx="0">
+            <a:scrgbClr r="0" g="0" b="0"/>
+          </a:lnRef>
+          <a:fillRef idx="0">
+            <a:scrgbClr r="0" g="0" b="0"/>
+          </a:fillRef>
+          <a:effectRef idx="0">
+            <a:scrgbClr r="0" g="0" b="0"/>
+          </a:effectRef>
+          <a:fontRef idx="none"/>
+        </p:style>
+        <p:txBody>
+          <a:bodyPr wrap="square">
+            <a:spAutoFit/>
+          </a:bodyPr>
+          <a:lstStyle/>
+          <a:p>
+            <a:r>
+              <a:rPr lang="en-US" dirty="0"/>
+              <a:t>[2]</a:t>
+            </a:r>
           </a:p>
         </p:txBody>
       </p:sp>
@@ -25576,11 +27025,11 @@
   <p:clrMapOvr>
     <a:masterClrMapping/>
   </p:clrMapOvr>
-  <mc:AlternateContent xmlns:mc="http://schemas.openxmlformats.org/markup-compatibility/2006">
-    <mc:Choice xmlns:p14="http://schemas.microsoft.com/office/powerpoint/2010/main" Requires="p14">
+  <mc:AlternateContent xmlns:mc="http://schemas.openxmlformats.org/markup-compatibility/2006" xmlns:p14="http://schemas.microsoft.com/office/powerpoint/2010/main">
+    <mc:Choice Requires="p14">
       <p:transition p14:dur="0"/>
     </mc:Choice>
-    <mc:Fallback>
+    <mc:Fallback xmlns="">
       <p:transition/>
     </mc:Fallback>
   </mc:AlternateContent>
@@ -33381,8 +34830,8 @@
           </a:p>
         </p:txBody>
       </p:sp>
-      <mc:AlternateContent xmlns:mc="http://schemas.openxmlformats.org/markup-compatibility/2006">
-        <mc:Choice xmlns:a14="http://schemas.microsoft.com/office/drawing/2010/main" Requires="a14">
+      <mc:AlternateContent xmlns:mc="http://schemas.openxmlformats.org/markup-compatibility/2006" xmlns:a14="http://schemas.microsoft.com/office/drawing/2010/main">
+        <mc:Choice Requires="a14">
           <p:sp>
             <p:nvSpPr>
               <p:cNvPr id="6" name="TextBox 5">
@@ -33729,7 +35178,7 @@
             </p:txBody>
           </p:sp>
         </mc:Choice>
-        <mc:Fallback>
+        <mc:Fallback xmlns="">
           <p:sp>
             <p:nvSpPr>
               <p:cNvPr id="6" name="TextBox 5">

--- a/report/OptimalFinalPresentation.pptx
+++ b/report/OptimalFinalPresentation.pptx
@@ -23990,7 +23990,7 @@
             <p:spPr>
               <a:xfrm>
                 <a:off x="7991229" y="4164732"/>
-                <a:ext cx="3195983" cy="1200329"/>
+                <a:ext cx="3195983" cy="1846659"/>
               </a:xfrm>
               <a:prstGeom prst="rect">
                 <a:avLst/>
@@ -24025,6 +24025,14 @@
                 <a:r>
                   <a:rPr lang="en-US" dirty="0"/>
                   <a:t>Measurement Update:</a:t>
+                </a:r>
+                <a:endParaRPr lang="en-US" u="sng" dirty="0"/>
+              </a:p>
+              <a:p>
+                <a:pPr algn="ctr"/>
+                <a:r>
+                  <a:rPr lang="en-US" sz="1400" u="sng" dirty="0"/>
+                  <a:t>Compute Kalman Gain:</a:t>
                 </a:r>
               </a:p>
               <a:p>
@@ -24272,6 +24280,13 @@
                   </m:oMathPara>
                 </a14:m>
                 <a:endParaRPr lang="en-US" dirty="0"/>
+              </a:p>
+              <a:p>
+                <a:pPr algn="ctr"/>
+                <a:r>
+                  <a:rPr lang="en-US" sz="1400" u="sng" dirty="0"/>
+                  <a:t>Compute Error Covariance for Updated Estimate:</a:t>
+                </a:r>
               </a:p>
               <a:p>
                 <a:pPr algn="ctr"/>
@@ -24667,7 +24682,7 @@
             <p:spPr>
               <a:xfrm>
                 <a:off x="7991229" y="4164732"/>
-                <a:ext cx="3195983" cy="1200329"/>
+                <a:ext cx="3195983" cy="1846659"/>
               </a:xfrm>
               <a:prstGeom prst="rect">
                 <a:avLst/>
@@ -24675,7 +24690,7 @@
               <a:blipFill>
                 <a:blip r:embed="rId2"/>
                 <a:stretch>
-                  <a:fillRect t="-1493"/>
+                  <a:fillRect t="-977"/>
                 </a:stretch>
               </a:blipFill>
               <a:ln>
@@ -25033,7 +25048,7 @@
         <p:spPr>
           <a:xfrm>
             <a:off x="11091000" y="2767185"/>
-            <a:ext cx="96212" cy="1997712"/>
+            <a:ext cx="96212" cy="2320877"/>
           </a:xfrm>
           <a:prstGeom prst="curvedConnector3">
             <a:avLst>
@@ -25077,8 +25092,8 @@
         </p:nvCxnSpPr>
         <p:spPr>
           <a:xfrm rot="10800000">
-            <a:off x="7895017" y="2767185"/>
-            <a:ext cx="96212" cy="1997712"/>
+            <a:off x="7895017" y="2767186"/>
+            <a:ext cx="96212" cy="2320877"/>
           </a:xfrm>
           <a:prstGeom prst="curvedConnector3">
             <a:avLst>

--- a/report/OptimalFinalPresentation.pptx
+++ b/report/OptimalFinalPresentation.pptx
@@ -35,13 +35,13 @@
     <p:sldId id="293" r:id="rId23"/>
     <p:sldId id="292" r:id="rId24"/>
     <p:sldId id="270" r:id="rId25"/>
-    <p:sldId id="271" r:id="rId26"/>
+    <p:sldId id="297" r:id="rId26"/>
     <p:sldId id="272" r:id="rId27"/>
     <p:sldId id="281" r:id="rId28"/>
     <p:sldId id="285" r:id="rId29"/>
   </p:sldIdLst>
   <p:sldSz cx="12192000" cy="6858000"/>
-  <p:notesSz cx="9144000" cy="6858000"/>
+  <p:notesSz cx="9296400" cy="7010400"/>
   <p:defaultTextStyle>
     <a:lvl1pPr defTabSz="457200">
       <a:buClr>
@@ -232,15 +232,15 @@
         </p:nvSpPr>
         <p:spPr>
           <a:xfrm>
-            <a:off x="0" y="0"/>
-            <a:ext cx="3962400" cy="344091"/>
+            <a:off x="0" y="2"/>
+            <a:ext cx="4028440" cy="351737"/>
           </a:xfrm>
           <a:prstGeom prst="rect">
             <a:avLst/>
           </a:prstGeom>
         </p:spPr>
         <p:txBody>
-          <a:bodyPr vert="horz" lIns="91440" tIns="45720" rIns="91440" bIns="45720" rtlCol="0"/>
+          <a:bodyPr vert="horz" lIns="93177" tIns="46589" rIns="93177" bIns="46589" rtlCol="0"/>
           <a:lstStyle>
             <a:lvl1pPr algn="l">
               <a:defRPr sz="1200"/>
@@ -263,15 +263,15 @@
         </p:nvSpPr>
         <p:spPr>
           <a:xfrm>
-            <a:off x="5179484" y="0"/>
-            <a:ext cx="3962400" cy="344091"/>
+            <a:off x="5265809" y="2"/>
+            <a:ext cx="4028440" cy="351737"/>
           </a:xfrm>
           <a:prstGeom prst="rect">
             <a:avLst/>
           </a:prstGeom>
         </p:spPr>
         <p:txBody>
-          <a:bodyPr vert="horz" lIns="91440" tIns="45720" rIns="91440" bIns="45720" rtlCol="0"/>
+          <a:bodyPr vert="horz" lIns="93177" tIns="46589" rIns="93177" bIns="46589" rtlCol="0"/>
           <a:lstStyle>
             <a:lvl1pPr algn="r">
               <a:defRPr sz="1200"/>
@@ -298,15 +298,15 @@
         </p:nvSpPr>
         <p:spPr>
           <a:xfrm>
-            <a:off x="0" y="6513910"/>
-            <a:ext cx="3962400" cy="344090"/>
+            <a:off x="0" y="6658664"/>
+            <a:ext cx="4028440" cy="351736"/>
           </a:xfrm>
           <a:prstGeom prst="rect">
             <a:avLst/>
           </a:prstGeom>
         </p:spPr>
         <p:txBody>
-          <a:bodyPr vert="horz" lIns="91440" tIns="45720" rIns="91440" bIns="45720" rtlCol="0" anchor="b"/>
+          <a:bodyPr vert="horz" lIns="93177" tIns="46589" rIns="93177" bIns="46589" rtlCol="0" anchor="b"/>
           <a:lstStyle>
             <a:lvl1pPr algn="l">
               <a:defRPr sz="1200"/>
@@ -329,15 +329,15 @@
         </p:nvSpPr>
         <p:spPr>
           <a:xfrm>
-            <a:off x="5179484" y="6513910"/>
-            <a:ext cx="3962400" cy="344090"/>
+            <a:off x="5265809" y="6658664"/>
+            <a:ext cx="4028440" cy="351736"/>
           </a:xfrm>
           <a:prstGeom prst="rect">
             <a:avLst/>
           </a:prstGeom>
         </p:spPr>
         <p:txBody>
-          <a:bodyPr vert="horz" lIns="91440" tIns="45720" rIns="91440" bIns="45720" rtlCol="0" anchor="b"/>
+          <a:bodyPr vert="horz" lIns="93177" tIns="46589" rIns="93177" bIns="46589" rtlCol="0" anchor="b"/>
           <a:lstStyle>
             <a:lvl1pPr algn="r">
               <a:defRPr sz="1200"/>
@@ -397,15 +397,15 @@
         </p:nvSpPr>
         <p:spPr>
           <a:xfrm>
-            <a:off x="2286000" y="514350"/>
-            <a:ext cx="4572000" cy="2571750"/>
+            <a:off x="2311400" y="525463"/>
+            <a:ext cx="4673600" cy="2628900"/>
           </a:xfrm>
           <a:prstGeom prst="rect">
             <a:avLst/>
           </a:prstGeom>
         </p:spPr>
         <p:txBody>
-          <a:bodyPr/>
+          <a:bodyPr lIns="93177" tIns="46589" rIns="93177" bIns="46589"/>
           <a:lstStyle/>
           <a:p>
             <a:pPr lvl="0"/>
@@ -425,15 +425,15 @@
         </p:nvSpPr>
         <p:spPr>
           <a:xfrm>
-            <a:off x="1219200" y="3257550"/>
-            <a:ext cx="6705600" cy="3086100"/>
+            <a:off x="1239520" y="3329940"/>
+            <a:ext cx="6817360" cy="3154680"/>
           </a:xfrm>
           <a:prstGeom prst="rect">
             <a:avLst/>
           </a:prstGeom>
         </p:spPr>
         <p:txBody>
-          <a:bodyPr/>
+          <a:bodyPr lIns="93177" tIns="46589" rIns="93177" bIns="46589"/>
           <a:lstStyle/>
           <a:p>
             <a:pPr lvl="0"/>
@@ -21413,7 +21413,7 @@
         <p:cNvPr id="1" name="">
           <a:extLst>
             <a:ext uri="{FF2B5EF4-FFF2-40B4-BE49-F238E27FC236}">
-              <a16:creationId xmlns:a16="http://schemas.microsoft.com/office/drawing/2014/main" id="{33B05CDA-2927-4F3F-9EA8-23EFD888A115}"/>
+              <a16:creationId xmlns:a16="http://schemas.microsoft.com/office/drawing/2014/main" id="{579EB43E-C4FA-7A01-4CC4-484C7A51A319}"/>
             </a:ext>
           </a:extLst>
         </p:cNvPr>
@@ -21433,7 +21433,7 @@
           <p:cNvPr id="2" name="Title 1">
             <a:extLst>
               <a:ext uri="{FF2B5EF4-FFF2-40B4-BE49-F238E27FC236}">
-                <a16:creationId xmlns:a16="http://schemas.microsoft.com/office/drawing/2014/main" id="{86D00A58-D052-B859-D12B-8FC19DDB0824}"/>
+                <a16:creationId xmlns:a16="http://schemas.microsoft.com/office/drawing/2014/main" id="{4EEB040A-92B7-9E81-F013-ED23B4DB5FB8}"/>
               </a:ext>
             </a:extLst>
           </p:cNvPr>
@@ -21446,12 +21446,14 @@
         </p:nvSpPr>
         <p:spPr/>
         <p:txBody>
-          <a:bodyPr/>
+          <a:bodyPr>
+            <a:normAutofit/>
+          </a:bodyPr>
           <a:lstStyle/>
           <a:p>
             <a:r>
               <a:rPr lang="en-US" dirty="0"/>
-              <a:t>Questions?</a:t>
+              <a:t>Questions</a:t>
             </a:r>
           </a:p>
         </p:txBody>
@@ -21461,7 +21463,7 @@
           <p:cNvPr id="3" name="Slide Number Placeholder 2">
             <a:extLst>
               <a:ext uri="{FF2B5EF4-FFF2-40B4-BE49-F238E27FC236}">
-                <a16:creationId xmlns:a16="http://schemas.microsoft.com/office/drawing/2014/main" id="{B3426B7B-2274-FFC8-A307-4405A1CC7FEA}"/>
+                <a16:creationId xmlns:a16="http://schemas.microsoft.com/office/drawing/2014/main" id="{54F1F711-92F0-0738-B59B-734CBD564C1D}"/>
               </a:ext>
             </a:extLst>
           </p:cNvPr>
@@ -21489,7 +21491,7 @@
     </p:spTree>
     <p:extLst>
       <p:ext uri="{BB962C8B-B14F-4D97-AF65-F5344CB8AC3E}">
-        <p14:creationId xmlns:p14="http://schemas.microsoft.com/office/powerpoint/2010/main" val="2276957071"/>
+        <p14:creationId xmlns:p14="http://schemas.microsoft.com/office/powerpoint/2010/main" val="3774402689"/>
       </p:ext>
     </p:extLst>
   </p:cSld>
@@ -21595,8 +21597,8 @@
         </p:nvSpPr>
         <p:spPr>
           <a:xfrm>
-            <a:off x="135540" y="1102221"/>
-            <a:ext cx="11026882" cy="1202741"/>
+            <a:off x="135540" y="1378446"/>
+            <a:ext cx="11026882" cy="2800767"/>
           </a:xfrm>
           <a:prstGeom prst="rect">
             <a:avLst/>
@@ -21626,71 +21628,71 @@
           </a:bodyPr>
           <a:lstStyle/>
           <a:p>
-            <a:pPr indent="457200"/>
-            <a:endParaRPr lang="en-US" sz="1200" dirty="0"/>
-          </a:p>
-          <a:p>
-            <a:pPr indent="457200">
-              <a:buFont typeface="+mj-lt"/>
-              <a:buAutoNum type="arabicParenR"/>
+            <a:pPr marL="457200" indent="-457200">
+              <a:spcAft>
+                <a:spcPts val="1200"/>
+              </a:spcAft>
             </a:pPr>
             <a:r>
-              <a:rPr lang="en-US" sz="1200" b="0" i="0" dirty="0">
+              <a:rPr lang="en-US" sz="2400" b="0" i="0" dirty="0">
                 <a:solidFill>
                   <a:srgbClr val="1A1A1A"/>
                 </a:solidFill>
                 <a:effectLst/>
-                <a:latin typeface="Noto Sans" panose="020B0502040204020203" pitchFamily="34" charset="0"/>
+                <a:latin typeface="+mj-lt"/>
               </a:rPr>
-              <a:t>Kalman, R. E. (March 1, 1960). "A New Approach to Linear Filtering and Prediction Problems."   ASME. </a:t>
+              <a:t>[1] Kalman, R. E. (March 1, 1960). "A New Approach to Linear Filtering and 	Prediction Problems."   ASME. </a:t>
             </a:r>
             <a:r>
-              <a:rPr lang="en-US" sz="1200" b="0" i="1" dirty="0">
+              <a:rPr lang="en-US" sz="2400" b="0" i="1" dirty="0">
                 <a:solidFill>
                   <a:srgbClr val="1A1A1A"/>
                 </a:solidFill>
                 <a:effectLst/>
-                <a:latin typeface="Noto Sans" panose="020B0502040204020203" pitchFamily="34" charset="0"/>
+                <a:latin typeface="+mj-lt"/>
               </a:rPr>
               <a:t>J. Basic Eng</a:t>
             </a:r>
             <a:r>
-              <a:rPr lang="en-US" sz="1200" b="0" i="0" dirty="0">
+              <a:rPr lang="en-US" sz="2400" b="0" i="0" dirty="0">
                 <a:solidFill>
                   <a:srgbClr val="1A1A1A"/>
                 </a:solidFill>
                 <a:effectLst/>
-                <a:latin typeface="Noto Sans" panose="020B0502040204020203" pitchFamily="34" charset="0"/>
+                <a:latin typeface="+mj-lt"/>
               </a:rPr>
-              <a:t>. March 1960; 82(1): 35–	45. </a:t>
+              <a:t>. March 1960; 82(1): 35-	45. </a:t>
             </a:r>
             <a:r>
-              <a:rPr lang="en-US" sz="1200" b="0" i="0" u="none" strike="noStrike" dirty="0">
+              <a:rPr lang="en-US" sz="2400" b="0" i="0" u="none" strike="noStrike" dirty="0">
                 <a:solidFill>
                   <a:srgbClr val="0D6C9F"/>
                 </a:solidFill>
                 <a:effectLst/>
-                <a:latin typeface="Noto Sans" panose="020B0502040204020203" pitchFamily="34" charset="0"/>
+                <a:latin typeface="+mj-lt"/>
                 <a:hlinkClick r:id="rId2"/>
               </a:rPr>
               <a:t>https://doi.org/10.1115/1.3662552</a:t>
             </a:r>
-            <a:endParaRPr lang="en-US" sz="1200" b="0" i="0" u="none" strike="noStrike" dirty="0">
+            <a:endParaRPr lang="en-US" sz="2400" b="0" i="0" u="none" strike="noStrike" dirty="0">
               <a:solidFill>
                 <a:srgbClr val="0D6C9F"/>
               </a:solidFill>
               <a:effectLst/>
-              <a:latin typeface="Noto Sans" panose="020B0502040204020203" pitchFamily="34" charset="0"/>
+              <a:latin typeface="+mj-lt"/>
             </a:endParaRPr>
           </a:p>
           <a:p>
-            <a:pPr indent="457200">
-              <a:buFont typeface="+mj-lt"/>
-              <a:buAutoNum type="arabicParenR"/>
+            <a:pPr marL="457200" indent="-457200">
+              <a:spcAft>
+                <a:spcPts val="1200"/>
+              </a:spcAft>
             </a:pPr>
             <a:r>
-              <a:rPr lang="en-US" sz="1200" dirty="0"/>
-              <a:t>Blom, Henk. (1984). An efficient filter for abruptly changing systems. Proceedings of the 23rd IEEE Conference on Decision and Control. 656 - 658. 	10.1109/CDC.1984.272089. </a:t>
+              <a:rPr lang="en-US" sz="2400" dirty="0">
+                <a:latin typeface="+mj-lt"/>
+              </a:rPr>
+              <a:t>[2] Blom, Henk. (1984). An efficient filter for abruptly changing systems. 	Proceedings of the 23rd IEEE Conference on Decision and Control. 656 - 	658. 10.1109/CDC.1984.272089. </a:t>
             </a:r>
           </a:p>
           <a:p>
@@ -23973,8 +23975,8 @@
           </a:p>
         </p:txBody>
       </p:sp>
-      <mc:AlternateContent xmlns:mc="http://schemas.openxmlformats.org/markup-compatibility/2006">
-        <mc:Choice xmlns:a14="http://schemas.microsoft.com/office/drawing/2010/main" Requires="a14">
+      <mc:AlternateContent xmlns:mc="http://schemas.openxmlformats.org/markup-compatibility/2006" xmlns:a14="http://schemas.microsoft.com/office/drawing/2010/main">
+        <mc:Choice Requires="a14">
           <p:sp>
             <p:nvSpPr>
               <p:cNvPr id="7" name="TextBox 6">
@@ -24664,7 +24666,7 @@
             </p:txBody>
           </p:sp>
         </mc:Choice>
-        <mc:Fallback>
+        <mc:Fallback xmlns="">
           <p:sp>
             <p:nvSpPr>
               <p:cNvPr id="7" name="TextBox 6">
@@ -24714,8 +24716,8 @@
           </p:sp>
         </mc:Fallback>
       </mc:AlternateContent>
-      <mc:AlternateContent xmlns:mc="http://schemas.openxmlformats.org/markup-compatibility/2006">
-        <mc:Choice xmlns:a14="http://schemas.microsoft.com/office/drawing/2010/main" Requires="a14">
+      <mc:AlternateContent xmlns:mc="http://schemas.openxmlformats.org/markup-compatibility/2006" xmlns:a14="http://schemas.microsoft.com/office/drawing/2010/main">
+        <mc:Choice Requires="a14">
           <p:sp>
             <p:nvSpPr>
               <p:cNvPr id="8" name="TextBox 7">
@@ -24979,7 +24981,7 @@
             </p:txBody>
           </p:sp>
         </mc:Choice>
-        <mc:Fallback>
+        <mc:Fallback xmlns="">
           <p:sp>
             <p:nvSpPr>
               <p:cNvPr id="8" name="TextBox 7">
